--- a/기획서.pptx
+++ b/기획서.pptx
@@ -11,6 +11,8 @@
     <p:sldId id="259" r:id="rId5"/>
     <p:sldId id="260" r:id="rId6"/>
     <p:sldId id="261" r:id="rId7"/>
+    <p:sldId id="263" r:id="rId8"/>
+    <p:sldId id="264" r:id="rId9"/>
   </p:sldIdLst>
   <p:sldSz cx="12192000" cy="6858000"/>
   <p:notesSz cx="6858000" cy="9144000"/>
@@ -109,6 +111,11 @@
       </a:defRPr>
     </a:lvl9pPr>
   </p:defaultTextStyle>
+  <p:extLst>
+    <p:ext uri="{EFAFB233-063F-42B5-8137-9DF3F51BA10A}">
+      <p15:sldGuideLst xmlns:p15="http://schemas.microsoft.com/office/powerpoint/2012/main"/>
+    </p:ext>
+  </p:extLst>
 </p:presentation>
 </file>
 
@@ -277,7 +284,7 @@
           <a:p>
             <a:fld id="{72EA7947-E287-4738-8C82-07CE4F01EF03}" type="datetime2">
               <a:rPr lang="en-US" smtClean="0"/>
-              <a:t>Sunday, May 14, 2023</a:t>
+              <a:t>Monday, May 15, 2023</a:t>
             </a:fld>
             <a:endParaRPr lang="en-US" dirty="0"/>
           </a:p>
@@ -1313,7 +1320,7 @@
           <a:p>
             <a:fld id="{EE2EBD84-71F4-4271-8C46-0D47C0A9B12E}" type="datetime2">
               <a:rPr lang="en-US" smtClean="0"/>
-              <a:t>Sunday, May 14, 2023</a:t>
+              <a:t>Monday, May 15, 2023</a:t>
             </a:fld>
             <a:endParaRPr lang="en-US"/>
           </a:p>
@@ -1524,7 +1531,7 @@
           <a:p>
             <a:fld id="{ABAE0CE1-F450-4107-B2CB-17B18F8A3F4A}" type="datetime2">
               <a:rPr lang="en-US" smtClean="0"/>
-              <a:t>Sunday, May 14, 2023</a:t>
+              <a:t>Monday, May 15, 2023</a:t>
             </a:fld>
             <a:endParaRPr lang="en-US"/>
           </a:p>
@@ -2189,7 +2196,7 @@
           <a:p>
             <a:fld id="{6FE8C025-CD7A-4966-867E-81CF82B15267}" type="datetime2">
               <a:rPr lang="en-US" smtClean="0"/>
-              <a:t>Sunday, May 14, 2023</a:t>
+              <a:t>Monday, May 15, 2023</a:t>
             </a:fld>
             <a:endParaRPr lang="en-US"/>
           </a:p>
@@ -2809,7 +2816,7 @@
           <a:p>
             <a:fld id="{FE809929-0719-4517-94D6-FDF7F99E70F6}" type="datetime2">
               <a:rPr lang="en-US" smtClean="0"/>
-              <a:t>Sunday, May 14, 2023</a:t>
+              <a:t>Monday, May 15, 2023</a:t>
             </a:fld>
             <a:endParaRPr lang="en-US"/>
           </a:p>
@@ -3927,7 +3934,7 @@
           <a:p>
             <a:fld id="{20E95673-5512-4AAA-9AEB-E00C61EC65D5}" type="datetime2">
               <a:rPr lang="en-US" smtClean="0"/>
-              <a:t>Sunday, May 14, 2023</a:t>
+              <a:t>Monday, May 15, 2023</a:t>
             </a:fld>
             <a:endParaRPr lang="en-US"/>
           </a:p>
@@ -4474,7 +4481,7 @@
           <a:p>
             <a:fld id="{C13138FA-2E87-4873-8BBA-13E447C9A99A}" type="datetime2">
               <a:rPr lang="en-US" smtClean="0"/>
-              <a:t>Sunday, May 14, 2023</a:t>
+              <a:t>Monday, May 15, 2023</a:t>
             </a:fld>
             <a:endParaRPr lang="en-US"/>
           </a:p>
@@ -4635,7 +4642,7 @@
           <a:p>
             <a:fld id="{D75BB40A-97BD-4BFB-B639-0BFF95FDE8B7}" type="datetime2">
               <a:rPr lang="en-US" smtClean="0"/>
-              <a:t>Sunday, May 14, 2023</a:t>
+              <a:t>Monday, May 15, 2023</a:t>
             </a:fld>
             <a:endParaRPr lang="en-US"/>
           </a:p>
@@ -5670,7 +5677,7 @@
           <a:p>
             <a:fld id="{9EE9E0E3-ECF6-4CFE-8698-AEFEBCECC3C0}" type="datetime2">
               <a:rPr lang="en-US" smtClean="0"/>
-              <a:t>Sunday, May 14, 2023</a:t>
+              <a:t>Monday, May 15, 2023</a:t>
             </a:fld>
             <a:endParaRPr lang="en-US"/>
           </a:p>
@@ -6316,7 +6323,7 @@
           <a:p>
             <a:fld id="{251462FC-960E-4740-921F-B36862979F21}" type="datetime2">
               <a:rPr lang="en-US" smtClean="0"/>
-              <a:t>Sunday, May 14, 2023</a:t>
+              <a:t>Monday, May 15, 2023</a:t>
             </a:fld>
             <a:endParaRPr lang="en-US"/>
           </a:p>
@@ -7080,7 +7087,7 @@
           <a:p>
             <a:fld id="{E50BC9E2-CB44-4C05-9BB5-496C18A241E0}" type="datetime2">
               <a:rPr lang="en-US" smtClean="0"/>
-              <a:t>Sunday, May 14, 2023</a:t>
+              <a:t>Monday, May 15, 2023</a:t>
             </a:fld>
             <a:endParaRPr lang="en-US"/>
           </a:p>
@@ -7327,7 +7334,7 @@
           <a:p>
             <a:fld id="{246CB39B-5F4C-4A7E-9BE3-AAFD45576D16}" type="datetime2">
               <a:rPr lang="en-US" smtClean="0"/>
-              <a:t>Sunday, May 14, 2023</a:t>
+              <a:t>Monday, May 15, 2023</a:t>
             </a:fld>
             <a:endParaRPr lang="en-US" dirty="0"/>
           </a:p>
@@ -8416,12 +8423,12 @@
         </p:nvSpPr>
         <p:spPr>
           <a:xfrm>
-            <a:off x="550200" y="2414546"/>
+            <a:off x="550198" y="2429361"/>
             <a:ext cx="11006800" cy="553998"/>
           </a:xfrm>
         </p:spPr>
         <p:txBody>
-          <a:bodyPr>
+          <a:bodyPr anchor="t">
             <a:normAutofit/>
           </a:bodyPr>
           <a:lstStyle/>
@@ -8459,7 +8466,7 @@
         </p:nvSpPr>
         <p:spPr>
           <a:xfrm>
-            <a:off x="482600" y="3152001"/>
+            <a:off x="550200" y="3147908"/>
             <a:ext cx="11074399" cy="553998"/>
           </a:xfrm>
           <a:prstGeom prst="rect">
@@ -8468,7 +8475,7 @@
           <a:noFill/>
         </p:spPr>
         <p:txBody>
-          <a:bodyPr wrap="square" rtlCol="0">
+          <a:bodyPr wrap="square" rtlCol="0" anchor="t">
             <a:spAutoFit/>
           </a:bodyPr>
           <a:lstStyle/>
@@ -8629,7 +8636,7 @@
         </p:nvSpPr>
         <p:spPr>
           <a:xfrm>
-            <a:off x="482599" y="3878588"/>
+            <a:off x="550198" y="3878589"/>
             <a:ext cx="11074399" cy="553998"/>
           </a:xfrm>
           <a:prstGeom prst="rect">
@@ -8638,7 +8645,47 @@
           <a:noFill/>
         </p:spPr>
         <p:txBody>
-          <a:bodyPr wrap="square" rtlCol="0">
+          <a:bodyPr wrap="square" rtlCol="0" anchor="t">
+            <a:spAutoFit/>
+          </a:bodyPr>
+          <a:lstStyle/>
+          <a:p>
+            <a:r>
+              <a:rPr lang="ko-KR" altLang="en-US" sz="3000" dirty="0"/>
+              <a:t>타겟 연령층  </a:t>
+            </a:r>
+            <a:r>
+              <a:rPr lang="en-US" altLang="ko-KR" sz="3000" dirty="0"/>
+              <a:t>:	</a:t>
+            </a:r>
+            <a:endParaRPr lang="ko-KR" altLang="en-US" sz="3000" dirty="0"/>
+          </a:p>
+        </p:txBody>
+      </p:sp>
+      <p:sp>
+        <p:nvSpPr>
+          <p:cNvPr id="3" name="TextBox 2">
+            <a:extLst>
+              <a:ext uri="{FF2B5EF4-FFF2-40B4-BE49-F238E27FC236}">
+                <a16:creationId xmlns:a16="http://schemas.microsoft.com/office/drawing/2014/main" id="{54E5818E-C822-A5FE-6C88-3895A9263225}"/>
+              </a:ext>
+            </a:extLst>
+          </p:cNvPr>
+          <p:cNvSpPr txBox="1"/>
+          <p:nvPr/>
+        </p:nvSpPr>
+        <p:spPr>
+          <a:xfrm>
+            <a:off x="516398" y="4642091"/>
+            <a:ext cx="11074399" cy="553998"/>
+          </a:xfrm>
+          <a:prstGeom prst="rect">
+            <a:avLst/>
+          </a:prstGeom>
+          <a:noFill/>
+        </p:spPr>
+        <p:txBody>
+          <a:bodyPr wrap="square" rtlCol="0" anchor="t">
             <a:spAutoFit/>
           </a:bodyPr>
           <a:lstStyle/>
@@ -8800,10 +8847,10 @@
             </a:lvl1pPr>
           </a:lstStyle>
           <a:p>
-            <a:r>
-              <a:rPr lang="en-US" altLang="ko-KR" sz="3000" dirty="0"/>
-              <a:t>· </a:t>
-            </a:r>
+            <a:pPr marL="457200" indent="-457200">
+              <a:buFont typeface="Arial" panose="020B0604020202020204" pitchFamily="34" charset="0"/>
+              <a:buChar char="•"/>
+            </a:pPr>
             <a:r>
               <a:rPr lang="ko-KR" altLang="en-US" sz="3000" dirty="0"/>
               <a:t>게임에는 낮과 밤이 존재</a:t>
@@ -8863,10 +8910,10 @@
             </a:lvl1pPr>
           </a:lstStyle>
           <a:p>
-            <a:r>
-              <a:rPr lang="en-US" altLang="ko-KR" sz="3000" dirty="0"/>
-              <a:t>· </a:t>
-            </a:r>
+            <a:pPr marL="457200" indent="-457200">
+              <a:buFont typeface="Arial" panose="020B0604020202020204" pitchFamily="34" charset="0"/>
+              <a:buChar char="•"/>
+            </a:pPr>
             <a:r>
               <a:rPr lang="ko-KR" altLang="en-US" sz="3000" dirty="0"/>
               <a:t>낮에는 마을에서의 스토리를 밤에는 던전을 탐험</a:t>
@@ -8921,10 +8968,10 @@
             </a:lvl1pPr>
           </a:lstStyle>
           <a:p>
-            <a:r>
-              <a:rPr lang="en-US" altLang="ko-KR" sz="3000" dirty="0"/>
-              <a:t>· </a:t>
-            </a:r>
+            <a:pPr marL="457200" indent="-457200">
+              <a:buFont typeface="Arial" panose="020B0604020202020204" pitchFamily="34" charset="0"/>
+              <a:buChar char="•"/>
+            </a:pPr>
             <a:r>
               <a:rPr lang="ko-KR" altLang="en-US" sz="3000" dirty="0"/>
               <a:t>던전은 여러 갈래의 선형적인 맵</a:t>
@@ -8979,10 +9026,10 @@
             </a:lvl1pPr>
           </a:lstStyle>
           <a:p>
-            <a:r>
-              <a:rPr lang="en-US" altLang="ko-KR" sz="3000" dirty="0"/>
-              <a:t>· </a:t>
-            </a:r>
+            <a:pPr marL="457200" indent="-457200">
+              <a:buFont typeface="Arial" panose="020B0604020202020204" pitchFamily="34" charset="0"/>
+              <a:buChar char="•"/>
+            </a:pPr>
             <a:r>
               <a:rPr lang="ko-KR" altLang="en-US" sz="3000" dirty="0"/>
               <a:t>던전에서 제한 시간 </a:t>
@@ -9053,10 +9100,10 @@
             </a:lvl1pPr>
           </a:lstStyle>
           <a:p>
-            <a:r>
-              <a:rPr lang="en-US" altLang="ko-KR" sz="3000" dirty="0"/>
-              <a:t>· </a:t>
-            </a:r>
+            <a:pPr marL="457200" indent="-457200">
+              <a:buFont typeface="Arial" panose="020B0604020202020204" pitchFamily="34" charset="0"/>
+              <a:buChar char="•"/>
+            </a:pPr>
             <a:r>
               <a:rPr lang="ko-KR" altLang="en-US" sz="3000" dirty="0"/>
               <a:t>스테이지의 보스를 잡으면 다음 던전 해금</a:t>
@@ -9111,14 +9158,73 @@
             </a:lvl1pPr>
           </a:lstStyle>
           <a:p>
-            <a:r>
-              <a:rPr lang="en-US" altLang="ko-KR" sz="3000" dirty="0"/>
-              <a:t>· </a:t>
-            </a:r>
+            <a:pPr marL="457200" indent="-457200">
+              <a:buFont typeface="Arial" panose="020B0604020202020204" pitchFamily="34" charset="0"/>
+              <a:buChar char="•"/>
+            </a:pPr>
             <a:r>
               <a:rPr lang="ko-KR" altLang="en-US" sz="3000" dirty="0"/>
               <a:t>다른 루트에서 열쇠를 획득하여 보스 룸 진입</a:t>
             </a:r>
+          </a:p>
+        </p:txBody>
+      </p:sp>
+      <p:sp>
+        <p:nvSpPr>
+          <p:cNvPr id="2" name="제목 1">
+            <a:extLst>
+              <a:ext uri="{FF2B5EF4-FFF2-40B4-BE49-F238E27FC236}">
+                <a16:creationId xmlns:a16="http://schemas.microsoft.com/office/drawing/2014/main" id="{5BA27740-8D3A-B7EA-CA75-1C6D368860FD}"/>
+              </a:ext>
+            </a:extLst>
+          </p:cNvPr>
+          <p:cNvSpPr txBox="1">
+            <a:spLocks/>
+          </p:cNvSpPr>
+          <p:nvPr/>
+        </p:nvSpPr>
+        <p:spPr>
+          <a:xfrm>
+            <a:off x="550200" y="5422320"/>
+            <a:ext cx="11006800" cy="525993"/>
+          </a:xfrm>
+          <a:prstGeom prst="rect">
+            <a:avLst/>
+          </a:prstGeom>
+        </p:spPr>
+        <p:txBody>
+          <a:bodyPr vert="horz" wrap="square" lIns="0" tIns="0" rIns="0" bIns="0" rtlCol="0" anchor="t" anchorCtr="0">
+            <a:normAutofit/>
+          </a:bodyPr>
+          <a:lstStyle>
+            <a:lvl1pPr algn="l" defTabSz="914400" rtl="0" eaLnBrk="1" latinLnBrk="0" hangingPunct="1">
+              <a:lnSpc>
+                <a:spcPct val="110000"/>
+              </a:lnSpc>
+              <a:spcBef>
+                <a:spcPct val="0"/>
+              </a:spcBef>
+              <a:buNone/>
+              <a:defRPr lang="en-US" sz="4800" kern="1200" spc="160" dirty="0">
+                <a:solidFill>
+                  <a:schemeClr val="tx1"/>
+                </a:solidFill>
+                <a:latin typeface="+mj-lt"/>
+                <a:ea typeface="+mj-ea"/>
+                <a:cs typeface="+mj-cs"/>
+              </a:defRPr>
+            </a:lvl1pPr>
+          </a:lstStyle>
+          <a:p>
+            <a:pPr marL="457200" indent="-457200">
+              <a:buFont typeface="Arial" panose="020B0604020202020204" pitchFamily="34" charset="0"/>
+              <a:buChar char="•"/>
+            </a:pPr>
+            <a:r>
+              <a:rPr lang="en-US" altLang="ko-KR" sz="3000" dirty="0"/>
+              <a:t> </a:t>
+            </a:r>
+            <a:endParaRPr lang="ko-KR" altLang="en-US" sz="3000" dirty="0"/>
           </a:p>
         </p:txBody>
       </p:sp>
@@ -9448,6 +9554,270 @@
     <p:extLst>
       <p:ext uri="{BB962C8B-B14F-4D97-AF65-F5344CB8AC3E}">
         <p14:creationId xmlns:p14="http://schemas.microsoft.com/office/powerpoint/2010/main" val="4158928434"/>
+      </p:ext>
+    </p:extLst>
+  </p:cSld>
+  <p:clrMapOvr>
+    <a:masterClrMapping/>
+  </p:clrMapOvr>
+</p:sld>
+</file>
+
+<file path=ppt/slides/slide7.xml><?xml version="1.0" encoding="utf-8"?>
+<p:sld xmlns:a="http://schemas.openxmlformats.org/drawingml/2006/main" xmlns:r="http://schemas.openxmlformats.org/officeDocument/2006/relationships" xmlns:p="http://schemas.openxmlformats.org/presentationml/2006/main">
+  <p:cSld>
+    <p:spTree>
+      <p:nvGrpSpPr>
+        <p:cNvPr id="1" name=""/>
+        <p:cNvGrpSpPr/>
+        <p:nvPr/>
+      </p:nvGrpSpPr>
+      <p:grpSpPr>
+        <a:xfrm>
+          <a:off x="0" y="0"/>
+          <a:ext cx="0" cy="0"/>
+          <a:chOff x="0" y="0"/>
+          <a:chExt cx="0" cy="0"/>
+        </a:xfrm>
+      </p:grpSpPr>
+      <p:sp>
+        <p:nvSpPr>
+          <p:cNvPr id="2" name="제목 1">
+            <a:extLst>
+              <a:ext uri="{FF2B5EF4-FFF2-40B4-BE49-F238E27FC236}">
+                <a16:creationId xmlns:a16="http://schemas.microsoft.com/office/drawing/2014/main" id="{7B2E3A79-41DF-C0FE-CFAA-BCB5A42209EE}"/>
+              </a:ext>
+            </a:extLst>
+          </p:cNvPr>
+          <p:cNvSpPr>
+            <a:spLocks noGrp="1"/>
+          </p:cNvSpPr>
+          <p:nvPr>
+            <p:ph type="title"/>
+          </p:nvPr>
+        </p:nvSpPr>
+        <p:spPr>
+          <a:xfrm>
+            <a:off x="1226871" y="1710266"/>
+            <a:ext cx="10483324" cy="3124201"/>
+          </a:xfrm>
+        </p:spPr>
+        <p:txBody>
+          <a:bodyPr>
+            <a:normAutofit/>
+          </a:bodyPr>
+          <a:lstStyle/>
+          <a:p>
+            <a:r>
+              <a:rPr lang="ko-KR" altLang="en-US" sz="2000" dirty="0"/>
+              <a:t>재화 존재 이유 기본적으로 난이도를 높게 잡는다</a:t>
+            </a:r>
+            <a:r>
+              <a:rPr lang="en-US" altLang="ko-KR" sz="2000" dirty="0"/>
+              <a:t>.</a:t>
+            </a:r>
+            <a:br>
+              <a:rPr lang="en-US" altLang="ko-KR" sz="2000" dirty="0"/>
+            </a:br>
+            <a:r>
+              <a:rPr lang="ko-KR" altLang="en-US" sz="2000" dirty="0"/>
+              <a:t>어려운 게임에 지속적으로 죽는 거에 스트레스를 받는 유저들을 위해 </a:t>
+            </a:r>
+            <a:br>
+              <a:rPr lang="en-US" altLang="ko-KR" sz="2000" dirty="0"/>
+            </a:br>
+            <a:r>
+              <a:rPr lang="ko-KR" altLang="en-US" sz="2000" dirty="0"/>
+              <a:t>업그레이드를 하여 플레이 난이도를 완화하는 역할을 위해 기획</a:t>
+            </a:r>
+          </a:p>
+        </p:txBody>
+      </p:sp>
+      <p:sp>
+        <p:nvSpPr>
+          <p:cNvPr id="4" name="제목 1">
+            <a:extLst>
+              <a:ext uri="{FF2B5EF4-FFF2-40B4-BE49-F238E27FC236}">
+                <a16:creationId xmlns:a16="http://schemas.microsoft.com/office/drawing/2014/main" id="{8E2E0E5E-C494-5952-9A4E-98B51E4DFDCD}"/>
+              </a:ext>
+            </a:extLst>
+          </p:cNvPr>
+          <p:cNvSpPr txBox="1">
+            <a:spLocks/>
+          </p:cNvSpPr>
+          <p:nvPr/>
+        </p:nvSpPr>
+        <p:spPr>
+          <a:xfrm>
+            <a:off x="981338" y="528638"/>
+            <a:ext cx="2387601" cy="859366"/>
+          </a:xfrm>
+          <a:prstGeom prst="rect">
+            <a:avLst/>
+          </a:prstGeom>
+        </p:spPr>
+        <p:txBody>
+          <a:bodyPr vert="horz" wrap="square" lIns="0" tIns="0" rIns="0" bIns="0" rtlCol="0" anchor="t" anchorCtr="0">
+            <a:noAutofit/>
+          </a:bodyPr>
+          <a:lstStyle>
+            <a:lvl1pPr algn="l" defTabSz="914400" rtl="0" eaLnBrk="1" latinLnBrk="0" hangingPunct="1">
+              <a:lnSpc>
+                <a:spcPct val="110000"/>
+              </a:lnSpc>
+              <a:spcBef>
+                <a:spcPct val="0"/>
+              </a:spcBef>
+              <a:buNone/>
+              <a:defRPr lang="en-US" sz="4800" kern="1200" spc="160" dirty="0">
+                <a:solidFill>
+                  <a:schemeClr val="tx1"/>
+                </a:solidFill>
+                <a:latin typeface="+mj-lt"/>
+                <a:ea typeface="+mj-ea"/>
+                <a:cs typeface="+mj-cs"/>
+              </a:defRPr>
+            </a:lvl1pPr>
+          </a:lstStyle>
+          <a:p>
+            <a:r>
+              <a:rPr lang="ko-KR" altLang="en-US" sz="5000" dirty="0"/>
+              <a:t>재화</a:t>
+            </a:r>
+          </a:p>
+        </p:txBody>
+      </p:sp>
+    </p:spTree>
+    <p:extLst>
+      <p:ext uri="{BB962C8B-B14F-4D97-AF65-F5344CB8AC3E}">
+        <p14:creationId xmlns:p14="http://schemas.microsoft.com/office/powerpoint/2010/main" val="3456569480"/>
+      </p:ext>
+    </p:extLst>
+  </p:cSld>
+  <p:clrMapOvr>
+    <a:masterClrMapping/>
+  </p:clrMapOvr>
+</p:sld>
+</file>
+
+<file path=ppt/slides/slide8.xml><?xml version="1.0" encoding="utf-8"?>
+<p:sld xmlns:a="http://schemas.openxmlformats.org/drawingml/2006/main" xmlns:r="http://schemas.openxmlformats.org/officeDocument/2006/relationships" xmlns:p="http://schemas.openxmlformats.org/presentationml/2006/main">
+  <p:cSld>
+    <p:spTree>
+      <p:nvGrpSpPr>
+        <p:cNvPr id="1" name=""/>
+        <p:cNvGrpSpPr/>
+        <p:nvPr/>
+      </p:nvGrpSpPr>
+      <p:grpSpPr>
+        <a:xfrm>
+          <a:off x="0" y="0"/>
+          <a:ext cx="0" cy="0"/>
+          <a:chOff x="0" y="0"/>
+          <a:chExt cx="0" cy="0"/>
+        </a:xfrm>
+      </p:grpSpPr>
+      <p:sp>
+        <p:nvSpPr>
+          <p:cNvPr id="2" name="제목 1">
+            <a:extLst>
+              <a:ext uri="{FF2B5EF4-FFF2-40B4-BE49-F238E27FC236}">
+                <a16:creationId xmlns:a16="http://schemas.microsoft.com/office/drawing/2014/main" id="{7B2E3A79-41DF-C0FE-CFAA-BCB5A42209EE}"/>
+              </a:ext>
+            </a:extLst>
+          </p:cNvPr>
+          <p:cNvSpPr>
+            <a:spLocks noGrp="1"/>
+          </p:cNvSpPr>
+          <p:nvPr>
+            <p:ph type="title"/>
+          </p:nvPr>
+        </p:nvSpPr>
+        <p:spPr>
+          <a:xfrm>
+            <a:off x="1226871" y="1710266"/>
+            <a:ext cx="10483324" cy="3124201"/>
+          </a:xfrm>
+        </p:spPr>
+        <p:txBody>
+          <a:bodyPr>
+            <a:normAutofit/>
+          </a:bodyPr>
+          <a:lstStyle/>
+          <a:p>
+            <a:r>
+              <a:rPr lang="ko-KR" altLang="en-US" sz="2000" dirty="0" err="1"/>
+              <a:t>로드시</a:t>
+            </a:r>
+            <a:r>
+              <a:rPr lang="ko-KR" altLang="en-US" sz="2000" dirty="0"/>
+              <a:t> 시작위치는 마을 고정</a:t>
+            </a:r>
+            <a:br>
+              <a:rPr lang="en-US" altLang="ko-KR" sz="2000" dirty="0"/>
+            </a:br>
+            <a:endParaRPr lang="ko-KR" altLang="en-US" sz="2000" dirty="0"/>
+          </a:p>
+        </p:txBody>
+      </p:sp>
+      <p:sp>
+        <p:nvSpPr>
+          <p:cNvPr id="4" name="제목 1">
+            <a:extLst>
+              <a:ext uri="{FF2B5EF4-FFF2-40B4-BE49-F238E27FC236}">
+                <a16:creationId xmlns:a16="http://schemas.microsoft.com/office/drawing/2014/main" id="{8E2E0E5E-C494-5952-9A4E-98B51E4DFDCD}"/>
+              </a:ext>
+            </a:extLst>
+          </p:cNvPr>
+          <p:cNvSpPr txBox="1">
+            <a:spLocks/>
+          </p:cNvSpPr>
+          <p:nvPr/>
+        </p:nvSpPr>
+        <p:spPr>
+          <a:xfrm>
+            <a:off x="981338" y="528638"/>
+            <a:ext cx="8712995" cy="859366"/>
+          </a:xfrm>
+          <a:prstGeom prst="rect">
+            <a:avLst/>
+          </a:prstGeom>
+        </p:spPr>
+        <p:txBody>
+          <a:bodyPr vert="horz" wrap="square" lIns="0" tIns="0" rIns="0" bIns="0" rtlCol="0" anchor="t" anchorCtr="0">
+            <a:noAutofit/>
+          </a:bodyPr>
+          <a:lstStyle>
+            <a:lvl1pPr algn="l" defTabSz="914400" rtl="0" eaLnBrk="1" latinLnBrk="0" hangingPunct="1">
+              <a:lnSpc>
+                <a:spcPct val="110000"/>
+              </a:lnSpc>
+              <a:spcBef>
+                <a:spcPct val="0"/>
+              </a:spcBef>
+              <a:buNone/>
+              <a:defRPr lang="en-US" sz="4800" kern="1200" spc="160" dirty="0">
+                <a:solidFill>
+                  <a:schemeClr val="tx1"/>
+                </a:solidFill>
+                <a:latin typeface="+mj-lt"/>
+                <a:ea typeface="+mj-ea"/>
+                <a:cs typeface="+mj-cs"/>
+              </a:defRPr>
+            </a:lvl1pPr>
+          </a:lstStyle>
+          <a:p>
+            <a:r>
+              <a:rPr lang="ko-KR" altLang="en-US" sz="5000" dirty="0"/>
+              <a:t>세이브</a:t>
+            </a:r>
+          </a:p>
+        </p:txBody>
+      </p:sp>
+    </p:spTree>
+    <p:extLst>
+      <p:ext uri="{BB962C8B-B14F-4D97-AF65-F5344CB8AC3E}">
+        <p14:creationId xmlns:p14="http://schemas.microsoft.com/office/powerpoint/2010/main" val="2309160706"/>
       </p:ext>
     </p:extLst>
   </p:cSld>

--- a/기획서.pptx
+++ b/기획서.pptx
@@ -11,8 +11,14 @@
     <p:sldId id="259" r:id="rId5"/>
     <p:sldId id="260" r:id="rId6"/>
     <p:sldId id="261" r:id="rId7"/>
-    <p:sldId id="263" r:id="rId8"/>
-    <p:sldId id="264" r:id="rId9"/>
+    <p:sldId id="266" r:id="rId8"/>
+    <p:sldId id="267" r:id="rId9"/>
+    <p:sldId id="265" r:id="rId10"/>
+    <p:sldId id="269" r:id="rId11"/>
+    <p:sldId id="270" r:id="rId12"/>
+    <p:sldId id="264" r:id="rId13"/>
+    <p:sldId id="263" r:id="rId14"/>
+    <p:sldId id="268" r:id="rId15"/>
   </p:sldIdLst>
   <p:sldSz cx="12192000" cy="6858000"/>
   <p:notesSz cx="6858000" cy="9144000"/>
@@ -284,7 +290,7 @@
           <a:p>
             <a:fld id="{72EA7947-E287-4738-8C82-07CE4F01EF03}" type="datetime2">
               <a:rPr lang="en-US" smtClean="0"/>
-              <a:t>Monday, May 15, 2023</a:t>
+              <a:t>Tuesday, May 16, 2023</a:t>
             </a:fld>
             <a:endParaRPr lang="en-US" dirty="0"/>
           </a:p>
@@ -1320,7 +1326,7 @@
           <a:p>
             <a:fld id="{EE2EBD84-71F4-4271-8C46-0D47C0A9B12E}" type="datetime2">
               <a:rPr lang="en-US" smtClean="0"/>
-              <a:t>Monday, May 15, 2023</a:t>
+              <a:t>Tuesday, May 16, 2023</a:t>
             </a:fld>
             <a:endParaRPr lang="en-US"/>
           </a:p>
@@ -1531,7 +1537,7 @@
           <a:p>
             <a:fld id="{ABAE0CE1-F450-4107-B2CB-17B18F8A3F4A}" type="datetime2">
               <a:rPr lang="en-US" smtClean="0"/>
-              <a:t>Monday, May 15, 2023</a:t>
+              <a:t>Tuesday, May 16, 2023</a:t>
             </a:fld>
             <a:endParaRPr lang="en-US"/>
           </a:p>
@@ -2196,7 +2202,7 @@
           <a:p>
             <a:fld id="{6FE8C025-CD7A-4966-867E-81CF82B15267}" type="datetime2">
               <a:rPr lang="en-US" smtClean="0"/>
-              <a:t>Monday, May 15, 2023</a:t>
+              <a:t>Tuesday, May 16, 2023</a:t>
             </a:fld>
             <a:endParaRPr lang="en-US"/>
           </a:p>
@@ -2816,7 +2822,7 @@
           <a:p>
             <a:fld id="{FE809929-0719-4517-94D6-FDF7F99E70F6}" type="datetime2">
               <a:rPr lang="en-US" smtClean="0"/>
-              <a:t>Monday, May 15, 2023</a:t>
+              <a:t>Tuesday, May 16, 2023</a:t>
             </a:fld>
             <a:endParaRPr lang="en-US"/>
           </a:p>
@@ -3934,7 +3940,7 @@
           <a:p>
             <a:fld id="{20E95673-5512-4AAA-9AEB-E00C61EC65D5}" type="datetime2">
               <a:rPr lang="en-US" smtClean="0"/>
-              <a:t>Monday, May 15, 2023</a:t>
+              <a:t>Tuesday, May 16, 2023</a:t>
             </a:fld>
             <a:endParaRPr lang="en-US"/>
           </a:p>
@@ -4481,7 +4487,7 @@
           <a:p>
             <a:fld id="{C13138FA-2E87-4873-8BBA-13E447C9A99A}" type="datetime2">
               <a:rPr lang="en-US" smtClean="0"/>
-              <a:t>Monday, May 15, 2023</a:t>
+              <a:t>Tuesday, May 16, 2023</a:t>
             </a:fld>
             <a:endParaRPr lang="en-US"/>
           </a:p>
@@ -4642,7 +4648,7 @@
           <a:p>
             <a:fld id="{D75BB40A-97BD-4BFB-B639-0BFF95FDE8B7}" type="datetime2">
               <a:rPr lang="en-US" smtClean="0"/>
-              <a:t>Monday, May 15, 2023</a:t>
+              <a:t>Tuesday, May 16, 2023</a:t>
             </a:fld>
             <a:endParaRPr lang="en-US"/>
           </a:p>
@@ -5677,7 +5683,7 @@
           <a:p>
             <a:fld id="{9EE9E0E3-ECF6-4CFE-8698-AEFEBCECC3C0}" type="datetime2">
               <a:rPr lang="en-US" smtClean="0"/>
-              <a:t>Monday, May 15, 2023</a:t>
+              <a:t>Tuesday, May 16, 2023</a:t>
             </a:fld>
             <a:endParaRPr lang="en-US"/>
           </a:p>
@@ -6323,7 +6329,7 @@
           <a:p>
             <a:fld id="{251462FC-960E-4740-921F-B36862979F21}" type="datetime2">
               <a:rPr lang="en-US" smtClean="0"/>
-              <a:t>Monday, May 15, 2023</a:t>
+              <a:t>Tuesday, May 16, 2023</a:t>
             </a:fld>
             <a:endParaRPr lang="en-US"/>
           </a:p>
@@ -7087,7 +7093,7 @@
           <a:p>
             <a:fld id="{E50BC9E2-CB44-4C05-9BB5-496C18A241E0}" type="datetime2">
               <a:rPr lang="en-US" smtClean="0"/>
-              <a:t>Monday, May 15, 2023</a:t>
+              <a:t>Tuesday, May 16, 2023</a:t>
             </a:fld>
             <a:endParaRPr lang="en-US"/>
           </a:p>
@@ -7334,7 +7340,7 @@
           <a:p>
             <a:fld id="{246CB39B-5F4C-4A7E-9BE3-AAFD45576D16}" type="datetime2">
               <a:rPr lang="en-US" smtClean="0"/>
-              <a:t>Monday, May 15, 2023</a:t>
+              <a:t>Tuesday, May 16, 2023</a:t>
             </a:fld>
             <a:endParaRPr lang="en-US" dirty="0"/>
           </a:p>
@@ -8097,7 +8103,7 @@
 </p:sld>
 </file>
 
-<file path=ppt/slides/slide2.xml><?xml version="1.0" encoding="utf-8"?>
+<file path=ppt/slides/slide10.xml><?xml version="1.0" encoding="utf-8"?>
 <p:sld xmlns:a="http://schemas.openxmlformats.org/drawingml/2006/main" xmlns:r="http://schemas.openxmlformats.org/officeDocument/2006/relationships" xmlns:p="http://schemas.openxmlformats.org/presentationml/2006/main">
   <p:cSld>
     <p:spTree>
@@ -8116,10 +8122,49 @@
       </p:grpSpPr>
       <p:sp>
         <p:nvSpPr>
-          <p:cNvPr id="5" name="제목 1">
-            <a:extLst>
-              <a:ext uri="{FF2B5EF4-FFF2-40B4-BE49-F238E27FC236}">
-                <a16:creationId xmlns:a16="http://schemas.microsoft.com/office/drawing/2014/main" id="{787EF0B3-74DC-E882-7985-4A90A7C63AAC}"/>
+          <p:cNvPr id="2" name="제목 1">
+            <a:extLst>
+              <a:ext uri="{FF2B5EF4-FFF2-40B4-BE49-F238E27FC236}">
+                <a16:creationId xmlns:a16="http://schemas.microsoft.com/office/drawing/2014/main" id="{7B2E3A79-41DF-C0FE-CFAA-BCB5A42209EE}"/>
+              </a:ext>
+            </a:extLst>
+          </p:cNvPr>
+          <p:cNvSpPr>
+            <a:spLocks noGrp="1"/>
+          </p:cNvSpPr>
+          <p:nvPr>
+            <p:ph type="title"/>
+          </p:nvPr>
+        </p:nvSpPr>
+        <p:spPr>
+          <a:xfrm>
+            <a:off x="1226871" y="1710266"/>
+            <a:ext cx="10483324" cy="3124201"/>
+          </a:xfrm>
+        </p:spPr>
+        <p:txBody>
+          <a:bodyPr>
+            <a:normAutofit/>
+          </a:bodyPr>
+          <a:lstStyle/>
+          <a:p>
+            <a:r>
+              <a:rPr lang="ko-KR" altLang="en-US" sz="2000" dirty="0"/>
+              <a:t>음</a:t>
+            </a:r>
+            <a:br>
+              <a:rPr lang="en-US" altLang="ko-KR" sz="2000" dirty="0"/>
+            </a:br>
+            <a:endParaRPr lang="ko-KR" altLang="en-US" sz="2000" dirty="0"/>
+          </a:p>
+        </p:txBody>
+      </p:sp>
+      <p:sp>
+        <p:nvSpPr>
+          <p:cNvPr id="4" name="제목 1">
+            <a:extLst>
+              <a:ext uri="{FF2B5EF4-FFF2-40B4-BE49-F238E27FC236}">
+                <a16:creationId xmlns:a16="http://schemas.microsoft.com/office/drawing/2014/main" id="{8E2E0E5E-C494-5952-9A4E-98B51E4DFDCD}"/>
               </a:ext>
             </a:extLst>
           </p:cNvPr>
@@ -8130,8 +8175,8 @@
         </p:nvSpPr>
         <p:spPr>
           <a:xfrm>
-            <a:off x="4424097" y="394390"/>
-            <a:ext cx="3343805" cy="754592"/>
+            <a:off x="981338" y="528638"/>
+            <a:ext cx="8712995" cy="859366"/>
           </a:xfrm>
           <a:prstGeom prst="rect">
             <a:avLst/>
@@ -8161,6 +8206,643 @@
             </a:lvl1pPr>
           </a:lstStyle>
           <a:p>
+            <a:r>
+              <a:rPr lang="ko-KR" altLang="en-US" sz="5000" dirty="0"/>
+              <a:t>적</a:t>
+            </a:r>
+          </a:p>
+        </p:txBody>
+      </p:sp>
+    </p:spTree>
+    <p:extLst>
+      <p:ext uri="{BB962C8B-B14F-4D97-AF65-F5344CB8AC3E}">
+        <p14:creationId xmlns:p14="http://schemas.microsoft.com/office/powerpoint/2010/main" val="1571122907"/>
+      </p:ext>
+    </p:extLst>
+  </p:cSld>
+  <p:clrMapOvr>
+    <a:masterClrMapping/>
+  </p:clrMapOvr>
+</p:sld>
+</file>
+
+<file path=ppt/slides/slide11.xml><?xml version="1.0" encoding="utf-8"?>
+<p:sld xmlns:a="http://schemas.openxmlformats.org/drawingml/2006/main" xmlns:r="http://schemas.openxmlformats.org/officeDocument/2006/relationships" xmlns:p="http://schemas.openxmlformats.org/presentationml/2006/main">
+  <p:cSld>
+    <p:spTree>
+      <p:nvGrpSpPr>
+        <p:cNvPr id="1" name=""/>
+        <p:cNvGrpSpPr/>
+        <p:nvPr/>
+      </p:nvGrpSpPr>
+      <p:grpSpPr>
+        <a:xfrm>
+          <a:off x="0" y="0"/>
+          <a:ext cx="0" cy="0"/>
+          <a:chOff x="0" y="0"/>
+          <a:chExt cx="0" cy="0"/>
+        </a:xfrm>
+      </p:grpSpPr>
+      <p:sp>
+        <p:nvSpPr>
+          <p:cNvPr id="2" name="제목 1">
+            <a:extLst>
+              <a:ext uri="{FF2B5EF4-FFF2-40B4-BE49-F238E27FC236}">
+                <a16:creationId xmlns:a16="http://schemas.microsoft.com/office/drawing/2014/main" id="{7B2E3A79-41DF-C0FE-CFAA-BCB5A42209EE}"/>
+              </a:ext>
+            </a:extLst>
+          </p:cNvPr>
+          <p:cNvSpPr>
+            <a:spLocks noGrp="1"/>
+          </p:cNvSpPr>
+          <p:nvPr>
+            <p:ph type="title"/>
+          </p:nvPr>
+        </p:nvSpPr>
+        <p:spPr>
+          <a:xfrm>
+            <a:off x="1226871" y="1710266"/>
+            <a:ext cx="10483324" cy="3124201"/>
+          </a:xfrm>
+        </p:spPr>
+        <p:txBody>
+          <a:bodyPr>
+            <a:normAutofit/>
+          </a:bodyPr>
+          <a:lstStyle/>
+          <a:p>
+            <a:r>
+              <a:rPr lang="ko-KR" altLang="en-US" sz="2000" dirty="0"/>
+              <a:t>음</a:t>
+            </a:r>
+            <a:br>
+              <a:rPr lang="en-US" altLang="ko-KR" sz="2000" dirty="0"/>
+            </a:br>
+            <a:endParaRPr lang="ko-KR" altLang="en-US" sz="2000" dirty="0"/>
+          </a:p>
+        </p:txBody>
+      </p:sp>
+      <p:sp>
+        <p:nvSpPr>
+          <p:cNvPr id="4" name="제목 1">
+            <a:extLst>
+              <a:ext uri="{FF2B5EF4-FFF2-40B4-BE49-F238E27FC236}">
+                <a16:creationId xmlns:a16="http://schemas.microsoft.com/office/drawing/2014/main" id="{8E2E0E5E-C494-5952-9A4E-98B51E4DFDCD}"/>
+              </a:ext>
+            </a:extLst>
+          </p:cNvPr>
+          <p:cNvSpPr txBox="1">
+            <a:spLocks/>
+          </p:cNvSpPr>
+          <p:nvPr/>
+        </p:nvSpPr>
+        <p:spPr>
+          <a:xfrm>
+            <a:off x="981338" y="528638"/>
+            <a:ext cx="8712995" cy="859366"/>
+          </a:xfrm>
+          <a:prstGeom prst="rect">
+            <a:avLst/>
+          </a:prstGeom>
+        </p:spPr>
+        <p:txBody>
+          <a:bodyPr vert="horz" wrap="square" lIns="0" tIns="0" rIns="0" bIns="0" rtlCol="0" anchor="t" anchorCtr="0">
+            <a:noAutofit/>
+          </a:bodyPr>
+          <a:lstStyle>
+            <a:lvl1pPr algn="l" defTabSz="914400" rtl="0" eaLnBrk="1" latinLnBrk="0" hangingPunct="1">
+              <a:lnSpc>
+                <a:spcPct val="110000"/>
+              </a:lnSpc>
+              <a:spcBef>
+                <a:spcPct val="0"/>
+              </a:spcBef>
+              <a:buNone/>
+              <a:defRPr lang="en-US" sz="4800" kern="1200" spc="160" dirty="0">
+                <a:solidFill>
+                  <a:schemeClr val="tx1"/>
+                </a:solidFill>
+                <a:latin typeface="+mj-lt"/>
+                <a:ea typeface="+mj-ea"/>
+                <a:cs typeface="+mj-cs"/>
+              </a:defRPr>
+            </a:lvl1pPr>
+          </a:lstStyle>
+          <a:p>
+            <a:r>
+              <a:rPr lang="ko-KR" altLang="en-US" sz="5000" dirty="0"/>
+              <a:t>적 </a:t>
+            </a:r>
+            <a:r>
+              <a:rPr lang="en-US" altLang="ko-KR" sz="5000" dirty="0"/>
+              <a:t>(</a:t>
+            </a:r>
+            <a:r>
+              <a:rPr lang="ko-KR" altLang="en-US" sz="5000" dirty="0"/>
+              <a:t>보스</a:t>
+            </a:r>
+            <a:r>
+              <a:rPr lang="en-US" altLang="ko-KR" sz="5000" dirty="0"/>
+              <a:t>)</a:t>
+            </a:r>
+            <a:endParaRPr lang="ko-KR" altLang="en-US" sz="5000" dirty="0"/>
+          </a:p>
+        </p:txBody>
+      </p:sp>
+    </p:spTree>
+    <p:extLst>
+      <p:ext uri="{BB962C8B-B14F-4D97-AF65-F5344CB8AC3E}">
+        <p14:creationId xmlns:p14="http://schemas.microsoft.com/office/powerpoint/2010/main" val="4198767284"/>
+      </p:ext>
+    </p:extLst>
+  </p:cSld>
+  <p:clrMapOvr>
+    <a:masterClrMapping/>
+  </p:clrMapOvr>
+</p:sld>
+</file>
+
+<file path=ppt/slides/slide12.xml><?xml version="1.0" encoding="utf-8"?>
+<p:sld xmlns:a="http://schemas.openxmlformats.org/drawingml/2006/main" xmlns:r="http://schemas.openxmlformats.org/officeDocument/2006/relationships" xmlns:p="http://schemas.openxmlformats.org/presentationml/2006/main">
+  <p:cSld>
+    <p:spTree>
+      <p:nvGrpSpPr>
+        <p:cNvPr id="1" name=""/>
+        <p:cNvGrpSpPr/>
+        <p:nvPr/>
+      </p:nvGrpSpPr>
+      <p:grpSpPr>
+        <a:xfrm>
+          <a:off x="0" y="0"/>
+          <a:ext cx="0" cy="0"/>
+          <a:chOff x="0" y="0"/>
+          <a:chExt cx="0" cy="0"/>
+        </a:xfrm>
+      </p:grpSpPr>
+      <p:sp>
+        <p:nvSpPr>
+          <p:cNvPr id="2" name="제목 1">
+            <a:extLst>
+              <a:ext uri="{FF2B5EF4-FFF2-40B4-BE49-F238E27FC236}">
+                <a16:creationId xmlns:a16="http://schemas.microsoft.com/office/drawing/2014/main" id="{7B2E3A79-41DF-C0FE-CFAA-BCB5A42209EE}"/>
+              </a:ext>
+            </a:extLst>
+          </p:cNvPr>
+          <p:cNvSpPr>
+            <a:spLocks noGrp="1"/>
+          </p:cNvSpPr>
+          <p:nvPr>
+            <p:ph type="title"/>
+          </p:nvPr>
+        </p:nvSpPr>
+        <p:spPr>
+          <a:xfrm>
+            <a:off x="1226871" y="1710266"/>
+            <a:ext cx="10483324" cy="3124201"/>
+          </a:xfrm>
+        </p:spPr>
+        <p:txBody>
+          <a:bodyPr>
+            <a:normAutofit/>
+          </a:bodyPr>
+          <a:lstStyle/>
+          <a:p>
+            <a:r>
+              <a:rPr lang="ko-KR" altLang="en-US" sz="2000" dirty="0" err="1"/>
+              <a:t>로드시</a:t>
+            </a:r>
+            <a:r>
+              <a:rPr lang="ko-KR" altLang="en-US" sz="2000" dirty="0"/>
+              <a:t> 시작위치는 마을 고정</a:t>
+            </a:r>
+            <a:br>
+              <a:rPr lang="en-US" altLang="ko-KR" sz="2000" dirty="0"/>
+            </a:br>
+            <a:endParaRPr lang="ko-KR" altLang="en-US" sz="2000" dirty="0"/>
+          </a:p>
+        </p:txBody>
+      </p:sp>
+      <p:sp>
+        <p:nvSpPr>
+          <p:cNvPr id="4" name="제목 1">
+            <a:extLst>
+              <a:ext uri="{FF2B5EF4-FFF2-40B4-BE49-F238E27FC236}">
+                <a16:creationId xmlns:a16="http://schemas.microsoft.com/office/drawing/2014/main" id="{8E2E0E5E-C494-5952-9A4E-98B51E4DFDCD}"/>
+              </a:ext>
+            </a:extLst>
+          </p:cNvPr>
+          <p:cNvSpPr txBox="1">
+            <a:spLocks/>
+          </p:cNvSpPr>
+          <p:nvPr/>
+        </p:nvSpPr>
+        <p:spPr>
+          <a:xfrm>
+            <a:off x="981338" y="528638"/>
+            <a:ext cx="8712995" cy="859366"/>
+          </a:xfrm>
+          <a:prstGeom prst="rect">
+            <a:avLst/>
+          </a:prstGeom>
+        </p:spPr>
+        <p:txBody>
+          <a:bodyPr vert="horz" wrap="square" lIns="0" tIns="0" rIns="0" bIns="0" rtlCol="0" anchor="t" anchorCtr="0">
+            <a:noAutofit/>
+          </a:bodyPr>
+          <a:lstStyle>
+            <a:lvl1pPr algn="l" defTabSz="914400" rtl="0" eaLnBrk="1" latinLnBrk="0" hangingPunct="1">
+              <a:lnSpc>
+                <a:spcPct val="110000"/>
+              </a:lnSpc>
+              <a:spcBef>
+                <a:spcPct val="0"/>
+              </a:spcBef>
+              <a:buNone/>
+              <a:defRPr lang="en-US" sz="4800" kern="1200" spc="160" dirty="0">
+                <a:solidFill>
+                  <a:schemeClr val="tx1"/>
+                </a:solidFill>
+                <a:latin typeface="+mj-lt"/>
+                <a:ea typeface="+mj-ea"/>
+                <a:cs typeface="+mj-cs"/>
+              </a:defRPr>
+            </a:lvl1pPr>
+          </a:lstStyle>
+          <a:p>
+            <a:r>
+              <a:rPr lang="ko-KR" altLang="en-US" sz="5000" dirty="0"/>
+              <a:t>세이브</a:t>
+            </a:r>
+          </a:p>
+        </p:txBody>
+      </p:sp>
+    </p:spTree>
+    <p:extLst>
+      <p:ext uri="{BB962C8B-B14F-4D97-AF65-F5344CB8AC3E}">
+        <p14:creationId xmlns:p14="http://schemas.microsoft.com/office/powerpoint/2010/main" val="2309160706"/>
+      </p:ext>
+    </p:extLst>
+  </p:cSld>
+  <p:clrMapOvr>
+    <a:masterClrMapping/>
+  </p:clrMapOvr>
+</p:sld>
+</file>
+
+<file path=ppt/slides/slide13.xml><?xml version="1.0" encoding="utf-8"?>
+<p:sld xmlns:a="http://schemas.openxmlformats.org/drawingml/2006/main" xmlns:r="http://schemas.openxmlformats.org/officeDocument/2006/relationships" xmlns:p="http://schemas.openxmlformats.org/presentationml/2006/main">
+  <p:cSld>
+    <p:spTree>
+      <p:nvGrpSpPr>
+        <p:cNvPr id="1" name=""/>
+        <p:cNvGrpSpPr/>
+        <p:nvPr/>
+      </p:nvGrpSpPr>
+      <p:grpSpPr>
+        <a:xfrm>
+          <a:off x="0" y="0"/>
+          <a:ext cx="0" cy="0"/>
+          <a:chOff x="0" y="0"/>
+          <a:chExt cx="0" cy="0"/>
+        </a:xfrm>
+      </p:grpSpPr>
+      <p:sp>
+        <p:nvSpPr>
+          <p:cNvPr id="2" name="제목 1">
+            <a:extLst>
+              <a:ext uri="{FF2B5EF4-FFF2-40B4-BE49-F238E27FC236}">
+                <a16:creationId xmlns:a16="http://schemas.microsoft.com/office/drawing/2014/main" id="{7B2E3A79-41DF-C0FE-CFAA-BCB5A42209EE}"/>
+              </a:ext>
+            </a:extLst>
+          </p:cNvPr>
+          <p:cNvSpPr>
+            <a:spLocks noGrp="1"/>
+          </p:cNvSpPr>
+          <p:nvPr>
+            <p:ph type="title"/>
+          </p:nvPr>
+        </p:nvSpPr>
+        <p:spPr>
+          <a:xfrm>
+            <a:off x="1226871" y="1710266"/>
+            <a:ext cx="10483324" cy="3124201"/>
+          </a:xfrm>
+        </p:spPr>
+        <p:txBody>
+          <a:bodyPr>
+            <a:normAutofit/>
+          </a:bodyPr>
+          <a:lstStyle/>
+          <a:p>
+            <a:r>
+              <a:rPr lang="ko-KR" altLang="en-US" sz="2000" dirty="0"/>
+              <a:t>재화 존재 이유  </a:t>
+            </a:r>
+            <a:r>
+              <a:rPr lang="en-US" altLang="ko-KR" sz="2000" dirty="0"/>
+              <a:t>: </a:t>
+            </a:r>
+            <a:r>
+              <a:rPr lang="ko-KR" altLang="en-US" sz="2000" dirty="0"/>
+              <a:t>기본적으로 난이도를 높게 잡는다</a:t>
+            </a:r>
+            <a:r>
+              <a:rPr lang="en-US" altLang="ko-KR" sz="2000" dirty="0"/>
+              <a:t>.</a:t>
+            </a:r>
+            <a:br>
+              <a:rPr lang="en-US" altLang="ko-KR" sz="2000" dirty="0"/>
+            </a:br>
+            <a:r>
+              <a:rPr lang="ko-KR" altLang="en-US" sz="2000" dirty="0"/>
+              <a:t>어려운 게임에 지속적으로 죽는 거에 스트레스를 받는 유저들을 위해 </a:t>
+            </a:r>
+            <a:br>
+              <a:rPr lang="en-US" altLang="ko-KR" sz="2000" dirty="0"/>
+            </a:br>
+            <a:r>
+              <a:rPr lang="ko-KR" altLang="en-US" sz="2000" dirty="0"/>
+              <a:t>업그레이드를 하여 플레이 난이도를 완화하는 장치</a:t>
+            </a:r>
+            <a:br>
+              <a:rPr lang="en-US" altLang="ko-KR" sz="2000" dirty="0"/>
+            </a:br>
+            <a:br>
+              <a:rPr lang="en-US" altLang="ko-KR" sz="2000" dirty="0"/>
+            </a:br>
+            <a:r>
+              <a:rPr lang="en-US" altLang="ko-KR" sz="2000" dirty="0"/>
+              <a:t>BSP </a:t>
+            </a:r>
+            <a:r>
+              <a:rPr lang="ko-KR" altLang="en-US" sz="2000" dirty="0" err="1"/>
+              <a:t>맵에서</a:t>
+            </a:r>
+            <a:r>
+              <a:rPr lang="ko-KR" altLang="en-US" sz="2000" dirty="0"/>
+              <a:t>  추가적인 재화 획득 가능</a:t>
+            </a:r>
+            <a:br>
+              <a:rPr lang="en-US" altLang="ko-KR" sz="2000" dirty="0"/>
+            </a:br>
+            <a:endParaRPr lang="ko-KR" altLang="en-US" sz="2000" dirty="0"/>
+          </a:p>
+        </p:txBody>
+      </p:sp>
+      <p:sp>
+        <p:nvSpPr>
+          <p:cNvPr id="4" name="제목 1">
+            <a:extLst>
+              <a:ext uri="{FF2B5EF4-FFF2-40B4-BE49-F238E27FC236}">
+                <a16:creationId xmlns:a16="http://schemas.microsoft.com/office/drawing/2014/main" id="{8E2E0E5E-C494-5952-9A4E-98B51E4DFDCD}"/>
+              </a:ext>
+            </a:extLst>
+          </p:cNvPr>
+          <p:cNvSpPr txBox="1">
+            <a:spLocks/>
+          </p:cNvSpPr>
+          <p:nvPr/>
+        </p:nvSpPr>
+        <p:spPr>
+          <a:xfrm>
+            <a:off x="981338" y="528638"/>
+            <a:ext cx="2387601" cy="859366"/>
+          </a:xfrm>
+          <a:prstGeom prst="rect">
+            <a:avLst/>
+          </a:prstGeom>
+        </p:spPr>
+        <p:txBody>
+          <a:bodyPr vert="horz" wrap="square" lIns="0" tIns="0" rIns="0" bIns="0" rtlCol="0" anchor="t" anchorCtr="0">
+            <a:noAutofit/>
+          </a:bodyPr>
+          <a:lstStyle>
+            <a:lvl1pPr algn="l" defTabSz="914400" rtl="0" eaLnBrk="1" latinLnBrk="0" hangingPunct="1">
+              <a:lnSpc>
+                <a:spcPct val="110000"/>
+              </a:lnSpc>
+              <a:spcBef>
+                <a:spcPct val="0"/>
+              </a:spcBef>
+              <a:buNone/>
+              <a:defRPr lang="en-US" sz="4800" kern="1200" spc="160" dirty="0">
+                <a:solidFill>
+                  <a:schemeClr val="tx1"/>
+                </a:solidFill>
+                <a:latin typeface="+mj-lt"/>
+                <a:ea typeface="+mj-ea"/>
+                <a:cs typeface="+mj-cs"/>
+              </a:defRPr>
+            </a:lvl1pPr>
+          </a:lstStyle>
+          <a:p>
+            <a:r>
+              <a:rPr lang="ko-KR" altLang="en-US" sz="5000" dirty="0"/>
+              <a:t>재화</a:t>
+            </a:r>
+          </a:p>
+        </p:txBody>
+      </p:sp>
+    </p:spTree>
+    <p:extLst>
+      <p:ext uri="{BB962C8B-B14F-4D97-AF65-F5344CB8AC3E}">
+        <p14:creationId xmlns:p14="http://schemas.microsoft.com/office/powerpoint/2010/main" val="3456569480"/>
+      </p:ext>
+    </p:extLst>
+  </p:cSld>
+  <p:clrMapOvr>
+    <a:masterClrMapping/>
+  </p:clrMapOvr>
+</p:sld>
+</file>
+
+<file path=ppt/slides/slide14.xml><?xml version="1.0" encoding="utf-8"?>
+<p:sld xmlns:a="http://schemas.openxmlformats.org/drawingml/2006/main" xmlns:r="http://schemas.openxmlformats.org/officeDocument/2006/relationships" xmlns:p="http://schemas.openxmlformats.org/presentationml/2006/main">
+  <p:cSld>
+    <p:spTree>
+      <p:nvGrpSpPr>
+        <p:cNvPr id="1" name=""/>
+        <p:cNvGrpSpPr/>
+        <p:nvPr/>
+      </p:nvGrpSpPr>
+      <p:grpSpPr>
+        <a:xfrm>
+          <a:off x="0" y="0"/>
+          <a:ext cx="0" cy="0"/>
+          <a:chOff x="0" y="0"/>
+          <a:chExt cx="0" cy="0"/>
+        </a:xfrm>
+      </p:grpSpPr>
+      <p:sp>
+        <p:nvSpPr>
+          <p:cNvPr id="2" name="제목 1">
+            <a:extLst>
+              <a:ext uri="{FF2B5EF4-FFF2-40B4-BE49-F238E27FC236}">
+                <a16:creationId xmlns:a16="http://schemas.microsoft.com/office/drawing/2014/main" id="{7B2E3A79-41DF-C0FE-CFAA-BCB5A42209EE}"/>
+              </a:ext>
+            </a:extLst>
+          </p:cNvPr>
+          <p:cNvSpPr>
+            <a:spLocks noGrp="1"/>
+          </p:cNvSpPr>
+          <p:nvPr>
+            <p:ph type="title"/>
+          </p:nvPr>
+        </p:nvSpPr>
+        <p:spPr>
+          <a:xfrm>
+            <a:off x="1226871" y="1710266"/>
+            <a:ext cx="10483324" cy="3124201"/>
+          </a:xfrm>
+        </p:spPr>
+        <p:txBody>
+          <a:bodyPr>
+            <a:normAutofit/>
+          </a:bodyPr>
+          <a:lstStyle/>
+          <a:p>
+            <a:r>
+              <a:rPr lang="ko-KR" altLang="en-US" sz="2000" dirty="0"/>
+              <a:t>음</a:t>
+            </a:r>
+            <a:br>
+              <a:rPr lang="en-US" altLang="ko-KR" sz="2000" dirty="0"/>
+            </a:br>
+            <a:endParaRPr lang="ko-KR" altLang="en-US" sz="2000" dirty="0"/>
+          </a:p>
+        </p:txBody>
+      </p:sp>
+      <p:sp>
+        <p:nvSpPr>
+          <p:cNvPr id="4" name="제목 1">
+            <a:extLst>
+              <a:ext uri="{FF2B5EF4-FFF2-40B4-BE49-F238E27FC236}">
+                <a16:creationId xmlns:a16="http://schemas.microsoft.com/office/drawing/2014/main" id="{8E2E0E5E-C494-5952-9A4E-98B51E4DFDCD}"/>
+              </a:ext>
+            </a:extLst>
+          </p:cNvPr>
+          <p:cNvSpPr txBox="1">
+            <a:spLocks/>
+          </p:cNvSpPr>
+          <p:nvPr/>
+        </p:nvSpPr>
+        <p:spPr>
+          <a:xfrm>
+            <a:off x="981338" y="528638"/>
+            <a:ext cx="8712995" cy="859366"/>
+          </a:xfrm>
+          <a:prstGeom prst="rect">
+            <a:avLst/>
+          </a:prstGeom>
+        </p:spPr>
+        <p:txBody>
+          <a:bodyPr vert="horz" wrap="square" lIns="0" tIns="0" rIns="0" bIns="0" rtlCol="0" anchor="t" anchorCtr="0">
+            <a:noAutofit/>
+          </a:bodyPr>
+          <a:lstStyle>
+            <a:lvl1pPr algn="l" defTabSz="914400" rtl="0" eaLnBrk="1" latinLnBrk="0" hangingPunct="1">
+              <a:lnSpc>
+                <a:spcPct val="110000"/>
+              </a:lnSpc>
+              <a:spcBef>
+                <a:spcPct val="0"/>
+              </a:spcBef>
+              <a:buNone/>
+              <a:defRPr lang="en-US" sz="4800" kern="1200" spc="160" dirty="0">
+                <a:solidFill>
+                  <a:schemeClr val="tx1"/>
+                </a:solidFill>
+                <a:latin typeface="+mj-lt"/>
+                <a:ea typeface="+mj-ea"/>
+                <a:cs typeface="+mj-cs"/>
+              </a:defRPr>
+            </a:lvl1pPr>
+          </a:lstStyle>
+          <a:p>
+            <a:r>
+              <a:rPr lang="ko-KR" altLang="en-US" sz="5000" dirty="0"/>
+              <a:t>맵</a:t>
+            </a:r>
+          </a:p>
+        </p:txBody>
+      </p:sp>
+    </p:spTree>
+    <p:extLst>
+      <p:ext uri="{BB962C8B-B14F-4D97-AF65-F5344CB8AC3E}">
+        <p14:creationId xmlns:p14="http://schemas.microsoft.com/office/powerpoint/2010/main" val="1667452429"/>
+      </p:ext>
+    </p:extLst>
+  </p:cSld>
+  <p:clrMapOvr>
+    <a:masterClrMapping/>
+  </p:clrMapOvr>
+</p:sld>
+</file>
+
+<file path=ppt/slides/slide2.xml><?xml version="1.0" encoding="utf-8"?>
+<p:sld xmlns:a="http://schemas.openxmlformats.org/drawingml/2006/main" xmlns:r="http://schemas.openxmlformats.org/officeDocument/2006/relationships" xmlns:p="http://schemas.openxmlformats.org/presentationml/2006/main">
+  <p:cSld>
+    <p:spTree>
+      <p:nvGrpSpPr>
+        <p:cNvPr id="1" name=""/>
+        <p:cNvGrpSpPr/>
+        <p:nvPr/>
+      </p:nvGrpSpPr>
+      <p:grpSpPr>
+        <a:xfrm>
+          <a:off x="0" y="0"/>
+          <a:ext cx="0" cy="0"/>
+          <a:chOff x="0" y="0"/>
+          <a:chExt cx="0" cy="0"/>
+        </a:xfrm>
+      </p:grpSpPr>
+      <p:sp>
+        <p:nvSpPr>
+          <p:cNvPr id="5" name="제목 1">
+            <a:extLst>
+              <a:ext uri="{FF2B5EF4-FFF2-40B4-BE49-F238E27FC236}">
+                <a16:creationId xmlns:a16="http://schemas.microsoft.com/office/drawing/2014/main" id="{787EF0B3-74DC-E882-7985-4A90A7C63AAC}"/>
+              </a:ext>
+            </a:extLst>
+          </p:cNvPr>
+          <p:cNvSpPr txBox="1">
+            <a:spLocks/>
+          </p:cNvSpPr>
+          <p:nvPr/>
+        </p:nvSpPr>
+        <p:spPr>
+          <a:xfrm>
+            <a:off x="4424097" y="394390"/>
+            <a:ext cx="3343805" cy="754592"/>
+          </a:xfrm>
+          <a:prstGeom prst="rect">
+            <a:avLst/>
+          </a:prstGeom>
+        </p:spPr>
+        <p:txBody>
+          <a:bodyPr vert="horz" wrap="square" lIns="0" tIns="0" rIns="0" bIns="0" rtlCol="0" anchor="t" anchorCtr="0">
+            <a:noAutofit/>
+          </a:bodyPr>
+          <a:lstStyle>
+            <a:lvl1pPr algn="l" defTabSz="914400" rtl="0" eaLnBrk="1" latinLnBrk="0" hangingPunct="1">
+              <a:lnSpc>
+                <a:spcPct val="110000"/>
+              </a:lnSpc>
+              <a:spcBef>
+                <a:spcPct val="0"/>
+              </a:spcBef>
+              <a:buNone/>
+              <a:defRPr lang="en-US" sz="4800" kern="1200" spc="160" dirty="0">
+                <a:solidFill>
+                  <a:schemeClr val="tx1"/>
+                </a:solidFill>
+                <a:latin typeface="+mj-lt"/>
+                <a:ea typeface="+mj-ea"/>
+                <a:cs typeface="+mj-cs"/>
+              </a:defRPr>
+            </a:lvl1pPr>
+          </a:lstStyle>
+          <a:p>
             <a:pPr algn="ctr"/>
             <a:r>
               <a:rPr lang="ko-KR" altLang="en-US" sz="5000" dirty="0"/>
@@ -8372,6 +9054,42 @@
               <a:rPr lang="ko-KR" altLang="en-US" sz="1200" dirty="0"/>
               <a:t>사운드 컨셉</a:t>
             </a:r>
+          </a:p>
+        </p:txBody>
+      </p:sp>
+      <p:sp>
+        <p:nvSpPr>
+          <p:cNvPr id="2" name="TextBox 1">
+            <a:extLst>
+              <a:ext uri="{FF2B5EF4-FFF2-40B4-BE49-F238E27FC236}">
+                <a16:creationId xmlns:a16="http://schemas.microsoft.com/office/drawing/2014/main" id="{49DFB09D-EEB1-596C-ECDF-9B02D9A01E79}"/>
+              </a:ext>
+            </a:extLst>
+          </p:cNvPr>
+          <p:cNvSpPr txBox="1"/>
+          <p:nvPr/>
+        </p:nvSpPr>
+        <p:spPr>
+          <a:xfrm>
+            <a:off x="1117599" y="4199038"/>
+            <a:ext cx="11074399" cy="553998"/>
+          </a:xfrm>
+          <a:prstGeom prst="rect">
+            <a:avLst/>
+          </a:prstGeom>
+          <a:noFill/>
+        </p:spPr>
+        <p:txBody>
+          <a:bodyPr wrap="square" rtlCol="0">
+            <a:spAutoFit/>
+          </a:bodyPr>
+          <a:lstStyle/>
+          <a:p>
+            <a:r>
+              <a:rPr lang="en-US" altLang="ko-KR" sz="3000" dirty="0"/>
+              <a:t>.	</a:t>
+            </a:r>
+            <a:endParaRPr lang="ko-KR" altLang="en-US" sz="3000" dirty="0"/>
           </a:p>
         </p:txBody>
       </p:sp>
@@ -8636,7 +9354,7 @@
         </p:nvSpPr>
         <p:spPr>
           <a:xfrm>
-            <a:off x="550198" y="3878589"/>
+            <a:off x="516398" y="3874642"/>
             <a:ext cx="11074399" cy="553998"/>
           </a:xfrm>
           <a:prstGeom prst="rect">
@@ -8652,11 +9370,11 @@
           <a:p>
             <a:r>
               <a:rPr lang="ko-KR" altLang="en-US" sz="3000" dirty="0"/>
-              <a:t>타겟 연령층  </a:t>
+              <a:t>타겟 대상  </a:t>
             </a:r>
             <a:r>
               <a:rPr lang="en-US" altLang="ko-KR" sz="3000" dirty="0"/>
-              <a:t>:	</a:t>
+              <a:t>:		</a:t>
             </a:r>
             <a:endParaRPr lang="ko-KR" altLang="en-US" sz="3000" dirty="0"/>
           </a:p>
@@ -8691,12 +9409,8 @@
           <a:lstStyle/>
           <a:p>
             <a:r>
-              <a:rPr lang="ko-KR" altLang="en-US" sz="3000" dirty="0"/>
-              <a:t>타겟 연령층  </a:t>
-            </a:r>
-            <a:r>
               <a:rPr lang="en-US" altLang="ko-KR" sz="3000" dirty="0"/>
-              <a:t>:	</a:t>
+              <a:t>.	</a:t>
             </a:r>
             <a:endParaRPr lang="ko-KR" altLang="en-US" sz="3000" dirty="0"/>
           </a:p>
@@ -9373,17 +10087,75 @@
             </a:lvl1pPr>
           </a:lstStyle>
           <a:p>
+            <a:pPr marL="457200" indent="-457200">
+              <a:buFont typeface="Arial" panose="020B0604020202020204" pitchFamily="34" charset="0"/>
+              <a:buChar char="•"/>
+            </a:pPr>
+            <a:r>
+              <a:rPr lang="ko-KR" altLang="en-US" sz="3000" dirty="0"/>
+              <a:t>동물로 생각 중</a:t>
+            </a:r>
+          </a:p>
+        </p:txBody>
+      </p:sp>
+      <p:sp>
+        <p:nvSpPr>
+          <p:cNvPr id="2" name="제목 1">
+            <a:extLst>
+              <a:ext uri="{FF2B5EF4-FFF2-40B4-BE49-F238E27FC236}">
+                <a16:creationId xmlns:a16="http://schemas.microsoft.com/office/drawing/2014/main" id="{9245A1A9-FACE-BA61-3548-63C4DF3F2E1B}"/>
+              </a:ext>
+            </a:extLst>
+          </p:cNvPr>
+          <p:cNvSpPr txBox="1">
+            <a:spLocks/>
+          </p:cNvSpPr>
+          <p:nvPr/>
+        </p:nvSpPr>
+        <p:spPr>
+          <a:xfrm>
+            <a:off x="550200" y="2317909"/>
+            <a:ext cx="11006800" cy="525993"/>
+          </a:xfrm>
+          <a:prstGeom prst="rect">
+            <a:avLst/>
+          </a:prstGeom>
+        </p:spPr>
+        <p:txBody>
+          <a:bodyPr vert="horz" wrap="square" lIns="0" tIns="0" rIns="0" bIns="0" rtlCol="0" anchor="t" anchorCtr="0">
+            <a:normAutofit/>
+          </a:bodyPr>
+          <a:lstStyle>
+            <a:lvl1pPr algn="l" defTabSz="914400" rtl="0" eaLnBrk="1" latinLnBrk="0" hangingPunct="1">
+              <a:lnSpc>
+                <a:spcPct val="110000"/>
+              </a:lnSpc>
+              <a:spcBef>
+                <a:spcPct val="0"/>
+              </a:spcBef>
+              <a:buNone/>
+              <a:defRPr lang="en-US" sz="4800" kern="1200" spc="160" dirty="0">
+                <a:solidFill>
+                  <a:schemeClr val="tx1"/>
+                </a:solidFill>
+                <a:latin typeface="+mj-lt"/>
+                <a:ea typeface="+mj-ea"/>
+                <a:cs typeface="+mj-cs"/>
+              </a:defRPr>
+            </a:lvl1pPr>
+          </a:lstStyle>
+          <a:p>
+            <a:pPr marL="457200" indent="-457200">
+              <a:buFont typeface="Arial" panose="020B0604020202020204" pitchFamily="34" charset="0"/>
+              <a:buChar char="•"/>
+            </a:pPr>
+            <a:r>
+              <a:rPr lang="ko-KR" altLang="en-US" sz="3000" dirty="0"/>
+              <a:t>마을에서 낮을 던전에서의 밤을  </a:t>
+            </a:r>
             <a:r>
               <a:rPr lang="en-US" altLang="ko-KR" sz="3000" dirty="0"/>
-              <a:t>· </a:t>
-            </a:r>
-            <a:r>
-              <a:rPr lang="ko-KR" altLang="en-US" sz="3000" dirty="0"/>
-              <a:t>음</a:t>
-            </a:r>
-            <a:r>
-              <a:rPr lang="en-US" altLang="ko-KR" sz="3000" dirty="0"/>
-              <a:t>.</a:t>
+              <a:t>?</a:t>
             </a:r>
             <a:endParaRPr lang="ko-KR" altLang="en-US" sz="3000" dirty="0"/>
           </a:p>
@@ -9534,17 +10306,13 @@
             </a:lvl1pPr>
           </a:lstStyle>
           <a:p>
+            <a:pPr marL="457200" indent="-457200">
+              <a:buFont typeface="Arial" panose="020B0604020202020204" pitchFamily="34" charset="0"/>
+              <a:buChar char="•"/>
+            </a:pPr>
             <a:r>
               <a:rPr lang="en-US" altLang="ko-KR" sz="3000" dirty="0"/>
-              <a:t>· </a:t>
-            </a:r>
-            <a:r>
-              <a:rPr lang="ko-KR" altLang="en-US" sz="3000" dirty="0"/>
-              <a:t>음</a:t>
-            </a:r>
-            <a:r>
-              <a:rPr lang="en-US" altLang="ko-KR" sz="3000" dirty="0"/>
-              <a:t>.</a:t>
+              <a:t>..</a:t>
             </a:r>
             <a:endParaRPr lang="ko-KR" altLang="en-US" sz="3000" dirty="0"/>
           </a:p>
@@ -9610,26 +10378,19 @@
           <a:p>
             <a:r>
               <a:rPr lang="ko-KR" altLang="en-US" sz="2000" dirty="0"/>
-              <a:t>재화 존재 이유 기본적으로 난이도를 높게 잡는다</a:t>
-            </a:r>
-            <a:r>
-              <a:rPr lang="en-US" altLang="ko-KR" sz="2000" dirty="0"/>
-              <a:t>.</a:t>
+              <a:t>낮에는 마을밖에서 활동하지 못하는 플레이어가 </a:t>
             </a:r>
             <a:br>
               <a:rPr lang="en-US" altLang="ko-KR" sz="2000" dirty="0"/>
             </a:br>
             <a:r>
               <a:rPr lang="ko-KR" altLang="en-US" sz="2000" dirty="0"/>
-              <a:t>어려운 게임에 지속적으로 죽는 거에 스트레스를 받는 유저들을 위해 </a:t>
+              <a:t>밤에 마을 밖을 탐험</a:t>
             </a:r>
             <a:br>
               <a:rPr lang="en-US" altLang="ko-KR" sz="2000" dirty="0"/>
             </a:br>
-            <a:r>
-              <a:rPr lang="ko-KR" altLang="en-US" sz="2000" dirty="0"/>
-              <a:t>업그레이드를 하여 플레이 난이도를 완화하는 역할을 위해 기획</a:t>
-            </a:r>
+            <a:endParaRPr lang="ko-KR" altLang="en-US" sz="2000" dirty="0"/>
           </a:p>
         </p:txBody>
       </p:sp>
@@ -9650,7 +10411,7 @@
         <p:spPr>
           <a:xfrm>
             <a:off x="981338" y="528638"/>
-            <a:ext cx="2387601" cy="859366"/>
+            <a:ext cx="8712995" cy="859366"/>
           </a:xfrm>
           <a:prstGeom prst="rect">
             <a:avLst/>
@@ -9682,7 +10443,7 @@
           <a:p>
             <a:r>
               <a:rPr lang="ko-KR" altLang="en-US" sz="5000" dirty="0"/>
-              <a:t>재화</a:t>
+              <a:t>스토리</a:t>
             </a:r>
           </a:p>
         </p:txBody>
@@ -9690,7 +10451,7 @@
     </p:spTree>
     <p:extLst>
       <p:ext uri="{BB962C8B-B14F-4D97-AF65-F5344CB8AC3E}">
-        <p14:creationId xmlns:p14="http://schemas.microsoft.com/office/powerpoint/2010/main" val="3456569480"/>
+        <p14:creationId xmlns:p14="http://schemas.microsoft.com/office/powerpoint/2010/main" val="2570007976"/>
       </p:ext>
     </p:extLst>
   </p:cSld>
@@ -9746,12 +10507,8 @@
           <a:lstStyle/>
           <a:p>
             <a:r>
-              <a:rPr lang="ko-KR" altLang="en-US" sz="2000" dirty="0" err="1"/>
-              <a:t>로드시</a:t>
-            </a:r>
-            <a:r>
               <a:rPr lang="ko-KR" altLang="en-US" sz="2000" dirty="0"/>
-              <a:t> 시작위치는 마을 고정</a:t>
+              <a:t>음</a:t>
             </a:r>
             <a:br>
               <a:rPr lang="en-US" altLang="ko-KR" sz="2000" dirty="0"/>
@@ -9809,7 +10566,7 @@
           <a:p>
             <a:r>
               <a:rPr lang="ko-KR" altLang="en-US" sz="5000" dirty="0"/>
-              <a:t>세이브</a:t>
+              <a:t>맵</a:t>
             </a:r>
           </a:p>
         </p:txBody>
@@ -9817,7 +10574,170 @@
     </p:spTree>
     <p:extLst>
       <p:ext uri="{BB962C8B-B14F-4D97-AF65-F5344CB8AC3E}">
-        <p14:creationId xmlns:p14="http://schemas.microsoft.com/office/powerpoint/2010/main" val="2309160706"/>
+        <p14:creationId xmlns:p14="http://schemas.microsoft.com/office/powerpoint/2010/main" val="3968758996"/>
+      </p:ext>
+    </p:extLst>
+  </p:cSld>
+  <p:clrMapOvr>
+    <a:masterClrMapping/>
+  </p:clrMapOvr>
+</p:sld>
+</file>
+
+<file path=ppt/slides/slide9.xml><?xml version="1.0" encoding="utf-8"?>
+<p:sld xmlns:a="http://schemas.openxmlformats.org/drawingml/2006/main" xmlns:r="http://schemas.openxmlformats.org/officeDocument/2006/relationships" xmlns:p="http://schemas.openxmlformats.org/presentationml/2006/main">
+  <p:cSld>
+    <p:spTree>
+      <p:nvGrpSpPr>
+        <p:cNvPr id="1" name=""/>
+        <p:cNvGrpSpPr/>
+        <p:nvPr/>
+      </p:nvGrpSpPr>
+      <p:grpSpPr>
+        <a:xfrm>
+          <a:off x="0" y="0"/>
+          <a:ext cx="0" cy="0"/>
+          <a:chOff x="0" y="0"/>
+          <a:chExt cx="0" cy="0"/>
+        </a:xfrm>
+      </p:grpSpPr>
+      <p:sp>
+        <p:nvSpPr>
+          <p:cNvPr id="2" name="제목 1">
+            <a:extLst>
+              <a:ext uri="{FF2B5EF4-FFF2-40B4-BE49-F238E27FC236}">
+                <a16:creationId xmlns:a16="http://schemas.microsoft.com/office/drawing/2014/main" id="{7B2E3A79-41DF-C0FE-CFAA-BCB5A42209EE}"/>
+              </a:ext>
+            </a:extLst>
+          </p:cNvPr>
+          <p:cNvSpPr>
+            <a:spLocks noGrp="1"/>
+          </p:cNvSpPr>
+          <p:nvPr>
+            <p:ph type="title"/>
+          </p:nvPr>
+        </p:nvSpPr>
+        <p:spPr>
+          <a:xfrm>
+            <a:off x="1226871" y="1710266"/>
+            <a:ext cx="10483324" cy="3124201"/>
+          </a:xfrm>
+        </p:spPr>
+        <p:txBody>
+          <a:bodyPr>
+            <a:normAutofit/>
+          </a:bodyPr>
+          <a:lstStyle/>
+          <a:p>
+            <a:r>
+              <a:rPr lang="en-US" altLang="ko-KR" sz="2000" dirty="0"/>
+              <a:t>HP</a:t>
+            </a:r>
+            <a:r>
+              <a:rPr lang="ko-KR" altLang="en-US" sz="2000" dirty="0"/>
+              <a:t> </a:t>
+            </a:r>
+            <a:r>
+              <a:rPr lang="en-US" altLang="ko-KR" sz="2000" dirty="0"/>
+              <a:t>o </a:t>
+            </a:r>
+            <a:br>
+              <a:rPr lang="en-US" altLang="ko-KR" sz="2000" dirty="0"/>
+            </a:br>
+            <a:r>
+              <a:rPr lang="en-US" altLang="ko-KR" sz="2000" dirty="0"/>
+              <a:t>MP</a:t>
+            </a:r>
+            <a:r>
+              <a:rPr lang="ko-KR" altLang="en-US" sz="2000" dirty="0"/>
+              <a:t> </a:t>
+            </a:r>
+            <a:r>
+              <a:rPr lang="en-US" altLang="ko-KR" sz="2000" dirty="0"/>
+              <a:t>?</a:t>
+            </a:r>
+            <a:br>
+              <a:rPr lang="en-US" altLang="ko-KR" sz="2000" dirty="0"/>
+            </a:br>
+            <a:r>
+              <a:rPr lang="ko-KR" altLang="en-US" sz="2000" dirty="0"/>
+              <a:t>스킬 트리 </a:t>
+            </a:r>
+            <a:r>
+              <a:rPr lang="en-US" altLang="ko-KR" sz="2000" dirty="0"/>
+              <a:t>?</a:t>
+            </a:r>
+            <a:br>
+              <a:rPr lang="en-US" altLang="ko-KR" sz="2000" dirty="0"/>
+            </a:br>
+            <a:br>
+              <a:rPr lang="en-US" altLang="ko-KR" sz="2000" dirty="0"/>
+            </a:br>
+            <a:br>
+              <a:rPr lang="en-US" altLang="ko-KR" sz="2000" dirty="0"/>
+            </a:br>
+            <a:endParaRPr lang="ko-KR" altLang="en-US" sz="2000" dirty="0"/>
+          </a:p>
+        </p:txBody>
+      </p:sp>
+      <p:sp>
+        <p:nvSpPr>
+          <p:cNvPr id="4" name="제목 1">
+            <a:extLst>
+              <a:ext uri="{FF2B5EF4-FFF2-40B4-BE49-F238E27FC236}">
+                <a16:creationId xmlns:a16="http://schemas.microsoft.com/office/drawing/2014/main" id="{8E2E0E5E-C494-5952-9A4E-98B51E4DFDCD}"/>
+              </a:ext>
+            </a:extLst>
+          </p:cNvPr>
+          <p:cNvSpPr txBox="1">
+            <a:spLocks/>
+          </p:cNvSpPr>
+          <p:nvPr/>
+        </p:nvSpPr>
+        <p:spPr>
+          <a:xfrm>
+            <a:off x="981338" y="528638"/>
+            <a:ext cx="8712995" cy="859366"/>
+          </a:xfrm>
+          <a:prstGeom prst="rect">
+            <a:avLst/>
+          </a:prstGeom>
+        </p:spPr>
+        <p:txBody>
+          <a:bodyPr vert="horz" wrap="square" lIns="0" tIns="0" rIns="0" bIns="0" rtlCol="0" anchor="t" anchorCtr="0">
+            <a:noAutofit/>
+          </a:bodyPr>
+          <a:lstStyle>
+            <a:lvl1pPr algn="l" defTabSz="914400" rtl="0" eaLnBrk="1" latinLnBrk="0" hangingPunct="1">
+              <a:lnSpc>
+                <a:spcPct val="110000"/>
+              </a:lnSpc>
+              <a:spcBef>
+                <a:spcPct val="0"/>
+              </a:spcBef>
+              <a:buNone/>
+              <a:defRPr lang="en-US" sz="4800" kern="1200" spc="160" dirty="0">
+                <a:solidFill>
+                  <a:schemeClr val="tx1"/>
+                </a:solidFill>
+                <a:latin typeface="+mj-lt"/>
+                <a:ea typeface="+mj-ea"/>
+                <a:cs typeface="+mj-cs"/>
+              </a:defRPr>
+            </a:lvl1pPr>
+          </a:lstStyle>
+          <a:p>
+            <a:r>
+              <a:rPr lang="ko-KR" altLang="en-US" sz="5000" dirty="0"/>
+              <a:t>플레이어</a:t>
+            </a:r>
+          </a:p>
+        </p:txBody>
+      </p:sp>
+    </p:spTree>
+    <p:extLst>
+      <p:ext uri="{BB962C8B-B14F-4D97-AF65-F5344CB8AC3E}">
+        <p14:creationId xmlns:p14="http://schemas.microsoft.com/office/powerpoint/2010/main" val="240522347"/>
       </p:ext>
     </p:extLst>
   </p:cSld>

--- a/기획서.pptx
+++ b/기획서.pptx
@@ -8267,13 +8267,106 @@
         </p:spPr>
         <p:txBody>
           <a:bodyPr>
-            <a:normAutofit/>
+            <a:normAutofit fontScale="90000"/>
           </a:bodyPr>
           <a:lstStyle/>
           <a:p>
             <a:r>
+              <a:rPr lang="en-US" altLang="ko-KR" sz="2000" dirty="0"/>
+              <a:t>2</a:t>
+            </a:r>
+            <a:r>
               <a:rPr lang="ko-KR" altLang="en-US" sz="2000" dirty="0"/>
-              <a:t>음</a:t>
+              <a:t>가지 형태로 나뉨</a:t>
+            </a:r>
+            <a:br>
+              <a:rPr lang="en-US" altLang="ko-KR" sz="2000" dirty="0"/>
+            </a:br>
+            <a:r>
+              <a:rPr lang="en-US" altLang="ko-KR" sz="2000" dirty="0"/>
+              <a:t>	1. </a:t>
+            </a:r>
+            <a:r>
+              <a:rPr lang="ko-KR" altLang="en-US" sz="2000" dirty="0"/>
+              <a:t>스토리 라인 보스 </a:t>
+            </a:r>
+            <a:r>
+              <a:rPr lang="en-US" altLang="ko-KR" sz="2000" dirty="0"/>
+              <a:t>: </a:t>
+            </a:r>
+            <a:r>
+              <a:rPr lang="ko-KR" altLang="en-US" sz="2000" dirty="0"/>
+              <a:t>난이도 上 </a:t>
+            </a:r>
+            <a:r>
+              <a:rPr lang="en-US" altLang="ko-KR" sz="2000" dirty="0"/>
+              <a:t>, </a:t>
+            </a:r>
+            <a:r>
+              <a:rPr lang="ko-KR" altLang="en-US" sz="2000" dirty="0" err="1"/>
+              <a:t>조우시</a:t>
+            </a:r>
+            <a:r>
+              <a:rPr lang="ko-KR" altLang="en-US" sz="2000" dirty="0"/>
+              <a:t> 도망</a:t>
+            </a:r>
+            <a:r>
+              <a:rPr lang="en-US" altLang="ko-KR" sz="2000" dirty="0"/>
+              <a:t>x, </a:t>
+            </a:r>
+            <a:br>
+              <a:rPr lang="en-US" altLang="ko-KR" sz="2000" dirty="0"/>
+            </a:br>
+            <a:br>
+              <a:rPr lang="en-US" altLang="ko-KR" sz="2000" dirty="0"/>
+            </a:br>
+            <a:br>
+              <a:rPr lang="en-US" altLang="ko-KR" sz="2000" dirty="0"/>
+            </a:br>
+            <a:br>
+              <a:rPr lang="en-US" altLang="ko-KR" sz="2000" dirty="0"/>
+            </a:br>
+            <a:br>
+              <a:rPr lang="en-US" altLang="ko-KR" sz="2000" dirty="0"/>
+            </a:br>
+            <a:r>
+              <a:rPr lang="en-US" altLang="ko-KR" sz="2000" dirty="0"/>
+              <a:t>	2. BSP </a:t>
+            </a:r>
+            <a:r>
+              <a:rPr lang="ko-KR" altLang="en-US" sz="2000" dirty="0"/>
+              <a:t>라인 보스 </a:t>
+            </a:r>
+            <a:r>
+              <a:rPr lang="en-US" altLang="ko-KR" sz="2000" dirty="0"/>
+              <a:t>:  </a:t>
+            </a:r>
+            <a:r>
+              <a:rPr lang="ko-KR" altLang="en-US" sz="2000" dirty="0"/>
+              <a:t>난이도 下 </a:t>
+            </a:r>
+            <a:r>
+              <a:rPr lang="en-US" altLang="ko-KR" sz="2000" dirty="0"/>
+              <a:t>, </a:t>
+            </a:r>
+            <a:r>
+              <a:rPr lang="ko-KR" altLang="en-US" sz="2000" dirty="0"/>
+              <a:t>스토리 라인을 보조하기 위해 설계 </a:t>
+            </a:r>
+            <a:r>
+              <a:rPr lang="ko-KR" altLang="en-US" sz="2000" dirty="0" err="1"/>
+              <a:t>클리어시</a:t>
+            </a:r>
+            <a:r>
+              <a:rPr lang="ko-KR" altLang="en-US" sz="2000"/>
+              <a:t> 재화 드랍</a:t>
+            </a:r>
+            <a:br>
+              <a:rPr lang="en-US" altLang="ko-KR" sz="2000" dirty="0"/>
+            </a:br>
+            <a:r>
+              <a:rPr lang="en-US" altLang="ko-KR" sz="2000" dirty="0"/>
+              <a:t>				</a:t>
             </a:r>
             <a:br>
               <a:rPr lang="en-US" altLang="ko-KR" sz="2000" dirty="0"/>
@@ -8945,7 +9038,7 @@
         </p:nvSpPr>
         <p:spPr>
           <a:xfrm>
-            <a:off x="1363133" y="1973588"/>
+            <a:off x="1363131" y="1973588"/>
             <a:ext cx="2065867" cy="830997"/>
           </a:xfrm>
           <a:prstGeom prst="rect">
@@ -9071,7 +9164,7 @@
         </p:nvSpPr>
         <p:spPr>
           <a:xfrm>
-            <a:off x="1117599" y="4199038"/>
+            <a:off x="1091720" y="4199038"/>
             <a:ext cx="11074399" cy="553998"/>
           </a:xfrm>
           <a:prstGeom prst="rect">

--- a/기획서.pptx
+++ b/기획서.pptx
@@ -18,7 +18,6 @@
     <p:sldId id="270" r:id="rId12"/>
     <p:sldId id="264" r:id="rId13"/>
     <p:sldId id="263" r:id="rId14"/>
-    <p:sldId id="268" r:id="rId15"/>
   </p:sldIdLst>
   <p:sldSz cx="12192000" cy="6858000"/>
   <p:notesSz cx="6858000" cy="9144000"/>
@@ -290,7 +289,7 @@
           <a:p>
             <a:fld id="{72EA7947-E287-4738-8C82-07CE4F01EF03}" type="datetime2">
               <a:rPr lang="en-US" smtClean="0"/>
-              <a:t>Tuesday, May 16, 2023</a:t>
+              <a:t>Friday, May 19, 2023</a:t>
             </a:fld>
             <a:endParaRPr lang="en-US" dirty="0"/>
           </a:p>
@@ -1326,7 +1325,7 @@
           <a:p>
             <a:fld id="{EE2EBD84-71F4-4271-8C46-0D47C0A9B12E}" type="datetime2">
               <a:rPr lang="en-US" smtClean="0"/>
-              <a:t>Tuesday, May 16, 2023</a:t>
+              <a:t>Friday, May 19, 2023</a:t>
             </a:fld>
             <a:endParaRPr lang="en-US"/>
           </a:p>
@@ -1537,7 +1536,7 @@
           <a:p>
             <a:fld id="{ABAE0CE1-F450-4107-B2CB-17B18F8A3F4A}" type="datetime2">
               <a:rPr lang="en-US" smtClean="0"/>
-              <a:t>Tuesday, May 16, 2023</a:t>
+              <a:t>Friday, May 19, 2023</a:t>
             </a:fld>
             <a:endParaRPr lang="en-US"/>
           </a:p>
@@ -2202,7 +2201,7 @@
           <a:p>
             <a:fld id="{6FE8C025-CD7A-4966-867E-81CF82B15267}" type="datetime2">
               <a:rPr lang="en-US" smtClean="0"/>
-              <a:t>Tuesday, May 16, 2023</a:t>
+              <a:t>Friday, May 19, 2023</a:t>
             </a:fld>
             <a:endParaRPr lang="en-US"/>
           </a:p>
@@ -2822,7 +2821,7 @@
           <a:p>
             <a:fld id="{FE809929-0719-4517-94D6-FDF7F99E70F6}" type="datetime2">
               <a:rPr lang="en-US" smtClean="0"/>
-              <a:t>Tuesday, May 16, 2023</a:t>
+              <a:t>Friday, May 19, 2023</a:t>
             </a:fld>
             <a:endParaRPr lang="en-US"/>
           </a:p>
@@ -3940,7 +3939,7 @@
           <a:p>
             <a:fld id="{20E95673-5512-4AAA-9AEB-E00C61EC65D5}" type="datetime2">
               <a:rPr lang="en-US" smtClean="0"/>
-              <a:t>Tuesday, May 16, 2023</a:t>
+              <a:t>Friday, May 19, 2023</a:t>
             </a:fld>
             <a:endParaRPr lang="en-US"/>
           </a:p>
@@ -4487,7 +4486,7 @@
           <a:p>
             <a:fld id="{C13138FA-2E87-4873-8BBA-13E447C9A99A}" type="datetime2">
               <a:rPr lang="en-US" smtClean="0"/>
-              <a:t>Tuesday, May 16, 2023</a:t>
+              <a:t>Friday, May 19, 2023</a:t>
             </a:fld>
             <a:endParaRPr lang="en-US"/>
           </a:p>
@@ -4648,7 +4647,7 @@
           <a:p>
             <a:fld id="{D75BB40A-97BD-4BFB-B639-0BFF95FDE8B7}" type="datetime2">
               <a:rPr lang="en-US" smtClean="0"/>
-              <a:t>Tuesday, May 16, 2023</a:t>
+              <a:t>Friday, May 19, 2023</a:t>
             </a:fld>
             <a:endParaRPr lang="en-US"/>
           </a:p>
@@ -5683,7 +5682,7 @@
           <a:p>
             <a:fld id="{9EE9E0E3-ECF6-4CFE-8698-AEFEBCECC3C0}" type="datetime2">
               <a:rPr lang="en-US" smtClean="0"/>
-              <a:t>Tuesday, May 16, 2023</a:t>
+              <a:t>Friday, May 19, 2023</a:t>
             </a:fld>
             <a:endParaRPr lang="en-US"/>
           </a:p>
@@ -6329,7 +6328,7 @@
           <a:p>
             <a:fld id="{251462FC-960E-4740-921F-B36862979F21}" type="datetime2">
               <a:rPr lang="en-US" smtClean="0"/>
-              <a:t>Tuesday, May 16, 2023</a:t>
+              <a:t>Friday, May 19, 2023</a:t>
             </a:fld>
             <a:endParaRPr lang="en-US"/>
           </a:p>
@@ -7093,7 +7092,7 @@
           <a:p>
             <a:fld id="{E50BC9E2-CB44-4C05-9BB5-496C18A241E0}" type="datetime2">
               <a:rPr lang="en-US" smtClean="0"/>
-              <a:t>Tuesday, May 16, 2023</a:t>
+              <a:t>Friday, May 19, 2023</a:t>
             </a:fld>
             <a:endParaRPr lang="en-US"/>
           </a:p>
@@ -7340,7 +7339,7 @@
           <a:p>
             <a:fld id="{246CB39B-5F4C-4A7E-9BE3-AAFD45576D16}" type="datetime2">
               <a:rPr lang="en-US" smtClean="0"/>
-              <a:t>Tuesday, May 16, 2023</a:t>
+              <a:t>Friday, May 19, 2023</a:t>
             </a:fld>
             <a:endParaRPr lang="en-US" dirty="0"/>
           </a:p>
@@ -7901,12 +7900,8 @@
           <a:lstStyle/>
           <a:p>
             <a:r>
-              <a:rPr lang="ko-KR" altLang="en-US" sz="4800" dirty="0"/>
-              <a:t>기획서</a:t>
-            </a:r>
-            <a:r>
-              <a:rPr lang="en-US" altLang="ko-KR" sz="4800" dirty="0"/>
-              <a:t>	</a:t>
+              <a:rPr lang="ko-KR" altLang="en-US" sz="4800" dirty="0" err="1"/>
+              <a:t>닉스</a:t>
             </a:r>
             <a:endParaRPr lang="ko-KR" altLang="en-US" sz="4800" dirty="0"/>
           </a:p>
@@ -8358,7 +8353,7 @@
               <a:t>클리어시</a:t>
             </a:r>
             <a:r>
-              <a:rPr lang="ko-KR" altLang="en-US" sz="2000"/>
+              <a:rPr lang="ko-KR" altLang="en-US" sz="2000" dirty="0"/>
               <a:t> 재화 드랍</a:t>
             </a:r>
             <a:br>
@@ -8749,129 +8744,6 @@
 </p:sld>
 </file>
 
-<file path=ppt/slides/slide14.xml><?xml version="1.0" encoding="utf-8"?>
-<p:sld xmlns:a="http://schemas.openxmlformats.org/drawingml/2006/main" xmlns:r="http://schemas.openxmlformats.org/officeDocument/2006/relationships" xmlns:p="http://schemas.openxmlformats.org/presentationml/2006/main">
-  <p:cSld>
-    <p:spTree>
-      <p:nvGrpSpPr>
-        <p:cNvPr id="1" name=""/>
-        <p:cNvGrpSpPr/>
-        <p:nvPr/>
-      </p:nvGrpSpPr>
-      <p:grpSpPr>
-        <a:xfrm>
-          <a:off x="0" y="0"/>
-          <a:ext cx="0" cy="0"/>
-          <a:chOff x="0" y="0"/>
-          <a:chExt cx="0" cy="0"/>
-        </a:xfrm>
-      </p:grpSpPr>
-      <p:sp>
-        <p:nvSpPr>
-          <p:cNvPr id="2" name="제목 1">
-            <a:extLst>
-              <a:ext uri="{FF2B5EF4-FFF2-40B4-BE49-F238E27FC236}">
-                <a16:creationId xmlns:a16="http://schemas.microsoft.com/office/drawing/2014/main" id="{7B2E3A79-41DF-C0FE-CFAA-BCB5A42209EE}"/>
-              </a:ext>
-            </a:extLst>
-          </p:cNvPr>
-          <p:cNvSpPr>
-            <a:spLocks noGrp="1"/>
-          </p:cNvSpPr>
-          <p:nvPr>
-            <p:ph type="title"/>
-          </p:nvPr>
-        </p:nvSpPr>
-        <p:spPr>
-          <a:xfrm>
-            <a:off x="1226871" y="1710266"/>
-            <a:ext cx="10483324" cy="3124201"/>
-          </a:xfrm>
-        </p:spPr>
-        <p:txBody>
-          <a:bodyPr>
-            <a:normAutofit/>
-          </a:bodyPr>
-          <a:lstStyle/>
-          <a:p>
-            <a:r>
-              <a:rPr lang="ko-KR" altLang="en-US" sz="2000" dirty="0"/>
-              <a:t>음</a:t>
-            </a:r>
-            <a:br>
-              <a:rPr lang="en-US" altLang="ko-KR" sz="2000" dirty="0"/>
-            </a:br>
-            <a:endParaRPr lang="ko-KR" altLang="en-US" sz="2000" dirty="0"/>
-          </a:p>
-        </p:txBody>
-      </p:sp>
-      <p:sp>
-        <p:nvSpPr>
-          <p:cNvPr id="4" name="제목 1">
-            <a:extLst>
-              <a:ext uri="{FF2B5EF4-FFF2-40B4-BE49-F238E27FC236}">
-                <a16:creationId xmlns:a16="http://schemas.microsoft.com/office/drawing/2014/main" id="{8E2E0E5E-C494-5952-9A4E-98B51E4DFDCD}"/>
-              </a:ext>
-            </a:extLst>
-          </p:cNvPr>
-          <p:cNvSpPr txBox="1">
-            <a:spLocks/>
-          </p:cNvSpPr>
-          <p:nvPr/>
-        </p:nvSpPr>
-        <p:spPr>
-          <a:xfrm>
-            <a:off x="981338" y="528638"/>
-            <a:ext cx="8712995" cy="859366"/>
-          </a:xfrm>
-          <a:prstGeom prst="rect">
-            <a:avLst/>
-          </a:prstGeom>
-        </p:spPr>
-        <p:txBody>
-          <a:bodyPr vert="horz" wrap="square" lIns="0" tIns="0" rIns="0" bIns="0" rtlCol="0" anchor="t" anchorCtr="0">
-            <a:noAutofit/>
-          </a:bodyPr>
-          <a:lstStyle>
-            <a:lvl1pPr algn="l" defTabSz="914400" rtl="0" eaLnBrk="1" latinLnBrk="0" hangingPunct="1">
-              <a:lnSpc>
-                <a:spcPct val="110000"/>
-              </a:lnSpc>
-              <a:spcBef>
-                <a:spcPct val="0"/>
-              </a:spcBef>
-              <a:buNone/>
-              <a:defRPr lang="en-US" sz="4800" kern="1200" spc="160" dirty="0">
-                <a:solidFill>
-                  <a:schemeClr val="tx1"/>
-                </a:solidFill>
-                <a:latin typeface="+mj-lt"/>
-                <a:ea typeface="+mj-ea"/>
-                <a:cs typeface="+mj-cs"/>
-              </a:defRPr>
-            </a:lvl1pPr>
-          </a:lstStyle>
-          <a:p>
-            <a:r>
-              <a:rPr lang="ko-KR" altLang="en-US" sz="5000" dirty="0"/>
-              <a:t>맵</a:t>
-            </a:r>
-          </a:p>
-        </p:txBody>
-      </p:sp>
-    </p:spTree>
-    <p:extLst>
-      <p:ext uri="{BB962C8B-B14F-4D97-AF65-F5344CB8AC3E}">
-        <p14:creationId xmlns:p14="http://schemas.microsoft.com/office/powerpoint/2010/main" val="1667452429"/>
-      </p:ext>
-    </p:extLst>
-  </p:cSld>
-  <p:clrMapOvr>
-    <a:masterClrMapping/>
-  </p:clrMapOvr>
-</p:sld>
-</file>
-
 <file path=ppt/slides/slide2.xml><?xml version="1.0" encoding="utf-8"?>
 <p:sld xmlns:a="http://schemas.openxmlformats.org/drawingml/2006/main" xmlns:r="http://schemas.openxmlformats.org/officeDocument/2006/relationships" xmlns:p="http://schemas.openxmlformats.org/presentationml/2006/main">
   <p:cSld>
@@ -9427,7 +9299,15 @@
             </a:r>
             <a:r>
               <a:rPr lang="en-US" altLang="ko-KR" sz="3000" dirty="0"/>
-              <a:t>:</a:t>
+              <a:t>:	</a:t>
+            </a:r>
+            <a:r>
+              <a:rPr lang="ko-KR" altLang="en-US" sz="3000" dirty="0" err="1"/>
+              <a:t>닉스</a:t>
+            </a:r>
+            <a:r>
+              <a:rPr lang="en-US" altLang="ko-KR" sz="3000" dirty="0"/>
+              <a:t>(Nyx)</a:t>
             </a:r>
             <a:endParaRPr lang="ko-KR" altLang="en-US" sz="3000" dirty="0"/>
           </a:p>
@@ -9971,8 +9851,13 @@
             </a:pPr>
             <a:r>
               <a:rPr lang="ko-KR" altLang="en-US" sz="3000" dirty="0"/>
-              <a:t>다른 루트에서 열쇠를 획득하여 보스 룸 진입</a:t>
-            </a:r>
+              <a:t>시간이 경과 </a:t>
+            </a:r>
+            <a:r>
+              <a:rPr lang="ko-KR" altLang="en-US" sz="3000"/>
+              <a:t>할 시 마을로 강제 귀환</a:t>
+            </a:r>
+            <a:endParaRPr lang="ko-KR" altLang="en-US" sz="3000" dirty="0"/>
           </a:p>
         </p:txBody>
       </p:sp>
@@ -10031,6 +9916,16 @@
               <a:rPr lang="en-US" altLang="ko-KR" sz="3000" dirty="0"/>
               <a:t> </a:t>
             </a:r>
+            <a:r>
+              <a:rPr lang="ko-KR" altLang="en-US" sz="3000" dirty="0"/>
+              <a:t>다른 루트에서 열쇠를 획득하여 보스 룸 진입</a:t>
+            </a:r>
+          </a:p>
+          <a:p>
+            <a:pPr marL="457200" indent="-457200">
+              <a:buFont typeface="Arial" panose="020B0604020202020204" pitchFamily="34" charset="0"/>
+              <a:buChar char="•"/>
+            </a:pPr>
             <a:endParaRPr lang="ko-KR" altLang="en-US" sz="3000" dirty="0"/>
           </a:p>
         </p:txBody>
@@ -10184,10 +10079,7 @@
               <a:buFont typeface="Arial" panose="020B0604020202020204" pitchFamily="34" charset="0"/>
               <a:buChar char="•"/>
             </a:pPr>
-            <a:r>
-              <a:rPr lang="ko-KR" altLang="en-US" sz="3000" dirty="0"/>
-              <a:t>동물로 생각 중</a:t>
-            </a:r>
+            <a:endParaRPr lang="ko-KR" altLang="en-US" sz="3000" dirty="0"/>
           </a:p>
         </p:txBody>
       </p:sp>
@@ -10470,20 +10362,33 @@
           <a:lstStyle/>
           <a:p>
             <a:r>
+              <a:rPr lang="ko-KR" altLang="en-US" sz="2000" dirty="0" err="1"/>
+              <a:t>닉스</a:t>
+            </a:r>
+            <a:r>
+              <a:rPr lang="en-US" altLang="ko-KR" sz="2000" dirty="0"/>
+              <a:t>(</a:t>
+            </a:r>
+            <a:r>
               <a:rPr lang="ko-KR" altLang="en-US" sz="2000" dirty="0"/>
-              <a:t>낮에는 마을밖에서 활동하지 못하는 플레이어가 </a:t>
-            </a:r>
-            <a:br>
+              <a:t>밤의 신</a:t>
+            </a:r>
+            <a:r>
               <a:rPr lang="en-US" altLang="ko-KR" sz="2000" dirty="0"/>
-            </a:br>
+              <a:t>)</a:t>
+            </a:r>
             <a:r>
               <a:rPr lang="ko-KR" altLang="en-US" sz="2000" dirty="0"/>
-              <a:t>밤에 마을 밖을 탐험</a:t>
-            </a:r>
-            <a:br>
-              <a:rPr lang="en-US" altLang="ko-KR" sz="2000" dirty="0"/>
-            </a:br>
-            <a:endParaRPr lang="ko-KR" altLang="en-US" sz="2000" dirty="0"/>
+              <a:t>로 뭔가를 해보고 싶다 </a:t>
+            </a:r>
+            <a:r>
+              <a:rPr lang="ko-KR" altLang="en-US" sz="2000" dirty="0" err="1"/>
+              <a:t>생각중</a:t>
+            </a:r>
+            <a:r>
+              <a:rPr lang="ko-KR" altLang="en-US" sz="2000" dirty="0"/>
+              <a:t>  </a:t>
+            </a:r>
           </a:p>
         </p:txBody>
       </p:sp>
@@ -10503,7 +10408,7 @@
         </p:nvSpPr>
         <p:spPr>
           <a:xfrm>
-            <a:off x="981338" y="528638"/>
+            <a:off x="1165533" y="752305"/>
             <a:ext cx="8712995" cy="859366"/>
           </a:xfrm>
           <a:prstGeom prst="rect">
@@ -10601,12 +10506,8 @@
           <a:p>
             <a:r>
               <a:rPr lang="ko-KR" altLang="en-US" sz="2000" dirty="0"/>
-              <a:t>음</a:t>
-            </a:r>
-            <a:br>
-              <a:rPr lang="en-US" altLang="ko-KR" sz="2000" dirty="0"/>
-            </a:br>
-            <a:endParaRPr lang="ko-KR" altLang="en-US" sz="2000" dirty="0"/>
+              <a:t>여러 개의 갈래길로 이루어진 선형적인 구조 </a:t>
+            </a:r>
           </a:p>
         </p:txBody>
       </p:sp>
@@ -10755,6 +10656,21 @@
             <a:r>
               <a:rPr lang="ko-KR" altLang="en-US" sz="2000" dirty="0"/>
               <a:t>스킬 트리 </a:t>
+            </a:r>
+            <a:r>
+              <a:rPr lang="en-US" altLang="ko-KR" sz="2000" dirty="0"/>
+              <a:t>?</a:t>
+            </a:r>
+            <a:br>
+              <a:rPr lang="en-US" altLang="ko-KR" sz="2000" dirty="0"/>
+            </a:br>
+            <a:r>
+              <a:rPr lang="ko-KR" altLang="en-US" sz="2000" dirty="0" err="1"/>
+              <a:t>사망시</a:t>
+            </a:r>
+            <a:r>
+              <a:rPr lang="ko-KR" altLang="en-US" sz="2000" dirty="0"/>
+              <a:t> </a:t>
             </a:r>
             <a:r>
               <a:rPr lang="en-US" altLang="ko-KR" sz="2000" dirty="0"/>

--- a/기획서.pptx
+++ b/기획서.pptx
@@ -11,13 +11,15 @@
     <p:sldId id="259" r:id="rId5"/>
     <p:sldId id="260" r:id="rId6"/>
     <p:sldId id="261" r:id="rId7"/>
-    <p:sldId id="266" r:id="rId8"/>
-    <p:sldId id="267" r:id="rId9"/>
-    <p:sldId id="265" r:id="rId10"/>
-    <p:sldId id="269" r:id="rId11"/>
-    <p:sldId id="270" r:id="rId12"/>
-    <p:sldId id="264" r:id="rId13"/>
+    <p:sldId id="271" r:id="rId8"/>
+    <p:sldId id="266" r:id="rId9"/>
+    <p:sldId id="267" r:id="rId10"/>
+    <p:sldId id="265" r:id="rId11"/>
+    <p:sldId id="269" r:id="rId12"/>
+    <p:sldId id="270" r:id="rId13"/>
     <p:sldId id="263" r:id="rId14"/>
+    <p:sldId id="272" r:id="rId15"/>
+    <p:sldId id="264" r:id="rId16"/>
   </p:sldIdLst>
   <p:sldSz cx="12192000" cy="6858000"/>
   <p:notesSz cx="6858000" cy="9144000"/>
@@ -289,7 +291,7 @@
           <a:p>
             <a:fld id="{72EA7947-E287-4738-8C82-07CE4F01EF03}" type="datetime2">
               <a:rPr lang="en-US" smtClean="0"/>
-              <a:t>Friday, May 19, 2023</a:t>
+              <a:t>Tuesday, May 23, 2023</a:t>
             </a:fld>
             <a:endParaRPr lang="en-US" dirty="0"/>
           </a:p>
@@ -1325,7 +1327,7 @@
           <a:p>
             <a:fld id="{EE2EBD84-71F4-4271-8C46-0D47C0A9B12E}" type="datetime2">
               <a:rPr lang="en-US" smtClean="0"/>
-              <a:t>Friday, May 19, 2023</a:t>
+              <a:t>Tuesday, May 23, 2023</a:t>
             </a:fld>
             <a:endParaRPr lang="en-US"/>
           </a:p>
@@ -1536,7 +1538,7 @@
           <a:p>
             <a:fld id="{ABAE0CE1-F450-4107-B2CB-17B18F8A3F4A}" type="datetime2">
               <a:rPr lang="en-US" smtClean="0"/>
-              <a:t>Friday, May 19, 2023</a:t>
+              <a:t>Tuesday, May 23, 2023</a:t>
             </a:fld>
             <a:endParaRPr lang="en-US"/>
           </a:p>
@@ -2201,7 +2203,7 @@
           <a:p>
             <a:fld id="{6FE8C025-CD7A-4966-867E-81CF82B15267}" type="datetime2">
               <a:rPr lang="en-US" smtClean="0"/>
-              <a:t>Friday, May 19, 2023</a:t>
+              <a:t>Tuesday, May 23, 2023</a:t>
             </a:fld>
             <a:endParaRPr lang="en-US"/>
           </a:p>
@@ -2821,7 +2823,7 @@
           <a:p>
             <a:fld id="{FE809929-0719-4517-94D6-FDF7F99E70F6}" type="datetime2">
               <a:rPr lang="en-US" smtClean="0"/>
-              <a:t>Friday, May 19, 2023</a:t>
+              <a:t>Tuesday, May 23, 2023</a:t>
             </a:fld>
             <a:endParaRPr lang="en-US"/>
           </a:p>
@@ -3939,7 +3941,7 @@
           <a:p>
             <a:fld id="{20E95673-5512-4AAA-9AEB-E00C61EC65D5}" type="datetime2">
               <a:rPr lang="en-US" smtClean="0"/>
-              <a:t>Friday, May 19, 2023</a:t>
+              <a:t>Tuesday, May 23, 2023</a:t>
             </a:fld>
             <a:endParaRPr lang="en-US"/>
           </a:p>
@@ -4486,7 +4488,7 @@
           <a:p>
             <a:fld id="{C13138FA-2E87-4873-8BBA-13E447C9A99A}" type="datetime2">
               <a:rPr lang="en-US" smtClean="0"/>
-              <a:t>Friday, May 19, 2023</a:t>
+              <a:t>Tuesday, May 23, 2023</a:t>
             </a:fld>
             <a:endParaRPr lang="en-US"/>
           </a:p>
@@ -4647,7 +4649,7 @@
           <a:p>
             <a:fld id="{D75BB40A-97BD-4BFB-B639-0BFF95FDE8B7}" type="datetime2">
               <a:rPr lang="en-US" smtClean="0"/>
-              <a:t>Friday, May 19, 2023</a:t>
+              <a:t>Tuesday, May 23, 2023</a:t>
             </a:fld>
             <a:endParaRPr lang="en-US"/>
           </a:p>
@@ -5682,7 +5684,7 @@
           <a:p>
             <a:fld id="{9EE9E0E3-ECF6-4CFE-8698-AEFEBCECC3C0}" type="datetime2">
               <a:rPr lang="en-US" smtClean="0"/>
-              <a:t>Friday, May 19, 2023</a:t>
+              <a:t>Tuesday, May 23, 2023</a:t>
             </a:fld>
             <a:endParaRPr lang="en-US"/>
           </a:p>
@@ -6328,7 +6330,7 @@
           <a:p>
             <a:fld id="{251462FC-960E-4740-921F-B36862979F21}" type="datetime2">
               <a:rPr lang="en-US" smtClean="0"/>
-              <a:t>Friday, May 19, 2023</a:t>
+              <a:t>Tuesday, May 23, 2023</a:t>
             </a:fld>
             <a:endParaRPr lang="en-US"/>
           </a:p>
@@ -7092,7 +7094,7 @@
           <a:p>
             <a:fld id="{E50BC9E2-CB44-4C05-9BB5-496C18A241E0}" type="datetime2">
               <a:rPr lang="en-US" smtClean="0"/>
-              <a:t>Friday, May 19, 2023</a:t>
+              <a:t>Tuesday, May 23, 2023</a:t>
             </a:fld>
             <a:endParaRPr lang="en-US"/>
           </a:p>
@@ -7339,7 +7341,7 @@
           <a:p>
             <a:fld id="{246CB39B-5F4C-4A7E-9BE3-AAFD45576D16}" type="datetime2">
               <a:rPr lang="en-US" smtClean="0"/>
-              <a:t>Friday, May 19, 2023</a:t>
+              <a:t>Tuesday, May 23, 2023</a:t>
             </a:fld>
             <a:endParaRPr lang="en-US" dirty="0"/>
           </a:p>
@@ -8134,7 +8136,7 @@
         <p:spPr>
           <a:xfrm>
             <a:off x="1226871" y="1710266"/>
-            <a:ext cx="10483324" cy="3124201"/>
+            <a:ext cx="10463559" cy="3124201"/>
           </a:xfrm>
         </p:spPr>
         <p:txBody>
@@ -8144,9 +8146,63 @@
           <a:lstStyle/>
           <a:p>
             <a:r>
+              <a:rPr lang="en-US" altLang="ko-KR" sz="2000" dirty="0"/>
+              <a:t>HP</a:t>
+            </a:r>
+            <a:r>
               <a:rPr lang="ko-KR" altLang="en-US" sz="2000" dirty="0"/>
-              <a:t>음</a:t>
-            </a:r>
+              <a:t> </a:t>
+            </a:r>
+            <a:r>
+              <a:rPr lang="en-US" altLang="ko-KR" sz="2000" dirty="0"/>
+              <a:t>o </a:t>
+            </a:r>
+            <a:br>
+              <a:rPr lang="en-US" altLang="ko-KR" sz="2000" dirty="0"/>
+            </a:br>
+            <a:r>
+              <a:rPr lang="en-US" altLang="ko-KR" sz="2000" dirty="0"/>
+              <a:t>MP</a:t>
+            </a:r>
+            <a:r>
+              <a:rPr lang="ko-KR" altLang="en-US" sz="2000" dirty="0"/>
+              <a:t> </a:t>
+            </a:r>
+            <a:r>
+              <a:rPr lang="ko-KR" altLang="en-US" sz="2000" dirty="0" err="1"/>
+              <a:t>생각중</a:t>
+            </a:r>
+            <a:br>
+              <a:rPr lang="en-US" altLang="ko-KR" sz="2000" dirty="0"/>
+            </a:br>
+            <a:r>
+              <a:rPr lang="ko-KR" altLang="en-US" sz="2000" dirty="0"/>
+              <a:t>스킬 트리 존재</a:t>
+            </a:r>
+            <a:br>
+              <a:rPr lang="en-US" altLang="ko-KR" sz="2000" dirty="0"/>
+            </a:br>
+            <a:br>
+              <a:rPr lang="en-US" altLang="ko-KR" sz="2000" dirty="0"/>
+            </a:br>
+            <a:r>
+              <a:rPr lang="ko-KR" altLang="en-US" sz="2000" dirty="0" err="1"/>
+              <a:t>사망시</a:t>
+            </a:r>
+            <a:r>
+              <a:rPr lang="ko-KR" altLang="en-US" sz="2000" dirty="0"/>
+              <a:t> </a:t>
+            </a:r>
+            <a:r>
+              <a:rPr lang="en-US" altLang="ko-KR" sz="2000" dirty="0"/>
+              <a:t>?</a:t>
+            </a:r>
+            <a:br>
+              <a:rPr lang="en-US" altLang="ko-KR" sz="2000" dirty="0"/>
+            </a:br>
+            <a:br>
+              <a:rPr lang="en-US" altLang="ko-KR" sz="2000" dirty="0"/>
+            </a:br>
             <a:br>
               <a:rPr lang="en-US" altLang="ko-KR" sz="2000" dirty="0"/>
             </a:br>
@@ -8203,15 +8259,99 @@
           <a:p>
             <a:r>
               <a:rPr lang="ko-KR" altLang="en-US" sz="5000" dirty="0"/>
-              <a:t>적</a:t>
-            </a:r>
+              <a:t>플레이어</a:t>
+            </a:r>
+          </a:p>
+        </p:txBody>
+      </p:sp>
+      <p:sp>
+        <p:nvSpPr>
+          <p:cNvPr id="3" name="제목 1">
+            <a:extLst>
+              <a:ext uri="{FF2B5EF4-FFF2-40B4-BE49-F238E27FC236}">
+                <a16:creationId xmlns:a16="http://schemas.microsoft.com/office/drawing/2014/main" id="{A60D4646-CE08-1994-7EC5-D09222362659}"/>
+              </a:ext>
+            </a:extLst>
+          </p:cNvPr>
+          <p:cNvSpPr txBox="1">
+            <a:spLocks/>
+          </p:cNvSpPr>
+          <p:nvPr/>
+        </p:nvSpPr>
+        <p:spPr>
+          <a:xfrm>
+            <a:off x="1226871" y="3997875"/>
+            <a:ext cx="10463559" cy="1149859"/>
+          </a:xfrm>
+          <a:prstGeom prst="rect">
+            <a:avLst/>
+          </a:prstGeom>
+        </p:spPr>
+        <p:txBody>
+          <a:bodyPr vert="horz" wrap="square" lIns="0" tIns="0" rIns="0" bIns="0" rtlCol="0" anchor="t" anchorCtr="0">
+            <a:normAutofit fontScale="92500" lnSpcReduction="20000"/>
+          </a:bodyPr>
+          <a:lstStyle>
+            <a:lvl1pPr algn="l" defTabSz="914400" rtl="0" eaLnBrk="1" latinLnBrk="0" hangingPunct="1">
+              <a:lnSpc>
+                <a:spcPct val="110000"/>
+              </a:lnSpc>
+              <a:spcBef>
+                <a:spcPct val="0"/>
+              </a:spcBef>
+              <a:buNone/>
+              <a:defRPr lang="en-US" sz="4800" kern="1200" spc="160" dirty="0">
+                <a:solidFill>
+                  <a:schemeClr val="tx1"/>
+                </a:solidFill>
+                <a:latin typeface="+mj-lt"/>
+                <a:ea typeface="+mj-ea"/>
+                <a:cs typeface="+mj-cs"/>
+              </a:defRPr>
+            </a:lvl1pPr>
+          </a:lstStyle>
+          <a:p>
+            <a:r>
+              <a:rPr lang="ko-KR" altLang="en-US" sz="2000" dirty="0"/>
+              <a:t>디자인 전체적인 검은색 분위기  </a:t>
+            </a:r>
+            <a:r>
+              <a:rPr lang="en-US" altLang="ko-KR" sz="2000" dirty="0"/>
+              <a:t>+   </a:t>
+            </a:r>
+            <a:r>
+              <a:rPr lang="ko-KR" altLang="en-US" sz="2000" dirty="0"/>
+              <a:t>날개</a:t>
+            </a:r>
+            <a:r>
+              <a:rPr lang="en-US" altLang="ko-KR" sz="2000" dirty="0"/>
+              <a:t>(</a:t>
+            </a:r>
+            <a:r>
+              <a:rPr lang="ko-KR" altLang="en-US" sz="2000" dirty="0"/>
+              <a:t>힘을 얻을 수록 커지도록</a:t>
+            </a:r>
+            <a:r>
+              <a:rPr lang="en-US" altLang="ko-KR" sz="2000" dirty="0"/>
+              <a:t>)</a:t>
+            </a:r>
+            <a:br>
+              <a:rPr lang="en-US" altLang="ko-KR" sz="2000" dirty="0"/>
+            </a:br>
+            <a:br>
+              <a:rPr lang="en-US" altLang="ko-KR" sz="2000" dirty="0"/>
+            </a:br>
+            <a:br>
+              <a:rPr lang="en-US" altLang="ko-KR" sz="2000" dirty="0"/>
+            </a:br>
+            <a:endParaRPr lang="ko-KR" altLang="en-US" sz="2000" dirty="0"/>
           </a:p>
         </p:txBody>
       </p:sp>
     </p:spTree>
     <p:extLst>
       <p:ext uri="{BB962C8B-B14F-4D97-AF65-F5344CB8AC3E}">
-        <p14:creationId xmlns:p14="http://schemas.microsoft.com/office/powerpoint/2010/main" val="1571122907"/>
+        <p14:creationId xmlns:p14="http://schemas.microsoft.com/office/powerpoint/2010/main" val="240522347"/>
       </p:ext>
     </p:extLst>
   </p:cSld>
@@ -8262,106 +8402,13 @@
         </p:spPr>
         <p:txBody>
           <a:bodyPr>
-            <a:normAutofit fontScale="90000"/>
+            <a:normAutofit/>
           </a:bodyPr>
           <a:lstStyle/>
           <a:p>
             <a:r>
-              <a:rPr lang="en-US" altLang="ko-KR" sz="2000" dirty="0"/>
-              <a:t>2</a:t>
-            </a:r>
-            <a:r>
               <a:rPr lang="ko-KR" altLang="en-US" sz="2000" dirty="0"/>
-              <a:t>가지 형태로 나뉨</a:t>
-            </a:r>
-            <a:br>
-              <a:rPr lang="en-US" altLang="ko-KR" sz="2000" dirty="0"/>
-            </a:br>
-            <a:r>
-              <a:rPr lang="en-US" altLang="ko-KR" sz="2000" dirty="0"/>
-              <a:t>	1. </a:t>
-            </a:r>
-            <a:r>
-              <a:rPr lang="ko-KR" altLang="en-US" sz="2000" dirty="0"/>
-              <a:t>스토리 라인 보스 </a:t>
-            </a:r>
-            <a:r>
-              <a:rPr lang="en-US" altLang="ko-KR" sz="2000" dirty="0"/>
-              <a:t>: </a:t>
-            </a:r>
-            <a:r>
-              <a:rPr lang="ko-KR" altLang="en-US" sz="2000" dirty="0"/>
-              <a:t>난이도 上 </a:t>
-            </a:r>
-            <a:r>
-              <a:rPr lang="en-US" altLang="ko-KR" sz="2000" dirty="0"/>
-              <a:t>, </a:t>
-            </a:r>
-            <a:r>
-              <a:rPr lang="ko-KR" altLang="en-US" sz="2000" dirty="0" err="1"/>
-              <a:t>조우시</a:t>
-            </a:r>
-            <a:r>
-              <a:rPr lang="ko-KR" altLang="en-US" sz="2000" dirty="0"/>
-              <a:t> 도망</a:t>
-            </a:r>
-            <a:r>
-              <a:rPr lang="en-US" altLang="ko-KR" sz="2000" dirty="0"/>
-              <a:t>x, </a:t>
-            </a:r>
-            <a:br>
-              <a:rPr lang="en-US" altLang="ko-KR" sz="2000" dirty="0"/>
-            </a:br>
-            <a:br>
-              <a:rPr lang="en-US" altLang="ko-KR" sz="2000" dirty="0"/>
-            </a:br>
-            <a:br>
-              <a:rPr lang="en-US" altLang="ko-KR" sz="2000" dirty="0"/>
-            </a:br>
-            <a:br>
-              <a:rPr lang="en-US" altLang="ko-KR" sz="2000" dirty="0"/>
-            </a:br>
-            <a:br>
-              <a:rPr lang="en-US" altLang="ko-KR" sz="2000" dirty="0"/>
-            </a:br>
-            <a:r>
-              <a:rPr lang="en-US" altLang="ko-KR" sz="2000" dirty="0"/>
-              <a:t>	2. BSP </a:t>
-            </a:r>
-            <a:r>
-              <a:rPr lang="ko-KR" altLang="en-US" sz="2000" dirty="0"/>
-              <a:t>라인 보스 </a:t>
-            </a:r>
-            <a:r>
-              <a:rPr lang="en-US" altLang="ko-KR" sz="2000" dirty="0"/>
-              <a:t>:  </a:t>
-            </a:r>
-            <a:r>
-              <a:rPr lang="ko-KR" altLang="en-US" sz="2000" dirty="0"/>
-              <a:t>난이도 下 </a:t>
-            </a:r>
-            <a:r>
-              <a:rPr lang="en-US" altLang="ko-KR" sz="2000" dirty="0"/>
-              <a:t>, </a:t>
-            </a:r>
-            <a:r>
-              <a:rPr lang="ko-KR" altLang="en-US" sz="2000" dirty="0"/>
-              <a:t>스토리 라인을 보조하기 위해 설계 </a:t>
-            </a:r>
-            <a:r>
-              <a:rPr lang="ko-KR" altLang="en-US" sz="2000" dirty="0" err="1"/>
-              <a:t>클리어시</a:t>
-            </a:r>
-            <a:r>
-              <a:rPr lang="ko-KR" altLang="en-US" sz="2000" dirty="0"/>
-              <a:t> 재화 드랍</a:t>
-            </a:r>
-            <a:br>
-              <a:rPr lang="en-US" altLang="ko-KR" sz="2000" dirty="0"/>
-            </a:br>
-            <a:r>
-              <a:rPr lang="en-US" altLang="ko-KR" sz="2000" dirty="0"/>
-              <a:t>				</a:t>
+              <a:t>음</a:t>
             </a:r>
             <a:br>
               <a:rPr lang="en-US" altLang="ko-KR" sz="2000" dirty="0"/>
@@ -8419,28 +8466,15 @@
           <a:p>
             <a:r>
               <a:rPr lang="ko-KR" altLang="en-US" sz="5000" dirty="0"/>
-              <a:t>적 </a:t>
-            </a:r>
-            <a:r>
-              <a:rPr lang="en-US" altLang="ko-KR" sz="5000" dirty="0"/>
-              <a:t>(</a:t>
-            </a:r>
-            <a:r>
-              <a:rPr lang="ko-KR" altLang="en-US" sz="5000" dirty="0"/>
-              <a:t>보스</a:t>
-            </a:r>
-            <a:r>
-              <a:rPr lang="en-US" altLang="ko-KR" sz="5000" dirty="0"/>
-              <a:t>)</a:t>
-            </a:r>
-            <a:endParaRPr lang="ko-KR" altLang="en-US" sz="5000" dirty="0"/>
+              <a:t>적</a:t>
+            </a:r>
           </a:p>
         </p:txBody>
       </p:sp>
     </p:spTree>
     <p:extLst>
       <p:ext uri="{BB962C8B-B14F-4D97-AF65-F5344CB8AC3E}">
-        <p14:creationId xmlns:p14="http://schemas.microsoft.com/office/powerpoint/2010/main" val="4198767284"/>
+        <p14:creationId xmlns:p14="http://schemas.microsoft.com/office/powerpoint/2010/main" val="1571122907"/>
       </p:ext>
     </p:extLst>
   </p:cSld>
@@ -8491,17 +8525,149 @@
         </p:spPr>
         <p:txBody>
           <a:bodyPr>
-            <a:normAutofit/>
+            <a:normAutofit fontScale="90000"/>
           </a:bodyPr>
           <a:lstStyle/>
           <a:p>
             <a:r>
+              <a:rPr lang="en-US" altLang="ko-KR" sz="2000" dirty="0"/>
+              <a:t>2</a:t>
+            </a:r>
+            <a:r>
+              <a:rPr lang="ko-KR" altLang="en-US" sz="2000" dirty="0"/>
+              <a:t>가지 형태로 나뉨</a:t>
+            </a:r>
+            <a:br>
+              <a:rPr lang="en-US" altLang="ko-KR" sz="2000" dirty="0"/>
+            </a:br>
+            <a:r>
+              <a:rPr lang="en-US" altLang="ko-KR" sz="2000" dirty="0"/>
+              <a:t>	1. </a:t>
+            </a:r>
+            <a:r>
+              <a:rPr lang="ko-KR" altLang="en-US" sz="2000" dirty="0"/>
+              <a:t>스토리 라인 보스 </a:t>
+            </a:r>
+            <a:r>
+              <a:rPr lang="en-US" altLang="ko-KR" sz="2000" dirty="0"/>
+              <a:t>: </a:t>
+            </a:r>
+            <a:r>
+              <a:rPr lang="ko-KR" altLang="en-US" sz="2000" dirty="0"/>
+              <a:t>난이도 上 </a:t>
+            </a:r>
+            <a:r>
+              <a:rPr lang="en-US" altLang="ko-KR" sz="2000" dirty="0"/>
+              <a:t>, </a:t>
+            </a:r>
+            <a:r>
               <a:rPr lang="ko-KR" altLang="en-US" sz="2000" dirty="0" err="1"/>
-              <a:t>로드시</a:t>
+              <a:t>조우시</a:t>
             </a:r>
             <a:r>
               <a:rPr lang="ko-KR" altLang="en-US" sz="2000" dirty="0"/>
-              <a:t> 시작위치는 마을 고정</a:t>
+              <a:t> 도망</a:t>
+            </a:r>
+            <a:r>
+              <a:rPr lang="en-US" altLang="ko-KR" sz="2000" dirty="0"/>
+              <a:t>x, </a:t>
+            </a:r>
+            <a:br>
+              <a:rPr lang="en-US" altLang="ko-KR" sz="2000" dirty="0"/>
+            </a:br>
+            <a:r>
+              <a:rPr lang="en-US" altLang="ko-KR" sz="2000" dirty="0"/>
+              <a:t>				</a:t>
+            </a:r>
+            <a:r>
+              <a:rPr lang="ko-KR" altLang="en-US" sz="2000" dirty="0"/>
+              <a:t>보상 </a:t>
+            </a:r>
+            <a:r>
+              <a:rPr lang="en-US" altLang="ko-KR" sz="2000" dirty="0"/>
+              <a:t>: </a:t>
+            </a:r>
+            <a:r>
+              <a:rPr lang="ko-KR" altLang="en-US" sz="2000" dirty="0" err="1"/>
+              <a:t>닉스의</a:t>
+            </a:r>
+            <a:r>
+              <a:rPr lang="ko-KR" altLang="en-US" sz="2000" dirty="0"/>
+              <a:t> 힘 되찾기</a:t>
+            </a:r>
+            <a:br>
+              <a:rPr lang="en-US" altLang="ko-KR" sz="2000" dirty="0"/>
+            </a:br>
+            <a:br>
+              <a:rPr lang="en-US" altLang="ko-KR" sz="2000" dirty="0"/>
+            </a:br>
+            <a:br>
+              <a:rPr lang="en-US" altLang="ko-KR" sz="2000" dirty="0"/>
+            </a:br>
+            <a:br>
+              <a:rPr lang="en-US" altLang="ko-KR" sz="2000" dirty="0"/>
+            </a:br>
+            <a:r>
+              <a:rPr lang="en-US" altLang="ko-KR" sz="2000" dirty="0"/>
+              <a:t>	2. BSP </a:t>
+            </a:r>
+            <a:r>
+              <a:rPr lang="ko-KR" altLang="en-US" sz="2000" dirty="0"/>
+              <a:t>라인 보스 </a:t>
+            </a:r>
+            <a:r>
+              <a:rPr lang="en-US" altLang="ko-KR" sz="2000" dirty="0"/>
+              <a:t>:  </a:t>
+            </a:r>
+            <a:r>
+              <a:rPr lang="ko-KR" altLang="en-US" sz="2000" dirty="0"/>
+              <a:t>난이도 下 </a:t>
+            </a:r>
+            <a:r>
+              <a:rPr lang="en-US" altLang="ko-KR" sz="2000" dirty="0"/>
+              <a:t>, </a:t>
+            </a:r>
+            <a:r>
+              <a:rPr lang="ko-KR" altLang="en-US" sz="2000" dirty="0"/>
+              <a:t>스토리 라인을 보조하기 위해 설계</a:t>
+            </a:r>
+            <a:br>
+              <a:rPr lang="en-US" altLang="ko-KR" sz="2000" dirty="0"/>
+            </a:br>
+            <a:r>
+              <a:rPr lang="en-US" altLang="ko-KR" sz="2000" dirty="0"/>
+              <a:t>				</a:t>
+            </a:r>
+            <a:r>
+              <a:rPr lang="ko-KR" altLang="en-US" sz="2000" dirty="0"/>
+              <a:t>보상 </a:t>
+            </a:r>
+            <a:r>
+              <a:rPr lang="en-US" altLang="ko-KR" sz="2000" dirty="0"/>
+              <a:t>:  </a:t>
+            </a:r>
+            <a:r>
+              <a:rPr lang="ko-KR" altLang="en-US" sz="2000" dirty="0"/>
+              <a:t>스킬 해금</a:t>
+            </a:r>
+            <a:r>
+              <a:rPr lang="en-US" altLang="ko-KR" sz="2000" dirty="0"/>
+              <a:t>(</a:t>
+            </a:r>
+            <a:r>
+              <a:rPr lang="ko-KR" altLang="en-US" sz="2000" dirty="0"/>
+              <a:t>아직 확정</a:t>
+            </a:r>
+            <a:r>
+              <a:rPr lang="en-US" altLang="ko-KR" sz="2000" dirty="0"/>
+              <a:t>x)</a:t>
+            </a:r>
+            <a:br>
+              <a:rPr lang="en-US" altLang="ko-KR" sz="2000" dirty="0"/>
+            </a:br>
+            <a:r>
+              <a:rPr lang="en-US" altLang="ko-KR" sz="2000" dirty="0"/>
+              <a:t>				</a:t>
             </a:r>
             <a:br>
               <a:rPr lang="en-US" altLang="ko-KR" sz="2000" dirty="0"/>
@@ -8559,15 +8725,28 @@
           <a:p>
             <a:r>
               <a:rPr lang="ko-KR" altLang="en-US" sz="5000" dirty="0"/>
-              <a:t>세이브</a:t>
-            </a:r>
+              <a:t>적 </a:t>
+            </a:r>
+            <a:r>
+              <a:rPr lang="en-US" altLang="ko-KR" sz="5000" dirty="0"/>
+              <a:t>(</a:t>
+            </a:r>
+            <a:r>
+              <a:rPr lang="ko-KR" altLang="en-US" sz="5000" dirty="0"/>
+              <a:t>보스</a:t>
+            </a:r>
+            <a:r>
+              <a:rPr lang="en-US" altLang="ko-KR" sz="5000" dirty="0"/>
+              <a:t>)</a:t>
+            </a:r>
+            <a:endParaRPr lang="ko-KR" altLang="en-US" sz="5000" dirty="0"/>
           </a:p>
         </p:txBody>
       </p:sp>
     </p:spTree>
     <p:extLst>
       <p:ext uri="{BB962C8B-B14F-4D97-AF65-F5344CB8AC3E}">
-        <p14:creationId xmlns:p14="http://schemas.microsoft.com/office/powerpoint/2010/main" val="2309160706"/>
+        <p14:creationId xmlns:p14="http://schemas.microsoft.com/office/powerpoint/2010/main" val="4198767284"/>
       </p:ext>
     </p:extLst>
   </p:cSld>
@@ -8632,7 +8811,7 @@
             </a:r>
             <a:r>
               <a:rPr lang="ko-KR" altLang="en-US" sz="2000" dirty="0"/>
-              <a:t>기본적으로 난이도를 높게 잡는다</a:t>
+              <a:t>기본 스토리 라인의 난이도를 높게 잡는다</a:t>
             </a:r>
             <a:r>
               <a:rPr lang="en-US" altLang="ko-KR" sz="2000" dirty="0"/>
@@ -8642,15 +8821,12 @@
               <a:rPr lang="en-US" altLang="ko-KR" sz="2000" dirty="0"/>
             </a:br>
             <a:r>
+              <a:rPr lang="ko-KR" altLang="en-US" sz="2000" dirty="0" err="1"/>
+              <a:t>소울류의</a:t>
+            </a:r>
+            <a:r>
               <a:rPr lang="ko-KR" altLang="en-US" sz="2000" dirty="0"/>
-              <a:t>어려운 게임에 지속적으로 죽는 거에 스트레스를 받는 유저들을 위해 </a:t>
-            </a:r>
-            <a:br>
-              <a:rPr lang="en-US" altLang="ko-KR" sz="2000" dirty="0"/>
-            </a:br>
-            <a:r>
-              <a:rPr lang="ko-KR" altLang="en-US" sz="2000" dirty="0"/>
-              <a:t>업그레이드를 하여 플레이 난이도를 완화하는 장치</a:t>
+              <a:t> 게임을 싫어하는 유저를 위해 게임의 난이도를 완화 하는 장치로서 존재</a:t>
             </a:r>
             <a:br>
               <a:rPr lang="en-US" altLang="ko-KR" sz="2000" dirty="0"/>
@@ -8663,12 +8839,15 @@
               <a:t>BSP </a:t>
             </a:r>
             <a:r>
-              <a:rPr lang="ko-KR" altLang="en-US" sz="2000" dirty="0" err="1"/>
-              <a:t>맵에서</a:t>
-            </a:r>
-            <a:r>
               <a:rPr lang="ko-KR" altLang="en-US" sz="2000" dirty="0"/>
-              <a:t>  추가적인 재화 획득 가능</a:t>
+              <a:t>맵 에서  추가적인 재화 획득 가능</a:t>
+            </a:r>
+            <a:br>
+              <a:rPr lang="en-US" altLang="ko-KR" sz="2000" dirty="0"/>
+            </a:br>
+            <a:r>
+              <a:rPr lang="ko-KR" altLang="en-US" sz="2000" dirty="0"/>
+              <a:t>마을에서 일정 재화로 스킬 포인트로 교환</a:t>
             </a:r>
             <a:br>
               <a:rPr lang="en-US" altLang="ko-KR" sz="2000" dirty="0"/>
@@ -8735,6 +8914,442 @@
     <p:extLst>
       <p:ext uri="{BB962C8B-B14F-4D97-AF65-F5344CB8AC3E}">
         <p14:creationId xmlns:p14="http://schemas.microsoft.com/office/powerpoint/2010/main" val="3456569480"/>
+      </p:ext>
+    </p:extLst>
+  </p:cSld>
+  <p:clrMapOvr>
+    <a:masterClrMapping/>
+  </p:clrMapOvr>
+</p:sld>
+</file>
+
+<file path=ppt/slides/slide14.xml><?xml version="1.0" encoding="utf-8"?>
+<p:sld xmlns:a="http://schemas.openxmlformats.org/drawingml/2006/main" xmlns:r="http://schemas.openxmlformats.org/officeDocument/2006/relationships" xmlns:p="http://schemas.openxmlformats.org/presentationml/2006/main">
+  <p:cSld>
+    <p:spTree>
+      <p:nvGrpSpPr>
+        <p:cNvPr id="1" name=""/>
+        <p:cNvGrpSpPr/>
+        <p:nvPr/>
+      </p:nvGrpSpPr>
+      <p:grpSpPr>
+        <a:xfrm>
+          <a:off x="0" y="0"/>
+          <a:ext cx="0" cy="0"/>
+          <a:chOff x="0" y="0"/>
+          <a:chExt cx="0" cy="0"/>
+        </a:xfrm>
+      </p:grpSpPr>
+      <p:sp>
+        <p:nvSpPr>
+          <p:cNvPr id="2" name="제목 1">
+            <a:extLst>
+              <a:ext uri="{FF2B5EF4-FFF2-40B4-BE49-F238E27FC236}">
+                <a16:creationId xmlns:a16="http://schemas.microsoft.com/office/drawing/2014/main" id="{7B2E3A79-41DF-C0FE-CFAA-BCB5A42209EE}"/>
+              </a:ext>
+            </a:extLst>
+          </p:cNvPr>
+          <p:cNvSpPr>
+            <a:spLocks noGrp="1"/>
+          </p:cNvSpPr>
+          <p:nvPr>
+            <p:ph type="title"/>
+          </p:nvPr>
+        </p:nvSpPr>
+        <p:spPr>
+          <a:xfrm>
+            <a:off x="1157423" y="1710266"/>
+            <a:ext cx="10483324" cy="3124201"/>
+          </a:xfrm>
+        </p:spPr>
+        <p:txBody>
+          <a:bodyPr>
+            <a:normAutofit/>
+          </a:bodyPr>
+          <a:lstStyle/>
+          <a:p>
+            <a:r>
+              <a:rPr lang="ko-KR" altLang="en-US" sz="2000" dirty="0"/>
+              <a:t>갈래길로 이루어진 선형적인 구조 </a:t>
+            </a:r>
+            <a:r>
+              <a:rPr lang="en-US" altLang="ko-KR" sz="2000" dirty="0"/>
+              <a:t>=&gt;</a:t>
+            </a:r>
+            <a:br>
+              <a:rPr lang="en-US" altLang="ko-KR" sz="2000" dirty="0"/>
+            </a:br>
+            <a:r>
+              <a:rPr lang="ko-KR" altLang="en-US" sz="2000" dirty="0" err="1"/>
+              <a:t>갈래길</a:t>
+            </a:r>
+            <a:r>
+              <a:rPr lang="en-US" altLang="ko-KR" sz="2000" dirty="0"/>
+              <a:t> 1</a:t>
+            </a:r>
+            <a:r>
+              <a:rPr lang="ko-KR" altLang="en-US" sz="2000" dirty="0"/>
+              <a:t>번 </a:t>
+            </a:r>
+            <a:r>
+              <a:rPr lang="en-US" altLang="ko-KR" sz="2000" dirty="0"/>
+              <a:t>= </a:t>
+            </a:r>
+            <a:r>
+              <a:rPr lang="ko-KR" altLang="en-US" sz="2000" dirty="0"/>
+              <a:t>생존</a:t>
+            </a:r>
+            <a:r>
+              <a:rPr lang="en-US" altLang="ko-KR" sz="2000" dirty="0"/>
+              <a:t>,</a:t>
+            </a:r>
+            <a:r>
+              <a:rPr lang="ko-KR" altLang="en-US" sz="2000" dirty="0"/>
+              <a:t> </a:t>
+            </a:r>
+            <a:r>
+              <a:rPr lang="ko-KR" altLang="en-US" sz="2000" dirty="0" err="1"/>
+              <a:t>갈래길</a:t>
+            </a:r>
+            <a:r>
+              <a:rPr lang="ko-KR" altLang="en-US" sz="2000" dirty="0"/>
+              <a:t> </a:t>
+            </a:r>
+            <a:r>
+              <a:rPr lang="en-US" altLang="ko-KR" sz="2000" dirty="0"/>
+              <a:t>2</a:t>
+            </a:r>
+            <a:r>
+              <a:rPr lang="ko-KR" altLang="en-US" sz="2000" dirty="0"/>
+              <a:t>번 </a:t>
+            </a:r>
+            <a:r>
+              <a:rPr lang="en-US" altLang="ko-KR" sz="2000" dirty="0"/>
+              <a:t>= </a:t>
+            </a:r>
+            <a:r>
+              <a:rPr lang="ko-KR" altLang="en-US" sz="2000" dirty="0"/>
+              <a:t>공격</a:t>
+            </a:r>
+            <a:r>
+              <a:rPr lang="en-US" altLang="ko-KR" sz="2000" dirty="0"/>
+              <a:t>, </a:t>
+            </a:r>
+            <a:r>
+              <a:rPr lang="ko-KR" altLang="en-US" sz="2000" dirty="0" err="1"/>
+              <a:t>갈래길</a:t>
+            </a:r>
+            <a:r>
+              <a:rPr lang="ko-KR" altLang="en-US" sz="2000" dirty="0"/>
+              <a:t> </a:t>
+            </a:r>
+            <a:r>
+              <a:rPr lang="en-US" altLang="ko-KR" sz="2000" dirty="0"/>
+              <a:t>3</a:t>
+            </a:r>
+            <a:r>
+              <a:rPr lang="ko-KR" altLang="en-US" sz="2000" dirty="0"/>
+              <a:t>번 </a:t>
+            </a:r>
+            <a:r>
+              <a:rPr lang="en-US" altLang="ko-KR" sz="2000" dirty="0"/>
+              <a:t>= </a:t>
+            </a:r>
+            <a:r>
+              <a:rPr lang="ko-KR" altLang="en-US" sz="2000" dirty="0" err="1"/>
+              <a:t>유틸</a:t>
+            </a:r>
+            <a:br>
+              <a:rPr lang="en-US" altLang="ko-KR" sz="2000" dirty="0"/>
+            </a:br>
+            <a:br>
+              <a:rPr lang="en-US" altLang="ko-KR" sz="2000" dirty="0"/>
+            </a:br>
+            <a:r>
+              <a:rPr lang="en-US" altLang="ko-KR" sz="2000" dirty="0"/>
+              <a:t>== </a:t>
+            </a:r>
+            <a:r>
+              <a:rPr lang="ko-KR" altLang="en-US" sz="2000" dirty="0"/>
+              <a:t>스킬에 존재할 항목들 </a:t>
+            </a:r>
+            <a:r>
+              <a:rPr lang="en-US" altLang="ko-KR" sz="2000" dirty="0"/>
+              <a:t>==</a:t>
+            </a:r>
+            <a:br>
+              <a:rPr lang="en-US" altLang="ko-KR" sz="2000" dirty="0"/>
+            </a:br>
+            <a:r>
+              <a:rPr lang="en-US" altLang="ko-KR" sz="2000" dirty="0"/>
+              <a:t>2</a:t>
+            </a:r>
+            <a:r>
+              <a:rPr lang="ko-KR" altLang="en-US" sz="2000" dirty="0"/>
+              <a:t>단 점프</a:t>
+            </a:r>
+            <a:br>
+              <a:rPr lang="en-US" altLang="ko-KR" sz="2000" dirty="0"/>
+            </a:br>
+            <a:endParaRPr lang="ko-KR" altLang="en-US" sz="2000" dirty="0"/>
+          </a:p>
+        </p:txBody>
+      </p:sp>
+      <p:sp>
+        <p:nvSpPr>
+          <p:cNvPr id="4" name="제목 1">
+            <a:extLst>
+              <a:ext uri="{FF2B5EF4-FFF2-40B4-BE49-F238E27FC236}">
+                <a16:creationId xmlns:a16="http://schemas.microsoft.com/office/drawing/2014/main" id="{8E2E0E5E-C494-5952-9A4E-98B51E4DFDCD}"/>
+              </a:ext>
+            </a:extLst>
+          </p:cNvPr>
+          <p:cNvSpPr txBox="1">
+            <a:spLocks/>
+          </p:cNvSpPr>
+          <p:nvPr/>
+        </p:nvSpPr>
+        <p:spPr>
+          <a:xfrm>
+            <a:off x="981338" y="528638"/>
+            <a:ext cx="8712995" cy="859366"/>
+          </a:xfrm>
+          <a:prstGeom prst="rect">
+            <a:avLst/>
+          </a:prstGeom>
+        </p:spPr>
+        <p:txBody>
+          <a:bodyPr vert="horz" wrap="square" lIns="0" tIns="0" rIns="0" bIns="0" rtlCol="0" anchor="t" anchorCtr="0">
+            <a:noAutofit/>
+          </a:bodyPr>
+          <a:lstStyle>
+            <a:lvl1pPr algn="l" defTabSz="914400" rtl="0" eaLnBrk="1" latinLnBrk="0" hangingPunct="1">
+              <a:lnSpc>
+                <a:spcPct val="110000"/>
+              </a:lnSpc>
+              <a:spcBef>
+                <a:spcPct val="0"/>
+              </a:spcBef>
+              <a:buNone/>
+              <a:defRPr lang="en-US" sz="4800" kern="1200" spc="160" dirty="0">
+                <a:solidFill>
+                  <a:schemeClr val="tx1"/>
+                </a:solidFill>
+                <a:latin typeface="+mj-lt"/>
+                <a:ea typeface="+mj-ea"/>
+                <a:cs typeface="+mj-cs"/>
+              </a:defRPr>
+            </a:lvl1pPr>
+          </a:lstStyle>
+          <a:p>
+            <a:r>
+              <a:rPr lang="ko-KR" altLang="en-US" sz="5000" dirty="0"/>
+              <a:t>스킬 트리</a:t>
+            </a:r>
+          </a:p>
+        </p:txBody>
+      </p:sp>
+      <p:pic>
+        <p:nvPicPr>
+          <p:cNvPr id="2050" name="Picture 2" descr="리뷰] 오리와 도깨비불 오리 2탄 신작 리뷰 - 갓겜의 귀환, 1탄과 전격 비교 : 네이버 블로그">
+            <a:extLst>
+              <a:ext uri="{FF2B5EF4-FFF2-40B4-BE49-F238E27FC236}">
+                <a16:creationId xmlns:a16="http://schemas.microsoft.com/office/drawing/2014/main" id="{33948E1E-93D2-0FA2-6DD0-DC4B12C5655D}"/>
+              </a:ext>
+            </a:extLst>
+          </p:cNvPr>
+          <p:cNvPicPr>
+            <a:picLocks noChangeAspect="1" noChangeArrowheads="1"/>
+          </p:cNvPicPr>
+          <p:nvPr/>
+        </p:nvPicPr>
+        <p:blipFill>
+          <a:blip r:embed="rId2">
+            <a:extLst>
+              <a:ext uri="{28A0092B-C50C-407E-A947-70E740481C1C}">
+                <a14:useLocalDpi xmlns:a14="http://schemas.microsoft.com/office/drawing/2010/main" val="0"/>
+              </a:ext>
+            </a:extLst>
+          </a:blip>
+          <a:srcRect/>
+          <a:stretch>
+            <a:fillRect/>
+          </a:stretch>
+        </p:blipFill>
+        <p:spPr bwMode="auto">
+          <a:xfrm>
+            <a:off x="7860856" y="134882"/>
+            <a:ext cx="4193664" cy="2358936"/>
+          </a:xfrm>
+          <a:prstGeom prst="rect">
+            <a:avLst/>
+          </a:prstGeom>
+          <a:noFill/>
+          <a:extLst>
+            <a:ext uri="{909E8E84-426E-40DD-AFC4-6F175D3DCCD1}">
+              <a14:hiddenFill xmlns:a14="http://schemas.microsoft.com/office/drawing/2010/main">
+                <a:solidFill>
+                  <a:srgbClr val="FFFFFF"/>
+                </a:solidFill>
+              </a14:hiddenFill>
+            </a:ext>
+          </a:extLst>
+        </p:spPr>
+      </p:pic>
+    </p:spTree>
+    <p:extLst>
+      <p:ext uri="{BB962C8B-B14F-4D97-AF65-F5344CB8AC3E}">
+        <p14:creationId xmlns:p14="http://schemas.microsoft.com/office/powerpoint/2010/main" val="1619180556"/>
+      </p:ext>
+    </p:extLst>
+  </p:cSld>
+  <p:clrMapOvr>
+    <a:masterClrMapping/>
+  </p:clrMapOvr>
+</p:sld>
+</file>
+
+<file path=ppt/slides/slide15.xml><?xml version="1.0" encoding="utf-8"?>
+<p:sld xmlns:a="http://schemas.openxmlformats.org/drawingml/2006/main" xmlns:r="http://schemas.openxmlformats.org/officeDocument/2006/relationships" xmlns:p="http://schemas.openxmlformats.org/presentationml/2006/main">
+  <p:cSld>
+    <p:spTree>
+      <p:nvGrpSpPr>
+        <p:cNvPr id="1" name=""/>
+        <p:cNvGrpSpPr/>
+        <p:nvPr/>
+      </p:nvGrpSpPr>
+      <p:grpSpPr>
+        <a:xfrm>
+          <a:off x="0" y="0"/>
+          <a:ext cx="0" cy="0"/>
+          <a:chOff x="0" y="0"/>
+          <a:chExt cx="0" cy="0"/>
+        </a:xfrm>
+      </p:grpSpPr>
+      <p:sp>
+        <p:nvSpPr>
+          <p:cNvPr id="2" name="제목 1">
+            <a:extLst>
+              <a:ext uri="{FF2B5EF4-FFF2-40B4-BE49-F238E27FC236}">
+                <a16:creationId xmlns:a16="http://schemas.microsoft.com/office/drawing/2014/main" id="{7B2E3A79-41DF-C0FE-CFAA-BCB5A42209EE}"/>
+              </a:ext>
+            </a:extLst>
+          </p:cNvPr>
+          <p:cNvSpPr>
+            <a:spLocks noGrp="1"/>
+          </p:cNvSpPr>
+          <p:nvPr>
+            <p:ph type="title"/>
+          </p:nvPr>
+        </p:nvSpPr>
+        <p:spPr>
+          <a:xfrm>
+            <a:off x="1226871" y="1710266"/>
+            <a:ext cx="10483324" cy="3124201"/>
+          </a:xfrm>
+        </p:spPr>
+        <p:txBody>
+          <a:bodyPr>
+            <a:normAutofit/>
+          </a:bodyPr>
+          <a:lstStyle/>
+          <a:p>
+            <a:r>
+              <a:rPr lang="ko-KR" altLang="en-US" sz="2000" dirty="0" err="1"/>
+              <a:t>로드시</a:t>
+            </a:r>
+            <a:r>
+              <a:rPr lang="ko-KR" altLang="en-US" sz="2000" dirty="0"/>
+              <a:t> 시작 위치는 세이브 포인트에서만  </a:t>
+            </a:r>
+            <a:r>
+              <a:rPr lang="en-US" altLang="ko-KR" sz="2000" dirty="0"/>
+              <a:t>(</a:t>
+            </a:r>
+            <a:r>
+              <a:rPr lang="ko-KR" altLang="en-US" sz="2000" dirty="0"/>
+              <a:t>현재 위치 저장해서 로드 시 </a:t>
+            </a:r>
+            <a:r>
+              <a:rPr lang="en-US" altLang="ko-KR" sz="2000" dirty="0"/>
+              <a:t>pos</a:t>
+            </a:r>
+            <a:r>
+              <a:rPr lang="ko-KR" altLang="en-US" sz="2000" dirty="0"/>
+              <a:t>로 이동해야 하는데 소수점까지는 가져오기 힘들어서 끼일 확률 높음</a:t>
+            </a:r>
+            <a:r>
+              <a:rPr lang="en-US" altLang="ko-KR" sz="2000" dirty="0"/>
+              <a:t>)</a:t>
+            </a:r>
+            <a:br>
+              <a:rPr lang="en-US" altLang="ko-KR" sz="2000" dirty="0"/>
+            </a:br>
+            <a:br>
+              <a:rPr lang="en-US" altLang="ko-KR" sz="2000" dirty="0"/>
+            </a:br>
+            <a:endParaRPr lang="ko-KR" altLang="en-US" sz="2000" dirty="0"/>
+          </a:p>
+        </p:txBody>
+      </p:sp>
+      <p:sp>
+        <p:nvSpPr>
+          <p:cNvPr id="4" name="제목 1">
+            <a:extLst>
+              <a:ext uri="{FF2B5EF4-FFF2-40B4-BE49-F238E27FC236}">
+                <a16:creationId xmlns:a16="http://schemas.microsoft.com/office/drawing/2014/main" id="{8E2E0E5E-C494-5952-9A4E-98B51E4DFDCD}"/>
+              </a:ext>
+            </a:extLst>
+          </p:cNvPr>
+          <p:cNvSpPr txBox="1">
+            <a:spLocks/>
+          </p:cNvSpPr>
+          <p:nvPr/>
+        </p:nvSpPr>
+        <p:spPr>
+          <a:xfrm>
+            <a:off x="981338" y="528638"/>
+            <a:ext cx="8712995" cy="859366"/>
+          </a:xfrm>
+          <a:prstGeom prst="rect">
+            <a:avLst/>
+          </a:prstGeom>
+        </p:spPr>
+        <p:txBody>
+          <a:bodyPr vert="horz" wrap="square" lIns="0" tIns="0" rIns="0" bIns="0" rtlCol="0" anchor="t" anchorCtr="0">
+            <a:noAutofit/>
+          </a:bodyPr>
+          <a:lstStyle>
+            <a:lvl1pPr algn="l" defTabSz="914400" rtl="0" eaLnBrk="1" latinLnBrk="0" hangingPunct="1">
+              <a:lnSpc>
+                <a:spcPct val="110000"/>
+              </a:lnSpc>
+              <a:spcBef>
+                <a:spcPct val="0"/>
+              </a:spcBef>
+              <a:buNone/>
+              <a:defRPr lang="en-US" sz="4800" kern="1200" spc="160" dirty="0">
+                <a:solidFill>
+                  <a:schemeClr val="tx1"/>
+                </a:solidFill>
+                <a:latin typeface="+mj-lt"/>
+                <a:ea typeface="+mj-ea"/>
+                <a:cs typeface="+mj-cs"/>
+              </a:defRPr>
+            </a:lvl1pPr>
+          </a:lstStyle>
+          <a:p>
+            <a:r>
+              <a:rPr lang="ko-KR" altLang="en-US" sz="5000" dirty="0"/>
+              <a:t>세이브</a:t>
+            </a:r>
+          </a:p>
+        </p:txBody>
+      </p:sp>
+    </p:spTree>
+    <p:extLst>
+      <p:ext uri="{BB962C8B-B14F-4D97-AF65-F5344CB8AC3E}">
+        <p14:creationId xmlns:p14="http://schemas.microsoft.com/office/powerpoint/2010/main" val="2309160706"/>
       </p:ext>
     </p:extLst>
   </p:cSld>
@@ -9540,11 +10155,27 @@
             </a:pPr>
             <a:r>
               <a:rPr lang="ko-KR" altLang="en-US" sz="3000" dirty="0"/>
-              <a:t>게임에는 낮과 밤이 존재</a:t>
+              <a:t>게임에는 낮시간과 밤이 존재 </a:t>
             </a:r>
             <a:r>
               <a:rPr lang="en-US" altLang="ko-KR" sz="3000" dirty="0"/>
-              <a:t> </a:t>
+              <a:t>(</a:t>
+            </a:r>
+            <a:r>
+              <a:rPr lang="ko-KR" altLang="en-US" sz="3000" dirty="0"/>
+              <a:t>통상적인 </a:t>
+            </a:r>
+            <a:r>
+              <a:rPr lang="ko-KR" altLang="en-US" sz="3000" dirty="0" err="1"/>
+              <a:t>낮밤과</a:t>
+            </a:r>
+            <a:r>
+              <a:rPr lang="ko-KR" altLang="en-US" sz="3000" dirty="0"/>
+              <a:t> 반대</a:t>
+            </a:r>
+            <a:r>
+              <a:rPr lang="en-US" altLang="ko-KR" sz="3000" dirty="0"/>
+              <a:t>) </a:t>
             </a:r>
             <a:endParaRPr lang="ko-KR" altLang="en-US" sz="3000" dirty="0"/>
           </a:p>
@@ -9603,7 +10234,7 @@
             </a:pPr>
             <a:r>
               <a:rPr lang="ko-KR" altLang="en-US" sz="3000" dirty="0"/>
-              <a:t>낮에는 마을에서의 스토리를 밤에는 던전을 탐험</a:t>
+              <a:t>해질녘에는 마을에서의 스토리를 밤에는 던전을 탐험</a:t>
             </a:r>
           </a:p>
         </p:txBody>
@@ -9851,13 +10482,8 @@
             </a:pPr>
             <a:r>
               <a:rPr lang="ko-KR" altLang="en-US" sz="3000" dirty="0"/>
-              <a:t>시간이 경과 </a:t>
-            </a:r>
-            <a:r>
-              <a:rPr lang="ko-KR" altLang="en-US" sz="3000"/>
-              <a:t>할 시 마을로 강제 귀환</a:t>
-            </a:r>
-            <a:endParaRPr lang="ko-KR" altLang="en-US" sz="3000" dirty="0"/>
+              <a:t>시간이 경과 할 시 마을로 강제 귀환</a:t>
+            </a:r>
           </a:p>
         </p:txBody>
       </p:sp>
@@ -10053,7 +10679,7 @@
         </p:spPr>
         <p:txBody>
           <a:bodyPr vert="horz" wrap="square" lIns="0" tIns="0" rIns="0" bIns="0" rtlCol="0" anchor="t" anchorCtr="0">
-            <a:normAutofit/>
+            <a:normAutofit fontScale="77500" lnSpcReduction="20000"/>
           </a:bodyPr>
           <a:lstStyle>
             <a:lvl1pPr algn="l" defTabSz="914400" rtl="0" eaLnBrk="1" latinLnBrk="0" hangingPunct="1">
@@ -10079,7 +10705,10 @@
               <a:buFont typeface="Arial" panose="020B0604020202020204" pitchFamily="34" charset="0"/>
               <a:buChar char="•"/>
             </a:pPr>
-            <a:endParaRPr lang="ko-KR" altLang="en-US" sz="3000" dirty="0"/>
+            <a:r>
+              <a:rPr lang="ko-KR" altLang="en-US" sz="3000" dirty="0"/>
+              <a:t>배경은 기본적으로 밤으로 사용하고 광원 효과를 주어 해질녘 일출 까지만 구현 </a:t>
+            </a:r>
           </a:p>
         </p:txBody>
       </p:sp>
@@ -10099,7 +10728,7 @@
         </p:nvSpPr>
         <p:spPr>
           <a:xfrm>
-            <a:off x="550200" y="2317909"/>
+            <a:off x="550200" y="2306334"/>
             <a:ext cx="11006800" cy="525993"/>
           </a:xfrm>
           <a:prstGeom prst="rect">
@@ -10134,14 +10763,6 @@
               <a:buFont typeface="Arial" panose="020B0604020202020204" pitchFamily="34" charset="0"/>
               <a:buChar char="•"/>
             </a:pPr>
-            <a:r>
-              <a:rPr lang="ko-KR" altLang="en-US" sz="3000" dirty="0"/>
-              <a:t>마을에서 낮을 던전에서의 밤을  </a:t>
-            </a:r>
-            <a:r>
-              <a:rPr lang="en-US" altLang="ko-KR" sz="3000" dirty="0"/>
-              <a:t>?</a:t>
-            </a:r>
             <a:endParaRPr lang="ko-KR" altLang="en-US" sz="3000" dirty="0"/>
           </a:p>
         </p:txBody>
@@ -10297,7 +10918,7 @@
             </a:pPr>
             <a:r>
               <a:rPr lang="en-US" altLang="ko-KR" sz="3000" dirty="0"/>
-              <a:t>..</a:t>
+              <a:t>,,,,,,,,</a:t>
             </a:r>
             <a:endParaRPr lang="ko-KR" altLang="en-US" sz="3000" dirty="0"/>
           </a:p>
@@ -10335,69 +10956,10 @@
       </p:grpSpPr>
       <p:sp>
         <p:nvSpPr>
-          <p:cNvPr id="2" name="제목 1">
-            <a:extLst>
-              <a:ext uri="{FF2B5EF4-FFF2-40B4-BE49-F238E27FC236}">
-                <a16:creationId xmlns:a16="http://schemas.microsoft.com/office/drawing/2014/main" id="{7B2E3A79-41DF-C0FE-CFAA-BCB5A42209EE}"/>
-              </a:ext>
-            </a:extLst>
-          </p:cNvPr>
-          <p:cNvSpPr>
-            <a:spLocks noGrp="1"/>
-          </p:cNvSpPr>
-          <p:nvPr>
-            <p:ph type="title"/>
-          </p:nvPr>
-        </p:nvSpPr>
-        <p:spPr>
-          <a:xfrm>
-            <a:off x="1226871" y="1710266"/>
-            <a:ext cx="10483324" cy="3124201"/>
-          </a:xfrm>
-        </p:spPr>
-        <p:txBody>
-          <a:bodyPr>
-            <a:normAutofit/>
-          </a:bodyPr>
-          <a:lstStyle/>
-          <a:p>
-            <a:r>
-              <a:rPr lang="ko-KR" altLang="en-US" sz="2000" dirty="0" err="1"/>
-              <a:t>닉스</a:t>
-            </a:r>
-            <a:r>
-              <a:rPr lang="en-US" altLang="ko-KR" sz="2000" dirty="0"/>
-              <a:t>(</a:t>
-            </a:r>
-            <a:r>
-              <a:rPr lang="ko-KR" altLang="en-US" sz="2000" dirty="0"/>
-              <a:t>밤의 신</a:t>
-            </a:r>
-            <a:r>
-              <a:rPr lang="en-US" altLang="ko-KR" sz="2000" dirty="0"/>
-              <a:t>)</a:t>
-            </a:r>
-            <a:r>
-              <a:rPr lang="ko-KR" altLang="en-US" sz="2000" dirty="0"/>
-              <a:t>로 뭔가를 해보고 싶다 </a:t>
-            </a:r>
-            <a:r>
-              <a:rPr lang="ko-KR" altLang="en-US" sz="2000" dirty="0" err="1"/>
-              <a:t>생각중</a:t>
-            </a:r>
-            <a:r>
-              <a:rPr lang="ko-KR" altLang="en-US" sz="2000" dirty="0"/>
-              <a:t>  </a:t>
-            </a:r>
-          </a:p>
-        </p:txBody>
-      </p:sp>
-      <p:sp>
-        <p:nvSpPr>
-          <p:cNvPr id="4" name="제목 1">
-            <a:extLst>
-              <a:ext uri="{FF2B5EF4-FFF2-40B4-BE49-F238E27FC236}">
-                <a16:creationId xmlns:a16="http://schemas.microsoft.com/office/drawing/2014/main" id="{8E2E0E5E-C494-5952-9A4E-98B51E4DFDCD}"/>
+          <p:cNvPr id="5" name="제목 1">
+            <a:extLst>
+              <a:ext uri="{FF2B5EF4-FFF2-40B4-BE49-F238E27FC236}">
+                <a16:creationId xmlns:a16="http://schemas.microsoft.com/office/drawing/2014/main" id="{787EF0B3-74DC-E882-7985-4A90A7C63AAC}"/>
               </a:ext>
             </a:extLst>
           </p:cNvPr>
@@ -10408,8 +10970,8 @@
         </p:nvSpPr>
         <p:spPr>
           <a:xfrm>
-            <a:off x="1165533" y="752305"/>
-            <a:ext cx="8712995" cy="859366"/>
+            <a:off x="561773" y="769356"/>
+            <a:ext cx="5329741" cy="754592"/>
           </a:xfrm>
           <a:prstGeom prst="rect">
             <a:avLst/>
@@ -10440,16 +11002,246 @@
           </a:lstStyle>
           <a:p>
             <a:r>
+              <a:rPr lang="ko-KR" altLang="en-US" sz="5000" dirty="0" err="1"/>
+              <a:t>닉스</a:t>
+            </a:r>
+            <a:r>
+              <a:rPr lang="en-US" altLang="ko-KR" sz="5000" dirty="0"/>
+              <a:t>(NYX)</a:t>
+            </a:r>
+            <a:r>
               <a:rPr lang="ko-KR" altLang="en-US" sz="5000" dirty="0"/>
-              <a:t>스토리</a:t>
-            </a:r>
-          </a:p>
-        </p:txBody>
-      </p:sp>
+              <a:t>란</a:t>
+            </a:r>
+            <a:r>
+              <a:rPr lang="en-US" altLang="ko-KR" sz="5000" dirty="0"/>
+              <a:t>?</a:t>
+            </a:r>
+            <a:endParaRPr lang="ko-KR" altLang="en-US" sz="5000" dirty="0"/>
+          </a:p>
+        </p:txBody>
+      </p:sp>
+      <p:sp>
+        <p:nvSpPr>
+          <p:cNvPr id="6" name="제목 1">
+            <a:extLst>
+              <a:ext uri="{FF2B5EF4-FFF2-40B4-BE49-F238E27FC236}">
+                <a16:creationId xmlns:a16="http://schemas.microsoft.com/office/drawing/2014/main" id="{D60C5B4F-F1C5-B75A-116B-B8A102E11413}"/>
+              </a:ext>
+            </a:extLst>
+          </p:cNvPr>
+          <p:cNvSpPr txBox="1">
+            <a:spLocks/>
+          </p:cNvSpPr>
+          <p:nvPr/>
+        </p:nvSpPr>
+        <p:spPr>
+          <a:xfrm>
+            <a:off x="503901" y="1884288"/>
+            <a:ext cx="11006800" cy="2924306"/>
+          </a:xfrm>
+          <a:prstGeom prst="rect">
+            <a:avLst/>
+          </a:prstGeom>
+        </p:spPr>
+        <p:txBody>
+          <a:bodyPr vert="horz" wrap="square" lIns="0" tIns="0" rIns="0" bIns="0" rtlCol="0" anchor="t" anchorCtr="0">
+            <a:noAutofit/>
+          </a:bodyPr>
+          <a:lstStyle>
+            <a:lvl1pPr algn="l" defTabSz="914400" rtl="0" eaLnBrk="1" latinLnBrk="0" hangingPunct="1">
+              <a:lnSpc>
+                <a:spcPct val="110000"/>
+              </a:lnSpc>
+              <a:spcBef>
+                <a:spcPct val="0"/>
+              </a:spcBef>
+              <a:buNone/>
+              <a:defRPr lang="en-US" sz="4800" kern="1200" spc="160" dirty="0">
+                <a:solidFill>
+                  <a:schemeClr val="tx1"/>
+                </a:solidFill>
+                <a:latin typeface="+mj-lt"/>
+                <a:ea typeface="+mj-ea"/>
+                <a:cs typeface="+mj-cs"/>
+              </a:defRPr>
+            </a:lvl1pPr>
+          </a:lstStyle>
+          <a:p>
+            <a:r>
+              <a:rPr lang="ko-KR" altLang="en-US" sz="2000" dirty="0">
+                <a:latin typeface="Open Sans" panose="020B0604020202020204" pitchFamily="34" charset="0"/>
+              </a:rPr>
+              <a:t>그리스 신화</a:t>
+            </a:r>
+            <a:r>
+              <a:rPr lang="ko-KR" altLang="en-US" sz="2000" b="0" i="0" dirty="0">
+                <a:effectLst/>
+                <a:latin typeface="Open Sans" panose="020B0604020202020204" pitchFamily="34" charset="0"/>
+              </a:rPr>
+              <a:t>에 </a:t>
+            </a:r>
+            <a:r>
+              <a:rPr lang="ko-KR" altLang="en-US" sz="2000" dirty="0">
+                <a:latin typeface="Open Sans" panose="020B0604020202020204" pitchFamily="34" charset="0"/>
+              </a:rPr>
+              <a:t>등장하는 신으로 밤과 어둠의 신으로 알려져 있다</a:t>
+            </a:r>
+            <a:r>
+              <a:rPr lang="en-US" altLang="ko-KR" sz="2000" dirty="0">
+                <a:latin typeface="Open Sans" panose="020B0604020202020204" pitchFamily="34" charset="0"/>
+              </a:rPr>
+              <a:t>.</a:t>
+            </a:r>
+          </a:p>
+          <a:p>
+            <a:endParaRPr lang="en-US" altLang="ko-KR" sz="2000" b="0" i="0" dirty="0">
+              <a:effectLst/>
+              <a:latin typeface="Open Sans" panose="020B0604020202020204" pitchFamily="34" charset="0"/>
+            </a:endParaRPr>
+          </a:p>
+          <a:p>
+            <a:r>
+              <a:rPr lang="ko-KR" altLang="en-US" sz="2000" b="0" i="0" dirty="0">
+                <a:effectLst/>
+                <a:latin typeface="Open Sans" panose="020B0606030504020204" pitchFamily="34" charset="0"/>
+              </a:rPr>
+              <a:t>그녀가 관장하는 밤의 의미는 카오스에 맞먹는 어둠</a:t>
+            </a:r>
+            <a:r>
+              <a:rPr lang="en-US" altLang="ko-KR" sz="2000" b="0" i="0" dirty="0">
+                <a:effectLst/>
+                <a:latin typeface="Open Sans" panose="020B0606030504020204" pitchFamily="34" charset="0"/>
+              </a:rPr>
+              <a:t>, </a:t>
+            </a:r>
+            <a:r>
+              <a:rPr lang="ko-KR" altLang="en-US" sz="2000" b="0" i="0" dirty="0">
+                <a:effectLst/>
+                <a:latin typeface="Open Sans" panose="020B0606030504020204" pitchFamily="34" charset="0"/>
+              </a:rPr>
+              <a:t>암흑</a:t>
+            </a:r>
+            <a:r>
+              <a:rPr lang="en-US" altLang="ko-KR" sz="2000" b="0" i="0" dirty="0">
+                <a:effectLst/>
+                <a:latin typeface="Open Sans" panose="020B0606030504020204" pitchFamily="34" charset="0"/>
+              </a:rPr>
+              <a:t>, </a:t>
+            </a:r>
+            <a:r>
+              <a:rPr lang="ko-KR" altLang="en-US" sz="2000" b="0" i="0" dirty="0">
+                <a:effectLst/>
+                <a:latin typeface="Open Sans" panose="020B0606030504020204" pitchFamily="34" charset="0"/>
+              </a:rPr>
+              <a:t>밤 그 자체의 개념을 의미하며 소멸은 물론 죽음 또한 관장하는 것과 다름 없다</a:t>
+            </a:r>
+            <a:r>
+              <a:rPr lang="en-US" altLang="ko-KR" sz="2000" b="0" i="0" dirty="0">
+                <a:effectLst/>
+                <a:latin typeface="Open Sans" panose="020B0606030504020204" pitchFamily="34" charset="0"/>
+              </a:rPr>
+              <a:t>.</a:t>
+            </a:r>
+          </a:p>
+          <a:p>
+            <a:endParaRPr lang="en-US" altLang="ko-KR" sz="2000" dirty="0">
+              <a:latin typeface="Open Sans" panose="020B0606030504020204" pitchFamily="34" charset="0"/>
+            </a:endParaRPr>
+          </a:p>
+          <a:p>
+            <a:r>
+              <a:rPr lang="ko-KR" altLang="en-US" sz="2000" dirty="0">
+                <a:latin typeface="Open Sans" panose="020B0606030504020204" pitchFamily="34" charset="0"/>
+              </a:rPr>
+              <a:t>그래서 이명으로는 죽음의 어머니라고도 불린다</a:t>
+            </a:r>
+            <a:r>
+              <a:rPr lang="en-US" altLang="ko-KR" sz="2000" dirty="0">
+                <a:latin typeface="Open Sans" panose="020B0606030504020204" pitchFamily="34" charset="0"/>
+              </a:rPr>
+              <a:t>.</a:t>
+            </a:r>
+          </a:p>
+          <a:p>
+            <a:endParaRPr lang="en-US" altLang="ko-KR" sz="2000" dirty="0"/>
+          </a:p>
+          <a:p>
+            <a:r>
+              <a:rPr lang="ko-KR" altLang="en-US" sz="2000" dirty="0" err="1"/>
+              <a:t>닉스는</a:t>
+            </a:r>
+            <a:r>
+              <a:rPr lang="ko-KR" altLang="en-US" sz="2000" dirty="0"/>
+              <a:t> 흑운을 띈 날개를 가지고 있으며</a:t>
+            </a:r>
+            <a:r>
+              <a:rPr lang="en-US" altLang="ko-KR" sz="2000" dirty="0"/>
+              <a:t>, </a:t>
+            </a:r>
+            <a:r>
+              <a:rPr lang="ko-KR" altLang="en-US" sz="2000" dirty="0"/>
+              <a:t>아주 어두운 옷을 입는 것으로 묘사된다</a:t>
+            </a:r>
+            <a:r>
+              <a:rPr lang="en-US" altLang="ko-KR" sz="2000" dirty="0"/>
+              <a:t>.</a:t>
+            </a:r>
+            <a:endParaRPr lang="ko-KR" altLang="en-US" sz="2000" dirty="0"/>
+          </a:p>
+        </p:txBody>
+      </p:sp>
+      <p:pic>
+        <p:nvPicPr>
+          <p:cNvPr id="1026" name="Picture 2" descr="Why Zeus Feared Nyx: Exploring the Power and Influence of the Goddess of  Night -Greek Mythology Wiki - YouTube">
+            <a:extLst>
+              <a:ext uri="{FF2B5EF4-FFF2-40B4-BE49-F238E27FC236}">
+                <a16:creationId xmlns:a16="http://schemas.microsoft.com/office/drawing/2014/main" id="{4BEB3754-5409-D062-6121-A1434DF63696}"/>
+              </a:ext>
+            </a:extLst>
+          </p:cNvPr>
+          <p:cNvPicPr>
+            <a:picLocks noChangeAspect="1" noChangeArrowheads="1"/>
+          </p:cNvPicPr>
+          <p:nvPr/>
+        </p:nvPicPr>
+        <p:blipFill>
+          <a:blip r:embed="rId2">
+            <a:extLst>
+              <a:ext uri="{28A0092B-C50C-407E-A947-70E740481C1C}">
+                <a14:useLocalDpi xmlns:a14="http://schemas.microsoft.com/office/drawing/2010/main" val="0"/>
+              </a:ext>
+            </a:extLst>
+          </a:blip>
+          <a:srcRect/>
+          <a:stretch>
+            <a:fillRect/>
+          </a:stretch>
+        </p:blipFill>
+        <p:spPr bwMode="auto">
+          <a:xfrm>
+            <a:off x="8696673" y="4752789"/>
+            <a:ext cx="3414613" cy="1920720"/>
+          </a:xfrm>
+          <a:prstGeom prst="rect">
+            <a:avLst/>
+          </a:prstGeom>
+          <a:noFill/>
+          <a:extLst>
+            <a:ext uri="{909E8E84-426E-40DD-AFC4-6F175D3DCCD1}">
+              <a14:hiddenFill xmlns:a14="http://schemas.microsoft.com/office/drawing/2010/main">
+                <a:solidFill>
+                  <a:srgbClr val="FFFFFF"/>
+                </a:solidFill>
+              </a14:hiddenFill>
+            </a:ext>
+          </a:extLst>
+        </p:spPr>
+      </p:pic>
     </p:spTree>
     <p:extLst>
       <p:ext uri="{BB962C8B-B14F-4D97-AF65-F5344CB8AC3E}">
-        <p14:creationId xmlns:p14="http://schemas.microsoft.com/office/powerpoint/2010/main" val="2570007976"/>
+        <p14:creationId xmlns:p14="http://schemas.microsoft.com/office/powerpoint/2010/main" val="1846439799"/>
       </p:ext>
     </p:extLst>
   </p:cSld>
@@ -10495,7 +11287,7 @@
         <p:spPr>
           <a:xfrm>
             <a:off x="1226871" y="1710266"/>
-            <a:ext cx="10483324" cy="3124201"/>
+            <a:ext cx="10483324" cy="4858367"/>
           </a:xfrm>
         </p:spPr>
         <p:txBody>
@@ -10506,7 +11298,108 @@
           <a:p>
             <a:r>
               <a:rPr lang="ko-KR" altLang="en-US" sz="2000" dirty="0"/>
-              <a:t>여러 개의 갈래길로 이루어진 선형적인 구조 </a:t>
+              <a:t>기억과 힘을 모두 잃어 버린 </a:t>
+            </a:r>
+            <a:r>
+              <a:rPr lang="ko-KR" altLang="en-US" sz="2000" dirty="0" err="1"/>
+              <a:t>닉스가</a:t>
+            </a:r>
+            <a:r>
+              <a:rPr lang="ko-KR" altLang="en-US" sz="2000" dirty="0"/>
+              <a:t> 자신의 기억과 힘을 되찾기 위해 떠나는 모험</a:t>
+            </a:r>
+            <a:br>
+              <a:rPr lang="en-US" altLang="ko-KR" sz="2000" dirty="0"/>
+            </a:br>
+            <a:r>
+              <a:rPr lang="en-US" altLang="ko-KR" sz="2000" dirty="0"/>
+              <a:t>(</a:t>
+            </a:r>
+            <a:r>
+              <a:rPr lang="ko-KR" altLang="en-US" sz="2000" dirty="0"/>
+              <a:t>힘의 복원은 스킬 시스템을 넣어서 구현을 생각 중 </a:t>
+            </a:r>
+            <a:r>
+              <a:rPr lang="en-US" altLang="ko-KR" sz="2000" dirty="0"/>
+              <a:t>ex</a:t>
+            </a:r>
+            <a:r>
+              <a:rPr lang="ko-KR" altLang="en-US" sz="2000" dirty="0"/>
+              <a:t>오리의 스킬 시스템</a:t>
+            </a:r>
+            <a:r>
+              <a:rPr lang="en-US" altLang="ko-KR" sz="2000" dirty="0"/>
+              <a:t>)</a:t>
+            </a:r>
+            <a:br>
+              <a:rPr lang="en-US" altLang="ko-KR" sz="2000" dirty="0"/>
+            </a:br>
+            <a:r>
+              <a:rPr lang="ko-KR" altLang="en-US" sz="2000" dirty="0"/>
+              <a:t>하지만 힘을 되찾을수록 자신이 힘을 되찾게 도와준 사람들</a:t>
+            </a:r>
+            <a:r>
+              <a:rPr lang="en-US" altLang="ko-KR" sz="2000" dirty="0"/>
+              <a:t>(NPC)</a:t>
+            </a:r>
+            <a:r>
+              <a:rPr lang="ko-KR" altLang="en-US" sz="2000" dirty="0"/>
+              <a:t>들이 불행해지게 된다</a:t>
+            </a:r>
+            <a:r>
+              <a:rPr lang="en-US" altLang="ko-KR" sz="2000" dirty="0"/>
+              <a:t>.</a:t>
+            </a:r>
+            <a:br>
+              <a:rPr lang="en-US" altLang="ko-KR" sz="2000" dirty="0"/>
+            </a:br>
+            <a:r>
+              <a:rPr lang="en-US" altLang="ko-KR" sz="2000" dirty="0"/>
+              <a:t>(NYX</a:t>
+            </a:r>
+            <a:r>
+              <a:rPr lang="ko-KR" altLang="en-US" sz="2000" dirty="0"/>
+              <a:t>는 밤의 신</a:t>
+            </a:r>
+            <a:r>
+              <a:rPr lang="en-US" altLang="ko-KR" sz="2000" dirty="0"/>
+              <a:t>) </a:t>
+            </a:r>
+            <a:br>
+              <a:rPr lang="en-US" altLang="ko-KR" sz="2000" dirty="0"/>
+            </a:br>
+            <a:br>
+              <a:rPr lang="en-US" altLang="ko-KR" sz="2000" dirty="0"/>
+            </a:br>
+            <a:br>
+              <a:rPr lang="en-US" altLang="ko-KR" sz="2000" dirty="0"/>
+            </a:br>
+            <a:br>
+              <a:rPr lang="en-US" altLang="ko-KR" sz="2000" dirty="0"/>
+            </a:br>
+            <a:br>
+              <a:rPr lang="en-US" altLang="ko-KR" sz="2000" dirty="0"/>
+            </a:br>
+            <a:br>
+              <a:rPr lang="en-US" altLang="ko-KR" sz="2000" dirty="0"/>
+            </a:br>
+            <a:br>
+              <a:rPr lang="en-US" altLang="ko-KR" sz="2000" dirty="0"/>
+            </a:br>
+            <a:br>
+              <a:rPr lang="en-US" altLang="ko-KR" sz="2000" dirty="0"/>
+            </a:br>
+            <a:r>
+              <a:rPr lang="ko-KR" altLang="en-US" sz="2000" dirty="0"/>
+              <a:t>게임의 엔딩은 진 보스를 잡고 힘을 되찾아 떠나거나 마을에 남거나 선택하는 엔딩 </a:t>
+            </a:r>
+            <a:r>
+              <a:rPr lang="en-US" altLang="ko-KR" sz="2000" dirty="0"/>
+              <a:t>2</a:t>
+            </a:r>
+            <a:r>
+              <a:rPr lang="ko-KR" altLang="en-US" sz="2000" dirty="0"/>
+              <a:t>가지 존재</a:t>
             </a:r>
           </a:p>
         </p:txBody>
@@ -10527,7 +11420,7 @@
         </p:nvSpPr>
         <p:spPr>
           <a:xfrm>
-            <a:off x="981338" y="528638"/>
+            <a:off x="1165533" y="752305"/>
             <a:ext cx="8712995" cy="859366"/>
           </a:xfrm>
           <a:prstGeom prst="rect">
@@ -10560,7 +11453,7 @@
           <a:p>
             <a:r>
               <a:rPr lang="ko-KR" altLang="en-US" sz="5000" dirty="0"/>
-              <a:t>맵</a:t>
+              <a:t>스토리</a:t>
             </a:r>
           </a:p>
         </p:txBody>
@@ -10568,7 +11461,7 @@
     </p:spTree>
     <p:extLst>
       <p:ext uri="{BB962C8B-B14F-4D97-AF65-F5344CB8AC3E}">
-        <p14:creationId xmlns:p14="http://schemas.microsoft.com/office/powerpoint/2010/main" val="3968758996"/>
+        <p14:creationId xmlns:p14="http://schemas.microsoft.com/office/powerpoint/2010/main" val="2570007976"/>
       </p:ext>
     </p:extLst>
   </p:cSld>
@@ -10624,68 +11517,33 @@
           <a:lstStyle/>
           <a:p>
             <a:r>
+              <a:rPr lang="ko-KR" altLang="en-US" sz="2000" dirty="0" err="1"/>
+              <a:t>맵은</a:t>
+            </a:r>
+            <a:r>
+              <a:rPr lang="ko-KR" altLang="en-US" sz="2000" dirty="0"/>
+              <a:t> 전장의 안개</a:t>
+            </a:r>
+            <a:r>
               <a:rPr lang="en-US" altLang="ko-KR" sz="2000" dirty="0"/>
-              <a:t>HP</a:t>
+              <a:t>(</a:t>
+            </a:r>
+            <a:r>
+              <a:rPr lang="ko-KR" altLang="en-US" sz="2000" dirty="0" err="1"/>
+              <a:t>미탐험</a:t>
             </a:r>
             <a:r>
               <a:rPr lang="ko-KR" altLang="en-US" sz="2000" dirty="0"/>
-              <a:t> </a:t>
+              <a:t> 지역 안보임</a:t>
             </a:r>
             <a:r>
               <a:rPr lang="en-US" altLang="ko-KR" sz="2000" dirty="0"/>
-              <a:t>o </a:t>
-            </a:r>
-            <a:br>
-              <a:rPr lang="en-US" altLang="ko-KR" sz="2000" dirty="0"/>
-            </a:br>
-            <a:r>
-              <a:rPr lang="en-US" altLang="ko-KR" sz="2000" dirty="0"/>
-              <a:t>MP</a:t>
+              <a:t>)</a:t>
             </a:r>
             <a:r>
               <a:rPr lang="ko-KR" altLang="en-US" sz="2000" dirty="0"/>
-              <a:t> </a:t>
-            </a:r>
-            <a:r>
-              <a:rPr lang="en-US" altLang="ko-KR" sz="2000" dirty="0"/>
-              <a:t>?</a:t>
-            </a:r>
-            <a:br>
-              <a:rPr lang="en-US" altLang="ko-KR" sz="2000" dirty="0"/>
-            </a:br>
-            <a:r>
-              <a:rPr lang="ko-KR" altLang="en-US" sz="2000" dirty="0"/>
-              <a:t>스킬 트리 </a:t>
-            </a:r>
-            <a:r>
-              <a:rPr lang="en-US" altLang="ko-KR" sz="2000" dirty="0"/>
-              <a:t>?</a:t>
-            </a:r>
-            <a:br>
-              <a:rPr lang="en-US" altLang="ko-KR" sz="2000" dirty="0"/>
-            </a:br>
-            <a:r>
-              <a:rPr lang="ko-KR" altLang="en-US" sz="2000" dirty="0" err="1"/>
-              <a:t>사망시</a:t>
-            </a:r>
-            <a:r>
-              <a:rPr lang="ko-KR" altLang="en-US" sz="2000" dirty="0"/>
-              <a:t> </a:t>
-            </a:r>
-            <a:r>
-              <a:rPr lang="en-US" altLang="ko-KR" sz="2000" dirty="0"/>
-              <a:t>?</a:t>
-            </a:r>
-            <a:br>
-              <a:rPr lang="en-US" altLang="ko-KR" sz="2000" dirty="0"/>
-            </a:br>
-            <a:br>
-              <a:rPr lang="en-US" altLang="ko-KR" sz="2000" dirty="0"/>
-            </a:br>
-            <a:br>
-              <a:rPr lang="en-US" altLang="ko-KR" sz="2000" dirty="0"/>
-            </a:br>
-            <a:endParaRPr lang="ko-KR" altLang="en-US" sz="2000" dirty="0"/>
+              <a:t> 적용</a:t>
+            </a:r>
           </a:p>
         </p:txBody>
       </p:sp>
@@ -10738,7 +11596,7 @@
           <a:p>
             <a:r>
               <a:rPr lang="ko-KR" altLang="en-US" sz="5000" dirty="0"/>
-              <a:t>플레이어</a:t>
+              <a:t>맵</a:t>
             </a:r>
           </a:p>
         </p:txBody>
@@ -10746,7 +11604,7 @@
     </p:spTree>
     <p:extLst>
       <p:ext uri="{BB962C8B-B14F-4D97-AF65-F5344CB8AC3E}">
-        <p14:creationId xmlns:p14="http://schemas.microsoft.com/office/powerpoint/2010/main" val="240522347"/>
+        <p14:creationId xmlns:p14="http://schemas.microsoft.com/office/powerpoint/2010/main" val="3968758996"/>
       </p:ext>
     </p:extLst>
   </p:cSld>

--- a/기획서.pptx
+++ b/기획서.pptx
@@ -8151,33 +8151,33 @@
             </a:r>
             <a:r>
               <a:rPr lang="ko-KR" altLang="en-US" sz="2000" dirty="0"/>
-              <a:t> </a:t>
-            </a:r>
-            <a:r>
-              <a:rPr lang="en-US" altLang="ko-KR" sz="2000" dirty="0"/>
-              <a:t>o </a:t>
+              <a:t> 존재 </a:t>
             </a:r>
             <a:br>
               <a:rPr lang="en-US" altLang="ko-KR" sz="2000" dirty="0"/>
             </a:br>
             <a:r>
-              <a:rPr lang="en-US" altLang="ko-KR" sz="2000" dirty="0"/>
-              <a:t>MP</a:t>
-            </a:r>
-            <a:r>
               <a:rPr lang="ko-KR" altLang="en-US" sz="2000" dirty="0"/>
-              <a:t> </a:t>
-            </a:r>
-            <a:r>
-              <a:rPr lang="ko-KR" altLang="en-US" sz="2000" dirty="0" err="1"/>
-              <a:t>생각중</a:t>
+              <a:t>스킬 트리 존재</a:t>
             </a:r>
             <a:br>
               <a:rPr lang="en-US" altLang="ko-KR" sz="2000" dirty="0"/>
             </a:br>
             <a:r>
+              <a:rPr lang="ko-KR" altLang="en-US" sz="2000" dirty="0" err="1"/>
+              <a:t>사망시</a:t>
+            </a:r>
+            <a:r>
               <a:rPr lang="ko-KR" altLang="en-US" sz="2000" dirty="0"/>
-              <a:t>스킬 트리 존재</a:t>
+              <a:t> 최근 세이브</a:t>
+            </a:r>
+            <a:r>
+              <a:rPr lang="en-US" altLang="ko-KR" sz="2000" dirty="0"/>
+              <a:t> </a:t>
+            </a:r>
+            <a:r>
+              <a:rPr lang="ko-KR" altLang="en-US" sz="2000" dirty="0"/>
+              <a:t>데이터 위치에서 부활</a:t>
             </a:r>
             <a:br>
               <a:rPr lang="en-US" altLang="ko-KR" sz="2000" dirty="0"/>
@@ -8186,17 +8186,16 @@
               <a:rPr lang="en-US" altLang="ko-KR" sz="2000" dirty="0"/>
             </a:br>
             <a:r>
-              <a:rPr lang="ko-KR" altLang="en-US" sz="2000" dirty="0" err="1"/>
-              <a:t>사망시</a:t>
+              <a:rPr lang="en-US" altLang="ko-KR" sz="2000" dirty="0"/>
+              <a:t>MP</a:t>
             </a:r>
             <a:r>
               <a:rPr lang="ko-KR" altLang="en-US" sz="2000" dirty="0"/>
-              <a:t> </a:t>
-            </a:r>
-            <a:r>
+              <a:t> 생각 중</a:t>
+            </a:r>
+            <a:br>
               <a:rPr lang="en-US" altLang="ko-KR" sz="2000" dirty="0"/>
-              <a:t>?</a:t>
-            </a:r>
+            </a:br>
             <a:br>
               <a:rPr lang="en-US" altLang="ko-KR" sz="2000" dirty="0"/>
             </a:br>
@@ -8281,7 +8280,7 @@
         <p:spPr>
           <a:xfrm>
             <a:off x="1226871" y="3997875"/>
-            <a:ext cx="10463559" cy="1149859"/>
+            <a:ext cx="10463559" cy="2518672"/>
           </a:xfrm>
           <a:prstGeom prst="rect">
             <a:avLst/>
@@ -8289,7 +8288,7 @@
         </p:spPr>
         <p:txBody>
           <a:bodyPr vert="horz" wrap="square" lIns="0" tIns="0" rIns="0" bIns="0" rtlCol="0" anchor="t" anchorCtr="0">
-            <a:normAutofit fontScale="92500" lnSpcReduction="20000"/>
+            <a:normAutofit/>
           </a:bodyPr>
           <a:lstStyle>
             <a:lvl1pPr algn="l" defTabSz="914400" rtl="0" eaLnBrk="1" latinLnBrk="0" hangingPunct="1">
@@ -8525,7 +8524,7 @@
         </p:spPr>
         <p:txBody>
           <a:bodyPr>
-            <a:normAutofit fontScale="90000"/>
+            <a:normAutofit/>
           </a:bodyPr>
           <a:lstStyle/>
           <a:p>
@@ -8648,23 +8647,8 @@
             </a:r>
             <a:r>
               <a:rPr lang="ko-KR" altLang="en-US" sz="2000" dirty="0"/>
-              <a:t>스킬 해금</a:t>
-            </a:r>
-            <a:r>
-              <a:rPr lang="en-US" altLang="ko-KR" sz="2000" dirty="0"/>
-              <a:t>(</a:t>
-            </a:r>
-            <a:r>
-              <a:rPr lang="ko-KR" altLang="en-US" sz="2000" dirty="0"/>
-              <a:t>아직 확정</a:t>
-            </a:r>
-            <a:r>
-              <a:rPr lang="en-US" altLang="ko-KR" sz="2000" dirty="0"/>
-              <a:t>x)</a:t>
-            </a:r>
-            <a:br>
-              <a:rPr lang="en-US" altLang="ko-KR" sz="2000" dirty="0"/>
-            </a:br>
+              <a:t>스킬 포인트</a:t>
+            </a:r>
             <a:r>
               <a:rPr lang="en-US" altLang="ko-KR" sz="2000" dirty="0"/>
               <a:t>				</a:t>
@@ -8964,7 +8948,7 @@
         </p:spPr>
         <p:txBody>
           <a:bodyPr>
-            <a:normAutofit/>
+            <a:normAutofit fontScale="90000"/>
           </a:bodyPr>
           <a:lstStyle/>
           <a:p>
@@ -9082,12 +9066,99 @@
             </a:br>
             <a:r>
               <a:rPr lang="en-US" altLang="ko-KR" sz="2000" dirty="0"/>
+              <a:t>1</a:t>
+            </a:r>
+            <a:r>
+              <a:rPr lang="ko-KR" altLang="en-US" sz="2000" dirty="0"/>
+              <a:t>번 항목 </a:t>
+            </a:r>
+            <a:r>
+              <a:rPr lang="en-US" altLang="ko-KR" sz="2000" dirty="0"/>
+              <a:t>: </a:t>
+            </a:r>
+            <a:r>
+              <a:rPr lang="ko-KR" altLang="en-US" sz="2000" dirty="0"/>
+              <a:t>최대 체력</a:t>
+            </a:r>
+            <a:r>
+              <a:rPr lang="en-US" altLang="ko-KR" sz="2000" dirty="0"/>
+              <a:t>, </a:t>
+            </a:r>
+            <a:r>
+              <a:rPr lang="ko-KR" altLang="en-US" sz="2000" dirty="0"/>
+              <a:t>방어력</a:t>
+            </a:r>
+            <a:r>
+              <a:rPr lang="en-US" altLang="ko-KR" sz="2000" dirty="0"/>
+              <a:t>, </a:t>
+            </a:r>
+            <a:r>
+              <a:rPr lang="ko-KR" altLang="en-US" sz="2000" dirty="0" err="1"/>
+              <a:t>쉴드</a:t>
+            </a:r>
+            <a:r>
+              <a:rPr lang="en-US" altLang="ko-KR" sz="2000" dirty="0"/>
+              <a:t>(</a:t>
+            </a:r>
+            <a:r>
+              <a:rPr lang="ko-KR" altLang="en-US" sz="2000" dirty="0"/>
+              <a:t>일정 시간이상 공격 받지 않을 시</a:t>
+            </a:r>
+            <a:r>
+              <a:rPr lang="en-US" altLang="ko-KR" sz="2000" dirty="0"/>
+              <a:t>)</a:t>
+            </a:r>
+            <a:br>
+              <a:rPr lang="en-US" altLang="ko-KR" sz="2000" dirty="0"/>
+            </a:br>
+            <a:br>
+              <a:rPr lang="en-US" altLang="ko-KR" sz="2000" dirty="0"/>
+            </a:br>
+            <a:r>
+              <a:rPr lang="en-US" altLang="ko-KR" sz="2000" dirty="0"/>
               <a:t>2</a:t>
+            </a:r>
+            <a:r>
+              <a:rPr lang="ko-KR" altLang="en-US" sz="2000" dirty="0"/>
+              <a:t>번 항목 </a:t>
+            </a:r>
+            <a:r>
+              <a:rPr lang="en-US" altLang="ko-KR" sz="2000" dirty="0"/>
+              <a:t>: </a:t>
+            </a:r>
+            <a:r>
+              <a:rPr lang="ko-KR" altLang="en-US" sz="2000" dirty="0"/>
+              <a:t>공격력 강화 </a:t>
+            </a:r>
+            <a:r>
+              <a:rPr lang="en-US" altLang="ko-KR" sz="2000" dirty="0"/>
+              <a:t>, </a:t>
+            </a:r>
+            <a:br>
+              <a:rPr lang="en-US" altLang="ko-KR" sz="2000" dirty="0"/>
+            </a:br>
+            <a:br>
+              <a:rPr lang="en-US" altLang="ko-KR" sz="2000" dirty="0"/>
+            </a:br>
+            <a:r>
+              <a:rPr lang="en-US" altLang="ko-KR" sz="2000" dirty="0"/>
+              <a:t>3</a:t>
+            </a:r>
+            <a:r>
+              <a:rPr lang="ko-KR" altLang="en-US" sz="2000" dirty="0"/>
+              <a:t>번 항목 </a:t>
+            </a:r>
+            <a:r>
+              <a:rPr lang="en-US" altLang="ko-KR" sz="2000" dirty="0"/>
+              <a:t>: 2</a:t>
             </a:r>
             <a:r>
               <a:rPr lang="ko-KR" altLang="en-US" sz="2000" dirty="0"/>
               <a:t>단 점프</a:t>
             </a:r>
+            <a:br>
+              <a:rPr lang="en-US" altLang="ko-KR" sz="2000" dirty="0"/>
+            </a:br>
             <a:br>
               <a:rPr lang="en-US" altLang="ko-KR" sz="2000" dirty="0"/>
             </a:br>
@@ -9244,13 +9315,13 @@
         </p:nvSpPr>
         <p:spPr>
           <a:xfrm>
-            <a:off x="1226871" y="1710266"/>
+            <a:off x="1250020" y="1698691"/>
             <a:ext cx="10483324" cy="3124201"/>
           </a:xfrm>
         </p:spPr>
         <p:txBody>
           <a:bodyPr>
-            <a:normAutofit/>
+            <a:normAutofit fontScale="90000"/>
           </a:bodyPr>
           <a:lstStyle/>
           <a:p>
@@ -9282,6 +9353,56 @@
               <a:rPr lang="en-US" altLang="ko-KR" sz="2000" dirty="0"/>
               <a:t>)</a:t>
             </a:r>
+            <a:br>
+              <a:rPr lang="en-US" altLang="ko-KR" sz="2000" dirty="0"/>
+            </a:br>
+            <a:br>
+              <a:rPr lang="en-US" altLang="ko-KR" sz="2000" dirty="0"/>
+            </a:br>
+            <a:br>
+              <a:rPr lang="en-US" altLang="ko-KR" sz="2000" dirty="0"/>
+            </a:br>
+            <a:br>
+              <a:rPr lang="en-US" altLang="ko-KR" sz="2000" dirty="0"/>
+            </a:br>
+            <a:r>
+              <a:rPr lang="en-US" altLang="ko-KR" sz="2000" dirty="0"/>
+              <a:t>==</a:t>
+            </a:r>
+            <a:r>
+              <a:rPr lang="ko-KR" altLang="en-US" sz="2000" dirty="0"/>
+              <a:t> 세이브 해야 하는 항목</a:t>
+            </a:r>
+            <a:r>
+              <a:rPr lang="en-US" altLang="ko-KR" sz="2000" dirty="0"/>
+              <a:t>==</a:t>
+            </a:r>
+            <a:br>
+              <a:rPr lang="en-US" altLang="ko-KR" sz="2000" dirty="0"/>
+            </a:br>
+            <a:r>
+              <a:rPr lang="en-US" altLang="ko-KR" sz="2000" dirty="0"/>
+              <a:t>HP(cur), </a:t>
+            </a:r>
+            <a:r>
+              <a:rPr lang="ko-KR" altLang="en-US" sz="2000" dirty="0"/>
+              <a:t>스킬 트리</a:t>
+            </a:r>
+            <a:r>
+              <a:rPr lang="en-US" altLang="ko-KR" sz="2000" dirty="0"/>
+              <a:t>,  </a:t>
+            </a:r>
+            <a:r>
+              <a:rPr lang="ko-KR" altLang="en-US" sz="2000" dirty="0"/>
+              <a:t>세이브 포인트</a:t>
+            </a:r>
+            <a:r>
+              <a:rPr lang="en-US" altLang="ko-KR" sz="2000" dirty="0"/>
+              <a:t>(pos), </a:t>
+            </a:r>
+            <a:br>
+              <a:rPr lang="en-US" altLang="ko-KR" sz="2000" dirty="0"/>
+            </a:br>
             <a:br>
               <a:rPr lang="en-US" altLang="ko-KR" sz="2000" dirty="0"/>
             </a:br>
@@ -9745,7 +9866,7 @@
             </a:r>
             <a:r>
               <a:rPr lang="ko-KR" altLang="en-US" sz="3000" dirty="0"/>
-              <a:t> 싱글 액션 어드벤처</a:t>
+              <a:t> 액션 어드벤처</a:t>
             </a:r>
           </a:p>
         </p:txBody>
@@ -10539,10 +10660,6 @@
               <a:buChar char="•"/>
             </a:pPr>
             <a:r>
-              <a:rPr lang="en-US" altLang="ko-KR" sz="3000" dirty="0"/>
-              <a:t> </a:t>
-            </a:r>
-            <a:r>
               <a:rPr lang="ko-KR" altLang="en-US" sz="3000" dirty="0"/>
               <a:t>다른 루트에서 열쇠를 획득하여 보스 룸 진입</a:t>
             </a:r>
@@ -11238,6 +11355,48 @@
           </a:extLst>
         </p:spPr>
       </p:pic>
+      <p:sp>
+        <p:nvSpPr>
+          <p:cNvPr id="3" name="TextBox 2">
+            <a:extLst>
+              <a:ext uri="{FF2B5EF4-FFF2-40B4-BE49-F238E27FC236}">
+                <a16:creationId xmlns:a16="http://schemas.microsoft.com/office/drawing/2014/main" id="{7BE667FC-08E3-1B9A-62F2-42FBDF1F4CBC}"/>
+              </a:ext>
+            </a:extLst>
+          </p:cNvPr>
+          <p:cNvSpPr txBox="1"/>
+          <p:nvPr/>
+        </p:nvSpPr>
+        <p:spPr>
+          <a:xfrm>
+            <a:off x="8064406" y="6304177"/>
+            <a:ext cx="632267" cy="369332"/>
+          </a:xfrm>
+          <a:prstGeom prst="rect">
+            <a:avLst/>
+          </a:prstGeom>
+          <a:noFill/>
+        </p:spPr>
+        <p:txBody>
+          <a:bodyPr wrap="square">
+            <a:spAutoFit/>
+          </a:bodyPr>
+          <a:lstStyle/>
+          <a:p>
+            <a:r>
+              <a:rPr lang="el-GR" altLang="ko-KR" b="1" i="0" dirty="0">
+                <a:solidFill>
+                  <a:srgbClr val="FFD700"/>
+                </a:solidFill>
+                <a:effectLst/>
+                <a:latin typeface="Open Sans" panose="020B0606030504020204" pitchFamily="34" charset="0"/>
+              </a:rPr>
+              <a:t>Νύξ</a:t>
+            </a:r>
+            <a:endParaRPr lang="ko-KR" altLang="en-US" dirty="0"/>
+          </a:p>
+        </p:txBody>
+      </p:sp>
     </p:spTree>
     <p:extLst>
       <p:ext uri="{BB962C8B-B14F-4D97-AF65-F5344CB8AC3E}">
@@ -11359,7 +11518,7 @@
             </a:r>
             <a:r>
               <a:rPr lang="ko-KR" altLang="en-US" sz="2000" dirty="0"/>
-              <a:t>는 밤의 신</a:t>
+              <a:t>의 이명인 죽음의 어머니</a:t>
             </a:r>
             <a:r>
               <a:rPr lang="en-US" altLang="ko-KR" sz="2000" dirty="0"/>

--- a/기획서.pptx
+++ b/기획서.pptx
@@ -15,11 +15,14 @@
     <p:sldId id="266" r:id="rId9"/>
     <p:sldId id="267" r:id="rId10"/>
     <p:sldId id="265" r:id="rId11"/>
-    <p:sldId id="269" r:id="rId12"/>
-    <p:sldId id="270" r:id="rId13"/>
+    <p:sldId id="270" r:id="rId12"/>
+    <p:sldId id="269" r:id="rId13"/>
     <p:sldId id="263" r:id="rId14"/>
-    <p:sldId id="272" r:id="rId15"/>
-    <p:sldId id="264" r:id="rId16"/>
+    <p:sldId id="264" r:id="rId15"/>
+    <p:sldId id="272" r:id="rId16"/>
+    <p:sldId id="273" r:id="rId17"/>
+    <p:sldId id="274" r:id="rId18"/>
+    <p:sldId id="275" r:id="rId19"/>
   </p:sldIdLst>
   <p:sldSz cx="12192000" cy="6858000"/>
   <p:notesSz cx="6858000" cy="9144000"/>
@@ -291,7 +294,7 @@
           <a:p>
             <a:fld id="{72EA7947-E287-4738-8C82-07CE4F01EF03}" type="datetime2">
               <a:rPr lang="en-US" smtClean="0"/>
-              <a:t>Tuesday, May 23, 2023</a:t>
+              <a:t>Wednesday, May 24, 2023</a:t>
             </a:fld>
             <a:endParaRPr lang="en-US" dirty="0"/>
           </a:p>
@@ -1327,7 +1330,7 @@
           <a:p>
             <a:fld id="{EE2EBD84-71F4-4271-8C46-0D47C0A9B12E}" type="datetime2">
               <a:rPr lang="en-US" smtClean="0"/>
-              <a:t>Tuesday, May 23, 2023</a:t>
+              <a:t>Wednesday, May 24, 2023</a:t>
             </a:fld>
             <a:endParaRPr lang="en-US"/>
           </a:p>
@@ -1538,7 +1541,7 @@
           <a:p>
             <a:fld id="{ABAE0CE1-F450-4107-B2CB-17B18F8A3F4A}" type="datetime2">
               <a:rPr lang="en-US" smtClean="0"/>
-              <a:t>Tuesday, May 23, 2023</a:t>
+              <a:t>Wednesday, May 24, 2023</a:t>
             </a:fld>
             <a:endParaRPr lang="en-US"/>
           </a:p>
@@ -2203,7 +2206,7 @@
           <a:p>
             <a:fld id="{6FE8C025-CD7A-4966-867E-81CF82B15267}" type="datetime2">
               <a:rPr lang="en-US" smtClean="0"/>
-              <a:t>Tuesday, May 23, 2023</a:t>
+              <a:t>Wednesday, May 24, 2023</a:t>
             </a:fld>
             <a:endParaRPr lang="en-US"/>
           </a:p>
@@ -2823,7 +2826,7 @@
           <a:p>
             <a:fld id="{FE809929-0719-4517-94D6-FDF7F99E70F6}" type="datetime2">
               <a:rPr lang="en-US" smtClean="0"/>
-              <a:t>Tuesday, May 23, 2023</a:t>
+              <a:t>Wednesday, May 24, 2023</a:t>
             </a:fld>
             <a:endParaRPr lang="en-US"/>
           </a:p>
@@ -3941,7 +3944,7 @@
           <a:p>
             <a:fld id="{20E95673-5512-4AAA-9AEB-E00C61EC65D5}" type="datetime2">
               <a:rPr lang="en-US" smtClean="0"/>
-              <a:t>Tuesday, May 23, 2023</a:t>
+              <a:t>Wednesday, May 24, 2023</a:t>
             </a:fld>
             <a:endParaRPr lang="en-US"/>
           </a:p>
@@ -4488,7 +4491,7 @@
           <a:p>
             <a:fld id="{C13138FA-2E87-4873-8BBA-13E447C9A99A}" type="datetime2">
               <a:rPr lang="en-US" smtClean="0"/>
-              <a:t>Tuesday, May 23, 2023</a:t>
+              <a:t>Wednesday, May 24, 2023</a:t>
             </a:fld>
             <a:endParaRPr lang="en-US"/>
           </a:p>
@@ -4649,7 +4652,7 @@
           <a:p>
             <a:fld id="{D75BB40A-97BD-4BFB-B639-0BFF95FDE8B7}" type="datetime2">
               <a:rPr lang="en-US" smtClean="0"/>
-              <a:t>Tuesday, May 23, 2023</a:t>
+              <a:t>Wednesday, May 24, 2023</a:t>
             </a:fld>
             <a:endParaRPr lang="en-US"/>
           </a:p>
@@ -5684,7 +5687,7 @@
           <a:p>
             <a:fld id="{9EE9E0E3-ECF6-4CFE-8698-AEFEBCECC3C0}" type="datetime2">
               <a:rPr lang="en-US" smtClean="0"/>
-              <a:t>Tuesday, May 23, 2023</a:t>
+              <a:t>Wednesday, May 24, 2023</a:t>
             </a:fld>
             <a:endParaRPr lang="en-US"/>
           </a:p>
@@ -6330,7 +6333,7 @@
           <a:p>
             <a:fld id="{251462FC-960E-4740-921F-B36862979F21}" type="datetime2">
               <a:rPr lang="en-US" smtClean="0"/>
-              <a:t>Tuesday, May 23, 2023</a:t>
+              <a:t>Wednesday, May 24, 2023</a:t>
             </a:fld>
             <a:endParaRPr lang="en-US"/>
           </a:p>
@@ -7094,7 +7097,7 @@
           <a:p>
             <a:fld id="{E50BC9E2-CB44-4C05-9BB5-496C18A241E0}" type="datetime2">
               <a:rPr lang="en-US" smtClean="0"/>
-              <a:t>Tuesday, May 23, 2023</a:t>
+              <a:t>Wednesday, May 24, 2023</a:t>
             </a:fld>
             <a:endParaRPr lang="en-US"/>
           </a:p>
@@ -7341,7 +7344,7 @@
           <a:p>
             <a:fld id="{246CB39B-5F4C-4A7E-9BE3-AAFD45576D16}" type="datetime2">
               <a:rPr lang="en-US" smtClean="0"/>
-              <a:t>Tuesday, May 23, 2023</a:t>
+              <a:t>Wednesday, May 24, 2023</a:t>
             </a:fld>
             <a:endParaRPr lang="en-US" dirty="0"/>
           </a:p>
@@ -8406,8 +8409,129 @@
           <a:lstStyle/>
           <a:p>
             <a:r>
+              <a:rPr lang="en-US" altLang="ko-KR" sz="2000" dirty="0"/>
+              <a:t>2</a:t>
+            </a:r>
+            <a:r>
               <a:rPr lang="ko-KR" altLang="en-US" sz="2000" dirty="0"/>
-              <a:t>음</a:t>
+              <a:t>가지 형태로 나뉨</a:t>
+            </a:r>
+            <a:br>
+              <a:rPr lang="en-US" altLang="ko-KR" sz="2000" dirty="0"/>
+            </a:br>
+            <a:r>
+              <a:rPr lang="en-US" altLang="ko-KR" sz="2000" dirty="0"/>
+              <a:t>	1. </a:t>
+            </a:r>
+            <a:r>
+              <a:rPr lang="ko-KR" altLang="en-US" sz="2000" dirty="0"/>
+              <a:t>스토리 라인 보스 </a:t>
+            </a:r>
+            <a:r>
+              <a:rPr lang="en-US" altLang="ko-KR" sz="2000" dirty="0"/>
+              <a:t>: </a:t>
+            </a:r>
+            <a:r>
+              <a:rPr lang="ko-KR" altLang="en-US" sz="2000" dirty="0"/>
+              <a:t>난이도 上 </a:t>
+            </a:r>
+            <a:r>
+              <a:rPr lang="en-US" altLang="ko-KR" sz="2000" dirty="0"/>
+              <a:t>, </a:t>
+            </a:r>
+            <a:r>
+              <a:rPr lang="ko-KR" altLang="en-US" sz="2000" dirty="0" err="1"/>
+              <a:t>조우시</a:t>
+            </a:r>
+            <a:r>
+              <a:rPr lang="ko-KR" altLang="en-US" sz="2000" dirty="0"/>
+              <a:t> 도망</a:t>
+            </a:r>
+            <a:r>
+              <a:rPr lang="en-US" altLang="ko-KR" sz="2000" dirty="0"/>
+              <a:t>x, </a:t>
+            </a:r>
+            <a:br>
+              <a:rPr lang="en-US" altLang="ko-KR" sz="2000" dirty="0"/>
+            </a:br>
+            <a:r>
+              <a:rPr lang="en-US" altLang="ko-KR" sz="2000" dirty="0"/>
+              <a:t>				</a:t>
+            </a:r>
+            <a:r>
+              <a:rPr lang="ko-KR" altLang="en-US" sz="2000" dirty="0"/>
+              <a:t>보상 </a:t>
+            </a:r>
+            <a:r>
+              <a:rPr lang="en-US" altLang="ko-KR" sz="2000" dirty="0"/>
+              <a:t>: </a:t>
+            </a:r>
+            <a:r>
+              <a:rPr lang="ko-KR" altLang="en-US" sz="2000" dirty="0" err="1"/>
+              <a:t>닉스의</a:t>
+            </a:r>
+            <a:r>
+              <a:rPr lang="ko-KR" altLang="en-US" sz="2000" dirty="0"/>
+              <a:t> 힘 일부분 되찾기</a:t>
+            </a:r>
+            <a:br>
+              <a:rPr lang="en-US" altLang="ko-KR" sz="2000" dirty="0"/>
+            </a:br>
+            <a:br>
+              <a:rPr lang="en-US" altLang="ko-KR" sz="2000" dirty="0"/>
+            </a:br>
+            <a:br>
+              <a:rPr lang="en-US" altLang="ko-KR" sz="2000" dirty="0"/>
+            </a:br>
+            <a:br>
+              <a:rPr lang="en-US" altLang="ko-KR" sz="2000" dirty="0"/>
+            </a:br>
+            <a:r>
+              <a:rPr lang="en-US" altLang="ko-KR" sz="2000" dirty="0"/>
+              <a:t>	2. BSP </a:t>
+            </a:r>
+            <a:r>
+              <a:rPr lang="ko-KR" altLang="en-US" sz="2000" dirty="0"/>
+              <a:t>라인 보스 </a:t>
+            </a:r>
+            <a:r>
+              <a:rPr lang="en-US" altLang="ko-KR" sz="2000" dirty="0"/>
+              <a:t>:  </a:t>
+            </a:r>
+            <a:r>
+              <a:rPr lang="ko-KR" altLang="en-US" sz="2000" dirty="0"/>
+              <a:t>난이도 下 </a:t>
+            </a:r>
+            <a:r>
+              <a:rPr lang="en-US" altLang="ko-KR" sz="2000" dirty="0"/>
+              <a:t>, </a:t>
+            </a:r>
+            <a:r>
+              <a:rPr lang="ko-KR" altLang="en-US" sz="2000" dirty="0"/>
+              <a:t>스토리 라인을 보조하기 위해 설계</a:t>
+            </a:r>
+            <a:br>
+              <a:rPr lang="en-US" altLang="ko-KR" sz="2000" dirty="0"/>
+            </a:br>
+            <a:r>
+              <a:rPr lang="en-US" altLang="ko-KR" sz="2000" dirty="0"/>
+              <a:t>				</a:t>
+            </a:r>
+            <a:r>
+              <a:rPr lang="ko-KR" altLang="en-US" sz="2000" dirty="0"/>
+              <a:t>보상 </a:t>
+            </a:r>
+            <a:r>
+              <a:rPr lang="en-US" altLang="ko-KR" sz="2000" dirty="0"/>
+              <a:t>:  </a:t>
+            </a:r>
+            <a:r>
+              <a:rPr lang="ko-KR" altLang="en-US" sz="2000" dirty="0"/>
+              <a:t>스킬 포인트</a:t>
+            </a:r>
+            <a:r>
+              <a:rPr lang="en-US" altLang="ko-KR" sz="2000" dirty="0"/>
+              <a:t>				</a:t>
             </a:r>
             <a:br>
               <a:rPr lang="en-US" altLang="ko-KR" sz="2000" dirty="0"/>
@@ -8465,15 +8589,28 @@
           <a:p>
             <a:r>
               <a:rPr lang="ko-KR" altLang="en-US" sz="5000" dirty="0"/>
-              <a:t>적</a:t>
-            </a:r>
+              <a:t>적 </a:t>
+            </a:r>
+            <a:r>
+              <a:rPr lang="en-US" altLang="ko-KR" sz="5000" dirty="0"/>
+              <a:t>(</a:t>
+            </a:r>
+            <a:r>
+              <a:rPr lang="ko-KR" altLang="en-US" sz="5000" dirty="0"/>
+              <a:t>보스</a:t>
+            </a:r>
+            <a:r>
+              <a:rPr lang="en-US" altLang="ko-KR" sz="5000" dirty="0"/>
+              <a:t>)</a:t>
+            </a:r>
+            <a:endParaRPr lang="ko-KR" altLang="en-US" sz="5000" dirty="0"/>
           </a:p>
         </p:txBody>
       </p:sp>
     </p:spTree>
     <p:extLst>
       <p:ext uri="{BB962C8B-B14F-4D97-AF65-F5344CB8AC3E}">
-        <p14:creationId xmlns:p14="http://schemas.microsoft.com/office/powerpoint/2010/main" val="1571122907"/>
+        <p14:creationId xmlns:p14="http://schemas.microsoft.com/office/powerpoint/2010/main" val="4198767284"/>
       </p:ext>
     </p:extLst>
   </p:cSld>
@@ -8518,7 +8655,7 @@
         </p:nvSpPr>
         <p:spPr>
           <a:xfrm>
-            <a:off x="1226871" y="1710266"/>
+            <a:off x="1219186" y="1733318"/>
             <a:ext cx="10483324" cy="3124201"/>
           </a:xfrm>
         </p:spPr>
@@ -8529,129 +8666,8 @@
           <a:lstStyle/>
           <a:p>
             <a:r>
-              <a:rPr lang="en-US" altLang="ko-KR" sz="2000" dirty="0"/>
-              <a:t>2</a:t>
-            </a:r>
-            <a:r>
               <a:rPr lang="ko-KR" altLang="en-US" sz="2000" dirty="0"/>
-              <a:t>가지 형태로 나뉨</a:t>
-            </a:r>
-            <a:br>
-              <a:rPr lang="en-US" altLang="ko-KR" sz="2000" dirty="0"/>
-            </a:br>
-            <a:r>
-              <a:rPr lang="en-US" altLang="ko-KR" sz="2000" dirty="0"/>
-              <a:t>	1. </a:t>
-            </a:r>
-            <a:r>
-              <a:rPr lang="ko-KR" altLang="en-US" sz="2000" dirty="0"/>
-              <a:t>스토리 라인 보스 </a:t>
-            </a:r>
-            <a:r>
-              <a:rPr lang="en-US" altLang="ko-KR" sz="2000" dirty="0"/>
-              <a:t>: </a:t>
-            </a:r>
-            <a:r>
-              <a:rPr lang="ko-KR" altLang="en-US" sz="2000" dirty="0"/>
-              <a:t>난이도 上 </a:t>
-            </a:r>
-            <a:r>
-              <a:rPr lang="en-US" altLang="ko-KR" sz="2000" dirty="0"/>
-              <a:t>, </a:t>
-            </a:r>
-            <a:r>
-              <a:rPr lang="ko-KR" altLang="en-US" sz="2000" dirty="0" err="1"/>
-              <a:t>조우시</a:t>
-            </a:r>
-            <a:r>
-              <a:rPr lang="ko-KR" altLang="en-US" sz="2000" dirty="0"/>
-              <a:t> 도망</a:t>
-            </a:r>
-            <a:r>
-              <a:rPr lang="en-US" altLang="ko-KR" sz="2000" dirty="0"/>
-              <a:t>x, </a:t>
-            </a:r>
-            <a:br>
-              <a:rPr lang="en-US" altLang="ko-KR" sz="2000" dirty="0"/>
-            </a:br>
-            <a:r>
-              <a:rPr lang="en-US" altLang="ko-KR" sz="2000" dirty="0"/>
-              <a:t>				</a:t>
-            </a:r>
-            <a:r>
-              <a:rPr lang="ko-KR" altLang="en-US" sz="2000" dirty="0"/>
-              <a:t>보상 </a:t>
-            </a:r>
-            <a:r>
-              <a:rPr lang="en-US" altLang="ko-KR" sz="2000" dirty="0"/>
-              <a:t>: </a:t>
-            </a:r>
-            <a:r>
-              <a:rPr lang="ko-KR" altLang="en-US" sz="2000" dirty="0" err="1"/>
-              <a:t>닉스의</a:t>
-            </a:r>
-            <a:r>
-              <a:rPr lang="ko-KR" altLang="en-US" sz="2000" dirty="0"/>
-              <a:t> 힘 되찾기</a:t>
-            </a:r>
-            <a:br>
-              <a:rPr lang="en-US" altLang="ko-KR" sz="2000" dirty="0"/>
-            </a:br>
-            <a:br>
-              <a:rPr lang="en-US" altLang="ko-KR" sz="2000" dirty="0"/>
-            </a:br>
-            <a:br>
-              <a:rPr lang="en-US" altLang="ko-KR" sz="2000" dirty="0"/>
-            </a:br>
-            <a:br>
-              <a:rPr lang="en-US" altLang="ko-KR" sz="2000" dirty="0"/>
-            </a:br>
-            <a:r>
-              <a:rPr lang="en-US" altLang="ko-KR" sz="2000" dirty="0"/>
-              <a:t>	2. BSP </a:t>
-            </a:r>
-            <a:r>
-              <a:rPr lang="ko-KR" altLang="en-US" sz="2000" dirty="0"/>
-              <a:t>라인 보스 </a:t>
-            </a:r>
-            <a:r>
-              <a:rPr lang="en-US" altLang="ko-KR" sz="2000" dirty="0"/>
-              <a:t>:  </a:t>
-            </a:r>
-            <a:r>
-              <a:rPr lang="ko-KR" altLang="en-US" sz="2000" dirty="0"/>
-              <a:t>난이도 下 </a:t>
-            </a:r>
-            <a:r>
-              <a:rPr lang="en-US" altLang="ko-KR" sz="2000" dirty="0"/>
-              <a:t>, </a:t>
-            </a:r>
-            <a:r>
-              <a:rPr lang="ko-KR" altLang="en-US" sz="2000" dirty="0"/>
-              <a:t>스토리 라인을 보조하기 위해 설계</a:t>
-            </a:r>
-            <a:br>
-              <a:rPr lang="en-US" altLang="ko-KR" sz="2000" dirty="0"/>
-            </a:br>
-            <a:r>
-              <a:rPr lang="en-US" altLang="ko-KR" sz="2000" dirty="0"/>
-              <a:t>				</a:t>
-            </a:r>
-            <a:r>
-              <a:rPr lang="ko-KR" altLang="en-US" sz="2000" dirty="0"/>
-              <a:t>보상 </a:t>
-            </a:r>
-            <a:r>
-              <a:rPr lang="en-US" altLang="ko-KR" sz="2000" dirty="0"/>
-              <a:t>:  </a:t>
-            </a:r>
-            <a:r>
-              <a:rPr lang="ko-KR" altLang="en-US" sz="2000" dirty="0"/>
-              <a:t>스킬 포인트</a:t>
-            </a:r>
-            <a:r>
-              <a:rPr lang="en-US" altLang="ko-KR" sz="2000" dirty="0"/>
-              <a:t>				</a:t>
+              <a:t>음</a:t>
             </a:r>
             <a:br>
               <a:rPr lang="en-US" altLang="ko-KR" sz="2000" dirty="0"/>
@@ -8709,7 +8725,7 @@
           <a:p>
             <a:r>
               <a:rPr lang="ko-KR" altLang="en-US" sz="5000" dirty="0"/>
-              <a:t>적 </a:t>
+              <a:t>적</a:t>
             </a:r>
             <a:r>
               <a:rPr lang="en-US" altLang="ko-KR" sz="5000" dirty="0"/>
@@ -8717,7 +8733,11 @@
             </a:r>
             <a:r>
               <a:rPr lang="ko-KR" altLang="en-US" sz="5000" dirty="0"/>
-              <a:t>보스</a:t>
+              <a:t>일반 </a:t>
+            </a:r>
+            <a:r>
+              <a:rPr lang="ko-KR" altLang="en-US" sz="5000" dirty="0" err="1"/>
+              <a:t>몹</a:t>
             </a:r>
             <a:r>
               <a:rPr lang="en-US" altLang="ko-KR" sz="5000" dirty="0"/>
@@ -8730,7 +8750,7 @@
     </p:spTree>
     <p:extLst>
       <p:ext uri="{BB962C8B-B14F-4D97-AF65-F5344CB8AC3E}">
-        <p14:creationId xmlns:p14="http://schemas.microsoft.com/office/powerpoint/2010/main" val="4198767284"/>
+        <p14:creationId xmlns:p14="http://schemas.microsoft.com/office/powerpoint/2010/main" val="1571122907"/>
       </p:ext>
     </p:extLst>
   </p:cSld>
@@ -8942,6 +8962,206 @@
         </p:nvSpPr>
         <p:spPr>
           <a:xfrm>
+            <a:off x="1250020" y="1698691"/>
+            <a:ext cx="10483324" cy="3124201"/>
+          </a:xfrm>
+        </p:spPr>
+        <p:txBody>
+          <a:bodyPr>
+            <a:normAutofit fontScale="90000"/>
+          </a:bodyPr>
+          <a:lstStyle/>
+          <a:p>
+            <a:r>
+              <a:rPr lang="ko-KR" altLang="en-US" sz="2000" dirty="0" err="1"/>
+              <a:t>로드시</a:t>
+            </a:r>
+            <a:r>
+              <a:rPr lang="ko-KR" altLang="en-US" sz="2000" dirty="0"/>
+              <a:t> 시작 위치는 세이브 포인트에서만  </a:t>
+            </a:r>
+            <a:r>
+              <a:rPr lang="en-US" altLang="ko-KR" sz="2000" dirty="0"/>
+              <a:t>(</a:t>
+            </a:r>
+            <a:r>
+              <a:rPr lang="ko-KR" altLang="en-US" sz="2000" dirty="0"/>
+              <a:t>현재 위치 저장해서 로드 시 </a:t>
+            </a:r>
+            <a:r>
+              <a:rPr lang="en-US" altLang="ko-KR" sz="2000" dirty="0"/>
+              <a:t>pos</a:t>
+            </a:r>
+            <a:r>
+              <a:rPr lang="ko-KR" altLang="en-US" sz="2000" dirty="0"/>
+              <a:t>로 이동해야 하는데 소수점까지는 가져오기 힘들어서 끼일 확률 높음</a:t>
+            </a:r>
+            <a:r>
+              <a:rPr lang="en-US" altLang="ko-KR" sz="2000" dirty="0"/>
+              <a:t>)</a:t>
+            </a:r>
+            <a:br>
+              <a:rPr lang="en-US" altLang="ko-KR" sz="2000" dirty="0"/>
+            </a:br>
+            <a:br>
+              <a:rPr lang="en-US" altLang="ko-KR" sz="2000" dirty="0"/>
+            </a:br>
+            <a:br>
+              <a:rPr lang="en-US" altLang="ko-KR" sz="2000" dirty="0"/>
+            </a:br>
+            <a:br>
+              <a:rPr lang="en-US" altLang="ko-KR" sz="2000" dirty="0"/>
+            </a:br>
+            <a:r>
+              <a:rPr lang="en-US" altLang="ko-KR" sz="2000" dirty="0"/>
+              <a:t>==</a:t>
+            </a:r>
+            <a:r>
+              <a:rPr lang="ko-KR" altLang="en-US" sz="2000" dirty="0"/>
+              <a:t> 세이브 해야 하는 항목</a:t>
+            </a:r>
+            <a:r>
+              <a:rPr lang="en-US" altLang="ko-KR" sz="2000" dirty="0"/>
+              <a:t>==</a:t>
+            </a:r>
+            <a:br>
+              <a:rPr lang="en-US" altLang="ko-KR" sz="2000" dirty="0"/>
+            </a:br>
+            <a:r>
+              <a:rPr lang="en-US" altLang="ko-KR" sz="2000" dirty="0"/>
+              <a:t>HP(cur), </a:t>
+            </a:r>
+            <a:r>
+              <a:rPr lang="ko-KR" altLang="en-US" sz="2000" dirty="0"/>
+              <a:t>스킬 트리</a:t>
+            </a:r>
+            <a:r>
+              <a:rPr lang="en-US" altLang="ko-KR" sz="2000" dirty="0"/>
+              <a:t>,  </a:t>
+            </a:r>
+            <a:r>
+              <a:rPr lang="ko-KR" altLang="en-US" sz="2000" dirty="0"/>
+              <a:t>세이브 포인트</a:t>
+            </a:r>
+            <a:r>
+              <a:rPr lang="en-US" altLang="ko-KR" sz="2000" dirty="0"/>
+              <a:t>, </a:t>
+            </a:r>
+            <a:br>
+              <a:rPr lang="en-US" altLang="ko-KR" sz="2000" dirty="0"/>
+            </a:br>
+            <a:br>
+              <a:rPr lang="en-US" altLang="ko-KR" sz="2000" dirty="0"/>
+            </a:br>
+            <a:br>
+              <a:rPr lang="en-US" altLang="ko-KR" sz="2000" dirty="0"/>
+            </a:br>
+            <a:endParaRPr lang="ko-KR" altLang="en-US" sz="2000" dirty="0"/>
+          </a:p>
+        </p:txBody>
+      </p:sp>
+      <p:sp>
+        <p:nvSpPr>
+          <p:cNvPr id="4" name="제목 1">
+            <a:extLst>
+              <a:ext uri="{FF2B5EF4-FFF2-40B4-BE49-F238E27FC236}">
+                <a16:creationId xmlns:a16="http://schemas.microsoft.com/office/drawing/2014/main" id="{8E2E0E5E-C494-5952-9A4E-98B51E4DFDCD}"/>
+              </a:ext>
+            </a:extLst>
+          </p:cNvPr>
+          <p:cNvSpPr txBox="1">
+            <a:spLocks/>
+          </p:cNvSpPr>
+          <p:nvPr/>
+        </p:nvSpPr>
+        <p:spPr>
+          <a:xfrm>
+            <a:off x="981338" y="528638"/>
+            <a:ext cx="8712995" cy="859366"/>
+          </a:xfrm>
+          <a:prstGeom prst="rect">
+            <a:avLst/>
+          </a:prstGeom>
+        </p:spPr>
+        <p:txBody>
+          <a:bodyPr vert="horz" wrap="square" lIns="0" tIns="0" rIns="0" bIns="0" rtlCol="0" anchor="t" anchorCtr="0">
+            <a:noAutofit/>
+          </a:bodyPr>
+          <a:lstStyle>
+            <a:lvl1pPr algn="l" defTabSz="914400" rtl="0" eaLnBrk="1" latinLnBrk="0" hangingPunct="1">
+              <a:lnSpc>
+                <a:spcPct val="110000"/>
+              </a:lnSpc>
+              <a:spcBef>
+                <a:spcPct val="0"/>
+              </a:spcBef>
+              <a:buNone/>
+              <a:defRPr lang="en-US" sz="4800" kern="1200" spc="160" dirty="0">
+                <a:solidFill>
+                  <a:schemeClr val="tx1"/>
+                </a:solidFill>
+                <a:latin typeface="+mj-lt"/>
+                <a:ea typeface="+mj-ea"/>
+                <a:cs typeface="+mj-cs"/>
+              </a:defRPr>
+            </a:lvl1pPr>
+          </a:lstStyle>
+          <a:p>
+            <a:r>
+              <a:rPr lang="ko-KR" altLang="en-US" sz="5000" dirty="0"/>
+              <a:t>세이브</a:t>
+            </a:r>
+          </a:p>
+        </p:txBody>
+      </p:sp>
+    </p:spTree>
+    <p:extLst>
+      <p:ext uri="{BB962C8B-B14F-4D97-AF65-F5344CB8AC3E}">
+        <p14:creationId xmlns:p14="http://schemas.microsoft.com/office/powerpoint/2010/main" val="2309160706"/>
+      </p:ext>
+    </p:extLst>
+  </p:cSld>
+  <p:clrMapOvr>
+    <a:masterClrMapping/>
+  </p:clrMapOvr>
+</p:sld>
+</file>
+
+<file path=ppt/slides/slide15.xml><?xml version="1.0" encoding="utf-8"?>
+<p:sld xmlns:a="http://schemas.openxmlformats.org/drawingml/2006/main" xmlns:r="http://schemas.openxmlformats.org/officeDocument/2006/relationships" xmlns:p="http://schemas.openxmlformats.org/presentationml/2006/main">
+  <p:cSld>
+    <p:spTree>
+      <p:nvGrpSpPr>
+        <p:cNvPr id="1" name=""/>
+        <p:cNvGrpSpPr/>
+        <p:nvPr/>
+      </p:nvGrpSpPr>
+      <p:grpSpPr>
+        <a:xfrm>
+          <a:off x="0" y="0"/>
+          <a:ext cx="0" cy="0"/>
+          <a:chOff x="0" y="0"/>
+          <a:chExt cx="0" cy="0"/>
+        </a:xfrm>
+      </p:grpSpPr>
+      <p:sp>
+        <p:nvSpPr>
+          <p:cNvPr id="2" name="제목 1">
+            <a:extLst>
+              <a:ext uri="{FF2B5EF4-FFF2-40B4-BE49-F238E27FC236}">
+                <a16:creationId xmlns:a16="http://schemas.microsoft.com/office/drawing/2014/main" id="{7B2E3A79-41DF-C0FE-CFAA-BCB5A42209EE}"/>
+              </a:ext>
+            </a:extLst>
+          </p:cNvPr>
+          <p:cNvSpPr>
+            <a:spLocks noGrp="1"/>
+          </p:cNvSpPr>
+          <p:nvPr>
+            <p:ph type="title"/>
+          </p:nvPr>
+        </p:nvSpPr>
+        <p:spPr>
+          <a:xfrm>
             <a:off x="1157423" y="1710266"/>
             <a:ext cx="10483324" cy="3124201"/>
           </a:xfrm>
@@ -9134,6 +9354,22 @@
               <a:rPr lang="en-US" altLang="ko-KR" sz="2000" dirty="0"/>
               <a:t>, </a:t>
             </a:r>
+            <a:r>
+              <a:rPr lang="ko-KR" altLang="en-US" sz="2000" dirty="0"/>
+              <a:t>차지 공격</a:t>
+            </a:r>
+            <a:r>
+              <a:rPr lang="en-US" altLang="ko-KR" sz="2000" dirty="0"/>
+              <a:t>(</a:t>
+            </a:r>
+            <a:r>
+              <a:rPr lang="ko-KR" altLang="en-US" sz="2000" dirty="0"/>
+              <a:t>원거리</a:t>
+            </a:r>
+            <a:r>
+              <a:rPr lang="en-US" altLang="ko-KR" sz="2000" dirty="0"/>
+              <a:t>)</a:t>
+            </a:r>
             <a:br>
               <a:rPr lang="en-US" altLang="ko-KR" sz="2000" dirty="0"/>
             </a:br>
@@ -9155,6 +9391,14 @@
             <a:r>
               <a:rPr lang="ko-KR" altLang="en-US" sz="2000" dirty="0"/>
               <a:t>단 점프</a:t>
+            </a:r>
+            <a:r>
+              <a:rPr lang="en-US" altLang="ko-KR" sz="2000" dirty="0"/>
+              <a:t>, </a:t>
+            </a:r>
+            <a:r>
+              <a:rPr lang="ko-KR" altLang="en-US" sz="2000" dirty="0"/>
+              <a:t>이속 증가</a:t>
             </a:r>
             <a:br>
               <a:rPr lang="en-US" altLang="ko-KR" sz="2000" dirty="0"/>
@@ -9280,7 +9524,7 @@
 </p:sld>
 </file>
 
-<file path=ppt/slides/slide15.xml><?xml version="1.0" encoding="utf-8"?>
+<file path=ppt/slides/slide16.xml><?xml version="1.0" encoding="utf-8"?>
 <p:sld xmlns:a="http://schemas.openxmlformats.org/drawingml/2006/main" xmlns:r="http://schemas.openxmlformats.org/officeDocument/2006/relationships" xmlns:p="http://schemas.openxmlformats.org/presentationml/2006/main">
   <p:cSld>
     <p:spTree>
@@ -9321,33 +9565,29 @@
         </p:spPr>
         <p:txBody>
           <a:bodyPr>
-            <a:normAutofit fontScale="90000"/>
+            <a:normAutofit/>
           </a:bodyPr>
           <a:lstStyle/>
           <a:p>
             <a:r>
-              <a:rPr lang="ko-KR" altLang="en-US" sz="2000" dirty="0" err="1"/>
-              <a:t>로드시</a:t>
-            </a:r>
-            <a:r>
               <a:rPr lang="ko-KR" altLang="en-US" sz="2000" dirty="0"/>
-              <a:t> 시작 위치는 세이브 포인트에서만  </a:t>
-            </a:r>
-            <a:r>
-              <a:rPr lang="en-US" altLang="ko-KR" sz="2000" dirty="0"/>
-              <a:t>(</a:t>
+              <a:t>최대한 유저의 화면을 가리는 게 적은 </a:t>
+            </a:r>
+            <a:r>
+              <a:rPr lang="en-US" altLang="ko-KR" sz="2000" dirty="0"/>
+              <a:t>UI</a:t>
             </a:r>
             <a:r>
               <a:rPr lang="ko-KR" altLang="en-US" sz="2000" dirty="0"/>
-              <a:t>현재 위치 저장해서 로드 시 </a:t>
-            </a:r>
-            <a:r>
-              <a:rPr lang="en-US" altLang="ko-KR" sz="2000" dirty="0"/>
-              <a:t>pos</a:t>
+              <a:t>로 가시성 향상 </a:t>
+            </a:r>
+            <a:r>
+              <a:rPr lang="en-US" altLang="ko-KR" sz="2000" dirty="0"/>
+              <a:t>(status</a:t>
             </a:r>
             <a:r>
               <a:rPr lang="ko-KR" altLang="en-US" sz="2000" dirty="0"/>
-              <a:t>로 이동해야 하는데 소수점까지는 가져오기 힘들어서 끼일 확률 높음</a:t>
+              <a:t>정도만 노출</a:t>
             </a:r>
             <a:r>
               <a:rPr lang="en-US" altLang="ko-KR" sz="2000" dirty="0"/>
@@ -9359,46 +9599,17 @@
             <a:br>
               <a:rPr lang="en-US" altLang="ko-KR" sz="2000" dirty="0"/>
             </a:br>
-            <a:br>
-              <a:rPr lang="en-US" altLang="ko-KR" sz="2000" dirty="0"/>
-            </a:br>
-            <a:br>
-              <a:rPr lang="en-US" altLang="ko-KR" sz="2000" dirty="0"/>
-            </a:br>
-            <a:r>
-              <a:rPr lang="en-US" altLang="ko-KR" sz="2000" dirty="0"/>
-              <a:t>==</a:t>
-            </a:r>
             <a:r>
               <a:rPr lang="ko-KR" altLang="en-US" sz="2000" dirty="0"/>
-              <a:t> 세이브 해야 하는 항목</a:t>
-            </a:r>
-            <a:r>
-              <a:rPr lang="en-US" altLang="ko-KR" sz="2000" dirty="0"/>
-              <a:t>==</a:t>
-            </a:r>
-            <a:br>
-              <a:rPr lang="en-US" altLang="ko-KR" sz="2000" dirty="0"/>
-            </a:br>
-            <a:r>
-              <a:rPr lang="en-US" altLang="ko-KR" sz="2000" dirty="0"/>
-              <a:t>HP(cur), </a:t>
+              <a:t>상호작용 </a:t>
+            </a:r>
+            <a:r>
+              <a:rPr lang="en-US" altLang="ko-KR" sz="2000" dirty="0"/>
+              <a:t>UI</a:t>
             </a:r>
             <a:r>
               <a:rPr lang="ko-KR" altLang="en-US" sz="2000" dirty="0"/>
-              <a:t>스킬 트리</a:t>
-            </a:r>
-            <a:r>
-              <a:rPr lang="en-US" altLang="ko-KR" sz="2000" dirty="0"/>
-              <a:t>,  </a:t>
-            </a:r>
-            <a:r>
-              <a:rPr lang="ko-KR" altLang="en-US" sz="2000" dirty="0"/>
-              <a:t>세이브 포인트</a:t>
-            </a:r>
-            <a:r>
-              <a:rPr lang="en-US" altLang="ko-KR" sz="2000" dirty="0"/>
-              <a:t>(pos), </a:t>
+              <a:t>는 다 키입력을 받아 노출</a:t>
             </a:r>
             <a:br>
               <a:rPr lang="en-US" altLang="ko-KR" sz="2000" dirty="0"/>
@@ -9462,7 +9673,7 @@
           <a:p>
             <a:r>
               <a:rPr lang="ko-KR" altLang="en-US" sz="5000" dirty="0"/>
-              <a:t>세이브</a:t>
+              <a:t>게임 화면</a:t>
             </a:r>
           </a:p>
         </p:txBody>
@@ -9470,7 +9681,408 @@
     </p:spTree>
     <p:extLst>
       <p:ext uri="{BB962C8B-B14F-4D97-AF65-F5344CB8AC3E}">
-        <p14:creationId xmlns:p14="http://schemas.microsoft.com/office/powerpoint/2010/main" val="2309160706"/>
+        <p14:creationId xmlns:p14="http://schemas.microsoft.com/office/powerpoint/2010/main" val="3704034967"/>
+      </p:ext>
+    </p:extLst>
+  </p:cSld>
+  <p:clrMapOvr>
+    <a:masterClrMapping/>
+  </p:clrMapOvr>
+</p:sld>
+</file>
+
+<file path=ppt/slides/slide17.xml><?xml version="1.0" encoding="utf-8"?>
+<p:sld xmlns:a="http://schemas.openxmlformats.org/drawingml/2006/main" xmlns:r="http://schemas.openxmlformats.org/officeDocument/2006/relationships" xmlns:p="http://schemas.openxmlformats.org/presentationml/2006/main">
+  <p:cSld>
+    <p:spTree>
+      <p:nvGrpSpPr>
+        <p:cNvPr id="1" name=""/>
+        <p:cNvGrpSpPr/>
+        <p:nvPr/>
+      </p:nvGrpSpPr>
+      <p:grpSpPr>
+        <a:xfrm>
+          <a:off x="0" y="0"/>
+          <a:ext cx="0" cy="0"/>
+          <a:chOff x="0" y="0"/>
+          <a:chExt cx="0" cy="0"/>
+        </a:xfrm>
+      </p:grpSpPr>
+      <p:sp>
+        <p:nvSpPr>
+          <p:cNvPr id="2" name="제목 1">
+            <a:extLst>
+              <a:ext uri="{FF2B5EF4-FFF2-40B4-BE49-F238E27FC236}">
+                <a16:creationId xmlns:a16="http://schemas.microsoft.com/office/drawing/2014/main" id="{7B2E3A79-41DF-C0FE-CFAA-BCB5A42209EE}"/>
+              </a:ext>
+            </a:extLst>
+          </p:cNvPr>
+          <p:cNvSpPr>
+            <a:spLocks noGrp="1"/>
+          </p:cNvSpPr>
+          <p:nvPr>
+            <p:ph type="title"/>
+          </p:nvPr>
+        </p:nvSpPr>
+        <p:spPr>
+          <a:xfrm>
+            <a:off x="1250020" y="1698691"/>
+            <a:ext cx="10483324" cy="3124201"/>
+          </a:xfrm>
+        </p:spPr>
+        <p:txBody>
+          <a:bodyPr>
+            <a:normAutofit fontScale="90000"/>
+          </a:bodyPr>
+          <a:lstStyle/>
+          <a:p>
+            <a:br>
+              <a:rPr lang="en-US" altLang="ko-KR" sz="2000" dirty="0"/>
+            </a:br>
+            <a:br>
+              <a:rPr lang="en-US" altLang="ko-KR" sz="2000" dirty="0"/>
+            </a:br>
+            <a:br>
+              <a:rPr lang="en-US" altLang="ko-KR" sz="2000" dirty="0"/>
+            </a:br>
+            <a:br>
+              <a:rPr lang="en-US" altLang="ko-KR" sz="2000" dirty="0"/>
+            </a:br>
+            <a:r>
+              <a:rPr lang="en-US" altLang="ko-KR" sz="2000" dirty="0"/>
+              <a:t>== </a:t>
+            </a:r>
+            <a:r>
+              <a:rPr lang="ko-KR" altLang="en-US" sz="2000" dirty="0"/>
+              <a:t>구성 요소 </a:t>
+            </a:r>
+            <a:r>
+              <a:rPr lang="en-US" altLang="ko-KR" sz="2000" dirty="0"/>
+              <a:t>==</a:t>
+            </a:r>
+            <a:br>
+              <a:rPr lang="en-US" altLang="ko-KR" sz="2000" dirty="0"/>
+            </a:br>
+            <a:r>
+              <a:rPr lang="ko-KR" altLang="en-US" sz="2000" dirty="0"/>
+              <a:t>게임 시작 </a:t>
+            </a:r>
+            <a:r>
+              <a:rPr lang="en-US" altLang="ko-KR" sz="2000" dirty="0"/>
+              <a:t>-&gt; </a:t>
+            </a:r>
+            <a:r>
+              <a:rPr lang="ko-KR" altLang="en-US" sz="2000" dirty="0"/>
+              <a:t>저장 슬롯 나오는 화면 </a:t>
+            </a:r>
+            <a:r>
+              <a:rPr lang="en-US" altLang="ko-KR" sz="2000" dirty="0"/>
+              <a:t>-&gt; </a:t>
+            </a:r>
+            <a:r>
+              <a:rPr lang="ko-KR" altLang="en-US" sz="2000" dirty="0"/>
+              <a:t>슬롯 </a:t>
+            </a:r>
+            <a:r>
+              <a:rPr lang="ko-KR" altLang="en-US" sz="2000" dirty="0" err="1"/>
+              <a:t>클릭시</a:t>
+            </a:r>
+            <a:r>
+              <a:rPr lang="ko-KR" altLang="en-US" sz="2000" dirty="0"/>
+              <a:t> 해당 데이터 불러와서 </a:t>
+            </a:r>
+            <a:r>
+              <a:rPr lang="ko-KR" altLang="en-US" sz="2000" dirty="0" err="1"/>
+              <a:t>겜시작</a:t>
+            </a:r>
+            <a:br>
+              <a:rPr lang="en-US" altLang="ko-KR" sz="2000" dirty="0"/>
+            </a:br>
+            <a:r>
+              <a:rPr lang="ko-KR" altLang="en-US" sz="2000" dirty="0"/>
+              <a:t>옵션 </a:t>
+            </a:r>
+            <a:r>
+              <a:rPr lang="en-US" altLang="ko-KR" sz="2000" dirty="0"/>
+              <a:t>-&gt; </a:t>
+            </a:r>
+            <a:r>
+              <a:rPr lang="ko-KR" altLang="en-US" sz="2000" dirty="0"/>
+              <a:t>다음 </a:t>
+            </a:r>
+            <a:r>
+              <a:rPr lang="en-US" altLang="ko-KR" sz="2000" dirty="0"/>
+              <a:t>PPT</a:t>
+            </a:r>
+            <a:br>
+              <a:rPr lang="en-US" altLang="ko-KR" sz="2000" dirty="0"/>
+            </a:br>
+            <a:br>
+              <a:rPr lang="en-US" altLang="ko-KR" sz="2000" dirty="0"/>
+            </a:br>
+            <a:r>
+              <a:rPr lang="ko-KR" altLang="en-US" sz="2000" dirty="0"/>
+              <a:t>게임 종료</a:t>
+            </a:r>
+            <a:br>
+              <a:rPr lang="en-US" altLang="ko-KR" sz="2000" dirty="0"/>
+            </a:br>
+            <a:br>
+              <a:rPr lang="en-US" altLang="ko-KR" sz="2000" dirty="0"/>
+            </a:br>
+            <a:br>
+              <a:rPr lang="en-US" altLang="ko-KR" sz="2000" dirty="0"/>
+            </a:br>
+            <a:endParaRPr lang="ko-KR" altLang="en-US" sz="2000" dirty="0"/>
+          </a:p>
+        </p:txBody>
+      </p:sp>
+      <p:sp>
+        <p:nvSpPr>
+          <p:cNvPr id="4" name="제목 1">
+            <a:extLst>
+              <a:ext uri="{FF2B5EF4-FFF2-40B4-BE49-F238E27FC236}">
+                <a16:creationId xmlns:a16="http://schemas.microsoft.com/office/drawing/2014/main" id="{8E2E0E5E-C494-5952-9A4E-98B51E4DFDCD}"/>
+              </a:ext>
+            </a:extLst>
+          </p:cNvPr>
+          <p:cNvSpPr txBox="1">
+            <a:spLocks/>
+          </p:cNvSpPr>
+          <p:nvPr/>
+        </p:nvSpPr>
+        <p:spPr>
+          <a:xfrm>
+            <a:off x="981338" y="528638"/>
+            <a:ext cx="8712995" cy="859366"/>
+          </a:xfrm>
+          <a:prstGeom prst="rect">
+            <a:avLst/>
+          </a:prstGeom>
+        </p:spPr>
+        <p:txBody>
+          <a:bodyPr vert="horz" wrap="square" lIns="0" tIns="0" rIns="0" bIns="0" rtlCol="0" anchor="t" anchorCtr="0">
+            <a:noAutofit/>
+          </a:bodyPr>
+          <a:lstStyle>
+            <a:lvl1pPr algn="l" defTabSz="914400" rtl="0" eaLnBrk="1" latinLnBrk="0" hangingPunct="1">
+              <a:lnSpc>
+                <a:spcPct val="110000"/>
+              </a:lnSpc>
+              <a:spcBef>
+                <a:spcPct val="0"/>
+              </a:spcBef>
+              <a:buNone/>
+              <a:defRPr lang="en-US" sz="4800" kern="1200" spc="160" dirty="0">
+                <a:solidFill>
+                  <a:schemeClr val="tx1"/>
+                </a:solidFill>
+                <a:latin typeface="+mj-lt"/>
+                <a:ea typeface="+mj-ea"/>
+                <a:cs typeface="+mj-cs"/>
+              </a:defRPr>
+            </a:lvl1pPr>
+          </a:lstStyle>
+          <a:p>
+            <a:r>
+              <a:rPr lang="ko-KR" altLang="en-US" sz="5000" dirty="0"/>
+              <a:t>메인 화면</a:t>
+            </a:r>
+          </a:p>
+        </p:txBody>
+      </p:sp>
+    </p:spTree>
+    <p:extLst>
+      <p:ext uri="{BB962C8B-B14F-4D97-AF65-F5344CB8AC3E}">
+        <p14:creationId xmlns:p14="http://schemas.microsoft.com/office/powerpoint/2010/main" val="696632196"/>
+      </p:ext>
+    </p:extLst>
+  </p:cSld>
+  <p:clrMapOvr>
+    <a:masterClrMapping/>
+  </p:clrMapOvr>
+</p:sld>
+</file>
+
+<file path=ppt/slides/slide18.xml><?xml version="1.0" encoding="utf-8"?>
+<p:sld xmlns:a="http://schemas.openxmlformats.org/drawingml/2006/main" xmlns:r="http://schemas.openxmlformats.org/officeDocument/2006/relationships" xmlns:p="http://schemas.openxmlformats.org/presentationml/2006/main">
+  <p:cSld>
+    <p:spTree>
+      <p:nvGrpSpPr>
+        <p:cNvPr id="1" name=""/>
+        <p:cNvGrpSpPr/>
+        <p:nvPr/>
+      </p:nvGrpSpPr>
+      <p:grpSpPr>
+        <a:xfrm>
+          <a:off x="0" y="0"/>
+          <a:ext cx="0" cy="0"/>
+          <a:chOff x="0" y="0"/>
+          <a:chExt cx="0" cy="0"/>
+        </a:xfrm>
+      </p:grpSpPr>
+      <p:sp>
+        <p:nvSpPr>
+          <p:cNvPr id="2" name="제목 1">
+            <a:extLst>
+              <a:ext uri="{FF2B5EF4-FFF2-40B4-BE49-F238E27FC236}">
+                <a16:creationId xmlns:a16="http://schemas.microsoft.com/office/drawing/2014/main" id="{7B2E3A79-41DF-C0FE-CFAA-BCB5A42209EE}"/>
+              </a:ext>
+            </a:extLst>
+          </p:cNvPr>
+          <p:cNvSpPr>
+            <a:spLocks noGrp="1"/>
+          </p:cNvSpPr>
+          <p:nvPr>
+            <p:ph type="title"/>
+          </p:nvPr>
+        </p:nvSpPr>
+        <p:spPr>
+          <a:xfrm>
+            <a:off x="1250020" y="1698691"/>
+            <a:ext cx="10483324" cy="3124201"/>
+          </a:xfrm>
+        </p:spPr>
+        <p:txBody>
+          <a:bodyPr>
+            <a:normAutofit/>
+          </a:bodyPr>
+          <a:lstStyle/>
+          <a:p>
+            <a:br>
+              <a:rPr lang="en-US" altLang="ko-KR" sz="2000" dirty="0"/>
+            </a:br>
+            <a:br>
+              <a:rPr lang="en-US" altLang="ko-KR" sz="2000" dirty="0"/>
+            </a:br>
+            <a:r>
+              <a:rPr lang="en-US" altLang="ko-KR" sz="2000" dirty="0"/>
+              <a:t>== </a:t>
+            </a:r>
+            <a:r>
+              <a:rPr lang="ko-KR" altLang="en-US" sz="2000" dirty="0"/>
+              <a:t>옵션 설정 가능 항목 </a:t>
+            </a:r>
+            <a:r>
+              <a:rPr lang="en-US" altLang="ko-KR" sz="2000" dirty="0"/>
+              <a:t>== </a:t>
+            </a:r>
+            <a:br>
+              <a:rPr lang="en-US" altLang="ko-KR" sz="2000" dirty="0"/>
+            </a:br>
+            <a:r>
+              <a:rPr lang="ko-KR" altLang="en-US" sz="2000" dirty="0"/>
+              <a:t>그래픽 </a:t>
+            </a:r>
+            <a:r>
+              <a:rPr lang="en-US" altLang="ko-KR" sz="2000" dirty="0"/>
+              <a:t>-&gt; </a:t>
+            </a:r>
+            <a:r>
+              <a:rPr lang="ko-KR" altLang="en-US" sz="2000" dirty="0"/>
+              <a:t>해상도</a:t>
+            </a:r>
+            <a:r>
+              <a:rPr lang="en-US" altLang="ko-KR" sz="2000" dirty="0"/>
+              <a:t>, </a:t>
+            </a:r>
+            <a:r>
+              <a:rPr lang="ko-KR" altLang="en-US" sz="2000" dirty="0"/>
+              <a:t>전체 화면</a:t>
+            </a:r>
+            <a:r>
+              <a:rPr lang="en-US" altLang="ko-KR" sz="2000" dirty="0"/>
+              <a:t>, </a:t>
+            </a:r>
+            <a:br>
+              <a:rPr lang="en-US" altLang="ko-KR" sz="2000" dirty="0"/>
+            </a:br>
+            <a:r>
+              <a:rPr lang="ko-KR" altLang="en-US" sz="2000" dirty="0"/>
+              <a:t>사운드 </a:t>
+            </a:r>
+            <a:r>
+              <a:rPr lang="en-US" altLang="ko-KR" sz="2000" dirty="0"/>
+              <a:t>–&gt; mute, </a:t>
+            </a:r>
+            <a:r>
+              <a:rPr lang="ko-KR" altLang="en-US" sz="2000" dirty="0"/>
+              <a:t>소리 세부 설정</a:t>
+            </a:r>
+            <a:br>
+              <a:rPr lang="en-US" altLang="ko-KR" sz="2000" dirty="0"/>
+            </a:br>
+            <a:br>
+              <a:rPr lang="en-US" altLang="ko-KR" sz="2000" dirty="0"/>
+            </a:br>
+            <a:br>
+              <a:rPr lang="en-US" altLang="ko-KR" sz="2000" dirty="0"/>
+            </a:br>
+            <a:br>
+              <a:rPr lang="en-US" altLang="ko-KR" sz="2000" dirty="0"/>
+            </a:br>
+            <a:endParaRPr lang="ko-KR" altLang="en-US" sz="2000" dirty="0"/>
+          </a:p>
+        </p:txBody>
+      </p:sp>
+      <p:sp>
+        <p:nvSpPr>
+          <p:cNvPr id="4" name="제목 1">
+            <a:extLst>
+              <a:ext uri="{FF2B5EF4-FFF2-40B4-BE49-F238E27FC236}">
+                <a16:creationId xmlns:a16="http://schemas.microsoft.com/office/drawing/2014/main" id="{8E2E0E5E-C494-5952-9A4E-98B51E4DFDCD}"/>
+              </a:ext>
+            </a:extLst>
+          </p:cNvPr>
+          <p:cNvSpPr txBox="1">
+            <a:spLocks/>
+          </p:cNvSpPr>
+          <p:nvPr/>
+        </p:nvSpPr>
+        <p:spPr>
+          <a:xfrm>
+            <a:off x="981338" y="528638"/>
+            <a:ext cx="8712995" cy="859366"/>
+          </a:xfrm>
+          <a:prstGeom prst="rect">
+            <a:avLst/>
+          </a:prstGeom>
+        </p:spPr>
+        <p:txBody>
+          <a:bodyPr vert="horz" wrap="square" lIns="0" tIns="0" rIns="0" bIns="0" rtlCol="0" anchor="t" anchorCtr="0">
+            <a:noAutofit/>
+          </a:bodyPr>
+          <a:lstStyle>
+            <a:lvl1pPr algn="l" defTabSz="914400" rtl="0" eaLnBrk="1" latinLnBrk="0" hangingPunct="1">
+              <a:lnSpc>
+                <a:spcPct val="110000"/>
+              </a:lnSpc>
+              <a:spcBef>
+                <a:spcPct val="0"/>
+              </a:spcBef>
+              <a:buNone/>
+              <a:defRPr lang="en-US" sz="4800" kern="1200" spc="160" dirty="0">
+                <a:solidFill>
+                  <a:schemeClr val="tx1"/>
+                </a:solidFill>
+                <a:latin typeface="+mj-lt"/>
+                <a:ea typeface="+mj-ea"/>
+                <a:cs typeface="+mj-cs"/>
+              </a:defRPr>
+            </a:lvl1pPr>
+          </a:lstStyle>
+          <a:p>
+            <a:r>
+              <a:rPr lang="ko-KR" altLang="en-US" sz="5000" dirty="0"/>
+              <a:t>게임 옵션</a:t>
+            </a:r>
+          </a:p>
+        </p:txBody>
+      </p:sp>
+    </p:spTree>
+    <p:extLst>
+      <p:ext uri="{BB962C8B-B14F-4D97-AF65-F5344CB8AC3E}">
+        <p14:creationId xmlns:p14="http://schemas.microsoft.com/office/powerpoint/2010/main" val="1187054558"/>
       </p:ext>
     </p:extLst>
   </p:cSld>
@@ -9772,7 +10384,7 @@
         </p:nvSpPr>
         <p:spPr>
           <a:xfrm>
-            <a:off x="1091720" y="4199038"/>
+            <a:off x="1117601" y="4202974"/>
             <a:ext cx="11074399" cy="553998"/>
           </a:xfrm>
           <a:prstGeom prst="rect">
@@ -9787,8 +10399,12 @@
           <a:lstStyle/>
           <a:p>
             <a:r>
+              <a:rPr lang="ko-KR" altLang="en-US" sz="3000" dirty="0"/>
+              <a:t>게임 세부 항목 </a:t>
+            </a:r>
+            <a:r>
               <a:rPr lang="en-US" altLang="ko-KR" sz="3000" dirty="0"/>
-              <a:t>.	</a:t>
+              <a:t>	</a:t>
             </a:r>
             <a:endParaRPr lang="ko-KR" altLang="en-US" sz="3000" dirty="0"/>
           </a:p>
@@ -9862,12 +10478,9 @@
             </a:r>
             <a:r>
               <a:rPr lang="ko-KR" altLang="en-US" sz="3000" dirty="0" err="1"/>
-              <a:t>횡스크롤</a:t>
-            </a:r>
-            <a:r>
-              <a:rPr lang="ko-KR" altLang="en-US" sz="3000" dirty="0"/>
-              <a:t> 액션 어드벤처</a:t>
-            </a:r>
+              <a:t>메트로배니아</a:t>
+            </a:r>
+            <a:endParaRPr lang="ko-KR" altLang="en-US" sz="3000" dirty="0"/>
           </a:p>
         </p:txBody>
       </p:sp>
@@ -10083,7 +10696,7 @@
             </a:r>
             <a:r>
               <a:rPr lang="en-US" altLang="ko-KR" sz="3000" dirty="0"/>
-              <a:t>:		</a:t>
+              <a:t>:	 	</a:t>
             </a:r>
             <a:endParaRPr lang="ko-KR" altLang="en-US" sz="3000" dirty="0"/>
           </a:p>
@@ -10276,29 +10889,8 @@
             </a:pPr>
             <a:r>
               <a:rPr lang="ko-KR" altLang="en-US" sz="3000" dirty="0"/>
-              <a:t>게임에는 낮시간과 밤이 존재 </a:t>
-            </a:r>
-            <a:r>
-              <a:rPr lang="en-US" altLang="ko-KR" sz="3000" dirty="0"/>
-              <a:t>(</a:t>
-            </a:r>
-            <a:r>
-              <a:rPr lang="ko-KR" altLang="en-US" sz="3000" dirty="0"/>
-              <a:t>통상적인 </a:t>
-            </a:r>
-            <a:r>
-              <a:rPr lang="ko-KR" altLang="en-US" sz="3000" dirty="0" err="1"/>
-              <a:t>낮밤과</a:t>
-            </a:r>
-            <a:r>
-              <a:rPr lang="ko-KR" altLang="en-US" sz="3000" dirty="0"/>
-              <a:t> 반대</a:t>
-            </a:r>
-            <a:r>
-              <a:rPr lang="en-US" altLang="ko-KR" sz="3000" dirty="0"/>
-              <a:t>) </a:t>
-            </a:r>
-            <a:endParaRPr lang="ko-KR" altLang="en-US" sz="3000" dirty="0"/>
+              <a:t>게임에는 시간이 존재</a:t>
+            </a:r>
           </a:p>
         </p:txBody>
       </p:sp>
@@ -10318,7 +10910,7 @@
         </p:nvSpPr>
         <p:spPr>
           <a:xfrm>
-            <a:off x="550200" y="2317909"/>
+            <a:off x="550200" y="2415091"/>
             <a:ext cx="11006800" cy="525993"/>
           </a:xfrm>
           <a:prstGeom prst="rect">
@@ -10355,8 +10947,29 @@
             </a:pPr>
             <a:r>
               <a:rPr lang="ko-KR" altLang="en-US" sz="3000" dirty="0"/>
-              <a:t>해질녘에는 마을에서의 스토리를 밤에는 던전을 탐험</a:t>
-            </a:r>
+              <a:t>플레이어와 상반되는 </a:t>
+            </a:r>
+            <a:r>
+              <a:rPr lang="en-US" altLang="ko-KR" sz="3000" dirty="0"/>
+              <a:t>(</a:t>
+            </a:r>
+            <a:r>
+              <a:rPr lang="ko-KR" altLang="en-US" sz="3000" dirty="0"/>
+              <a:t>태양</a:t>
+            </a:r>
+            <a:r>
+              <a:rPr lang="en-US" altLang="ko-KR" sz="3000" dirty="0"/>
+              <a:t>) </a:t>
+            </a:r>
+            <a:r>
+              <a:rPr lang="ko-KR" altLang="en-US" sz="3000" dirty="0"/>
+              <a:t>시간은 플레이 </a:t>
+            </a:r>
+            <a:r>
+              <a:rPr lang="en-US" altLang="ko-KR" sz="3000" dirty="0"/>
+              <a:t>x</a:t>
+            </a:r>
+            <a:endParaRPr lang="ko-KR" altLang="en-US" sz="3000" dirty="0"/>
           </a:p>
         </p:txBody>
       </p:sp>
@@ -10376,7 +10989,7 @@
         </p:nvSpPr>
         <p:spPr>
           <a:xfrm>
-            <a:off x="550200" y="2928407"/>
+            <a:off x="550200" y="3086149"/>
             <a:ext cx="11006800" cy="525993"/>
           </a:xfrm>
           <a:prstGeom prst="rect">
@@ -10412,8 +11025,12 @@
               <a:buChar char="•"/>
             </a:pPr>
             <a:r>
+              <a:rPr lang="ko-KR" altLang="en-US" sz="3000" dirty="0" err="1"/>
+              <a:t>맵은</a:t>
+            </a:r>
+            <a:r>
               <a:rPr lang="ko-KR" altLang="en-US" sz="3000" dirty="0"/>
-              <a:t>던전은 여러 갈래의 선형적인 맵</a:t>
+              <a:t> 여러 갈래의 길을 가지고 있다</a:t>
             </a:r>
           </a:p>
         </p:txBody>
@@ -10434,7 +11051,7 @@
         </p:nvSpPr>
         <p:spPr>
           <a:xfrm>
-            <a:off x="550200" y="3538905"/>
+            <a:off x="550200" y="3830187"/>
             <a:ext cx="11006800" cy="525993"/>
           </a:xfrm>
           <a:prstGeom prst="rect">
@@ -10494,10 +11111,10 @@
       </p:sp>
       <p:sp>
         <p:nvSpPr>
-          <p:cNvPr id="12" name="제목 1">
-            <a:extLst>
-              <a:ext uri="{FF2B5EF4-FFF2-40B4-BE49-F238E27FC236}">
-                <a16:creationId xmlns:a16="http://schemas.microsoft.com/office/drawing/2014/main" id="{3E136E6F-8661-AEA1-07ED-12CE89E29726}"/>
+          <p:cNvPr id="13" name="제목 1">
+            <a:extLst>
+              <a:ext uri="{FF2B5EF4-FFF2-40B4-BE49-F238E27FC236}">
+                <a16:creationId xmlns:a16="http://schemas.microsoft.com/office/drawing/2014/main" id="{3216675A-3492-4F08-EB44-AFB01B7BEFBB}"/>
               </a:ext>
             </a:extLst>
           </p:cNvPr>
@@ -10508,7 +11125,7 @@
         </p:nvSpPr>
         <p:spPr>
           <a:xfrm>
-            <a:off x="550200" y="4753453"/>
+            <a:off x="550200" y="4678282"/>
             <a:ext cx="11006800" cy="525993"/>
           </a:xfrm>
           <a:prstGeom prst="rect">
@@ -10545,65 +11162,7 @@
             </a:pPr>
             <a:r>
               <a:rPr lang="ko-KR" altLang="en-US" sz="3000" dirty="0"/>
-              <a:t>스테이지의 보스를 잡으면 다음 던전 해금</a:t>
-            </a:r>
-          </a:p>
-        </p:txBody>
-      </p:sp>
-      <p:sp>
-        <p:nvSpPr>
-          <p:cNvPr id="13" name="제목 1">
-            <a:extLst>
-              <a:ext uri="{FF2B5EF4-FFF2-40B4-BE49-F238E27FC236}">
-                <a16:creationId xmlns:a16="http://schemas.microsoft.com/office/drawing/2014/main" id="{3216675A-3492-4F08-EB44-AFB01B7BEFBB}"/>
-              </a:ext>
-            </a:extLst>
-          </p:cNvPr>
-          <p:cNvSpPr txBox="1">
-            <a:spLocks/>
-          </p:cNvSpPr>
-          <p:nvPr/>
-        </p:nvSpPr>
-        <p:spPr>
-          <a:xfrm>
-            <a:off x="550200" y="4146179"/>
-            <a:ext cx="11006800" cy="525993"/>
-          </a:xfrm>
-          <a:prstGeom prst="rect">
-            <a:avLst/>
-          </a:prstGeom>
-        </p:spPr>
-        <p:txBody>
-          <a:bodyPr vert="horz" wrap="square" lIns="0" tIns="0" rIns="0" bIns="0" rtlCol="0" anchor="t" anchorCtr="0">
-            <a:normAutofit/>
-          </a:bodyPr>
-          <a:lstStyle>
-            <a:lvl1pPr algn="l" defTabSz="914400" rtl="0" eaLnBrk="1" latinLnBrk="0" hangingPunct="1">
-              <a:lnSpc>
-                <a:spcPct val="110000"/>
-              </a:lnSpc>
-              <a:spcBef>
-                <a:spcPct val="0"/>
-              </a:spcBef>
-              <a:buNone/>
-              <a:defRPr lang="en-US" sz="4800" kern="1200" spc="160" dirty="0">
-                <a:solidFill>
-                  <a:schemeClr val="tx1"/>
-                </a:solidFill>
-                <a:latin typeface="+mj-lt"/>
-                <a:ea typeface="+mj-ea"/>
-                <a:cs typeface="+mj-cs"/>
-              </a:defRPr>
-            </a:lvl1pPr>
-          </a:lstStyle>
-          <a:p>
-            <a:pPr marL="457200" indent="-457200">
-              <a:buFont typeface="Arial" panose="020B0604020202020204" pitchFamily="34" charset="0"/>
-              <a:buChar char="•"/>
-            </a:pPr>
-            <a:r>
-              <a:rPr lang="ko-KR" altLang="en-US" sz="3000" dirty="0"/>
-              <a:t>시간이 경과 할 시 마을로 강제 귀환</a:t>
+              <a:t>시간이 경과하여 일출 시 마을로 강제 귀환</a:t>
             </a:r>
           </a:p>
         </p:txBody>
@@ -10880,6 +11439,10 @@
               <a:buFont typeface="Arial" panose="020B0604020202020204" pitchFamily="34" charset="0"/>
               <a:buChar char="•"/>
             </a:pPr>
+            <a:r>
+              <a:rPr lang="ko-KR" altLang="en-US" sz="3000" dirty="0" err="1"/>
+              <a:t>ㄴ</a:t>
+            </a:r>
             <a:endParaRPr lang="ko-KR" altLang="en-US" sz="3000" dirty="0"/>
           </a:p>
         </p:txBody>
@@ -11154,8 +11717,8 @@
         </p:nvSpPr>
         <p:spPr>
           <a:xfrm>
-            <a:off x="503901" y="1884288"/>
-            <a:ext cx="11006800" cy="2924306"/>
+            <a:off x="503901" y="1884287"/>
+            <a:ext cx="11006800" cy="2933039"/>
           </a:xfrm>
           <a:prstGeom prst="rect">
             <a:avLst/>
@@ -11369,8 +11932,8 @@
         </p:nvSpPr>
         <p:spPr>
           <a:xfrm>
-            <a:off x="8064406" y="6304177"/>
-            <a:ext cx="632267" cy="369332"/>
+            <a:off x="8056756" y="6304177"/>
+            <a:ext cx="639917" cy="369332"/>
           </a:xfrm>
           <a:prstGeom prst="rect">
             <a:avLst/>
@@ -11451,7 +12014,7 @@
         </p:spPr>
         <p:txBody>
           <a:bodyPr>
-            <a:normAutofit/>
+            <a:normAutofit fontScale="90000"/>
           </a:bodyPr>
           <a:lstStyle/>
           <a:p>
@@ -11465,49 +12028,72 @@
             </a:r>
             <a:r>
               <a:rPr lang="ko-KR" altLang="en-US" sz="2000" dirty="0"/>
-              <a:t> 자신의 기억과 힘을 되찾기 위해 떠나는 모험</a:t>
+              <a:t> 자신의 기억</a:t>
+            </a:r>
+            <a:r>
+              <a:rPr lang="en-US" altLang="ko-KR" sz="2000" dirty="0"/>
+              <a:t>(</a:t>
+            </a:r>
+            <a:r>
+              <a:rPr lang="ko-KR" altLang="en-US" sz="2000" dirty="0"/>
+              <a:t>힘</a:t>
+            </a:r>
+            <a:r>
+              <a:rPr lang="en-US" altLang="ko-KR" sz="2000" dirty="0"/>
+              <a:t>)</a:t>
+            </a:r>
+            <a:r>
+              <a:rPr lang="ko-KR" altLang="en-US" sz="2000" dirty="0"/>
+              <a:t>을 되찾기 위해 떠나는 모험</a:t>
             </a:r>
             <a:br>
               <a:rPr lang="en-US" altLang="ko-KR" sz="2000" dirty="0"/>
             </a:br>
             <a:r>
+              <a:rPr lang="ko-KR" altLang="en-US" sz="2000" dirty="0" err="1"/>
+              <a:t>닉스가</a:t>
+            </a:r>
+            <a:r>
+              <a:rPr lang="ko-KR" altLang="en-US" sz="2000" dirty="0"/>
+              <a:t> 힘을 잃어 버리면서 세상에는 어둠이 깔리게 되었고 </a:t>
+            </a:r>
+            <a:br>
+              <a:rPr lang="en-US" altLang="ko-KR" sz="2000" dirty="0"/>
+            </a:br>
+            <a:r>
+              <a:rPr lang="ko-KR" altLang="en-US" sz="2000" dirty="0" err="1"/>
+              <a:t>닉스가</a:t>
+            </a:r>
+            <a:r>
+              <a:rPr lang="ko-KR" altLang="en-US" sz="2000" dirty="0"/>
+              <a:t> 어둠을 회수 할 때마다 세상은 밝아지게 된다</a:t>
+            </a:r>
+            <a:r>
+              <a:rPr lang="en-US" altLang="ko-KR" sz="2000" dirty="0"/>
+              <a:t>.</a:t>
+            </a:r>
+            <a:br>
+              <a:rPr lang="en-US" altLang="ko-KR" sz="2000" dirty="0"/>
+            </a:br>
+            <a:r>
+              <a:rPr lang="ko-KR" altLang="en-US" sz="2000" dirty="0"/>
+              <a:t>하지만 힘을 되찾을수록 자신의 주변에 있는 인물들은 불행해지게 되어</a:t>
+            </a:r>
+            <a:r>
               <a:rPr lang="en-US" altLang="ko-KR" sz="2000" dirty="0"/>
               <a:t>(</a:t>
             </a:r>
             <a:r>
               <a:rPr lang="ko-KR" altLang="en-US" sz="2000" dirty="0"/>
-              <a:t>힘의 복원은 스킬 시스템을 넣어서 구현을 생각 중 </a:t>
-            </a:r>
-            <a:r>
-              <a:rPr lang="en-US" altLang="ko-KR" sz="2000" dirty="0"/>
-              <a:t>ex</a:t>
+              <a:t>근처만 가도 불행하듯이</a:t>
+            </a:r>
+            <a:r>
+              <a:rPr lang="en-US" altLang="ko-KR" sz="2000" dirty="0"/>
+              <a:t>?)</a:t>
             </a:r>
             <a:r>
               <a:rPr lang="ko-KR" altLang="en-US" sz="2000" dirty="0"/>
-              <a:t>오리의 스킬 시스템</a:t>
-            </a:r>
-            <a:r>
-              <a:rPr lang="en-US" altLang="ko-KR" sz="2000" dirty="0"/>
-              <a:t>)</a:t>
-            </a:r>
-            <a:br>
-              <a:rPr lang="en-US" altLang="ko-KR" sz="2000" dirty="0"/>
-            </a:br>
-            <a:r>
-              <a:rPr lang="ko-KR" altLang="en-US" sz="2000" dirty="0"/>
-              <a:t>하지만 힘을 되찾을수록 자신이 힘을 되찾게 도와준 사람들</a:t>
-            </a:r>
-            <a:r>
-              <a:rPr lang="en-US" altLang="ko-KR" sz="2000" dirty="0"/>
-              <a:t>(NPC)</a:t>
-            </a:r>
-            <a:r>
-              <a:rPr lang="ko-KR" altLang="en-US" sz="2000" dirty="0"/>
-              <a:t>들이 불행해지게 된다</a:t>
-            </a:r>
-            <a:r>
-              <a:rPr lang="en-US" altLang="ko-KR" sz="2000" dirty="0"/>
-              <a:t>.</a:t>
+              <a:t> </a:t>
             </a:r>
             <a:br>
               <a:rPr lang="en-US" altLang="ko-KR" sz="2000" dirty="0"/>
@@ -11524,6 +12110,31 @@
               <a:rPr lang="en-US" altLang="ko-KR" sz="2000" dirty="0"/>
               <a:t>) </a:t>
             </a:r>
+            <a:br>
+              <a:rPr lang="en-US" altLang="ko-KR" sz="2000" dirty="0"/>
+            </a:br>
+            <a:br>
+              <a:rPr lang="en-US" altLang="ko-KR" sz="2000" dirty="0"/>
+            </a:br>
+            <a:r>
+              <a:rPr lang="ko-KR" altLang="en-US" sz="2000" dirty="0"/>
+              <a:t>힘을 되찾게 될 수록 갈등하는 걸 그리고 </a:t>
+            </a:r>
+            <a:r>
+              <a:rPr lang="ko-KR" altLang="en-US" sz="2000" dirty="0" err="1"/>
+              <a:t>싶슴다</a:t>
+            </a:r>
+            <a:r>
+              <a:rPr lang="en-US" altLang="ko-KR" sz="2000" dirty="0"/>
+              <a:t>.. </a:t>
+            </a:r>
+            <a:r>
+              <a:rPr lang="ko-KR" altLang="en-US" sz="2000" dirty="0" err="1"/>
+              <a:t>생각중</a:t>
+            </a:r>
+            <a:br>
+              <a:rPr lang="en-US" altLang="ko-KR" sz="2000" dirty="0"/>
+            </a:br>
             <a:br>
               <a:rPr lang="en-US" altLang="ko-KR" sz="2000" dirty="0"/>
             </a:br>
@@ -11614,6 +12225,51 @@
               <a:rPr lang="ko-KR" altLang="en-US" sz="5000" dirty="0"/>
               <a:t>스토리</a:t>
             </a:r>
+            <a:r>
+              <a:rPr lang="en-US" altLang="ko-KR" sz="5000" dirty="0"/>
+              <a:t>(</a:t>
+            </a:r>
+            <a:r>
+              <a:rPr lang="ko-KR" altLang="en-US" sz="5000" dirty="0"/>
+              <a:t>세계관</a:t>
+            </a:r>
+            <a:r>
+              <a:rPr lang="en-US" altLang="ko-KR" sz="5000" dirty="0"/>
+              <a:t>)</a:t>
+            </a:r>
+            <a:endParaRPr lang="ko-KR" altLang="en-US" sz="5000" dirty="0"/>
+          </a:p>
+        </p:txBody>
+      </p:sp>
+      <p:sp>
+        <p:nvSpPr>
+          <p:cNvPr id="3" name="TextBox 2">
+            <a:extLst>
+              <a:ext uri="{FF2B5EF4-FFF2-40B4-BE49-F238E27FC236}">
+                <a16:creationId xmlns:a16="http://schemas.microsoft.com/office/drawing/2014/main" id="{6627D5FA-7165-9CE5-0975-2A69C2C0F0CB}"/>
+              </a:ext>
+            </a:extLst>
+          </p:cNvPr>
+          <p:cNvSpPr txBox="1"/>
+          <p:nvPr/>
+        </p:nvSpPr>
+        <p:spPr>
+          <a:xfrm>
+            <a:off x="3267307" y="997322"/>
+            <a:ext cx="5146288" cy="369332"/>
+          </a:xfrm>
+          <a:prstGeom prst="rect">
+            <a:avLst/>
+          </a:prstGeom>
+          <a:noFill/>
+        </p:spPr>
+        <p:txBody>
+          <a:bodyPr wrap="square" rtlCol="0">
+            <a:spAutoFit/>
+          </a:bodyPr>
+          <a:lstStyle/>
+          <a:p>
+            <a:endParaRPr lang="ko-KR" altLang="en-US" dirty="0"/>
           </a:p>
         </p:txBody>
       </p:sp>
@@ -11676,6 +12332,65 @@
           <a:lstStyle/>
           <a:p>
             <a:r>
+              <a:rPr lang="ko-KR" altLang="en-US" sz="2000" dirty="0"/>
+              <a:t>크게 </a:t>
+            </a:r>
+            <a:r>
+              <a:rPr lang="en-US" altLang="ko-KR" sz="2000" dirty="0"/>
+              <a:t>3</a:t>
+            </a:r>
+            <a:r>
+              <a:rPr lang="ko-KR" altLang="en-US" sz="2000" dirty="0"/>
+              <a:t>가지 형태 </a:t>
+            </a:r>
+            <a:r>
+              <a:rPr lang="en-US" altLang="ko-KR" sz="2000" dirty="0"/>
+              <a:t>1. </a:t>
+            </a:r>
+            <a:r>
+              <a:rPr lang="ko-KR" altLang="en-US" sz="2000" dirty="0"/>
+              <a:t>던전</a:t>
+            </a:r>
+            <a:r>
+              <a:rPr lang="en-US" altLang="ko-KR" sz="2000" dirty="0"/>
+              <a:t>(</a:t>
+            </a:r>
+            <a:r>
+              <a:rPr lang="ko-KR" altLang="en-US" sz="2000" dirty="0"/>
+              <a:t>맵 자동 생성</a:t>
+            </a:r>
+            <a:r>
+              <a:rPr lang="en-US" altLang="ko-KR" sz="2000" dirty="0"/>
+              <a:t>) 2. </a:t>
+            </a:r>
+            <a:r>
+              <a:rPr lang="ko-KR" altLang="en-US" sz="2000" dirty="0"/>
+              <a:t>마을 </a:t>
+            </a:r>
+            <a:r>
+              <a:rPr lang="en-US" altLang="ko-KR" sz="2000" dirty="0"/>
+              <a:t>3. </a:t>
+            </a:r>
+            <a:r>
+              <a:rPr lang="ko-KR" altLang="en-US" sz="2000" dirty="0"/>
+              <a:t>스토리 라인 맵</a:t>
+            </a:r>
+            <a:r>
+              <a:rPr lang="en-US" altLang="ko-KR" sz="2000" dirty="0"/>
+              <a:t>(</a:t>
+            </a:r>
+            <a:r>
+              <a:rPr lang="ko-KR" altLang="en-US" sz="2000" dirty="0"/>
+              <a:t>고정형</a:t>
+            </a:r>
+            <a:r>
+              <a:rPr lang="en-US" altLang="ko-KR" sz="2000" dirty="0"/>
+              <a:t>)</a:t>
+            </a:r>
+            <a:br>
+              <a:rPr lang="en-US" altLang="ko-KR" sz="2000" dirty="0"/>
+            </a:br>
+            <a:r>
               <a:rPr lang="ko-KR" altLang="en-US" sz="2000" dirty="0" err="1"/>
               <a:t>맵은</a:t>
             </a:r>
@@ -11702,6 +12417,13 @@
             <a:r>
               <a:rPr lang="ko-KR" altLang="en-US" sz="2000" dirty="0"/>
               <a:t> 적용</a:t>
+            </a:r>
+            <a:br>
+              <a:rPr lang="en-US" altLang="ko-KR" sz="2000" dirty="0"/>
+            </a:br>
+            <a:r>
+              <a:rPr lang="ko-KR" altLang="en-US" sz="2000" dirty="0"/>
+              <a:t>분위기는 어둡게</a:t>
             </a:r>
           </a:p>
         </p:txBody>

--- a/기획서.pptx
+++ b/기획서.pptx
@@ -8,21 +8,25 @@
     <p:sldId id="256" r:id="rId2"/>
     <p:sldId id="262" r:id="rId3"/>
     <p:sldId id="257" r:id="rId4"/>
-    <p:sldId id="259" r:id="rId5"/>
-    <p:sldId id="260" r:id="rId6"/>
-    <p:sldId id="261" r:id="rId7"/>
-    <p:sldId id="271" r:id="rId8"/>
-    <p:sldId id="266" r:id="rId9"/>
-    <p:sldId id="267" r:id="rId10"/>
-    <p:sldId id="265" r:id="rId11"/>
-    <p:sldId id="270" r:id="rId12"/>
-    <p:sldId id="269" r:id="rId13"/>
-    <p:sldId id="263" r:id="rId14"/>
-    <p:sldId id="264" r:id="rId15"/>
-    <p:sldId id="272" r:id="rId16"/>
-    <p:sldId id="273" r:id="rId17"/>
-    <p:sldId id="274" r:id="rId18"/>
-    <p:sldId id="275" r:id="rId19"/>
+    <p:sldId id="276" r:id="rId5"/>
+    <p:sldId id="259" r:id="rId6"/>
+    <p:sldId id="260" r:id="rId7"/>
+    <p:sldId id="261" r:id="rId8"/>
+    <p:sldId id="271" r:id="rId9"/>
+    <p:sldId id="266" r:id="rId10"/>
+    <p:sldId id="267" r:id="rId11"/>
+    <p:sldId id="278" r:id="rId12"/>
+    <p:sldId id="265" r:id="rId13"/>
+    <p:sldId id="270" r:id="rId14"/>
+    <p:sldId id="269" r:id="rId15"/>
+    <p:sldId id="263" r:id="rId16"/>
+    <p:sldId id="264" r:id="rId17"/>
+    <p:sldId id="273" r:id="rId18"/>
+    <p:sldId id="274" r:id="rId19"/>
+    <p:sldId id="275" r:id="rId20"/>
+    <p:sldId id="272" r:id="rId21"/>
+    <p:sldId id="277" r:id="rId22"/>
+    <p:sldId id="279" r:id="rId23"/>
   </p:sldIdLst>
   <p:sldSz cx="12192000" cy="6858000"/>
   <p:notesSz cx="6858000" cy="9144000"/>
@@ -122,6 +126,48 @@
     </a:lvl9pPr>
   </p:defaultTextStyle>
   <p:extLst>
+    <p:ext uri="{521415D9-36F7-43E2-AB2F-B90AF26B5E84}">
+      <p14:sectionLst xmlns:p14="http://schemas.microsoft.com/office/powerpoint/2010/main">
+        <p14:section name="계획" id="{5B04BB27-78BB-4748-8DB3-07A68CE3045C}">
+          <p14:sldIdLst>
+            <p14:sldId id="256"/>
+            <p14:sldId id="262"/>
+            <p14:sldId id="257"/>
+            <p14:sldId id="276"/>
+          </p14:sldIdLst>
+        </p14:section>
+        <p14:section name="컨셉" id="{9F083F6D-D844-4D8F-8D71-578104ED846D}">
+          <p14:sldIdLst>
+            <p14:sldId id="259"/>
+            <p14:sldId id="260"/>
+            <p14:sldId id="261"/>
+          </p14:sldIdLst>
+        </p14:section>
+        <p14:section name="상세 설명" id="{80A2F9F3-9CC3-4C5D-9258-1CC5E953A360}">
+          <p14:sldIdLst>
+            <p14:sldId id="271"/>
+            <p14:sldId id="266"/>
+            <p14:sldId id="267"/>
+            <p14:sldId id="278"/>
+            <p14:sldId id="265"/>
+            <p14:sldId id="270"/>
+            <p14:sldId id="269"/>
+            <p14:sldId id="263"/>
+            <p14:sldId id="264"/>
+            <p14:sldId id="273"/>
+            <p14:sldId id="274"/>
+            <p14:sldId id="275"/>
+          </p14:sldIdLst>
+        </p14:section>
+        <p14:section name="캐릭터 성장" id="{B3B2D8AA-4269-4FEC-8036-17B0982504DA}">
+          <p14:sldIdLst>
+            <p14:sldId id="272"/>
+            <p14:sldId id="277"/>
+            <p14:sldId id="279"/>
+          </p14:sldIdLst>
+        </p14:section>
+      </p14:sectionLst>
+    </p:ext>
     <p:ext uri="{EFAFB233-063F-42B5-8137-9DF3F51BA10A}">
       <p15:sldGuideLst xmlns:p15="http://schemas.microsoft.com/office/powerpoint/2012/main"/>
     </p:ext>
@@ -294,7 +340,7 @@
           <a:p>
             <a:fld id="{72EA7947-E287-4738-8C82-07CE4F01EF03}" type="datetime2">
               <a:rPr lang="en-US" smtClean="0"/>
-              <a:t>Wednesday, May 24, 2023</a:t>
+              <a:t>Wednesday, May 31, 2023</a:t>
             </a:fld>
             <a:endParaRPr lang="en-US" dirty="0"/>
           </a:p>
@@ -1330,7 +1376,7 @@
           <a:p>
             <a:fld id="{EE2EBD84-71F4-4271-8C46-0D47C0A9B12E}" type="datetime2">
               <a:rPr lang="en-US" smtClean="0"/>
-              <a:t>Wednesday, May 24, 2023</a:t>
+              <a:t>Wednesday, May 31, 2023</a:t>
             </a:fld>
             <a:endParaRPr lang="en-US"/>
           </a:p>
@@ -1541,7 +1587,7 @@
           <a:p>
             <a:fld id="{ABAE0CE1-F450-4107-B2CB-17B18F8A3F4A}" type="datetime2">
               <a:rPr lang="en-US" smtClean="0"/>
-              <a:t>Wednesday, May 24, 2023</a:t>
+              <a:t>Wednesday, May 31, 2023</a:t>
             </a:fld>
             <a:endParaRPr lang="en-US"/>
           </a:p>
@@ -2206,7 +2252,7 @@
           <a:p>
             <a:fld id="{6FE8C025-CD7A-4966-867E-81CF82B15267}" type="datetime2">
               <a:rPr lang="en-US" smtClean="0"/>
-              <a:t>Wednesday, May 24, 2023</a:t>
+              <a:t>Wednesday, May 31, 2023</a:t>
             </a:fld>
             <a:endParaRPr lang="en-US"/>
           </a:p>
@@ -2826,7 +2872,7 @@
           <a:p>
             <a:fld id="{FE809929-0719-4517-94D6-FDF7F99E70F6}" type="datetime2">
               <a:rPr lang="en-US" smtClean="0"/>
-              <a:t>Wednesday, May 24, 2023</a:t>
+              <a:t>Wednesday, May 31, 2023</a:t>
             </a:fld>
             <a:endParaRPr lang="en-US"/>
           </a:p>
@@ -3944,7 +3990,7 @@
           <a:p>
             <a:fld id="{20E95673-5512-4AAA-9AEB-E00C61EC65D5}" type="datetime2">
               <a:rPr lang="en-US" smtClean="0"/>
-              <a:t>Wednesday, May 24, 2023</a:t>
+              <a:t>Wednesday, May 31, 2023</a:t>
             </a:fld>
             <a:endParaRPr lang="en-US"/>
           </a:p>
@@ -4491,7 +4537,7 @@
           <a:p>
             <a:fld id="{C13138FA-2E87-4873-8BBA-13E447C9A99A}" type="datetime2">
               <a:rPr lang="en-US" smtClean="0"/>
-              <a:t>Wednesday, May 24, 2023</a:t>
+              <a:t>Wednesday, May 31, 2023</a:t>
             </a:fld>
             <a:endParaRPr lang="en-US"/>
           </a:p>
@@ -4652,7 +4698,7 @@
           <a:p>
             <a:fld id="{D75BB40A-97BD-4BFB-B639-0BFF95FDE8B7}" type="datetime2">
               <a:rPr lang="en-US" smtClean="0"/>
-              <a:t>Wednesday, May 24, 2023</a:t>
+              <a:t>Wednesday, May 31, 2023</a:t>
             </a:fld>
             <a:endParaRPr lang="en-US"/>
           </a:p>
@@ -5687,7 +5733,7 @@
           <a:p>
             <a:fld id="{9EE9E0E3-ECF6-4CFE-8698-AEFEBCECC3C0}" type="datetime2">
               <a:rPr lang="en-US" smtClean="0"/>
-              <a:t>Wednesday, May 24, 2023</a:t>
+              <a:t>Wednesday, May 31, 2023</a:t>
             </a:fld>
             <a:endParaRPr lang="en-US"/>
           </a:p>
@@ -6333,7 +6379,7 @@
           <a:p>
             <a:fld id="{251462FC-960E-4740-921F-B36862979F21}" type="datetime2">
               <a:rPr lang="en-US" smtClean="0"/>
-              <a:t>Wednesday, May 24, 2023</a:t>
+              <a:t>Wednesday, May 31, 2023</a:t>
             </a:fld>
             <a:endParaRPr lang="en-US"/>
           </a:p>
@@ -7097,7 +7143,7 @@
           <a:p>
             <a:fld id="{E50BC9E2-CB44-4C05-9BB5-496C18A241E0}" type="datetime2">
               <a:rPr lang="en-US" smtClean="0"/>
-              <a:t>Wednesday, May 24, 2023</a:t>
+              <a:t>Wednesday, May 31, 2023</a:t>
             </a:fld>
             <a:endParaRPr lang="en-US"/>
           </a:p>
@@ -7344,7 +7390,7 @@
           <a:p>
             <a:fld id="{246CB39B-5F4C-4A7E-9BE3-AAFD45576D16}" type="datetime2">
               <a:rPr lang="en-US" smtClean="0"/>
-              <a:t>Wednesday, May 24, 2023</a:t>
+              <a:t>Wednesday, May 31, 2023</a:t>
             </a:fld>
             <a:endParaRPr lang="en-US" dirty="0"/>
           </a:p>
@@ -8139,7 +8185,7 @@
         <p:spPr>
           <a:xfrm>
             <a:off x="1226871" y="1710266"/>
-            <a:ext cx="10463559" cy="3124201"/>
+            <a:ext cx="10483324" cy="3124201"/>
           </a:xfrm>
         </p:spPr>
         <p:txBody>
@@ -8149,38 +8195,60 @@
           <a:lstStyle/>
           <a:p>
             <a:r>
-              <a:rPr lang="en-US" altLang="ko-KR" sz="2000" dirty="0"/>
-              <a:t>HP</a:t>
-            </a:r>
-            <a:r>
               <a:rPr lang="ko-KR" altLang="en-US" sz="2000" dirty="0"/>
-              <a:t> 존재 </a:t>
-            </a:r>
-            <a:br>
-              <a:rPr lang="en-US" altLang="ko-KR" sz="2000" dirty="0"/>
-            </a:br>
+              <a:t>크게 </a:t>
+            </a:r>
+            <a:r>
+              <a:rPr lang="en-US" altLang="ko-KR" sz="2000" dirty="0"/>
+              <a:t>3</a:t>
+            </a:r>
             <a:r>
               <a:rPr lang="ko-KR" altLang="en-US" sz="2000" dirty="0"/>
-              <a:t>스킬 트리 존재</a:t>
-            </a:r>
-            <a:br>
-              <a:rPr lang="en-US" altLang="ko-KR" sz="2000" dirty="0"/>
-            </a:br>
-            <a:r>
-              <a:rPr lang="ko-KR" altLang="en-US" sz="2000" dirty="0" err="1"/>
-              <a:t>사망시</a:t>
+              <a:t>가지 형태 </a:t>
+            </a:r>
+            <a:r>
+              <a:rPr lang="en-US" altLang="ko-KR" sz="2000" dirty="0"/>
+              <a:t>1. </a:t>
             </a:r>
             <a:r>
               <a:rPr lang="ko-KR" altLang="en-US" sz="2000" dirty="0"/>
-              <a:t> 최근 세이브</a:t>
-            </a:r>
-            <a:r>
-              <a:rPr lang="en-US" altLang="ko-KR" sz="2000" dirty="0"/>
-              <a:t> </a:t>
+              <a:t>던전</a:t>
+            </a:r>
+            <a:r>
+              <a:rPr lang="en-US" altLang="ko-KR" sz="2000" dirty="0"/>
+              <a:t>(</a:t>
             </a:r>
             <a:r>
               <a:rPr lang="ko-KR" altLang="en-US" sz="2000" dirty="0"/>
-              <a:t>데이터 위치에서 부활</a:t>
+              <a:t>맵 자동 생성</a:t>
+            </a:r>
+            <a:r>
+              <a:rPr lang="en-US" altLang="ko-KR" sz="2000" dirty="0"/>
+              <a:t>) 2. </a:t>
+            </a:r>
+            <a:r>
+              <a:rPr lang="ko-KR" altLang="en-US" sz="2000" dirty="0"/>
+              <a:t>마을 </a:t>
+            </a:r>
+            <a:r>
+              <a:rPr lang="en-US" altLang="ko-KR" sz="2000" dirty="0"/>
+              <a:t>3. </a:t>
+            </a:r>
+            <a:r>
+              <a:rPr lang="ko-KR" altLang="en-US" sz="2000" dirty="0"/>
+              <a:t>스토리 라인 맵</a:t>
+            </a:r>
+            <a:r>
+              <a:rPr lang="en-US" altLang="ko-KR" sz="2000" dirty="0"/>
+              <a:t>(</a:t>
+            </a:r>
+            <a:r>
+              <a:rPr lang="ko-KR" altLang="en-US" sz="2000" dirty="0"/>
+              <a:t>고정형</a:t>
+            </a:r>
+            <a:r>
+              <a:rPr lang="en-US" altLang="ko-KR" sz="2000" dirty="0"/>
+              <a:t>)</a:t>
             </a:r>
             <a:br>
               <a:rPr lang="en-US" altLang="ko-KR" sz="2000" dirty="0"/>
@@ -8189,22 +8257,36 @@
               <a:rPr lang="en-US" altLang="ko-KR" sz="2000" dirty="0"/>
             </a:br>
             <a:r>
-              <a:rPr lang="en-US" altLang="ko-KR" sz="2000" dirty="0"/>
-              <a:t>MP</a:t>
-            </a:r>
-            <a:r>
               <a:rPr lang="ko-KR" altLang="en-US" sz="2000" dirty="0"/>
-              <a:t> 생각 중</a:t>
+              <a:t>게임 장르인 </a:t>
+            </a:r>
+            <a:r>
+              <a:rPr lang="ko-KR" altLang="en-US" sz="2000" dirty="0" err="1"/>
+              <a:t>메트로베니아</a:t>
+            </a:r>
+            <a:r>
+              <a:rPr lang="ko-KR" altLang="en-US" sz="2000" dirty="0"/>
+              <a:t> 답게 탐험 요소를 주고 싶음</a:t>
             </a:r>
             <a:br>
               <a:rPr lang="en-US" altLang="ko-KR" sz="2000" dirty="0"/>
             </a:br>
-            <a:br>
-              <a:rPr lang="en-US" altLang="ko-KR" sz="2000" dirty="0"/>
-            </a:br>
-            <a:br>
-              <a:rPr lang="en-US" altLang="ko-KR" sz="2000" dirty="0"/>
-            </a:br>
+            <a:r>
+              <a:rPr lang="ko-KR" altLang="en-US" sz="2000" dirty="0"/>
+              <a:t>비선형적 구도</a:t>
+            </a:r>
+            <a:r>
+              <a:rPr lang="en-US" altLang="ko-KR" sz="2000" dirty="0"/>
+              <a:t>(</a:t>
+            </a:r>
+            <a:r>
+              <a:rPr lang="ko-KR" altLang="en-US" sz="2000" dirty="0"/>
+              <a:t>오픈월드이지만 스토리 진행하면서 일정 섹터가 해금</a:t>
+            </a:r>
+            <a:r>
+              <a:rPr lang="en-US" altLang="ko-KR" sz="2000" dirty="0"/>
+              <a:t>)</a:t>
+            </a:r>
             <a:br>
               <a:rPr lang="en-US" altLang="ko-KR" sz="2000" dirty="0"/>
             </a:br>
@@ -8261,99 +8343,15 @@
           <a:p>
             <a:r>
               <a:rPr lang="ko-KR" altLang="en-US" sz="5000" dirty="0"/>
-              <a:t>플레이어</a:t>
-            </a:r>
-          </a:p>
-        </p:txBody>
-      </p:sp>
-      <p:sp>
-        <p:nvSpPr>
-          <p:cNvPr id="3" name="제목 1">
-            <a:extLst>
-              <a:ext uri="{FF2B5EF4-FFF2-40B4-BE49-F238E27FC236}">
-                <a16:creationId xmlns:a16="http://schemas.microsoft.com/office/drawing/2014/main" id="{A60D4646-CE08-1994-7EC5-D09222362659}"/>
-              </a:ext>
-            </a:extLst>
-          </p:cNvPr>
-          <p:cNvSpPr txBox="1">
-            <a:spLocks/>
-          </p:cNvSpPr>
-          <p:nvPr/>
-        </p:nvSpPr>
-        <p:spPr>
-          <a:xfrm>
-            <a:off x="1226871" y="3997875"/>
-            <a:ext cx="10463559" cy="2518672"/>
-          </a:xfrm>
-          <a:prstGeom prst="rect">
-            <a:avLst/>
-          </a:prstGeom>
-        </p:spPr>
-        <p:txBody>
-          <a:bodyPr vert="horz" wrap="square" lIns="0" tIns="0" rIns="0" bIns="0" rtlCol="0" anchor="t" anchorCtr="0">
-            <a:normAutofit/>
-          </a:bodyPr>
-          <a:lstStyle>
-            <a:lvl1pPr algn="l" defTabSz="914400" rtl="0" eaLnBrk="1" latinLnBrk="0" hangingPunct="1">
-              <a:lnSpc>
-                <a:spcPct val="110000"/>
-              </a:lnSpc>
-              <a:spcBef>
-                <a:spcPct val="0"/>
-              </a:spcBef>
-              <a:buNone/>
-              <a:defRPr lang="en-US" sz="4800" kern="1200" spc="160" dirty="0">
-                <a:solidFill>
-                  <a:schemeClr val="tx1"/>
-                </a:solidFill>
-                <a:latin typeface="+mj-lt"/>
-                <a:ea typeface="+mj-ea"/>
-                <a:cs typeface="+mj-cs"/>
-              </a:defRPr>
-            </a:lvl1pPr>
-          </a:lstStyle>
-          <a:p>
-            <a:r>
-              <a:rPr lang="ko-KR" altLang="en-US" sz="2000" dirty="0"/>
-              <a:t>디자인 전체적인 검은색 분위기  </a:t>
-            </a:r>
-            <a:r>
-              <a:rPr lang="en-US" altLang="ko-KR" sz="2000" dirty="0"/>
-              <a:t>+   </a:t>
-            </a:r>
-            <a:r>
-              <a:rPr lang="ko-KR" altLang="en-US" sz="2000" dirty="0"/>
-              <a:t>날개</a:t>
-            </a:r>
-            <a:r>
-              <a:rPr lang="en-US" altLang="ko-KR" sz="2000" dirty="0"/>
-              <a:t>(</a:t>
-            </a:r>
-            <a:r>
-              <a:rPr lang="ko-KR" altLang="en-US" sz="2000" dirty="0"/>
-              <a:t>힘을 얻을 수록 커지도록</a:t>
-            </a:r>
-            <a:r>
-              <a:rPr lang="en-US" altLang="ko-KR" sz="2000" dirty="0"/>
-              <a:t>)</a:t>
-            </a:r>
-            <a:br>
-              <a:rPr lang="en-US" altLang="ko-KR" sz="2000" dirty="0"/>
-            </a:br>
-            <a:br>
-              <a:rPr lang="en-US" altLang="ko-KR" sz="2000" dirty="0"/>
-            </a:br>
-            <a:br>
-              <a:rPr lang="en-US" altLang="ko-KR" sz="2000" dirty="0"/>
-            </a:br>
-            <a:endParaRPr lang="ko-KR" altLang="en-US" sz="2000" dirty="0"/>
+              <a:t>맵</a:t>
+            </a:r>
           </a:p>
         </p:txBody>
       </p:sp>
     </p:spTree>
     <p:extLst>
       <p:ext uri="{BB962C8B-B14F-4D97-AF65-F5344CB8AC3E}">
-        <p14:creationId xmlns:p14="http://schemas.microsoft.com/office/powerpoint/2010/main" val="240522347"/>
+        <p14:creationId xmlns:p14="http://schemas.microsoft.com/office/powerpoint/2010/main" val="3968758996"/>
       </p:ext>
     </p:extLst>
   </p:cSld>
@@ -8380,237 +8378,190 @@
           <a:chExt cx="0" cy="0"/>
         </a:xfrm>
       </p:grpSpPr>
-      <p:sp>
-        <p:nvSpPr>
-          <p:cNvPr id="2" name="제목 1">
-            <a:extLst>
-              <a:ext uri="{FF2B5EF4-FFF2-40B4-BE49-F238E27FC236}">
-                <a16:creationId xmlns:a16="http://schemas.microsoft.com/office/drawing/2014/main" id="{7B2E3A79-41DF-C0FE-CFAA-BCB5A42209EE}"/>
-              </a:ext>
-            </a:extLst>
-          </p:cNvPr>
-          <p:cNvSpPr>
-            <a:spLocks noGrp="1"/>
-          </p:cNvSpPr>
-          <p:nvPr>
-            <p:ph type="title"/>
-          </p:nvPr>
-        </p:nvSpPr>
-        <p:spPr>
+      <p:pic>
+        <p:nvPicPr>
+          <p:cNvPr id="3076" name="Picture 4">
+            <a:extLst>
+              <a:ext uri="{FF2B5EF4-FFF2-40B4-BE49-F238E27FC236}">
+                <a16:creationId xmlns:a16="http://schemas.microsoft.com/office/drawing/2014/main" id="{071DD699-7B63-B3EB-C09C-EDBB87873CB4}"/>
+              </a:ext>
+            </a:extLst>
+          </p:cNvPr>
+          <p:cNvPicPr>
+            <a:picLocks noChangeAspect="1" noChangeArrowheads="1"/>
+          </p:cNvPicPr>
+          <p:nvPr/>
+        </p:nvPicPr>
+        <p:blipFill>
+          <a:blip r:embed="rId2">
+            <a:extLst>
+              <a:ext uri="{28A0092B-C50C-407E-A947-70E740481C1C}">
+                <a14:useLocalDpi xmlns:a14="http://schemas.microsoft.com/office/drawing/2010/main" val="0"/>
+              </a:ext>
+            </a:extLst>
+          </a:blip>
+          <a:srcRect/>
+          <a:stretch>
+            <a:fillRect/>
+          </a:stretch>
+        </p:blipFill>
+        <p:spPr bwMode="auto">
           <a:xfrm>
-            <a:off x="1226871" y="1710266"/>
-            <a:ext cx="10483324" cy="3124201"/>
-          </a:xfrm>
-        </p:spPr>
-        <p:txBody>
-          <a:bodyPr>
-            <a:normAutofit/>
-          </a:bodyPr>
-          <a:lstStyle/>
-          <a:p>
-            <a:r>
-              <a:rPr lang="en-US" altLang="ko-KR" sz="2000" dirty="0"/>
-              <a:t>2</a:t>
-            </a:r>
-            <a:r>
-              <a:rPr lang="ko-KR" altLang="en-US" sz="2000" dirty="0"/>
-              <a:t>가지 형태로 나뉨</a:t>
-            </a:r>
-            <a:br>
-              <a:rPr lang="en-US" altLang="ko-KR" sz="2000" dirty="0"/>
-            </a:br>
-            <a:r>
-              <a:rPr lang="en-US" altLang="ko-KR" sz="2000" dirty="0"/>
-              <a:t>	1. </a:t>
-            </a:r>
-            <a:r>
-              <a:rPr lang="ko-KR" altLang="en-US" sz="2000" dirty="0"/>
-              <a:t>스토리 라인 보스 </a:t>
-            </a:r>
-            <a:r>
-              <a:rPr lang="en-US" altLang="ko-KR" sz="2000" dirty="0"/>
-              <a:t>: </a:t>
-            </a:r>
-            <a:r>
-              <a:rPr lang="ko-KR" altLang="en-US" sz="2000" dirty="0"/>
-              <a:t>난이도 上 </a:t>
-            </a:r>
-            <a:r>
-              <a:rPr lang="en-US" altLang="ko-KR" sz="2000" dirty="0"/>
-              <a:t>, </a:t>
-            </a:r>
-            <a:r>
-              <a:rPr lang="ko-KR" altLang="en-US" sz="2000" dirty="0" err="1"/>
-              <a:t>조우시</a:t>
-            </a:r>
-            <a:r>
-              <a:rPr lang="ko-KR" altLang="en-US" sz="2000" dirty="0"/>
-              <a:t> 도망</a:t>
-            </a:r>
-            <a:r>
-              <a:rPr lang="en-US" altLang="ko-KR" sz="2000" dirty="0"/>
-              <a:t>x, </a:t>
-            </a:r>
-            <a:br>
-              <a:rPr lang="en-US" altLang="ko-KR" sz="2000" dirty="0"/>
-            </a:br>
-            <a:r>
-              <a:rPr lang="en-US" altLang="ko-KR" sz="2000" dirty="0"/>
-              <a:t>				</a:t>
-            </a:r>
-            <a:r>
-              <a:rPr lang="ko-KR" altLang="en-US" sz="2000" dirty="0"/>
-              <a:t>보상 </a:t>
-            </a:r>
-            <a:r>
-              <a:rPr lang="en-US" altLang="ko-KR" sz="2000" dirty="0"/>
-              <a:t>: </a:t>
-            </a:r>
-            <a:r>
-              <a:rPr lang="ko-KR" altLang="en-US" sz="2000" dirty="0" err="1"/>
-              <a:t>닉스의</a:t>
-            </a:r>
-            <a:r>
-              <a:rPr lang="ko-KR" altLang="en-US" sz="2000" dirty="0"/>
-              <a:t> 힘 일부분 되찾기</a:t>
-            </a:r>
-            <a:br>
-              <a:rPr lang="en-US" altLang="ko-KR" sz="2000" dirty="0"/>
-            </a:br>
-            <a:br>
-              <a:rPr lang="en-US" altLang="ko-KR" sz="2000" dirty="0"/>
-            </a:br>
-            <a:br>
-              <a:rPr lang="en-US" altLang="ko-KR" sz="2000" dirty="0"/>
-            </a:br>
-            <a:br>
-              <a:rPr lang="en-US" altLang="ko-KR" sz="2000" dirty="0"/>
-            </a:br>
-            <a:r>
-              <a:rPr lang="en-US" altLang="ko-KR" sz="2000" dirty="0"/>
-              <a:t>	2. BSP </a:t>
-            </a:r>
-            <a:r>
-              <a:rPr lang="ko-KR" altLang="en-US" sz="2000" dirty="0"/>
-              <a:t>라인 보스 </a:t>
-            </a:r>
-            <a:r>
-              <a:rPr lang="en-US" altLang="ko-KR" sz="2000" dirty="0"/>
-              <a:t>:  </a:t>
-            </a:r>
-            <a:r>
-              <a:rPr lang="ko-KR" altLang="en-US" sz="2000" dirty="0"/>
-              <a:t>난이도 下 </a:t>
-            </a:r>
-            <a:r>
-              <a:rPr lang="en-US" altLang="ko-KR" sz="2000" dirty="0"/>
-              <a:t>, </a:t>
-            </a:r>
-            <a:r>
-              <a:rPr lang="ko-KR" altLang="en-US" sz="2000" dirty="0"/>
-              <a:t>스토리 라인을 보조하기 위해 설계</a:t>
-            </a:r>
-            <a:br>
-              <a:rPr lang="en-US" altLang="ko-KR" sz="2000" dirty="0"/>
-            </a:br>
-            <a:r>
-              <a:rPr lang="en-US" altLang="ko-KR" sz="2000" dirty="0"/>
-              <a:t>				</a:t>
-            </a:r>
-            <a:r>
-              <a:rPr lang="ko-KR" altLang="en-US" sz="2000" dirty="0"/>
-              <a:t>보상 </a:t>
-            </a:r>
-            <a:r>
-              <a:rPr lang="en-US" altLang="ko-KR" sz="2000" dirty="0"/>
-              <a:t>:  </a:t>
-            </a:r>
-            <a:r>
-              <a:rPr lang="ko-KR" altLang="en-US" sz="2000" dirty="0"/>
-              <a:t>스킬 포인트</a:t>
-            </a:r>
-            <a:r>
-              <a:rPr lang="en-US" altLang="ko-KR" sz="2000" dirty="0"/>
-              <a:t>				</a:t>
-            </a:r>
-            <a:br>
-              <a:rPr lang="en-US" altLang="ko-KR" sz="2000" dirty="0"/>
-            </a:br>
-            <a:endParaRPr lang="ko-KR" altLang="en-US" sz="2000" dirty="0"/>
-          </a:p>
-        </p:txBody>
-      </p:sp>
-      <p:sp>
-        <p:nvSpPr>
-          <p:cNvPr id="4" name="제목 1">
-            <a:extLst>
-              <a:ext uri="{FF2B5EF4-FFF2-40B4-BE49-F238E27FC236}">
-                <a16:creationId xmlns:a16="http://schemas.microsoft.com/office/drawing/2014/main" id="{8E2E0E5E-C494-5952-9A4E-98B51E4DFDCD}"/>
-              </a:ext>
-            </a:extLst>
-          </p:cNvPr>
-          <p:cNvSpPr txBox="1">
-            <a:spLocks/>
-          </p:cNvSpPr>
-          <p:nvPr/>
-        </p:nvSpPr>
-        <p:spPr>
-          <a:xfrm>
-            <a:off x="981338" y="528638"/>
-            <a:ext cx="8712995" cy="859366"/>
+            <a:off x="132819" y="103077"/>
+            <a:ext cx="6054702" cy="1688589"/>
           </a:xfrm>
           <a:prstGeom prst="rect">
             <a:avLst/>
           </a:prstGeom>
+          <a:noFill/>
+          <a:extLst>
+            <a:ext uri="{909E8E84-426E-40DD-AFC4-6F175D3DCCD1}">
+              <a14:hiddenFill xmlns:a14="http://schemas.microsoft.com/office/drawing/2010/main">
+                <a:solidFill>
+                  <a:srgbClr val="FFFFFF"/>
+                </a:solidFill>
+              </a14:hiddenFill>
+            </a:ext>
+          </a:extLst>
         </p:spPr>
-        <p:txBody>
-          <a:bodyPr vert="horz" wrap="square" lIns="0" tIns="0" rIns="0" bIns="0" rtlCol="0" anchor="t" anchorCtr="0">
-            <a:noAutofit/>
+      </p:pic>
+      <p:pic>
+        <p:nvPicPr>
+          <p:cNvPr id="3078" name="Picture 6" descr="할로우 나이트 지도와 이동에 대한 간략 정리 - 아재게임방">
+            <a:extLst>
+              <a:ext uri="{FF2B5EF4-FFF2-40B4-BE49-F238E27FC236}">
+                <a16:creationId xmlns:a16="http://schemas.microsoft.com/office/drawing/2014/main" id="{BC752153-00D8-FE06-E6DC-8B56287832D2}"/>
+              </a:ext>
+            </a:extLst>
+          </p:cNvPr>
+          <p:cNvPicPr>
+            <a:picLocks noChangeAspect="1" noChangeArrowheads="1"/>
+          </p:cNvPicPr>
+          <p:nvPr/>
+        </p:nvPicPr>
+        <p:blipFill>
+          <a:blip r:embed="rId3">
+            <a:extLst>
+              <a:ext uri="{28A0092B-C50C-407E-A947-70E740481C1C}">
+                <a14:useLocalDpi xmlns:a14="http://schemas.microsoft.com/office/drawing/2010/main" val="0"/>
+              </a:ext>
+            </a:extLst>
+          </a:blip>
+          <a:srcRect/>
+          <a:stretch>
+            <a:fillRect/>
+          </a:stretch>
+        </p:blipFill>
+        <p:spPr bwMode="auto">
+          <a:xfrm>
+            <a:off x="5578431" y="1841589"/>
+            <a:ext cx="6520018" cy="4843762"/>
+          </a:xfrm>
+          <a:prstGeom prst="rect">
+            <a:avLst/>
+          </a:prstGeom>
+          <a:noFill/>
+          <a:extLst>
+            <a:ext uri="{909E8E84-426E-40DD-AFC4-6F175D3DCCD1}">
+              <a14:hiddenFill xmlns:a14="http://schemas.microsoft.com/office/drawing/2010/main">
+                <a:solidFill>
+                  <a:srgbClr val="FFFFFF"/>
+                </a:solidFill>
+              </a14:hiddenFill>
+            </a:ext>
+          </a:extLst>
+        </p:spPr>
+      </p:pic>
+      <p:sp>
+        <p:nvSpPr>
+          <p:cNvPr id="3" name="TextBox 2">
+            <a:extLst>
+              <a:ext uri="{FF2B5EF4-FFF2-40B4-BE49-F238E27FC236}">
+                <a16:creationId xmlns:a16="http://schemas.microsoft.com/office/drawing/2014/main" id="{375A5AE7-B2A2-A764-175A-19568E80AE33}"/>
+              </a:ext>
+            </a:extLst>
+          </p:cNvPr>
+          <p:cNvSpPr txBox="1"/>
+          <p:nvPr/>
+        </p:nvSpPr>
+        <p:spPr>
+          <a:xfrm>
+            <a:off x="6867591" y="762705"/>
+            <a:ext cx="4968453" cy="369332"/>
+          </a:xfrm>
+          <a:prstGeom prst="rect">
+            <a:avLst/>
+          </a:prstGeom>
+          <a:noFill/>
+        </p:spPr>
+        <p:txBody>
+          <a:bodyPr wrap="square" rtlCol="0">
+            <a:spAutoFit/>
           </a:bodyPr>
-          <a:lstStyle>
-            <a:lvl1pPr algn="l" defTabSz="914400" rtl="0" eaLnBrk="1" latinLnBrk="0" hangingPunct="1">
-              <a:lnSpc>
-                <a:spcPct val="110000"/>
-              </a:lnSpc>
-              <a:spcBef>
-                <a:spcPct val="0"/>
-              </a:spcBef>
-              <a:buNone/>
-              <a:defRPr lang="en-US" sz="4800" kern="1200" spc="160" dirty="0">
-                <a:solidFill>
-                  <a:schemeClr val="tx1"/>
-                </a:solidFill>
-                <a:latin typeface="+mj-lt"/>
-                <a:ea typeface="+mj-ea"/>
-                <a:cs typeface="+mj-cs"/>
-              </a:defRPr>
-            </a:lvl1pPr>
-          </a:lstStyle>
-          <a:p>
-            <a:r>
-              <a:rPr lang="ko-KR" altLang="en-US" sz="5000" dirty="0"/>
-              <a:t>적 </a:t>
-            </a:r>
-            <a:r>
-              <a:rPr lang="en-US" altLang="ko-KR" sz="5000" dirty="0"/>
-              <a:t>(</a:t>
-            </a:r>
-            <a:r>
-              <a:rPr lang="ko-KR" altLang="en-US" sz="5000" dirty="0"/>
-              <a:t>보스</a:t>
-            </a:r>
-            <a:r>
-              <a:rPr lang="en-US" altLang="ko-KR" sz="5000" dirty="0"/>
-              <a:t>)</a:t>
-            </a:r>
-            <a:endParaRPr lang="ko-KR" altLang="en-US" sz="5000" dirty="0"/>
+          <a:lstStyle/>
+          <a:p>
+            <a:r>
+              <a:rPr lang="ko-KR" altLang="en-US" dirty="0"/>
+              <a:t>각각 오리와 도깨비불 과 </a:t>
+            </a:r>
+            <a:r>
+              <a:rPr lang="ko-KR" altLang="en-US" dirty="0" err="1"/>
+              <a:t>할로우</a:t>
+            </a:r>
+            <a:r>
+              <a:rPr lang="ko-KR" altLang="en-US" dirty="0"/>
+              <a:t> 나이트 지도</a:t>
+            </a:r>
+          </a:p>
+        </p:txBody>
+      </p:sp>
+      <p:sp>
+        <p:nvSpPr>
+          <p:cNvPr id="5" name="TextBox 4">
+            <a:extLst>
+              <a:ext uri="{FF2B5EF4-FFF2-40B4-BE49-F238E27FC236}">
+                <a16:creationId xmlns:a16="http://schemas.microsoft.com/office/drawing/2014/main" id="{935F6276-8388-5FEA-8C10-55FC4E985146}"/>
+              </a:ext>
+            </a:extLst>
+          </p:cNvPr>
+          <p:cNvSpPr txBox="1"/>
+          <p:nvPr/>
+        </p:nvSpPr>
+        <p:spPr>
+          <a:xfrm>
+            <a:off x="382598" y="2405000"/>
+            <a:ext cx="4968453" cy="369332"/>
+          </a:xfrm>
+          <a:prstGeom prst="rect">
+            <a:avLst/>
+          </a:prstGeom>
+          <a:noFill/>
+        </p:spPr>
+        <p:txBody>
+          <a:bodyPr wrap="square" rtlCol="0">
+            <a:spAutoFit/>
+          </a:bodyPr>
+          <a:lstStyle/>
+          <a:p>
+            <a:r>
+              <a:rPr lang="ko-KR" altLang="en-US" dirty="0"/>
+              <a:t>시작 지점에서 점점 </a:t>
+            </a:r>
+            <a:r>
+              <a:rPr lang="ko-KR" altLang="en-US" dirty="0" err="1"/>
+              <a:t>멀리까지</a:t>
+            </a:r>
+            <a:r>
+              <a:rPr lang="ko-KR" altLang="en-US" dirty="0"/>
+              <a:t> 나갈 수 있게 </a:t>
+            </a:r>
           </a:p>
         </p:txBody>
       </p:sp>
     </p:spTree>
     <p:extLst>
       <p:ext uri="{BB962C8B-B14F-4D97-AF65-F5344CB8AC3E}">
-        <p14:creationId xmlns:p14="http://schemas.microsoft.com/office/powerpoint/2010/main" val="4198767284"/>
+        <p14:creationId xmlns:p14="http://schemas.microsoft.com/office/powerpoint/2010/main" val="1459537828"/>
       </p:ext>
     </p:extLst>
   </p:cSld>
@@ -8655,8 +8606,8 @@
         </p:nvSpPr>
         <p:spPr>
           <a:xfrm>
-            <a:off x="1219186" y="1733318"/>
-            <a:ext cx="10483324" cy="3124201"/>
+            <a:off x="1226871" y="1710266"/>
+            <a:ext cx="10463559" cy="3124201"/>
           </a:xfrm>
         </p:spPr>
         <p:txBody>
@@ -8666,9 +8617,62 @@
           <a:lstStyle/>
           <a:p>
             <a:r>
+              <a:rPr lang="en-US" altLang="ko-KR" sz="2000" dirty="0"/>
+              <a:t>HP</a:t>
+            </a:r>
+            <a:r>
               <a:rPr lang="ko-KR" altLang="en-US" sz="2000" dirty="0"/>
-              <a:t>음</a:t>
-            </a:r>
+              <a:t> 존재 </a:t>
+            </a:r>
+            <a:br>
+              <a:rPr lang="en-US" altLang="ko-KR" sz="2000" dirty="0"/>
+            </a:br>
+            <a:r>
+              <a:rPr lang="ko-KR" altLang="en-US" sz="2000" dirty="0"/>
+              <a:t>스킬 트리 존재</a:t>
+            </a:r>
+            <a:br>
+              <a:rPr lang="en-US" altLang="ko-KR" sz="2000" dirty="0"/>
+            </a:br>
+            <a:r>
+              <a:rPr lang="ko-KR" altLang="en-US" sz="2000" dirty="0" err="1"/>
+              <a:t>사망시</a:t>
+            </a:r>
+            <a:r>
+              <a:rPr lang="ko-KR" altLang="en-US" sz="2000" dirty="0"/>
+              <a:t> 최근 세이브</a:t>
+            </a:r>
+            <a:r>
+              <a:rPr lang="en-US" altLang="ko-KR" sz="2000" dirty="0"/>
+              <a:t> </a:t>
+            </a:r>
+            <a:r>
+              <a:rPr lang="ko-KR" altLang="en-US" sz="2000" dirty="0"/>
+              <a:t>데이터 위치에서 부활</a:t>
+            </a:r>
+            <a:br>
+              <a:rPr lang="en-US" altLang="ko-KR" sz="2000" dirty="0"/>
+            </a:br>
+            <a:br>
+              <a:rPr lang="en-US" altLang="ko-KR" sz="2000" dirty="0"/>
+            </a:br>
+            <a:r>
+              <a:rPr lang="en-US" altLang="ko-KR" sz="2000" dirty="0"/>
+              <a:t>MP</a:t>
+            </a:r>
+            <a:r>
+              <a:rPr lang="ko-KR" altLang="en-US" sz="2000" dirty="0"/>
+              <a:t> 생각 중</a:t>
+            </a:r>
+            <a:br>
+              <a:rPr lang="en-US" altLang="ko-KR" sz="2000" dirty="0"/>
+            </a:br>
+            <a:br>
+              <a:rPr lang="en-US" altLang="ko-KR" sz="2000" dirty="0"/>
+            </a:br>
+            <a:br>
+              <a:rPr lang="en-US" altLang="ko-KR" sz="2000" dirty="0"/>
+            </a:br>
             <a:br>
               <a:rPr lang="en-US" altLang="ko-KR" sz="2000" dirty="0"/>
             </a:br>
@@ -8725,32 +8729,99 @@
           <a:p>
             <a:r>
               <a:rPr lang="ko-KR" altLang="en-US" sz="5000" dirty="0"/>
-              <a:t>적</a:t>
-            </a:r>
-            <a:r>
-              <a:rPr lang="en-US" altLang="ko-KR" sz="5000" dirty="0"/>
+              <a:t>플레이어</a:t>
+            </a:r>
+          </a:p>
+        </p:txBody>
+      </p:sp>
+      <p:sp>
+        <p:nvSpPr>
+          <p:cNvPr id="3" name="제목 1">
+            <a:extLst>
+              <a:ext uri="{FF2B5EF4-FFF2-40B4-BE49-F238E27FC236}">
+                <a16:creationId xmlns:a16="http://schemas.microsoft.com/office/drawing/2014/main" id="{A60D4646-CE08-1994-7EC5-D09222362659}"/>
+              </a:ext>
+            </a:extLst>
+          </p:cNvPr>
+          <p:cNvSpPr txBox="1">
+            <a:spLocks/>
+          </p:cNvSpPr>
+          <p:nvPr/>
+        </p:nvSpPr>
+        <p:spPr>
+          <a:xfrm>
+            <a:off x="1226871" y="3997875"/>
+            <a:ext cx="10463559" cy="2518672"/>
+          </a:xfrm>
+          <a:prstGeom prst="rect">
+            <a:avLst/>
+          </a:prstGeom>
+        </p:spPr>
+        <p:txBody>
+          <a:bodyPr vert="horz" wrap="square" lIns="0" tIns="0" rIns="0" bIns="0" rtlCol="0" anchor="t" anchorCtr="0">
+            <a:normAutofit/>
+          </a:bodyPr>
+          <a:lstStyle>
+            <a:lvl1pPr algn="l" defTabSz="914400" rtl="0" eaLnBrk="1" latinLnBrk="0" hangingPunct="1">
+              <a:lnSpc>
+                <a:spcPct val="110000"/>
+              </a:lnSpc>
+              <a:spcBef>
+                <a:spcPct val="0"/>
+              </a:spcBef>
+              <a:buNone/>
+              <a:defRPr lang="en-US" sz="4800" kern="1200" spc="160" dirty="0">
+                <a:solidFill>
+                  <a:schemeClr val="tx1"/>
+                </a:solidFill>
+                <a:latin typeface="+mj-lt"/>
+                <a:ea typeface="+mj-ea"/>
+                <a:cs typeface="+mj-cs"/>
+              </a:defRPr>
+            </a:lvl1pPr>
+          </a:lstStyle>
+          <a:p>
+            <a:r>
+              <a:rPr lang="ko-KR" altLang="en-US" sz="2000" dirty="0"/>
+              <a:t>디자인 전체적인 검은색 분위기  </a:t>
+            </a:r>
+            <a:r>
+              <a:rPr lang="en-US" altLang="ko-KR" sz="2000" dirty="0"/>
+              <a:t>+   </a:t>
+            </a:r>
+            <a:r>
+              <a:rPr lang="ko-KR" altLang="en-US" sz="2000" dirty="0"/>
+              <a:t>날개</a:t>
+            </a:r>
+            <a:r>
+              <a:rPr lang="en-US" altLang="ko-KR" sz="2000" dirty="0"/>
               <a:t>(</a:t>
             </a:r>
             <a:r>
-              <a:rPr lang="ko-KR" altLang="en-US" sz="5000" dirty="0"/>
-              <a:t>일반 </a:t>
-            </a:r>
-            <a:r>
-              <a:rPr lang="ko-KR" altLang="en-US" sz="5000" dirty="0" err="1"/>
-              <a:t>몹</a:t>
-            </a:r>
-            <a:r>
-              <a:rPr lang="en-US" altLang="ko-KR" sz="5000" dirty="0"/>
+              <a:rPr lang="ko-KR" altLang="en-US" sz="2000" dirty="0"/>
+              <a:t>힘을 얻을 수록 커지도록</a:t>
+            </a:r>
+            <a:r>
+              <a:rPr lang="en-US" altLang="ko-KR" sz="2000" dirty="0"/>
               <a:t>)</a:t>
             </a:r>
-            <a:endParaRPr lang="ko-KR" altLang="en-US" sz="5000" dirty="0"/>
+            <a:br>
+              <a:rPr lang="en-US" altLang="ko-KR" sz="2000" dirty="0"/>
+            </a:br>
+            <a:br>
+              <a:rPr lang="en-US" altLang="ko-KR" sz="2000" dirty="0"/>
+            </a:br>
+            <a:br>
+              <a:rPr lang="en-US" altLang="ko-KR" sz="2000" dirty="0"/>
+            </a:br>
+            <a:endParaRPr lang="ko-KR" altLang="en-US" sz="2000" dirty="0"/>
           </a:p>
         </p:txBody>
       </p:sp>
     </p:spTree>
     <p:extLst>
       <p:ext uri="{BB962C8B-B14F-4D97-AF65-F5344CB8AC3E}">
-        <p14:creationId xmlns:p14="http://schemas.microsoft.com/office/powerpoint/2010/main" val="1571122907"/>
+        <p14:creationId xmlns:p14="http://schemas.microsoft.com/office/powerpoint/2010/main" val="240522347"/>
       </p:ext>
     </p:extLst>
   </p:cSld>
@@ -8801,13 +8872,28 @@
         </p:spPr>
         <p:txBody>
           <a:bodyPr>
-            <a:normAutofit/>
+            <a:normAutofit fontScale="90000"/>
           </a:bodyPr>
           <a:lstStyle/>
           <a:p>
             <a:r>
+              <a:rPr lang="en-US" altLang="ko-KR" sz="2000" dirty="0"/>
+              <a:t>2</a:t>
+            </a:r>
+            <a:r>
               <a:rPr lang="ko-KR" altLang="en-US" sz="2000" dirty="0"/>
-              <a:t>재화 존재 이유  </a:t>
+              <a:t>가지 형태로 나뉨</a:t>
+            </a:r>
+            <a:br>
+              <a:rPr lang="en-US" altLang="ko-KR" sz="2000" dirty="0"/>
+            </a:br>
+            <a:r>
+              <a:rPr lang="en-US" altLang="ko-KR" sz="2000" dirty="0"/>
+              <a:t>	1. </a:t>
+            </a:r>
+            <a:r>
+              <a:rPr lang="ko-KR" altLang="en-US" sz="2000" dirty="0"/>
+              <a:t>스토리 라인 보스 </a:t>
             </a:r>
             <a:r>
               <a:rPr lang="en-US" altLang="ko-KR" sz="2000" dirty="0"/>
@@ -8815,22 +8901,46 @@
             </a:r>
             <a:r>
               <a:rPr lang="ko-KR" altLang="en-US" sz="2000" dirty="0"/>
-              <a:t>기본 스토리 라인의 난이도를 높게 잡는다</a:t>
-            </a:r>
-            <a:r>
-              <a:rPr lang="en-US" altLang="ko-KR" sz="2000" dirty="0"/>
-              <a:t>.</a:t>
+              <a:t>난이도 上 </a:t>
+            </a:r>
+            <a:r>
+              <a:rPr lang="en-US" altLang="ko-KR" sz="2000" dirty="0"/>
+              <a:t>, </a:t>
+            </a:r>
+            <a:r>
+              <a:rPr lang="ko-KR" altLang="en-US" sz="2000" dirty="0" err="1"/>
+              <a:t>조우시</a:t>
+            </a:r>
+            <a:r>
+              <a:rPr lang="ko-KR" altLang="en-US" sz="2000" dirty="0"/>
+              <a:t> 도망</a:t>
+            </a:r>
+            <a:r>
+              <a:rPr lang="en-US" altLang="ko-KR" sz="2000" dirty="0"/>
+              <a:t>x, </a:t>
             </a:r>
             <a:br>
               <a:rPr lang="en-US" altLang="ko-KR" sz="2000" dirty="0"/>
             </a:br>
             <a:r>
+              <a:rPr lang="en-US" altLang="ko-KR" sz="2000" dirty="0"/>
+              <a:t>				</a:t>
+            </a:r>
+            <a:r>
+              <a:rPr lang="ko-KR" altLang="en-US" sz="2000" dirty="0"/>
+              <a:t>보상 </a:t>
+            </a:r>
+            <a:r>
+              <a:rPr lang="en-US" altLang="ko-KR" sz="2000" dirty="0"/>
+              <a:t>: </a:t>
+            </a:r>
+            <a:r>
               <a:rPr lang="ko-KR" altLang="en-US" sz="2000" dirty="0" err="1"/>
-              <a:t>소울류의</a:t>
+              <a:t>닉스의</a:t>
             </a:r>
             <a:r>
               <a:rPr lang="ko-KR" altLang="en-US" sz="2000" dirty="0"/>
-              <a:t> 게임을 싫어하는 유저를 위해 게임의 난이도를 완화 하는 장치로서 존재</a:t>
+              <a:t> 힘 일부분 되찾기</a:t>
             </a:r>
             <a:br>
               <a:rPr lang="en-US" altLang="ko-KR" sz="2000" dirty="0"/>
@@ -8838,20 +8948,61 @@
             <a:br>
               <a:rPr lang="en-US" altLang="ko-KR" sz="2000" dirty="0"/>
             </a:br>
-            <a:r>
-              <a:rPr lang="en-US" altLang="ko-KR" sz="2000" dirty="0"/>
-              <a:t>BSP </a:t>
+            <a:br>
+              <a:rPr lang="en-US" altLang="ko-KR" sz="2000" dirty="0"/>
+            </a:br>
+            <a:br>
+              <a:rPr lang="en-US" altLang="ko-KR" sz="2000" dirty="0"/>
+            </a:br>
+            <a:br>
+              <a:rPr lang="en-US" altLang="ko-KR" sz="2000" dirty="0"/>
+            </a:br>
+            <a:r>
+              <a:rPr lang="en-US" altLang="ko-KR" sz="2000" dirty="0"/>
+              <a:t>	2. BSP </a:t>
             </a:r>
             <a:r>
               <a:rPr lang="ko-KR" altLang="en-US" sz="2000" dirty="0"/>
-              <a:t>맵 에서  추가적인 재화 획득 가능</a:t>
+              <a:t>라인 보스 </a:t>
+            </a:r>
+            <a:r>
+              <a:rPr lang="en-US" altLang="ko-KR" sz="2000" dirty="0"/>
+              <a:t>:  </a:t>
+            </a:r>
+            <a:r>
+              <a:rPr lang="ko-KR" altLang="en-US" sz="2000" dirty="0"/>
+              <a:t>난이도 下 </a:t>
+            </a:r>
+            <a:r>
+              <a:rPr lang="en-US" altLang="ko-KR" sz="2000" dirty="0"/>
+              <a:t>, </a:t>
+            </a:r>
+            <a:r>
+              <a:rPr lang="ko-KR" altLang="en-US" sz="2000" dirty="0"/>
+              <a:t>스토리 라인을 보조하기 위해 설계</a:t>
             </a:r>
             <a:br>
               <a:rPr lang="en-US" altLang="ko-KR" sz="2000" dirty="0"/>
             </a:br>
             <a:r>
+              <a:rPr lang="en-US" altLang="ko-KR" sz="2000" dirty="0"/>
+              <a:t>				</a:t>
+            </a:r>
+            <a:r>
               <a:rPr lang="ko-KR" altLang="en-US" sz="2000" dirty="0"/>
-              <a:t>마을에서 일정 재화로 스킬 포인트로 교환</a:t>
+              <a:t>보상 </a:t>
+            </a:r>
+            <a:r>
+              <a:rPr lang="en-US" altLang="ko-KR" sz="2000" dirty="0"/>
+              <a:t>:  </a:t>
+            </a:r>
+            <a:r>
+              <a:rPr lang="ko-KR" altLang="en-US" sz="2000" dirty="0"/>
+              <a:t>스킬 포인트</a:t>
+            </a:r>
+            <a:r>
+              <a:rPr lang="en-US" altLang="ko-KR" sz="2000" dirty="0"/>
+              <a:t>				</a:t>
             </a:r>
             <a:br>
               <a:rPr lang="en-US" altLang="ko-KR" sz="2000" dirty="0"/>
@@ -8877,7 +9028,7 @@
         <p:spPr>
           <a:xfrm>
             <a:off x="981338" y="528638"/>
-            <a:ext cx="2387601" cy="859366"/>
+            <a:ext cx="8712995" cy="859366"/>
           </a:xfrm>
           <a:prstGeom prst="rect">
             <a:avLst/>
@@ -8909,15 +9060,28 @@
           <a:p>
             <a:r>
               <a:rPr lang="ko-KR" altLang="en-US" sz="5000" dirty="0"/>
-              <a:t>재화</a:t>
-            </a:r>
+              <a:t>적 </a:t>
+            </a:r>
+            <a:r>
+              <a:rPr lang="en-US" altLang="ko-KR" sz="5000" dirty="0"/>
+              <a:t>(</a:t>
+            </a:r>
+            <a:r>
+              <a:rPr lang="ko-KR" altLang="en-US" sz="5000" dirty="0"/>
+              <a:t>보스</a:t>
+            </a:r>
+            <a:r>
+              <a:rPr lang="en-US" altLang="ko-KR" sz="5000" dirty="0"/>
+              <a:t>)</a:t>
+            </a:r>
+            <a:endParaRPr lang="ko-KR" altLang="en-US" sz="5000" dirty="0"/>
           </a:p>
         </p:txBody>
       </p:sp>
     </p:spTree>
     <p:extLst>
       <p:ext uri="{BB962C8B-B14F-4D97-AF65-F5344CB8AC3E}">
-        <p14:creationId xmlns:p14="http://schemas.microsoft.com/office/powerpoint/2010/main" val="3456569480"/>
+        <p14:creationId xmlns:p14="http://schemas.microsoft.com/office/powerpoint/2010/main" val="4198767284"/>
       </p:ext>
     </p:extLst>
   </p:cSld>
@@ -8962,97 +9126,20 @@
         </p:nvSpPr>
         <p:spPr>
           <a:xfrm>
-            <a:off x="1250020" y="1698691"/>
+            <a:off x="1219186" y="1733318"/>
             <a:ext cx="10483324" cy="3124201"/>
           </a:xfrm>
         </p:spPr>
         <p:txBody>
           <a:bodyPr>
-            <a:normAutofit fontScale="90000"/>
+            <a:normAutofit/>
           </a:bodyPr>
           <a:lstStyle/>
           <a:p>
             <a:r>
-              <a:rPr lang="ko-KR" altLang="en-US" sz="2000" dirty="0" err="1"/>
-              <a:t>로드시</a:t>
-            </a:r>
-            <a:r>
               <a:rPr lang="ko-KR" altLang="en-US" sz="2000" dirty="0"/>
-              <a:t> 시작 위치는 세이브 포인트에서만  </a:t>
-            </a:r>
-            <a:r>
-              <a:rPr lang="en-US" altLang="ko-KR" sz="2000" dirty="0"/>
-              <a:t>(</a:t>
-            </a:r>
-            <a:r>
-              <a:rPr lang="ko-KR" altLang="en-US" sz="2000" dirty="0"/>
-              <a:t>현재 위치 저장해서 로드 시 </a:t>
-            </a:r>
-            <a:r>
-              <a:rPr lang="en-US" altLang="ko-KR" sz="2000" dirty="0"/>
-              <a:t>pos</a:t>
-            </a:r>
-            <a:r>
-              <a:rPr lang="ko-KR" altLang="en-US" sz="2000" dirty="0"/>
-              <a:t>로 이동해야 하는데 소수점까지는 가져오기 힘들어서 끼일 확률 높음</a:t>
-            </a:r>
-            <a:r>
-              <a:rPr lang="en-US" altLang="ko-KR" sz="2000" dirty="0"/>
-              <a:t>)</a:t>
-            </a:r>
-            <a:br>
-              <a:rPr lang="en-US" altLang="ko-KR" sz="2000" dirty="0"/>
-            </a:br>
-            <a:br>
-              <a:rPr lang="en-US" altLang="ko-KR" sz="2000" dirty="0"/>
-            </a:br>
-            <a:br>
-              <a:rPr lang="en-US" altLang="ko-KR" sz="2000" dirty="0"/>
-            </a:br>
-            <a:br>
-              <a:rPr lang="en-US" altLang="ko-KR" sz="2000" dirty="0"/>
-            </a:br>
-            <a:r>
-              <a:rPr lang="en-US" altLang="ko-KR" sz="2000" dirty="0"/>
-              <a:t>==</a:t>
-            </a:r>
-            <a:r>
-              <a:rPr lang="ko-KR" altLang="en-US" sz="2000" dirty="0"/>
-              <a:t> 세이브 해야 하는 항목</a:t>
-            </a:r>
-            <a:r>
-              <a:rPr lang="en-US" altLang="ko-KR" sz="2000" dirty="0"/>
-              <a:t>==</a:t>
-            </a:r>
-            <a:br>
-              <a:rPr lang="en-US" altLang="ko-KR" sz="2000" dirty="0"/>
-            </a:br>
-            <a:r>
-              <a:rPr lang="en-US" altLang="ko-KR" sz="2000" dirty="0"/>
-              <a:t>HP(cur), </a:t>
-            </a:r>
-            <a:r>
-              <a:rPr lang="ko-KR" altLang="en-US" sz="2000" dirty="0"/>
-              <a:t>스킬 트리</a:t>
-            </a:r>
-            <a:r>
-              <a:rPr lang="en-US" altLang="ko-KR" sz="2000" dirty="0"/>
-              <a:t>,  </a:t>
-            </a:r>
-            <a:r>
-              <a:rPr lang="ko-KR" altLang="en-US" sz="2000" dirty="0"/>
-              <a:t>세이브 포인트</a:t>
-            </a:r>
-            <a:r>
-              <a:rPr lang="en-US" altLang="ko-KR" sz="2000" dirty="0"/>
-              <a:t>, </a:t>
-            </a:r>
-            <a:br>
-              <a:rPr lang="en-US" altLang="ko-KR" sz="2000" dirty="0"/>
-            </a:br>
-            <a:br>
-              <a:rPr lang="en-US" altLang="ko-KR" sz="2000" dirty="0"/>
-            </a:br>
+              <a:t>음</a:t>
+            </a:r>
             <a:br>
               <a:rPr lang="en-US" altLang="ko-KR" sz="2000" dirty="0"/>
             </a:br>
@@ -9109,15 +9196,32 @@
           <a:p>
             <a:r>
               <a:rPr lang="ko-KR" altLang="en-US" sz="5000" dirty="0"/>
-              <a:t>세이브</a:t>
-            </a:r>
+              <a:t>적</a:t>
+            </a:r>
+            <a:r>
+              <a:rPr lang="en-US" altLang="ko-KR" sz="5000" dirty="0"/>
+              <a:t>(</a:t>
+            </a:r>
+            <a:r>
+              <a:rPr lang="ko-KR" altLang="en-US" sz="5000" dirty="0"/>
+              <a:t>일반 </a:t>
+            </a:r>
+            <a:r>
+              <a:rPr lang="ko-KR" altLang="en-US" sz="5000" dirty="0" err="1"/>
+              <a:t>몹</a:t>
+            </a:r>
+            <a:r>
+              <a:rPr lang="en-US" altLang="ko-KR" sz="5000" dirty="0"/>
+              <a:t>)</a:t>
+            </a:r>
+            <a:endParaRPr lang="ko-KR" altLang="en-US" sz="5000" dirty="0"/>
           </a:p>
         </p:txBody>
       </p:sp>
     </p:spTree>
     <p:extLst>
       <p:ext uri="{BB962C8B-B14F-4D97-AF65-F5344CB8AC3E}">
-        <p14:creationId xmlns:p14="http://schemas.microsoft.com/office/powerpoint/2010/main" val="2309160706"/>
+        <p14:creationId xmlns:p14="http://schemas.microsoft.com/office/powerpoint/2010/main" val="1571122907"/>
       </p:ext>
     </p:extLst>
   </p:cSld>
@@ -9162,106 +9266,42 @@
         </p:nvSpPr>
         <p:spPr>
           <a:xfrm>
-            <a:off x="1157423" y="1710266"/>
+            <a:off x="1226871" y="1710266"/>
             <a:ext cx="10483324" cy="3124201"/>
           </a:xfrm>
         </p:spPr>
         <p:txBody>
           <a:bodyPr>
-            <a:normAutofit fontScale="90000"/>
+            <a:normAutofit/>
           </a:bodyPr>
           <a:lstStyle/>
           <a:p>
             <a:r>
               <a:rPr lang="ko-KR" altLang="en-US" sz="2000" dirty="0"/>
-              <a:t>갈래길로 이루어진 선형적인 구조 </a:t>
-            </a:r>
-            <a:r>
-              <a:rPr lang="en-US" altLang="ko-KR" sz="2000" dirty="0"/>
-              <a:t>=&gt;</a:t>
+              <a:t>재화 존재 이유  </a:t>
+            </a:r>
+            <a:r>
+              <a:rPr lang="en-US" altLang="ko-KR" sz="2000" dirty="0"/>
+              <a:t>: </a:t>
+            </a:r>
+            <a:r>
+              <a:rPr lang="ko-KR" altLang="en-US" sz="2000" dirty="0"/>
+              <a:t>기본 스토리 라인의 난이도를 높게 잡는다</a:t>
+            </a:r>
+            <a:r>
+              <a:rPr lang="en-US" altLang="ko-KR" sz="2000" dirty="0"/>
+              <a:t>.</a:t>
             </a:r>
             <a:br>
               <a:rPr lang="en-US" altLang="ko-KR" sz="2000" dirty="0"/>
             </a:br>
             <a:r>
               <a:rPr lang="ko-KR" altLang="en-US" sz="2000" dirty="0" err="1"/>
-              <a:t>갈래길</a:t>
-            </a:r>
-            <a:r>
-              <a:rPr lang="en-US" altLang="ko-KR" sz="2000" dirty="0"/>
-              <a:t> 1</a:t>
+              <a:t>소울류의</a:t>
             </a:r>
             <a:r>
               <a:rPr lang="ko-KR" altLang="en-US" sz="2000" dirty="0"/>
-              <a:t>번 </a:t>
-            </a:r>
-            <a:r>
-              <a:rPr lang="en-US" altLang="ko-KR" sz="2000" dirty="0"/>
-              <a:t>= </a:t>
-            </a:r>
-            <a:r>
-              <a:rPr lang="ko-KR" altLang="en-US" sz="2000" dirty="0"/>
-              <a:t>생존</a:t>
-            </a:r>
-            <a:r>
-              <a:rPr lang="en-US" altLang="ko-KR" sz="2000" dirty="0"/>
-              <a:t>,</a:t>
-            </a:r>
-            <a:r>
-              <a:rPr lang="ko-KR" altLang="en-US" sz="2000" dirty="0"/>
-              <a:t> </a:t>
-            </a:r>
-            <a:r>
-              <a:rPr lang="ko-KR" altLang="en-US" sz="2000" dirty="0" err="1"/>
-              <a:t>갈래길</a:t>
-            </a:r>
-            <a:r>
-              <a:rPr lang="ko-KR" altLang="en-US" sz="2000" dirty="0"/>
-              <a:t> </a:t>
-            </a:r>
-            <a:r>
-              <a:rPr lang="en-US" altLang="ko-KR" sz="2000" dirty="0"/>
-              <a:t>2</a:t>
-            </a:r>
-            <a:r>
-              <a:rPr lang="ko-KR" altLang="en-US" sz="2000" dirty="0"/>
-              <a:t>번 </a:t>
-            </a:r>
-            <a:r>
-              <a:rPr lang="en-US" altLang="ko-KR" sz="2000" dirty="0"/>
-              <a:t>= </a:t>
-            </a:r>
-            <a:r>
-              <a:rPr lang="ko-KR" altLang="en-US" sz="2000" dirty="0"/>
-              <a:t>공격</a:t>
-            </a:r>
-            <a:r>
-              <a:rPr lang="en-US" altLang="ko-KR" sz="2000" dirty="0"/>
-              <a:t>, </a:t>
-            </a:r>
-            <a:r>
-              <a:rPr lang="ko-KR" altLang="en-US" sz="2000" dirty="0" err="1"/>
-              <a:t>갈래길</a:t>
-            </a:r>
-            <a:r>
-              <a:rPr lang="ko-KR" altLang="en-US" sz="2000" dirty="0"/>
-              <a:t> </a:t>
-            </a:r>
-            <a:r>
-              <a:rPr lang="en-US" altLang="ko-KR" sz="2000" dirty="0"/>
-              <a:t>3</a:t>
-            </a:r>
-            <a:r>
-              <a:rPr lang="ko-KR" altLang="en-US" sz="2000" dirty="0"/>
-              <a:t>번 </a:t>
-            </a:r>
-            <a:r>
-              <a:rPr lang="en-US" altLang="ko-KR" sz="2000" dirty="0"/>
-              <a:t>= </a:t>
-            </a:r>
-            <a:r>
-              <a:rPr lang="ko-KR" altLang="en-US" sz="2000" dirty="0" err="1"/>
-              <a:t>유틸</a:t>
+              <a:t> 게임을 싫어하는 유저를 위해 게임의 난이도를 완화 하는 장치로서 존재</a:t>
             </a:r>
             <a:br>
               <a:rPr lang="en-US" altLang="ko-KR" sz="2000" dirty="0"/>
@@ -9271,138 +9311,19 @@
             </a:br>
             <a:r>
               <a:rPr lang="en-US" altLang="ko-KR" sz="2000" dirty="0"/>
-              <a:t>== </a:t>
+              <a:t>BSP </a:t>
             </a:r>
             <a:r>
               <a:rPr lang="ko-KR" altLang="en-US" sz="2000" dirty="0"/>
-              <a:t>스킬에 존재할 항목들 </a:t>
-            </a:r>
-            <a:r>
-              <a:rPr lang="en-US" altLang="ko-KR" sz="2000" dirty="0"/>
-              <a:t>==</a:t>
+              <a:t>맵 에서  추가적인 재화 획득 가능</a:t>
             </a:r>
             <a:br>
               <a:rPr lang="en-US" altLang="ko-KR" sz="2000" dirty="0"/>
             </a:br>
             <a:r>
-              <a:rPr lang="en-US" altLang="ko-KR" sz="2000" dirty="0"/>
-              <a:t>1</a:t>
-            </a:r>
-            <a:r>
               <a:rPr lang="ko-KR" altLang="en-US" sz="2000" dirty="0"/>
-              <a:t>번 항목 </a:t>
-            </a:r>
-            <a:r>
-              <a:rPr lang="en-US" altLang="ko-KR" sz="2000" dirty="0"/>
-              <a:t>: </a:t>
-            </a:r>
-            <a:r>
-              <a:rPr lang="ko-KR" altLang="en-US" sz="2000" dirty="0"/>
-              <a:t>최대 체력</a:t>
-            </a:r>
-            <a:r>
-              <a:rPr lang="en-US" altLang="ko-KR" sz="2000" dirty="0"/>
-              <a:t>, </a:t>
-            </a:r>
-            <a:r>
-              <a:rPr lang="ko-KR" altLang="en-US" sz="2000" dirty="0"/>
-              <a:t>방어력</a:t>
-            </a:r>
-            <a:r>
-              <a:rPr lang="en-US" altLang="ko-KR" sz="2000" dirty="0"/>
-              <a:t>, </a:t>
-            </a:r>
-            <a:r>
-              <a:rPr lang="ko-KR" altLang="en-US" sz="2000" dirty="0" err="1"/>
-              <a:t>쉴드</a:t>
-            </a:r>
-            <a:r>
-              <a:rPr lang="en-US" altLang="ko-KR" sz="2000" dirty="0"/>
-              <a:t>(</a:t>
-            </a:r>
-            <a:r>
-              <a:rPr lang="ko-KR" altLang="en-US" sz="2000" dirty="0"/>
-              <a:t>일정 시간이상 공격 받지 않을 시</a:t>
-            </a:r>
-            <a:r>
-              <a:rPr lang="en-US" altLang="ko-KR" sz="2000" dirty="0"/>
-              <a:t>)</a:t>
-            </a:r>
-            <a:br>
-              <a:rPr lang="en-US" altLang="ko-KR" sz="2000" dirty="0"/>
-            </a:br>
-            <a:br>
-              <a:rPr lang="en-US" altLang="ko-KR" sz="2000" dirty="0"/>
-            </a:br>
-            <a:r>
-              <a:rPr lang="en-US" altLang="ko-KR" sz="2000" dirty="0"/>
-              <a:t>2</a:t>
-            </a:r>
-            <a:r>
-              <a:rPr lang="ko-KR" altLang="en-US" sz="2000" dirty="0"/>
-              <a:t>번 항목 </a:t>
-            </a:r>
-            <a:r>
-              <a:rPr lang="en-US" altLang="ko-KR" sz="2000" dirty="0"/>
-              <a:t>: </a:t>
-            </a:r>
-            <a:r>
-              <a:rPr lang="ko-KR" altLang="en-US" sz="2000" dirty="0"/>
-              <a:t>공격력 강화 </a:t>
-            </a:r>
-            <a:r>
-              <a:rPr lang="en-US" altLang="ko-KR" sz="2000" dirty="0"/>
-              <a:t>, </a:t>
-            </a:r>
-            <a:r>
-              <a:rPr lang="ko-KR" altLang="en-US" sz="2000" dirty="0"/>
-              <a:t>차지 공격</a:t>
-            </a:r>
-            <a:r>
-              <a:rPr lang="en-US" altLang="ko-KR" sz="2000" dirty="0"/>
-              <a:t>(</a:t>
-            </a:r>
-            <a:r>
-              <a:rPr lang="ko-KR" altLang="en-US" sz="2000" dirty="0"/>
-              <a:t>원거리</a:t>
-            </a:r>
-            <a:r>
-              <a:rPr lang="en-US" altLang="ko-KR" sz="2000" dirty="0"/>
-              <a:t>)</a:t>
-            </a:r>
-            <a:br>
-              <a:rPr lang="en-US" altLang="ko-KR" sz="2000" dirty="0"/>
-            </a:br>
-            <a:br>
-              <a:rPr lang="en-US" altLang="ko-KR" sz="2000" dirty="0"/>
-            </a:br>
-            <a:r>
-              <a:rPr lang="en-US" altLang="ko-KR" sz="2000" dirty="0"/>
-              <a:t>3</a:t>
-            </a:r>
-            <a:r>
-              <a:rPr lang="ko-KR" altLang="en-US" sz="2000" dirty="0"/>
-              <a:t>번 항목 </a:t>
-            </a:r>
-            <a:r>
-              <a:rPr lang="en-US" altLang="ko-KR" sz="2000" dirty="0"/>
-              <a:t>: 2</a:t>
-            </a:r>
-            <a:r>
-              <a:rPr lang="ko-KR" altLang="en-US" sz="2000" dirty="0"/>
-              <a:t>단 점프</a:t>
-            </a:r>
-            <a:r>
-              <a:rPr lang="en-US" altLang="ko-KR" sz="2000" dirty="0"/>
-              <a:t>, </a:t>
-            </a:r>
-            <a:r>
-              <a:rPr lang="ko-KR" altLang="en-US" sz="2000" dirty="0"/>
-              <a:t>이속 증가</a:t>
-            </a:r>
-            <a:br>
-              <a:rPr lang="en-US" altLang="ko-KR" sz="2000" dirty="0"/>
-            </a:br>
+              <a:t>마을에서 일정 재화로 스킬 포인트로 교환</a:t>
+            </a:r>
             <a:br>
               <a:rPr lang="en-US" altLang="ko-KR" sz="2000" dirty="0"/>
             </a:br>
@@ -9427,7 +9348,7 @@
         <p:spPr>
           <a:xfrm>
             <a:off x="981338" y="528638"/>
-            <a:ext cx="8712995" cy="859366"/>
+            <a:ext cx="2387601" cy="859366"/>
           </a:xfrm>
           <a:prstGeom prst="rect">
             <a:avLst/>
@@ -9459,62 +9380,15 @@
           <a:p>
             <a:r>
               <a:rPr lang="ko-KR" altLang="en-US" sz="5000" dirty="0"/>
-              <a:t>스킬 트리</a:t>
-            </a:r>
-          </a:p>
-        </p:txBody>
-      </p:sp>
-      <p:pic>
-        <p:nvPicPr>
-          <p:cNvPr id="2050" name="Picture 2" descr="리뷰] 오리와 도깨비불 오리 2탄 신작 리뷰 - 갓겜의 귀환, 1탄과 전격 비교 : 네이버 블로그">
-            <a:extLst>
-              <a:ext uri="{FF2B5EF4-FFF2-40B4-BE49-F238E27FC236}">
-                <a16:creationId xmlns:a16="http://schemas.microsoft.com/office/drawing/2014/main" id="{33948E1E-93D2-0FA2-6DD0-DC4B12C5655D}"/>
-              </a:ext>
-            </a:extLst>
-          </p:cNvPr>
-          <p:cNvPicPr>
-            <a:picLocks noChangeAspect="1" noChangeArrowheads="1"/>
-          </p:cNvPicPr>
-          <p:nvPr/>
-        </p:nvPicPr>
-        <p:blipFill>
-          <a:blip r:embed="rId2">
-            <a:extLst>
-              <a:ext uri="{28A0092B-C50C-407E-A947-70E740481C1C}">
-                <a14:useLocalDpi xmlns:a14="http://schemas.microsoft.com/office/drawing/2010/main" val="0"/>
-              </a:ext>
-            </a:extLst>
-          </a:blip>
-          <a:srcRect/>
-          <a:stretch>
-            <a:fillRect/>
-          </a:stretch>
-        </p:blipFill>
-        <p:spPr bwMode="auto">
-          <a:xfrm>
-            <a:off x="7860856" y="134882"/>
-            <a:ext cx="4193664" cy="2358936"/>
-          </a:xfrm>
-          <a:prstGeom prst="rect">
-            <a:avLst/>
-          </a:prstGeom>
-          <a:noFill/>
-          <a:extLst>
-            <a:ext uri="{909E8E84-426E-40DD-AFC4-6F175D3DCCD1}">
-              <a14:hiddenFill xmlns:a14="http://schemas.microsoft.com/office/drawing/2010/main">
-                <a:solidFill>
-                  <a:srgbClr val="FFFFFF"/>
-                </a:solidFill>
-              </a14:hiddenFill>
-            </a:ext>
-          </a:extLst>
-        </p:spPr>
-      </p:pic>
+              <a:t>재화</a:t>
+            </a:r>
+          </a:p>
+        </p:txBody>
+      </p:sp>
     </p:spTree>
     <p:extLst>
       <p:ext uri="{BB962C8B-B14F-4D97-AF65-F5344CB8AC3E}">
-        <p14:creationId xmlns:p14="http://schemas.microsoft.com/office/powerpoint/2010/main" val="1619180556"/>
+        <p14:creationId xmlns:p14="http://schemas.microsoft.com/office/powerpoint/2010/main" val="3456569480"/>
       </p:ext>
     </p:extLst>
   </p:cSld>
@@ -9565,51 +9439,83 @@
         </p:spPr>
         <p:txBody>
           <a:bodyPr>
-            <a:normAutofit/>
+            <a:normAutofit fontScale="90000"/>
           </a:bodyPr>
           <a:lstStyle/>
           <a:p>
             <a:r>
               <a:rPr lang="ko-KR" altLang="en-US" sz="2000" dirty="0"/>
-              <a:t>최대한 유저의 화면을 가리는 게 적은 </a:t>
-            </a:r>
-            <a:r>
-              <a:rPr lang="en-US" altLang="ko-KR" sz="2000" dirty="0"/>
-              <a:t>UI</a:t>
-            </a:r>
-            <a:r>
-              <a:rPr lang="ko-KR" altLang="en-US" sz="2000" dirty="0"/>
-              <a:t>로 가시성 향상 </a:t>
-            </a:r>
-            <a:r>
-              <a:rPr lang="en-US" altLang="ko-KR" sz="2000" dirty="0"/>
-              <a:t>(status</a:t>
-            </a:r>
-            <a:r>
-              <a:rPr lang="ko-KR" altLang="en-US" sz="2000" dirty="0"/>
-              <a:t>정도만 노출</a:t>
-            </a:r>
-            <a:r>
-              <a:rPr lang="en-US" altLang="ko-KR" sz="2000" dirty="0"/>
+              <a:t>게임의 로드 시 시작 위치는 세이브 포인트에서만  </a:t>
+            </a:r>
+            <a:br>
+              <a:rPr lang="en-US" altLang="ko-KR" sz="2000" dirty="0"/>
+            </a:br>
+            <a:r>
+              <a:rPr lang="en-US" altLang="ko-KR" sz="1600" dirty="0"/>
+              <a:t>(</a:t>
+            </a:r>
+            <a:r>
+              <a:rPr lang="ko-KR" altLang="en-US" sz="1600" dirty="0"/>
+              <a:t>현재 위치 저장해서 로드 시 </a:t>
+            </a:r>
+            <a:r>
+              <a:rPr lang="en-US" altLang="ko-KR" sz="1600" dirty="0"/>
+              <a:t>pos</a:t>
+            </a:r>
+            <a:r>
+              <a:rPr lang="ko-KR" altLang="en-US" sz="1600" dirty="0"/>
+              <a:t>로 이동해야 하는데 소수점까지는 가져오기 힘들어서 끼일 확률 높음</a:t>
+            </a:r>
+            <a:r>
+              <a:rPr lang="en-US" altLang="ko-KR" sz="1600" dirty="0"/>
               <a:t>)</a:t>
             </a:r>
             <a:br>
-              <a:rPr lang="en-US" altLang="ko-KR" sz="2000" dirty="0"/>
+              <a:rPr lang="en-US" altLang="ko-KR" sz="1600" dirty="0"/>
             </a:br>
             <a:br>
               <a:rPr lang="en-US" altLang="ko-KR" sz="2000" dirty="0"/>
             </a:br>
+            <a:br>
+              <a:rPr lang="en-US" altLang="ko-KR" sz="2000" dirty="0"/>
+            </a:br>
+            <a:br>
+              <a:rPr lang="en-US" altLang="ko-KR" sz="2000" dirty="0"/>
+            </a:br>
+            <a:r>
+              <a:rPr lang="en-US" altLang="ko-KR" sz="2000" dirty="0"/>
+              <a:t>==</a:t>
+            </a:r>
             <a:r>
               <a:rPr lang="ko-KR" altLang="en-US" sz="2000" dirty="0"/>
-              <a:t>상호작용 </a:t>
-            </a:r>
-            <a:r>
-              <a:rPr lang="en-US" altLang="ko-KR" sz="2000" dirty="0"/>
-              <a:t>UI</a:t>
+              <a:t> 세이브 해야 하는 항목</a:t>
+            </a:r>
+            <a:r>
+              <a:rPr lang="en-US" altLang="ko-KR" sz="2000" dirty="0"/>
+              <a:t>==</a:t>
+            </a:r>
+            <a:br>
+              <a:rPr lang="en-US" altLang="ko-KR" sz="2000" dirty="0"/>
+            </a:br>
+            <a:r>
+              <a:rPr lang="en-US" altLang="ko-KR" sz="2000" dirty="0"/>
+              <a:t>HP(cur), </a:t>
             </a:r>
             <a:r>
               <a:rPr lang="ko-KR" altLang="en-US" sz="2000" dirty="0"/>
-              <a:t>는 다 키입력을 받아 노출</a:t>
+              <a:t>스킬 트리</a:t>
+            </a:r>
+            <a:r>
+              <a:rPr lang="en-US" altLang="ko-KR" sz="2000" dirty="0"/>
+              <a:t>,  </a:t>
+            </a:r>
+            <a:r>
+              <a:rPr lang="ko-KR" altLang="en-US" sz="2000" dirty="0"/>
+              <a:t>세이브 포인트</a:t>
+            </a:r>
+            <a:r>
+              <a:rPr lang="en-US" altLang="ko-KR" sz="2000" dirty="0"/>
+              <a:t>, </a:t>
             </a:r>
             <a:br>
               <a:rPr lang="en-US" altLang="ko-KR" sz="2000" dirty="0"/>
@@ -9673,7 +9579,7 @@
           <a:p>
             <a:r>
               <a:rPr lang="ko-KR" altLang="en-US" sz="5000" dirty="0"/>
-              <a:t>게임 화면</a:t>
+              <a:t>세이브</a:t>
             </a:r>
           </a:p>
         </p:txBody>
@@ -9681,7 +9587,7 @@
     </p:spTree>
     <p:extLst>
       <p:ext uri="{BB962C8B-B14F-4D97-AF65-F5344CB8AC3E}">
-        <p14:creationId xmlns:p14="http://schemas.microsoft.com/office/powerpoint/2010/main" val="3704034967"/>
+        <p14:creationId xmlns:p14="http://schemas.microsoft.com/office/powerpoint/2010/main" val="2309160706"/>
       </p:ext>
     </p:extLst>
   </p:cSld>
@@ -9732,97 +9638,51 @@
         </p:spPr>
         <p:txBody>
           <a:bodyPr>
-            <a:normAutofit fontScale="90000"/>
+            <a:normAutofit/>
           </a:bodyPr>
           <a:lstStyle/>
           <a:p>
+            <a:r>
+              <a:rPr lang="ko-KR" altLang="en-US" sz="2000" dirty="0"/>
+              <a:t>최대한 유저의 화면을 가리는 게 적은 </a:t>
+            </a:r>
+            <a:r>
+              <a:rPr lang="en-US" altLang="ko-KR" sz="2000" dirty="0"/>
+              <a:t>UI</a:t>
+            </a:r>
+            <a:r>
+              <a:rPr lang="ko-KR" altLang="en-US" sz="2000" dirty="0"/>
+              <a:t>로 가시성 향상 </a:t>
+            </a:r>
+            <a:r>
+              <a:rPr lang="en-US" altLang="ko-KR" sz="2000" dirty="0"/>
+              <a:t>(status</a:t>
+            </a:r>
+            <a:r>
+              <a:rPr lang="ko-KR" altLang="en-US" sz="2000" dirty="0"/>
+              <a:t>정도만 노출</a:t>
+            </a:r>
+            <a:r>
+              <a:rPr lang="en-US" altLang="ko-KR" sz="2000" dirty="0"/>
+              <a:t>)</a:t>
+            </a:r>
             <a:br>
               <a:rPr lang="en-US" altLang="ko-KR" sz="2000" dirty="0"/>
             </a:br>
             <a:br>
               <a:rPr lang="en-US" altLang="ko-KR" sz="2000" dirty="0"/>
             </a:br>
-            <a:br>
-              <a:rPr lang="en-US" altLang="ko-KR" sz="2000" dirty="0"/>
-            </a:br>
-            <a:br>
-              <a:rPr lang="en-US" altLang="ko-KR" sz="2000" dirty="0"/>
-            </a:br>
-            <a:r>
-              <a:rPr lang="en-US" altLang="ko-KR" sz="2000" dirty="0"/>
-              <a:t>== </a:t>
-            </a:r>
             <a:r>
               <a:rPr lang="ko-KR" altLang="en-US" sz="2000" dirty="0"/>
-              <a:t>구성 요소 </a:t>
-            </a:r>
-            <a:r>
-              <a:rPr lang="en-US" altLang="ko-KR" sz="2000" dirty="0"/>
-              <a:t>==</a:t>
-            </a:r>
-            <a:br>
-              <a:rPr lang="en-US" altLang="ko-KR" sz="2000" dirty="0"/>
-            </a:br>
+              <a:t>상호작용 </a:t>
+            </a:r>
+            <a:r>
+              <a:rPr lang="en-US" altLang="ko-KR" sz="2000" dirty="0"/>
+              <a:t>UI</a:t>
+            </a:r>
             <a:r>
               <a:rPr lang="ko-KR" altLang="en-US" sz="2000" dirty="0"/>
-              <a:t>게임 시작 </a:t>
-            </a:r>
-            <a:r>
-              <a:rPr lang="en-US" altLang="ko-KR" sz="2000" dirty="0"/>
-              <a:t>-&gt; </a:t>
-            </a:r>
-            <a:r>
-              <a:rPr lang="ko-KR" altLang="en-US" sz="2000" dirty="0"/>
-              <a:t>저장 슬롯 나오는 화면 </a:t>
-            </a:r>
-            <a:r>
-              <a:rPr lang="en-US" altLang="ko-KR" sz="2000" dirty="0"/>
-              <a:t>-&gt; </a:t>
-            </a:r>
-            <a:r>
-              <a:rPr lang="ko-KR" altLang="en-US" sz="2000" dirty="0"/>
-              <a:t>슬롯 </a:t>
-            </a:r>
-            <a:r>
-              <a:rPr lang="ko-KR" altLang="en-US" sz="2000" dirty="0" err="1"/>
-              <a:t>클릭시</a:t>
-            </a:r>
-            <a:r>
-              <a:rPr lang="ko-KR" altLang="en-US" sz="2000" dirty="0"/>
-              <a:t> 해당 데이터 불러와서 </a:t>
-            </a:r>
-            <a:r>
-              <a:rPr lang="ko-KR" altLang="en-US" sz="2000" dirty="0" err="1"/>
-              <a:t>겜시작</a:t>
-            </a:r>
-            <a:br>
-              <a:rPr lang="en-US" altLang="ko-KR" sz="2000" dirty="0"/>
-            </a:br>
-            <a:r>
-              <a:rPr lang="ko-KR" altLang="en-US" sz="2000" dirty="0"/>
-              <a:t>옵션 </a:t>
-            </a:r>
-            <a:r>
-              <a:rPr lang="en-US" altLang="ko-KR" sz="2000" dirty="0"/>
-              <a:t>-&gt; </a:t>
-            </a:r>
-            <a:r>
-              <a:rPr lang="ko-KR" altLang="en-US" sz="2000" dirty="0"/>
-              <a:t>다음 </a:t>
-            </a:r>
-            <a:r>
-              <a:rPr lang="en-US" altLang="ko-KR" sz="2000" dirty="0"/>
-              <a:t>PPT</a:t>
-            </a:r>
-            <a:br>
-              <a:rPr lang="en-US" altLang="ko-KR" sz="2000" dirty="0"/>
-            </a:br>
-            <a:br>
-              <a:rPr lang="en-US" altLang="ko-KR" sz="2000" dirty="0"/>
-            </a:br>
-            <a:r>
-              <a:rPr lang="ko-KR" altLang="en-US" sz="2000" dirty="0"/>
-              <a:t>게임 종료</a:t>
+              <a:t>는 다 키입력을 받아 노출</a:t>
             </a:r>
             <a:br>
               <a:rPr lang="en-US" altLang="ko-KR" sz="2000" dirty="0"/>
@@ -9886,7 +9746,7 @@
           <a:p>
             <a:r>
               <a:rPr lang="ko-KR" altLang="en-US" sz="5000" dirty="0"/>
-              <a:t>메인 화면</a:t>
+              <a:t>게임 화면</a:t>
             </a:r>
           </a:p>
         </p:txBody>
@@ -9894,7 +9754,7 @@
     </p:spTree>
     <p:extLst>
       <p:ext uri="{BB962C8B-B14F-4D97-AF65-F5344CB8AC3E}">
-        <p14:creationId xmlns:p14="http://schemas.microsoft.com/office/powerpoint/2010/main" val="696632196"/>
+        <p14:creationId xmlns:p14="http://schemas.microsoft.com/office/powerpoint/2010/main" val="3704034967"/>
       </p:ext>
     </p:extLst>
   </p:cSld>
@@ -9945,16 +9805,223 @@
         </p:spPr>
         <p:txBody>
           <a:bodyPr>
+            <a:normAutofit fontScale="90000"/>
+          </a:bodyPr>
+          <a:lstStyle/>
+          <a:p>
+            <a:br>
+              <a:rPr lang="en-US" altLang="ko-KR" sz="2000" dirty="0"/>
+            </a:br>
+            <a:br>
+              <a:rPr lang="en-US" altLang="ko-KR" sz="2000" dirty="0"/>
+            </a:br>
+            <a:br>
+              <a:rPr lang="en-US" altLang="ko-KR" sz="2000" dirty="0"/>
+            </a:br>
+            <a:br>
+              <a:rPr lang="en-US" altLang="ko-KR" sz="2000" dirty="0"/>
+            </a:br>
+            <a:r>
+              <a:rPr lang="en-US" altLang="ko-KR" sz="2000" dirty="0"/>
+              <a:t>== </a:t>
+            </a:r>
+            <a:r>
+              <a:rPr lang="ko-KR" altLang="en-US" sz="2000" dirty="0"/>
+              <a:t>구성 요소 </a:t>
+            </a:r>
+            <a:r>
+              <a:rPr lang="en-US" altLang="ko-KR" sz="2000" dirty="0"/>
+              <a:t>==</a:t>
+            </a:r>
+            <a:br>
+              <a:rPr lang="en-US" altLang="ko-KR" sz="2000" dirty="0"/>
+            </a:br>
+            <a:r>
+              <a:rPr lang="ko-KR" altLang="en-US" sz="2000" dirty="0"/>
+              <a:t>게임 시작 </a:t>
+            </a:r>
+            <a:r>
+              <a:rPr lang="en-US" altLang="ko-KR" sz="2000" dirty="0"/>
+              <a:t>-&gt; </a:t>
+            </a:r>
+            <a:r>
+              <a:rPr lang="ko-KR" altLang="en-US" sz="2000" dirty="0"/>
+              <a:t>저장 슬롯 나오는 화면 </a:t>
+            </a:r>
+            <a:r>
+              <a:rPr lang="en-US" altLang="ko-KR" sz="2000" dirty="0"/>
+              <a:t>-&gt; </a:t>
+            </a:r>
+            <a:r>
+              <a:rPr lang="ko-KR" altLang="en-US" sz="2000" dirty="0"/>
+              <a:t>슬롯 </a:t>
+            </a:r>
+            <a:r>
+              <a:rPr lang="ko-KR" altLang="en-US" sz="2000" dirty="0" err="1"/>
+              <a:t>클릭시</a:t>
+            </a:r>
+            <a:r>
+              <a:rPr lang="ko-KR" altLang="en-US" sz="2000" dirty="0"/>
+              <a:t> 해당 데이터 불러와서 </a:t>
+            </a:r>
+            <a:r>
+              <a:rPr lang="ko-KR" altLang="en-US" sz="2000" dirty="0" err="1"/>
+              <a:t>겜시작</a:t>
+            </a:r>
+            <a:br>
+              <a:rPr lang="en-US" altLang="ko-KR" sz="2000" dirty="0"/>
+            </a:br>
+            <a:r>
+              <a:rPr lang="ko-KR" altLang="en-US" sz="2000" dirty="0"/>
+              <a:t>옵션 </a:t>
+            </a:r>
+            <a:r>
+              <a:rPr lang="en-US" altLang="ko-KR" sz="2000" dirty="0"/>
+              <a:t>-&gt; </a:t>
+            </a:r>
+            <a:r>
+              <a:rPr lang="ko-KR" altLang="en-US" sz="2000" dirty="0"/>
+              <a:t>다음 </a:t>
+            </a:r>
+            <a:r>
+              <a:rPr lang="en-US" altLang="ko-KR" sz="2000" dirty="0"/>
+              <a:t>PPT</a:t>
+            </a:r>
+            <a:br>
+              <a:rPr lang="en-US" altLang="ko-KR" sz="2000" dirty="0"/>
+            </a:br>
+            <a:br>
+              <a:rPr lang="en-US" altLang="ko-KR" sz="2000" dirty="0"/>
+            </a:br>
+            <a:r>
+              <a:rPr lang="ko-KR" altLang="en-US" sz="2000" dirty="0"/>
+              <a:t>게임 종료</a:t>
+            </a:r>
+            <a:br>
+              <a:rPr lang="en-US" altLang="ko-KR" sz="2000" dirty="0"/>
+            </a:br>
+            <a:br>
+              <a:rPr lang="en-US" altLang="ko-KR" sz="2000" dirty="0"/>
+            </a:br>
+            <a:br>
+              <a:rPr lang="en-US" altLang="ko-KR" sz="2000" dirty="0"/>
+            </a:br>
+            <a:endParaRPr lang="ko-KR" altLang="en-US" sz="2000" dirty="0"/>
+          </a:p>
+        </p:txBody>
+      </p:sp>
+      <p:sp>
+        <p:nvSpPr>
+          <p:cNvPr id="4" name="제목 1">
+            <a:extLst>
+              <a:ext uri="{FF2B5EF4-FFF2-40B4-BE49-F238E27FC236}">
+                <a16:creationId xmlns:a16="http://schemas.microsoft.com/office/drawing/2014/main" id="{8E2E0E5E-C494-5952-9A4E-98B51E4DFDCD}"/>
+              </a:ext>
+            </a:extLst>
+          </p:cNvPr>
+          <p:cNvSpPr txBox="1">
+            <a:spLocks/>
+          </p:cNvSpPr>
+          <p:nvPr/>
+        </p:nvSpPr>
+        <p:spPr>
+          <a:xfrm>
+            <a:off x="981338" y="528638"/>
+            <a:ext cx="8712995" cy="859366"/>
+          </a:xfrm>
+          <a:prstGeom prst="rect">
+            <a:avLst/>
+          </a:prstGeom>
+        </p:spPr>
+        <p:txBody>
+          <a:bodyPr vert="horz" wrap="square" lIns="0" tIns="0" rIns="0" bIns="0" rtlCol="0" anchor="t" anchorCtr="0">
+            <a:noAutofit/>
+          </a:bodyPr>
+          <a:lstStyle>
+            <a:lvl1pPr algn="l" defTabSz="914400" rtl="0" eaLnBrk="1" latinLnBrk="0" hangingPunct="1">
+              <a:lnSpc>
+                <a:spcPct val="110000"/>
+              </a:lnSpc>
+              <a:spcBef>
+                <a:spcPct val="0"/>
+              </a:spcBef>
+              <a:buNone/>
+              <a:defRPr lang="en-US" sz="4800" kern="1200" spc="160" dirty="0">
+                <a:solidFill>
+                  <a:schemeClr val="tx1"/>
+                </a:solidFill>
+                <a:latin typeface="+mj-lt"/>
+                <a:ea typeface="+mj-ea"/>
+                <a:cs typeface="+mj-cs"/>
+              </a:defRPr>
+            </a:lvl1pPr>
+          </a:lstStyle>
+          <a:p>
+            <a:r>
+              <a:rPr lang="ko-KR" altLang="en-US" sz="5000" dirty="0"/>
+              <a:t>메인 화면</a:t>
+            </a:r>
+          </a:p>
+        </p:txBody>
+      </p:sp>
+    </p:spTree>
+    <p:extLst>
+      <p:ext uri="{BB962C8B-B14F-4D97-AF65-F5344CB8AC3E}">
+        <p14:creationId xmlns:p14="http://schemas.microsoft.com/office/powerpoint/2010/main" val="696632196"/>
+      </p:ext>
+    </p:extLst>
+  </p:cSld>
+  <p:clrMapOvr>
+    <a:masterClrMapping/>
+  </p:clrMapOvr>
+</p:sld>
+</file>
+
+<file path=ppt/slides/slide19.xml><?xml version="1.0" encoding="utf-8"?>
+<p:sld xmlns:a="http://schemas.openxmlformats.org/drawingml/2006/main" xmlns:r="http://schemas.openxmlformats.org/officeDocument/2006/relationships" xmlns:p="http://schemas.openxmlformats.org/presentationml/2006/main">
+  <p:cSld>
+    <p:spTree>
+      <p:nvGrpSpPr>
+        <p:cNvPr id="1" name=""/>
+        <p:cNvGrpSpPr/>
+        <p:nvPr/>
+      </p:nvGrpSpPr>
+      <p:grpSpPr>
+        <a:xfrm>
+          <a:off x="0" y="0"/>
+          <a:ext cx="0" cy="0"/>
+          <a:chOff x="0" y="0"/>
+          <a:chExt cx="0" cy="0"/>
+        </a:xfrm>
+      </p:grpSpPr>
+      <p:sp>
+        <p:nvSpPr>
+          <p:cNvPr id="2" name="제목 1">
+            <a:extLst>
+              <a:ext uri="{FF2B5EF4-FFF2-40B4-BE49-F238E27FC236}">
+                <a16:creationId xmlns:a16="http://schemas.microsoft.com/office/drawing/2014/main" id="{7B2E3A79-41DF-C0FE-CFAA-BCB5A42209EE}"/>
+              </a:ext>
+            </a:extLst>
+          </p:cNvPr>
+          <p:cNvSpPr>
+            <a:spLocks noGrp="1"/>
+          </p:cNvSpPr>
+          <p:nvPr>
+            <p:ph type="title"/>
+          </p:nvPr>
+        </p:nvSpPr>
+        <p:spPr>
+          <a:xfrm>
+            <a:off x="1250020" y="1698691"/>
+            <a:ext cx="10483324" cy="3124201"/>
+          </a:xfrm>
+        </p:spPr>
+        <p:txBody>
+          <a:bodyPr>
             <a:normAutofit/>
           </a:bodyPr>
           <a:lstStyle/>
           <a:p>
-            <a:br>
-              <a:rPr lang="en-US" altLang="ko-KR" sz="2000" dirty="0"/>
-            </a:br>
-            <a:br>
-              <a:rPr lang="en-US" altLang="ko-KR" sz="2000" dirty="0"/>
-            </a:br>
             <a:r>
               <a:rPr lang="en-US" altLang="ko-KR" sz="2000" dirty="0"/>
               <a:t>== </a:t>
@@ -9992,7 +10059,7 @@
             </a:r>
             <a:r>
               <a:rPr lang="en-US" altLang="ko-KR" sz="2000" dirty="0"/>
-              <a:t>, </a:t>
+              <a:t> </a:t>
             </a:r>
             <a:br>
               <a:rPr lang="en-US" altLang="ko-KR" sz="2000" dirty="0"/>
@@ -10009,6 +10076,29 @@
               <a:rPr lang="ko-KR" altLang="en-US" sz="2000" dirty="0"/>
               <a:t>소리 세부 설정</a:t>
             </a:r>
+            <a:r>
+              <a:rPr lang="en-US" altLang="ko-KR" sz="2000" dirty="0"/>
+              <a:t>(</a:t>
+            </a:r>
+            <a:r>
+              <a:rPr lang="en-US" altLang="ko-KR" sz="2000" dirty="0" err="1"/>
+              <a:t>bgm</a:t>
+            </a:r>
+            <a:r>
+              <a:rPr lang="en-US" altLang="ko-KR" sz="2000" dirty="0"/>
+              <a:t>, </a:t>
+            </a:r>
+            <a:r>
+              <a:rPr lang="en-US" altLang="ko-KR" sz="2000" dirty="0" err="1"/>
+              <a:t>sfx</a:t>
+            </a:r>
+            <a:r>
+              <a:rPr lang="en-US" altLang="ko-KR" sz="2000" dirty="0"/>
+              <a:t>, master)</a:t>
+            </a:r>
+            <a:br>
+              <a:rPr lang="en-US" altLang="ko-KR" sz="2000" dirty="0"/>
+            </a:br>
             <a:br>
               <a:rPr lang="en-US" altLang="ko-KR" sz="2000" dirty="0"/>
             </a:br>
@@ -10423,6 +10513,836 @@
 </p:sld>
 </file>
 
+<file path=ppt/slides/slide20.xml><?xml version="1.0" encoding="utf-8"?>
+<p:sld xmlns:a="http://schemas.openxmlformats.org/drawingml/2006/main" xmlns:r="http://schemas.openxmlformats.org/officeDocument/2006/relationships" xmlns:p="http://schemas.openxmlformats.org/presentationml/2006/main">
+  <p:cSld>
+    <p:spTree>
+      <p:nvGrpSpPr>
+        <p:cNvPr id="1" name=""/>
+        <p:cNvGrpSpPr/>
+        <p:nvPr/>
+      </p:nvGrpSpPr>
+      <p:grpSpPr>
+        <a:xfrm>
+          <a:off x="0" y="0"/>
+          <a:ext cx="0" cy="0"/>
+          <a:chOff x="0" y="0"/>
+          <a:chExt cx="0" cy="0"/>
+        </a:xfrm>
+      </p:grpSpPr>
+      <p:sp>
+        <p:nvSpPr>
+          <p:cNvPr id="2" name="제목 1">
+            <a:extLst>
+              <a:ext uri="{FF2B5EF4-FFF2-40B4-BE49-F238E27FC236}">
+                <a16:creationId xmlns:a16="http://schemas.microsoft.com/office/drawing/2014/main" id="{7B2E3A79-41DF-C0FE-CFAA-BCB5A42209EE}"/>
+              </a:ext>
+            </a:extLst>
+          </p:cNvPr>
+          <p:cNvSpPr>
+            <a:spLocks noGrp="1"/>
+          </p:cNvSpPr>
+          <p:nvPr>
+            <p:ph type="title"/>
+          </p:nvPr>
+        </p:nvSpPr>
+        <p:spPr>
+          <a:xfrm>
+            <a:off x="981338" y="1659111"/>
+            <a:ext cx="10483324" cy="4997465"/>
+          </a:xfrm>
+        </p:spPr>
+        <p:txBody>
+          <a:bodyPr>
+            <a:normAutofit/>
+          </a:bodyPr>
+          <a:lstStyle/>
+          <a:p>
+            <a:r>
+              <a:rPr lang="ko-KR" altLang="en-US" sz="2000" dirty="0"/>
+              <a:t>플레이어의 취향대로 플레이어를 성장 시킬 수 있으면 좋겠다고 생각 </a:t>
+            </a:r>
+            <a:r>
+              <a:rPr lang="en-US" altLang="ko-KR" sz="2000" dirty="0"/>
+              <a:t>-&gt; </a:t>
+            </a:r>
+            <a:r>
+              <a:rPr lang="ko-KR" altLang="en-US" sz="2000" dirty="0"/>
+              <a:t>스킬 노드 시스템</a:t>
+            </a:r>
+            <a:br>
+              <a:rPr lang="en-US" altLang="ko-KR" sz="2000" dirty="0"/>
+            </a:br>
+            <a:br>
+              <a:rPr lang="en-US" altLang="ko-KR" sz="2000" dirty="0"/>
+            </a:br>
+            <a:r>
+              <a:rPr lang="ko-KR" altLang="en-US" sz="2000" dirty="0"/>
+              <a:t>반복적인 공격을 피하고 유저의 플레이 스타일을 최대한 살리고 싶다 </a:t>
+            </a:r>
+            <a:r>
+              <a:rPr lang="en-US" altLang="ko-KR" sz="2000" dirty="0"/>
+              <a:t>-&gt; </a:t>
+            </a:r>
+            <a:r>
+              <a:rPr lang="ko-KR" altLang="en-US" sz="2000" dirty="0"/>
+              <a:t>무기 시스템</a:t>
+            </a:r>
+            <a:br>
+              <a:rPr lang="en-US" altLang="ko-KR" sz="2000" dirty="0"/>
+            </a:br>
+            <a:br>
+              <a:rPr lang="en-US" altLang="ko-KR" sz="2000" dirty="0"/>
+            </a:br>
+            <a:br>
+              <a:rPr lang="en-US" altLang="ko-KR" sz="2000" dirty="0"/>
+            </a:br>
+            <a:br>
+              <a:rPr lang="en-US" altLang="ko-KR" sz="2000" dirty="0"/>
+            </a:br>
+            <a:br>
+              <a:rPr lang="en-US" altLang="ko-KR" sz="2000" dirty="0"/>
+            </a:br>
+            <a:br>
+              <a:rPr lang="en-US" altLang="ko-KR" sz="2000" dirty="0"/>
+            </a:br>
+            <a:br>
+              <a:rPr lang="en-US" altLang="ko-KR" sz="2000" dirty="0"/>
+            </a:br>
+            <a:br>
+              <a:rPr lang="en-US" altLang="ko-KR" sz="2000" dirty="0"/>
+            </a:br>
+            <a:endParaRPr lang="ko-KR" altLang="en-US" sz="2000" dirty="0"/>
+          </a:p>
+        </p:txBody>
+      </p:sp>
+      <p:sp>
+        <p:nvSpPr>
+          <p:cNvPr id="4" name="제목 1">
+            <a:extLst>
+              <a:ext uri="{FF2B5EF4-FFF2-40B4-BE49-F238E27FC236}">
+                <a16:creationId xmlns:a16="http://schemas.microsoft.com/office/drawing/2014/main" id="{8E2E0E5E-C494-5952-9A4E-98B51E4DFDCD}"/>
+              </a:ext>
+            </a:extLst>
+          </p:cNvPr>
+          <p:cNvSpPr txBox="1">
+            <a:spLocks/>
+          </p:cNvSpPr>
+          <p:nvPr/>
+        </p:nvSpPr>
+        <p:spPr>
+          <a:xfrm>
+            <a:off x="981338" y="528638"/>
+            <a:ext cx="8712995" cy="859366"/>
+          </a:xfrm>
+          <a:prstGeom prst="rect">
+            <a:avLst/>
+          </a:prstGeom>
+        </p:spPr>
+        <p:txBody>
+          <a:bodyPr vert="horz" wrap="square" lIns="0" tIns="0" rIns="0" bIns="0" rtlCol="0" anchor="t" anchorCtr="0">
+            <a:noAutofit/>
+          </a:bodyPr>
+          <a:lstStyle>
+            <a:lvl1pPr algn="l" defTabSz="914400" rtl="0" eaLnBrk="1" latinLnBrk="0" hangingPunct="1">
+              <a:lnSpc>
+                <a:spcPct val="110000"/>
+              </a:lnSpc>
+              <a:spcBef>
+                <a:spcPct val="0"/>
+              </a:spcBef>
+              <a:buNone/>
+              <a:defRPr lang="en-US" sz="4800" kern="1200" spc="160" dirty="0">
+                <a:solidFill>
+                  <a:schemeClr val="tx1"/>
+                </a:solidFill>
+                <a:latin typeface="+mj-lt"/>
+                <a:ea typeface="+mj-ea"/>
+                <a:cs typeface="+mj-cs"/>
+              </a:defRPr>
+            </a:lvl1pPr>
+          </a:lstStyle>
+          <a:p>
+            <a:r>
+              <a:rPr lang="ko-KR" altLang="en-US" sz="5000" dirty="0"/>
+              <a:t>캐릭터의 성장</a:t>
+            </a:r>
+          </a:p>
+        </p:txBody>
+      </p:sp>
+    </p:spTree>
+    <p:extLst>
+      <p:ext uri="{BB962C8B-B14F-4D97-AF65-F5344CB8AC3E}">
+        <p14:creationId xmlns:p14="http://schemas.microsoft.com/office/powerpoint/2010/main" val="1619180556"/>
+      </p:ext>
+    </p:extLst>
+  </p:cSld>
+  <p:clrMapOvr>
+    <a:masterClrMapping/>
+  </p:clrMapOvr>
+</p:sld>
+</file>
+
+<file path=ppt/slides/slide21.xml><?xml version="1.0" encoding="utf-8"?>
+<p:sld xmlns:a="http://schemas.openxmlformats.org/drawingml/2006/main" xmlns:r="http://schemas.openxmlformats.org/officeDocument/2006/relationships" xmlns:p="http://schemas.openxmlformats.org/presentationml/2006/main">
+  <p:cSld>
+    <p:spTree>
+      <p:nvGrpSpPr>
+        <p:cNvPr id="1" name=""/>
+        <p:cNvGrpSpPr/>
+        <p:nvPr/>
+      </p:nvGrpSpPr>
+      <p:grpSpPr>
+        <a:xfrm>
+          <a:off x="0" y="0"/>
+          <a:ext cx="0" cy="0"/>
+          <a:chOff x="0" y="0"/>
+          <a:chExt cx="0" cy="0"/>
+        </a:xfrm>
+      </p:grpSpPr>
+      <p:sp>
+        <p:nvSpPr>
+          <p:cNvPr id="2" name="제목 1">
+            <a:extLst>
+              <a:ext uri="{FF2B5EF4-FFF2-40B4-BE49-F238E27FC236}">
+                <a16:creationId xmlns:a16="http://schemas.microsoft.com/office/drawing/2014/main" id="{7B2E3A79-41DF-C0FE-CFAA-BCB5A42209EE}"/>
+              </a:ext>
+            </a:extLst>
+          </p:cNvPr>
+          <p:cNvSpPr>
+            <a:spLocks noGrp="1"/>
+          </p:cNvSpPr>
+          <p:nvPr>
+            <p:ph type="title"/>
+          </p:nvPr>
+        </p:nvSpPr>
+        <p:spPr>
+          <a:xfrm>
+            <a:off x="1157423" y="1710266"/>
+            <a:ext cx="4648697" cy="329549"/>
+          </a:xfrm>
+        </p:spPr>
+        <p:txBody>
+          <a:bodyPr>
+            <a:noAutofit/>
+          </a:bodyPr>
+          <a:lstStyle/>
+          <a:p>
+            <a:br>
+              <a:rPr lang="en-US" altLang="ko-KR" sz="1000" dirty="0"/>
+            </a:br>
+            <a:br>
+              <a:rPr lang="en-US" altLang="ko-KR" sz="1000" dirty="0"/>
+            </a:br>
+            <a:endParaRPr lang="ko-KR" altLang="en-US" sz="1000" dirty="0"/>
+          </a:p>
+        </p:txBody>
+      </p:sp>
+      <p:sp>
+        <p:nvSpPr>
+          <p:cNvPr id="4" name="제목 1">
+            <a:extLst>
+              <a:ext uri="{FF2B5EF4-FFF2-40B4-BE49-F238E27FC236}">
+                <a16:creationId xmlns:a16="http://schemas.microsoft.com/office/drawing/2014/main" id="{8E2E0E5E-C494-5952-9A4E-98B51E4DFDCD}"/>
+              </a:ext>
+            </a:extLst>
+          </p:cNvPr>
+          <p:cNvSpPr txBox="1">
+            <a:spLocks/>
+          </p:cNvSpPr>
+          <p:nvPr/>
+        </p:nvSpPr>
+        <p:spPr>
+          <a:xfrm>
+            <a:off x="981338" y="528638"/>
+            <a:ext cx="8712995" cy="859366"/>
+          </a:xfrm>
+          <a:prstGeom prst="rect">
+            <a:avLst/>
+          </a:prstGeom>
+        </p:spPr>
+        <p:txBody>
+          <a:bodyPr vert="horz" wrap="square" lIns="0" tIns="0" rIns="0" bIns="0" rtlCol="0" anchor="t" anchorCtr="0">
+            <a:noAutofit/>
+          </a:bodyPr>
+          <a:lstStyle>
+            <a:lvl1pPr algn="l" defTabSz="914400" rtl="0" eaLnBrk="1" latinLnBrk="0" hangingPunct="1">
+              <a:lnSpc>
+                <a:spcPct val="110000"/>
+              </a:lnSpc>
+              <a:spcBef>
+                <a:spcPct val="0"/>
+              </a:spcBef>
+              <a:buNone/>
+              <a:defRPr lang="en-US" sz="4800" kern="1200" spc="160" dirty="0">
+                <a:solidFill>
+                  <a:schemeClr val="tx1"/>
+                </a:solidFill>
+                <a:latin typeface="+mj-lt"/>
+                <a:ea typeface="+mj-ea"/>
+                <a:cs typeface="+mj-cs"/>
+              </a:defRPr>
+            </a:lvl1pPr>
+          </a:lstStyle>
+          <a:p>
+            <a:endParaRPr lang="ko-KR" altLang="en-US" sz="5000" dirty="0"/>
+          </a:p>
+        </p:txBody>
+      </p:sp>
+      <p:pic>
+        <p:nvPicPr>
+          <p:cNvPr id="1026" name="Picture 2">
+            <a:extLst>
+              <a:ext uri="{FF2B5EF4-FFF2-40B4-BE49-F238E27FC236}">
+                <a16:creationId xmlns:a16="http://schemas.microsoft.com/office/drawing/2014/main" id="{8FC998D5-C9CA-8510-E5CC-91EF786E3341}"/>
+              </a:ext>
+            </a:extLst>
+          </p:cNvPr>
+          <p:cNvPicPr>
+            <a:picLocks noChangeAspect="1" noChangeArrowheads="1"/>
+          </p:cNvPicPr>
+          <p:nvPr/>
+        </p:nvPicPr>
+        <p:blipFill>
+          <a:blip r:embed="rId2">
+            <a:extLst>
+              <a:ext uri="{28A0092B-C50C-407E-A947-70E740481C1C}">
+                <a14:useLocalDpi xmlns:a14="http://schemas.microsoft.com/office/drawing/2010/main" val="0"/>
+              </a:ext>
+            </a:extLst>
+          </a:blip>
+          <a:srcRect/>
+          <a:stretch>
+            <a:fillRect/>
+          </a:stretch>
+        </p:blipFill>
+        <p:spPr bwMode="auto">
+          <a:xfrm>
+            <a:off x="364482" y="168352"/>
+            <a:ext cx="6833881" cy="3066348"/>
+          </a:xfrm>
+          <a:prstGeom prst="rect">
+            <a:avLst/>
+          </a:prstGeom>
+          <a:noFill/>
+          <a:extLst>
+            <a:ext uri="{909E8E84-426E-40DD-AFC4-6F175D3DCCD1}">
+              <a14:hiddenFill xmlns:a14="http://schemas.microsoft.com/office/drawing/2010/main">
+                <a:solidFill>
+                  <a:srgbClr val="FFFFFF"/>
+                </a:solidFill>
+              </a14:hiddenFill>
+            </a:ext>
+          </a:extLst>
+        </p:spPr>
+      </p:pic>
+      <p:sp>
+        <p:nvSpPr>
+          <p:cNvPr id="3" name="TextBox 2">
+            <a:extLst>
+              <a:ext uri="{FF2B5EF4-FFF2-40B4-BE49-F238E27FC236}">
+                <a16:creationId xmlns:a16="http://schemas.microsoft.com/office/drawing/2014/main" id="{9C6D1A27-D136-9D0F-72F0-8394ACE84F87}"/>
+              </a:ext>
+            </a:extLst>
+          </p:cNvPr>
+          <p:cNvSpPr txBox="1"/>
+          <p:nvPr/>
+        </p:nvSpPr>
+        <p:spPr>
+          <a:xfrm>
+            <a:off x="7334457" y="205472"/>
+            <a:ext cx="4719751" cy="646331"/>
+          </a:xfrm>
+          <a:prstGeom prst="rect">
+            <a:avLst/>
+          </a:prstGeom>
+          <a:noFill/>
+        </p:spPr>
+        <p:txBody>
+          <a:bodyPr wrap="square" rtlCol="0">
+            <a:spAutoFit/>
+          </a:bodyPr>
+          <a:lstStyle/>
+          <a:p>
+            <a:r>
+              <a:rPr lang="en-US" altLang="ko-KR" dirty="0"/>
+              <a:t>&lt; POE</a:t>
+            </a:r>
+            <a:r>
+              <a:rPr lang="ko-KR" altLang="en-US" dirty="0"/>
+              <a:t>게임의 스킬 노드</a:t>
+            </a:r>
+            <a:endParaRPr lang="en-US" altLang="ko-KR" dirty="0"/>
+          </a:p>
+          <a:p>
+            <a:endParaRPr lang="en-US" altLang="ko-KR" dirty="0"/>
+          </a:p>
+        </p:txBody>
+      </p:sp>
+      <p:pic>
+        <p:nvPicPr>
+          <p:cNvPr id="2050" name="Picture 2">
+            <a:extLst>
+              <a:ext uri="{FF2B5EF4-FFF2-40B4-BE49-F238E27FC236}">
+                <a16:creationId xmlns:a16="http://schemas.microsoft.com/office/drawing/2014/main" id="{8CB12DFB-36DD-19D1-929D-62410855218D}"/>
+              </a:ext>
+            </a:extLst>
+          </p:cNvPr>
+          <p:cNvPicPr>
+            <a:picLocks noChangeAspect="1" noChangeArrowheads="1"/>
+          </p:cNvPicPr>
+          <p:nvPr/>
+        </p:nvPicPr>
+        <p:blipFill>
+          <a:blip r:embed="rId3">
+            <a:extLst>
+              <a:ext uri="{28A0092B-C50C-407E-A947-70E740481C1C}">
+                <a14:useLocalDpi xmlns:a14="http://schemas.microsoft.com/office/drawing/2010/main" val="0"/>
+              </a:ext>
+            </a:extLst>
+          </a:blip>
+          <a:srcRect/>
+          <a:stretch>
+            <a:fillRect/>
+          </a:stretch>
+        </p:blipFill>
+        <p:spPr bwMode="auto">
+          <a:xfrm>
+            <a:off x="6149444" y="3363457"/>
+            <a:ext cx="5952914" cy="3326191"/>
+          </a:xfrm>
+          <a:prstGeom prst="rect">
+            <a:avLst/>
+          </a:prstGeom>
+          <a:noFill/>
+          <a:extLst>
+            <a:ext uri="{909E8E84-426E-40DD-AFC4-6F175D3DCCD1}">
+              <a14:hiddenFill xmlns:a14="http://schemas.microsoft.com/office/drawing/2010/main">
+                <a:solidFill>
+                  <a:srgbClr val="FFFFFF"/>
+                </a:solidFill>
+              </a14:hiddenFill>
+            </a:ext>
+          </a:extLst>
+        </p:spPr>
+      </p:pic>
+      <p:sp>
+        <p:nvSpPr>
+          <p:cNvPr id="5" name="TextBox 4">
+            <a:extLst>
+              <a:ext uri="{FF2B5EF4-FFF2-40B4-BE49-F238E27FC236}">
+                <a16:creationId xmlns:a16="http://schemas.microsoft.com/office/drawing/2014/main" id="{9897207A-8922-DE04-F7F2-C209D4037A6C}"/>
+              </a:ext>
+            </a:extLst>
+          </p:cNvPr>
+          <p:cNvSpPr txBox="1"/>
+          <p:nvPr/>
+        </p:nvSpPr>
+        <p:spPr>
+          <a:xfrm>
+            <a:off x="7334457" y="1126394"/>
+            <a:ext cx="4631020" cy="523220"/>
+          </a:xfrm>
+          <a:prstGeom prst="rect">
+            <a:avLst/>
+          </a:prstGeom>
+          <a:noFill/>
+        </p:spPr>
+        <p:txBody>
+          <a:bodyPr wrap="square" rtlCol="0">
+            <a:spAutoFit/>
+          </a:bodyPr>
+          <a:lstStyle/>
+          <a:p>
+            <a:r>
+              <a:rPr lang="ko-KR" altLang="en-US" sz="1400" dirty="0" err="1"/>
+              <a:t>닉스에는</a:t>
+            </a:r>
+            <a:r>
+              <a:rPr lang="ko-KR" altLang="en-US" sz="1400" dirty="0"/>
+              <a:t> 직업 개념은 없으니 중앙 시작 </a:t>
+            </a:r>
+            <a:endParaRPr lang="en-US" altLang="ko-KR" sz="1400" dirty="0"/>
+          </a:p>
+          <a:p>
+            <a:r>
+              <a:rPr lang="ko-KR" altLang="en-US" sz="1400" dirty="0"/>
+              <a:t>플레이어가 원하는 방향으로 캐릭터를 육성 할 수 있게 </a:t>
+            </a:r>
+          </a:p>
+        </p:txBody>
+      </p:sp>
+      <p:sp>
+        <p:nvSpPr>
+          <p:cNvPr id="7" name="TextBox 6">
+            <a:extLst>
+              <a:ext uri="{FF2B5EF4-FFF2-40B4-BE49-F238E27FC236}">
+                <a16:creationId xmlns:a16="http://schemas.microsoft.com/office/drawing/2014/main" id="{61E2553A-4B02-D483-D200-796CE46B3A94}"/>
+              </a:ext>
+            </a:extLst>
+          </p:cNvPr>
+          <p:cNvSpPr txBox="1"/>
+          <p:nvPr/>
+        </p:nvSpPr>
+        <p:spPr>
+          <a:xfrm>
+            <a:off x="364482" y="3371885"/>
+            <a:ext cx="5731518" cy="1477328"/>
+          </a:xfrm>
+          <a:prstGeom prst="rect">
+            <a:avLst/>
+          </a:prstGeom>
+          <a:noFill/>
+        </p:spPr>
+        <p:txBody>
+          <a:bodyPr wrap="square">
+            <a:spAutoFit/>
+          </a:bodyPr>
+          <a:lstStyle/>
+          <a:p>
+            <a:r>
+              <a:rPr lang="en-US" altLang="ko-KR" sz="1500" dirty="0"/>
+              <a:t>== </a:t>
+            </a:r>
+            <a:r>
+              <a:rPr lang="ko-KR" altLang="en-US" sz="1500" dirty="0"/>
+              <a:t>노드에 존재할 항목들 </a:t>
+            </a:r>
+            <a:r>
+              <a:rPr lang="en-US" altLang="ko-KR" sz="1500" dirty="0"/>
+              <a:t>==</a:t>
+            </a:r>
+            <a:br>
+              <a:rPr lang="en-US" altLang="ko-KR" sz="1500" dirty="0"/>
+            </a:br>
+            <a:r>
+              <a:rPr lang="ko-KR" altLang="en-US" sz="1500" dirty="0"/>
+              <a:t>최대 체력</a:t>
+            </a:r>
+            <a:r>
+              <a:rPr lang="en-US" altLang="ko-KR" sz="1500" dirty="0"/>
+              <a:t>, </a:t>
+            </a:r>
+            <a:r>
+              <a:rPr lang="ko-KR" altLang="en-US" sz="1500" dirty="0"/>
+              <a:t>방어력</a:t>
+            </a:r>
+            <a:r>
+              <a:rPr lang="en-US" altLang="ko-KR" sz="1500" dirty="0"/>
+              <a:t>, </a:t>
+            </a:r>
+            <a:r>
+              <a:rPr lang="ko-KR" altLang="en-US" sz="1500" dirty="0"/>
+              <a:t>이속 증가</a:t>
+            </a:r>
+            <a:r>
+              <a:rPr lang="en-US" altLang="ko-KR" sz="1500" dirty="0"/>
+              <a:t>, </a:t>
+            </a:r>
+            <a:r>
+              <a:rPr lang="ko-KR" altLang="en-US" sz="1500" dirty="0"/>
+              <a:t>공격력 강화 </a:t>
+            </a:r>
+            <a:br>
+              <a:rPr lang="en-US" altLang="ko-KR" sz="1500" dirty="0"/>
+            </a:br>
+            <a:br>
+              <a:rPr lang="en-US" altLang="ko-KR" sz="1500" dirty="0"/>
+            </a:br>
+            <a:br>
+              <a:rPr lang="en-US" altLang="ko-KR" sz="1500" dirty="0"/>
+            </a:br>
+            <a:r>
+              <a:rPr lang="ko-KR" altLang="en-US" sz="1500" dirty="0"/>
+              <a:t>특수 항목 </a:t>
+            </a:r>
+            <a:r>
+              <a:rPr lang="en-US" altLang="ko-KR" sz="1500" dirty="0"/>
+              <a:t>(</a:t>
+            </a:r>
+            <a:r>
+              <a:rPr lang="ko-KR" altLang="en-US" sz="1500" dirty="0"/>
+              <a:t>일반 항목보다 많은 포인트 소모</a:t>
+            </a:r>
+            <a:r>
+              <a:rPr lang="en-US" altLang="ko-KR" sz="1500" dirty="0"/>
+              <a:t>)</a:t>
+            </a:r>
+            <a:br>
+              <a:rPr lang="en-US" altLang="ko-KR" sz="1500" dirty="0"/>
+            </a:br>
+            <a:r>
+              <a:rPr lang="en-US" altLang="ko-KR" sz="1500" dirty="0"/>
+              <a:t>2</a:t>
+            </a:r>
+            <a:r>
+              <a:rPr lang="ko-KR" altLang="en-US" sz="1500" dirty="0"/>
+              <a:t>단 점프</a:t>
+            </a:r>
+            <a:r>
+              <a:rPr lang="en-US" altLang="ko-KR" sz="1500" dirty="0"/>
+              <a:t>,</a:t>
+            </a:r>
+            <a:r>
+              <a:rPr lang="ko-KR" altLang="en-US" sz="1500" dirty="0"/>
+              <a:t> </a:t>
+            </a:r>
+            <a:r>
+              <a:rPr lang="ko-KR" altLang="en-US" sz="1500" dirty="0" err="1"/>
+              <a:t>쉴드</a:t>
+            </a:r>
+            <a:r>
+              <a:rPr lang="en-US" altLang="ko-KR" sz="1500" dirty="0"/>
+              <a:t>(</a:t>
+            </a:r>
+            <a:r>
+              <a:rPr lang="ko-KR" altLang="en-US" sz="1500" dirty="0"/>
+              <a:t>일정 시간이상 공격 받지 않을 시</a:t>
+            </a:r>
+            <a:r>
+              <a:rPr lang="en-US" altLang="ko-KR" sz="1500" dirty="0"/>
+              <a:t>), </a:t>
+            </a:r>
+            <a:r>
+              <a:rPr lang="ko-KR" altLang="en-US" sz="1500" dirty="0"/>
+              <a:t>차지 공격</a:t>
+            </a:r>
+            <a:r>
+              <a:rPr lang="en-US" altLang="ko-KR" sz="1500" dirty="0"/>
+              <a:t>(</a:t>
+            </a:r>
+            <a:r>
+              <a:rPr lang="ko-KR" altLang="en-US" sz="1500" dirty="0"/>
+              <a:t>원거리</a:t>
+            </a:r>
+            <a:r>
+              <a:rPr lang="en-US" altLang="ko-KR" sz="1500" dirty="0"/>
+              <a:t>)</a:t>
+            </a:r>
+            <a:endParaRPr lang="ko-KR" altLang="en-US" sz="1500" dirty="0"/>
+          </a:p>
+        </p:txBody>
+      </p:sp>
+    </p:spTree>
+    <p:extLst>
+      <p:ext uri="{BB962C8B-B14F-4D97-AF65-F5344CB8AC3E}">
+        <p14:creationId xmlns:p14="http://schemas.microsoft.com/office/powerpoint/2010/main" val="4062609533"/>
+      </p:ext>
+    </p:extLst>
+  </p:cSld>
+  <p:clrMapOvr>
+    <a:masterClrMapping/>
+  </p:clrMapOvr>
+</p:sld>
+</file>
+
+<file path=ppt/slides/slide22.xml><?xml version="1.0" encoding="utf-8"?>
+<p:sld xmlns:a="http://schemas.openxmlformats.org/drawingml/2006/main" xmlns:r="http://schemas.openxmlformats.org/officeDocument/2006/relationships" xmlns:p="http://schemas.openxmlformats.org/presentationml/2006/main">
+  <p:cSld>
+    <p:spTree>
+      <p:nvGrpSpPr>
+        <p:cNvPr id="1" name=""/>
+        <p:cNvGrpSpPr/>
+        <p:nvPr/>
+      </p:nvGrpSpPr>
+      <p:grpSpPr>
+        <a:xfrm>
+          <a:off x="0" y="0"/>
+          <a:ext cx="0" cy="0"/>
+          <a:chOff x="0" y="0"/>
+          <a:chExt cx="0" cy="0"/>
+        </a:xfrm>
+      </p:grpSpPr>
+      <p:sp>
+        <p:nvSpPr>
+          <p:cNvPr id="2" name="제목 1">
+            <a:extLst>
+              <a:ext uri="{FF2B5EF4-FFF2-40B4-BE49-F238E27FC236}">
+                <a16:creationId xmlns:a16="http://schemas.microsoft.com/office/drawing/2014/main" id="{7B2E3A79-41DF-C0FE-CFAA-BCB5A42209EE}"/>
+              </a:ext>
+            </a:extLst>
+          </p:cNvPr>
+          <p:cNvSpPr>
+            <a:spLocks noGrp="1"/>
+          </p:cNvSpPr>
+          <p:nvPr>
+            <p:ph type="title"/>
+          </p:nvPr>
+        </p:nvSpPr>
+        <p:spPr>
+          <a:xfrm>
+            <a:off x="416642" y="465988"/>
+            <a:ext cx="10483324" cy="4111799"/>
+          </a:xfrm>
+        </p:spPr>
+        <p:txBody>
+          <a:bodyPr>
+            <a:normAutofit fontScale="90000"/>
+          </a:bodyPr>
+          <a:lstStyle/>
+          <a:p>
+            <a:r>
+              <a:rPr lang="ko-KR" altLang="en-US" sz="2000" dirty="0"/>
+              <a:t>반복적인 공격 느낌을 피하기 위해 몇가지의 무기 시스템</a:t>
+            </a:r>
+            <a:br>
+              <a:rPr lang="en-US" altLang="ko-KR" sz="2000" dirty="0"/>
+            </a:br>
+            <a:br>
+              <a:rPr lang="en-US" altLang="ko-KR" sz="2000" dirty="0"/>
+            </a:br>
+            <a:r>
+              <a:rPr lang="ko-KR" altLang="en-US" sz="2000" dirty="0"/>
+              <a:t>무기별로 개별 스펙은 들어가 있지 않음</a:t>
+            </a:r>
+            <a:r>
+              <a:rPr lang="en-US" altLang="ko-KR" sz="2000" dirty="0"/>
+              <a:t>(ex </a:t>
+            </a:r>
+            <a:r>
+              <a:rPr lang="ko-KR" altLang="en-US" sz="2000" dirty="0"/>
+              <a:t>공격력</a:t>
+            </a:r>
+            <a:r>
+              <a:rPr lang="en-US" altLang="ko-KR" sz="2000" dirty="0"/>
+              <a:t>)</a:t>
+            </a:r>
+            <a:br>
+              <a:rPr lang="en-US" altLang="ko-KR" sz="2000" dirty="0"/>
+            </a:br>
+            <a:r>
+              <a:rPr lang="en-US" altLang="ko-KR" sz="2000" dirty="0"/>
+              <a:t>	-</a:t>
+            </a:r>
+            <a:r>
+              <a:rPr lang="ko-KR" altLang="en-US" sz="2000" dirty="0"/>
+              <a:t>스펙은 스킬 노드로</a:t>
+            </a:r>
+            <a:br>
+              <a:rPr lang="en-US" altLang="ko-KR" sz="2000" dirty="0"/>
+            </a:br>
+            <a:br>
+              <a:rPr lang="en-US" altLang="ko-KR" sz="2000" dirty="0"/>
+            </a:br>
+            <a:r>
+              <a:rPr lang="ko-KR" altLang="en-US" sz="2000" dirty="0"/>
+              <a:t>무기는 플레이어가 플레이 스타일을 바꿀 수 있는 수단이면 좋겠음</a:t>
+            </a:r>
+            <a:br>
+              <a:rPr lang="en-US" altLang="ko-KR" sz="2000" dirty="0"/>
+            </a:br>
+            <a:r>
+              <a:rPr lang="en-US" altLang="ko-KR" sz="2000" dirty="0"/>
+              <a:t>	-ex) </a:t>
+            </a:r>
+            <a:r>
+              <a:rPr lang="ko-KR" altLang="en-US" sz="2000" dirty="0"/>
+              <a:t>리치가 다른 무기 대신 플레이어의 전체 공격력에서 일정 수준 가감</a:t>
+            </a:r>
+            <a:br>
+              <a:rPr lang="en-US" altLang="ko-KR" sz="2000" dirty="0"/>
+            </a:br>
+            <a:br>
+              <a:rPr lang="en-US" altLang="ko-KR" sz="2000" dirty="0"/>
+            </a:br>
+            <a:r>
+              <a:rPr lang="ko-KR" altLang="en-US" sz="2000" dirty="0"/>
+              <a:t>무기는 </a:t>
+            </a:r>
+            <a:r>
+              <a:rPr lang="en-US" altLang="ko-KR" sz="2000" dirty="0"/>
+              <a:t>2</a:t>
+            </a:r>
+            <a:r>
+              <a:rPr lang="ko-KR" altLang="en-US" sz="2000" dirty="0"/>
+              <a:t>개까지 장착 가능 장착된 무기는 단축키로 빠른 </a:t>
+            </a:r>
+            <a:r>
+              <a:rPr lang="ko-KR" altLang="en-US" sz="2000" dirty="0" err="1"/>
+              <a:t>스왑</a:t>
+            </a:r>
+            <a:r>
+              <a:rPr lang="ko-KR" altLang="en-US" sz="2000" dirty="0"/>
+              <a:t> 가능</a:t>
+            </a:r>
+            <a:br>
+              <a:rPr lang="en-US" altLang="ko-KR" sz="2000" dirty="0"/>
+            </a:br>
+            <a:br>
+              <a:rPr lang="en-US" altLang="ko-KR" sz="2000" dirty="0"/>
+            </a:br>
+            <a:r>
+              <a:rPr lang="ko-KR" altLang="en-US" sz="2000" dirty="0"/>
+              <a:t>몇몇 무기들은 고유한 능력도 넣고 싶음 이에 따른 유저가 무기를 모으러 탐험 욕구도 올릴 수 있지 않을까 싶음</a:t>
+            </a:r>
+            <a:br>
+              <a:rPr lang="en-US" altLang="ko-KR" sz="2000" dirty="0"/>
+            </a:br>
+            <a:br>
+              <a:rPr lang="en-US" altLang="ko-KR" sz="2000" dirty="0"/>
+            </a:br>
+            <a:endParaRPr lang="ko-KR" altLang="en-US" sz="2000" dirty="0"/>
+          </a:p>
+        </p:txBody>
+      </p:sp>
+      <p:sp>
+        <p:nvSpPr>
+          <p:cNvPr id="3" name="AutoShape 2" descr="죽음의 왕자의 지팡이">
+            <a:extLst>
+              <a:ext uri="{FF2B5EF4-FFF2-40B4-BE49-F238E27FC236}">
+                <a16:creationId xmlns:a16="http://schemas.microsoft.com/office/drawing/2014/main" id="{A56CED04-3452-593D-297A-84B996E8EE43}"/>
+              </a:ext>
+            </a:extLst>
+          </p:cNvPr>
+          <p:cNvSpPr>
+            <a:spLocks noChangeAspect="1" noChangeArrowheads="1"/>
+          </p:cNvSpPr>
+          <p:nvPr/>
+        </p:nvSpPr>
+        <p:spPr bwMode="auto">
+          <a:xfrm>
+            <a:off x="5943600" y="3276600"/>
+            <a:ext cx="304800" cy="304800"/>
+          </a:xfrm>
+          <a:prstGeom prst="rect">
+            <a:avLst/>
+          </a:prstGeom>
+          <a:noFill/>
+          <a:extLst>
+            <a:ext uri="{909E8E84-426E-40DD-AFC4-6F175D3DCCD1}">
+              <a14:hiddenFill xmlns:a14="http://schemas.microsoft.com/office/drawing/2010/main">
+                <a:solidFill>
+                  <a:srgbClr val="FFFFFF"/>
+                </a:solidFill>
+              </a14:hiddenFill>
+            </a:ext>
+          </a:extLst>
+        </p:spPr>
+        <p:txBody>
+          <a:bodyPr vert="horz" wrap="square" lIns="91440" tIns="45720" rIns="91440" bIns="45720" numCol="1" anchor="t" anchorCtr="0" compatLnSpc="1">
+            <a:prstTxWarp prst="textNoShape">
+              <a:avLst/>
+            </a:prstTxWarp>
+          </a:bodyPr>
+          <a:lstStyle/>
+          <a:p>
+            <a:endParaRPr lang="ko-KR" altLang="en-US"/>
+          </a:p>
+        </p:txBody>
+      </p:sp>
+    </p:spTree>
+    <p:extLst>
+      <p:ext uri="{BB962C8B-B14F-4D97-AF65-F5344CB8AC3E}">
+        <p14:creationId xmlns:p14="http://schemas.microsoft.com/office/powerpoint/2010/main" val="746801496"/>
+      </p:ext>
+    </p:extLst>
+  </p:cSld>
+  <p:clrMapOvr>
+    <a:masterClrMapping/>
+  </p:clrMapOvr>
+</p:sld>
+</file>
+
 <file path=ppt/slides/slide3.xml><?xml version="1.0" encoding="utf-8"?>
 <p:sld xmlns:a="http://schemas.openxmlformats.org/drawingml/2006/main" xmlns:r="http://schemas.openxmlformats.org/officeDocument/2006/relationships" xmlns:p="http://schemas.openxmlformats.org/presentationml/2006/main">
   <p:cSld>
@@ -10478,9 +11398,20 @@
             </a:r>
             <a:r>
               <a:rPr lang="ko-KR" altLang="en-US" sz="3000" dirty="0" err="1"/>
-              <a:t>메트로배니아</a:t>
-            </a:r>
-            <a:endParaRPr lang="ko-KR" altLang="en-US" sz="3000" dirty="0"/>
+              <a:t>플랫포머</a:t>
+            </a:r>
+            <a:r>
+              <a:rPr lang="ko-KR" altLang="en-US" sz="3000" dirty="0"/>
+              <a:t> </a:t>
+            </a:r>
+            <a:r>
+              <a:rPr lang="ko-KR" altLang="en-US" sz="3000" dirty="0" err="1"/>
+              <a:t>메트로베니아</a:t>
+            </a:r>
+            <a:r>
+              <a:rPr lang="ko-KR" altLang="en-US" sz="3000" dirty="0"/>
+              <a:t> </a:t>
+            </a:r>
           </a:p>
         </p:txBody>
       </p:sp>
@@ -10818,21 +11749,8 @@
             <a:pPr algn="r"/>
             <a:r>
               <a:rPr lang="ko-KR" altLang="en-US" sz="5000" dirty="0"/>
-              <a:t>게임 컨셉</a:t>
-            </a:r>
-            <a:r>
-              <a:rPr lang="en-US" altLang="ko-KR" sz="5000" dirty="0"/>
-              <a:t>(</a:t>
-            </a:r>
-            <a:r>
-              <a:rPr lang="ko-KR" altLang="en-US" sz="5000" dirty="0"/>
-              <a:t>플레이</a:t>
-            </a:r>
-            <a:r>
-              <a:rPr lang="en-US" altLang="ko-KR" sz="5000" dirty="0"/>
-              <a:t>)</a:t>
-            </a:r>
-            <a:endParaRPr lang="ko-KR" altLang="en-US" sz="5000" dirty="0"/>
+              <a:t>개발 기간 계획</a:t>
+            </a:r>
           </a:p>
         </p:txBody>
       </p:sp>
@@ -10888,18 +11806,27 @@
               <a:buChar char="•"/>
             </a:pPr>
             <a:r>
+              <a:rPr lang="en-US" altLang="ko-KR" sz="3000" dirty="0"/>
+              <a:t>24.06 </a:t>
+            </a:r>
+            <a:r>
               <a:rPr lang="ko-KR" altLang="en-US" sz="3000" dirty="0"/>
-              <a:t>게임에는 시간이 존재</a:t>
-            </a:r>
-          </a:p>
-        </p:txBody>
-      </p:sp>
-      <p:sp>
-        <p:nvSpPr>
-          <p:cNvPr id="9" name="제목 1">
-            <a:extLst>
-              <a:ext uri="{FF2B5EF4-FFF2-40B4-BE49-F238E27FC236}">
-                <a16:creationId xmlns:a16="http://schemas.microsoft.com/office/drawing/2014/main" id="{3854F78C-CA18-89D4-360C-7928E571216D}"/>
+              <a:t>까지로 한다</a:t>
+            </a:r>
+            <a:r>
+              <a:rPr lang="en-US" altLang="ko-KR" sz="3000" dirty="0"/>
+              <a:t>.</a:t>
+            </a:r>
+            <a:endParaRPr lang="ko-KR" altLang="en-US" sz="3000" dirty="0"/>
+          </a:p>
+        </p:txBody>
+      </p:sp>
+      <p:sp>
+        <p:nvSpPr>
+          <p:cNvPr id="2" name="제목 1">
+            <a:extLst>
+              <a:ext uri="{FF2B5EF4-FFF2-40B4-BE49-F238E27FC236}">
+                <a16:creationId xmlns:a16="http://schemas.microsoft.com/office/drawing/2014/main" id="{9245A1A9-FACE-BA61-3548-63C4DF3F2E1B}"/>
               </a:ext>
             </a:extLst>
           </p:cNvPr>
@@ -10910,7 +11837,7 @@
         </p:nvSpPr>
         <p:spPr>
           <a:xfrm>
-            <a:off x="550200" y="2415091"/>
+            <a:off x="550200" y="2306334"/>
             <a:ext cx="11006800" cy="525993"/>
           </a:xfrm>
           <a:prstGeom prst="rect">
@@ -10945,40 +11872,16 @@
               <a:buFont typeface="Arial" panose="020B0604020202020204" pitchFamily="34" charset="0"/>
               <a:buChar char="•"/>
             </a:pPr>
-            <a:r>
-              <a:rPr lang="ko-KR" altLang="en-US" sz="3000" dirty="0"/>
-              <a:t>플레이어와 상반되는 </a:t>
-            </a:r>
-            <a:r>
-              <a:rPr lang="en-US" altLang="ko-KR" sz="3000" dirty="0"/>
-              <a:t>(</a:t>
-            </a:r>
-            <a:r>
-              <a:rPr lang="ko-KR" altLang="en-US" sz="3000" dirty="0"/>
-              <a:t>태양</a:t>
-            </a:r>
-            <a:r>
-              <a:rPr lang="en-US" altLang="ko-KR" sz="3000" dirty="0"/>
-              <a:t>) </a:t>
-            </a:r>
-            <a:r>
-              <a:rPr lang="ko-KR" altLang="en-US" sz="3000" dirty="0"/>
-              <a:t>시간은 플레이 </a:t>
-            </a:r>
-            <a:r>
-              <a:rPr lang="en-US" altLang="ko-KR" sz="3000" dirty="0"/>
-              <a:t>x</a:t>
-            </a:r>
             <a:endParaRPr lang="ko-KR" altLang="en-US" sz="3000" dirty="0"/>
           </a:p>
         </p:txBody>
       </p:sp>
       <p:sp>
         <p:nvSpPr>
-          <p:cNvPr id="10" name="제목 1">
-            <a:extLst>
-              <a:ext uri="{FF2B5EF4-FFF2-40B4-BE49-F238E27FC236}">
-                <a16:creationId xmlns:a16="http://schemas.microsoft.com/office/drawing/2014/main" id="{654E56AE-0CB2-40F4-0AA0-3D034C0A034D}"/>
+          <p:cNvPr id="3" name="제목 1">
+            <a:extLst>
+              <a:ext uri="{FF2B5EF4-FFF2-40B4-BE49-F238E27FC236}">
+                <a16:creationId xmlns:a16="http://schemas.microsoft.com/office/drawing/2014/main" id="{95DF1F1E-9A61-983C-1F8E-1F4D6904F1F4}"/>
               </a:ext>
             </a:extLst>
           </p:cNvPr>
@@ -10989,7 +11892,7 @@
         </p:nvSpPr>
         <p:spPr>
           <a:xfrm>
-            <a:off x="550200" y="3086149"/>
+            <a:off x="550200" y="2317909"/>
             <a:ext cx="11006800" cy="525993"/>
           </a:xfrm>
           <a:prstGeom prst="rect">
@@ -11025,70 +11928,12 @@
               <a:buChar char="•"/>
             </a:pPr>
             <a:r>
-              <a:rPr lang="ko-KR" altLang="en-US" sz="3000" dirty="0" err="1"/>
-              <a:t>맵은</a:t>
+              <a:rPr lang="en-US" altLang="ko-KR" sz="3000" dirty="0"/>
+              <a:t>23.11 </a:t>
             </a:r>
             <a:r>
               <a:rPr lang="ko-KR" altLang="en-US" sz="3000" dirty="0"/>
-              <a:t> 여러 갈래의 길을 가지고 있다</a:t>
-            </a:r>
-          </a:p>
-        </p:txBody>
-      </p:sp>
-      <p:sp>
-        <p:nvSpPr>
-          <p:cNvPr id="11" name="제목 1">
-            <a:extLst>
-              <a:ext uri="{FF2B5EF4-FFF2-40B4-BE49-F238E27FC236}">
-                <a16:creationId xmlns:a16="http://schemas.microsoft.com/office/drawing/2014/main" id="{98E51EC0-0E7D-19A1-1617-19A20090040C}"/>
-              </a:ext>
-            </a:extLst>
-          </p:cNvPr>
-          <p:cNvSpPr txBox="1">
-            <a:spLocks/>
-          </p:cNvSpPr>
-          <p:nvPr/>
-        </p:nvSpPr>
-        <p:spPr>
-          <a:xfrm>
-            <a:off x="550200" y="3830187"/>
-            <a:ext cx="11006800" cy="525993"/>
-          </a:xfrm>
-          <a:prstGeom prst="rect">
-            <a:avLst/>
-          </a:prstGeom>
-        </p:spPr>
-        <p:txBody>
-          <a:bodyPr vert="horz" wrap="square" lIns="0" tIns="0" rIns="0" bIns="0" rtlCol="0" anchor="t" anchorCtr="0">
-            <a:normAutofit/>
-          </a:bodyPr>
-          <a:lstStyle>
-            <a:lvl1pPr algn="l" defTabSz="914400" rtl="0" eaLnBrk="1" latinLnBrk="0" hangingPunct="1">
-              <a:lnSpc>
-                <a:spcPct val="110000"/>
-              </a:lnSpc>
-              <a:spcBef>
-                <a:spcPct val="0"/>
-              </a:spcBef>
-              <a:buNone/>
-              <a:defRPr lang="en-US" sz="4800" kern="1200" spc="160" dirty="0">
-                <a:solidFill>
-                  <a:schemeClr val="tx1"/>
-                </a:solidFill>
-                <a:latin typeface="+mj-lt"/>
-                <a:ea typeface="+mj-ea"/>
-                <a:cs typeface="+mj-cs"/>
-              </a:defRPr>
-            </a:lvl1pPr>
-          </a:lstStyle>
-          <a:p>
-            <a:pPr marL="457200" indent="-457200">
-              <a:buFont typeface="Arial" panose="020B0604020202020204" pitchFamily="34" charset="0"/>
-              <a:buChar char="•"/>
-            </a:pPr>
-            <a:r>
-              <a:rPr lang="ko-KR" altLang="en-US" sz="3000" dirty="0"/>
-              <a:t>던전에서 제한 시간 </a:t>
+              <a:t>까지 프로토타입</a:t>
             </a:r>
             <a:r>
               <a:rPr lang="en-US" altLang="ko-KR" sz="3000" dirty="0"/>
@@ -11096,138 +11941,12 @@
             </a:r>
             <a:r>
               <a:rPr lang="ko-KR" altLang="en-US" sz="3000" dirty="0"/>
-              <a:t>밤</a:t>
+              <a:t>일부분</a:t>
             </a:r>
             <a:r>
               <a:rPr lang="en-US" altLang="ko-KR" sz="3000" dirty="0"/>
-              <a:t>) </a:t>
-            </a:r>
-            <a:r>
-              <a:rPr lang="ko-KR" altLang="en-US" sz="3000" dirty="0"/>
-              <a:t>안에 길을 찾아 탐험</a:t>
-            </a:r>
-          </a:p>
-        </p:txBody>
-      </p:sp>
-      <p:sp>
-        <p:nvSpPr>
-          <p:cNvPr id="13" name="제목 1">
-            <a:extLst>
-              <a:ext uri="{FF2B5EF4-FFF2-40B4-BE49-F238E27FC236}">
-                <a16:creationId xmlns:a16="http://schemas.microsoft.com/office/drawing/2014/main" id="{3216675A-3492-4F08-EB44-AFB01B7BEFBB}"/>
-              </a:ext>
-            </a:extLst>
-          </p:cNvPr>
-          <p:cNvSpPr txBox="1">
-            <a:spLocks/>
-          </p:cNvSpPr>
-          <p:nvPr/>
-        </p:nvSpPr>
-        <p:spPr>
-          <a:xfrm>
-            <a:off x="550200" y="4678282"/>
-            <a:ext cx="11006800" cy="525993"/>
-          </a:xfrm>
-          <a:prstGeom prst="rect">
-            <a:avLst/>
-          </a:prstGeom>
-        </p:spPr>
-        <p:txBody>
-          <a:bodyPr vert="horz" wrap="square" lIns="0" tIns="0" rIns="0" bIns="0" rtlCol="0" anchor="t" anchorCtr="0">
-            <a:normAutofit/>
-          </a:bodyPr>
-          <a:lstStyle>
-            <a:lvl1pPr algn="l" defTabSz="914400" rtl="0" eaLnBrk="1" latinLnBrk="0" hangingPunct="1">
-              <a:lnSpc>
-                <a:spcPct val="110000"/>
-              </a:lnSpc>
-              <a:spcBef>
-                <a:spcPct val="0"/>
-              </a:spcBef>
-              <a:buNone/>
-              <a:defRPr lang="en-US" sz="4800" kern="1200" spc="160" dirty="0">
-                <a:solidFill>
-                  <a:schemeClr val="tx1"/>
-                </a:solidFill>
-                <a:latin typeface="+mj-lt"/>
-                <a:ea typeface="+mj-ea"/>
-                <a:cs typeface="+mj-cs"/>
-              </a:defRPr>
-            </a:lvl1pPr>
-          </a:lstStyle>
-          <a:p>
-            <a:pPr marL="457200" indent="-457200">
-              <a:buFont typeface="Arial" panose="020B0604020202020204" pitchFamily="34" charset="0"/>
-              <a:buChar char="•"/>
-            </a:pPr>
-            <a:r>
-              <a:rPr lang="ko-KR" altLang="en-US" sz="3000" dirty="0"/>
-              <a:t>시간이 경과하여 일출 시 마을로 강제 귀환</a:t>
-            </a:r>
-          </a:p>
-        </p:txBody>
-      </p:sp>
-      <p:sp>
-        <p:nvSpPr>
-          <p:cNvPr id="2" name="제목 1">
-            <a:extLst>
-              <a:ext uri="{FF2B5EF4-FFF2-40B4-BE49-F238E27FC236}">
-                <a16:creationId xmlns:a16="http://schemas.microsoft.com/office/drawing/2014/main" id="{5BA27740-8D3A-B7EA-CA75-1C6D368860FD}"/>
-              </a:ext>
-            </a:extLst>
-          </p:cNvPr>
-          <p:cNvSpPr txBox="1">
-            <a:spLocks/>
-          </p:cNvSpPr>
-          <p:nvPr/>
-        </p:nvSpPr>
-        <p:spPr>
-          <a:xfrm>
-            <a:off x="550200" y="5422320"/>
-            <a:ext cx="11006800" cy="525993"/>
-          </a:xfrm>
-          <a:prstGeom prst="rect">
-            <a:avLst/>
-          </a:prstGeom>
-        </p:spPr>
-        <p:txBody>
-          <a:bodyPr vert="horz" wrap="square" lIns="0" tIns="0" rIns="0" bIns="0" rtlCol="0" anchor="t" anchorCtr="0">
-            <a:normAutofit/>
-          </a:bodyPr>
-          <a:lstStyle>
-            <a:lvl1pPr algn="l" defTabSz="914400" rtl="0" eaLnBrk="1" latinLnBrk="0" hangingPunct="1">
-              <a:lnSpc>
-                <a:spcPct val="110000"/>
-              </a:lnSpc>
-              <a:spcBef>
-                <a:spcPct val="0"/>
-              </a:spcBef>
-              <a:buNone/>
-              <a:defRPr lang="en-US" sz="4800" kern="1200" spc="160" dirty="0">
-                <a:solidFill>
-                  <a:schemeClr val="tx1"/>
-                </a:solidFill>
-                <a:latin typeface="+mj-lt"/>
-                <a:ea typeface="+mj-ea"/>
-                <a:cs typeface="+mj-cs"/>
-              </a:defRPr>
-            </a:lvl1pPr>
-          </a:lstStyle>
-          <a:p>
-            <a:pPr marL="457200" indent="-457200">
-              <a:buFont typeface="Arial" panose="020B0604020202020204" pitchFamily="34" charset="0"/>
-              <a:buChar char="•"/>
-            </a:pPr>
-            <a:r>
-              <a:rPr lang="ko-KR" altLang="en-US" sz="3000" dirty="0"/>
-              <a:t>다른 루트에서 열쇠를 획득하여 보스 룸 진입</a:t>
-            </a:r>
-          </a:p>
-          <a:p>
-            <a:pPr marL="457200" indent="-457200">
-              <a:buFont typeface="Arial" panose="020B0604020202020204" pitchFamily="34" charset="0"/>
-              <a:buChar char="•"/>
-            </a:pPr>
+              <a:t>)</a:t>
+            </a:r>
             <a:endParaRPr lang="ko-KR" altLang="en-US" sz="3000" dirty="0"/>
           </a:p>
         </p:txBody>
@@ -11235,7 +11954,7 @@
     </p:spTree>
     <p:extLst>
       <p:ext uri="{BB962C8B-B14F-4D97-AF65-F5344CB8AC3E}">
-        <p14:creationId xmlns:p14="http://schemas.microsoft.com/office/powerpoint/2010/main" val="1951447082"/>
+        <p14:creationId xmlns:p14="http://schemas.microsoft.com/office/powerpoint/2010/main" val="982801626"/>
       </p:ext>
     </p:extLst>
   </p:cSld>
@@ -11320,7 +12039,7 @@
             </a:r>
             <a:r>
               <a:rPr lang="ko-KR" altLang="en-US" sz="5000" dirty="0"/>
-              <a:t>디자인</a:t>
+              <a:t>플레이</a:t>
             </a:r>
             <a:r>
               <a:rPr lang="en-US" altLang="ko-KR" sz="5000" dirty="0"/>
@@ -11347,64 +12066,6 @@
         <p:spPr>
           <a:xfrm>
             <a:off x="550200" y="1653725"/>
-            <a:ext cx="11006800" cy="525993"/>
-          </a:xfrm>
-          <a:prstGeom prst="rect">
-            <a:avLst/>
-          </a:prstGeom>
-        </p:spPr>
-        <p:txBody>
-          <a:bodyPr vert="horz" wrap="square" lIns="0" tIns="0" rIns="0" bIns="0" rtlCol="0" anchor="t" anchorCtr="0">
-            <a:normAutofit fontScale="77500" lnSpcReduction="20000"/>
-          </a:bodyPr>
-          <a:lstStyle>
-            <a:lvl1pPr algn="l" defTabSz="914400" rtl="0" eaLnBrk="1" latinLnBrk="0" hangingPunct="1">
-              <a:lnSpc>
-                <a:spcPct val="110000"/>
-              </a:lnSpc>
-              <a:spcBef>
-                <a:spcPct val="0"/>
-              </a:spcBef>
-              <a:buNone/>
-              <a:defRPr lang="en-US" sz="4800" kern="1200" spc="160" dirty="0">
-                <a:solidFill>
-                  <a:schemeClr val="tx1"/>
-                </a:solidFill>
-                <a:latin typeface="+mj-lt"/>
-                <a:ea typeface="+mj-ea"/>
-                <a:cs typeface="+mj-cs"/>
-              </a:defRPr>
-            </a:lvl1pPr>
-          </a:lstStyle>
-          <a:p>
-            <a:pPr marL="457200" indent="-457200">
-              <a:buFont typeface="Arial" panose="020B0604020202020204" pitchFamily="34" charset="0"/>
-              <a:buChar char="•"/>
-            </a:pPr>
-            <a:r>
-              <a:rPr lang="ko-KR" altLang="en-US" sz="3000" dirty="0"/>
-              <a:t>배경은 기본적으로 밤으로 사용하고 광원 효과를 주어 해질녘 일출 까지만 구현 </a:t>
-            </a:r>
-          </a:p>
-        </p:txBody>
-      </p:sp>
-      <p:sp>
-        <p:nvSpPr>
-          <p:cNvPr id="2" name="제목 1">
-            <a:extLst>
-              <a:ext uri="{FF2B5EF4-FFF2-40B4-BE49-F238E27FC236}">
-                <a16:creationId xmlns:a16="http://schemas.microsoft.com/office/drawing/2014/main" id="{9245A1A9-FACE-BA61-3548-63C4DF3F2E1B}"/>
-              </a:ext>
-            </a:extLst>
-          </p:cNvPr>
-          <p:cNvSpPr txBox="1">
-            <a:spLocks/>
-          </p:cNvSpPr>
-          <p:nvPr/>
-        </p:nvSpPr>
-        <p:spPr>
-          <a:xfrm>
-            <a:off x="550200" y="2306334"/>
             <a:ext cx="11006800" cy="525993"/>
           </a:xfrm>
           <a:prstGeom prst="rect">
@@ -11440,9 +12101,351 @@
               <a:buChar char="•"/>
             </a:pPr>
             <a:r>
+              <a:rPr lang="ko-KR" altLang="en-US" sz="3000" dirty="0"/>
+              <a:t>게임에는 시간이 존재</a:t>
+            </a:r>
+          </a:p>
+        </p:txBody>
+      </p:sp>
+      <p:sp>
+        <p:nvSpPr>
+          <p:cNvPr id="9" name="제목 1">
+            <a:extLst>
+              <a:ext uri="{FF2B5EF4-FFF2-40B4-BE49-F238E27FC236}">
+                <a16:creationId xmlns:a16="http://schemas.microsoft.com/office/drawing/2014/main" id="{3854F78C-CA18-89D4-360C-7928E571216D}"/>
+              </a:ext>
+            </a:extLst>
+          </p:cNvPr>
+          <p:cNvSpPr txBox="1">
+            <a:spLocks/>
+          </p:cNvSpPr>
+          <p:nvPr/>
+        </p:nvSpPr>
+        <p:spPr>
+          <a:xfrm>
+            <a:off x="550200" y="2415091"/>
+            <a:ext cx="11006800" cy="525993"/>
+          </a:xfrm>
+          <a:prstGeom prst="rect">
+            <a:avLst/>
+          </a:prstGeom>
+        </p:spPr>
+        <p:txBody>
+          <a:bodyPr vert="horz" wrap="square" lIns="0" tIns="0" rIns="0" bIns="0" rtlCol="0" anchor="t" anchorCtr="0">
+            <a:normAutofit/>
+          </a:bodyPr>
+          <a:lstStyle>
+            <a:lvl1pPr algn="l" defTabSz="914400" rtl="0" eaLnBrk="1" latinLnBrk="0" hangingPunct="1">
+              <a:lnSpc>
+                <a:spcPct val="110000"/>
+              </a:lnSpc>
+              <a:spcBef>
+                <a:spcPct val="0"/>
+              </a:spcBef>
+              <a:buNone/>
+              <a:defRPr lang="en-US" sz="4800" kern="1200" spc="160" dirty="0">
+                <a:solidFill>
+                  <a:schemeClr val="tx1"/>
+                </a:solidFill>
+                <a:latin typeface="+mj-lt"/>
+                <a:ea typeface="+mj-ea"/>
+                <a:cs typeface="+mj-cs"/>
+              </a:defRPr>
+            </a:lvl1pPr>
+          </a:lstStyle>
+          <a:p>
+            <a:pPr marL="457200" indent="-457200">
+              <a:buFont typeface="Arial" panose="020B0604020202020204" pitchFamily="34" charset="0"/>
+              <a:buChar char="•"/>
+            </a:pPr>
+            <a:r>
+              <a:rPr lang="ko-KR" altLang="en-US" sz="3000" dirty="0"/>
+              <a:t>플레이어와 상반되는 </a:t>
+            </a:r>
+            <a:r>
+              <a:rPr lang="en-US" altLang="ko-KR" sz="3000" dirty="0"/>
+              <a:t>(</a:t>
+            </a:r>
+            <a:r>
+              <a:rPr lang="ko-KR" altLang="en-US" sz="3000" dirty="0"/>
+              <a:t>태양</a:t>
+            </a:r>
+            <a:r>
+              <a:rPr lang="en-US" altLang="ko-KR" sz="3000" dirty="0"/>
+              <a:t>) </a:t>
+            </a:r>
+            <a:r>
+              <a:rPr lang="ko-KR" altLang="en-US" sz="3000" dirty="0"/>
+              <a:t>시간은 플레이 </a:t>
+            </a:r>
+            <a:r>
+              <a:rPr lang="en-US" altLang="ko-KR" sz="3000" dirty="0"/>
+              <a:t>x</a:t>
+            </a:r>
+            <a:endParaRPr lang="ko-KR" altLang="en-US" sz="3000" dirty="0"/>
+          </a:p>
+        </p:txBody>
+      </p:sp>
+      <p:sp>
+        <p:nvSpPr>
+          <p:cNvPr id="10" name="제목 1">
+            <a:extLst>
+              <a:ext uri="{FF2B5EF4-FFF2-40B4-BE49-F238E27FC236}">
+                <a16:creationId xmlns:a16="http://schemas.microsoft.com/office/drawing/2014/main" id="{654E56AE-0CB2-40F4-0AA0-3D034C0A034D}"/>
+              </a:ext>
+            </a:extLst>
+          </p:cNvPr>
+          <p:cNvSpPr txBox="1">
+            <a:spLocks/>
+          </p:cNvSpPr>
+          <p:nvPr/>
+        </p:nvSpPr>
+        <p:spPr>
+          <a:xfrm>
+            <a:off x="550200" y="3093833"/>
+            <a:ext cx="11006800" cy="525993"/>
+          </a:xfrm>
+          <a:prstGeom prst="rect">
+            <a:avLst/>
+          </a:prstGeom>
+        </p:spPr>
+        <p:txBody>
+          <a:bodyPr vert="horz" wrap="square" lIns="0" tIns="0" rIns="0" bIns="0" rtlCol="0" anchor="t" anchorCtr="0">
+            <a:normAutofit/>
+          </a:bodyPr>
+          <a:lstStyle>
+            <a:lvl1pPr algn="l" defTabSz="914400" rtl="0" eaLnBrk="1" latinLnBrk="0" hangingPunct="1">
+              <a:lnSpc>
+                <a:spcPct val="110000"/>
+              </a:lnSpc>
+              <a:spcBef>
+                <a:spcPct val="0"/>
+              </a:spcBef>
+              <a:buNone/>
+              <a:defRPr lang="en-US" sz="4800" kern="1200" spc="160" dirty="0">
+                <a:solidFill>
+                  <a:schemeClr val="tx1"/>
+                </a:solidFill>
+                <a:latin typeface="+mj-lt"/>
+                <a:ea typeface="+mj-ea"/>
+                <a:cs typeface="+mj-cs"/>
+              </a:defRPr>
+            </a:lvl1pPr>
+          </a:lstStyle>
+          <a:p>
+            <a:pPr marL="457200" indent="-457200">
+              <a:buFont typeface="Arial" panose="020B0604020202020204" pitchFamily="34" charset="0"/>
+              <a:buChar char="•"/>
+            </a:pPr>
+            <a:r>
               <a:rPr lang="ko-KR" altLang="en-US" sz="3000" dirty="0" err="1"/>
-              <a:t>ㄴ</a:t>
-            </a:r>
+              <a:t>맵은</a:t>
+            </a:r>
+            <a:r>
+              <a:rPr lang="ko-KR" altLang="en-US" sz="3000" dirty="0"/>
+              <a:t> 왔던 곳은 다시 갈 수 있다</a:t>
+            </a:r>
+            <a:r>
+              <a:rPr lang="en-US" altLang="ko-KR" sz="3000" dirty="0"/>
+              <a:t>.</a:t>
+            </a:r>
+            <a:endParaRPr lang="ko-KR" altLang="en-US" sz="3000" dirty="0"/>
+          </a:p>
+        </p:txBody>
+      </p:sp>
+      <p:sp>
+        <p:nvSpPr>
+          <p:cNvPr id="11" name="제목 1">
+            <a:extLst>
+              <a:ext uri="{FF2B5EF4-FFF2-40B4-BE49-F238E27FC236}">
+                <a16:creationId xmlns:a16="http://schemas.microsoft.com/office/drawing/2014/main" id="{98E51EC0-0E7D-19A1-1617-19A20090040C}"/>
+              </a:ext>
+            </a:extLst>
+          </p:cNvPr>
+          <p:cNvSpPr txBox="1">
+            <a:spLocks/>
+          </p:cNvSpPr>
+          <p:nvPr/>
+        </p:nvSpPr>
+        <p:spPr>
+          <a:xfrm>
+            <a:off x="550200" y="3830187"/>
+            <a:ext cx="11006800" cy="525993"/>
+          </a:xfrm>
+          <a:prstGeom prst="rect">
+            <a:avLst/>
+          </a:prstGeom>
+        </p:spPr>
+        <p:txBody>
+          <a:bodyPr vert="horz" wrap="square" lIns="0" tIns="0" rIns="0" bIns="0" rtlCol="0" anchor="t" anchorCtr="0">
+            <a:normAutofit/>
+          </a:bodyPr>
+          <a:lstStyle>
+            <a:lvl1pPr algn="l" defTabSz="914400" rtl="0" eaLnBrk="1" latinLnBrk="0" hangingPunct="1">
+              <a:lnSpc>
+                <a:spcPct val="110000"/>
+              </a:lnSpc>
+              <a:spcBef>
+                <a:spcPct val="0"/>
+              </a:spcBef>
+              <a:buNone/>
+              <a:defRPr lang="en-US" sz="4800" kern="1200" spc="160" dirty="0">
+                <a:solidFill>
+                  <a:schemeClr val="tx1"/>
+                </a:solidFill>
+                <a:latin typeface="+mj-lt"/>
+                <a:ea typeface="+mj-ea"/>
+                <a:cs typeface="+mj-cs"/>
+              </a:defRPr>
+            </a:lvl1pPr>
+          </a:lstStyle>
+          <a:p>
+            <a:pPr marL="457200" indent="-457200">
+              <a:buFont typeface="Arial" panose="020B0604020202020204" pitchFamily="34" charset="0"/>
+              <a:buChar char="•"/>
+            </a:pPr>
+            <a:r>
+              <a:rPr lang="ko-KR" altLang="en-US" sz="3000" dirty="0"/>
+              <a:t>던전에서 제한 시간 </a:t>
+            </a:r>
+            <a:r>
+              <a:rPr lang="en-US" altLang="ko-KR" sz="3000" dirty="0"/>
+              <a:t>(</a:t>
+            </a:r>
+            <a:r>
+              <a:rPr lang="ko-KR" altLang="en-US" sz="3000" dirty="0"/>
+              <a:t>밤</a:t>
+            </a:r>
+            <a:r>
+              <a:rPr lang="en-US" altLang="ko-KR" sz="3000" dirty="0"/>
+              <a:t>) </a:t>
+            </a:r>
+            <a:r>
+              <a:rPr lang="ko-KR" altLang="en-US" sz="3000" dirty="0"/>
+              <a:t>안에 길을 찾아 탐험</a:t>
+            </a:r>
+          </a:p>
+        </p:txBody>
+      </p:sp>
+      <p:sp>
+        <p:nvSpPr>
+          <p:cNvPr id="13" name="제목 1">
+            <a:extLst>
+              <a:ext uri="{FF2B5EF4-FFF2-40B4-BE49-F238E27FC236}">
+                <a16:creationId xmlns:a16="http://schemas.microsoft.com/office/drawing/2014/main" id="{3216675A-3492-4F08-EB44-AFB01B7BEFBB}"/>
+              </a:ext>
+            </a:extLst>
+          </p:cNvPr>
+          <p:cNvSpPr txBox="1">
+            <a:spLocks/>
+          </p:cNvSpPr>
+          <p:nvPr/>
+        </p:nvSpPr>
+        <p:spPr>
+          <a:xfrm>
+            <a:off x="550200" y="4678282"/>
+            <a:ext cx="11006800" cy="525993"/>
+          </a:xfrm>
+          <a:prstGeom prst="rect">
+            <a:avLst/>
+          </a:prstGeom>
+        </p:spPr>
+        <p:txBody>
+          <a:bodyPr vert="horz" wrap="square" lIns="0" tIns="0" rIns="0" bIns="0" rtlCol="0" anchor="t" anchorCtr="0">
+            <a:normAutofit/>
+          </a:bodyPr>
+          <a:lstStyle>
+            <a:lvl1pPr algn="l" defTabSz="914400" rtl="0" eaLnBrk="1" latinLnBrk="0" hangingPunct="1">
+              <a:lnSpc>
+                <a:spcPct val="110000"/>
+              </a:lnSpc>
+              <a:spcBef>
+                <a:spcPct val="0"/>
+              </a:spcBef>
+              <a:buNone/>
+              <a:defRPr lang="en-US" sz="4800" kern="1200" spc="160" dirty="0">
+                <a:solidFill>
+                  <a:schemeClr val="tx1"/>
+                </a:solidFill>
+                <a:latin typeface="+mj-lt"/>
+                <a:ea typeface="+mj-ea"/>
+                <a:cs typeface="+mj-cs"/>
+              </a:defRPr>
+            </a:lvl1pPr>
+          </a:lstStyle>
+          <a:p>
+            <a:pPr marL="457200" indent="-457200">
+              <a:buFont typeface="Arial" panose="020B0604020202020204" pitchFamily="34" charset="0"/>
+              <a:buChar char="•"/>
+            </a:pPr>
+            <a:r>
+              <a:rPr lang="ko-KR" altLang="en-US" sz="3000" dirty="0"/>
+              <a:t>시간이 경과하여 일출 시 마을로 강제 귀환</a:t>
+            </a:r>
+          </a:p>
+        </p:txBody>
+      </p:sp>
+      <p:sp>
+        <p:nvSpPr>
+          <p:cNvPr id="2" name="제목 1">
+            <a:extLst>
+              <a:ext uri="{FF2B5EF4-FFF2-40B4-BE49-F238E27FC236}">
+                <a16:creationId xmlns:a16="http://schemas.microsoft.com/office/drawing/2014/main" id="{5BA27740-8D3A-B7EA-CA75-1C6D368860FD}"/>
+              </a:ext>
+            </a:extLst>
+          </p:cNvPr>
+          <p:cNvSpPr txBox="1">
+            <a:spLocks/>
+          </p:cNvSpPr>
+          <p:nvPr/>
+        </p:nvSpPr>
+        <p:spPr>
+          <a:xfrm>
+            <a:off x="550200" y="5422320"/>
+            <a:ext cx="11006800" cy="525993"/>
+          </a:xfrm>
+          <a:prstGeom prst="rect">
+            <a:avLst/>
+          </a:prstGeom>
+        </p:spPr>
+        <p:txBody>
+          <a:bodyPr vert="horz" wrap="square" lIns="0" tIns="0" rIns="0" bIns="0" rtlCol="0" anchor="t" anchorCtr="0">
+            <a:normAutofit/>
+          </a:bodyPr>
+          <a:lstStyle>
+            <a:lvl1pPr algn="l" defTabSz="914400" rtl="0" eaLnBrk="1" latinLnBrk="0" hangingPunct="1">
+              <a:lnSpc>
+                <a:spcPct val="110000"/>
+              </a:lnSpc>
+              <a:spcBef>
+                <a:spcPct val="0"/>
+              </a:spcBef>
+              <a:buNone/>
+              <a:defRPr lang="en-US" sz="4800" kern="1200" spc="160" dirty="0">
+                <a:solidFill>
+                  <a:schemeClr val="tx1"/>
+                </a:solidFill>
+                <a:latin typeface="+mj-lt"/>
+                <a:ea typeface="+mj-ea"/>
+                <a:cs typeface="+mj-cs"/>
+              </a:defRPr>
+            </a:lvl1pPr>
+          </a:lstStyle>
+          <a:p>
+            <a:pPr marL="457200" indent="-457200">
+              <a:buFont typeface="Arial" panose="020B0604020202020204" pitchFamily="34" charset="0"/>
+              <a:buChar char="•"/>
+            </a:pPr>
+            <a:r>
+              <a:rPr lang="ko-KR" altLang="en-US" sz="3000" dirty="0"/>
+              <a:t>다른 루트에서 열쇠를 획득하여 보스 룸 진입</a:t>
+            </a:r>
+          </a:p>
+          <a:p>
+            <a:pPr marL="457200" indent="-457200">
+              <a:buFont typeface="Arial" panose="020B0604020202020204" pitchFamily="34" charset="0"/>
+              <a:buChar char="•"/>
+            </a:pPr>
             <a:endParaRPr lang="ko-KR" altLang="en-US" sz="3000" dirty="0"/>
           </a:p>
         </p:txBody>
@@ -11450,7 +12453,7 @@
     </p:spTree>
     <p:extLst>
       <p:ext uri="{BB962C8B-B14F-4D97-AF65-F5344CB8AC3E}">
-        <p14:creationId xmlns:p14="http://schemas.microsoft.com/office/powerpoint/2010/main" val="935543740"/>
+        <p14:creationId xmlns:p14="http://schemas.microsoft.com/office/powerpoint/2010/main" val="1951447082"/>
       </p:ext>
     </p:extLst>
   </p:cSld>
@@ -11535,7 +12538,7 @@
             </a:r>
             <a:r>
               <a:rPr lang="ko-KR" altLang="en-US" sz="5000" dirty="0"/>
-              <a:t>사운드</a:t>
+              <a:t>디자인</a:t>
             </a:r>
             <a:r>
               <a:rPr lang="en-US" altLang="ko-KR" sz="5000" dirty="0"/>
@@ -11562,6 +12565,64 @@
         <p:spPr>
           <a:xfrm>
             <a:off x="550200" y="1653725"/>
+            <a:ext cx="11006800" cy="525993"/>
+          </a:xfrm>
+          <a:prstGeom prst="rect">
+            <a:avLst/>
+          </a:prstGeom>
+        </p:spPr>
+        <p:txBody>
+          <a:bodyPr vert="horz" wrap="square" lIns="0" tIns="0" rIns="0" bIns="0" rtlCol="0" anchor="t" anchorCtr="0">
+            <a:normAutofit fontScale="77500" lnSpcReduction="20000"/>
+          </a:bodyPr>
+          <a:lstStyle>
+            <a:lvl1pPr algn="l" defTabSz="914400" rtl="0" eaLnBrk="1" latinLnBrk="0" hangingPunct="1">
+              <a:lnSpc>
+                <a:spcPct val="110000"/>
+              </a:lnSpc>
+              <a:spcBef>
+                <a:spcPct val="0"/>
+              </a:spcBef>
+              <a:buNone/>
+              <a:defRPr lang="en-US" sz="4800" kern="1200" spc="160" dirty="0">
+                <a:solidFill>
+                  <a:schemeClr val="tx1"/>
+                </a:solidFill>
+                <a:latin typeface="+mj-lt"/>
+                <a:ea typeface="+mj-ea"/>
+                <a:cs typeface="+mj-cs"/>
+              </a:defRPr>
+            </a:lvl1pPr>
+          </a:lstStyle>
+          <a:p>
+            <a:pPr marL="457200" indent="-457200">
+              <a:buFont typeface="Arial" panose="020B0604020202020204" pitchFamily="34" charset="0"/>
+              <a:buChar char="•"/>
+            </a:pPr>
+            <a:r>
+              <a:rPr lang="ko-KR" altLang="en-US" sz="3000" dirty="0"/>
+              <a:t>배경은 기본적으로 밤으로 사용하고 광원 효과를 주어 해질녘 일출 까지만 구현 </a:t>
+            </a:r>
+          </a:p>
+        </p:txBody>
+      </p:sp>
+      <p:sp>
+        <p:nvSpPr>
+          <p:cNvPr id="2" name="제목 1">
+            <a:extLst>
+              <a:ext uri="{FF2B5EF4-FFF2-40B4-BE49-F238E27FC236}">
+                <a16:creationId xmlns:a16="http://schemas.microsoft.com/office/drawing/2014/main" id="{9245A1A9-FACE-BA61-3548-63C4DF3F2E1B}"/>
+              </a:ext>
+            </a:extLst>
+          </p:cNvPr>
+          <p:cNvSpPr txBox="1">
+            <a:spLocks/>
+          </p:cNvSpPr>
+          <p:nvPr/>
+        </p:nvSpPr>
+        <p:spPr>
+          <a:xfrm>
+            <a:off x="550200" y="2306334"/>
             <a:ext cx="11006800" cy="525993"/>
           </a:xfrm>
           <a:prstGeom prst="rect">
@@ -11596,10 +12657,6 @@
               <a:buFont typeface="Arial" panose="020B0604020202020204" pitchFamily="34" charset="0"/>
               <a:buChar char="•"/>
             </a:pPr>
-            <a:r>
-              <a:rPr lang="en-US" altLang="ko-KR" sz="3000" dirty="0"/>
-              <a:t>,,,,,,,,</a:t>
-            </a:r>
             <a:endParaRPr lang="ko-KR" altLang="en-US" sz="3000" dirty="0"/>
           </a:p>
         </p:txBody>
@@ -11607,7 +12664,7 @@
     </p:spTree>
     <p:extLst>
       <p:ext uri="{BB962C8B-B14F-4D97-AF65-F5344CB8AC3E}">
-        <p14:creationId xmlns:p14="http://schemas.microsoft.com/office/powerpoint/2010/main" val="4158928434"/>
+        <p14:creationId xmlns:p14="http://schemas.microsoft.com/office/powerpoint/2010/main" val="935543740"/>
       </p:ext>
     </p:extLst>
   </p:cSld>
@@ -11650,6 +12707,163 @@
         </p:nvSpPr>
         <p:spPr>
           <a:xfrm>
+            <a:off x="6350000" y="497945"/>
+            <a:ext cx="5207001" cy="754592"/>
+          </a:xfrm>
+          <a:prstGeom prst="rect">
+            <a:avLst/>
+          </a:prstGeom>
+        </p:spPr>
+        <p:txBody>
+          <a:bodyPr vert="horz" wrap="square" lIns="0" tIns="0" rIns="0" bIns="0" rtlCol="0" anchor="t" anchorCtr="0">
+            <a:noAutofit/>
+          </a:bodyPr>
+          <a:lstStyle>
+            <a:lvl1pPr algn="l" defTabSz="914400" rtl="0" eaLnBrk="1" latinLnBrk="0" hangingPunct="1">
+              <a:lnSpc>
+                <a:spcPct val="110000"/>
+              </a:lnSpc>
+              <a:spcBef>
+                <a:spcPct val="0"/>
+              </a:spcBef>
+              <a:buNone/>
+              <a:defRPr lang="en-US" sz="4800" kern="1200" spc="160" dirty="0">
+                <a:solidFill>
+                  <a:schemeClr val="tx1"/>
+                </a:solidFill>
+                <a:latin typeface="+mj-lt"/>
+                <a:ea typeface="+mj-ea"/>
+                <a:cs typeface="+mj-cs"/>
+              </a:defRPr>
+            </a:lvl1pPr>
+          </a:lstStyle>
+          <a:p>
+            <a:pPr algn="r"/>
+            <a:r>
+              <a:rPr lang="ko-KR" altLang="en-US" sz="5000" dirty="0"/>
+              <a:t>게임 컨셉</a:t>
+            </a:r>
+            <a:r>
+              <a:rPr lang="en-US" altLang="ko-KR" sz="5000" dirty="0"/>
+              <a:t>(</a:t>
+            </a:r>
+            <a:r>
+              <a:rPr lang="ko-KR" altLang="en-US" sz="5000" dirty="0"/>
+              <a:t>사운드</a:t>
+            </a:r>
+            <a:r>
+              <a:rPr lang="en-US" altLang="ko-KR" sz="5000" dirty="0"/>
+              <a:t>)</a:t>
+            </a:r>
+            <a:endParaRPr lang="ko-KR" altLang="en-US" sz="5000" dirty="0"/>
+          </a:p>
+        </p:txBody>
+      </p:sp>
+      <p:sp>
+        <p:nvSpPr>
+          <p:cNvPr id="6" name="제목 1">
+            <a:extLst>
+              <a:ext uri="{FF2B5EF4-FFF2-40B4-BE49-F238E27FC236}">
+                <a16:creationId xmlns:a16="http://schemas.microsoft.com/office/drawing/2014/main" id="{D60C5B4F-F1C5-B75A-116B-B8A102E11413}"/>
+              </a:ext>
+            </a:extLst>
+          </p:cNvPr>
+          <p:cNvSpPr txBox="1">
+            <a:spLocks/>
+          </p:cNvSpPr>
+          <p:nvPr/>
+        </p:nvSpPr>
+        <p:spPr>
+          <a:xfrm>
+            <a:off x="550200" y="1653725"/>
+            <a:ext cx="11006800" cy="525993"/>
+          </a:xfrm>
+          <a:prstGeom prst="rect">
+            <a:avLst/>
+          </a:prstGeom>
+        </p:spPr>
+        <p:txBody>
+          <a:bodyPr vert="horz" wrap="square" lIns="0" tIns="0" rIns="0" bIns="0" rtlCol="0" anchor="t" anchorCtr="0">
+            <a:normAutofit/>
+          </a:bodyPr>
+          <a:lstStyle>
+            <a:lvl1pPr algn="l" defTabSz="914400" rtl="0" eaLnBrk="1" latinLnBrk="0" hangingPunct="1">
+              <a:lnSpc>
+                <a:spcPct val="110000"/>
+              </a:lnSpc>
+              <a:spcBef>
+                <a:spcPct val="0"/>
+              </a:spcBef>
+              <a:buNone/>
+              <a:defRPr lang="en-US" sz="4800" kern="1200" spc="160" dirty="0">
+                <a:solidFill>
+                  <a:schemeClr val="tx1"/>
+                </a:solidFill>
+                <a:latin typeface="+mj-lt"/>
+                <a:ea typeface="+mj-ea"/>
+                <a:cs typeface="+mj-cs"/>
+              </a:defRPr>
+            </a:lvl1pPr>
+          </a:lstStyle>
+          <a:p>
+            <a:pPr marL="457200" indent="-457200">
+              <a:buFont typeface="Arial" panose="020B0604020202020204" pitchFamily="34" charset="0"/>
+              <a:buChar char="•"/>
+            </a:pPr>
+            <a:r>
+              <a:rPr lang="en-US" altLang="ko-KR" sz="3000" dirty="0"/>
+              <a:t>,,,,,,,,</a:t>
+            </a:r>
+            <a:endParaRPr lang="ko-KR" altLang="en-US" sz="3000" dirty="0"/>
+          </a:p>
+        </p:txBody>
+      </p:sp>
+    </p:spTree>
+    <p:extLst>
+      <p:ext uri="{BB962C8B-B14F-4D97-AF65-F5344CB8AC3E}">
+        <p14:creationId xmlns:p14="http://schemas.microsoft.com/office/powerpoint/2010/main" val="4158928434"/>
+      </p:ext>
+    </p:extLst>
+  </p:cSld>
+  <p:clrMapOvr>
+    <a:masterClrMapping/>
+  </p:clrMapOvr>
+</p:sld>
+</file>
+
+<file path=ppt/slides/slide8.xml><?xml version="1.0" encoding="utf-8"?>
+<p:sld xmlns:a="http://schemas.openxmlformats.org/drawingml/2006/main" xmlns:r="http://schemas.openxmlformats.org/officeDocument/2006/relationships" xmlns:p="http://schemas.openxmlformats.org/presentationml/2006/main">
+  <p:cSld>
+    <p:spTree>
+      <p:nvGrpSpPr>
+        <p:cNvPr id="1" name=""/>
+        <p:cNvGrpSpPr/>
+        <p:nvPr/>
+      </p:nvGrpSpPr>
+      <p:grpSpPr>
+        <a:xfrm>
+          <a:off x="0" y="0"/>
+          <a:ext cx="0" cy="0"/>
+          <a:chOff x="0" y="0"/>
+          <a:chExt cx="0" cy="0"/>
+        </a:xfrm>
+      </p:grpSpPr>
+      <p:sp>
+        <p:nvSpPr>
+          <p:cNvPr id="5" name="제목 1">
+            <a:extLst>
+              <a:ext uri="{FF2B5EF4-FFF2-40B4-BE49-F238E27FC236}">
+                <a16:creationId xmlns:a16="http://schemas.microsoft.com/office/drawing/2014/main" id="{787EF0B3-74DC-E882-7985-4A90A7C63AAC}"/>
+              </a:ext>
+            </a:extLst>
+          </p:cNvPr>
+          <p:cNvSpPr txBox="1">
+            <a:spLocks/>
+          </p:cNvSpPr>
+          <p:nvPr/>
+        </p:nvSpPr>
+        <p:spPr>
+          <a:xfrm>
             <a:off x="561773" y="769356"/>
             <a:ext cx="5329741" cy="754592"/>
           </a:xfrm>
@@ -11973,7 +13187,7 @@
 </p:sld>
 </file>
 
-<file path=ppt/slides/slide8.xml><?xml version="1.0" encoding="utf-8"?>
+<file path=ppt/slides/slide9.xml><?xml version="1.0" encoding="utf-8"?>
 <p:sld xmlns:a="http://schemas.openxmlformats.org/drawingml/2006/main" xmlns:r="http://schemas.openxmlformats.org/officeDocument/2006/relationships" xmlns:p="http://schemas.openxmlformats.org/presentationml/2006/main">
   <p:cSld>
     <p:spTree>
@@ -12277,215 +13491,6 @@
     <p:extLst>
       <p:ext uri="{BB962C8B-B14F-4D97-AF65-F5344CB8AC3E}">
         <p14:creationId xmlns:p14="http://schemas.microsoft.com/office/powerpoint/2010/main" val="2570007976"/>
-      </p:ext>
-    </p:extLst>
-  </p:cSld>
-  <p:clrMapOvr>
-    <a:masterClrMapping/>
-  </p:clrMapOvr>
-</p:sld>
-</file>
-
-<file path=ppt/slides/slide9.xml><?xml version="1.0" encoding="utf-8"?>
-<p:sld xmlns:a="http://schemas.openxmlformats.org/drawingml/2006/main" xmlns:r="http://schemas.openxmlformats.org/officeDocument/2006/relationships" xmlns:p="http://schemas.openxmlformats.org/presentationml/2006/main">
-  <p:cSld>
-    <p:spTree>
-      <p:nvGrpSpPr>
-        <p:cNvPr id="1" name=""/>
-        <p:cNvGrpSpPr/>
-        <p:nvPr/>
-      </p:nvGrpSpPr>
-      <p:grpSpPr>
-        <a:xfrm>
-          <a:off x="0" y="0"/>
-          <a:ext cx="0" cy="0"/>
-          <a:chOff x="0" y="0"/>
-          <a:chExt cx="0" cy="0"/>
-        </a:xfrm>
-      </p:grpSpPr>
-      <p:sp>
-        <p:nvSpPr>
-          <p:cNvPr id="2" name="제목 1">
-            <a:extLst>
-              <a:ext uri="{FF2B5EF4-FFF2-40B4-BE49-F238E27FC236}">
-                <a16:creationId xmlns:a16="http://schemas.microsoft.com/office/drawing/2014/main" id="{7B2E3A79-41DF-C0FE-CFAA-BCB5A42209EE}"/>
-              </a:ext>
-            </a:extLst>
-          </p:cNvPr>
-          <p:cNvSpPr>
-            <a:spLocks noGrp="1"/>
-          </p:cNvSpPr>
-          <p:nvPr>
-            <p:ph type="title"/>
-          </p:nvPr>
-        </p:nvSpPr>
-        <p:spPr>
-          <a:xfrm>
-            <a:off x="1226871" y="1710266"/>
-            <a:ext cx="10483324" cy="3124201"/>
-          </a:xfrm>
-        </p:spPr>
-        <p:txBody>
-          <a:bodyPr>
-            <a:normAutofit/>
-          </a:bodyPr>
-          <a:lstStyle/>
-          <a:p>
-            <a:r>
-              <a:rPr lang="ko-KR" altLang="en-US" sz="2000" dirty="0"/>
-              <a:t>크게 </a:t>
-            </a:r>
-            <a:r>
-              <a:rPr lang="en-US" altLang="ko-KR" sz="2000" dirty="0"/>
-              <a:t>3</a:t>
-            </a:r>
-            <a:r>
-              <a:rPr lang="ko-KR" altLang="en-US" sz="2000" dirty="0"/>
-              <a:t>가지 형태 </a:t>
-            </a:r>
-            <a:r>
-              <a:rPr lang="en-US" altLang="ko-KR" sz="2000" dirty="0"/>
-              <a:t>1. </a:t>
-            </a:r>
-            <a:r>
-              <a:rPr lang="ko-KR" altLang="en-US" sz="2000" dirty="0"/>
-              <a:t>던전</a:t>
-            </a:r>
-            <a:r>
-              <a:rPr lang="en-US" altLang="ko-KR" sz="2000" dirty="0"/>
-              <a:t>(</a:t>
-            </a:r>
-            <a:r>
-              <a:rPr lang="ko-KR" altLang="en-US" sz="2000" dirty="0"/>
-              <a:t>맵 자동 생성</a:t>
-            </a:r>
-            <a:r>
-              <a:rPr lang="en-US" altLang="ko-KR" sz="2000" dirty="0"/>
-              <a:t>) 2. </a:t>
-            </a:r>
-            <a:r>
-              <a:rPr lang="ko-KR" altLang="en-US" sz="2000" dirty="0"/>
-              <a:t>마을 </a:t>
-            </a:r>
-            <a:r>
-              <a:rPr lang="en-US" altLang="ko-KR" sz="2000" dirty="0"/>
-              <a:t>3. </a:t>
-            </a:r>
-            <a:r>
-              <a:rPr lang="ko-KR" altLang="en-US" sz="2000" dirty="0"/>
-              <a:t>스토리 라인 맵</a:t>
-            </a:r>
-            <a:r>
-              <a:rPr lang="en-US" altLang="ko-KR" sz="2000" dirty="0"/>
-              <a:t>(</a:t>
-            </a:r>
-            <a:r>
-              <a:rPr lang="ko-KR" altLang="en-US" sz="2000" dirty="0"/>
-              <a:t>고정형</a:t>
-            </a:r>
-            <a:r>
-              <a:rPr lang="en-US" altLang="ko-KR" sz="2000" dirty="0"/>
-              <a:t>)</a:t>
-            </a:r>
-            <a:br>
-              <a:rPr lang="en-US" altLang="ko-KR" sz="2000" dirty="0"/>
-            </a:br>
-            <a:r>
-              <a:rPr lang="ko-KR" altLang="en-US" sz="2000" dirty="0" err="1"/>
-              <a:t>맵은</a:t>
-            </a:r>
-            <a:r>
-              <a:rPr lang="ko-KR" altLang="en-US" sz="2000" dirty="0"/>
-              <a:t> 전장의 안개</a:t>
-            </a:r>
-            <a:r>
-              <a:rPr lang="en-US" altLang="ko-KR" sz="2000" dirty="0"/>
-              <a:t>(</a:t>
-            </a:r>
-            <a:r>
-              <a:rPr lang="ko-KR" altLang="en-US" sz="2000" dirty="0" err="1"/>
-              <a:t>미탐험</a:t>
-            </a:r>
-            <a:r>
-              <a:rPr lang="ko-KR" altLang="en-US" sz="2000" dirty="0"/>
-              <a:t> 지역 안보임</a:t>
-            </a:r>
-            <a:r>
-              <a:rPr lang="en-US" altLang="ko-KR" sz="2000" dirty="0"/>
-              <a:t>)</a:t>
-            </a:r>
-            <a:r>
-              <a:rPr lang="ko-KR" altLang="en-US" sz="2000" dirty="0"/>
-              <a:t> 적용</a:t>
-            </a:r>
-            <a:br>
-              <a:rPr lang="en-US" altLang="ko-KR" sz="2000" dirty="0"/>
-            </a:br>
-            <a:r>
-              <a:rPr lang="ko-KR" altLang="en-US" sz="2000" dirty="0"/>
-              <a:t>분위기는 어둡게</a:t>
-            </a:r>
-          </a:p>
-        </p:txBody>
-      </p:sp>
-      <p:sp>
-        <p:nvSpPr>
-          <p:cNvPr id="4" name="제목 1">
-            <a:extLst>
-              <a:ext uri="{FF2B5EF4-FFF2-40B4-BE49-F238E27FC236}">
-                <a16:creationId xmlns:a16="http://schemas.microsoft.com/office/drawing/2014/main" id="{8E2E0E5E-C494-5952-9A4E-98B51E4DFDCD}"/>
-              </a:ext>
-            </a:extLst>
-          </p:cNvPr>
-          <p:cNvSpPr txBox="1">
-            <a:spLocks/>
-          </p:cNvSpPr>
-          <p:nvPr/>
-        </p:nvSpPr>
-        <p:spPr>
-          <a:xfrm>
-            <a:off x="981338" y="528638"/>
-            <a:ext cx="8712995" cy="859366"/>
-          </a:xfrm>
-          <a:prstGeom prst="rect">
-            <a:avLst/>
-          </a:prstGeom>
-        </p:spPr>
-        <p:txBody>
-          <a:bodyPr vert="horz" wrap="square" lIns="0" tIns="0" rIns="0" bIns="0" rtlCol="0" anchor="t" anchorCtr="0">
-            <a:noAutofit/>
-          </a:bodyPr>
-          <a:lstStyle>
-            <a:lvl1pPr algn="l" defTabSz="914400" rtl="0" eaLnBrk="1" latinLnBrk="0" hangingPunct="1">
-              <a:lnSpc>
-                <a:spcPct val="110000"/>
-              </a:lnSpc>
-              <a:spcBef>
-                <a:spcPct val="0"/>
-              </a:spcBef>
-              <a:buNone/>
-              <a:defRPr lang="en-US" sz="4800" kern="1200" spc="160" dirty="0">
-                <a:solidFill>
-                  <a:schemeClr val="tx1"/>
-                </a:solidFill>
-                <a:latin typeface="+mj-lt"/>
-                <a:ea typeface="+mj-ea"/>
-                <a:cs typeface="+mj-cs"/>
-              </a:defRPr>
-            </a:lvl1pPr>
-          </a:lstStyle>
-          <a:p>
-            <a:r>
-              <a:rPr lang="ko-KR" altLang="en-US" sz="5000" dirty="0"/>
-              <a:t>맵</a:t>
-            </a:r>
-          </a:p>
-        </p:txBody>
-      </p:sp>
-    </p:spTree>
-    <p:extLst>
-      <p:ext uri="{BB962C8B-B14F-4D97-AF65-F5344CB8AC3E}">
-        <p14:creationId xmlns:p14="http://schemas.microsoft.com/office/powerpoint/2010/main" val="3968758996"/>
       </p:ext>
     </p:extLst>
   </p:cSld>

--- a/기획서.pptx
+++ b/기획서.pptx
@@ -13,20 +13,24 @@
     <p:sldId id="260" r:id="rId7"/>
     <p:sldId id="261" r:id="rId8"/>
     <p:sldId id="271" r:id="rId9"/>
-    <p:sldId id="266" r:id="rId10"/>
-    <p:sldId id="267" r:id="rId11"/>
-    <p:sldId id="278" r:id="rId12"/>
-    <p:sldId id="265" r:id="rId13"/>
-    <p:sldId id="270" r:id="rId14"/>
-    <p:sldId id="269" r:id="rId15"/>
-    <p:sldId id="263" r:id="rId16"/>
-    <p:sldId id="264" r:id="rId17"/>
-    <p:sldId id="273" r:id="rId18"/>
-    <p:sldId id="274" r:id="rId19"/>
-    <p:sldId id="275" r:id="rId20"/>
-    <p:sldId id="272" r:id="rId21"/>
-    <p:sldId id="277" r:id="rId22"/>
-    <p:sldId id="279" r:id="rId23"/>
+    <p:sldId id="280" r:id="rId10"/>
+    <p:sldId id="266" r:id="rId11"/>
+    <p:sldId id="267" r:id="rId12"/>
+    <p:sldId id="278" r:id="rId13"/>
+    <p:sldId id="264" r:id="rId14"/>
+    <p:sldId id="273" r:id="rId15"/>
+    <p:sldId id="274" r:id="rId16"/>
+    <p:sldId id="275" r:id="rId17"/>
+    <p:sldId id="270" r:id="rId18"/>
+    <p:sldId id="282" r:id="rId19"/>
+    <p:sldId id="283" r:id="rId20"/>
+    <p:sldId id="269" r:id="rId21"/>
+    <p:sldId id="265" r:id="rId22"/>
+    <p:sldId id="263" r:id="rId23"/>
+    <p:sldId id="272" r:id="rId24"/>
+    <p:sldId id="277" r:id="rId25"/>
+    <p:sldId id="279" r:id="rId26"/>
+    <p:sldId id="281" r:id="rId27"/>
   </p:sldIdLst>
   <p:sldSz cx="12192000" cy="6858000"/>
   <p:notesSz cx="6858000" cy="9144000"/>
@@ -136,7 +140,7 @@
             <p14:sldId id="276"/>
           </p14:sldIdLst>
         </p14:section>
-        <p14:section name="컨셉" id="{9F083F6D-D844-4D8F-8D71-578104ED846D}">
+        <p14:section name="Concept" id="{9F083F6D-D844-4D8F-8D71-578104ED846D}">
           <p14:sldIdLst>
             <p14:sldId id="259"/>
             <p14:sldId id="260"/>
@@ -146,24 +150,32 @@
         <p14:section name="상세 설명" id="{80A2F9F3-9CC3-4C5D-9258-1CC5E953A360}">
           <p14:sldIdLst>
             <p14:sldId id="271"/>
+            <p14:sldId id="280"/>
             <p14:sldId id="266"/>
             <p14:sldId id="267"/>
             <p14:sldId id="278"/>
-            <p14:sldId id="265"/>
-            <p14:sldId id="270"/>
-            <p14:sldId id="269"/>
-            <p14:sldId id="263"/>
             <p14:sldId id="264"/>
             <p14:sldId id="273"/>
             <p14:sldId id="274"/>
             <p14:sldId id="275"/>
           </p14:sldIdLst>
         </p14:section>
-        <p14:section name="캐릭터 성장" id="{B3B2D8AA-4269-4FEC-8036-17B0982504DA}">
+        <p14:section name="Enemy" id="{414702F9-16A2-41B4-A6CB-30779FC89842}">
           <p14:sldIdLst>
+            <p14:sldId id="270"/>
+            <p14:sldId id="282"/>
+            <p14:sldId id="283"/>
+            <p14:sldId id="269"/>
+          </p14:sldIdLst>
+        </p14:section>
+        <p14:section name="Character" id="{B3B2D8AA-4269-4FEC-8036-17B0982504DA}">
+          <p14:sldIdLst>
+            <p14:sldId id="265"/>
+            <p14:sldId id="263"/>
             <p14:sldId id="272"/>
             <p14:sldId id="277"/>
             <p14:sldId id="279"/>
+            <p14:sldId id="281"/>
           </p14:sldIdLst>
         </p14:section>
       </p14:sectionLst>
@@ -340,7 +352,7 @@
           <a:p>
             <a:fld id="{72EA7947-E287-4738-8C82-07CE4F01EF03}" type="datetime2">
               <a:rPr lang="en-US" smtClean="0"/>
-              <a:t>Wednesday, May 31, 2023</a:t>
+              <a:t>Friday, June 2, 2023</a:t>
             </a:fld>
             <a:endParaRPr lang="en-US" dirty="0"/>
           </a:p>
@@ -1376,7 +1388,7 @@
           <a:p>
             <a:fld id="{EE2EBD84-71F4-4271-8C46-0D47C0A9B12E}" type="datetime2">
               <a:rPr lang="en-US" smtClean="0"/>
-              <a:t>Wednesday, May 31, 2023</a:t>
+              <a:t>Friday, June 2, 2023</a:t>
             </a:fld>
             <a:endParaRPr lang="en-US"/>
           </a:p>
@@ -1587,7 +1599,7 @@
           <a:p>
             <a:fld id="{ABAE0CE1-F450-4107-B2CB-17B18F8A3F4A}" type="datetime2">
               <a:rPr lang="en-US" smtClean="0"/>
-              <a:t>Wednesday, May 31, 2023</a:t>
+              <a:t>Friday, June 2, 2023</a:t>
             </a:fld>
             <a:endParaRPr lang="en-US"/>
           </a:p>
@@ -2252,7 +2264,7 @@
           <a:p>
             <a:fld id="{6FE8C025-CD7A-4966-867E-81CF82B15267}" type="datetime2">
               <a:rPr lang="en-US" smtClean="0"/>
-              <a:t>Wednesday, May 31, 2023</a:t>
+              <a:t>Friday, June 2, 2023</a:t>
             </a:fld>
             <a:endParaRPr lang="en-US"/>
           </a:p>
@@ -2872,7 +2884,7 @@
           <a:p>
             <a:fld id="{FE809929-0719-4517-94D6-FDF7F99E70F6}" type="datetime2">
               <a:rPr lang="en-US" smtClean="0"/>
-              <a:t>Wednesday, May 31, 2023</a:t>
+              <a:t>Friday, June 2, 2023</a:t>
             </a:fld>
             <a:endParaRPr lang="en-US"/>
           </a:p>
@@ -3990,7 +4002,7 @@
           <a:p>
             <a:fld id="{20E95673-5512-4AAA-9AEB-E00C61EC65D5}" type="datetime2">
               <a:rPr lang="en-US" smtClean="0"/>
-              <a:t>Wednesday, May 31, 2023</a:t>
+              <a:t>Friday, June 2, 2023</a:t>
             </a:fld>
             <a:endParaRPr lang="en-US"/>
           </a:p>
@@ -4537,7 +4549,7 @@
           <a:p>
             <a:fld id="{C13138FA-2E87-4873-8BBA-13E447C9A99A}" type="datetime2">
               <a:rPr lang="en-US" smtClean="0"/>
-              <a:t>Wednesday, May 31, 2023</a:t>
+              <a:t>Friday, June 2, 2023</a:t>
             </a:fld>
             <a:endParaRPr lang="en-US"/>
           </a:p>
@@ -4698,7 +4710,7 @@
           <a:p>
             <a:fld id="{D75BB40A-97BD-4BFB-B639-0BFF95FDE8B7}" type="datetime2">
               <a:rPr lang="en-US" smtClean="0"/>
-              <a:t>Wednesday, May 31, 2023</a:t>
+              <a:t>Friday, June 2, 2023</a:t>
             </a:fld>
             <a:endParaRPr lang="en-US"/>
           </a:p>
@@ -5733,7 +5745,7 @@
           <a:p>
             <a:fld id="{9EE9E0E3-ECF6-4CFE-8698-AEFEBCECC3C0}" type="datetime2">
               <a:rPr lang="en-US" smtClean="0"/>
-              <a:t>Wednesday, May 31, 2023</a:t>
+              <a:t>Friday, June 2, 2023</a:t>
             </a:fld>
             <a:endParaRPr lang="en-US"/>
           </a:p>
@@ -6379,7 +6391,7 @@
           <a:p>
             <a:fld id="{251462FC-960E-4740-921F-B36862979F21}" type="datetime2">
               <a:rPr lang="en-US" smtClean="0"/>
-              <a:t>Wednesday, May 31, 2023</a:t>
+              <a:t>Friday, June 2, 2023</a:t>
             </a:fld>
             <a:endParaRPr lang="en-US"/>
           </a:p>
@@ -7143,7 +7155,7 @@
           <a:p>
             <a:fld id="{E50BC9E2-CB44-4C05-9BB5-496C18A241E0}" type="datetime2">
               <a:rPr lang="en-US" smtClean="0"/>
-              <a:t>Wednesday, May 31, 2023</a:t>
+              <a:t>Friday, June 2, 2023</a:t>
             </a:fld>
             <a:endParaRPr lang="en-US"/>
           </a:p>
@@ -7390,7 +7402,7 @@
           <a:p>
             <a:fld id="{246CB39B-5F4C-4A7E-9BE3-AAFD45576D16}" type="datetime2">
               <a:rPr lang="en-US" smtClean="0"/>
-              <a:t>Wednesday, May 31, 2023</a:t>
+              <a:t>Friday, June 2, 2023</a:t>
             </a:fld>
             <a:endParaRPr lang="en-US" dirty="0"/>
           </a:p>
@@ -7954,6 +7966,10 @@
               <a:rPr lang="ko-KR" altLang="en-US" sz="4800" dirty="0" err="1"/>
               <a:t>닉스</a:t>
             </a:r>
+            <a:r>
+              <a:rPr lang="en-US" altLang="ko-KR" sz="4800" dirty="0"/>
+              <a:t>(Nyx)</a:t>
+            </a:r>
             <a:endParaRPr lang="ko-KR" altLang="en-US" sz="4800" dirty="0"/>
           </a:p>
         </p:txBody>
@@ -8185,70 +8201,48 @@
         <p:spPr>
           <a:xfrm>
             <a:off x="1226871" y="1710266"/>
-            <a:ext cx="10483324" cy="3124201"/>
+            <a:ext cx="10483324" cy="4858367"/>
           </a:xfrm>
         </p:spPr>
         <p:txBody>
           <a:bodyPr>
-            <a:normAutofit/>
+            <a:normAutofit fontScale="90000"/>
           </a:bodyPr>
           <a:lstStyle/>
           <a:p>
             <a:r>
               <a:rPr lang="ko-KR" altLang="en-US" sz="2000" dirty="0"/>
-              <a:t>크게 </a:t>
-            </a:r>
-            <a:r>
-              <a:rPr lang="en-US" altLang="ko-KR" sz="2000" dirty="0"/>
-              <a:t>3</a:t>
-            </a:r>
+              <a:t>스토리를 전반부 후반부로 나누어</a:t>
+            </a:r>
+            <a:br>
+              <a:rPr lang="en-US" altLang="ko-KR" sz="2000" dirty="0"/>
+            </a:br>
             <a:r>
               <a:rPr lang="ko-KR" altLang="en-US" sz="2000" dirty="0"/>
-              <a:t>가지 형태 </a:t>
-            </a:r>
-            <a:r>
-              <a:rPr lang="en-US" altLang="ko-KR" sz="2000" dirty="0"/>
-              <a:t>1. </a:t>
+              <a:t>전반부에서는 기억과 힘을 모두 잃어 버린 </a:t>
+            </a:r>
+            <a:r>
+              <a:rPr lang="ko-KR" altLang="en-US" sz="2000" dirty="0" err="1"/>
+              <a:t>닉스가</a:t>
             </a:r>
             <a:r>
               <a:rPr lang="ko-KR" altLang="en-US" sz="2000" dirty="0"/>
-              <a:t>던전</a:t>
-            </a:r>
-            <a:r>
-              <a:rPr lang="en-US" altLang="ko-KR" sz="2000" dirty="0"/>
-              <a:t>(</a:t>
-            </a:r>
+              <a:t> 자신의 기억을 되찾기 위해 떠나는 모험</a:t>
+            </a:r>
+            <a:br>
+              <a:rPr lang="en-US" altLang="ko-KR" sz="2000" dirty="0"/>
+            </a:br>
             <a:r>
               <a:rPr lang="ko-KR" altLang="en-US" sz="2000" dirty="0"/>
-              <a:t>맵 자동 생성</a:t>
-            </a:r>
-            <a:r>
-              <a:rPr lang="en-US" altLang="ko-KR" sz="2000" dirty="0"/>
-              <a:t>) 2. </a:t>
+              <a:t>후반부에서는 자신의 힘을 되찾은 </a:t>
+            </a:r>
+            <a:r>
+              <a:rPr lang="ko-KR" altLang="en-US" sz="2000" dirty="0" err="1"/>
+              <a:t>닉스가</a:t>
             </a:r>
             <a:r>
               <a:rPr lang="ko-KR" altLang="en-US" sz="2000" dirty="0"/>
-              <a:t>마을 </a:t>
-            </a:r>
-            <a:r>
-              <a:rPr lang="en-US" altLang="ko-KR" sz="2000" dirty="0"/>
-              <a:t>3. </a:t>
-            </a:r>
-            <a:r>
-              <a:rPr lang="ko-KR" altLang="en-US" sz="2000" dirty="0"/>
-              <a:t>스토리 라인 맵</a:t>
-            </a:r>
-            <a:r>
-              <a:rPr lang="en-US" altLang="ko-KR" sz="2000" dirty="0"/>
-              <a:t>(</a:t>
-            </a:r>
-            <a:r>
-              <a:rPr lang="ko-KR" altLang="en-US" sz="2000" dirty="0"/>
-              <a:t>고정형</a:t>
-            </a:r>
-            <a:r>
-              <a:rPr lang="en-US" altLang="ko-KR" sz="2000" dirty="0"/>
-              <a:t>)</a:t>
+              <a:t> 힘을 잃어 버리게 한 원흉에게 복수를 위해 떠나는 모험</a:t>
             </a:r>
             <a:br>
               <a:rPr lang="en-US" altLang="ko-KR" sz="2000" dirty="0"/>
@@ -8257,23 +8251,34 @@
               <a:rPr lang="en-US" altLang="ko-KR" sz="2000" dirty="0"/>
             </a:br>
             <a:r>
+              <a:rPr lang="ko-KR" altLang="en-US" sz="2000" dirty="0" err="1"/>
+              <a:t>닉스가</a:t>
+            </a:r>
+            <a:r>
               <a:rPr lang="ko-KR" altLang="en-US" sz="2000" dirty="0"/>
-              <a:t>게임 장르인 </a:t>
-            </a:r>
+              <a:t> 힘을 잃어 버리면서 세상에는 어둠이 깔리게 되었고 </a:t>
+            </a:r>
+            <a:br>
+              <a:rPr lang="en-US" altLang="ko-KR" sz="2000" dirty="0"/>
+            </a:br>
             <a:r>
               <a:rPr lang="ko-KR" altLang="en-US" sz="2000" dirty="0" err="1"/>
-              <a:t>메트로베니아</a:t>
+              <a:t>닉스가</a:t>
             </a:r>
             <a:r>
               <a:rPr lang="ko-KR" altLang="en-US" sz="2000" dirty="0"/>
-              <a:t> 답게 탐험 요소를 주고 싶음</a:t>
+              <a:t> 어둠을 회수 할 때마다 세상은 밝아지게 된다</a:t>
+            </a:r>
+            <a:r>
+              <a:rPr lang="en-US" altLang="ko-KR" sz="2000" dirty="0"/>
+              <a:t>.</a:t>
             </a:r>
             <a:br>
               <a:rPr lang="en-US" altLang="ko-KR" sz="2000" dirty="0"/>
             </a:br>
             <a:r>
               <a:rPr lang="ko-KR" altLang="en-US" sz="2000" dirty="0"/>
-              <a:t>비선형적 구도</a:t>
+              <a:t>하지만 힘을 되찾을수록 자신의 주변에 있는 인물들은 불행해지게 되어</a:t>
             </a:r>
             <a:r>
               <a:rPr lang="en-US" altLang="ko-KR" sz="2000" dirty="0"/>
@@ -8281,16 +8286,92 @@
             </a:r>
             <a:r>
               <a:rPr lang="ko-KR" altLang="en-US" sz="2000" dirty="0"/>
-              <a:t>오픈월드이지만 스토리 진행하면서 일정 섹터가 해금</a:t>
-            </a:r>
-            <a:r>
-              <a:rPr lang="en-US" altLang="ko-KR" sz="2000" dirty="0"/>
-              <a:t>)</a:t>
+              <a:t>근처만 가도 불행하듯이</a:t>
+            </a:r>
+            <a:r>
+              <a:rPr lang="en-US" altLang="ko-KR" sz="2000" dirty="0"/>
+              <a:t>?)</a:t>
+            </a:r>
+            <a:r>
+              <a:rPr lang="ko-KR" altLang="en-US" sz="2000" dirty="0"/>
+              <a:t> </a:t>
             </a:r>
             <a:br>
               <a:rPr lang="en-US" altLang="ko-KR" sz="2000" dirty="0"/>
             </a:br>
-            <a:endParaRPr lang="ko-KR" altLang="en-US" sz="2000" dirty="0"/>
+            <a:r>
+              <a:rPr lang="en-US" altLang="ko-KR" sz="2000" dirty="0"/>
+              <a:t>(NYX</a:t>
+            </a:r>
+            <a:r>
+              <a:rPr lang="ko-KR" altLang="en-US" sz="2000" dirty="0"/>
+              <a:t>의 이명인 죽음의 어머니</a:t>
+            </a:r>
+            <a:r>
+              <a:rPr lang="en-US" altLang="ko-KR" sz="2000" dirty="0"/>
+              <a:t>) </a:t>
+            </a:r>
+            <a:br>
+              <a:rPr lang="en-US" altLang="ko-KR" sz="2000" dirty="0"/>
+            </a:br>
+            <a:br>
+              <a:rPr lang="en-US" altLang="ko-KR" sz="2000" dirty="0"/>
+            </a:br>
+            <a:r>
+              <a:rPr lang="ko-KR" altLang="en-US" sz="2000" dirty="0"/>
+              <a:t>힘을 되찾게 될 수록 갈등하는 걸 그리고 </a:t>
+            </a:r>
+            <a:r>
+              <a:rPr lang="ko-KR" altLang="en-US" sz="2000" dirty="0" err="1"/>
+              <a:t>싶슴다</a:t>
+            </a:r>
+            <a:r>
+              <a:rPr lang="en-US" altLang="ko-KR" sz="2000" dirty="0"/>
+              <a:t>.. </a:t>
+            </a:r>
+            <a:r>
+              <a:rPr lang="ko-KR" altLang="en-US" sz="2000" dirty="0" err="1"/>
+              <a:t>생각중</a:t>
+            </a:r>
+            <a:br>
+              <a:rPr lang="en-US" altLang="ko-KR" sz="2000" dirty="0"/>
+            </a:br>
+            <a:br>
+              <a:rPr lang="en-US" altLang="ko-KR" sz="2000" dirty="0"/>
+            </a:br>
+            <a:br>
+              <a:rPr lang="en-US" altLang="ko-KR" sz="2000" dirty="0"/>
+            </a:br>
+            <a:br>
+              <a:rPr lang="en-US" altLang="ko-KR" sz="2000" dirty="0"/>
+            </a:br>
+            <a:br>
+              <a:rPr lang="en-US" altLang="ko-KR" sz="2000" dirty="0"/>
+            </a:br>
+            <a:br>
+              <a:rPr lang="en-US" altLang="ko-KR" sz="2000" dirty="0"/>
+            </a:br>
+            <a:br>
+              <a:rPr lang="en-US" altLang="ko-KR" sz="2000" dirty="0"/>
+            </a:br>
+            <a:br>
+              <a:rPr lang="en-US" altLang="ko-KR" sz="2000" dirty="0"/>
+            </a:br>
+            <a:br>
+              <a:rPr lang="en-US" altLang="ko-KR" sz="2000" dirty="0"/>
+            </a:br>
+            <a:r>
+              <a:rPr lang="ko-KR" altLang="en-US" sz="2000" dirty="0"/>
+              <a:t>게임의 엔딩은 진 보스를 잡고 힘을 되찾아 떠나거나 마을에 남거나 선택하는 엔딩 </a:t>
+            </a:r>
+            <a:r>
+              <a:rPr lang="en-US" altLang="ko-KR" sz="2000" dirty="0"/>
+              <a:t>2</a:t>
+            </a:r>
+            <a:r>
+              <a:rPr lang="ko-KR" altLang="en-US" sz="2000" dirty="0"/>
+              <a:t>가지 존재</a:t>
+            </a:r>
           </a:p>
         </p:txBody>
       </p:sp>
@@ -8310,7 +8391,7 @@
         </p:nvSpPr>
         <p:spPr>
           <a:xfrm>
-            <a:off x="981338" y="528638"/>
+            <a:off x="1165533" y="752305"/>
             <a:ext cx="8712995" cy="859366"/>
           </a:xfrm>
           <a:prstGeom prst="rect">
@@ -8343,6 +8424,278 @@
           <a:p>
             <a:r>
               <a:rPr lang="ko-KR" altLang="en-US" sz="5000" dirty="0"/>
+              <a:t>스토리</a:t>
+            </a:r>
+          </a:p>
+        </p:txBody>
+      </p:sp>
+      <p:sp>
+        <p:nvSpPr>
+          <p:cNvPr id="3" name="TextBox 2">
+            <a:extLst>
+              <a:ext uri="{FF2B5EF4-FFF2-40B4-BE49-F238E27FC236}">
+                <a16:creationId xmlns:a16="http://schemas.microsoft.com/office/drawing/2014/main" id="{6627D5FA-7165-9CE5-0975-2A69C2C0F0CB}"/>
+              </a:ext>
+            </a:extLst>
+          </p:cNvPr>
+          <p:cNvSpPr txBox="1"/>
+          <p:nvPr/>
+        </p:nvSpPr>
+        <p:spPr>
+          <a:xfrm>
+            <a:off x="3267307" y="997322"/>
+            <a:ext cx="5146288" cy="369332"/>
+          </a:xfrm>
+          <a:prstGeom prst="rect">
+            <a:avLst/>
+          </a:prstGeom>
+          <a:noFill/>
+        </p:spPr>
+        <p:txBody>
+          <a:bodyPr wrap="square" rtlCol="0">
+            <a:spAutoFit/>
+          </a:bodyPr>
+          <a:lstStyle/>
+          <a:p>
+            <a:endParaRPr lang="ko-KR" altLang="en-US" dirty="0"/>
+          </a:p>
+        </p:txBody>
+      </p:sp>
+    </p:spTree>
+    <p:extLst>
+      <p:ext uri="{BB962C8B-B14F-4D97-AF65-F5344CB8AC3E}">
+        <p14:creationId xmlns:p14="http://schemas.microsoft.com/office/powerpoint/2010/main" val="2570007976"/>
+      </p:ext>
+    </p:extLst>
+  </p:cSld>
+  <p:clrMapOvr>
+    <a:masterClrMapping/>
+  </p:clrMapOvr>
+</p:sld>
+</file>
+
+<file path=ppt/slides/slide11.xml><?xml version="1.0" encoding="utf-8"?>
+<p:sld xmlns:a="http://schemas.openxmlformats.org/drawingml/2006/main" xmlns:r="http://schemas.openxmlformats.org/officeDocument/2006/relationships" xmlns:p="http://schemas.openxmlformats.org/presentationml/2006/main">
+  <p:cSld>
+    <p:spTree>
+      <p:nvGrpSpPr>
+        <p:cNvPr id="1" name=""/>
+        <p:cNvGrpSpPr/>
+        <p:nvPr/>
+      </p:nvGrpSpPr>
+      <p:grpSpPr>
+        <a:xfrm>
+          <a:off x="0" y="0"/>
+          <a:ext cx="0" cy="0"/>
+          <a:chOff x="0" y="0"/>
+          <a:chExt cx="0" cy="0"/>
+        </a:xfrm>
+      </p:grpSpPr>
+      <p:sp>
+        <p:nvSpPr>
+          <p:cNvPr id="2" name="제목 1">
+            <a:extLst>
+              <a:ext uri="{FF2B5EF4-FFF2-40B4-BE49-F238E27FC236}">
+                <a16:creationId xmlns:a16="http://schemas.microsoft.com/office/drawing/2014/main" id="{7B2E3A79-41DF-C0FE-CFAA-BCB5A42209EE}"/>
+              </a:ext>
+            </a:extLst>
+          </p:cNvPr>
+          <p:cNvSpPr>
+            <a:spLocks noGrp="1"/>
+          </p:cNvSpPr>
+          <p:nvPr>
+            <p:ph type="title"/>
+          </p:nvPr>
+        </p:nvSpPr>
+        <p:spPr>
+          <a:xfrm>
+            <a:off x="1226871" y="1710266"/>
+            <a:ext cx="10483324" cy="4888942"/>
+          </a:xfrm>
+        </p:spPr>
+        <p:txBody>
+          <a:bodyPr>
+            <a:normAutofit/>
+          </a:bodyPr>
+          <a:lstStyle/>
+          <a:p>
+            <a:r>
+              <a:rPr lang="ko-KR" altLang="en-US" sz="2000" dirty="0"/>
+              <a:t>크게 </a:t>
+            </a:r>
+            <a:r>
+              <a:rPr lang="en-US" altLang="ko-KR" sz="2000" dirty="0"/>
+              <a:t>3</a:t>
+            </a:r>
+            <a:r>
+              <a:rPr lang="ko-KR" altLang="en-US" sz="2000" dirty="0"/>
+              <a:t>가지 형태 </a:t>
+            </a:r>
+            <a:r>
+              <a:rPr lang="en-US" altLang="ko-KR" sz="2000" dirty="0"/>
+              <a:t>1. </a:t>
+            </a:r>
+            <a:r>
+              <a:rPr lang="ko-KR" altLang="en-US" sz="2000" dirty="0"/>
+              <a:t>마을 </a:t>
+            </a:r>
+            <a:r>
+              <a:rPr lang="en-US" altLang="ko-KR" sz="2000" dirty="0"/>
+              <a:t>2. </a:t>
+            </a:r>
+            <a:r>
+              <a:rPr lang="ko-KR" altLang="en-US" sz="2000" dirty="0"/>
+              <a:t>스토리 라인 맵</a:t>
+            </a:r>
+            <a:r>
+              <a:rPr lang="en-US" altLang="ko-KR" sz="2000" dirty="0"/>
+              <a:t>(</a:t>
+            </a:r>
+            <a:r>
+              <a:rPr lang="ko-KR" altLang="en-US" sz="2000" dirty="0"/>
+              <a:t>고정형</a:t>
+            </a:r>
+            <a:r>
+              <a:rPr lang="en-US" altLang="ko-KR" sz="2000" dirty="0"/>
+              <a:t>) 3. </a:t>
+            </a:r>
+            <a:r>
+              <a:rPr lang="ko-KR" altLang="en-US" sz="2000" dirty="0"/>
+              <a:t>던전</a:t>
+            </a:r>
+            <a:r>
+              <a:rPr lang="en-US" altLang="ko-KR" sz="2000" dirty="0"/>
+              <a:t>(</a:t>
+            </a:r>
+            <a:r>
+              <a:rPr lang="ko-KR" altLang="en-US" sz="2000" dirty="0"/>
+              <a:t>맵 자동 생성</a:t>
+            </a:r>
+            <a:r>
+              <a:rPr lang="en-US" altLang="ko-KR" sz="2000" dirty="0"/>
+              <a:t>)</a:t>
+            </a:r>
+            <a:br>
+              <a:rPr lang="en-US" altLang="ko-KR" sz="2000" dirty="0"/>
+            </a:br>
+            <a:br>
+              <a:rPr lang="en-US" altLang="ko-KR" sz="2000" dirty="0"/>
+            </a:br>
+            <a:r>
+              <a:rPr lang="ko-KR" altLang="en-US" sz="2000" dirty="0"/>
+              <a:t>게임 장르인 </a:t>
+            </a:r>
+            <a:r>
+              <a:rPr lang="ko-KR" altLang="en-US" sz="2000" dirty="0" err="1"/>
+              <a:t>메트로베니아</a:t>
+            </a:r>
+            <a:r>
+              <a:rPr lang="ko-KR" altLang="en-US" sz="2000" dirty="0"/>
+              <a:t> 답게 탐험 요소를 제작</a:t>
+            </a:r>
+            <a:br>
+              <a:rPr lang="en-US" altLang="ko-KR" sz="2000" dirty="0"/>
+            </a:br>
+            <a:br>
+              <a:rPr lang="en-US" altLang="ko-KR" sz="2000" dirty="0"/>
+            </a:br>
+            <a:r>
+              <a:rPr lang="ko-KR" altLang="en-US" sz="2000" dirty="0" err="1"/>
+              <a:t>심리스</a:t>
+            </a:r>
+            <a:r>
+              <a:rPr lang="ko-KR" altLang="en-US" sz="2000" dirty="0"/>
+              <a:t> 오픈월드를 지향 </a:t>
+            </a:r>
+            <a:r>
+              <a:rPr lang="en-US" altLang="ko-KR" sz="2000" dirty="0"/>
+              <a:t>(</a:t>
+            </a:r>
+            <a:r>
+              <a:rPr lang="ko-KR" altLang="en-US" sz="2000" dirty="0"/>
+              <a:t>한 </a:t>
+            </a:r>
+            <a:r>
+              <a:rPr lang="ko-KR" altLang="en-US" sz="2000" dirty="0" err="1"/>
+              <a:t>씬에서</a:t>
+            </a:r>
+            <a:r>
+              <a:rPr lang="ko-KR" altLang="en-US" sz="2000" dirty="0"/>
+              <a:t> 작업</a:t>
+            </a:r>
+            <a:r>
+              <a:rPr lang="en-US" altLang="ko-KR" sz="2000" dirty="0"/>
+              <a:t>)</a:t>
+            </a:r>
+            <a:br>
+              <a:rPr lang="en-US" altLang="ko-KR" sz="2000" dirty="0"/>
+            </a:br>
+            <a:br>
+              <a:rPr lang="en-US" altLang="ko-KR" sz="2000" dirty="0"/>
+            </a:br>
+            <a:r>
+              <a:rPr lang="ko-KR" altLang="en-US" sz="2000" dirty="0"/>
+              <a:t>섹터별로 분위기를 다르게 준다</a:t>
+            </a:r>
+            <a:br>
+              <a:rPr lang="en-US" altLang="ko-KR" sz="2000" dirty="0"/>
+            </a:br>
+            <a:br>
+              <a:rPr lang="en-US" altLang="ko-KR" sz="2000" dirty="0"/>
+            </a:br>
+            <a:endParaRPr lang="ko-KR" altLang="en-US" sz="2000" dirty="0"/>
+          </a:p>
+        </p:txBody>
+      </p:sp>
+      <p:sp>
+        <p:nvSpPr>
+          <p:cNvPr id="4" name="제목 1">
+            <a:extLst>
+              <a:ext uri="{FF2B5EF4-FFF2-40B4-BE49-F238E27FC236}">
+                <a16:creationId xmlns:a16="http://schemas.microsoft.com/office/drawing/2014/main" id="{8E2E0E5E-C494-5952-9A4E-98B51E4DFDCD}"/>
+              </a:ext>
+            </a:extLst>
+          </p:cNvPr>
+          <p:cNvSpPr txBox="1">
+            <a:spLocks/>
+          </p:cNvSpPr>
+          <p:nvPr/>
+        </p:nvSpPr>
+        <p:spPr>
+          <a:xfrm>
+            <a:off x="981338" y="528638"/>
+            <a:ext cx="8712995" cy="859366"/>
+          </a:xfrm>
+          <a:prstGeom prst="rect">
+            <a:avLst/>
+          </a:prstGeom>
+        </p:spPr>
+        <p:txBody>
+          <a:bodyPr vert="horz" wrap="square" lIns="0" tIns="0" rIns="0" bIns="0" rtlCol="0" anchor="t" anchorCtr="0">
+            <a:noAutofit/>
+          </a:bodyPr>
+          <a:lstStyle>
+            <a:lvl1pPr algn="l" defTabSz="914400" rtl="0" eaLnBrk="1" latinLnBrk="0" hangingPunct="1">
+              <a:lnSpc>
+                <a:spcPct val="110000"/>
+              </a:lnSpc>
+              <a:spcBef>
+                <a:spcPct val="0"/>
+              </a:spcBef>
+              <a:buNone/>
+              <a:defRPr lang="en-US" sz="4800" kern="1200" spc="160" dirty="0">
+                <a:solidFill>
+                  <a:schemeClr val="tx1"/>
+                </a:solidFill>
+                <a:latin typeface="+mj-lt"/>
+                <a:ea typeface="+mj-ea"/>
+                <a:cs typeface="+mj-cs"/>
+              </a:defRPr>
+            </a:lvl1pPr>
+          </a:lstStyle>
+          <a:p>
+            <a:r>
+              <a:rPr lang="ko-KR" altLang="en-US" sz="5000" dirty="0"/>
               <a:t>맵</a:t>
             </a:r>
           </a:p>
@@ -8361,7 +8714,7 @@
 </p:sld>
 </file>
 
-<file path=ppt/slides/slide11.xml><?xml version="1.0" encoding="utf-8"?>
+<file path=ppt/slides/slide12.xml><?xml version="1.0" encoding="utf-8"?>
 <p:sld xmlns:a="http://schemas.openxmlformats.org/drawingml/2006/main" xmlns:r="http://schemas.openxmlformats.org/officeDocument/2006/relationships" xmlns:p="http://schemas.openxmlformats.org/presentationml/2006/main">
   <p:cSld>
     <p:spTree>
@@ -8529,8 +8882,8 @@
         </p:nvSpPr>
         <p:spPr>
           <a:xfrm>
-            <a:off x="382598" y="2405000"/>
-            <a:ext cx="4968453" cy="369332"/>
+            <a:off x="313587" y="2094450"/>
+            <a:ext cx="4968453" cy="2585323"/>
           </a:xfrm>
           <a:prstGeom prst="rect">
             <a:avLst/>
@@ -8544,16 +8897,113 @@
           <a:lstStyle/>
           <a:p>
             <a:r>
+              <a:rPr lang="ko-KR" altLang="en-US" dirty="0" err="1"/>
+              <a:t>심리스</a:t>
+            </a:r>
+            <a:r>
               <a:rPr lang="ko-KR" altLang="en-US" dirty="0"/>
-              <a:t>시작 지점에서 점점 </a:t>
+              <a:t> 오픈월드 형식</a:t>
+            </a:r>
+            <a:endParaRPr lang="en-US" altLang="ko-KR" dirty="0"/>
+          </a:p>
+          <a:p>
+            <a:r>
+              <a:rPr lang="ko-KR" altLang="en-US" dirty="0"/>
+              <a:t>여러 섹터를 만들어 여러 분위기를 연출</a:t>
+            </a:r>
+            <a:endParaRPr lang="en-US" altLang="ko-KR" dirty="0"/>
+          </a:p>
+          <a:p>
+            <a:r>
+              <a:rPr lang="ko-KR" altLang="en-US" dirty="0"/>
+              <a:t>섹터는 이전 섹터의 보스를 잡으면 이동 가능</a:t>
+            </a:r>
+            <a:endParaRPr lang="en-US" altLang="ko-KR" dirty="0"/>
+          </a:p>
+          <a:p>
+            <a:endParaRPr lang="en-US" altLang="ko-KR" dirty="0"/>
+          </a:p>
+          <a:p>
+            <a:r>
+              <a:rPr lang="ko-KR" altLang="en-US" dirty="0"/>
+              <a:t>섹터의 기본 형식은</a:t>
+            </a:r>
+            <a:endParaRPr lang="en-US" altLang="ko-KR" dirty="0"/>
+          </a:p>
+          <a:p>
+            <a:r>
+              <a:rPr lang="ko-KR" altLang="en-US" dirty="0"/>
+              <a:t>퍼즐</a:t>
+            </a:r>
+            <a:r>
+              <a:rPr lang="en-US" altLang="ko-KR" dirty="0"/>
+              <a:t>&amp;</a:t>
+            </a:r>
+            <a:r>
+              <a:rPr lang="ko-KR" altLang="en-US" dirty="0"/>
+              <a:t>점프 </a:t>
+            </a:r>
+            <a:r>
+              <a:rPr lang="en-US" altLang="ko-KR" dirty="0"/>
+              <a:t>&gt; </a:t>
+            </a:r>
+            <a:r>
+              <a:rPr lang="ko-KR" altLang="en-US" dirty="0"/>
+              <a:t>중간보스</a:t>
+            </a:r>
+            <a:r>
+              <a:rPr lang="en-US" altLang="ko-KR" dirty="0"/>
+              <a:t>(</a:t>
             </a:r>
             <a:r>
               <a:rPr lang="ko-KR" altLang="en-US" dirty="0" err="1"/>
-              <a:t>멀리까지</a:t>
+              <a:t>처치시</a:t>
             </a:r>
             <a:r>
               <a:rPr lang="ko-KR" altLang="en-US" dirty="0"/>
-              <a:t> 나갈 수 있게 </a:t>
+              <a:t> </a:t>
+            </a:r>
+            <a:r>
+              <a:rPr lang="en-US" altLang="ko-KR" dirty="0"/>
+              <a:t>TP</a:t>
+            </a:r>
+            <a:r>
+              <a:rPr lang="ko-KR" altLang="en-US" dirty="0"/>
+              <a:t>포인트</a:t>
+            </a:r>
+            <a:r>
+              <a:rPr lang="en-US" altLang="ko-KR" dirty="0"/>
+              <a:t>)&gt; </a:t>
+            </a:r>
+            <a:r>
+              <a:rPr lang="ko-KR" altLang="en-US" dirty="0"/>
+              <a:t>퍼즐</a:t>
+            </a:r>
+            <a:r>
+              <a:rPr lang="en-US" altLang="ko-KR" dirty="0"/>
+              <a:t>&amp;</a:t>
+            </a:r>
+            <a:r>
+              <a:rPr lang="ko-KR" altLang="en-US" dirty="0"/>
+              <a:t>점프 </a:t>
+            </a:r>
+            <a:r>
+              <a:rPr lang="en-US" altLang="ko-KR" dirty="0"/>
+              <a:t>&gt; </a:t>
+            </a:r>
+            <a:r>
+              <a:rPr lang="ko-KR" altLang="en-US" dirty="0"/>
+              <a:t>보스</a:t>
+            </a:r>
+            <a:endParaRPr lang="en-US" altLang="ko-KR" dirty="0"/>
+          </a:p>
+          <a:p>
+            <a:endParaRPr lang="en-US" altLang="ko-KR" dirty="0"/>
+          </a:p>
+          <a:p>
+            <a:r>
+              <a:rPr lang="ko-KR" altLang="en-US" dirty="0"/>
+              <a:t> </a:t>
             </a:r>
           </a:p>
         </p:txBody>
@@ -8562,266 +9012,6 @@
     <p:extLst>
       <p:ext uri="{BB962C8B-B14F-4D97-AF65-F5344CB8AC3E}">
         <p14:creationId xmlns:p14="http://schemas.microsoft.com/office/powerpoint/2010/main" val="1459537828"/>
-      </p:ext>
-    </p:extLst>
-  </p:cSld>
-  <p:clrMapOvr>
-    <a:masterClrMapping/>
-  </p:clrMapOvr>
-</p:sld>
-</file>
-
-<file path=ppt/slides/slide12.xml><?xml version="1.0" encoding="utf-8"?>
-<p:sld xmlns:a="http://schemas.openxmlformats.org/drawingml/2006/main" xmlns:r="http://schemas.openxmlformats.org/officeDocument/2006/relationships" xmlns:p="http://schemas.openxmlformats.org/presentationml/2006/main">
-  <p:cSld>
-    <p:spTree>
-      <p:nvGrpSpPr>
-        <p:cNvPr id="1" name=""/>
-        <p:cNvGrpSpPr/>
-        <p:nvPr/>
-      </p:nvGrpSpPr>
-      <p:grpSpPr>
-        <a:xfrm>
-          <a:off x="0" y="0"/>
-          <a:ext cx="0" cy="0"/>
-          <a:chOff x="0" y="0"/>
-          <a:chExt cx="0" cy="0"/>
-        </a:xfrm>
-      </p:grpSpPr>
-      <p:sp>
-        <p:nvSpPr>
-          <p:cNvPr id="2" name="제목 1">
-            <a:extLst>
-              <a:ext uri="{FF2B5EF4-FFF2-40B4-BE49-F238E27FC236}">
-                <a16:creationId xmlns:a16="http://schemas.microsoft.com/office/drawing/2014/main" id="{7B2E3A79-41DF-C0FE-CFAA-BCB5A42209EE}"/>
-              </a:ext>
-            </a:extLst>
-          </p:cNvPr>
-          <p:cNvSpPr>
-            <a:spLocks noGrp="1"/>
-          </p:cNvSpPr>
-          <p:nvPr>
-            <p:ph type="title"/>
-          </p:nvPr>
-        </p:nvSpPr>
-        <p:spPr>
-          <a:xfrm>
-            <a:off x="1226871" y="1710266"/>
-            <a:ext cx="10463559" cy="3124201"/>
-          </a:xfrm>
-        </p:spPr>
-        <p:txBody>
-          <a:bodyPr>
-            <a:normAutofit/>
-          </a:bodyPr>
-          <a:lstStyle/>
-          <a:p>
-            <a:r>
-              <a:rPr lang="en-US" altLang="ko-KR" sz="2000" dirty="0"/>
-              <a:t>HP</a:t>
-            </a:r>
-            <a:r>
-              <a:rPr lang="ko-KR" altLang="en-US" sz="2000" dirty="0"/>
-              <a:t> 존재 </a:t>
-            </a:r>
-            <a:br>
-              <a:rPr lang="en-US" altLang="ko-KR" sz="2000" dirty="0"/>
-            </a:br>
-            <a:r>
-              <a:rPr lang="ko-KR" altLang="en-US" sz="2000" dirty="0"/>
-              <a:t>스킬 트리 존재</a:t>
-            </a:r>
-            <a:br>
-              <a:rPr lang="en-US" altLang="ko-KR" sz="2000" dirty="0"/>
-            </a:br>
-            <a:r>
-              <a:rPr lang="ko-KR" altLang="en-US" sz="2000" dirty="0" err="1"/>
-              <a:t>사망시</a:t>
-            </a:r>
-            <a:r>
-              <a:rPr lang="ko-KR" altLang="en-US" sz="2000" dirty="0"/>
-              <a:t> 최근 세이브</a:t>
-            </a:r>
-            <a:r>
-              <a:rPr lang="en-US" altLang="ko-KR" sz="2000" dirty="0"/>
-              <a:t> </a:t>
-            </a:r>
-            <a:r>
-              <a:rPr lang="ko-KR" altLang="en-US" sz="2000" dirty="0"/>
-              <a:t>데이터 위치에서 부활</a:t>
-            </a:r>
-            <a:br>
-              <a:rPr lang="en-US" altLang="ko-KR" sz="2000" dirty="0"/>
-            </a:br>
-            <a:br>
-              <a:rPr lang="en-US" altLang="ko-KR" sz="2000" dirty="0"/>
-            </a:br>
-            <a:r>
-              <a:rPr lang="en-US" altLang="ko-KR" sz="2000" dirty="0"/>
-              <a:t>MP</a:t>
-            </a:r>
-            <a:r>
-              <a:rPr lang="ko-KR" altLang="en-US" sz="2000" dirty="0"/>
-              <a:t> 생각 중</a:t>
-            </a:r>
-            <a:br>
-              <a:rPr lang="en-US" altLang="ko-KR" sz="2000" dirty="0"/>
-            </a:br>
-            <a:br>
-              <a:rPr lang="en-US" altLang="ko-KR" sz="2000" dirty="0"/>
-            </a:br>
-            <a:br>
-              <a:rPr lang="en-US" altLang="ko-KR" sz="2000" dirty="0"/>
-            </a:br>
-            <a:br>
-              <a:rPr lang="en-US" altLang="ko-KR" sz="2000" dirty="0"/>
-            </a:br>
-            <a:endParaRPr lang="ko-KR" altLang="en-US" sz="2000" dirty="0"/>
-          </a:p>
-        </p:txBody>
-      </p:sp>
-      <p:sp>
-        <p:nvSpPr>
-          <p:cNvPr id="4" name="제목 1">
-            <a:extLst>
-              <a:ext uri="{FF2B5EF4-FFF2-40B4-BE49-F238E27FC236}">
-                <a16:creationId xmlns:a16="http://schemas.microsoft.com/office/drawing/2014/main" id="{8E2E0E5E-C494-5952-9A4E-98B51E4DFDCD}"/>
-              </a:ext>
-            </a:extLst>
-          </p:cNvPr>
-          <p:cNvSpPr txBox="1">
-            <a:spLocks/>
-          </p:cNvSpPr>
-          <p:nvPr/>
-        </p:nvSpPr>
-        <p:spPr>
-          <a:xfrm>
-            <a:off x="981338" y="528638"/>
-            <a:ext cx="8712995" cy="859366"/>
-          </a:xfrm>
-          <a:prstGeom prst="rect">
-            <a:avLst/>
-          </a:prstGeom>
-        </p:spPr>
-        <p:txBody>
-          <a:bodyPr vert="horz" wrap="square" lIns="0" tIns="0" rIns="0" bIns="0" rtlCol="0" anchor="t" anchorCtr="0">
-            <a:noAutofit/>
-          </a:bodyPr>
-          <a:lstStyle>
-            <a:lvl1pPr algn="l" defTabSz="914400" rtl="0" eaLnBrk="1" latinLnBrk="0" hangingPunct="1">
-              <a:lnSpc>
-                <a:spcPct val="110000"/>
-              </a:lnSpc>
-              <a:spcBef>
-                <a:spcPct val="0"/>
-              </a:spcBef>
-              <a:buNone/>
-              <a:defRPr lang="en-US" sz="4800" kern="1200" spc="160" dirty="0">
-                <a:solidFill>
-                  <a:schemeClr val="tx1"/>
-                </a:solidFill>
-                <a:latin typeface="+mj-lt"/>
-                <a:ea typeface="+mj-ea"/>
-                <a:cs typeface="+mj-cs"/>
-              </a:defRPr>
-            </a:lvl1pPr>
-          </a:lstStyle>
-          <a:p>
-            <a:r>
-              <a:rPr lang="ko-KR" altLang="en-US" sz="5000" dirty="0"/>
-              <a:t>플레이어</a:t>
-            </a:r>
-          </a:p>
-        </p:txBody>
-      </p:sp>
-      <p:sp>
-        <p:nvSpPr>
-          <p:cNvPr id="3" name="제목 1">
-            <a:extLst>
-              <a:ext uri="{FF2B5EF4-FFF2-40B4-BE49-F238E27FC236}">
-                <a16:creationId xmlns:a16="http://schemas.microsoft.com/office/drawing/2014/main" id="{A60D4646-CE08-1994-7EC5-D09222362659}"/>
-              </a:ext>
-            </a:extLst>
-          </p:cNvPr>
-          <p:cNvSpPr txBox="1">
-            <a:spLocks/>
-          </p:cNvSpPr>
-          <p:nvPr/>
-        </p:nvSpPr>
-        <p:spPr>
-          <a:xfrm>
-            <a:off x="1226871" y="3997875"/>
-            <a:ext cx="10463559" cy="2518672"/>
-          </a:xfrm>
-          <a:prstGeom prst="rect">
-            <a:avLst/>
-          </a:prstGeom>
-        </p:spPr>
-        <p:txBody>
-          <a:bodyPr vert="horz" wrap="square" lIns="0" tIns="0" rIns="0" bIns="0" rtlCol="0" anchor="t" anchorCtr="0">
-            <a:normAutofit/>
-          </a:bodyPr>
-          <a:lstStyle>
-            <a:lvl1pPr algn="l" defTabSz="914400" rtl="0" eaLnBrk="1" latinLnBrk="0" hangingPunct="1">
-              <a:lnSpc>
-                <a:spcPct val="110000"/>
-              </a:lnSpc>
-              <a:spcBef>
-                <a:spcPct val="0"/>
-              </a:spcBef>
-              <a:buNone/>
-              <a:defRPr lang="en-US" sz="4800" kern="1200" spc="160" dirty="0">
-                <a:solidFill>
-                  <a:schemeClr val="tx1"/>
-                </a:solidFill>
-                <a:latin typeface="+mj-lt"/>
-                <a:ea typeface="+mj-ea"/>
-                <a:cs typeface="+mj-cs"/>
-              </a:defRPr>
-            </a:lvl1pPr>
-          </a:lstStyle>
-          <a:p>
-            <a:r>
-              <a:rPr lang="ko-KR" altLang="en-US" sz="2000" dirty="0"/>
-              <a:t>디자인 전체적인 검은색 분위기  </a:t>
-            </a:r>
-            <a:r>
-              <a:rPr lang="en-US" altLang="ko-KR" sz="2000" dirty="0"/>
-              <a:t>+   </a:t>
-            </a:r>
-            <a:r>
-              <a:rPr lang="ko-KR" altLang="en-US" sz="2000" dirty="0"/>
-              <a:t>날개</a:t>
-            </a:r>
-            <a:r>
-              <a:rPr lang="en-US" altLang="ko-KR" sz="2000" dirty="0"/>
-              <a:t>(</a:t>
-            </a:r>
-            <a:r>
-              <a:rPr lang="ko-KR" altLang="en-US" sz="2000" dirty="0"/>
-              <a:t>힘을 얻을 수록 커지도록</a:t>
-            </a:r>
-            <a:r>
-              <a:rPr lang="en-US" altLang="ko-KR" sz="2000" dirty="0"/>
-              <a:t>)</a:t>
-            </a:r>
-            <a:br>
-              <a:rPr lang="en-US" altLang="ko-KR" sz="2000" dirty="0"/>
-            </a:br>
-            <a:br>
-              <a:rPr lang="en-US" altLang="ko-KR" sz="2000" dirty="0"/>
-            </a:br>
-            <a:br>
-              <a:rPr lang="en-US" altLang="ko-KR" sz="2000" dirty="0"/>
-            </a:br>
-            <a:endParaRPr lang="ko-KR" altLang="en-US" sz="2000" dirty="0"/>
-          </a:p>
-        </p:txBody>
-      </p:sp>
-    </p:spTree>
-    <p:extLst>
-      <p:ext uri="{BB962C8B-B14F-4D97-AF65-F5344CB8AC3E}">
-        <p14:creationId xmlns:p14="http://schemas.microsoft.com/office/powerpoint/2010/main" val="240522347"/>
       </p:ext>
     </p:extLst>
   </p:cSld>
@@ -8866,87 +9056,37 @@
         </p:nvSpPr>
         <p:spPr>
           <a:xfrm>
-            <a:off x="1226871" y="1710266"/>
-            <a:ext cx="10483324" cy="3124201"/>
+            <a:off x="1250020" y="1698691"/>
+            <a:ext cx="10483324" cy="4408811"/>
           </a:xfrm>
         </p:spPr>
         <p:txBody>
           <a:bodyPr>
-            <a:normAutofit fontScale="90000"/>
+            <a:normAutofit/>
           </a:bodyPr>
           <a:lstStyle/>
           <a:p>
             <a:r>
-              <a:rPr lang="en-US" altLang="ko-KR" sz="2000" dirty="0"/>
-              <a:t>2</a:t>
-            </a:r>
-            <a:r>
               <a:rPr lang="ko-KR" altLang="en-US" sz="2000" dirty="0"/>
-              <a:t>가지 형태로 나뉨</a:t>
-            </a:r>
-            <a:br>
-              <a:rPr lang="en-US" altLang="ko-KR" sz="2000" dirty="0"/>
-            </a:br>
-            <a:r>
-              <a:rPr lang="en-US" altLang="ko-KR" sz="2000" dirty="0"/>
-              <a:t>	1. </a:t>
-            </a:r>
-            <a:r>
-              <a:rPr lang="ko-KR" altLang="en-US" sz="2000" dirty="0"/>
-              <a:t>스토리 라인 보스 </a:t>
-            </a:r>
-            <a:r>
-              <a:rPr lang="en-US" altLang="ko-KR" sz="2000" dirty="0"/>
-              <a:t>: </a:t>
-            </a:r>
-            <a:r>
-              <a:rPr lang="ko-KR" altLang="en-US" sz="2000" dirty="0"/>
-              <a:t>난이도 上 </a:t>
-            </a:r>
-            <a:r>
-              <a:rPr lang="en-US" altLang="ko-KR" sz="2000" dirty="0"/>
-              <a:t>, </a:t>
+              <a:t>게임의 로드 시 시작 위치는 세이브 포인트에서만</a:t>
+            </a:r>
+            <a:r>
+              <a:rPr lang="en-US" altLang="ko-KR" sz="2000" dirty="0"/>
+              <a:t> </a:t>
             </a:r>
             <a:r>
               <a:rPr lang="ko-KR" altLang="en-US" sz="2000" dirty="0" err="1"/>
-              <a:t>조우시</a:t>
-            </a:r>
-            <a:r>
-              <a:rPr lang="ko-KR" altLang="en-US" sz="2000" dirty="0"/>
-              <a:t> 도망</a:t>
-            </a:r>
-            <a:r>
-              <a:rPr lang="en-US" altLang="ko-KR" sz="2000" dirty="0"/>
-              <a:t>x, </a:t>
-            </a:r>
-            <a:br>
-              <a:rPr lang="en-US" altLang="ko-KR" sz="2000" dirty="0"/>
-            </a:br>
-            <a:r>
-              <a:rPr lang="en-US" altLang="ko-KR" sz="2000" dirty="0"/>
-              <a:t>				</a:t>
-            </a:r>
-            <a:r>
-              <a:rPr lang="ko-KR" altLang="en-US" sz="2000" dirty="0"/>
-              <a:t>보상 </a:t>
-            </a:r>
-            <a:r>
-              <a:rPr lang="en-US" altLang="ko-KR" sz="2000" dirty="0"/>
-              <a:t>: </a:t>
-            </a:r>
-            <a:r>
-              <a:rPr lang="ko-KR" altLang="en-US" sz="2000" dirty="0" err="1"/>
-              <a:t>닉스의</a:t>
-            </a:r>
-            <a:r>
-              <a:rPr lang="ko-KR" altLang="en-US" sz="2000" dirty="0"/>
-              <a:t> 힘 일부분 되찾기</a:t>
+              <a:t>하도록한다</a:t>
+            </a:r>
+            <a:r>
+              <a:rPr lang="en-US" altLang="ko-KR" sz="2000" dirty="0"/>
+              <a:t>.</a:t>
             </a:r>
             <a:br>
               <a:rPr lang="en-US" altLang="ko-KR" sz="2000" dirty="0"/>
             </a:br>
             <a:br>
-              <a:rPr lang="en-US" altLang="ko-KR" sz="2000" dirty="0"/>
+              <a:rPr lang="en-US" altLang="ko-KR" sz="1600" dirty="0"/>
             </a:br>
             <a:br>
               <a:rPr lang="en-US" altLang="ko-KR" sz="2000" dirty="0"/>
@@ -8959,51 +9099,62 @@
             </a:br>
             <a:r>
               <a:rPr lang="en-US" altLang="ko-KR" sz="2000" dirty="0"/>
-              <a:t>	2. BSP </a:t>
+              <a:t>==</a:t>
             </a:r>
             <a:r>
               <a:rPr lang="ko-KR" altLang="en-US" sz="2000" dirty="0"/>
-              <a:t>라인 보스 </a:t>
-            </a:r>
-            <a:r>
-              <a:rPr lang="en-US" altLang="ko-KR" sz="2000" dirty="0"/>
-              <a:t>:  </a:t>
-            </a:r>
+              <a:t> 세이브 해야 하는 항목</a:t>
+            </a:r>
+            <a:r>
+              <a:rPr lang="en-US" altLang="ko-KR" sz="2000" dirty="0"/>
+              <a:t>==</a:t>
+            </a:r>
+            <a:br>
+              <a:rPr lang="en-US" altLang="ko-KR" sz="2000" dirty="0"/>
+            </a:br>
             <a:r>
               <a:rPr lang="ko-KR" altLang="en-US" sz="2000" dirty="0"/>
-              <a:t>난이도 下 </a:t>
-            </a:r>
-            <a:r>
-              <a:rPr lang="en-US" altLang="ko-KR" sz="2000" dirty="0"/>
-              <a:t>, </a:t>
+              <a:t>플레이어 </a:t>
+            </a:r>
+            <a:r>
+              <a:rPr lang="ko-KR" altLang="en-US" sz="2000" dirty="0" err="1"/>
+              <a:t>스테이터스</a:t>
             </a:r>
             <a:r>
               <a:rPr lang="ko-KR" altLang="en-US" sz="2000" dirty="0"/>
-              <a:t>스토리 라인을 보조하기 위해 설계</a:t>
+              <a:t> </a:t>
+            </a:r>
+            <a:r>
+              <a:rPr lang="en-US" altLang="ko-KR" sz="2000" dirty="0"/>
+              <a:t>-</a:t>
             </a:r>
             <a:br>
               <a:rPr lang="en-US" altLang="ko-KR" sz="2000" dirty="0"/>
             </a:br>
             <a:r>
-              <a:rPr lang="en-US" altLang="ko-KR" sz="2000" dirty="0"/>
-              <a:t>				</a:t>
-            </a:r>
-            <a:r>
               <a:rPr lang="ko-KR" altLang="en-US" sz="2000" dirty="0"/>
-              <a:t>보상 </a:t>
-            </a:r>
-            <a:r>
-              <a:rPr lang="en-US" altLang="ko-KR" sz="2000" dirty="0"/>
-              <a:t>:  </a:t>
-            </a:r>
+              <a:t>스킬 노드</a:t>
+            </a:r>
+            <a:br>
+              <a:rPr lang="en-US" altLang="ko-KR" sz="2000" dirty="0"/>
+            </a:br>
             <a:r>
               <a:rPr lang="ko-KR" altLang="en-US" sz="2000" dirty="0"/>
-              <a:t>스킬 포인트</a:t>
-            </a:r>
-            <a:r>
-              <a:rPr lang="en-US" altLang="ko-KR" sz="2000" dirty="0"/>
-              <a:t>				</a:t>
-            </a:r>
+              <a:t>세이브 포인트</a:t>
+            </a:r>
+            <a:br>
+              <a:rPr lang="en-US" altLang="ko-KR" sz="2000" dirty="0"/>
+            </a:br>
+            <a:r>
+              <a:rPr lang="ko-KR" altLang="en-US" sz="2000" dirty="0"/>
+              <a:t>지도</a:t>
+            </a:r>
+            <a:br>
+              <a:rPr lang="en-US" altLang="ko-KR" sz="2000" dirty="0"/>
+            </a:br>
+            <a:br>
+              <a:rPr lang="en-US" altLang="ko-KR" sz="2000" dirty="0"/>
+            </a:br>
             <a:br>
               <a:rPr lang="en-US" altLang="ko-KR" sz="2000" dirty="0"/>
             </a:br>
@@ -9060,28 +9211,15 @@
           <a:p>
             <a:r>
               <a:rPr lang="ko-KR" altLang="en-US" sz="5000" dirty="0"/>
-              <a:t>적 </a:t>
-            </a:r>
-            <a:r>
-              <a:rPr lang="en-US" altLang="ko-KR" sz="5000" dirty="0"/>
-              <a:t>(</a:t>
-            </a:r>
-            <a:r>
-              <a:rPr lang="ko-KR" altLang="en-US" sz="5000" dirty="0"/>
-              <a:t>보스</a:t>
-            </a:r>
-            <a:r>
-              <a:rPr lang="en-US" altLang="ko-KR" sz="5000" dirty="0"/>
-              <a:t>)</a:t>
-            </a:r>
-            <a:endParaRPr lang="ko-KR" altLang="en-US" sz="5000" dirty="0"/>
+              <a:t>세이브</a:t>
+            </a:r>
           </a:p>
         </p:txBody>
       </p:sp>
     </p:spTree>
     <p:extLst>
       <p:ext uri="{BB962C8B-B14F-4D97-AF65-F5344CB8AC3E}">
-        <p14:creationId xmlns:p14="http://schemas.microsoft.com/office/powerpoint/2010/main" val="4198767284"/>
+        <p14:creationId xmlns:p14="http://schemas.microsoft.com/office/powerpoint/2010/main" val="2309160706"/>
       </p:ext>
     </p:extLst>
   </p:cSld>
@@ -9126,7 +9264,7 @@
         </p:nvSpPr>
         <p:spPr>
           <a:xfrm>
-            <a:off x="1219186" y="1733318"/>
+            <a:off x="1250020" y="1698691"/>
             <a:ext cx="10483324" cy="3124201"/>
           </a:xfrm>
         </p:spPr>
@@ -9138,8 +9276,52 @@
           <a:p>
             <a:r>
               <a:rPr lang="ko-KR" altLang="en-US" sz="2000" dirty="0"/>
-              <a:t>음</a:t>
-            </a:r>
+              <a:t>최대한 유저의 화면을 가리는 게 적은 </a:t>
+            </a:r>
+            <a:r>
+              <a:rPr lang="en-US" altLang="ko-KR" sz="2000" dirty="0"/>
+              <a:t>UI</a:t>
+            </a:r>
+            <a:r>
+              <a:rPr lang="ko-KR" altLang="en-US" sz="2000" dirty="0"/>
+              <a:t>로 가시성 향상 </a:t>
+            </a:r>
+            <a:r>
+              <a:rPr lang="en-US" altLang="ko-KR" sz="2000" dirty="0"/>
+              <a:t>(status</a:t>
+            </a:r>
+            <a:r>
+              <a:rPr lang="ko-KR" altLang="en-US" sz="2000" dirty="0"/>
+              <a:t>정도만 노출</a:t>
+            </a:r>
+            <a:r>
+              <a:rPr lang="en-US" altLang="ko-KR" sz="2000" dirty="0"/>
+              <a:t>)</a:t>
+            </a:r>
+            <a:br>
+              <a:rPr lang="en-US" altLang="ko-KR" sz="2000" dirty="0"/>
+            </a:br>
+            <a:br>
+              <a:rPr lang="en-US" altLang="ko-KR" sz="2000" dirty="0"/>
+            </a:br>
+            <a:r>
+              <a:rPr lang="ko-KR" altLang="en-US" sz="2000" dirty="0"/>
+              <a:t>상호작용 </a:t>
+            </a:r>
+            <a:r>
+              <a:rPr lang="en-US" altLang="ko-KR" sz="2000" dirty="0"/>
+              <a:t>UI</a:t>
+            </a:r>
+            <a:r>
+              <a:rPr lang="ko-KR" altLang="en-US" sz="2000" dirty="0"/>
+              <a:t>는 다 키입력을 받아 노출</a:t>
+            </a:r>
+            <a:br>
+              <a:rPr lang="en-US" altLang="ko-KR" sz="2000" dirty="0"/>
+            </a:br>
+            <a:br>
+              <a:rPr lang="en-US" altLang="ko-KR" sz="2000" dirty="0"/>
+            </a:br>
             <a:br>
               <a:rPr lang="en-US" altLang="ko-KR" sz="2000" dirty="0"/>
             </a:br>
@@ -9196,32 +9378,15 @@
           <a:p>
             <a:r>
               <a:rPr lang="ko-KR" altLang="en-US" sz="5000" dirty="0"/>
-              <a:t>적</a:t>
-            </a:r>
-            <a:r>
-              <a:rPr lang="en-US" altLang="ko-KR" sz="5000" dirty="0"/>
-              <a:t>(</a:t>
-            </a:r>
-            <a:r>
-              <a:rPr lang="ko-KR" altLang="en-US" sz="5000" dirty="0"/>
-              <a:t>일반 </a:t>
-            </a:r>
-            <a:r>
-              <a:rPr lang="ko-KR" altLang="en-US" sz="5000" dirty="0" err="1"/>
-              <a:t>몹</a:t>
-            </a:r>
-            <a:r>
-              <a:rPr lang="en-US" altLang="ko-KR" sz="5000" dirty="0"/>
-              <a:t>)</a:t>
-            </a:r>
-            <a:endParaRPr lang="ko-KR" altLang="en-US" sz="5000" dirty="0"/>
+              <a:t>게임 화면</a:t>
+            </a:r>
           </a:p>
         </p:txBody>
       </p:sp>
     </p:spTree>
     <p:extLst>
       <p:ext uri="{BB962C8B-B14F-4D97-AF65-F5344CB8AC3E}">
-        <p14:creationId xmlns:p14="http://schemas.microsoft.com/office/powerpoint/2010/main" val="1571122907"/>
+        <p14:creationId xmlns:p14="http://schemas.microsoft.com/office/powerpoint/2010/main" val="3704034967"/>
       </p:ext>
     </p:extLst>
   </p:cSld>
@@ -9266,64 +9431,110 @@
         </p:nvSpPr>
         <p:spPr>
           <a:xfrm>
-            <a:off x="1226871" y="1710266"/>
-            <a:ext cx="10483324" cy="3124201"/>
+            <a:off x="1250020" y="1698691"/>
+            <a:ext cx="10483324" cy="2916441"/>
           </a:xfrm>
         </p:spPr>
         <p:txBody>
           <a:bodyPr>
-            <a:normAutofit/>
+            <a:normAutofit fontScale="90000"/>
           </a:bodyPr>
           <a:lstStyle/>
           <a:p>
-            <a:r>
-              <a:rPr lang="ko-KR" altLang="en-US" sz="2000" dirty="0"/>
-              <a:t>재화 존재 이유  </a:t>
-            </a:r>
-            <a:r>
-              <a:rPr lang="en-US" altLang="ko-KR" sz="2000" dirty="0"/>
-              <a:t>: </a:t>
-            </a:r>
-            <a:r>
-              <a:rPr lang="ko-KR" altLang="en-US" sz="2000" dirty="0"/>
-              <a:t>기본 스토리 라인의 난이도를 높게 잡는다</a:t>
-            </a:r>
-            <a:r>
-              <a:rPr lang="en-US" altLang="ko-KR" sz="2000" dirty="0"/>
-              <a:t>.</a:t>
-            </a:r>
-            <a:br>
-              <a:rPr lang="en-US" altLang="ko-KR" sz="2000" dirty="0"/>
-            </a:br>
-            <a:r>
-              <a:rPr lang="ko-KR" altLang="en-US" sz="2000" dirty="0" err="1"/>
-              <a:t>소울류의</a:t>
-            </a:r>
-            <a:r>
-              <a:rPr lang="ko-KR" altLang="en-US" sz="2000" dirty="0"/>
-              <a:t> 게임을 싫어하는 유저를 위해 게임의 난이도를 완화 하는 장치로서 존재</a:t>
-            </a:r>
             <a:br>
               <a:rPr lang="en-US" altLang="ko-KR" sz="2000" dirty="0"/>
             </a:br>
             <a:br>
               <a:rPr lang="en-US" altLang="ko-KR" sz="2000" dirty="0"/>
             </a:br>
-            <a:r>
-              <a:rPr lang="en-US" altLang="ko-KR" sz="2000" dirty="0"/>
-              <a:t>BSP </a:t>
+            <a:br>
+              <a:rPr lang="en-US" altLang="ko-KR" sz="2000" dirty="0"/>
+            </a:br>
+            <a:br>
+              <a:rPr lang="en-US" altLang="ko-KR" sz="2000" dirty="0"/>
+            </a:br>
+            <a:r>
+              <a:rPr lang="en-US" altLang="ko-KR" sz="2000" dirty="0"/>
+              <a:t>== </a:t>
             </a:r>
             <a:r>
               <a:rPr lang="ko-KR" altLang="en-US" sz="2000" dirty="0"/>
-              <a:t>맵 에서  추가적인 재화 획득 가능</a:t>
+              <a:t>구성 요소 </a:t>
+            </a:r>
+            <a:r>
+              <a:rPr lang="en-US" altLang="ko-KR" sz="2000" dirty="0"/>
+              <a:t>==</a:t>
             </a:r>
             <a:br>
               <a:rPr lang="en-US" altLang="ko-KR" sz="2000" dirty="0"/>
             </a:br>
             <a:r>
               <a:rPr lang="ko-KR" altLang="en-US" sz="2000" dirty="0"/>
-              <a:t>마을에서 일정 재화로 스킬 포인트로 교환</a:t>
-            </a:r>
+              <a:t>게임 시작 </a:t>
+            </a:r>
+            <a:r>
+              <a:rPr lang="en-US" altLang="ko-KR" sz="2000" dirty="0"/>
+              <a:t>-&gt; </a:t>
+            </a:r>
+            <a:r>
+              <a:rPr lang="ko-KR" altLang="en-US" sz="2000" dirty="0"/>
+              <a:t>저장 슬롯 나오는 화면 </a:t>
+            </a:r>
+            <a:r>
+              <a:rPr lang="en-US" altLang="ko-KR" sz="2000" dirty="0"/>
+              <a:t>-&gt; </a:t>
+            </a:r>
+            <a:r>
+              <a:rPr lang="ko-KR" altLang="en-US" sz="2000" dirty="0"/>
+              <a:t>슬롯 </a:t>
+            </a:r>
+            <a:r>
+              <a:rPr lang="ko-KR" altLang="en-US" sz="2000" dirty="0" err="1"/>
+              <a:t>클릭시</a:t>
+            </a:r>
+            <a:r>
+              <a:rPr lang="ko-KR" altLang="en-US" sz="2000" dirty="0"/>
+              <a:t> 해당 데이터 불러와서 게임 시작</a:t>
+            </a:r>
+            <a:br>
+              <a:rPr lang="en-US" altLang="ko-KR" sz="2000" dirty="0"/>
+            </a:br>
+            <a:r>
+              <a:rPr lang="ko-KR" altLang="en-US" sz="2000" dirty="0"/>
+              <a:t>옵션 </a:t>
+            </a:r>
+            <a:r>
+              <a:rPr lang="en-US" altLang="ko-KR" sz="2000" dirty="0"/>
+              <a:t>-&gt; </a:t>
+            </a:r>
+            <a:r>
+              <a:rPr lang="ko-KR" altLang="en-US" sz="2000" dirty="0"/>
+              <a:t>다음 </a:t>
+            </a:r>
+            <a:r>
+              <a:rPr lang="en-US" altLang="ko-KR" sz="2000" dirty="0"/>
+              <a:t>PPT</a:t>
+            </a:r>
+            <a:br>
+              <a:rPr lang="en-US" altLang="ko-KR" sz="2000" dirty="0"/>
+            </a:br>
+            <a:r>
+              <a:rPr lang="en-US" altLang="ko-KR" sz="2000" dirty="0"/>
+              <a:t>Credit</a:t>
+            </a:r>
+            <a:br>
+              <a:rPr lang="en-US" altLang="ko-KR" sz="2000" dirty="0"/>
+            </a:br>
+            <a:r>
+              <a:rPr lang="ko-KR" altLang="en-US" sz="2000" dirty="0"/>
+              <a:t>게임 종료</a:t>
+            </a:r>
+            <a:br>
+              <a:rPr lang="en-US" altLang="ko-KR" sz="2000" dirty="0"/>
+            </a:br>
+            <a:br>
+              <a:rPr lang="en-US" altLang="ko-KR" sz="2000" dirty="0"/>
+            </a:br>
             <a:br>
               <a:rPr lang="en-US" altLang="ko-KR" sz="2000" dirty="0"/>
             </a:br>
@@ -9348,7 +9559,7 @@
         <p:spPr>
           <a:xfrm>
             <a:off x="981338" y="528638"/>
-            <a:ext cx="2387601" cy="859366"/>
+            <a:ext cx="8712995" cy="859366"/>
           </a:xfrm>
           <a:prstGeom prst="rect">
             <a:avLst/>
@@ -9380,15 +9591,125 @@
           <a:p>
             <a:r>
               <a:rPr lang="ko-KR" altLang="en-US" sz="5000" dirty="0"/>
-              <a:t>재화</a:t>
-            </a:r>
+              <a:t>메인 화면</a:t>
+            </a:r>
+          </a:p>
+        </p:txBody>
+      </p:sp>
+      <p:sp>
+        <p:nvSpPr>
+          <p:cNvPr id="3" name="TextBox 2">
+            <a:extLst>
+              <a:ext uri="{FF2B5EF4-FFF2-40B4-BE49-F238E27FC236}">
+                <a16:creationId xmlns:a16="http://schemas.microsoft.com/office/drawing/2014/main" id="{BE6F6544-D604-8F0E-79C4-928B59A24F59}"/>
+              </a:ext>
+            </a:extLst>
+          </p:cNvPr>
+          <p:cNvSpPr txBox="1"/>
+          <p:nvPr/>
+        </p:nvSpPr>
+        <p:spPr>
+          <a:xfrm>
+            <a:off x="981338" y="5159309"/>
+            <a:ext cx="10752006" cy="646331"/>
+          </a:xfrm>
+          <a:prstGeom prst="rect">
+            <a:avLst/>
+          </a:prstGeom>
+          <a:noFill/>
+        </p:spPr>
+        <p:txBody>
+          <a:bodyPr wrap="square" rtlCol="0">
+            <a:spAutoFit/>
+          </a:bodyPr>
+          <a:lstStyle/>
+          <a:p>
+            <a:r>
+              <a:rPr lang="en-US" altLang="ko-KR" dirty="0"/>
+              <a:t>== UI </a:t>
+            </a:r>
+            <a:r>
+              <a:rPr lang="ko-KR" altLang="en-US" dirty="0"/>
+              <a:t>디자인시 필요 항목 </a:t>
+            </a:r>
+            <a:r>
+              <a:rPr lang="en-US" altLang="ko-KR" dirty="0"/>
+              <a:t>==</a:t>
+            </a:r>
+          </a:p>
+          <a:p>
+            <a:r>
+              <a:rPr lang="ko-KR" altLang="en-US" dirty="0"/>
+              <a:t>배경화면으로 쓸 이미지들</a:t>
+            </a:r>
+            <a:r>
+              <a:rPr lang="en-US" altLang="ko-KR" dirty="0"/>
+              <a:t> ,  </a:t>
+            </a:r>
+            <a:r>
+              <a:rPr lang="ko-KR" altLang="en-US" dirty="0"/>
+              <a:t>버튼</a:t>
+            </a:r>
+            <a:r>
+              <a:rPr lang="en-US" altLang="ko-KR" dirty="0"/>
+              <a:t>(</a:t>
+            </a:r>
+            <a:r>
+              <a:rPr lang="ko-KR" altLang="en-US" dirty="0"/>
+              <a:t>버튼 배경</a:t>
+            </a:r>
+            <a:r>
+              <a:rPr lang="en-US" altLang="ko-KR" dirty="0"/>
+              <a:t>), </a:t>
+            </a:r>
+            <a:r>
+              <a:rPr lang="ko-KR" altLang="en-US" dirty="0"/>
+              <a:t>패널</a:t>
+            </a:r>
+            <a:r>
+              <a:rPr lang="en-US" altLang="ko-KR" dirty="0"/>
+              <a:t>(</a:t>
+            </a:r>
+            <a:r>
+              <a:rPr lang="ko-KR" altLang="en-US" dirty="0"/>
+              <a:t>버튼들이 올라가 있는 공간</a:t>
+            </a:r>
+            <a:r>
+              <a:rPr lang="en-US" altLang="ko-KR" dirty="0"/>
+              <a:t>), </a:t>
+            </a:r>
+            <a:r>
+              <a:rPr lang="ko-KR" altLang="en-US" dirty="0"/>
+              <a:t>슬라이더</a:t>
+            </a:r>
+            <a:r>
+              <a:rPr lang="en-US" altLang="ko-KR" dirty="0"/>
+              <a:t>, </a:t>
+            </a:r>
+            <a:r>
+              <a:rPr lang="ko-KR" altLang="en-US" dirty="0" err="1"/>
+              <a:t>토글</a:t>
+            </a:r>
+            <a:r>
+              <a:rPr lang="en-US" altLang="ko-KR" dirty="0"/>
+              <a:t>(</a:t>
+            </a:r>
+            <a:r>
+              <a:rPr lang="ko-KR" altLang="en-US" dirty="0"/>
+              <a:t>체크</a:t>
+            </a:r>
+            <a:r>
+              <a:rPr lang="en-US" altLang="ko-KR" dirty="0"/>
+              <a:t>),</a:t>
+            </a:r>
+            <a:endParaRPr lang="ko-KR" altLang="en-US" dirty="0"/>
           </a:p>
         </p:txBody>
       </p:sp>
     </p:spTree>
     <p:extLst>
       <p:ext uri="{BB962C8B-B14F-4D97-AF65-F5344CB8AC3E}">
-        <p14:creationId xmlns:p14="http://schemas.microsoft.com/office/powerpoint/2010/main" val="3456569480"/>
+        <p14:creationId xmlns:p14="http://schemas.microsoft.com/office/powerpoint/2010/main" val="696632196"/>
       </p:ext>
     </p:extLst>
   </p:cSld>
@@ -9434,7 +9755,7 @@
         <p:spPr>
           <a:xfrm>
             <a:off x="1250020" y="1698691"/>
-            <a:ext cx="10483324" cy="3124201"/>
+            <a:ext cx="10483324" cy="2614517"/>
           </a:xfrm>
         </p:spPr>
         <p:txBody>
@@ -9444,79 +9765,97 @@
           <a:lstStyle/>
           <a:p>
             <a:r>
+              <a:rPr lang="en-US" altLang="ko-KR" sz="2000" dirty="0"/>
+              <a:t>== </a:t>
+            </a:r>
+            <a:r>
               <a:rPr lang="ko-KR" altLang="en-US" sz="2000" dirty="0"/>
-              <a:t>게임의 로드 시 시작 위치는 세이브 포인트에서만  </a:t>
+              <a:t>옵션 설정 가능 항목 </a:t>
+            </a:r>
+            <a:r>
+              <a:rPr lang="en-US" altLang="ko-KR" sz="2000" dirty="0"/>
+              <a:t>== </a:t>
             </a:r>
             <a:br>
               <a:rPr lang="en-US" altLang="ko-KR" sz="2000" dirty="0"/>
             </a:br>
             <a:r>
-              <a:rPr lang="en-US" altLang="ko-KR" sz="1600" dirty="0"/>
+              <a:rPr lang="ko-KR" altLang="en-US" sz="2000" dirty="0"/>
+              <a:t>그래픽 </a:t>
+            </a:r>
+            <a:r>
+              <a:rPr lang="en-US" altLang="ko-KR" sz="2000" dirty="0"/>
+              <a:t>-&gt; </a:t>
+            </a:r>
+            <a:r>
+              <a:rPr lang="ko-KR" altLang="en-US" sz="2000" dirty="0"/>
+              <a:t>해상도</a:t>
+            </a:r>
+            <a:r>
+              <a:rPr lang="en-US" altLang="ko-KR" sz="2000" dirty="0"/>
+              <a:t>, </a:t>
+            </a:r>
+            <a:r>
+              <a:rPr lang="ko-KR" altLang="en-US" sz="2000" dirty="0"/>
+              <a:t>전체 화면</a:t>
+            </a:r>
+            <a:r>
+              <a:rPr lang="en-US" altLang="ko-KR" sz="2000" dirty="0"/>
+              <a:t> , </a:t>
+            </a:r>
+            <a:r>
+              <a:rPr lang="ko-KR" altLang="en-US" sz="2000" dirty="0"/>
+              <a:t>그래픽 퀄리티</a:t>
+            </a:r>
+            <a:r>
+              <a:rPr lang="en-US" altLang="ko-KR" sz="2000" dirty="0"/>
+              <a:t>, </a:t>
+            </a:r>
+            <a:r>
+              <a:rPr lang="ko-KR" altLang="en-US" sz="2000" dirty="0"/>
+              <a:t>명암</a:t>
+            </a:r>
+            <a:br>
+              <a:rPr lang="en-US" altLang="ko-KR" sz="2000" dirty="0"/>
+            </a:br>
+            <a:r>
+              <a:rPr lang="ko-KR" altLang="en-US" sz="2000" dirty="0"/>
+              <a:t>사운드 </a:t>
+            </a:r>
+            <a:r>
+              <a:rPr lang="en-US" altLang="ko-KR" sz="2000" dirty="0"/>
+              <a:t>–&gt; mute, </a:t>
+            </a:r>
+            <a:r>
+              <a:rPr lang="ko-KR" altLang="en-US" sz="2000" dirty="0"/>
+              <a:t>소리 세부 설정</a:t>
+            </a:r>
+            <a:r>
+              <a:rPr lang="en-US" altLang="ko-KR" sz="2000" dirty="0"/>
               <a:t>(</a:t>
             </a:r>
             <a:r>
-              <a:rPr lang="ko-KR" altLang="en-US" sz="1600" dirty="0"/>
-              <a:t>현재 위치 저장해서 로드 시 </a:t>
-            </a:r>
-            <a:r>
-              <a:rPr lang="en-US" altLang="ko-KR" sz="1600" dirty="0"/>
-              <a:t>pos</a:t>
-            </a:r>
-            <a:r>
-              <a:rPr lang="ko-KR" altLang="en-US" sz="1600" dirty="0"/>
-              <a:t>로 이동해야 하는데 소수점까지는 가져오기 힘들어서 끼일 확률 높음</a:t>
-            </a:r>
-            <a:r>
-              <a:rPr lang="en-US" altLang="ko-KR" sz="1600" dirty="0"/>
-              <a:t>)</a:t>
+              <a:rPr lang="en-US" altLang="ko-KR" sz="2000" dirty="0" err="1"/>
+              <a:t>bgm</a:t>
+            </a:r>
+            <a:r>
+              <a:rPr lang="en-US" altLang="ko-KR" sz="2000" dirty="0"/>
+              <a:t>, </a:t>
+            </a:r>
+            <a:r>
+              <a:rPr lang="en-US" altLang="ko-KR" sz="2000" dirty="0" err="1"/>
+              <a:t>sfx</a:t>
+            </a:r>
+            <a:r>
+              <a:rPr lang="en-US" altLang="ko-KR" sz="2000" dirty="0"/>
+              <a:t>, master)</a:t>
             </a:r>
             <a:br>
-              <a:rPr lang="en-US" altLang="ko-KR" sz="1600" dirty="0"/>
+              <a:rPr lang="en-US" altLang="ko-KR" sz="2000" dirty="0"/>
             </a:br>
             <a:br>
               <a:rPr lang="en-US" altLang="ko-KR" sz="2000" dirty="0"/>
             </a:br>
-            <a:br>
-              <a:rPr lang="en-US" altLang="ko-KR" sz="2000" dirty="0"/>
-            </a:br>
-            <a:br>
-              <a:rPr lang="en-US" altLang="ko-KR" sz="2000" dirty="0"/>
-            </a:br>
-            <a:r>
-              <a:rPr lang="en-US" altLang="ko-KR" sz="2000" dirty="0"/>
-              <a:t>==</a:t>
-            </a:r>
-            <a:r>
-              <a:rPr lang="ko-KR" altLang="en-US" sz="2000" dirty="0"/>
-              <a:t> 세이브 해야 하는 항목</a:t>
-            </a:r>
-            <a:r>
-              <a:rPr lang="en-US" altLang="ko-KR" sz="2000" dirty="0"/>
-              <a:t>==</a:t>
-            </a:r>
-            <a:br>
-              <a:rPr lang="en-US" altLang="ko-KR" sz="2000" dirty="0"/>
-            </a:br>
-            <a:r>
-              <a:rPr lang="en-US" altLang="ko-KR" sz="2000" dirty="0"/>
-              <a:t>HP(cur), </a:t>
-            </a:r>
-            <a:r>
-              <a:rPr lang="ko-KR" altLang="en-US" sz="2000" dirty="0"/>
-              <a:t>스킬 트리</a:t>
-            </a:r>
-            <a:r>
-              <a:rPr lang="en-US" altLang="ko-KR" sz="2000" dirty="0"/>
-              <a:t>,  </a:t>
-            </a:r>
-            <a:r>
-              <a:rPr lang="ko-KR" altLang="en-US" sz="2000" dirty="0"/>
-              <a:t>세이브 포인트</a:t>
-            </a:r>
-            <a:r>
-              <a:rPr lang="en-US" altLang="ko-KR" sz="2000" dirty="0"/>
-              <a:t>, </a:t>
-            </a:r>
             <a:br>
               <a:rPr lang="en-US" altLang="ko-KR" sz="2000" dirty="0"/>
             </a:br>
@@ -9579,7 +9918,7 @@
           <a:p>
             <a:r>
               <a:rPr lang="ko-KR" altLang="en-US" sz="5000" dirty="0"/>
-              <a:t>세이브</a:t>
+              <a:t>게임 옵션</a:t>
             </a:r>
           </a:p>
         </p:txBody>
@@ -9587,7 +9926,7 @@
     </p:spTree>
     <p:extLst>
       <p:ext uri="{BB962C8B-B14F-4D97-AF65-F5344CB8AC3E}">
-        <p14:creationId xmlns:p14="http://schemas.microsoft.com/office/powerpoint/2010/main" val="2309160706"/>
+        <p14:creationId xmlns:p14="http://schemas.microsoft.com/office/powerpoint/2010/main" val="1187054558"/>
       </p:ext>
     </p:extLst>
   </p:cSld>
@@ -9632,8 +9971,8 @@
         </p:nvSpPr>
         <p:spPr>
           <a:xfrm>
-            <a:off x="1250020" y="1698691"/>
-            <a:ext cx="10483324" cy="3124201"/>
+            <a:off x="1226871" y="1710266"/>
+            <a:ext cx="10483324" cy="4034926"/>
           </a:xfrm>
         </p:spPr>
         <p:txBody>
@@ -9643,28 +9982,81 @@
           <a:lstStyle/>
           <a:p>
             <a:r>
+              <a:rPr lang="en-US" altLang="ko-KR" sz="2000" dirty="0"/>
+              <a:t>2</a:t>
+            </a:r>
+            <a:r>
               <a:rPr lang="ko-KR" altLang="en-US" sz="2000" dirty="0"/>
-              <a:t>최대한 유저의 화면을 가리는 게 적은 </a:t>
-            </a:r>
-            <a:r>
-              <a:rPr lang="en-US" altLang="ko-KR" sz="2000" dirty="0"/>
-              <a:t>UI</a:t>
+              <a:t>가지 형태로 나눈다</a:t>
+            </a:r>
+            <a:r>
+              <a:rPr lang="en-US" altLang="ko-KR" sz="2000" dirty="0"/>
+              <a:t>.</a:t>
+            </a:r>
+            <a:br>
+              <a:rPr lang="en-US" altLang="ko-KR" sz="2000" dirty="0"/>
+            </a:br>
+            <a:r>
+              <a:rPr lang="en-US" altLang="ko-KR" sz="2000" dirty="0"/>
+              <a:t>	1. </a:t>
             </a:r>
             <a:r>
               <a:rPr lang="ko-KR" altLang="en-US" sz="2000" dirty="0"/>
-              <a:t>로 가시성 향상 </a:t>
-            </a:r>
-            <a:r>
-              <a:rPr lang="en-US" altLang="ko-KR" sz="2000" dirty="0"/>
-              <a:t>(status</a:t>
+              <a:t>메인 보스 </a:t>
+            </a:r>
+            <a:r>
+              <a:rPr lang="en-US" altLang="ko-KR" sz="2000" dirty="0"/>
+              <a:t>: </a:t>
             </a:r>
             <a:r>
               <a:rPr lang="ko-KR" altLang="en-US" sz="2000" dirty="0"/>
-              <a:t>정도만 노출</a:t>
-            </a:r>
-            <a:r>
-              <a:rPr lang="en-US" altLang="ko-KR" sz="2000" dirty="0"/>
-              <a:t>)</a:t>
+              <a:t>한 챕터의 마지막 보스 </a:t>
+            </a:r>
+            <a:r>
+              <a:rPr lang="en-US" altLang="ko-KR" sz="2000" dirty="0"/>
+              <a:t>, </a:t>
+            </a:r>
+            <a:r>
+              <a:rPr lang="ko-KR" altLang="en-US" sz="2000" dirty="0" err="1"/>
+              <a:t>히든</a:t>
+            </a:r>
+            <a:r>
+              <a:rPr lang="ko-KR" altLang="en-US" sz="2000" dirty="0"/>
+              <a:t> 장소 같은 곳을 지키는 보스</a:t>
+            </a:r>
+            <a:br>
+              <a:rPr lang="en-US" altLang="ko-KR" sz="2000" dirty="0"/>
+            </a:br>
+            <a:r>
+              <a:rPr lang="en-US" altLang="ko-KR" sz="2000" dirty="0"/>
+              <a:t>		</a:t>
+            </a:r>
+            <a:r>
+              <a:rPr lang="ko-KR" altLang="en-US" sz="2000" dirty="0"/>
+              <a:t>난이도 </a:t>
+            </a:r>
+            <a:r>
+              <a:rPr lang="en-US" altLang="ko-KR" sz="2000" dirty="0"/>
+              <a:t>: </a:t>
+            </a:r>
+            <a:r>
+              <a:rPr lang="ko-KR" altLang="en-US" sz="2000" dirty="0"/>
+              <a:t>上 </a:t>
+            </a:r>
+            <a:br>
+              <a:rPr lang="en-US" altLang="ko-KR" sz="2000" dirty="0"/>
+            </a:br>
+            <a:r>
+              <a:rPr lang="en-US" altLang="ko-KR" sz="2000" dirty="0"/>
+              <a:t>		</a:t>
+            </a:r>
+            <a:r>
+              <a:rPr lang="ko-KR" altLang="en-US" sz="2000" dirty="0"/>
+              <a:t>보상 </a:t>
+            </a:r>
+            <a:r>
+              <a:rPr lang="en-US" altLang="ko-KR" sz="2000" dirty="0"/>
+              <a:t>: </a:t>
             </a:r>
             <a:br>
               <a:rPr lang="en-US" altLang="ko-KR" sz="2000" dirty="0"/>
@@ -9672,24 +10064,70 @@
             <a:br>
               <a:rPr lang="en-US" altLang="ko-KR" sz="2000" dirty="0"/>
             </a:br>
-            <a:r>
-              <a:rPr lang="ko-KR" altLang="en-US" sz="2000" dirty="0"/>
-              <a:t>상호작용 </a:t>
-            </a:r>
-            <a:r>
-              <a:rPr lang="en-US" altLang="ko-KR" sz="2000" dirty="0"/>
-              <a:t>UI</a:t>
-            </a:r>
-            <a:r>
-              <a:rPr lang="ko-KR" altLang="en-US" sz="2000" dirty="0"/>
-              <a:t>는 다 키입력을 받아 노출</a:t>
-            </a:r>
             <a:br>
               <a:rPr lang="en-US" altLang="ko-KR" sz="2000" dirty="0"/>
             </a:br>
             <a:br>
               <a:rPr lang="en-US" altLang="ko-KR" sz="2000" dirty="0"/>
             </a:br>
+            <a:r>
+              <a:rPr lang="en-US" altLang="ko-KR" sz="2000" dirty="0"/>
+              <a:t>	2. </a:t>
+            </a:r>
+            <a:r>
+              <a:rPr lang="ko-KR" altLang="en-US" sz="2000" dirty="0"/>
+              <a:t>서브 보스 </a:t>
+            </a:r>
+            <a:r>
+              <a:rPr lang="en-US" altLang="ko-KR" sz="2000" dirty="0"/>
+              <a:t>: TP</a:t>
+            </a:r>
+            <a:r>
+              <a:rPr lang="ko-KR" altLang="en-US" sz="2000" dirty="0"/>
+              <a:t>를 지키는 보스</a:t>
+            </a:r>
+            <a:r>
+              <a:rPr lang="en-US" altLang="ko-KR" sz="2000" dirty="0"/>
+              <a:t>, BSP</a:t>
+            </a:r>
+            <a:r>
+              <a:rPr lang="ko-KR" altLang="en-US" sz="2000" dirty="0"/>
+              <a:t>의 보스로도 활용</a:t>
+            </a:r>
+            <a:br>
+              <a:rPr lang="en-US" altLang="ko-KR" sz="2000" dirty="0"/>
+            </a:br>
+            <a:r>
+              <a:rPr lang="en-US" altLang="ko-KR" sz="2000" dirty="0"/>
+              <a:t>		</a:t>
+            </a:r>
+            <a:r>
+              <a:rPr lang="ko-KR" altLang="en-US" sz="2000" dirty="0"/>
+              <a:t>난이도 </a:t>
+            </a:r>
+            <a:r>
+              <a:rPr lang="en-US" altLang="ko-KR" sz="2000" dirty="0"/>
+              <a:t>: </a:t>
+            </a:r>
+            <a:r>
+              <a:rPr lang="ko-KR" altLang="en-US" sz="2000" dirty="0"/>
+              <a:t>中</a:t>
+            </a:r>
+            <a:br>
+              <a:rPr lang="en-US" altLang="ko-KR" sz="2000" dirty="0"/>
+            </a:br>
+            <a:r>
+              <a:rPr lang="en-US" altLang="ko-KR" sz="2000" dirty="0"/>
+              <a:t>		</a:t>
+            </a:r>
+            <a:r>
+              <a:rPr lang="ko-KR" altLang="en-US" sz="2000" dirty="0"/>
+              <a:t>보상 </a:t>
+            </a:r>
+            <a:r>
+              <a:rPr lang="en-US" altLang="ko-KR" sz="2000" dirty="0"/>
+              <a:t>:  NP			</a:t>
+            </a:r>
             <a:br>
               <a:rPr lang="en-US" altLang="ko-KR" sz="2000" dirty="0"/>
             </a:br>
@@ -9746,7 +10184,7 @@
           <a:p>
             <a:r>
               <a:rPr lang="ko-KR" altLang="en-US" sz="5000" dirty="0"/>
-              <a:t>게임 화면</a:t>
+              <a:t>보스</a:t>
             </a:r>
           </a:p>
         </p:txBody>
@@ -9754,7 +10192,7 @@
     </p:spTree>
     <p:extLst>
       <p:ext uri="{BB962C8B-B14F-4D97-AF65-F5344CB8AC3E}">
-        <p14:creationId xmlns:p14="http://schemas.microsoft.com/office/powerpoint/2010/main" val="3704034967"/>
+        <p14:creationId xmlns:p14="http://schemas.microsoft.com/office/powerpoint/2010/main" val="4198767284"/>
       </p:ext>
     </p:extLst>
   </p:cSld>
@@ -9799,110 +10237,31 @@
         </p:nvSpPr>
         <p:spPr>
           <a:xfrm>
-            <a:off x="1250020" y="1698691"/>
-            <a:ext cx="10483324" cy="3124201"/>
+            <a:off x="1226871" y="1710266"/>
+            <a:ext cx="10483324" cy="4034926"/>
           </a:xfrm>
         </p:spPr>
         <p:txBody>
           <a:bodyPr>
-            <a:normAutofit fontScale="90000"/>
+            <a:normAutofit/>
           </a:bodyPr>
           <a:lstStyle/>
           <a:p>
+            <a:r>
+              <a:rPr lang="en-US" altLang="ko-KR" sz="2000" dirty="0"/>
+              <a:t>Nyx</a:t>
+            </a:r>
+            <a:r>
+              <a:rPr lang="ko-KR" altLang="en-US" sz="2000" dirty="0"/>
+              <a:t>의 메인 컨텐츠라고 생각하기 때문에</a:t>
+            </a:r>
             <a:br>
               <a:rPr lang="en-US" altLang="ko-KR" sz="2000" dirty="0"/>
             </a:br>
-            <a:br>
-              <a:rPr lang="en-US" altLang="ko-KR" sz="2000" dirty="0"/>
-            </a:br>
-            <a:br>
-              <a:rPr lang="en-US" altLang="ko-KR" sz="2000" dirty="0"/>
-            </a:br>
-            <a:br>
-              <a:rPr lang="en-US" altLang="ko-KR" sz="2000" dirty="0"/>
-            </a:br>
-            <a:r>
-              <a:rPr lang="en-US" altLang="ko-KR" sz="2000" dirty="0"/>
-              <a:t>== </a:t>
-            </a:r>
-            <a:r>
-              <a:rPr lang="ko-KR" altLang="en-US" sz="2000" dirty="0"/>
-              <a:t>구성 요소 </a:t>
-            </a:r>
-            <a:r>
-              <a:rPr lang="en-US" altLang="ko-KR" sz="2000" dirty="0"/>
-              <a:t>==</a:t>
-            </a:r>
-            <a:br>
-              <a:rPr lang="en-US" altLang="ko-KR" sz="2000" dirty="0"/>
-            </a:br>
-            <a:r>
-              <a:rPr lang="ko-KR" altLang="en-US" sz="2000" dirty="0"/>
-              <a:t>게임 시작 </a:t>
-            </a:r>
-            <a:r>
-              <a:rPr lang="en-US" altLang="ko-KR" sz="2000" dirty="0"/>
-              <a:t>-&gt; </a:t>
-            </a:r>
-            <a:r>
-              <a:rPr lang="ko-KR" altLang="en-US" sz="2000" dirty="0"/>
-              <a:t>저장 슬롯 나오는 화면 </a:t>
-            </a:r>
-            <a:r>
-              <a:rPr lang="en-US" altLang="ko-KR" sz="2000" dirty="0"/>
-              <a:t>-&gt; </a:t>
-            </a:r>
-            <a:r>
-              <a:rPr lang="ko-KR" altLang="en-US" sz="2000" dirty="0"/>
-              <a:t>슬롯 </a:t>
-            </a:r>
-            <a:r>
-              <a:rPr lang="ko-KR" altLang="en-US" sz="2000" dirty="0" err="1"/>
-              <a:t>클릭시</a:t>
-            </a:r>
-            <a:r>
-              <a:rPr lang="ko-KR" altLang="en-US" sz="2000" dirty="0"/>
-              <a:t> 해당 데이터 불러와서 </a:t>
-            </a:r>
-            <a:r>
-              <a:rPr lang="ko-KR" altLang="en-US" sz="2000" dirty="0" err="1"/>
-              <a:t>겜시작</a:t>
-            </a:r>
-            <a:br>
-              <a:rPr lang="en-US" altLang="ko-KR" sz="2000" dirty="0"/>
-            </a:br>
-            <a:r>
-              <a:rPr lang="ko-KR" altLang="en-US" sz="2000" dirty="0"/>
-              <a:t>옵션 </a:t>
-            </a:r>
-            <a:r>
-              <a:rPr lang="en-US" altLang="ko-KR" sz="2000" dirty="0"/>
-              <a:t>-&gt; </a:t>
-            </a:r>
-            <a:r>
-              <a:rPr lang="ko-KR" altLang="en-US" sz="2000" dirty="0"/>
-              <a:t>다음 </a:t>
-            </a:r>
-            <a:r>
-              <a:rPr lang="en-US" altLang="ko-KR" sz="2000" dirty="0"/>
-              <a:t>PPT</a:t>
-            </a:r>
-            <a:br>
-              <a:rPr lang="en-US" altLang="ko-KR" sz="2000" dirty="0"/>
-            </a:br>
-            <a:br>
-              <a:rPr lang="en-US" altLang="ko-KR" sz="2000" dirty="0"/>
-            </a:br>
-            <a:r>
-              <a:rPr lang="ko-KR" altLang="en-US" sz="2000" dirty="0"/>
-              <a:t>게임 종료</a:t>
-            </a:r>
-            <a:br>
-              <a:rPr lang="en-US" altLang="ko-KR" sz="2000" dirty="0"/>
-            </a:br>
-            <a:br>
-              <a:rPr lang="en-US" altLang="ko-KR" sz="2000" dirty="0"/>
-            </a:br>
+            <a:r>
+              <a:rPr lang="en-US" altLang="ko-KR" sz="2000" dirty="0"/>
+              <a:t>		</a:t>
+            </a:r>
             <a:br>
               <a:rPr lang="en-US" altLang="ko-KR" sz="2000" dirty="0"/>
             </a:br>
@@ -9959,7 +10318,7 @@
           <a:p>
             <a:r>
               <a:rPr lang="ko-KR" altLang="en-US" sz="5000" dirty="0"/>
-              <a:t>메인 화면</a:t>
+              <a:t>메인 보스</a:t>
             </a:r>
           </a:p>
         </p:txBody>
@@ -9967,7 +10326,7 @@
     </p:spTree>
     <p:extLst>
       <p:ext uri="{BB962C8B-B14F-4D97-AF65-F5344CB8AC3E}">
-        <p14:creationId xmlns:p14="http://schemas.microsoft.com/office/powerpoint/2010/main" val="696632196"/>
+        <p14:creationId xmlns:p14="http://schemas.microsoft.com/office/powerpoint/2010/main" val="2279813507"/>
       </p:ext>
     </p:extLst>
   </p:cSld>
@@ -10012,8 +10371,8 @@
         </p:nvSpPr>
         <p:spPr>
           <a:xfrm>
-            <a:off x="1250020" y="1698691"/>
-            <a:ext cx="10483324" cy="3124201"/>
+            <a:off x="1226871" y="1710266"/>
+            <a:ext cx="10483324" cy="4034926"/>
           </a:xfrm>
         </p:spPr>
         <p:txBody>
@@ -10023,78 +10382,35 @@
           <a:lstStyle/>
           <a:p>
             <a:r>
-              <a:rPr lang="en-US" altLang="ko-KR" sz="2000" dirty="0"/>
-              <a:t>== </a:t>
-            </a:r>
-            <a:r>
               <a:rPr lang="ko-KR" altLang="en-US" sz="2000" dirty="0"/>
-              <a:t>옵션 설정 가능 항목 </a:t>
-            </a:r>
-            <a:r>
-              <a:rPr lang="en-US" altLang="ko-KR" sz="2000" dirty="0"/>
-              <a:t>== </a:t>
+              <a:t>중간 보스 역할 </a:t>
+            </a:r>
+            <a:r>
+              <a:rPr lang="en-US" altLang="ko-KR" sz="2000" dirty="0"/>
+              <a:t>: TP</a:t>
+            </a:r>
+            <a:r>
+              <a:rPr lang="ko-KR" altLang="en-US" sz="2000" dirty="0"/>
+              <a:t>를 지키는 중간 보스</a:t>
             </a:r>
             <a:br>
               <a:rPr lang="en-US" altLang="ko-KR" sz="2000" dirty="0"/>
             </a:br>
             <a:r>
+              <a:rPr lang="en-US" altLang="ko-KR" sz="2000" dirty="0"/>
+              <a:t>	</a:t>
+            </a:r>
+            <a:r>
               <a:rPr lang="ko-KR" altLang="en-US" sz="2000" dirty="0"/>
-              <a:t>그래픽 </a:t>
-            </a:r>
-            <a:r>
-              <a:rPr lang="en-US" altLang="ko-KR" sz="2000" dirty="0"/>
-              <a:t>-&gt; </a:t>
+              <a:t>메인 보스 보다는 </a:t>
+            </a:r>
+            <a:r>
+              <a:rPr lang="ko-KR" altLang="en-US" sz="2000" dirty="0" err="1"/>
+              <a:t>스텟도</a:t>
             </a:r>
             <a:r>
               <a:rPr lang="ko-KR" altLang="en-US" sz="2000" dirty="0"/>
-              <a:t>해상도</a:t>
-            </a:r>
-            <a:r>
-              <a:rPr lang="en-US" altLang="ko-KR" sz="2000" dirty="0"/>
-              <a:t>, </a:t>
-            </a:r>
-            <a:r>
-              <a:rPr lang="ko-KR" altLang="en-US" sz="2000" dirty="0"/>
-              <a:t>전체 화면</a:t>
-            </a:r>
-            <a:r>
-              <a:rPr lang="en-US" altLang="ko-KR" sz="2000" dirty="0"/>
-              <a:t> </a:t>
-            </a:r>
-            <a:br>
-              <a:rPr lang="en-US" altLang="ko-KR" sz="2000" dirty="0"/>
-            </a:br>
-            <a:r>
-              <a:rPr lang="ko-KR" altLang="en-US" sz="2000" dirty="0"/>
-              <a:t>사운드 </a:t>
-            </a:r>
-            <a:r>
-              <a:rPr lang="en-US" altLang="ko-KR" sz="2000" dirty="0"/>
-              <a:t>–&gt; mute, </a:t>
-            </a:r>
-            <a:r>
-              <a:rPr lang="ko-KR" altLang="en-US" sz="2000" dirty="0"/>
-              <a:t>소리 세부 설정</a:t>
-            </a:r>
-            <a:r>
-              <a:rPr lang="en-US" altLang="ko-KR" sz="2000" dirty="0"/>
-              <a:t>(</a:t>
-            </a:r>
-            <a:r>
-              <a:rPr lang="en-US" altLang="ko-KR" sz="2000" dirty="0" err="1"/>
-              <a:t>bgm</a:t>
-            </a:r>
-            <a:r>
-              <a:rPr lang="en-US" altLang="ko-KR" sz="2000" dirty="0"/>
-              <a:t>, </a:t>
-            </a:r>
-            <a:r>
-              <a:rPr lang="en-US" altLang="ko-KR" sz="2000" dirty="0" err="1"/>
-              <a:t>sfx</a:t>
-            </a:r>
-            <a:r>
-              <a:rPr lang="en-US" altLang="ko-KR" sz="2000" dirty="0"/>
-              <a:t>, master)</a:t>
+              <a:t> 많이 줄이고 패턴도 단조 롭게</a:t>
             </a:r>
             <a:br>
               <a:rPr lang="en-US" altLang="ko-KR" sz="2000" dirty="0"/>
@@ -10108,6 +10424,22 @@
             <a:br>
               <a:rPr lang="en-US" altLang="ko-KR" sz="2000" dirty="0"/>
             </a:br>
+            <a:r>
+              <a:rPr lang="en-US" altLang="ko-KR" sz="2000" dirty="0"/>
+              <a:t>BSP </a:t>
+            </a:r>
+            <a:r>
+              <a:rPr lang="ko-KR" altLang="en-US" sz="2000" dirty="0" err="1"/>
+              <a:t>맵에서의</a:t>
+            </a:r>
+            <a:r>
+              <a:rPr lang="ko-KR" altLang="en-US" sz="2000" dirty="0"/>
+              <a:t> 보스로 재탕</a:t>
+            </a:r>
+            <a:r>
+              <a:rPr lang="en-US" altLang="ko-KR" sz="2000" dirty="0"/>
+              <a:t>			</a:t>
+            </a:r>
             <a:br>
               <a:rPr lang="en-US" altLang="ko-KR" sz="2000" dirty="0"/>
             </a:br>
@@ -10164,7 +10496,7 @@
           <a:p>
             <a:r>
               <a:rPr lang="ko-KR" altLang="en-US" sz="5000" dirty="0"/>
-              <a:t>게임 옵션</a:t>
+              <a:t>서브 보스</a:t>
             </a:r>
           </a:p>
         </p:txBody>
@@ -10172,7 +10504,7 @@
     </p:spTree>
     <p:extLst>
       <p:ext uri="{BB962C8B-B14F-4D97-AF65-F5344CB8AC3E}">
-        <p14:creationId xmlns:p14="http://schemas.microsoft.com/office/powerpoint/2010/main" val="1187054558"/>
+        <p14:creationId xmlns:p14="http://schemas.microsoft.com/office/powerpoint/2010/main" val="1318616683"/>
       </p:ext>
     </p:extLst>
   </p:cSld>
@@ -10548,8 +10880,8 @@
         </p:nvSpPr>
         <p:spPr>
           <a:xfrm>
-            <a:off x="981338" y="1659111"/>
-            <a:ext cx="10483324" cy="4997465"/>
+            <a:off x="1219186" y="1733318"/>
+            <a:ext cx="10483324" cy="3124201"/>
           </a:xfrm>
         </p:spPr>
         <p:txBody>
@@ -10560,58 +10892,20 @@
           <a:p>
             <a:r>
               <a:rPr lang="ko-KR" altLang="en-US" sz="2000" dirty="0"/>
-              <a:t>플레이어의 취향대로 플레이어를 성장 시킬 수 있으면 좋겠다고 생각 </a:t>
-            </a:r>
-            <a:r>
-              <a:rPr lang="en-US" altLang="ko-KR" sz="2000" dirty="0"/>
-              <a:t>-&gt; </a:t>
+              <a:t>보스까지 가는 루트 </a:t>
+            </a:r>
+            <a:r>
+              <a:rPr lang="en-US" altLang="ko-KR" sz="2000" dirty="0"/>
+              <a:t>&amp; </a:t>
             </a:r>
             <a:r>
               <a:rPr lang="ko-KR" altLang="en-US" sz="2000" dirty="0"/>
-              <a:t>스킬 노드 시스템</a:t>
-            </a:r>
-            <a:br>
-              <a:rPr lang="en-US" altLang="ko-KR" sz="2000" dirty="0"/>
-            </a:br>
-            <a:br>
-              <a:rPr lang="en-US" altLang="ko-KR" sz="2000" dirty="0"/>
-            </a:br>
-            <a:r>
-              <a:rPr lang="ko-KR" altLang="en-US" sz="2000" dirty="0"/>
-              <a:t>반복적인 공격을 피하고 유저의 플레이 스타일을 최대한 살리고 싶다 </a:t>
-            </a:r>
-            <a:r>
-              <a:rPr lang="en-US" altLang="ko-KR" sz="2000" dirty="0"/>
-              <a:t>-&gt; </a:t>
-            </a:r>
-            <a:r>
-              <a:rPr lang="ko-KR" altLang="en-US" sz="2000" dirty="0"/>
-              <a:t>무기 시스템</a:t>
-            </a:r>
-            <a:br>
-              <a:rPr lang="en-US" altLang="ko-KR" sz="2000" dirty="0"/>
-            </a:br>
-            <a:br>
-              <a:rPr lang="en-US" altLang="ko-KR" sz="2000" dirty="0"/>
-            </a:br>
-            <a:br>
-              <a:rPr lang="en-US" altLang="ko-KR" sz="2000" dirty="0"/>
-            </a:br>
-            <a:br>
-              <a:rPr lang="en-US" altLang="ko-KR" sz="2000" dirty="0"/>
-            </a:br>
-            <a:br>
-              <a:rPr lang="en-US" altLang="ko-KR" sz="2000" dirty="0"/>
-            </a:br>
-            <a:br>
-              <a:rPr lang="en-US" altLang="ko-KR" sz="2000" dirty="0"/>
-            </a:br>
-            <a:br>
-              <a:rPr lang="en-US" altLang="ko-KR" sz="2000" dirty="0"/>
-            </a:br>
-            <a:br>
-              <a:rPr lang="en-US" altLang="ko-KR" sz="2000" dirty="0"/>
-            </a:br>
+              <a:t>퍼즐이나 점프 맵 중간중간에 배치한다</a:t>
+            </a:r>
+            <a:r>
+              <a:rPr lang="en-US" altLang="ko-KR" sz="2000" dirty="0"/>
+              <a:t>.</a:t>
+            </a:r>
             <a:endParaRPr lang="ko-KR" altLang="en-US" sz="2000" dirty="0"/>
           </a:p>
         </p:txBody>
@@ -10665,7 +10959,7 @@
           <a:p>
             <a:r>
               <a:rPr lang="ko-KR" altLang="en-US" sz="5000" dirty="0"/>
-              <a:t>캐릭터의 성장</a:t>
+              <a:t>몬스터</a:t>
             </a:r>
           </a:p>
         </p:txBody>
@@ -10673,7 +10967,7 @@
     </p:spTree>
     <p:extLst>
       <p:ext uri="{BB962C8B-B14F-4D97-AF65-F5344CB8AC3E}">
-        <p14:creationId xmlns:p14="http://schemas.microsoft.com/office/powerpoint/2010/main" val="1619180556"/>
+        <p14:creationId xmlns:p14="http://schemas.microsoft.com/office/powerpoint/2010/main" val="1571122907"/>
       </p:ext>
     </p:extLst>
   </p:cSld>
@@ -10718,23 +11012,79 @@
         </p:nvSpPr>
         <p:spPr>
           <a:xfrm>
-            <a:off x="1157423" y="1710266"/>
-            <a:ext cx="4648697" cy="329549"/>
+            <a:off x="1226871" y="1710266"/>
+            <a:ext cx="10463559" cy="3124201"/>
           </a:xfrm>
         </p:spPr>
         <p:txBody>
           <a:bodyPr>
-            <a:noAutofit/>
+            <a:normAutofit/>
           </a:bodyPr>
           <a:lstStyle/>
           <a:p>
+            <a:r>
+              <a:rPr lang="en-US" altLang="ko-KR" sz="2000" dirty="0"/>
+              <a:t>HP</a:t>
+            </a:r>
+            <a:r>
+              <a:rPr lang="ko-KR" altLang="en-US" sz="2000" dirty="0"/>
+              <a:t> 존재 </a:t>
+            </a:r>
             <a:br>
-              <a:rPr lang="en-US" altLang="ko-KR" sz="1000" dirty="0"/>
+              <a:rPr lang="en-US" altLang="ko-KR" sz="2000" dirty="0"/>
+            </a:br>
+            <a:r>
+              <a:rPr lang="ko-KR" altLang="en-US" sz="2000" dirty="0"/>
+              <a:t>스킬 노드</a:t>
+            </a:r>
+            <a:br>
+              <a:rPr lang="en-US" altLang="ko-KR" sz="2000" dirty="0"/>
+            </a:br>
+            <a:r>
+              <a:rPr lang="ko-KR" altLang="en-US" sz="2000" dirty="0" err="1"/>
+              <a:t>사망시</a:t>
+            </a:r>
+            <a:r>
+              <a:rPr lang="ko-KR" altLang="en-US" sz="2000" dirty="0"/>
+              <a:t> 최근 세이브</a:t>
+            </a:r>
+            <a:r>
+              <a:rPr lang="en-US" altLang="ko-KR" sz="2000" dirty="0"/>
+              <a:t> </a:t>
+            </a:r>
+            <a:r>
+              <a:rPr lang="ko-KR" altLang="en-US" sz="2000" dirty="0"/>
+              <a:t>데이터 위치에서 부활</a:t>
+            </a:r>
+            <a:br>
+              <a:rPr lang="en-US" altLang="ko-KR" sz="2000" dirty="0"/>
+            </a:br>
+            <a:r>
+              <a:rPr lang="ko-KR" altLang="en-US" sz="2000" dirty="0"/>
+              <a:t>공격은 콤보 형식 </a:t>
+            </a:r>
+            <a:r>
+              <a:rPr lang="en-US" altLang="ko-KR" sz="2000" dirty="0"/>
+              <a:t>(ex </a:t>
+            </a:r>
+            <a:r>
+              <a:rPr lang="en-US" altLang="ko-KR" sz="2000" dirty="0" err="1"/>
+              <a:t>aaa</a:t>
+            </a:r>
+            <a:r>
+              <a:rPr lang="en-US" altLang="ko-KR" sz="2000" dirty="0"/>
+              <a:t>-&gt;)</a:t>
+            </a:r>
+            <a:br>
+              <a:rPr lang="en-US" altLang="ko-KR" sz="2000" dirty="0"/>
             </a:br>
             <a:br>
-              <a:rPr lang="en-US" altLang="ko-KR" sz="1000" dirty="0"/>
+              <a:rPr lang="en-US" altLang="ko-KR" sz="2000" dirty="0"/>
             </a:br>
-            <a:endParaRPr lang="ko-KR" altLang="en-US" sz="1000" dirty="0"/>
+            <a:br>
+              <a:rPr lang="en-US" altLang="ko-KR" sz="2000" dirty="0"/>
+            </a:br>
+            <a:endParaRPr lang="ko-KR" altLang="en-US" sz="2000" dirty="0"/>
           </a:p>
         </p:txBody>
       </p:sp>
@@ -10785,6 +11135,637 @@
             </a:lvl1pPr>
           </a:lstStyle>
           <a:p>
+            <a:r>
+              <a:rPr lang="ko-KR" altLang="en-US" sz="5000" dirty="0"/>
+              <a:t>플레이어</a:t>
+            </a:r>
+          </a:p>
+        </p:txBody>
+      </p:sp>
+      <p:sp>
+        <p:nvSpPr>
+          <p:cNvPr id="3" name="제목 1">
+            <a:extLst>
+              <a:ext uri="{FF2B5EF4-FFF2-40B4-BE49-F238E27FC236}">
+                <a16:creationId xmlns:a16="http://schemas.microsoft.com/office/drawing/2014/main" id="{A60D4646-CE08-1994-7EC5-D09222362659}"/>
+              </a:ext>
+            </a:extLst>
+          </p:cNvPr>
+          <p:cNvSpPr txBox="1">
+            <a:spLocks/>
+          </p:cNvSpPr>
+          <p:nvPr/>
+        </p:nvSpPr>
+        <p:spPr>
+          <a:xfrm>
+            <a:off x="1226871" y="3997875"/>
+            <a:ext cx="10463559" cy="2518672"/>
+          </a:xfrm>
+          <a:prstGeom prst="rect">
+            <a:avLst/>
+          </a:prstGeom>
+        </p:spPr>
+        <p:txBody>
+          <a:bodyPr vert="horz" wrap="square" lIns="0" tIns="0" rIns="0" bIns="0" rtlCol="0" anchor="t" anchorCtr="0">
+            <a:normAutofit/>
+          </a:bodyPr>
+          <a:lstStyle>
+            <a:lvl1pPr algn="l" defTabSz="914400" rtl="0" eaLnBrk="1" latinLnBrk="0" hangingPunct="1">
+              <a:lnSpc>
+                <a:spcPct val="110000"/>
+              </a:lnSpc>
+              <a:spcBef>
+                <a:spcPct val="0"/>
+              </a:spcBef>
+              <a:buNone/>
+              <a:defRPr lang="en-US" sz="4800" kern="1200" spc="160" dirty="0">
+                <a:solidFill>
+                  <a:schemeClr val="tx1"/>
+                </a:solidFill>
+                <a:latin typeface="+mj-lt"/>
+                <a:ea typeface="+mj-ea"/>
+                <a:cs typeface="+mj-cs"/>
+              </a:defRPr>
+            </a:lvl1pPr>
+          </a:lstStyle>
+          <a:p>
+            <a:r>
+              <a:rPr lang="ko-KR" altLang="en-US" sz="2000" dirty="0"/>
+              <a:t>디자인 전체적인 검은색 분위기  </a:t>
+            </a:r>
+            <a:r>
+              <a:rPr lang="en-US" altLang="ko-KR" sz="2000" dirty="0"/>
+              <a:t>+   </a:t>
+            </a:r>
+            <a:r>
+              <a:rPr lang="ko-KR" altLang="en-US" sz="2000" dirty="0"/>
+              <a:t>날개</a:t>
+            </a:r>
+            <a:r>
+              <a:rPr lang="en-US" altLang="ko-KR" sz="2000" dirty="0"/>
+              <a:t>(</a:t>
+            </a:r>
+            <a:r>
+              <a:rPr lang="ko-KR" altLang="en-US" sz="2000" dirty="0"/>
+              <a:t>힘을 얻을 수록 커지도록</a:t>
+            </a:r>
+            <a:r>
+              <a:rPr lang="en-US" altLang="ko-KR" sz="2000" dirty="0"/>
+              <a:t>)</a:t>
+            </a:r>
+            <a:br>
+              <a:rPr lang="en-US" altLang="ko-KR" sz="2000" dirty="0"/>
+            </a:br>
+            <a:br>
+              <a:rPr lang="en-US" altLang="ko-KR" sz="2000" dirty="0"/>
+            </a:br>
+            <a:br>
+              <a:rPr lang="en-US" altLang="ko-KR" sz="2000" dirty="0"/>
+            </a:br>
+            <a:endParaRPr lang="ko-KR" altLang="en-US" sz="2000" dirty="0"/>
+          </a:p>
+        </p:txBody>
+      </p:sp>
+    </p:spTree>
+    <p:extLst>
+      <p:ext uri="{BB962C8B-B14F-4D97-AF65-F5344CB8AC3E}">
+        <p14:creationId xmlns:p14="http://schemas.microsoft.com/office/powerpoint/2010/main" val="240522347"/>
+      </p:ext>
+    </p:extLst>
+  </p:cSld>
+  <p:clrMapOvr>
+    <a:masterClrMapping/>
+  </p:clrMapOvr>
+</p:sld>
+</file>
+
+<file path=ppt/slides/slide22.xml><?xml version="1.0" encoding="utf-8"?>
+<p:sld xmlns:a="http://schemas.openxmlformats.org/drawingml/2006/main" xmlns:r="http://schemas.openxmlformats.org/officeDocument/2006/relationships" xmlns:p="http://schemas.openxmlformats.org/presentationml/2006/main">
+  <p:cSld>
+    <p:spTree>
+      <p:nvGrpSpPr>
+        <p:cNvPr id="1" name=""/>
+        <p:cNvGrpSpPr/>
+        <p:nvPr/>
+      </p:nvGrpSpPr>
+      <p:grpSpPr>
+        <a:xfrm>
+          <a:off x="0" y="0"/>
+          <a:ext cx="0" cy="0"/>
+          <a:chOff x="0" y="0"/>
+          <a:chExt cx="0" cy="0"/>
+        </a:xfrm>
+      </p:grpSpPr>
+      <p:sp>
+        <p:nvSpPr>
+          <p:cNvPr id="2" name="제목 1">
+            <a:extLst>
+              <a:ext uri="{FF2B5EF4-FFF2-40B4-BE49-F238E27FC236}">
+                <a16:creationId xmlns:a16="http://schemas.microsoft.com/office/drawing/2014/main" id="{7B2E3A79-41DF-C0FE-CFAA-BCB5A42209EE}"/>
+              </a:ext>
+            </a:extLst>
+          </p:cNvPr>
+          <p:cNvSpPr>
+            <a:spLocks noGrp="1"/>
+          </p:cNvSpPr>
+          <p:nvPr>
+            <p:ph type="title"/>
+          </p:nvPr>
+        </p:nvSpPr>
+        <p:spPr>
+          <a:xfrm>
+            <a:off x="1226871" y="1710266"/>
+            <a:ext cx="10483324" cy="4543885"/>
+          </a:xfrm>
+        </p:spPr>
+        <p:txBody>
+          <a:bodyPr>
+            <a:normAutofit/>
+          </a:bodyPr>
+          <a:lstStyle/>
+          <a:p>
+            <a:r>
+              <a:rPr lang="en-US" altLang="ko-KR" sz="2000" dirty="0"/>
+              <a:t>NP</a:t>
+            </a:r>
+            <a:r>
+              <a:rPr lang="ko-KR" altLang="en-US" sz="2000" dirty="0"/>
+              <a:t> 존재 이유  </a:t>
+            </a:r>
+            <a:r>
+              <a:rPr lang="en-US" altLang="ko-KR" sz="2000" dirty="0"/>
+              <a:t>: </a:t>
+            </a:r>
+            <a:r>
+              <a:rPr lang="ko-KR" altLang="en-US" sz="2000" dirty="0"/>
+              <a:t>게임 </a:t>
+            </a:r>
+            <a:r>
+              <a:rPr lang="ko-KR" altLang="en-US" sz="2000" dirty="0" err="1"/>
+              <a:t>진행시</a:t>
+            </a:r>
+            <a:r>
+              <a:rPr lang="ko-KR" altLang="en-US" sz="2000" dirty="0"/>
+              <a:t> 플레이 막히는 구간에서 유저가 좀더 </a:t>
+            </a:r>
+            <a:r>
+              <a:rPr lang="ko-KR" altLang="en-US" sz="2000" dirty="0" err="1"/>
+              <a:t>원할하게</a:t>
+            </a:r>
+            <a:r>
+              <a:rPr lang="ko-KR" altLang="en-US" sz="2000" dirty="0"/>
+              <a:t> 다음 구간으로 넘어갈 수 있도록 도와주는 장치</a:t>
+            </a:r>
+            <a:br>
+              <a:rPr lang="en-US" altLang="ko-KR" sz="2000" dirty="0"/>
+            </a:br>
+            <a:br>
+              <a:rPr lang="en-US" altLang="ko-KR" sz="2000" dirty="0"/>
+            </a:br>
+            <a:r>
+              <a:rPr lang="en-US" altLang="ko-KR" sz="2000" dirty="0"/>
+              <a:t>NP</a:t>
+            </a:r>
+            <a:r>
+              <a:rPr lang="ko-KR" altLang="en-US" sz="2000" dirty="0"/>
+              <a:t> 활용 </a:t>
+            </a:r>
+            <a:r>
+              <a:rPr lang="en-US" altLang="ko-KR" sz="2000" dirty="0"/>
+              <a:t>: </a:t>
+            </a:r>
+            <a:r>
+              <a:rPr lang="ko-KR" altLang="en-US" sz="2000" dirty="0"/>
+              <a:t>스킬 노드에서 캐릭터 육성 가능</a:t>
+            </a:r>
+            <a:r>
+              <a:rPr lang="en-US" altLang="ko-KR" sz="2000" dirty="0"/>
+              <a:t>  </a:t>
+            </a:r>
+            <a:br>
+              <a:rPr lang="en-US" altLang="ko-KR" sz="2000" dirty="0"/>
+            </a:br>
+            <a:br>
+              <a:rPr lang="en-US" altLang="ko-KR" sz="2000" dirty="0"/>
+            </a:br>
+            <a:r>
+              <a:rPr lang="en-US" altLang="ko-KR" sz="2000" dirty="0"/>
+              <a:t>NP </a:t>
+            </a:r>
+            <a:r>
+              <a:rPr lang="ko-KR" altLang="en-US" sz="2000" dirty="0" err="1"/>
+              <a:t>획득처</a:t>
+            </a:r>
+            <a:r>
+              <a:rPr lang="en-US" altLang="ko-KR" sz="2000" dirty="0"/>
+              <a:t> : </a:t>
+            </a:r>
+            <a:r>
+              <a:rPr lang="ko-KR" altLang="en-US" sz="2000" dirty="0"/>
+              <a:t>게임을 </a:t>
+            </a:r>
+            <a:r>
+              <a:rPr lang="ko-KR" altLang="en-US" sz="2000" dirty="0" err="1"/>
+              <a:t>진행하다보면</a:t>
+            </a:r>
+            <a:r>
+              <a:rPr lang="ko-KR" altLang="en-US" sz="2000" dirty="0"/>
+              <a:t> 자연스럽게 일정량 얻을 수 있게 설계 </a:t>
+            </a:r>
+            <a:br>
+              <a:rPr lang="en-US" altLang="ko-KR" sz="2000" dirty="0"/>
+            </a:br>
+            <a:r>
+              <a:rPr lang="en-US" altLang="ko-KR" sz="2000" dirty="0"/>
+              <a:t>		</a:t>
+            </a:r>
+            <a:r>
+              <a:rPr lang="ko-KR" altLang="en-US" sz="2000" dirty="0"/>
+              <a:t>하지만 개개인이 느끼는 난이도가 다르기 </a:t>
+            </a:r>
+            <a:r>
+              <a:rPr lang="ko-KR" altLang="en-US" sz="2000" dirty="0" err="1"/>
+              <a:t>떄문에</a:t>
+            </a:r>
+            <a:br>
+              <a:rPr lang="en-US" altLang="ko-KR" sz="2000" dirty="0"/>
+            </a:br>
+            <a:r>
+              <a:rPr lang="en-US" altLang="ko-KR" sz="2000" dirty="0"/>
+              <a:t>		BSP </a:t>
+            </a:r>
+            <a:r>
+              <a:rPr lang="ko-KR" altLang="en-US" sz="2000" dirty="0"/>
+              <a:t>맵 에서  추가적인 </a:t>
+            </a:r>
+            <a:r>
+              <a:rPr lang="en-US" altLang="ko-KR" sz="2000" dirty="0"/>
+              <a:t>SP</a:t>
+            </a:r>
+            <a:r>
+              <a:rPr lang="ko-KR" altLang="en-US" sz="2000" dirty="0"/>
+              <a:t> 획득 가능</a:t>
+            </a:r>
+            <a:br>
+              <a:rPr lang="en-US" altLang="ko-KR" sz="2000" dirty="0"/>
+            </a:br>
+            <a:br>
+              <a:rPr lang="en-US" altLang="ko-KR" sz="2000" dirty="0"/>
+            </a:br>
+            <a:br>
+              <a:rPr lang="en-US" altLang="ko-KR" sz="2000" dirty="0"/>
+            </a:br>
+            <a:br>
+              <a:rPr lang="en-US" altLang="ko-KR" sz="2000" dirty="0"/>
+            </a:br>
+            <a:endParaRPr lang="ko-KR" altLang="en-US" sz="2000" dirty="0"/>
+          </a:p>
+        </p:txBody>
+      </p:sp>
+      <p:sp>
+        <p:nvSpPr>
+          <p:cNvPr id="4" name="제목 1">
+            <a:extLst>
+              <a:ext uri="{FF2B5EF4-FFF2-40B4-BE49-F238E27FC236}">
+                <a16:creationId xmlns:a16="http://schemas.microsoft.com/office/drawing/2014/main" id="{8E2E0E5E-C494-5952-9A4E-98B51E4DFDCD}"/>
+              </a:ext>
+            </a:extLst>
+          </p:cNvPr>
+          <p:cNvSpPr txBox="1">
+            <a:spLocks/>
+          </p:cNvSpPr>
+          <p:nvPr/>
+        </p:nvSpPr>
+        <p:spPr>
+          <a:xfrm>
+            <a:off x="981338" y="528638"/>
+            <a:ext cx="2986813" cy="859366"/>
+          </a:xfrm>
+          <a:prstGeom prst="rect">
+            <a:avLst/>
+          </a:prstGeom>
+        </p:spPr>
+        <p:txBody>
+          <a:bodyPr vert="horz" wrap="square" lIns="0" tIns="0" rIns="0" bIns="0" rtlCol="0" anchor="t" anchorCtr="0">
+            <a:noAutofit/>
+          </a:bodyPr>
+          <a:lstStyle>
+            <a:lvl1pPr algn="l" defTabSz="914400" rtl="0" eaLnBrk="1" latinLnBrk="0" hangingPunct="1">
+              <a:lnSpc>
+                <a:spcPct val="110000"/>
+              </a:lnSpc>
+              <a:spcBef>
+                <a:spcPct val="0"/>
+              </a:spcBef>
+              <a:buNone/>
+              <a:defRPr lang="en-US" sz="4800" kern="1200" spc="160" dirty="0">
+                <a:solidFill>
+                  <a:schemeClr val="tx1"/>
+                </a:solidFill>
+                <a:latin typeface="+mj-lt"/>
+                <a:ea typeface="+mj-ea"/>
+                <a:cs typeface="+mj-cs"/>
+              </a:defRPr>
+            </a:lvl1pPr>
+          </a:lstStyle>
+          <a:p>
+            <a:r>
+              <a:rPr lang="en-US" altLang="ko-KR" sz="5000" dirty="0"/>
+              <a:t> NP</a:t>
+            </a:r>
+            <a:r>
+              <a:rPr lang="en-US" altLang="ko-KR" sz="2000" dirty="0"/>
+              <a:t>(node Point)</a:t>
+            </a:r>
+            <a:endParaRPr lang="ko-KR" altLang="en-US" sz="2000" dirty="0"/>
+          </a:p>
+        </p:txBody>
+      </p:sp>
+    </p:spTree>
+    <p:extLst>
+      <p:ext uri="{BB962C8B-B14F-4D97-AF65-F5344CB8AC3E}">
+        <p14:creationId xmlns:p14="http://schemas.microsoft.com/office/powerpoint/2010/main" val="3456569480"/>
+      </p:ext>
+    </p:extLst>
+  </p:cSld>
+  <p:clrMapOvr>
+    <a:masterClrMapping/>
+  </p:clrMapOvr>
+</p:sld>
+</file>
+
+<file path=ppt/slides/slide23.xml><?xml version="1.0" encoding="utf-8"?>
+<p:sld xmlns:a="http://schemas.openxmlformats.org/drawingml/2006/main" xmlns:r="http://schemas.openxmlformats.org/officeDocument/2006/relationships" xmlns:p="http://schemas.openxmlformats.org/presentationml/2006/main">
+  <p:cSld>
+    <p:spTree>
+      <p:nvGrpSpPr>
+        <p:cNvPr id="1" name=""/>
+        <p:cNvGrpSpPr/>
+        <p:nvPr/>
+      </p:nvGrpSpPr>
+      <p:grpSpPr>
+        <a:xfrm>
+          <a:off x="0" y="0"/>
+          <a:ext cx="0" cy="0"/>
+          <a:chOff x="0" y="0"/>
+          <a:chExt cx="0" cy="0"/>
+        </a:xfrm>
+      </p:grpSpPr>
+      <p:sp>
+        <p:nvSpPr>
+          <p:cNvPr id="2" name="제목 1">
+            <a:extLst>
+              <a:ext uri="{FF2B5EF4-FFF2-40B4-BE49-F238E27FC236}">
+                <a16:creationId xmlns:a16="http://schemas.microsoft.com/office/drawing/2014/main" id="{7B2E3A79-41DF-C0FE-CFAA-BCB5A42209EE}"/>
+              </a:ext>
+            </a:extLst>
+          </p:cNvPr>
+          <p:cNvSpPr>
+            <a:spLocks noGrp="1"/>
+          </p:cNvSpPr>
+          <p:nvPr>
+            <p:ph type="title"/>
+          </p:nvPr>
+        </p:nvSpPr>
+        <p:spPr>
+          <a:xfrm>
+            <a:off x="981338" y="1659111"/>
+            <a:ext cx="10483324" cy="4997465"/>
+          </a:xfrm>
+        </p:spPr>
+        <p:txBody>
+          <a:bodyPr>
+            <a:normAutofit/>
+          </a:bodyPr>
+          <a:lstStyle/>
+          <a:p>
+            <a:r>
+              <a:rPr lang="ko-KR" altLang="en-US" sz="2000" dirty="0"/>
+              <a:t>플레이어의 취향대로 플레이어를 성장 시킬 수 있으면 좋겠다고 생각 </a:t>
+            </a:r>
+            <a:r>
+              <a:rPr lang="en-US" altLang="ko-KR" sz="2000" dirty="0"/>
+              <a:t>-&gt; </a:t>
+            </a:r>
+            <a:r>
+              <a:rPr lang="ko-KR" altLang="en-US" sz="2000" dirty="0"/>
+              <a:t>스킬 노드 시스템</a:t>
+            </a:r>
+            <a:br>
+              <a:rPr lang="en-US" altLang="ko-KR" sz="2000" dirty="0"/>
+            </a:br>
+            <a:br>
+              <a:rPr lang="en-US" altLang="ko-KR" sz="2000" dirty="0"/>
+            </a:br>
+            <a:r>
+              <a:rPr lang="ko-KR" altLang="en-US" sz="2000" dirty="0"/>
+              <a:t>반복적인 공격을 피하고 유저의 플레이 스타일을 최대한 살리고 싶다 </a:t>
+            </a:r>
+            <a:r>
+              <a:rPr lang="en-US" altLang="ko-KR" sz="2000" dirty="0"/>
+              <a:t>-&gt; </a:t>
+            </a:r>
+            <a:r>
+              <a:rPr lang="ko-KR" altLang="en-US" sz="2000" dirty="0"/>
+              <a:t>무기 시스템</a:t>
+            </a:r>
+            <a:br>
+              <a:rPr lang="en-US" altLang="ko-KR" sz="2000" dirty="0"/>
+            </a:br>
+            <a:br>
+              <a:rPr lang="en-US" altLang="ko-KR" sz="2000" dirty="0"/>
+            </a:br>
+            <a:br>
+              <a:rPr lang="en-US" altLang="ko-KR" sz="2000" dirty="0"/>
+            </a:br>
+            <a:br>
+              <a:rPr lang="en-US" altLang="ko-KR" sz="2000" dirty="0"/>
+            </a:br>
+            <a:br>
+              <a:rPr lang="en-US" altLang="ko-KR" sz="2000" dirty="0"/>
+            </a:br>
+            <a:br>
+              <a:rPr lang="en-US" altLang="ko-KR" sz="2000" dirty="0"/>
+            </a:br>
+            <a:br>
+              <a:rPr lang="en-US" altLang="ko-KR" sz="2000" dirty="0"/>
+            </a:br>
+            <a:br>
+              <a:rPr lang="en-US" altLang="ko-KR" sz="2000" dirty="0"/>
+            </a:br>
+            <a:endParaRPr lang="ko-KR" altLang="en-US" sz="2000" dirty="0"/>
+          </a:p>
+        </p:txBody>
+      </p:sp>
+      <p:sp>
+        <p:nvSpPr>
+          <p:cNvPr id="4" name="제목 1">
+            <a:extLst>
+              <a:ext uri="{FF2B5EF4-FFF2-40B4-BE49-F238E27FC236}">
+                <a16:creationId xmlns:a16="http://schemas.microsoft.com/office/drawing/2014/main" id="{8E2E0E5E-C494-5952-9A4E-98B51E4DFDCD}"/>
+              </a:ext>
+            </a:extLst>
+          </p:cNvPr>
+          <p:cNvSpPr txBox="1">
+            <a:spLocks/>
+          </p:cNvSpPr>
+          <p:nvPr/>
+        </p:nvSpPr>
+        <p:spPr>
+          <a:xfrm>
+            <a:off x="981338" y="528638"/>
+            <a:ext cx="8712995" cy="859366"/>
+          </a:xfrm>
+          <a:prstGeom prst="rect">
+            <a:avLst/>
+          </a:prstGeom>
+        </p:spPr>
+        <p:txBody>
+          <a:bodyPr vert="horz" wrap="square" lIns="0" tIns="0" rIns="0" bIns="0" rtlCol="0" anchor="t" anchorCtr="0">
+            <a:noAutofit/>
+          </a:bodyPr>
+          <a:lstStyle>
+            <a:lvl1pPr algn="l" defTabSz="914400" rtl="0" eaLnBrk="1" latinLnBrk="0" hangingPunct="1">
+              <a:lnSpc>
+                <a:spcPct val="110000"/>
+              </a:lnSpc>
+              <a:spcBef>
+                <a:spcPct val="0"/>
+              </a:spcBef>
+              <a:buNone/>
+              <a:defRPr lang="en-US" sz="4800" kern="1200" spc="160" dirty="0">
+                <a:solidFill>
+                  <a:schemeClr val="tx1"/>
+                </a:solidFill>
+                <a:latin typeface="+mj-lt"/>
+                <a:ea typeface="+mj-ea"/>
+                <a:cs typeface="+mj-cs"/>
+              </a:defRPr>
+            </a:lvl1pPr>
+          </a:lstStyle>
+          <a:p>
+            <a:r>
+              <a:rPr lang="ko-KR" altLang="en-US" sz="5000" dirty="0"/>
+              <a:t>캐릭터의 성장</a:t>
+            </a:r>
+          </a:p>
+        </p:txBody>
+      </p:sp>
+    </p:spTree>
+    <p:extLst>
+      <p:ext uri="{BB962C8B-B14F-4D97-AF65-F5344CB8AC3E}">
+        <p14:creationId xmlns:p14="http://schemas.microsoft.com/office/powerpoint/2010/main" val="1619180556"/>
+      </p:ext>
+    </p:extLst>
+  </p:cSld>
+  <p:clrMapOvr>
+    <a:masterClrMapping/>
+  </p:clrMapOvr>
+</p:sld>
+</file>
+
+<file path=ppt/slides/slide24.xml><?xml version="1.0" encoding="utf-8"?>
+<p:sld xmlns:a="http://schemas.openxmlformats.org/drawingml/2006/main" xmlns:r="http://schemas.openxmlformats.org/officeDocument/2006/relationships" xmlns:p="http://schemas.openxmlformats.org/presentationml/2006/main">
+  <p:cSld>
+    <p:spTree>
+      <p:nvGrpSpPr>
+        <p:cNvPr id="1" name=""/>
+        <p:cNvGrpSpPr/>
+        <p:nvPr/>
+      </p:nvGrpSpPr>
+      <p:grpSpPr>
+        <a:xfrm>
+          <a:off x="0" y="0"/>
+          <a:ext cx="0" cy="0"/>
+          <a:chOff x="0" y="0"/>
+          <a:chExt cx="0" cy="0"/>
+        </a:xfrm>
+      </p:grpSpPr>
+      <p:sp>
+        <p:nvSpPr>
+          <p:cNvPr id="2" name="제목 1">
+            <a:extLst>
+              <a:ext uri="{FF2B5EF4-FFF2-40B4-BE49-F238E27FC236}">
+                <a16:creationId xmlns:a16="http://schemas.microsoft.com/office/drawing/2014/main" id="{7B2E3A79-41DF-C0FE-CFAA-BCB5A42209EE}"/>
+              </a:ext>
+            </a:extLst>
+          </p:cNvPr>
+          <p:cNvSpPr>
+            <a:spLocks noGrp="1"/>
+          </p:cNvSpPr>
+          <p:nvPr>
+            <p:ph type="title"/>
+          </p:nvPr>
+        </p:nvSpPr>
+        <p:spPr>
+          <a:xfrm>
+            <a:off x="1157423" y="1710266"/>
+            <a:ext cx="4648697" cy="329549"/>
+          </a:xfrm>
+        </p:spPr>
+        <p:txBody>
+          <a:bodyPr>
+            <a:noAutofit/>
+          </a:bodyPr>
+          <a:lstStyle/>
+          <a:p>
+            <a:br>
+              <a:rPr lang="en-US" altLang="ko-KR" sz="1000" dirty="0"/>
+            </a:br>
+            <a:br>
+              <a:rPr lang="en-US" altLang="ko-KR" sz="1000" dirty="0"/>
+            </a:br>
+            <a:endParaRPr lang="ko-KR" altLang="en-US" sz="1000" dirty="0"/>
+          </a:p>
+        </p:txBody>
+      </p:sp>
+      <p:sp>
+        <p:nvSpPr>
+          <p:cNvPr id="4" name="제목 1">
+            <a:extLst>
+              <a:ext uri="{FF2B5EF4-FFF2-40B4-BE49-F238E27FC236}">
+                <a16:creationId xmlns:a16="http://schemas.microsoft.com/office/drawing/2014/main" id="{8E2E0E5E-C494-5952-9A4E-98B51E4DFDCD}"/>
+              </a:ext>
+            </a:extLst>
+          </p:cNvPr>
+          <p:cNvSpPr txBox="1">
+            <a:spLocks/>
+          </p:cNvSpPr>
+          <p:nvPr/>
+        </p:nvSpPr>
+        <p:spPr>
+          <a:xfrm>
+            <a:off x="981338" y="528638"/>
+            <a:ext cx="8712995" cy="859366"/>
+          </a:xfrm>
+          <a:prstGeom prst="rect">
+            <a:avLst/>
+          </a:prstGeom>
+        </p:spPr>
+        <p:txBody>
+          <a:bodyPr vert="horz" wrap="square" lIns="0" tIns="0" rIns="0" bIns="0" rtlCol="0" anchor="t" anchorCtr="0">
+            <a:noAutofit/>
+          </a:bodyPr>
+          <a:lstStyle>
+            <a:lvl1pPr algn="l" defTabSz="914400" rtl="0" eaLnBrk="1" latinLnBrk="0" hangingPunct="1">
+              <a:lnSpc>
+                <a:spcPct val="110000"/>
+              </a:lnSpc>
+              <a:spcBef>
+                <a:spcPct val="0"/>
+              </a:spcBef>
+              <a:buNone/>
+              <a:defRPr lang="en-US" sz="4800" kern="1200" spc="160" dirty="0">
+                <a:solidFill>
+                  <a:schemeClr val="tx1"/>
+                </a:solidFill>
+                <a:latin typeface="+mj-lt"/>
+                <a:ea typeface="+mj-ea"/>
+                <a:cs typeface="+mj-cs"/>
+              </a:defRPr>
+            </a:lvl1pPr>
+          </a:lstStyle>
+          <a:p>
             <a:endParaRPr lang="ko-KR" altLang="en-US" sz="5000" dirty="0"/>
           </a:p>
         </p:txBody>
@@ -10818,7 +11799,7 @@
         </p:blipFill>
         <p:spPr bwMode="auto">
           <a:xfrm>
-            <a:off x="364482" y="168352"/>
+            <a:off x="137792" y="116440"/>
             <a:ext cx="6833881" cy="3066348"/>
           </a:xfrm>
           <a:prstGeom prst="rect">
@@ -10941,7 +11922,7 @@
         <p:spPr>
           <a:xfrm>
             <a:off x="7334457" y="1126394"/>
-            <a:ext cx="4631020" cy="523220"/>
+            <a:ext cx="4631020" cy="1169551"/>
           </a:xfrm>
           <a:prstGeom prst="rect">
             <a:avLst/>
@@ -10968,6 +11949,24 @@
             <a:r>
               <a:rPr lang="ko-KR" altLang="en-US" sz="1400" dirty="0"/>
               <a:t>플레이어가 원하는 방향으로 캐릭터를 육성 할 수 있게 </a:t>
+            </a:r>
+            <a:endParaRPr lang="en-US" altLang="ko-KR" sz="1400" dirty="0"/>
+          </a:p>
+          <a:p>
+            <a:endParaRPr lang="en-US" altLang="ko-KR" sz="1400" dirty="0"/>
+          </a:p>
+          <a:p>
+            <a:r>
+              <a:rPr lang="ko-KR" altLang="en-US" sz="1400" dirty="0"/>
+              <a:t>노드 버튼을 누르고 </a:t>
+            </a:r>
+            <a:r>
+              <a:rPr lang="ko-KR" altLang="en-US" sz="1400" dirty="0" err="1"/>
+              <a:t>있을시</a:t>
+            </a:r>
+            <a:r>
+              <a:rPr lang="ko-KR" altLang="en-US" sz="1400" dirty="0"/>
+              <a:t> 노드의 색깔이 점점 변하는 애니메이션을 주면서 스킬을 해금 </a:t>
             </a:r>
           </a:p>
         </p:txBody>
@@ -11136,7 +12135,7 @@
 </p:sld>
 </file>
 
-<file path=ppt/slides/slide22.xml><?xml version="1.0" encoding="utf-8"?>
+<file path=ppt/slides/slide25.xml><?xml version="1.0" encoding="utf-8"?>
 <p:sld xmlns:a="http://schemas.openxmlformats.org/drawingml/2006/main" xmlns:r="http://schemas.openxmlformats.org/officeDocument/2006/relationships" xmlns:p="http://schemas.openxmlformats.org/presentationml/2006/main">
   <p:cSld>
     <p:spTree>
@@ -11172,12 +12171,12 @@
         <p:spPr>
           <a:xfrm>
             <a:off x="416642" y="465988"/>
-            <a:ext cx="10483324" cy="4111799"/>
+            <a:ext cx="11436052" cy="6064208"/>
           </a:xfrm>
         </p:spPr>
         <p:txBody>
           <a:bodyPr>
-            <a:normAutofit fontScale="90000"/>
+            <a:normAutofit/>
           </a:bodyPr>
           <a:lstStyle/>
           <a:p>
@@ -11237,7 +12236,15 @@
             </a:r>
             <a:r>
               <a:rPr lang="ko-KR" altLang="en-US" sz="2000" dirty="0"/>
-              <a:t>리치가 다른 무기 대신 플레이어의 전체 공격력에서 일정 수준 가감</a:t>
+              <a:t>리치가 다른 무기 대신 플레이어 </a:t>
+            </a:r>
+            <a:r>
+              <a:rPr lang="ko-KR" altLang="en-US" sz="2000" dirty="0" err="1"/>
+              <a:t>스탯의</a:t>
+            </a:r>
+            <a:r>
+              <a:rPr lang="ko-KR" altLang="en-US" sz="2000" dirty="0"/>
+              <a:t> 전체 공격력에서 일정 수준 가감</a:t>
             </a:r>
             <a:br>
               <a:rPr lang="en-US" altLang="ko-KR" sz="2000" dirty="0"/>
@@ -11263,7 +12270,7 @@
             </a:r>
             <a:r>
               <a:rPr lang="ko-KR" altLang="en-US" sz="2000" dirty="0"/>
-              <a:t> 가능</a:t>
+              <a:t> 가능하게 제작</a:t>
             </a:r>
             <a:br>
               <a:rPr lang="en-US" altLang="ko-KR" sz="2000" dirty="0"/>
@@ -11273,14 +12280,12 @@
             </a:br>
             <a:r>
               <a:rPr lang="ko-KR" altLang="en-US" sz="2000" dirty="0"/>
-              <a:t>몇몇 무기들은 고유한 능력도 넣고 싶음 이에 따른 유저가 무기를 모으러 탐험 욕구도 올릴 수 있지 않을까 싶음</a:t>
-            </a:r>
-            <a:br>
-              <a:rPr lang="en-US" altLang="ko-KR" sz="2000" dirty="0"/>
-            </a:br>
-            <a:br>
-              <a:rPr lang="en-US" altLang="ko-KR" sz="2000" dirty="0"/>
-            </a:br>
+              <a:t>몇몇 무기들은 고유한 능력도 넣어 수집 욕구를 올릴 수 있도록 하여 모험을 하는 계기를 만든다</a:t>
+            </a:r>
+            <a:r>
+              <a:rPr lang="en-US" altLang="ko-KR" sz="2000" dirty="0"/>
+              <a:t>.</a:t>
+            </a:r>
             <a:endParaRPr lang="ko-KR" altLang="en-US" sz="2000" dirty="0"/>
           </a:p>
         </p:txBody>
@@ -11334,6 +12339,200 @@
     <p:extLst>
       <p:ext uri="{BB962C8B-B14F-4D97-AF65-F5344CB8AC3E}">
         <p14:creationId xmlns:p14="http://schemas.microsoft.com/office/powerpoint/2010/main" val="746801496"/>
+      </p:ext>
+    </p:extLst>
+  </p:cSld>
+  <p:clrMapOvr>
+    <a:masterClrMapping/>
+  </p:clrMapOvr>
+</p:sld>
+</file>
+
+<file path=ppt/slides/slide26.xml><?xml version="1.0" encoding="utf-8"?>
+<p:sld xmlns:a="http://schemas.openxmlformats.org/drawingml/2006/main" xmlns:r="http://schemas.openxmlformats.org/officeDocument/2006/relationships" xmlns:p="http://schemas.openxmlformats.org/presentationml/2006/main">
+  <p:cSld>
+    <p:spTree>
+      <p:nvGrpSpPr>
+        <p:cNvPr id="1" name=""/>
+        <p:cNvGrpSpPr/>
+        <p:nvPr/>
+      </p:nvGrpSpPr>
+      <p:grpSpPr>
+        <a:xfrm>
+          <a:off x="0" y="0"/>
+          <a:ext cx="0" cy="0"/>
+          <a:chOff x="0" y="0"/>
+          <a:chExt cx="0" cy="0"/>
+        </a:xfrm>
+      </p:grpSpPr>
+      <p:sp>
+        <p:nvSpPr>
+          <p:cNvPr id="2" name="제목 1">
+            <a:extLst>
+              <a:ext uri="{FF2B5EF4-FFF2-40B4-BE49-F238E27FC236}">
+                <a16:creationId xmlns:a16="http://schemas.microsoft.com/office/drawing/2014/main" id="{7B2E3A79-41DF-C0FE-CFAA-BCB5A42209EE}"/>
+              </a:ext>
+            </a:extLst>
+          </p:cNvPr>
+          <p:cNvSpPr>
+            <a:spLocks noGrp="1"/>
+          </p:cNvSpPr>
+          <p:nvPr>
+            <p:ph type="title"/>
+          </p:nvPr>
+        </p:nvSpPr>
+        <p:spPr>
+          <a:xfrm>
+            <a:off x="1226871" y="1710266"/>
+            <a:ext cx="10463559" cy="3124201"/>
+          </a:xfrm>
+        </p:spPr>
+        <p:txBody>
+          <a:bodyPr>
+            <a:normAutofit/>
+          </a:bodyPr>
+          <a:lstStyle/>
+          <a:p>
+            <a:r>
+              <a:rPr lang="ko-KR" altLang="en-US" sz="2000" dirty="0"/>
+              <a:t>사망 </a:t>
+            </a:r>
+            <a:r>
+              <a:rPr lang="en-US" altLang="ko-KR" sz="2000" dirty="0"/>
+              <a:t>SFX </a:t>
+            </a:r>
+            <a:r>
+              <a:rPr lang="ko-KR" altLang="en-US" sz="2000" dirty="0"/>
+              <a:t>사운드 재생 </a:t>
+            </a:r>
+            <a:br>
+              <a:rPr lang="en-US" altLang="ko-KR" sz="2000" dirty="0"/>
+            </a:br>
+            <a:r>
+              <a:rPr lang="ko-KR" altLang="en-US" sz="2000" dirty="0"/>
+              <a:t>플레이어 사망 애니메이션 잠시 노출 후 패널 전환</a:t>
+            </a:r>
+            <a:br>
+              <a:rPr lang="en-US" altLang="ko-KR" sz="2000" dirty="0"/>
+            </a:br>
+            <a:br>
+              <a:rPr lang="en-US" altLang="ko-KR" sz="2000" dirty="0"/>
+            </a:br>
+            <a:r>
+              <a:rPr lang="ko-KR" altLang="en-US" sz="2000" dirty="0"/>
+              <a:t>패널에는 버튼 </a:t>
+            </a:r>
+            <a:r>
+              <a:rPr lang="en-US" altLang="ko-KR" sz="2000" dirty="0"/>
+              <a:t>2</a:t>
+            </a:r>
+            <a:r>
+              <a:rPr lang="ko-KR" altLang="en-US" sz="2000" dirty="0"/>
+              <a:t>개 존재 </a:t>
+            </a:r>
+            <a:r>
+              <a:rPr lang="en-US" altLang="ko-KR" sz="2000" dirty="0"/>
+              <a:t>&lt;</a:t>
+            </a:r>
+            <a:r>
+              <a:rPr lang="ko-KR" altLang="en-US" sz="2000" dirty="0"/>
+              <a:t>타이틀로</a:t>
+            </a:r>
+            <a:r>
+              <a:rPr lang="en-US" altLang="ko-KR" sz="2000" dirty="0"/>
+              <a:t>&gt;, &lt;</a:t>
+            </a:r>
+            <a:r>
+              <a:rPr lang="ko-KR" altLang="en-US" sz="2000" dirty="0"/>
+              <a:t>다시하기</a:t>
+            </a:r>
+            <a:r>
+              <a:rPr lang="en-US" altLang="ko-KR" sz="2000" dirty="0"/>
+              <a:t>&gt;</a:t>
+            </a:r>
+            <a:br>
+              <a:rPr lang="en-US" altLang="ko-KR" sz="2000" dirty="0"/>
+            </a:br>
+            <a:br>
+              <a:rPr lang="en-US" altLang="ko-KR" sz="2000" dirty="0"/>
+            </a:br>
+            <a:r>
+              <a:rPr lang="ko-KR" altLang="en-US" sz="2000" dirty="0"/>
+              <a:t>다시하기 클릭 시 </a:t>
+            </a:r>
+            <a:br>
+              <a:rPr lang="en-US" altLang="ko-KR" sz="2000" dirty="0"/>
+            </a:br>
+            <a:r>
+              <a:rPr lang="ko-KR" altLang="en-US" sz="2000" dirty="0"/>
+              <a:t>마지막 세이브 포인트에서 다시 시작</a:t>
+            </a:r>
+          </a:p>
+        </p:txBody>
+      </p:sp>
+      <p:sp>
+        <p:nvSpPr>
+          <p:cNvPr id="4" name="제목 1">
+            <a:extLst>
+              <a:ext uri="{FF2B5EF4-FFF2-40B4-BE49-F238E27FC236}">
+                <a16:creationId xmlns:a16="http://schemas.microsoft.com/office/drawing/2014/main" id="{8E2E0E5E-C494-5952-9A4E-98B51E4DFDCD}"/>
+              </a:ext>
+            </a:extLst>
+          </p:cNvPr>
+          <p:cNvSpPr txBox="1">
+            <a:spLocks/>
+          </p:cNvSpPr>
+          <p:nvPr/>
+        </p:nvSpPr>
+        <p:spPr>
+          <a:xfrm>
+            <a:off x="981338" y="528638"/>
+            <a:ext cx="8712995" cy="859366"/>
+          </a:xfrm>
+          <a:prstGeom prst="rect">
+            <a:avLst/>
+          </a:prstGeom>
+        </p:spPr>
+        <p:txBody>
+          <a:bodyPr vert="horz" wrap="square" lIns="0" tIns="0" rIns="0" bIns="0" rtlCol="0" anchor="t" anchorCtr="0">
+            <a:noAutofit/>
+          </a:bodyPr>
+          <a:lstStyle>
+            <a:lvl1pPr algn="l" defTabSz="914400" rtl="0" eaLnBrk="1" latinLnBrk="0" hangingPunct="1">
+              <a:lnSpc>
+                <a:spcPct val="110000"/>
+              </a:lnSpc>
+              <a:spcBef>
+                <a:spcPct val="0"/>
+              </a:spcBef>
+              <a:buNone/>
+              <a:defRPr lang="en-US" sz="4800" kern="1200" spc="160" dirty="0">
+                <a:solidFill>
+                  <a:schemeClr val="tx1"/>
+                </a:solidFill>
+                <a:latin typeface="+mj-lt"/>
+                <a:ea typeface="+mj-ea"/>
+                <a:cs typeface="+mj-cs"/>
+              </a:defRPr>
+            </a:lvl1pPr>
+          </a:lstStyle>
+          <a:p>
+            <a:r>
+              <a:rPr lang="ko-KR" altLang="en-US" sz="5000" dirty="0"/>
+              <a:t>플레이어 </a:t>
+            </a:r>
+            <a:r>
+              <a:rPr lang="ko-KR" altLang="en-US" sz="5000" dirty="0" err="1"/>
+              <a:t>사망시</a:t>
+            </a:r>
+            <a:endParaRPr lang="ko-KR" altLang="en-US" sz="5000" dirty="0"/>
+          </a:p>
+        </p:txBody>
+      </p:sp>
+    </p:spTree>
+    <p:extLst>
+      <p:ext uri="{BB962C8B-B14F-4D97-AF65-F5344CB8AC3E}">
+        <p14:creationId xmlns:p14="http://schemas.microsoft.com/office/powerpoint/2010/main" val="902168775"/>
       </p:ext>
     </p:extLst>
   </p:cSld>
@@ -11627,7 +12826,23 @@
             </a:r>
             <a:r>
               <a:rPr lang="en-US" altLang="ko-KR" sz="3000" dirty="0"/>
-              <a:t>:	 	</a:t>
+              <a:t>:	 10</a:t>
+            </a:r>
+            <a:r>
+              <a:rPr lang="ko-KR" altLang="en-US" sz="3000" dirty="0"/>
+              <a:t>대 후반부터 </a:t>
+            </a:r>
+            <a:r>
+              <a:rPr lang="en-US" altLang="ko-KR" sz="3000" dirty="0"/>
+              <a:t>30</a:t>
+            </a:r>
+            <a:r>
+              <a:rPr lang="ko-KR" altLang="en-US" sz="3000" dirty="0"/>
+              <a:t>대 중반 </a:t>
+            </a:r>
+            <a:r>
+              <a:rPr lang="en-US" altLang="ko-KR" sz="3000" dirty="0"/>
+              <a:t>	</a:t>
             </a:r>
             <a:endParaRPr lang="ko-KR" altLang="en-US" sz="3000" dirty="0"/>
           </a:p>
@@ -12160,29 +13375,8 @@
             </a:pPr>
             <a:r>
               <a:rPr lang="ko-KR" altLang="en-US" sz="3000" dirty="0"/>
-              <a:t>플레이어와 상반되는 </a:t>
-            </a:r>
-            <a:r>
-              <a:rPr lang="en-US" altLang="ko-KR" sz="3000" dirty="0"/>
-              <a:t>(</a:t>
-            </a:r>
-            <a:r>
-              <a:rPr lang="ko-KR" altLang="en-US" sz="3000" dirty="0"/>
-              <a:t>태양</a:t>
-            </a:r>
-            <a:r>
-              <a:rPr lang="en-US" altLang="ko-KR" sz="3000" dirty="0"/>
-              <a:t>) </a:t>
-            </a:r>
-            <a:r>
-              <a:rPr lang="ko-KR" altLang="en-US" sz="3000" dirty="0"/>
-              <a:t>시간은 플레이 </a:t>
-            </a:r>
-            <a:r>
-              <a:rPr lang="en-US" altLang="ko-KR" sz="3000" dirty="0"/>
-              <a:t>x</a:t>
-            </a:r>
-            <a:endParaRPr lang="ko-KR" altLang="en-US" sz="3000" dirty="0"/>
+              <a:t>플레이어와 상반되는</a:t>
+            </a:r>
           </a:p>
         </p:txBody>
       </p:sp>
@@ -12306,24 +13500,13 @@
             </a:pPr>
             <a:r>
               <a:rPr lang="ko-KR" altLang="en-US" sz="3000" dirty="0"/>
-              <a:t>던전에서 제한 시간 </a:t>
-            </a:r>
-            <a:r>
-              <a:rPr lang="en-US" altLang="ko-KR" sz="3000" dirty="0"/>
-              <a:t>(</a:t>
-            </a:r>
-            <a:r>
-              <a:rPr lang="ko-KR" altLang="en-US" sz="3000" dirty="0"/>
-              <a:t>밤</a:t>
-            </a:r>
-            <a:r>
-              <a:rPr lang="en-US" altLang="ko-KR" sz="3000" dirty="0"/>
-              <a:t>) </a:t>
-            </a:r>
-            <a:r>
-              <a:rPr lang="ko-KR" altLang="en-US" sz="3000" dirty="0"/>
-              <a:t>안에 길을 찾아 탐험</a:t>
-            </a:r>
+              <a:t>중간중간 귀찮게 하는 </a:t>
+            </a:r>
+            <a:r>
+              <a:rPr lang="ko-KR" altLang="en-US" sz="3000" dirty="0" err="1"/>
+              <a:t>몬스터들</a:t>
+            </a:r>
+            <a:endParaRPr lang="ko-KR" altLang="en-US" sz="3000" dirty="0"/>
           </a:p>
         </p:txBody>
       </p:sp>
@@ -12380,7 +13563,15 @@
             </a:pPr>
             <a:r>
               <a:rPr lang="ko-KR" altLang="en-US" sz="3000" dirty="0"/>
-              <a:t>시간이 경과하여 일출 시 마을로 강제 귀환</a:t>
+              <a:t>보스까지의 가는 길에 간략한 퍼즐 </a:t>
+            </a:r>
+            <a:r>
+              <a:rPr lang="en-US" altLang="ko-KR" sz="3000" dirty="0"/>
+              <a:t>&amp; </a:t>
+            </a:r>
+            <a:r>
+              <a:rPr lang="ko-KR" altLang="en-US" sz="3000" dirty="0"/>
+              <a:t>점프 요소 </a:t>
             </a:r>
           </a:p>
         </p:txBody>
@@ -12437,9 +13628,10 @@
               <a:buChar char="•"/>
             </a:pPr>
             <a:r>
-              <a:rPr lang="ko-KR" altLang="en-US" sz="3000" dirty="0"/>
-              <a:t>다른 루트에서 열쇠를 획득하여 보스 룸 진입</a:t>
-            </a:r>
+              <a:rPr lang="ko-KR" altLang="en-US" sz="3000" dirty="0" err="1"/>
+              <a:t>보스전</a:t>
+            </a:r>
+            <a:endParaRPr lang="ko-KR" altLang="en-US" sz="3000" dirty="0"/>
           </a:p>
           <a:p>
             <a:pPr marL="457200" indent="-457200">
@@ -12806,14 +13998,6 @@
             </a:lvl1pPr>
           </a:lstStyle>
           <a:p>
-            <a:pPr marL="457200" indent="-457200">
-              <a:buFont typeface="Arial" panose="020B0604020202020204" pitchFamily="34" charset="0"/>
-              <a:buChar char="•"/>
-            </a:pPr>
-            <a:r>
-              <a:rPr lang="en-US" altLang="ko-KR" sz="3000" dirty="0"/>
-              <a:t>,,,,,,,,</a:t>
-            </a:r>
             <a:endParaRPr lang="ko-KR" altLang="en-US" sz="3000" dirty="0"/>
           </a:p>
         </p:txBody>
@@ -13228,101 +14412,29 @@
         </p:spPr>
         <p:txBody>
           <a:bodyPr>
-            <a:normAutofit fontScale="90000"/>
+            <a:normAutofit/>
           </a:bodyPr>
           <a:lstStyle/>
           <a:p>
             <a:r>
-              <a:rPr lang="ko-KR" altLang="en-US" sz="2000" dirty="0"/>
-              <a:t>기억과 힘을 모두 잃어 버린 </a:t>
-            </a:r>
-            <a:r>
               <a:rPr lang="ko-KR" altLang="en-US" sz="2000" dirty="0" err="1"/>
               <a:t>닉스가</a:t>
             </a:r>
             <a:r>
               <a:rPr lang="ko-KR" altLang="en-US" sz="2000" dirty="0"/>
-              <a:t> 자신의 기억</a:t>
-            </a:r>
-            <a:r>
-              <a:rPr lang="en-US" altLang="ko-KR" sz="2000" dirty="0"/>
-              <a:t>(</a:t>
-            </a:r>
-            <a:r>
-              <a:rPr lang="ko-KR" altLang="en-US" sz="2000" dirty="0"/>
-              <a:t>힘</a:t>
-            </a:r>
-            <a:r>
-              <a:rPr lang="en-US" altLang="ko-KR" sz="2000" dirty="0"/>
-              <a:t>)</a:t>
-            </a:r>
-            <a:r>
-              <a:rPr lang="ko-KR" altLang="en-US" sz="2000" dirty="0"/>
-              <a:t>을 되찾기 위해 떠나는 모험</a:t>
-            </a:r>
-            <a:br>
-              <a:rPr lang="en-US" altLang="ko-KR" sz="2000" dirty="0"/>
-            </a:br>
+              <a:t> 힘을 잃어버려 </a:t>
+            </a:r>
             <a:r>
               <a:rPr lang="ko-KR" altLang="en-US" sz="2000" dirty="0" err="1"/>
               <a:t>닉스가</a:t>
             </a:r>
             <a:r>
               <a:rPr lang="ko-KR" altLang="en-US" sz="2000" dirty="0"/>
-              <a:t> 힘을 잃어 버리면서 세상에는 어둠이 깔리게 되었고 </a:t>
-            </a:r>
-            <a:br>
-              <a:rPr lang="en-US" altLang="ko-KR" sz="2000" dirty="0"/>
-            </a:br>
-            <a:r>
-              <a:rPr lang="ko-KR" altLang="en-US" sz="2000" dirty="0" err="1"/>
-              <a:t>닉스가</a:t>
-            </a:r>
-            <a:r>
-              <a:rPr lang="ko-KR" altLang="en-US" sz="2000" dirty="0"/>
-              <a:t> 어둠을 회수 할 때마다 세상은 밝아지게 된다</a:t>
+              <a:t> 가지고 있던 어둠이 세상에 내려 앉았다</a:t>
             </a:r>
             <a:r>
               <a:rPr lang="en-US" altLang="ko-KR" sz="2000" dirty="0"/>
               <a:t>.</a:t>
-            </a:r>
-            <a:br>
-              <a:rPr lang="en-US" altLang="ko-KR" sz="2000" dirty="0"/>
-            </a:br>
-            <a:r>
-              <a:rPr lang="ko-KR" altLang="en-US" sz="2000" dirty="0"/>
-              <a:t>하지만 힘을 되찾을수록 자신의 주변에 있는 인물들은 불행해지게 되어</a:t>
-            </a:r>
-            <a:r>
-              <a:rPr lang="en-US" altLang="ko-KR" sz="2000" dirty="0"/>
-              <a:t>(</a:t>
-            </a:r>
-            <a:r>
-              <a:rPr lang="ko-KR" altLang="en-US" sz="2000" dirty="0"/>
-              <a:t>근처만 가도 불행하듯이</a:t>
-            </a:r>
-            <a:r>
-              <a:rPr lang="en-US" altLang="ko-KR" sz="2000" dirty="0"/>
-              <a:t>?)</a:t>
-            </a:r>
-            <a:r>
-              <a:rPr lang="ko-KR" altLang="en-US" sz="2000" dirty="0"/>
-              <a:t> </a:t>
-            </a:r>
-            <a:br>
-              <a:rPr lang="en-US" altLang="ko-KR" sz="2000" dirty="0"/>
-            </a:br>
-            <a:r>
-              <a:rPr lang="en-US" altLang="ko-KR" sz="2000" dirty="0"/>
-              <a:t>(NYX</a:t>
-            </a:r>
-            <a:r>
-              <a:rPr lang="ko-KR" altLang="en-US" sz="2000" dirty="0"/>
-              <a:t>의 이명인 죽음의 어머니</a:t>
-            </a:r>
-            <a:r>
-              <a:rPr lang="en-US" altLang="ko-KR" sz="2000" dirty="0"/>
-              <a:t>) </a:t>
             </a:r>
             <a:br>
               <a:rPr lang="en-US" altLang="ko-KR" sz="2000" dirty="0"/>
@@ -13330,22 +14442,6 @@
             <a:br>
               <a:rPr lang="en-US" altLang="ko-KR" sz="2000" dirty="0"/>
             </a:br>
-            <a:r>
-              <a:rPr lang="ko-KR" altLang="en-US" sz="2000" dirty="0"/>
-              <a:t>힘을 되찾게 될 수록 갈등하는 걸 그리고 </a:t>
-            </a:r>
-            <a:r>
-              <a:rPr lang="ko-KR" altLang="en-US" sz="2000" dirty="0" err="1"/>
-              <a:t>싶슴다</a:t>
-            </a:r>
-            <a:r>
-              <a:rPr lang="en-US" altLang="ko-KR" sz="2000" dirty="0"/>
-              <a:t>.. </a:t>
-            </a:r>
-            <a:r>
-              <a:rPr lang="ko-KR" altLang="en-US" sz="2000" dirty="0" err="1"/>
-              <a:t>생각중</a:t>
-            </a:r>
             <a:br>
               <a:rPr lang="en-US" altLang="ko-KR" sz="2000" dirty="0"/>
             </a:br>
@@ -13370,21 +14466,7 @@
             <a:br>
               <a:rPr lang="en-US" altLang="ko-KR" sz="2000" dirty="0"/>
             </a:br>
-            <a:br>
-              <a:rPr lang="en-US" altLang="ko-KR" sz="2000" dirty="0"/>
-            </a:br>
-            <a:r>
-              <a:rPr lang="ko-KR" altLang="en-US" sz="2000" dirty="0"/>
-              <a:t>게임의 엔딩은 진 보스를 잡고 힘을 되찾아 떠나거나 마을에 남거나 선택하는 엔딩 </a:t>
-            </a:r>
-            <a:r>
-              <a:rPr lang="en-US" altLang="ko-KR" sz="2000" dirty="0"/>
-              <a:t>2</a:t>
-            </a:r>
-            <a:r>
-              <a:rPr lang="ko-KR" altLang="en-US" sz="2000" dirty="0"/>
-              <a:t>가지 존재</a:t>
-            </a:r>
+            <a:endParaRPr lang="ko-KR" altLang="en-US" sz="2000" dirty="0"/>
           </a:p>
         </p:txBody>
       </p:sp>
@@ -13437,21 +14519,8 @@
           <a:p>
             <a:r>
               <a:rPr lang="ko-KR" altLang="en-US" sz="5000" dirty="0"/>
-              <a:t>스토리</a:t>
-            </a:r>
-            <a:r>
-              <a:rPr lang="en-US" altLang="ko-KR" sz="5000" dirty="0"/>
-              <a:t>(</a:t>
-            </a:r>
-            <a:r>
-              <a:rPr lang="ko-KR" altLang="en-US" sz="5000" dirty="0"/>
               <a:t>세계관</a:t>
             </a:r>
-            <a:r>
-              <a:rPr lang="en-US" altLang="ko-KR" sz="5000" dirty="0"/>
-              <a:t>)</a:t>
-            </a:r>
-            <a:endParaRPr lang="ko-KR" altLang="en-US" sz="5000" dirty="0"/>
           </a:p>
         </p:txBody>
       </p:sp>
@@ -13490,7 +14559,7 @@
     </p:spTree>
     <p:extLst>
       <p:ext uri="{BB962C8B-B14F-4D97-AF65-F5344CB8AC3E}">
-        <p14:creationId xmlns:p14="http://schemas.microsoft.com/office/powerpoint/2010/main" val="2570007976"/>
+        <p14:creationId xmlns:p14="http://schemas.microsoft.com/office/powerpoint/2010/main" val="2120633588"/>
       </p:ext>
     </p:extLst>
   </p:cSld>

--- a/기획서.pptx
+++ b/기획서.pptx
@@ -9,28 +9,29 @@
     <p:sldId id="262" r:id="rId3"/>
     <p:sldId id="257" r:id="rId4"/>
     <p:sldId id="276" r:id="rId5"/>
-    <p:sldId id="259" r:id="rId6"/>
-    <p:sldId id="260" r:id="rId7"/>
-    <p:sldId id="261" r:id="rId8"/>
-    <p:sldId id="271" r:id="rId9"/>
-    <p:sldId id="280" r:id="rId10"/>
-    <p:sldId id="266" r:id="rId11"/>
-    <p:sldId id="267" r:id="rId12"/>
-    <p:sldId id="278" r:id="rId13"/>
-    <p:sldId id="264" r:id="rId14"/>
-    <p:sldId id="273" r:id="rId15"/>
-    <p:sldId id="274" r:id="rId16"/>
-    <p:sldId id="275" r:id="rId17"/>
-    <p:sldId id="270" r:id="rId18"/>
-    <p:sldId id="282" r:id="rId19"/>
-    <p:sldId id="283" r:id="rId20"/>
-    <p:sldId id="269" r:id="rId21"/>
-    <p:sldId id="265" r:id="rId22"/>
-    <p:sldId id="263" r:id="rId23"/>
-    <p:sldId id="272" r:id="rId24"/>
-    <p:sldId id="277" r:id="rId25"/>
-    <p:sldId id="279" r:id="rId26"/>
-    <p:sldId id="281" r:id="rId27"/>
+    <p:sldId id="284" r:id="rId6"/>
+    <p:sldId id="259" r:id="rId7"/>
+    <p:sldId id="260" r:id="rId8"/>
+    <p:sldId id="261" r:id="rId9"/>
+    <p:sldId id="271" r:id="rId10"/>
+    <p:sldId id="280" r:id="rId11"/>
+    <p:sldId id="266" r:id="rId12"/>
+    <p:sldId id="267" r:id="rId13"/>
+    <p:sldId id="278" r:id="rId14"/>
+    <p:sldId id="264" r:id="rId15"/>
+    <p:sldId id="273" r:id="rId16"/>
+    <p:sldId id="274" r:id="rId17"/>
+    <p:sldId id="275" r:id="rId18"/>
+    <p:sldId id="269" r:id="rId19"/>
+    <p:sldId id="270" r:id="rId20"/>
+    <p:sldId id="282" r:id="rId21"/>
+    <p:sldId id="283" r:id="rId22"/>
+    <p:sldId id="265" r:id="rId23"/>
+    <p:sldId id="263" r:id="rId24"/>
+    <p:sldId id="272" r:id="rId25"/>
+    <p:sldId id="277" r:id="rId26"/>
+    <p:sldId id="279" r:id="rId27"/>
+    <p:sldId id="281" r:id="rId28"/>
   </p:sldIdLst>
   <p:sldSz cx="12192000" cy="6858000"/>
   <p:notesSz cx="6858000" cy="9144000"/>
@@ -132,12 +133,13 @@
   <p:extLst>
     <p:ext uri="{521415D9-36F7-43E2-AB2F-B90AF26B5E84}">
       <p14:sectionLst xmlns:p14="http://schemas.microsoft.com/office/powerpoint/2010/main">
-        <p14:section name="계획" id="{5B04BB27-78BB-4748-8DB3-07A68CE3045C}">
+        <p14:section name="개요" id="{5B04BB27-78BB-4748-8DB3-07A68CE3045C}">
           <p14:sldIdLst>
             <p14:sldId id="256"/>
             <p14:sldId id="262"/>
             <p14:sldId id="257"/>
             <p14:sldId id="276"/>
+            <p14:sldId id="284"/>
           </p14:sldIdLst>
         </p14:section>
         <p14:section name="Concept" id="{9F083F6D-D844-4D8F-8D71-578104ED846D}">
@@ -162,10 +164,10 @@
         </p14:section>
         <p14:section name="Enemy" id="{414702F9-16A2-41B4-A6CB-30779FC89842}">
           <p14:sldIdLst>
+            <p14:sldId id="269"/>
             <p14:sldId id="270"/>
             <p14:sldId id="282"/>
             <p14:sldId id="283"/>
-            <p14:sldId id="269"/>
           </p14:sldIdLst>
         </p14:section>
         <p14:section name="Character" id="{B3B2D8AA-4269-4FEC-8036-17B0982504DA}">
@@ -8206,35 +8208,17 @@
         </p:spPr>
         <p:txBody>
           <a:bodyPr>
-            <a:normAutofit fontScale="90000"/>
+            <a:normAutofit/>
           </a:bodyPr>
           <a:lstStyle/>
           <a:p>
             <a:r>
-              <a:rPr lang="ko-KR" altLang="en-US" sz="2000" dirty="0"/>
-              <a:t>스토리를 전반부 후반부로 나누어</a:t>
-            </a:r>
-            <a:br>
-              <a:rPr lang="en-US" altLang="ko-KR" sz="2000" dirty="0"/>
-            </a:br>
-            <a:r>
-              <a:rPr lang="ko-KR" altLang="en-US" sz="2000" dirty="0"/>
-              <a:t>전반부에서는 기억과 힘을 모두 잃어 버린 </a:t>
-            </a:r>
-            <a:r>
               <a:rPr lang="ko-KR" altLang="en-US" sz="2000" dirty="0" err="1"/>
               <a:t>닉스가</a:t>
             </a:r>
             <a:r>
               <a:rPr lang="ko-KR" altLang="en-US" sz="2000" dirty="0"/>
-              <a:t> 자신의 기억을 되찾기 위해 떠나는 모험</a:t>
-            </a:r>
-            <a:br>
-              <a:rPr lang="en-US" altLang="ko-KR" sz="2000" dirty="0"/>
-            </a:br>
-            <a:r>
-              <a:rPr lang="ko-KR" altLang="en-US" sz="2000" dirty="0"/>
-              <a:t>후반부에서는 자신의 힘을 되찾은 </a:t>
+              <a:t> 힘을 잃어버려 </a:t>
             </a:r>
             <a:r>
               <a:rPr lang="ko-KR" altLang="en-US" sz="2000" dirty="0" err="1"/>
@@ -8242,7 +8226,11 @@
             </a:r>
             <a:r>
               <a:rPr lang="ko-KR" altLang="en-US" sz="2000" dirty="0"/>
-              <a:t> 힘을 잃어 버리게 한 원흉에게 복수를 위해 떠나는 모험</a:t>
+              <a:t> 가지고 있던 어둠이 세상에 내려 앉았다</a:t>
+            </a:r>
+            <a:r>
+              <a:rPr lang="en-US" altLang="ko-KR" sz="2000" dirty="0"/>
+              <a:t>.</a:t>
             </a:r>
             <a:br>
               <a:rPr lang="en-US" altLang="ko-KR" sz="2000" dirty="0"/>
@@ -8250,89 +8238,12 @@
             <a:br>
               <a:rPr lang="en-US" altLang="ko-KR" sz="2000" dirty="0"/>
             </a:br>
-            <a:r>
-              <a:rPr lang="ko-KR" altLang="en-US" sz="2000" dirty="0" err="1"/>
-              <a:t>닉스가</a:t>
-            </a:r>
-            <a:r>
-              <a:rPr lang="ko-KR" altLang="en-US" sz="2000" dirty="0"/>
-              <a:t> 힘을 잃어 버리면서 세상에는 어둠이 깔리게 되었고 </a:t>
-            </a:r>
-            <a:br>
-              <a:rPr lang="en-US" altLang="ko-KR" sz="2000" dirty="0"/>
-            </a:br>
-            <a:r>
-              <a:rPr lang="ko-KR" altLang="en-US" sz="2000" dirty="0" err="1"/>
-              <a:t>닉스가</a:t>
-            </a:r>
-            <a:r>
-              <a:rPr lang="ko-KR" altLang="en-US" sz="2000" dirty="0"/>
-              <a:t> 어둠을 회수 할 때마다 세상은 밝아지게 된다</a:t>
-            </a:r>
-            <a:r>
-              <a:rPr lang="en-US" altLang="ko-KR" sz="2000" dirty="0"/>
-              <a:t>.</a:t>
-            </a:r>
-            <a:br>
-              <a:rPr lang="en-US" altLang="ko-KR" sz="2000" dirty="0"/>
-            </a:br>
-            <a:r>
-              <a:rPr lang="ko-KR" altLang="en-US" sz="2000" dirty="0"/>
-              <a:t>하지만 힘을 되찾을수록 자신의 주변에 있는 인물들은 불행해지게 되어</a:t>
-            </a:r>
-            <a:r>
-              <a:rPr lang="en-US" altLang="ko-KR" sz="2000" dirty="0"/>
-              <a:t>(</a:t>
-            </a:r>
-            <a:r>
-              <a:rPr lang="ko-KR" altLang="en-US" sz="2000" dirty="0"/>
-              <a:t>근처만 가도 불행하듯이</a:t>
-            </a:r>
-            <a:r>
-              <a:rPr lang="en-US" altLang="ko-KR" sz="2000" dirty="0"/>
-              <a:t>?)</a:t>
-            </a:r>
-            <a:r>
-              <a:rPr lang="ko-KR" altLang="en-US" sz="2000" dirty="0"/>
-              <a:t> </a:t>
-            </a:r>
-            <a:br>
-              <a:rPr lang="en-US" altLang="ko-KR" sz="2000" dirty="0"/>
-            </a:br>
-            <a:r>
-              <a:rPr lang="en-US" altLang="ko-KR" sz="2000" dirty="0"/>
-              <a:t>(NYX</a:t>
-            </a:r>
-            <a:r>
-              <a:rPr lang="ko-KR" altLang="en-US" sz="2000" dirty="0"/>
-              <a:t>의 이명인 죽음의 어머니</a:t>
-            </a:r>
-            <a:r>
-              <a:rPr lang="en-US" altLang="ko-KR" sz="2000" dirty="0"/>
-              <a:t>) </a:t>
-            </a:r>
             <a:br>
               <a:rPr lang="en-US" altLang="ko-KR" sz="2000" dirty="0"/>
             </a:br>
             <a:br>
               <a:rPr lang="en-US" altLang="ko-KR" sz="2000" dirty="0"/>
             </a:br>
-            <a:r>
-              <a:rPr lang="ko-KR" altLang="en-US" sz="2000" dirty="0"/>
-              <a:t>힘을 되찾게 될 수록 갈등하는 걸 그리고 </a:t>
-            </a:r>
-            <a:r>
-              <a:rPr lang="ko-KR" altLang="en-US" sz="2000" dirty="0" err="1"/>
-              <a:t>싶슴다</a:t>
-            </a:r>
-            <a:r>
-              <a:rPr lang="en-US" altLang="ko-KR" sz="2000" dirty="0"/>
-              <a:t>.. </a:t>
-            </a:r>
-            <a:r>
-              <a:rPr lang="ko-KR" altLang="en-US" sz="2000" dirty="0" err="1"/>
-              <a:t>생각중</a:t>
-            </a:r>
             <a:br>
               <a:rPr lang="en-US" altLang="ko-KR" sz="2000" dirty="0"/>
             </a:br>
@@ -8351,27 +8262,7 @@
             <a:br>
               <a:rPr lang="en-US" altLang="ko-KR" sz="2000" dirty="0"/>
             </a:br>
-            <a:br>
-              <a:rPr lang="en-US" altLang="ko-KR" sz="2000" dirty="0"/>
-            </a:br>
-            <a:br>
-              <a:rPr lang="en-US" altLang="ko-KR" sz="2000" dirty="0"/>
-            </a:br>
-            <a:br>
-              <a:rPr lang="en-US" altLang="ko-KR" sz="2000" dirty="0"/>
-            </a:br>
-            <a:r>
-              <a:rPr lang="ko-KR" altLang="en-US" sz="2000" dirty="0"/>
-              <a:t>게임의 엔딩은 진 보스를 잡고 힘을 되찾아 떠나거나 마을에 남거나 선택하는 엔딩 </a:t>
-            </a:r>
-            <a:r>
-              <a:rPr lang="en-US" altLang="ko-KR" sz="2000" dirty="0"/>
-              <a:t>2</a:t>
-            </a:r>
-            <a:r>
-              <a:rPr lang="ko-KR" altLang="en-US" sz="2000" dirty="0"/>
-              <a:t>가지 존재</a:t>
-            </a:r>
+            <a:endParaRPr lang="ko-KR" altLang="en-US" sz="2000" dirty="0"/>
           </a:p>
         </p:txBody>
       </p:sp>
@@ -8424,7 +8315,7 @@
           <a:p>
             <a:r>
               <a:rPr lang="ko-KR" altLang="en-US" sz="5000" dirty="0"/>
-              <a:t>스토리</a:t>
+              <a:t>세계관</a:t>
             </a:r>
           </a:p>
         </p:txBody>
@@ -8464,7 +8355,7 @@
     </p:spTree>
     <p:extLst>
       <p:ext uri="{BB962C8B-B14F-4D97-AF65-F5344CB8AC3E}">
-        <p14:creationId xmlns:p14="http://schemas.microsoft.com/office/powerpoint/2010/main" val="2570007976"/>
+        <p14:creationId xmlns:p14="http://schemas.microsoft.com/office/powerpoint/2010/main" val="2120633588"/>
       </p:ext>
     </p:extLst>
   </p:cSld>
@@ -8510,70 +8401,48 @@
         <p:spPr>
           <a:xfrm>
             <a:off x="1226871" y="1710266"/>
-            <a:ext cx="10483324" cy="4888942"/>
+            <a:ext cx="10483324" cy="4858367"/>
           </a:xfrm>
         </p:spPr>
         <p:txBody>
           <a:bodyPr>
-            <a:normAutofit/>
+            <a:normAutofit fontScale="90000"/>
           </a:bodyPr>
           <a:lstStyle/>
           <a:p>
             <a:r>
               <a:rPr lang="ko-KR" altLang="en-US" sz="2000" dirty="0"/>
-              <a:t>크게 </a:t>
-            </a:r>
-            <a:r>
-              <a:rPr lang="en-US" altLang="ko-KR" sz="2000" dirty="0"/>
-              <a:t>3</a:t>
-            </a:r>
+              <a:t>스토리를 전반부 후반부로 나누어</a:t>
+            </a:r>
+            <a:br>
+              <a:rPr lang="en-US" altLang="ko-KR" sz="2000" dirty="0"/>
+            </a:br>
             <a:r>
               <a:rPr lang="ko-KR" altLang="en-US" sz="2000" dirty="0"/>
-              <a:t>가지 형태 </a:t>
-            </a:r>
-            <a:r>
-              <a:rPr lang="en-US" altLang="ko-KR" sz="2000" dirty="0"/>
-              <a:t>1. </a:t>
+              <a:t>전반부에서는 기억과 힘을 모두 잃어 버린 </a:t>
+            </a:r>
+            <a:r>
+              <a:rPr lang="ko-KR" altLang="en-US" sz="2000" dirty="0" err="1"/>
+              <a:t>닉스가</a:t>
             </a:r>
             <a:r>
               <a:rPr lang="ko-KR" altLang="en-US" sz="2000" dirty="0"/>
-              <a:t>마을 </a:t>
-            </a:r>
-            <a:r>
-              <a:rPr lang="en-US" altLang="ko-KR" sz="2000" dirty="0"/>
-              <a:t>2. </a:t>
-            </a:r>
+              <a:t> 자신의 기억을 되찾기 위해 떠나는 모험</a:t>
+            </a:r>
+            <a:br>
+              <a:rPr lang="en-US" altLang="ko-KR" sz="2000" dirty="0"/>
+            </a:br>
             <a:r>
               <a:rPr lang="ko-KR" altLang="en-US" sz="2000" dirty="0"/>
-              <a:t>스토리 라인 맵</a:t>
-            </a:r>
-            <a:r>
-              <a:rPr lang="en-US" altLang="ko-KR" sz="2000" dirty="0"/>
-              <a:t>(</a:t>
+              <a:t>후반부에서는 자신의 힘을 되찾은 </a:t>
+            </a:r>
+            <a:r>
+              <a:rPr lang="ko-KR" altLang="en-US" sz="2000" dirty="0" err="1"/>
+              <a:t>닉스가</a:t>
             </a:r>
             <a:r>
               <a:rPr lang="ko-KR" altLang="en-US" sz="2000" dirty="0"/>
-              <a:t>고정형</a:t>
-            </a:r>
-            <a:r>
-              <a:rPr lang="en-US" altLang="ko-KR" sz="2000" dirty="0"/>
-              <a:t>) 3. </a:t>
-            </a:r>
-            <a:r>
-              <a:rPr lang="ko-KR" altLang="en-US" sz="2000" dirty="0"/>
-              <a:t>던전</a:t>
-            </a:r>
-            <a:r>
-              <a:rPr lang="en-US" altLang="ko-KR" sz="2000" dirty="0"/>
-              <a:t>(</a:t>
-            </a:r>
-            <a:r>
-              <a:rPr lang="ko-KR" altLang="en-US" sz="2000" dirty="0"/>
-              <a:t>맵 자동 생성</a:t>
-            </a:r>
-            <a:r>
-              <a:rPr lang="en-US" altLang="ko-KR" sz="2000" dirty="0"/>
-              <a:t>)</a:t>
+              <a:t> 힘을 잃어 버리게 한 원흉에게 복수를 위해 떠나는 모험</a:t>
             </a:r>
             <a:br>
               <a:rPr lang="en-US" altLang="ko-KR" sz="2000" dirty="0"/>
@@ -8582,16 +8451,65 @@
               <a:rPr lang="en-US" altLang="ko-KR" sz="2000" dirty="0"/>
             </a:br>
             <a:r>
+              <a:rPr lang="ko-KR" altLang="en-US" sz="2000" dirty="0" err="1"/>
+              <a:t>닉스가</a:t>
+            </a:r>
+            <a:r>
               <a:rPr lang="ko-KR" altLang="en-US" sz="2000" dirty="0"/>
-              <a:t>게임 장르인 </a:t>
-            </a:r>
+              <a:t> 힘을 잃어 버리면서 세상에는 어둠이 깔리게 되었고 </a:t>
+            </a:r>
+            <a:br>
+              <a:rPr lang="en-US" altLang="ko-KR" sz="2000" dirty="0"/>
+            </a:br>
             <a:r>
               <a:rPr lang="ko-KR" altLang="en-US" sz="2000" dirty="0" err="1"/>
-              <a:t>메트로베니아</a:t>
+              <a:t>닉스가</a:t>
             </a:r>
             <a:r>
               <a:rPr lang="ko-KR" altLang="en-US" sz="2000" dirty="0"/>
-              <a:t> 답게 탐험 요소를 제작</a:t>
+              <a:t> 어둠을 회수 할 때마다 세상은 밝아지게 된다</a:t>
+            </a:r>
+            <a:r>
+              <a:rPr lang="en-US" altLang="ko-KR" sz="2000" dirty="0"/>
+              <a:t>.</a:t>
+            </a:r>
+            <a:br>
+              <a:rPr lang="en-US" altLang="ko-KR" sz="2000" dirty="0"/>
+            </a:br>
+            <a:r>
+              <a:rPr lang="ko-KR" altLang="en-US" sz="2000" dirty="0"/>
+              <a:t>하지만 힘을 되찾을수록 자신의 주변에 있는 인물들은 불행해지게 되어</a:t>
+            </a:r>
+            <a:r>
+              <a:rPr lang="en-US" altLang="ko-KR" sz="2000" dirty="0"/>
+              <a:t>(</a:t>
+            </a:r>
+            <a:r>
+              <a:rPr lang="ko-KR" altLang="en-US" sz="2000" dirty="0"/>
+              <a:t>근처만 가도 불행하듯이</a:t>
+            </a:r>
+            <a:r>
+              <a:rPr lang="en-US" altLang="ko-KR" sz="2000" dirty="0"/>
+              <a:t>?)</a:t>
+            </a:r>
+            <a:r>
+              <a:rPr lang="ko-KR" altLang="en-US" sz="2000" dirty="0"/>
+              <a:t> </a:t>
+            </a:r>
+            <a:br>
+              <a:rPr lang="en-US" altLang="ko-KR" sz="2000" dirty="0"/>
+            </a:br>
+            <a:r>
+              <a:rPr lang="en-US" altLang="ko-KR" sz="2000" dirty="0"/>
+              <a:t>(NYX</a:t>
+            </a:r>
+            <a:r>
+              <a:rPr lang="ko-KR" altLang="en-US" sz="2000" dirty="0"/>
+              <a:t>의 이명인 죽음의 어머니</a:t>
+            </a:r>
+            <a:r>
+              <a:rPr lang="en-US" altLang="ko-KR" sz="2000" dirty="0"/>
+              <a:t>) </a:t>
             </a:r>
             <a:br>
               <a:rPr lang="en-US" altLang="ko-KR" sz="2000" dirty="0"/>
@@ -8600,32 +8518,20 @@
               <a:rPr lang="en-US" altLang="ko-KR" sz="2000" dirty="0"/>
             </a:br>
             <a:r>
+              <a:rPr lang="ko-KR" altLang="en-US" sz="2000" dirty="0"/>
+              <a:t>힘을 되찾게 될 수록 갈등하는 걸 그리고 </a:t>
+            </a:r>
+            <a:r>
               <a:rPr lang="ko-KR" altLang="en-US" sz="2000" dirty="0" err="1"/>
-              <a:t>심리스</a:t>
-            </a:r>
-            <a:r>
-              <a:rPr lang="ko-KR" altLang="en-US" sz="2000" dirty="0"/>
-              <a:t> 오픈월드를 지향 </a:t>
-            </a:r>
-            <a:r>
-              <a:rPr lang="en-US" altLang="ko-KR" sz="2000" dirty="0"/>
-              <a:t>(</a:t>
-            </a:r>
-            <a:r>
-              <a:rPr lang="ko-KR" altLang="en-US" sz="2000" dirty="0"/>
-              <a:t>한 </a:t>
+              <a:t>싶슴다</a:t>
+            </a:r>
+            <a:r>
+              <a:rPr lang="en-US" altLang="ko-KR" sz="2000" dirty="0"/>
+              <a:t>.. </a:t>
             </a:r>
             <a:r>
               <a:rPr lang="ko-KR" altLang="en-US" sz="2000" dirty="0" err="1"/>
-              <a:t>씬에서</a:t>
-            </a:r>
-            <a:r>
-              <a:rPr lang="ko-KR" altLang="en-US" sz="2000" dirty="0"/>
-              <a:t> 작업</a:t>
-            </a:r>
-            <a:r>
-              <a:rPr lang="en-US" altLang="ko-KR" sz="2000" dirty="0"/>
-              <a:t>)</a:t>
+              <a:t>생각중</a:t>
             </a:r>
             <a:br>
               <a:rPr lang="en-US" altLang="ko-KR" sz="2000" dirty="0"/>
@@ -8633,17 +8539,39 @@
             <a:br>
               <a:rPr lang="en-US" altLang="ko-KR" sz="2000" dirty="0"/>
             </a:br>
-            <a:r>
-              <a:rPr lang="ko-KR" altLang="en-US" sz="2000" dirty="0"/>
-              <a:t>섹터별로 분위기를 다르게 준다</a:t>
-            </a:r>
             <a:br>
               <a:rPr lang="en-US" altLang="ko-KR" sz="2000" dirty="0"/>
             </a:br>
             <a:br>
               <a:rPr lang="en-US" altLang="ko-KR" sz="2000" dirty="0"/>
             </a:br>
-            <a:endParaRPr lang="ko-KR" altLang="en-US" sz="2000" dirty="0"/>
+            <a:br>
+              <a:rPr lang="en-US" altLang="ko-KR" sz="2000" dirty="0"/>
+            </a:br>
+            <a:br>
+              <a:rPr lang="en-US" altLang="ko-KR" sz="2000" dirty="0"/>
+            </a:br>
+            <a:br>
+              <a:rPr lang="en-US" altLang="ko-KR" sz="2000" dirty="0"/>
+            </a:br>
+            <a:br>
+              <a:rPr lang="en-US" altLang="ko-KR" sz="2000" dirty="0"/>
+            </a:br>
+            <a:br>
+              <a:rPr lang="en-US" altLang="ko-KR" sz="2000" dirty="0"/>
+            </a:br>
+            <a:r>
+              <a:rPr lang="ko-KR" altLang="en-US" sz="2000" dirty="0"/>
+              <a:t>게임의 엔딩은 진 보스를 잡고 힘을 되찾아 떠나거나 마을에 남거나 선택하는 엔딩 </a:t>
+            </a:r>
+            <a:r>
+              <a:rPr lang="en-US" altLang="ko-KR" sz="2000" dirty="0"/>
+              <a:t>2</a:t>
+            </a:r>
+            <a:r>
+              <a:rPr lang="ko-KR" altLang="en-US" sz="2000" dirty="0"/>
+              <a:t>가지 존재</a:t>
+            </a:r>
           </a:p>
         </p:txBody>
       </p:sp>
@@ -8663,7 +8591,7 @@
         </p:nvSpPr>
         <p:spPr>
           <a:xfrm>
-            <a:off x="981338" y="528638"/>
+            <a:off x="1165533" y="752305"/>
             <a:ext cx="8712995" cy="859366"/>
           </a:xfrm>
           <a:prstGeom prst="rect">
@@ -8696,6 +8624,278 @@
           <a:p>
             <a:r>
               <a:rPr lang="ko-KR" altLang="en-US" sz="5000" dirty="0"/>
+              <a:t>스토리</a:t>
+            </a:r>
+          </a:p>
+        </p:txBody>
+      </p:sp>
+      <p:sp>
+        <p:nvSpPr>
+          <p:cNvPr id="3" name="TextBox 2">
+            <a:extLst>
+              <a:ext uri="{FF2B5EF4-FFF2-40B4-BE49-F238E27FC236}">
+                <a16:creationId xmlns:a16="http://schemas.microsoft.com/office/drawing/2014/main" id="{6627D5FA-7165-9CE5-0975-2A69C2C0F0CB}"/>
+              </a:ext>
+            </a:extLst>
+          </p:cNvPr>
+          <p:cNvSpPr txBox="1"/>
+          <p:nvPr/>
+        </p:nvSpPr>
+        <p:spPr>
+          <a:xfrm>
+            <a:off x="3267307" y="997322"/>
+            <a:ext cx="5146288" cy="369332"/>
+          </a:xfrm>
+          <a:prstGeom prst="rect">
+            <a:avLst/>
+          </a:prstGeom>
+          <a:noFill/>
+        </p:spPr>
+        <p:txBody>
+          <a:bodyPr wrap="square" rtlCol="0">
+            <a:spAutoFit/>
+          </a:bodyPr>
+          <a:lstStyle/>
+          <a:p>
+            <a:endParaRPr lang="ko-KR" altLang="en-US" dirty="0"/>
+          </a:p>
+        </p:txBody>
+      </p:sp>
+    </p:spTree>
+    <p:extLst>
+      <p:ext uri="{BB962C8B-B14F-4D97-AF65-F5344CB8AC3E}">
+        <p14:creationId xmlns:p14="http://schemas.microsoft.com/office/powerpoint/2010/main" val="2570007976"/>
+      </p:ext>
+    </p:extLst>
+  </p:cSld>
+  <p:clrMapOvr>
+    <a:masterClrMapping/>
+  </p:clrMapOvr>
+</p:sld>
+</file>
+
+<file path=ppt/slides/slide12.xml><?xml version="1.0" encoding="utf-8"?>
+<p:sld xmlns:a="http://schemas.openxmlformats.org/drawingml/2006/main" xmlns:r="http://schemas.openxmlformats.org/officeDocument/2006/relationships" xmlns:p="http://schemas.openxmlformats.org/presentationml/2006/main">
+  <p:cSld>
+    <p:spTree>
+      <p:nvGrpSpPr>
+        <p:cNvPr id="1" name=""/>
+        <p:cNvGrpSpPr/>
+        <p:nvPr/>
+      </p:nvGrpSpPr>
+      <p:grpSpPr>
+        <a:xfrm>
+          <a:off x="0" y="0"/>
+          <a:ext cx="0" cy="0"/>
+          <a:chOff x="0" y="0"/>
+          <a:chExt cx="0" cy="0"/>
+        </a:xfrm>
+      </p:grpSpPr>
+      <p:sp>
+        <p:nvSpPr>
+          <p:cNvPr id="2" name="제목 1">
+            <a:extLst>
+              <a:ext uri="{FF2B5EF4-FFF2-40B4-BE49-F238E27FC236}">
+                <a16:creationId xmlns:a16="http://schemas.microsoft.com/office/drawing/2014/main" id="{7B2E3A79-41DF-C0FE-CFAA-BCB5A42209EE}"/>
+              </a:ext>
+            </a:extLst>
+          </p:cNvPr>
+          <p:cNvSpPr>
+            <a:spLocks noGrp="1"/>
+          </p:cNvSpPr>
+          <p:nvPr>
+            <p:ph type="title"/>
+          </p:nvPr>
+        </p:nvSpPr>
+        <p:spPr>
+          <a:xfrm>
+            <a:off x="1226871" y="1710266"/>
+            <a:ext cx="10483324" cy="4888942"/>
+          </a:xfrm>
+        </p:spPr>
+        <p:txBody>
+          <a:bodyPr>
+            <a:normAutofit/>
+          </a:bodyPr>
+          <a:lstStyle/>
+          <a:p>
+            <a:r>
+              <a:rPr lang="ko-KR" altLang="en-US" sz="2000" dirty="0"/>
+              <a:t>크게 </a:t>
+            </a:r>
+            <a:r>
+              <a:rPr lang="en-US" altLang="ko-KR" sz="2000" dirty="0"/>
+              <a:t>3</a:t>
+            </a:r>
+            <a:r>
+              <a:rPr lang="ko-KR" altLang="en-US" sz="2000" dirty="0"/>
+              <a:t>가지 형태 </a:t>
+            </a:r>
+            <a:r>
+              <a:rPr lang="en-US" altLang="ko-KR" sz="2000" dirty="0"/>
+              <a:t>1. </a:t>
+            </a:r>
+            <a:r>
+              <a:rPr lang="ko-KR" altLang="en-US" sz="2000" dirty="0"/>
+              <a:t>마을 </a:t>
+            </a:r>
+            <a:r>
+              <a:rPr lang="en-US" altLang="ko-KR" sz="2000" dirty="0"/>
+              <a:t>2. </a:t>
+            </a:r>
+            <a:r>
+              <a:rPr lang="ko-KR" altLang="en-US" sz="2000" dirty="0"/>
+              <a:t>스토리 라인 맵</a:t>
+            </a:r>
+            <a:r>
+              <a:rPr lang="en-US" altLang="ko-KR" sz="2000" dirty="0"/>
+              <a:t>(</a:t>
+            </a:r>
+            <a:r>
+              <a:rPr lang="ko-KR" altLang="en-US" sz="2000" dirty="0"/>
+              <a:t>고정형</a:t>
+            </a:r>
+            <a:r>
+              <a:rPr lang="en-US" altLang="ko-KR" sz="2000" dirty="0"/>
+              <a:t>) 3. </a:t>
+            </a:r>
+            <a:r>
+              <a:rPr lang="ko-KR" altLang="en-US" sz="2000" dirty="0"/>
+              <a:t>던전</a:t>
+            </a:r>
+            <a:r>
+              <a:rPr lang="en-US" altLang="ko-KR" sz="2000" dirty="0"/>
+              <a:t>(</a:t>
+            </a:r>
+            <a:r>
+              <a:rPr lang="ko-KR" altLang="en-US" sz="2000" dirty="0"/>
+              <a:t>맵 자동 생성</a:t>
+            </a:r>
+            <a:r>
+              <a:rPr lang="en-US" altLang="ko-KR" sz="2000" dirty="0"/>
+              <a:t>)</a:t>
+            </a:r>
+            <a:br>
+              <a:rPr lang="en-US" altLang="ko-KR" sz="2000" dirty="0"/>
+            </a:br>
+            <a:br>
+              <a:rPr lang="en-US" altLang="ko-KR" sz="2000" dirty="0"/>
+            </a:br>
+            <a:r>
+              <a:rPr lang="ko-KR" altLang="en-US" sz="2000" dirty="0"/>
+              <a:t>게임 장르인 </a:t>
+            </a:r>
+            <a:r>
+              <a:rPr lang="ko-KR" altLang="en-US" sz="2000" dirty="0" err="1"/>
+              <a:t>메트로베니아</a:t>
+            </a:r>
+            <a:r>
+              <a:rPr lang="ko-KR" altLang="en-US" sz="2000" dirty="0"/>
+              <a:t> 답게 탐험 요소를 제작</a:t>
+            </a:r>
+            <a:br>
+              <a:rPr lang="en-US" altLang="ko-KR" sz="2000" dirty="0"/>
+            </a:br>
+            <a:br>
+              <a:rPr lang="en-US" altLang="ko-KR" sz="2000" dirty="0"/>
+            </a:br>
+            <a:r>
+              <a:rPr lang="ko-KR" altLang="en-US" sz="2000" dirty="0" err="1"/>
+              <a:t>심리스</a:t>
+            </a:r>
+            <a:r>
+              <a:rPr lang="ko-KR" altLang="en-US" sz="2000" dirty="0"/>
+              <a:t> 오픈월드를 지향 </a:t>
+            </a:r>
+            <a:r>
+              <a:rPr lang="en-US" altLang="ko-KR" sz="2000" dirty="0"/>
+              <a:t>(</a:t>
+            </a:r>
+            <a:r>
+              <a:rPr lang="ko-KR" altLang="en-US" sz="2000" dirty="0"/>
+              <a:t>한 </a:t>
+            </a:r>
+            <a:r>
+              <a:rPr lang="ko-KR" altLang="en-US" sz="2000" dirty="0" err="1"/>
+              <a:t>씬에서</a:t>
+            </a:r>
+            <a:r>
+              <a:rPr lang="ko-KR" altLang="en-US" sz="2000" dirty="0"/>
+              <a:t> 작업</a:t>
+            </a:r>
+            <a:r>
+              <a:rPr lang="en-US" altLang="ko-KR" sz="2000" dirty="0"/>
+              <a:t>)</a:t>
+            </a:r>
+            <a:br>
+              <a:rPr lang="en-US" altLang="ko-KR" sz="2000" dirty="0"/>
+            </a:br>
+            <a:br>
+              <a:rPr lang="en-US" altLang="ko-KR" sz="2000" dirty="0"/>
+            </a:br>
+            <a:r>
+              <a:rPr lang="ko-KR" altLang="en-US" sz="2000" dirty="0"/>
+              <a:t>섹터별로 분위기를 다르게 준다</a:t>
+            </a:r>
+            <a:br>
+              <a:rPr lang="en-US" altLang="ko-KR" sz="2000" dirty="0"/>
+            </a:br>
+            <a:br>
+              <a:rPr lang="en-US" altLang="ko-KR" sz="2000" dirty="0"/>
+            </a:br>
+            <a:endParaRPr lang="ko-KR" altLang="en-US" sz="2000" dirty="0"/>
+          </a:p>
+        </p:txBody>
+      </p:sp>
+      <p:sp>
+        <p:nvSpPr>
+          <p:cNvPr id="4" name="제목 1">
+            <a:extLst>
+              <a:ext uri="{FF2B5EF4-FFF2-40B4-BE49-F238E27FC236}">
+                <a16:creationId xmlns:a16="http://schemas.microsoft.com/office/drawing/2014/main" id="{8E2E0E5E-C494-5952-9A4E-98B51E4DFDCD}"/>
+              </a:ext>
+            </a:extLst>
+          </p:cNvPr>
+          <p:cNvSpPr txBox="1">
+            <a:spLocks/>
+          </p:cNvSpPr>
+          <p:nvPr/>
+        </p:nvSpPr>
+        <p:spPr>
+          <a:xfrm>
+            <a:off x="981338" y="528638"/>
+            <a:ext cx="8712995" cy="859366"/>
+          </a:xfrm>
+          <a:prstGeom prst="rect">
+            <a:avLst/>
+          </a:prstGeom>
+        </p:spPr>
+        <p:txBody>
+          <a:bodyPr vert="horz" wrap="square" lIns="0" tIns="0" rIns="0" bIns="0" rtlCol="0" anchor="t" anchorCtr="0">
+            <a:noAutofit/>
+          </a:bodyPr>
+          <a:lstStyle>
+            <a:lvl1pPr algn="l" defTabSz="914400" rtl="0" eaLnBrk="1" latinLnBrk="0" hangingPunct="1">
+              <a:lnSpc>
+                <a:spcPct val="110000"/>
+              </a:lnSpc>
+              <a:spcBef>
+                <a:spcPct val="0"/>
+              </a:spcBef>
+              <a:buNone/>
+              <a:defRPr lang="en-US" sz="4800" kern="1200" spc="160" dirty="0">
+                <a:solidFill>
+                  <a:schemeClr val="tx1"/>
+                </a:solidFill>
+                <a:latin typeface="+mj-lt"/>
+                <a:ea typeface="+mj-ea"/>
+                <a:cs typeface="+mj-cs"/>
+              </a:defRPr>
+            </a:lvl1pPr>
+          </a:lstStyle>
+          <a:p>
+            <a:r>
+              <a:rPr lang="ko-KR" altLang="en-US" sz="5000" dirty="0"/>
               <a:t>맵</a:t>
             </a:r>
           </a:p>
@@ -8714,7 +8914,7 @@
 </p:sld>
 </file>
 
-<file path=ppt/slides/slide12.xml><?xml version="1.0" encoding="utf-8"?>
+<file path=ppt/slides/slide13.xml><?xml version="1.0" encoding="utf-8"?>
 <p:sld xmlns:a="http://schemas.openxmlformats.org/drawingml/2006/main" xmlns:r="http://schemas.openxmlformats.org/officeDocument/2006/relationships" xmlns:p="http://schemas.openxmlformats.org/presentationml/2006/main">
   <p:cSld>
     <p:spTree>
@@ -9021,7 +9221,7 @@
 </p:sld>
 </file>
 
-<file path=ppt/slides/slide13.xml><?xml version="1.0" encoding="utf-8"?>
+<file path=ppt/slides/slide14.xml><?xml version="1.0" encoding="utf-8"?>
 <p:sld xmlns:a="http://schemas.openxmlformats.org/drawingml/2006/main" xmlns:r="http://schemas.openxmlformats.org/officeDocument/2006/relationships" xmlns:p="http://schemas.openxmlformats.org/presentationml/2006/main">
   <p:cSld>
     <p:spTree>
@@ -9220,173 +9420,6 @@
     <p:extLst>
       <p:ext uri="{BB962C8B-B14F-4D97-AF65-F5344CB8AC3E}">
         <p14:creationId xmlns:p14="http://schemas.microsoft.com/office/powerpoint/2010/main" val="2309160706"/>
-      </p:ext>
-    </p:extLst>
-  </p:cSld>
-  <p:clrMapOvr>
-    <a:masterClrMapping/>
-  </p:clrMapOvr>
-</p:sld>
-</file>
-
-<file path=ppt/slides/slide14.xml><?xml version="1.0" encoding="utf-8"?>
-<p:sld xmlns:a="http://schemas.openxmlformats.org/drawingml/2006/main" xmlns:r="http://schemas.openxmlformats.org/officeDocument/2006/relationships" xmlns:p="http://schemas.openxmlformats.org/presentationml/2006/main">
-  <p:cSld>
-    <p:spTree>
-      <p:nvGrpSpPr>
-        <p:cNvPr id="1" name=""/>
-        <p:cNvGrpSpPr/>
-        <p:nvPr/>
-      </p:nvGrpSpPr>
-      <p:grpSpPr>
-        <a:xfrm>
-          <a:off x="0" y="0"/>
-          <a:ext cx="0" cy="0"/>
-          <a:chOff x="0" y="0"/>
-          <a:chExt cx="0" cy="0"/>
-        </a:xfrm>
-      </p:grpSpPr>
-      <p:sp>
-        <p:nvSpPr>
-          <p:cNvPr id="2" name="제목 1">
-            <a:extLst>
-              <a:ext uri="{FF2B5EF4-FFF2-40B4-BE49-F238E27FC236}">
-                <a16:creationId xmlns:a16="http://schemas.microsoft.com/office/drawing/2014/main" id="{7B2E3A79-41DF-C0FE-CFAA-BCB5A42209EE}"/>
-              </a:ext>
-            </a:extLst>
-          </p:cNvPr>
-          <p:cNvSpPr>
-            <a:spLocks noGrp="1"/>
-          </p:cNvSpPr>
-          <p:nvPr>
-            <p:ph type="title"/>
-          </p:nvPr>
-        </p:nvSpPr>
-        <p:spPr>
-          <a:xfrm>
-            <a:off x="1250020" y="1698691"/>
-            <a:ext cx="10483324" cy="3124201"/>
-          </a:xfrm>
-        </p:spPr>
-        <p:txBody>
-          <a:bodyPr>
-            <a:normAutofit/>
-          </a:bodyPr>
-          <a:lstStyle/>
-          <a:p>
-            <a:r>
-              <a:rPr lang="ko-KR" altLang="en-US" sz="2000" dirty="0"/>
-              <a:t>최대한 유저의 화면을 가리는 게 적은 </a:t>
-            </a:r>
-            <a:r>
-              <a:rPr lang="en-US" altLang="ko-KR" sz="2000" dirty="0"/>
-              <a:t>UI</a:t>
-            </a:r>
-            <a:r>
-              <a:rPr lang="ko-KR" altLang="en-US" sz="2000" dirty="0"/>
-              <a:t>로 가시성 향상 </a:t>
-            </a:r>
-            <a:r>
-              <a:rPr lang="en-US" altLang="ko-KR" sz="2000" dirty="0"/>
-              <a:t>(status</a:t>
-            </a:r>
-            <a:r>
-              <a:rPr lang="ko-KR" altLang="en-US" sz="2000" dirty="0"/>
-              <a:t>정도만 노출</a:t>
-            </a:r>
-            <a:r>
-              <a:rPr lang="en-US" altLang="ko-KR" sz="2000" dirty="0"/>
-              <a:t>)</a:t>
-            </a:r>
-            <a:br>
-              <a:rPr lang="en-US" altLang="ko-KR" sz="2000" dirty="0"/>
-            </a:br>
-            <a:br>
-              <a:rPr lang="en-US" altLang="ko-KR" sz="2000" dirty="0"/>
-            </a:br>
-            <a:r>
-              <a:rPr lang="ko-KR" altLang="en-US" sz="2000" dirty="0"/>
-              <a:t>상호작용 </a:t>
-            </a:r>
-            <a:r>
-              <a:rPr lang="en-US" altLang="ko-KR" sz="2000" dirty="0"/>
-              <a:t>UI</a:t>
-            </a:r>
-            <a:r>
-              <a:rPr lang="ko-KR" altLang="en-US" sz="2000" dirty="0"/>
-              <a:t>는 다 키입력을 받아 노출</a:t>
-            </a:r>
-            <a:br>
-              <a:rPr lang="en-US" altLang="ko-KR" sz="2000" dirty="0"/>
-            </a:br>
-            <a:br>
-              <a:rPr lang="en-US" altLang="ko-KR" sz="2000" dirty="0"/>
-            </a:br>
-            <a:br>
-              <a:rPr lang="en-US" altLang="ko-KR" sz="2000" dirty="0"/>
-            </a:br>
-            <a:endParaRPr lang="ko-KR" altLang="en-US" sz="2000" dirty="0"/>
-          </a:p>
-        </p:txBody>
-      </p:sp>
-      <p:sp>
-        <p:nvSpPr>
-          <p:cNvPr id="4" name="제목 1">
-            <a:extLst>
-              <a:ext uri="{FF2B5EF4-FFF2-40B4-BE49-F238E27FC236}">
-                <a16:creationId xmlns:a16="http://schemas.microsoft.com/office/drawing/2014/main" id="{8E2E0E5E-C494-5952-9A4E-98B51E4DFDCD}"/>
-              </a:ext>
-            </a:extLst>
-          </p:cNvPr>
-          <p:cNvSpPr txBox="1">
-            <a:spLocks/>
-          </p:cNvSpPr>
-          <p:nvPr/>
-        </p:nvSpPr>
-        <p:spPr>
-          <a:xfrm>
-            <a:off x="981338" y="528638"/>
-            <a:ext cx="8712995" cy="859366"/>
-          </a:xfrm>
-          <a:prstGeom prst="rect">
-            <a:avLst/>
-          </a:prstGeom>
-        </p:spPr>
-        <p:txBody>
-          <a:bodyPr vert="horz" wrap="square" lIns="0" tIns="0" rIns="0" bIns="0" rtlCol="0" anchor="t" anchorCtr="0">
-            <a:noAutofit/>
-          </a:bodyPr>
-          <a:lstStyle>
-            <a:lvl1pPr algn="l" defTabSz="914400" rtl="0" eaLnBrk="1" latinLnBrk="0" hangingPunct="1">
-              <a:lnSpc>
-                <a:spcPct val="110000"/>
-              </a:lnSpc>
-              <a:spcBef>
-                <a:spcPct val="0"/>
-              </a:spcBef>
-              <a:buNone/>
-              <a:defRPr lang="en-US" sz="4800" kern="1200" spc="160" dirty="0">
-                <a:solidFill>
-                  <a:schemeClr val="tx1"/>
-                </a:solidFill>
-                <a:latin typeface="+mj-lt"/>
-                <a:ea typeface="+mj-ea"/>
-                <a:cs typeface="+mj-cs"/>
-              </a:defRPr>
-            </a:lvl1pPr>
-          </a:lstStyle>
-          <a:p>
-            <a:r>
-              <a:rPr lang="ko-KR" altLang="en-US" sz="5000" dirty="0"/>
-              <a:t>게임 화면</a:t>
-            </a:r>
-          </a:p>
-        </p:txBody>
-      </p:sp>
-    </p:spTree>
-    <p:extLst>
-      <p:ext uri="{BB962C8B-B14F-4D97-AF65-F5344CB8AC3E}">
-        <p14:creationId xmlns:p14="http://schemas.microsoft.com/office/powerpoint/2010/main" val="3704034967"/>
       </p:ext>
     </p:extLst>
   </p:cSld>
@@ -9432,102 +9465,56 @@
         <p:spPr>
           <a:xfrm>
             <a:off x="1250020" y="1698691"/>
-            <a:ext cx="10483324" cy="2916441"/>
+            <a:ext cx="10483324" cy="3124201"/>
           </a:xfrm>
         </p:spPr>
         <p:txBody>
           <a:bodyPr>
-            <a:normAutofit fontScale="90000"/>
+            <a:normAutofit/>
           </a:bodyPr>
           <a:lstStyle/>
           <a:p>
+            <a:r>
+              <a:rPr lang="ko-KR" altLang="en-US" sz="2000" dirty="0"/>
+              <a:t>최대한 유저의 화면을 가리는 게 적은 </a:t>
+            </a:r>
+            <a:r>
+              <a:rPr lang="en-US" altLang="ko-KR" sz="2000" dirty="0"/>
+              <a:t>UI</a:t>
+            </a:r>
+            <a:r>
+              <a:rPr lang="ko-KR" altLang="en-US" sz="2000" dirty="0"/>
+              <a:t>로 가시성 향상 </a:t>
+            </a:r>
+            <a:r>
+              <a:rPr lang="en-US" altLang="ko-KR" sz="2000" dirty="0"/>
+              <a:t>(status</a:t>
+            </a:r>
+            <a:r>
+              <a:rPr lang="ko-KR" altLang="en-US" sz="2000" dirty="0"/>
+              <a:t>정도만 노출</a:t>
+            </a:r>
+            <a:r>
+              <a:rPr lang="en-US" altLang="ko-KR" sz="2000" dirty="0"/>
+              <a:t>)</a:t>
+            </a:r>
             <a:br>
               <a:rPr lang="en-US" altLang="ko-KR" sz="2000" dirty="0"/>
             </a:br>
             <a:br>
               <a:rPr lang="en-US" altLang="ko-KR" sz="2000" dirty="0"/>
             </a:br>
-            <a:br>
-              <a:rPr lang="en-US" altLang="ko-KR" sz="2000" dirty="0"/>
-            </a:br>
-            <a:br>
-              <a:rPr lang="en-US" altLang="ko-KR" sz="2000" dirty="0"/>
-            </a:br>
-            <a:r>
-              <a:rPr lang="en-US" altLang="ko-KR" sz="2000" dirty="0"/>
-              <a:t>== </a:t>
-            </a:r>
             <a:r>
               <a:rPr lang="ko-KR" altLang="en-US" sz="2000" dirty="0"/>
-              <a:t>구성 요소 </a:t>
-            </a:r>
-            <a:r>
-              <a:rPr lang="en-US" altLang="ko-KR" sz="2000" dirty="0"/>
-              <a:t>==</a:t>
-            </a:r>
-            <a:br>
-              <a:rPr lang="en-US" altLang="ko-KR" sz="2000" dirty="0"/>
-            </a:br>
+              <a:t>상호작용 </a:t>
+            </a:r>
+            <a:r>
+              <a:rPr lang="en-US" altLang="ko-KR" sz="2000" dirty="0"/>
+              <a:t>UI</a:t>
+            </a:r>
             <a:r>
               <a:rPr lang="ko-KR" altLang="en-US" sz="2000" dirty="0"/>
-              <a:t>게임 시작 </a:t>
-            </a:r>
-            <a:r>
-              <a:rPr lang="en-US" altLang="ko-KR" sz="2000" dirty="0"/>
-              <a:t>-&gt; </a:t>
-            </a:r>
-            <a:r>
-              <a:rPr lang="ko-KR" altLang="en-US" sz="2000" dirty="0"/>
-              <a:t>저장 슬롯 나오는 화면 </a:t>
-            </a:r>
-            <a:r>
-              <a:rPr lang="en-US" altLang="ko-KR" sz="2000" dirty="0"/>
-              <a:t>-&gt; </a:t>
-            </a:r>
-            <a:r>
-              <a:rPr lang="ko-KR" altLang="en-US" sz="2000" dirty="0"/>
-              <a:t>슬롯 </a:t>
-            </a:r>
-            <a:r>
-              <a:rPr lang="ko-KR" altLang="en-US" sz="2000" dirty="0" err="1"/>
-              <a:t>클릭시</a:t>
-            </a:r>
-            <a:r>
-              <a:rPr lang="ko-KR" altLang="en-US" sz="2000" dirty="0"/>
-              <a:t> 해당 데이터 불러와서 게임 시작</a:t>
-            </a:r>
-            <a:br>
-              <a:rPr lang="en-US" altLang="ko-KR" sz="2000" dirty="0"/>
-            </a:br>
-            <a:r>
-              <a:rPr lang="ko-KR" altLang="en-US" sz="2000" dirty="0"/>
-              <a:t>옵션 </a:t>
-            </a:r>
-            <a:r>
-              <a:rPr lang="en-US" altLang="ko-KR" sz="2000" dirty="0"/>
-              <a:t>-&gt; </a:t>
-            </a:r>
-            <a:r>
-              <a:rPr lang="ko-KR" altLang="en-US" sz="2000" dirty="0"/>
-              <a:t>다음 </a:t>
-            </a:r>
-            <a:r>
-              <a:rPr lang="en-US" altLang="ko-KR" sz="2000" dirty="0"/>
-              <a:t>PPT</a:t>
-            </a:r>
-            <a:br>
-              <a:rPr lang="en-US" altLang="ko-KR" sz="2000" dirty="0"/>
-            </a:br>
-            <a:r>
-              <a:rPr lang="en-US" altLang="ko-KR" sz="2000" dirty="0"/>
-              <a:t>Credit</a:t>
-            </a:r>
-            <a:br>
-              <a:rPr lang="en-US" altLang="ko-KR" sz="2000" dirty="0"/>
-            </a:br>
-            <a:r>
-              <a:rPr lang="ko-KR" altLang="en-US" sz="2000" dirty="0"/>
-              <a:t>게임 종료</a:t>
+              <a:t>는 다 키입력을 받아 노출</a:t>
             </a:r>
             <a:br>
               <a:rPr lang="en-US" altLang="ko-KR" sz="2000" dirty="0"/>
@@ -9591,125 +9578,15 @@
           <a:p>
             <a:r>
               <a:rPr lang="ko-KR" altLang="en-US" sz="5000" dirty="0"/>
-              <a:t>메인 화면</a:t>
-            </a:r>
-          </a:p>
-        </p:txBody>
-      </p:sp>
-      <p:sp>
-        <p:nvSpPr>
-          <p:cNvPr id="3" name="TextBox 2">
-            <a:extLst>
-              <a:ext uri="{FF2B5EF4-FFF2-40B4-BE49-F238E27FC236}">
-                <a16:creationId xmlns:a16="http://schemas.microsoft.com/office/drawing/2014/main" id="{BE6F6544-D604-8F0E-79C4-928B59A24F59}"/>
-              </a:ext>
-            </a:extLst>
-          </p:cNvPr>
-          <p:cNvSpPr txBox="1"/>
-          <p:nvPr/>
-        </p:nvSpPr>
-        <p:spPr>
-          <a:xfrm>
-            <a:off x="981338" y="5159309"/>
-            <a:ext cx="10752006" cy="646331"/>
-          </a:xfrm>
-          <a:prstGeom prst="rect">
-            <a:avLst/>
-          </a:prstGeom>
-          <a:noFill/>
-        </p:spPr>
-        <p:txBody>
-          <a:bodyPr wrap="square" rtlCol="0">
-            <a:spAutoFit/>
-          </a:bodyPr>
-          <a:lstStyle/>
-          <a:p>
-            <a:r>
-              <a:rPr lang="en-US" altLang="ko-KR" dirty="0"/>
-              <a:t>== UI </a:t>
-            </a:r>
-            <a:r>
-              <a:rPr lang="ko-KR" altLang="en-US" dirty="0"/>
-              <a:t>디자인시 필요 항목 </a:t>
-            </a:r>
-            <a:r>
-              <a:rPr lang="en-US" altLang="ko-KR" dirty="0"/>
-              <a:t>==</a:t>
-            </a:r>
-          </a:p>
-          <a:p>
-            <a:r>
-              <a:rPr lang="ko-KR" altLang="en-US" dirty="0"/>
-              <a:t>배경화면으로 쓸 이미지들</a:t>
-            </a:r>
-            <a:r>
-              <a:rPr lang="en-US" altLang="ko-KR" dirty="0"/>
-              <a:t> ,  </a:t>
-            </a:r>
-            <a:r>
-              <a:rPr lang="ko-KR" altLang="en-US" dirty="0"/>
-              <a:t>버튼</a:t>
-            </a:r>
-            <a:r>
-              <a:rPr lang="en-US" altLang="ko-KR" dirty="0"/>
-              <a:t>(</a:t>
-            </a:r>
-            <a:r>
-              <a:rPr lang="ko-KR" altLang="en-US" dirty="0"/>
-              <a:t>버튼 배경</a:t>
-            </a:r>
-            <a:r>
-              <a:rPr lang="en-US" altLang="ko-KR" dirty="0"/>
-              <a:t>), </a:t>
-            </a:r>
-            <a:r>
-              <a:rPr lang="ko-KR" altLang="en-US" dirty="0"/>
-              <a:t>패널</a:t>
-            </a:r>
-            <a:r>
-              <a:rPr lang="en-US" altLang="ko-KR" dirty="0"/>
-              <a:t>(</a:t>
-            </a:r>
-            <a:r>
-              <a:rPr lang="ko-KR" altLang="en-US" dirty="0"/>
-              <a:t>버튼들이 올라가 있는 공간</a:t>
-            </a:r>
-            <a:r>
-              <a:rPr lang="en-US" altLang="ko-KR" dirty="0"/>
-              <a:t>), </a:t>
-            </a:r>
-            <a:r>
-              <a:rPr lang="ko-KR" altLang="en-US" dirty="0"/>
-              <a:t>슬라이더</a:t>
-            </a:r>
-            <a:r>
-              <a:rPr lang="en-US" altLang="ko-KR" dirty="0"/>
-              <a:t>, </a:t>
-            </a:r>
-            <a:r>
-              <a:rPr lang="ko-KR" altLang="en-US" dirty="0" err="1"/>
-              <a:t>토글</a:t>
-            </a:r>
-            <a:r>
-              <a:rPr lang="en-US" altLang="ko-KR" dirty="0"/>
-              <a:t>(</a:t>
-            </a:r>
-            <a:r>
-              <a:rPr lang="ko-KR" altLang="en-US" dirty="0"/>
-              <a:t>체크</a:t>
-            </a:r>
-            <a:r>
-              <a:rPr lang="en-US" altLang="ko-KR" dirty="0"/>
-              <a:t>),</a:t>
-            </a:r>
-            <a:endParaRPr lang="ko-KR" altLang="en-US" dirty="0"/>
+              <a:t>게임 화면</a:t>
+            </a:r>
           </a:p>
         </p:txBody>
       </p:sp>
     </p:spTree>
     <p:extLst>
       <p:ext uri="{BB962C8B-B14F-4D97-AF65-F5344CB8AC3E}">
-        <p14:creationId xmlns:p14="http://schemas.microsoft.com/office/powerpoint/2010/main" val="696632196"/>
+        <p14:creationId xmlns:p14="http://schemas.microsoft.com/office/powerpoint/2010/main" val="3704034967"/>
       </p:ext>
     </p:extLst>
   </p:cSld>
@@ -9755,7 +9632,7 @@
         <p:spPr>
           <a:xfrm>
             <a:off x="1250020" y="1698691"/>
-            <a:ext cx="10483324" cy="2614517"/>
+            <a:ext cx="10483324" cy="2916441"/>
           </a:xfrm>
         </p:spPr>
         <p:txBody>
@@ -9764,98 +9641,94 @@
           </a:bodyPr>
           <a:lstStyle/>
           <a:p>
-            <a:r>
-              <a:rPr lang="en-US" altLang="ko-KR" sz="2000" dirty="0"/>
-              <a:t>== </a:t>
-            </a:r>
-            <a:r>
-              <a:rPr lang="ko-KR" altLang="en-US" sz="2000" dirty="0"/>
-              <a:t>옵션 설정 가능 항목 </a:t>
-            </a:r>
-            <a:r>
-              <a:rPr lang="en-US" altLang="ko-KR" sz="2000" dirty="0"/>
-              <a:t>== </a:t>
-            </a:r>
-            <a:br>
-              <a:rPr lang="en-US" altLang="ko-KR" sz="2000" dirty="0"/>
-            </a:br>
-            <a:r>
-              <a:rPr lang="ko-KR" altLang="en-US" sz="2000" dirty="0"/>
-              <a:t>그래픽 </a:t>
-            </a:r>
-            <a:r>
-              <a:rPr lang="en-US" altLang="ko-KR" sz="2000" dirty="0"/>
-              <a:t>-&gt; </a:t>
-            </a:r>
-            <a:r>
-              <a:rPr lang="ko-KR" altLang="en-US" sz="2000" dirty="0"/>
-              <a:t>해상도</a:t>
-            </a:r>
-            <a:r>
-              <a:rPr lang="en-US" altLang="ko-KR" sz="2000" dirty="0"/>
-              <a:t>, </a:t>
-            </a:r>
-            <a:r>
-              <a:rPr lang="ko-KR" altLang="en-US" sz="2000" dirty="0"/>
-              <a:t>전체 화면</a:t>
-            </a:r>
-            <a:r>
-              <a:rPr lang="en-US" altLang="ko-KR" sz="2000" dirty="0"/>
-              <a:t> , </a:t>
-            </a:r>
-            <a:r>
-              <a:rPr lang="ko-KR" altLang="en-US" sz="2000" dirty="0"/>
-              <a:t>그래픽 퀄리티</a:t>
-            </a:r>
-            <a:r>
-              <a:rPr lang="en-US" altLang="ko-KR" sz="2000" dirty="0"/>
-              <a:t>, </a:t>
-            </a:r>
-            <a:r>
-              <a:rPr lang="ko-KR" altLang="en-US" sz="2000" dirty="0"/>
-              <a:t>명암</a:t>
-            </a:r>
-            <a:br>
-              <a:rPr lang="en-US" altLang="ko-KR" sz="2000" dirty="0"/>
-            </a:br>
-            <a:r>
-              <a:rPr lang="ko-KR" altLang="en-US" sz="2000" dirty="0"/>
-              <a:t>사운드 </a:t>
-            </a:r>
-            <a:r>
-              <a:rPr lang="en-US" altLang="ko-KR" sz="2000" dirty="0"/>
-              <a:t>–&gt; mute, </a:t>
-            </a:r>
-            <a:r>
-              <a:rPr lang="ko-KR" altLang="en-US" sz="2000" dirty="0"/>
-              <a:t>소리 세부 설정</a:t>
-            </a:r>
-            <a:r>
-              <a:rPr lang="en-US" altLang="ko-KR" sz="2000" dirty="0"/>
-              <a:t>(</a:t>
-            </a:r>
-            <a:r>
-              <a:rPr lang="en-US" altLang="ko-KR" sz="2000" dirty="0" err="1"/>
-              <a:t>bgm</a:t>
-            </a:r>
-            <a:r>
-              <a:rPr lang="en-US" altLang="ko-KR" sz="2000" dirty="0"/>
-              <a:t>, </a:t>
-            </a:r>
-            <a:r>
-              <a:rPr lang="en-US" altLang="ko-KR" sz="2000" dirty="0" err="1"/>
-              <a:t>sfx</a:t>
-            </a:r>
-            <a:r>
-              <a:rPr lang="en-US" altLang="ko-KR" sz="2000" dirty="0"/>
-              <a:t>, master)</a:t>
-            </a:r>
             <a:br>
               <a:rPr lang="en-US" altLang="ko-KR" sz="2000" dirty="0"/>
             </a:br>
             <a:br>
               <a:rPr lang="en-US" altLang="ko-KR" sz="2000" dirty="0"/>
             </a:br>
+            <a:br>
+              <a:rPr lang="en-US" altLang="ko-KR" sz="2000" dirty="0"/>
+            </a:br>
+            <a:br>
+              <a:rPr lang="en-US" altLang="ko-KR" sz="2000" dirty="0"/>
+            </a:br>
+            <a:r>
+              <a:rPr lang="en-US" altLang="ko-KR" sz="2000" dirty="0"/>
+              <a:t>== </a:t>
+            </a:r>
+            <a:r>
+              <a:rPr lang="ko-KR" altLang="en-US" sz="2000" dirty="0"/>
+              <a:t>구성 요소 </a:t>
+            </a:r>
+            <a:r>
+              <a:rPr lang="en-US" altLang="ko-KR" sz="2000" dirty="0"/>
+              <a:t>==</a:t>
+            </a:r>
+            <a:br>
+              <a:rPr lang="en-US" altLang="ko-KR" sz="2000" dirty="0"/>
+            </a:br>
+            <a:r>
+              <a:rPr lang="ko-KR" altLang="en-US" sz="2000" dirty="0"/>
+              <a:t>게임 시작 </a:t>
+            </a:r>
+            <a:r>
+              <a:rPr lang="en-US" altLang="ko-KR" sz="2000" dirty="0"/>
+              <a:t>-&gt; </a:t>
+            </a:r>
+            <a:r>
+              <a:rPr lang="ko-KR" altLang="en-US" sz="2000" dirty="0"/>
+              <a:t>저장 슬롯 나오는 화면 </a:t>
+            </a:r>
+            <a:r>
+              <a:rPr lang="en-US" altLang="ko-KR" sz="2000" dirty="0"/>
+              <a:t>-&gt; </a:t>
+            </a:r>
+            <a:r>
+              <a:rPr lang="ko-KR" altLang="en-US" sz="2000" dirty="0"/>
+              <a:t>슬롯 </a:t>
+            </a:r>
+            <a:r>
+              <a:rPr lang="ko-KR" altLang="en-US" sz="2000" dirty="0" err="1"/>
+              <a:t>클릭시</a:t>
+            </a:r>
+            <a:r>
+              <a:rPr lang="ko-KR" altLang="en-US" sz="2000" dirty="0"/>
+              <a:t> 해당 데이터 불러와서 게임 시작</a:t>
+            </a:r>
+            <a:br>
+              <a:rPr lang="en-US" altLang="ko-KR" sz="2000" dirty="0"/>
+            </a:br>
+            <a:r>
+              <a:rPr lang="ko-KR" altLang="en-US" sz="2000" dirty="0"/>
+              <a:t>옵션 </a:t>
+            </a:r>
+            <a:r>
+              <a:rPr lang="en-US" altLang="ko-KR" sz="2000" dirty="0"/>
+              <a:t>-&gt; </a:t>
+            </a:r>
+            <a:r>
+              <a:rPr lang="ko-KR" altLang="en-US" sz="2000" dirty="0"/>
+              <a:t>다음 </a:t>
+            </a:r>
+            <a:r>
+              <a:rPr lang="en-US" altLang="ko-KR" sz="2000" dirty="0"/>
+              <a:t>PPT</a:t>
+            </a:r>
+            <a:br>
+              <a:rPr lang="en-US" altLang="ko-KR" sz="2000" dirty="0"/>
+            </a:br>
+            <a:r>
+              <a:rPr lang="en-US" altLang="ko-KR" sz="2000" dirty="0"/>
+              <a:t>Credit</a:t>
+            </a:r>
+            <a:br>
+              <a:rPr lang="en-US" altLang="ko-KR" sz="2000" dirty="0"/>
+            </a:br>
+            <a:r>
+              <a:rPr lang="ko-KR" altLang="en-US" sz="2000" dirty="0"/>
+              <a:t>게임 종료</a:t>
+            </a:r>
             <a:br>
               <a:rPr lang="en-US" altLang="ko-KR" sz="2000" dirty="0"/>
             </a:br>
@@ -9918,15 +9791,125 @@
           <a:p>
             <a:r>
               <a:rPr lang="ko-KR" altLang="en-US" sz="5000" dirty="0"/>
-              <a:t>게임 옵션</a:t>
-            </a:r>
+              <a:t>메인 화면</a:t>
+            </a:r>
+          </a:p>
+        </p:txBody>
+      </p:sp>
+      <p:sp>
+        <p:nvSpPr>
+          <p:cNvPr id="3" name="TextBox 2">
+            <a:extLst>
+              <a:ext uri="{FF2B5EF4-FFF2-40B4-BE49-F238E27FC236}">
+                <a16:creationId xmlns:a16="http://schemas.microsoft.com/office/drawing/2014/main" id="{BE6F6544-D604-8F0E-79C4-928B59A24F59}"/>
+              </a:ext>
+            </a:extLst>
+          </p:cNvPr>
+          <p:cNvSpPr txBox="1"/>
+          <p:nvPr/>
+        </p:nvSpPr>
+        <p:spPr>
+          <a:xfrm>
+            <a:off x="981338" y="5159309"/>
+            <a:ext cx="10752006" cy="646331"/>
+          </a:xfrm>
+          <a:prstGeom prst="rect">
+            <a:avLst/>
+          </a:prstGeom>
+          <a:noFill/>
+        </p:spPr>
+        <p:txBody>
+          <a:bodyPr wrap="square" rtlCol="0">
+            <a:spAutoFit/>
+          </a:bodyPr>
+          <a:lstStyle/>
+          <a:p>
+            <a:r>
+              <a:rPr lang="en-US" altLang="ko-KR" dirty="0"/>
+              <a:t>== UI </a:t>
+            </a:r>
+            <a:r>
+              <a:rPr lang="ko-KR" altLang="en-US" dirty="0"/>
+              <a:t>디자인시 필요 항목 </a:t>
+            </a:r>
+            <a:r>
+              <a:rPr lang="en-US" altLang="ko-KR" dirty="0"/>
+              <a:t>==</a:t>
+            </a:r>
+          </a:p>
+          <a:p>
+            <a:r>
+              <a:rPr lang="ko-KR" altLang="en-US" dirty="0"/>
+              <a:t>배경화면으로 쓸 이미지들</a:t>
+            </a:r>
+            <a:r>
+              <a:rPr lang="en-US" altLang="ko-KR" dirty="0"/>
+              <a:t> ,  </a:t>
+            </a:r>
+            <a:r>
+              <a:rPr lang="ko-KR" altLang="en-US" dirty="0"/>
+              <a:t>버튼</a:t>
+            </a:r>
+            <a:r>
+              <a:rPr lang="en-US" altLang="ko-KR" dirty="0"/>
+              <a:t>(</a:t>
+            </a:r>
+            <a:r>
+              <a:rPr lang="ko-KR" altLang="en-US" dirty="0"/>
+              <a:t>버튼 배경</a:t>
+            </a:r>
+            <a:r>
+              <a:rPr lang="en-US" altLang="ko-KR" dirty="0"/>
+              <a:t>), </a:t>
+            </a:r>
+            <a:r>
+              <a:rPr lang="ko-KR" altLang="en-US" dirty="0"/>
+              <a:t>패널</a:t>
+            </a:r>
+            <a:r>
+              <a:rPr lang="en-US" altLang="ko-KR" dirty="0"/>
+              <a:t>(</a:t>
+            </a:r>
+            <a:r>
+              <a:rPr lang="ko-KR" altLang="en-US" dirty="0"/>
+              <a:t>버튼들이 올라가 있는 공간</a:t>
+            </a:r>
+            <a:r>
+              <a:rPr lang="en-US" altLang="ko-KR" dirty="0"/>
+              <a:t>), </a:t>
+            </a:r>
+            <a:r>
+              <a:rPr lang="ko-KR" altLang="en-US" dirty="0"/>
+              <a:t>슬라이더</a:t>
+            </a:r>
+            <a:r>
+              <a:rPr lang="en-US" altLang="ko-KR" dirty="0"/>
+              <a:t>, </a:t>
+            </a:r>
+            <a:r>
+              <a:rPr lang="ko-KR" altLang="en-US" dirty="0" err="1"/>
+              <a:t>토글</a:t>
+            </a:r>
+            <a:r>
+              <a:rPr lang="en-US" altLang="ko-KR" dirty="0"/>
+              <a:t>(</a:t>
+            </a:r>
+            <a:r>
+              <a:rPr lang="ko-KR" altLang="en-US" dirty="0"/>
+              <a:t>체크</a:t>
+            </a:r>
+            <a:r>
+              <a:rPr lang="en-US" altLang="ko-KR" dirty="0"/>
+              <a:t>),</a:t>
+            </a:r>
+            <a:endParaRPr lang="ko-KR" altLang="en-US" dirty="0"/>
           </a:p>
         </p:txBody>
       </p:sp>
     </p:spTree>
     <p:extLst>
       <p:ext uri="{BB962C8B-B14F-4D97-AF65-F5344CB8AC3E}">
-        <p14:creationId xmlns:p14="http://schemas.microsoft.com/office/powerpoint/2010/main" val="1187054558"/>
+        <p14:creationId xmlns:p14="http://schemas.microsoft.com/office/powerpoint/2010/main" val="696632196"/>
       </p:ext>
     </p:extLst>
   </p:cSld>
@@ -9971,92 +9954,101 @@
         </p:nvSpPr>
         <p:spPr>
           <a:xfrm>
-            <a:off x="1226871" y="1710266"/>
-            <a:ext cx="10483324" cy="4034926"/>
+            <a:off x="1250020" y="1698691"/>
+            <a:ext cx="10483324" cy="2614517"/>
           </a:xfrm>
         </p:spPr>
         <p:txBody>
           <a:bodyPr>
-            <a:normAutofit/>
+            <a:normAutofit fontScale="90000"/>
           </a:bodyPr>
           <a:lstStyle/>
           <a:p>
             <a:r>
               <a:rPr lang="en-US" altLang="ko-KR" sz="2000" dirty="0"/>
-              <a:t>2</a:t>
+              <a:t>== </a:t>
             </a:r>
             <a:r>
               <a:rPr lang="ko-KR" altLang="en-US" sz="2000" dirty="0"/>
-              <a:t>가지 형태로 나눈다</a:t>
-            </a:r>
-            <a:r>
-              <a:rPr lang="en-US" altLang="ko-KR" sz="2000" dirty="0"/>
-              <a:t>.</a:t>
+              <a:t>옵션 설정 가능 항목 </a:t>
+            </a:r>
+            <a:r>
+              <a:rPr lang="en-US" altLang="ko-KR" sz="2000" dirty="0"/>
+              <a:t>== </a:t>
             </a:r>
             <a:br>
               <a:rPr lang="en-US" altLang="ko-KR" sz="2000" dirty="0"/>
             </a:br>
             <a:r>
-              <a:rPr lang="en-US" altLang="ko-KR" sz="2000" dirty="0"/>
-              <a:t>	1. </a:t>
-            </a:r>
-            <a:r>
               <a:rPr lang="ko-KR" altLang="en-US" sz="2000" dirty="0"/>
-              <a:t>메인 보스 </a:t>
-            </a:r>
-            <a:r>
-              <a:rPr lang="en-US" altLang="ko-KR" sz="2000" dirty="0"/>
-              <a:t>: </a:t>
+              <a:t>그래픽 </a:t>
+            </a:r>
+            <a:r>
+              <a:rPr lang="en-US" altLang="ko-KR" sz="2000" dirty="0"/>
+              <a:t>-&gt; </a:t>
             </a:r>
             <a:r>
               <a:rPr lang="ko-KR" altLang="en-US" sz="2000" dirty="0"/>
-              <a:t>한 챕터의 마지막 보스 </a:t>
+              <a:t>해상도</a:t>
             </a:r>
             <a:r>
               <a:rPr lang="en-US" altLang="ko-KR" sz="2000" dirty="0"/>
               <a:t>, </a:t>
             </a:r>
             <a:r>
-              <a:rPr lang="ko-KR" altLang="en-US" sz="2000" dirty="0" err="1"/>
-              <a:t>히든</a:t>
-            </a:r>
-            <a:r>
               <a:rPr lang="ko-KR" altLang="en-US" sz="2000" dirty="0"/>
-              <a:t> 장소 같은 곳을 지키는 보스</a:t>
+              <a:t>전체 화면</a:t>
+            </a:r>
+            <a:r>
+              <a:rPr lang="en-US" altLang="ko-KR" sz="2000" dirty="0"/>
+              <a:t> , </a:t>
+            </a:r>
+            <a:r>
+              <a:rPr lang="ko-KR" altLang="en-US" sz="2000" dirty="0"/>
+              <a:t>그래픽 퀄리티</a:t>
+            </a:r>
+            <a:r>
+              <a:rPr lang="en-US" altLang="ko-KR" sz="2000" dirty="0"/>
+              <a:t>, </a:t>
+            </a:r>
+            <a:r>
+              <a:rPr lang="ko-KR" altLang="en-US" sz="2000" dirty="0"/>
+              <a:t>명암</a:t>
             </a:r>
             <a:br>
               <a:rPr lang="en-US" altLang="ko-KR" sz="2000" dirty="0"/>
             </a:br>
             <a:r>
-              <a:rPr lang="en-US" altLang="ko-KR" sz="2000" dirty="0"/>
-              <a:t>		</a:t>
-            </a:r>
-            <a:r>
               <a:rPr lang="ko-KR" altLang="en-US" sz="2000" dirty="0"/>
-              <a:t>난이도 </a:t>
-            </a:r>
-            <a:r>
-              <a:rPr lang="en-US" altLang="ko-KR" sz="2000" dirty="0"/>
-              <a:t>: </a:t>
+              <a:t>사운드 </a:t>
+            </a:r>
+            <a:r>
+              <a:rPr lang="en-US" altLang="ko-KR" sz="2000" dirty="0"/>
+              <a:t>–&gt; mute, </a:t>
             </a:r>
             <a:r>
               <a:rPr lang="ko-KR" altLang="en-US" sz="2000" dirty="0"/>
-              <a:t>上 </a:t>
-            </a:r>
-            <a:br>
-              <a:rPr lang="en-US" altLang="ko-KR" sz="2000" dirty="0"/>
-            </a:br>
-            <a:r>
-              <a:rPr lang="en-US" altLang="ko-KR" sz="2000" dirty="0"/>
-              <a:t>		</a:t>
-            </a:r>
-            <a:r>
-              <a:rPr lang="ko-KR" altLang="en-US" sz="2000" dirty="0"/>
-              <a:t>보상 </a:t>
-            </a:r>
-            <a:r>
-              <a:rPr lang="en-US" altLang="ko-KR" sz="2000" dirty="0"/>
-              <a:t>: </a:t>
+              <a:t>소리 세부 설정</a:t>
+            </a:r>
+            <a:r>
+              <a:rPr lang="en-US" altLang="ko-KR" sz="2000" dirty="0"/>
+              <a:t>(</a:t>
+            </a:r>
+            <a:r>
+              <a:rPr lang="en-US" altLang="ko-KR" sz="2000" dirty="0" err="1"/>
+              <a:t>bgm</a:t>
+            </a:r>
+            <a:r>
+              <a:rPr lang="en-US" altLang="ko-KR" sz="2000" dirty="0"/>
+              <a:t>, </a:t>
+            </a:r>
+            <a:r>
+              <a:rPr lang="en-US" altLang="ko-KR" sz="2000" dirty="0" err="1"/>
+              <a:t>sfx</a:t>
+            </a:r>
+            <a:r>
+              <a:rPr lang="en-US" altLang="ko-KR" sz="2000" dirty="0"/>
+              <a:t>, master)</a:t>
             </a:r>
             <a:br>
               <a:rPr lang="en-US" altLang="ko-KR" sz="2000" dirty="0"/>
@@ -10070,64 +10062,6 @@
             <a:br>
               <a:rPr lang="en-US" altLang="ko-KR" sz="2000" dirty="0"/>
             </a:br>
-            <a:r>
-              <a:rPr lang="en-US" altLang="ko-KR" sz="2000" dirty="0"/>
-              <a:t>	2. </a:t>
-            </a:r>
-            <a:r>
-              <a:rPr lang="ko-KR" altLang="en-US" sz="2000" dirty="0"/>
-              <a:t>서브 보스 </a:t>
-            </a:r>
-            <a:r>
-              <a:rPr lang="en-US" altLang="ko-KR" sz="2000" dirty="0"/>
-              <a:t>: TP</a:t>
-            </a:r>
-            <a:r>
-              <a:rPr lang="ko-KR" altLang="en-US" sz="2000" dirty="0"/>
-              <a:t>를 지키는 보스</a:t>
-            </a:r>
-            <a:r>
-              <a:rPr lang="en-US" altLang="ko-KR" sz="2000" dirty="0"/>
-              <a:t>, BSP</a:t>
-            </a:r>
-            <a:r>
-              <a:rPr lang="ko-KR" altLang="en-US" sz="2000" dirty="0"/>
-              <a:t>의 보스로도 활용</a:t>
-            </a:r>
-            <a:br>
-              <a:rPr lang="en-US" altLang="ko-KR" sz="2000" dirty="0"/>
-            </a:br>
-            <a:r>
-              <a:rPr lang="en-US" altLang="ko-KR" sz="2000" dirty="0"/>
-              <a:t>		</a:t>
-            </a:r>
-            <a:r>
-              <a:rPr lang="ko-KR" altLang="en-US" sz="2000" dirty="0"/>
-              <a:t>난이도 </a:t>
-            </a:r>
-            <a:r>
-              <a:rPr lang="en-US" altLang="ko-KR" sz="2000" dirty="0"/>
-              <a:t>: </a:t>
-            </a:r>
-            <a:r>
-              <a:rPr lang="ko-KR" altLang="en-US" sz="2000" dirty="0"/>
-              <a:t>中</a:t>
-            </a:r>
-            <a:br>
-              <a:rPr lang="en-US" altLang="ko-KR" sz="2000" dirty="0"/>
-            </a:br>
-            <a:r>
-              <a:rPr lang="en-US" altLang="ko-KR" sz="2000" dirty="0"/>
-              <a:t>		</a:t>
-            </a:r>
-            <a:r>
-              <a:rPr lang="ko-KR" altLang="en-US" sz="2000" dirty="0"/>
-              <a:t>보상 </a:t>
-            </a:r>
-            <a:r>
-              <a:rPr lang="en-US" altLang="ko-KR" sz="2000" dirty="0"/>
-              <a:t>:  NP			</a:t>
-            </a:r>
             <a:br>
               <a:rPr lang="en-US" altLang="ko-KR" sz="2000" dirty="0"/>
             </a:br>
@@ -10184,7 +10118,7 @@
           <a:p>
             <a:r>
               <a:rPr lang="ko-KR" altLang="en-US" sz="5000" dirty="0"/>
-              <a:t>보스</a:t>
+              <a:t>게임 옵션</a:t>
             </a:r>
           </a:p>
         </p:txBody>
@@ -10192,7 +10126,7 @@
     </p:spTree>
     <p:extLst>
       <p:ext uri="{BB962C8B-B14F-4D97-AF65-F5344CB8AC3E}">
-        <p14:creationId xmlns:p14="http://schemas.microsoft.com/office/powerpoint/2010/main" val="4198767284"/>
+        <p14:creationId xmlns:p14="http://schemas.microsoft.com/office/powerpoint/2010/main" val="1187054558"/>
       </p:ext>
     </p:extLst>
   </p:cSld>
@@ -10237,8 +10171,8 @@
         </p:nvSpPr>
         <p:spPr>
           <a:xfrm>
-            <a:off x="1226871" y="1710266"/>
-            <a:ext cx="10483324" cy="4034926"/>
+            <a:off x="1219186" y="1733318"/>
+            <a:ext cx="10483324" cy="3124201"/>
           </a:xfrm>
         </p:spPr>
         <p:txBody>
@@ -10248,23 +10182,21 @@
           <a:lstStyle/>
           <a:p>
             <a:r>
-              <a:rPr lang="en-US" altLang="ko-KR" sz="2000" dirty="0"/>
-              <a:t>Nyx</a:t>
-            </a:r>
-            <a:r>
               <a:rPr lang="ko-KR" altLang="en-US" sz="2000" dirty="0"/>
-              <a:t>의 메인 컨텐츠라고 생각하기 때문에</a:t>
-            </a:r>
-            <a:br>
-              <a:rPr lang="en-US" altLang="ko-KR" sz="2000" dirty="0"/>
-            </a:br>
-            <a:r>
-              <a:rPr lang="en-US" altLang="ko-KR" sz="2000" dirty="0"/>
-              <a:t>		</a:t>
-            </a:r>
-            <a:br>
-              <a:rPr lang="en-US" altLang="ko-KR" sz="2000" dirty="0"/>
-            </a:br>
+              <a:t>보스까지 가는 루트 </a:t>
+            </a:r>
+            <a:r>
+              <a:rPr lang="en-US" altLang="ko-KR" sz="2000" dirty="0"/>
+              <a:t>&amp; </a:t>
+            </a:r>
+            <a:r>
+              <a:rPr lang="ko-KR" altLang="en-US" sz="2000" dirty="0"/>
+              <a:t>퍼즐이나 점프 맵 중간중간에 배치한다</a:t>
+            </a:r>
+            <a:r>
+              <a:rPr lang="en-US" altLang="ko-KR" sz="2000" dirty="0"/>
+              <a:t>.</a:t>
+            </a:r>
             <a:endParaRPr lang="ko-KR" altLang="en-US" sz="2000" dirty="0"/>
           </a:p>
         </p:txBody>
@@ -10318,7 +10250,7 @@
           <a:p>
             <a:r>
               <a:rPr lang="ko-KR" altLang="en-US" sz="5000" dirty="0"/>
-              <a:t>메인 보스</a:t>
+              <a:t>몬스터</a:t>
             </a:r>
           </a:p>
         </p:txBody>
@@ -10326,7 +10258,7 @@
     </p:spTree>
     <p:extLst>
       <p:ext uri="{BB962C8B-B14F-4D97-AF65-F5344CB8AC3E}">
-        <p14:creationId xmlns:p14="http://schemas.microsoft.com/office/powerpoint/2010/main" val="2279813507"/>
+        <p14:creationId xmlns:p14="http://schemas.microsoft.com/office/powerpoint/2010/main" val="1571122907"/>
       </p:ext>
     </p:extLst>
   </p:cSld>
@@ -10382,35 +10314,81 @@
           <a:lstStyle/>
           <a:p>
             <a:r>
+              <a:rPr lang="en-US" altLang="ko-KR" sz="2000" dirty="0"/>
+              <a:t>2</a:t>
+            </a:r>
+            <a:r>
               <a:rPr lang="ko-KR" altLang="en-US" sz="2000" dirty="0"/>
-              <a:t>중간 보스 역할 </a:t>
-            </a:r>
-            <a:r>
-              <a:rPr lang="en-US" altLang="ko-KR" sz="2000" dirty="0"/>
-              <a:t>: TP</a:t>
+              <a:t>가지 형태로 나눈다</a:t>
+            </a:r>
+            <a:r>
+              <a:rPr lang="en-US" altLang="ko-KR" sz="2000" dirty="0"/>
+              <a:t>.</a:t>
+            </a:r>
+            <a:br>
+              <a:rPr lang="en-US" altLang="ko-KR" sz="2000" dirty="0"/>
+            </a:br>
+            <a:r>
+              <a:rPr lang="en-US" altLang="ko-KR" sz="2000" dirty="0"/>
+              <a:t>	1. </a:t>
             </a:r>
             <a:r>
               <a:rPr lang="ko-KR" altLang="en-US" sz="2000" dirty="0"/>
-              <a:t>를 지키는 중간 보스</a:t>
+              <a:t>메인 보스 </a:t>
+            </a:r>
+            <a:r>
+              <a:rPr lang="en-US" altLang="ko-KR" sz="2000" dirty="0"/>
+              <a:t>: </a:t>
+            </a:r>
+            <a:r>
+              <a:rPr lang="ko-KR" altLang="en-US" sz="2000" dirty="0"/>
+              <a:t>한 챕터의 마지막 보스 </a:t>
+            </a:r>
+            <a:r>
+              <a:rPr lang="en-US" altLang="ko-KR" sz="2000" dirty="0"/>
+              <a:t>, </a:t>
+            </a:r>
+            <a:r>
+              <a:rPr lang="ko-KR" altLang="en-US" sz="2000" dirty="0" err="1"/>
+              <a:t>히든</a:t>
+            </a:r>
+            <a:r>
+              <a:rPr lang="ko-KR" altLang="en-US" sz="2000" dirty="0"/>
+              <a:t> 장소 같은 곳을 지키는 보스</a:t>
             </a:r>
             <a:br>
               <a:rPr lang="en-US" altLang="ko-KR" sz="2000" dirty="0"/>
             </a:br>
             <a:r>
               <a:rPr lang="en-US" altLang="ko-KR" sz="2000" dirty="0"/>
-              <a:t>	</a:t>
+              <a:t>		</a:t>
             </a:r>
             <a:r>
               <a:rPr lang="ko-KR" altLang="en-US" sz="2000" dirty="0"/>
-              <a:t>메인 보스 보다는 </a:t>
-            </a:r>
-            <a:r>
-              <a:rPr lang="ko-KR" altLang="en-US" sz="2000" dirty="0" err="1"/>
-              <a:t>스텟도</a:t>
+              <a:t>난이도 </a:t>
+            </a:r>
+            <a:r>
+              <a:rPr lang="en-US" altLang="ko-KR" sz="2000" dirty="0"/>
+              <a:t>: </a:t>
             </a:r>
             <a:r>
               <a:rPr lang="ko-KR" altLang="en-US" sz="2000" dirty="0"/>
-              <a:t> 많이 줄이고 패턴도 단조 롭게</a:t>
+              <a:t>上 </a:t>
+            </a:r>
+            <a:br>
+              <a:rPr lang="en-US" altLang="ko-KR" sz="2000" dirty="0"/>
+            </a:br>
+            <a:r>
+              <a:rPr lang="en-US" altLang="ko-KR" sz="2000" dirty="0"/>
+              <a:t>		</a:t>
+            </a:r>
+            <a:r>
+              <a:rPr lang="ko-KR" altLang="en-US" sz="2000" dirty="0"/>
+              <a:t>보상 </a:t>
+            </a:r>
+            <a:r>
+              <a:rPr lang="en-US" altLang="ko-KR" sz="2000" dirty="0"/>
+              <a:t>: </a:t>
             </a:r>
             <a:br>
               <a:rPr lang="en-US" altLang="ko-KR" sz="2000" dirty="0"/>
@@ -10426,19 +10404,61 @@
             </a:br>
             <a:r>
               <a:rPr lang="en-US" altLang="ko-KR" sz="2000" dirty="0"/>
-              <a:t>BSP </a:t>
-            </a:r>
-            <a:r>
-              <a:rPr lang="ko-KR" altLang="en-US" sz="2000" dirty="0" err="1"/>
-              <a:t>맵에서의</a:t>
+              <a:t>	2. </a:t>
             </a:r>
             <a:r>
               <a:rPr lang="ko-KR" altLang="en-US" sz="2000" dirty="0"/>
-              <a:t> 보스로 재탕</a:t>
-            </a:r>
-            <a:r>
-              <a:rPr lang="en-US" altLang="ko-KR" sz="2000" dirty="0"/>
-              <a:t>			</a:t>
+              <a:t>서브 보스 </a:t>
+            </a:r>
+            <a:r>
+              <a:rPr lang="en-US" altLang="ko-KR" sz="2000" dirty="0"/>
+              <a:t>: TP</a:t>
+            </a:r>
+            <a:r>
+              <a:rPr lang="ko-KR" altLang="en-US" sz="2000" dirty="0"/>
+              <a:t>를 지키는 보스</a:t>
+            </a:r>
+            <a:r>
+              <a:rPr lang="en-US" altLang="ko-KR" sz="2000" dirty="0"/>
+              <a:t>, BSP</a:t>
+            </a:r>
+            <a:r>
+              <a:rPr lang="ko-KR" altLang="en-US" sz="2000" dirty="0"/>
+              <a:t>의 보스로도 활용</a:t>
+            </a:r>
+            <a:br>
+              <a:rPr lang="en-US" altLang="ko-KR" sz="2000" dirty="0"/>
+            </a:br>
+            <a:r>
+              <a:rPr lang="en-US" altLang="ko-KR" sz="2000" dirty="0"/>
+              <a:t>		</a:t>
+            </a:r>
+            <a:r>
+              <a:rPr lang="ko-KR" altLang="en-US" sz="2000" dirty="0"/>
+              <a:t>난이도 </a:t>
+            </a:r>
+            <a:r>
+              <a:rPr lang="en-US" altLang="ko-KR" sz="2000" dirty="0"/>
+              <a:t>: </a:t>
+            </a:r>
+            <a:r>
+              <a:rPr lang="ko-KR" altLang="en-US" sz="2000" dirty="0"/>
+              <a:t>中</a:t>
+            </a:r>
+            <a:br>
+              <a:rPr lang="en-US" altLang="ko-KR" sz="2000" dirty="0"/>
+            </a:br>
+            <a:r>
+              <a:rPr lang="en-US" altLang="ko-KR" sz="2000" dirty="0"/>
+              <a:t>		</a:t>
+            </a:r>
+            <a:r>
+              <a:rPr lang="ko-KR" altLang="en-US" sz="2000" dirty="0"/>
+              <a:t>보상 </a:t>
+            </a:r>
+            <a:r>
+              <a:rPr lang="en-US" altLang="ko-KR" sz="2000" dirty="0"/>
+              <a:t>:  NP			</a:t>
             </a:r>
             <a:br>
               <a:rPr lang="en-US" altLang="ko-KR" sz="2000" dirty="0"/>
@@ -10496,7 +10516,7 @@
           <a:p>
             <a:r>
               <a:rPr lang="ko-KR" altLang="en-US" sz="5000" dirty="0"/>
-              <a:t>서브 보스</a:t>
+              <a:t>보스</a:t>
             </a:r>
           </a:p>
         </p:txBody>
@@ -10504,7 +10524,7 @@
     </p:spTree>
     <p:extLst>
       <p:ext uri="{BB962C8B-B14F-4D97-AF65-F5344CB8AC3E}">
-        <p14:creationId xmlns:p14="http://schemas.microsoft.com/office/powerpoint/2010/main" val="1318616683"/>
+        <p14:creationId xmlns:p14="http://schemas.microsoft.com/office/powerpoint/2010/main" val="4198767284"/>
       </p:ext>
     </p:extLst>
   </p:cSld>
@@ -10640,7 +10660,7 @@
         </p:nvSpPr>
         <p:spPr>
           <a:xfrm>
-            <a:off x="1117601" y="2804585"/>
+            <a:off x="1117599" y="3073861"/>
             <a:ext cx="11074399" cy="553998"/>
           </a:xfrm>
           <a:prstGeom prst="rect">
@@ -10681,7 +10701,7 @@
         <p:spPr>
           <a:xfrm>
             <a:off x="1363131" y="1973588"/>
-            <a:ext cx="2065867" cy="830997"/>
+            <a:ext cx="2065867" cy="954107"/>
           </a:xfrm>
           <a:prstGeom prst="rect">
             <a:avLst/>
@@ -10698,37 +10718,37 @@
               <a:buAutoNum type="arabicPeriod"/>
             </a:pPr>
             <a:r>
-              <a:rPr lang="ko-KR" altLang="en-US" sz="1200" dirty="0"/>
+              <a:rPr lang="ko-KR" altLang="en-US" sz="1400" dirty="0"/>
               <a:t>게임의 제목</a:t>
             </a:r>
-            <a:endParaRPr lang="en-US" altLang="ko-KR" sz="1200" dirty="0"/>
+            <a:endParaRPr lang="en-US" altLang="ko-KR" sz="1400" dirty="0"/>
           </a:p>
           <a:p>
             <a:pPr marL="228600" indent="-228600">
               <a:buAutoNum type="arabicPeriod"/>
             </a:pPr>
             <a:r>
-              <a:rPr lang="ko-KR" altLang="en-US" sz="1200" dirty="0"/>
+              <a:rPr lang="ko-KR" altLang="en-US" sz="1400" dirty="0"/>
               <a:t>게임의 장르</a:t>
             </a:r>
-            <a:endParaRPr lang="en-US" altLang="ko-KR" sz="1200" dirty="0"/>
+            <a:endParaRPr lang="en-US" altLang="ko-KR" sz="1400" dirty="0"/>
           </a:p>
           <a:p>
             <a:pPr marL="228600" indent="-228600">
               <a:buAutoNum type="arabicPeriod"/>
             </a:pPr>
             <a:r>
-              <a:rPr lang="ko-KR" altLang="en-US" sz="1200" dirty="0"/>
+              <a:rPr lang="ko-KR" altLang="en-US" sz="1400" dirty="0"/>
               <a:t>대상 플랫폼</a:t>
             </a:r>
-            <a:endParaRPr lang="en-US" altLang="ko-KR" sz="1200" dirty="0"/>
+            <a:endParaRPr lang="en-US" altLang="ko-KR" sz="1400" dirty="0"/>
           </a:p>
           <a:p>
             <a:pPr marL="228600" indent="-228600">
               <a:buAutoNum type="arabicPeriod"/>
             </a:pPr>
             <a:r>
-              <a:rPr lang="ko-KR" altLang="en-US" sz="1200" dirty="0"/>
+              <a:rPr lang="ko-KR" altLang="en-US" sz="1400" dirty="0"/>
               <a:t>타겟 연령층</a:t>
             </a:r>
           </a:p>
@@ -10748,8 +10768,8 @@
         </p:nvSpPr>
         <p:spPr>
           <a:xfrm>
-            <a:off x="1363132" y="3457613"/>
-            <a:ext cx="2065867" cy="646331"/>
+            <a:off x="1363131" y="3674826"/>
+            <a:ext cx="2065867" cy="738664"/>
           </a:xfrm>
           <a:prstGeom prst="rect">
             <a:avLst/>
@@ -10766,27 +10786,27 @@
               <a:buAutoNum type="arabicPeriod"/>
             </a:pPr>
             <a:r>
-              <a:rPr lang="ko-KR" altLang="en-US" sz="1200" dirty="0"/>
+              <a:rPr lang="ko-KR" altLang="en-US" sz="1400" dirty="0"/>
               <a:t>플레이 컨셉</a:t>
             </a:r>
-            <a:endParaRPr lang="en-US" altLang="ko-KR" sz="1200" dirty="0"/>
+            <a:endParaRPr lang="en-US" altLang="ko-KR" sz="1400" dirty="0"/>
           </a:p>
           <a:p>
             <a:pPr marL="228600" indent="-228600">
               <a:buAutoNum type="arabicPeriod"/>
             </a:pPr>
             <a:r>
-              <a:rPr lang="ko-KR" altLang="en-US" sz="1200" dirty="0"/>
+              <a:rPr lang="ko-KR" altLang="en-US" sz="1400" dirty="0"/>
               <a:t>디자인 컨셉</a:t>
             </a:r>
-            <a:endParaRPr lang="en-US" altLang="ko-KR" sz="1200" dirty="0"/>
+            <a:endParaRPr lang="en-US" altLang="ko-KR" sz="1400" dirty="0"/>
           </a:p>
           <a:p>
             <a:pPr marL="228600" indent="-228600">
               <a:buAutoNum type="arabicPeriod"/>
             </a:pPr>
             <a:r>
-              <a:rPr lang="ko-KR" altLang="en-US" sz="1200" dirty="0"/>
+              <a:rPr lang="ko-KR" altLang="en-US" sz="1400" dirty="0"/>
               <a:t>사운드 컨셉</a:t>
             </a:r>
           </a:p>
@@ -10806,7 +10826,7 @@
         </p:nvSpPr>
         <p:spPr>
           <a:xfrm>
-            <a:off x="1117601" y="4202974"/>
+            <a:off x="1117601" y="4544267"/>
             <a:ext cx="11074399" cy="553998"/>
           </a:xfrm>
           <a:prstGeom prst="rect">
@@ -10880,8 +10900,8 @@
         </p:nvSpPr>
         <p:spPr>
           <a:xfrm>
-            <a:off x="1219186" y="1733318"/>
-            <a:ext cx="10483324" cy="3124201"/>
+            <a:off x="1226871" y="1710266"/>
+            <a:ext cx="10483324" cy="4034926"/>
           </a:xfrm>
         </p:spPr>
         <p:txBody>
@@ -10891,21 +10911,23 @@
           <a:lstStyle/>
           <a:p>
             <a:r>
+              <a:rPr lang="en-US" altLang="ko-KR" sz="2000" dirty="0"/>
+              <a:t>Nyx</a:t>
+            </a:r>
+            <a:r>
               <a:rPr lang="ko-KR" altLang="en-US" sz="2000" dirty="0"/>
-              <a:t>보스까지 가는 루트 </a:t>
-            </a:r>
-            <a:r>
-              <a:rPr lang="en-US" altLang="ko-KR" sz="2000" dirty="0"/>
-              <a:t>&amp; </a:t>
-            </a:r>
-            <a:r>
-              <a:rPr lang="ko-KR" altLang="en-US" sz="2000" dirty="0"/>
-              <a:t>퍼즐이나 점프 맵 중간중간에 배치한다</a:t>
-            </a:r>
-            <a:r>
-              <a:rPr lang="en-US" altLang="ko-KR" sz="2000" dirty="0"/>
-              <a:t>.</a:t>
-            </a:r>
+              <a:t>의 메인 컨텐츠라고 생각하기 때문에</a:t>
+            </a:r>
+            <a:br>
+              <a:rPr lang="en-US" altLang="ko-KR" sz="2000" dirty="0"/>
+            </a:br>
+            <a:r>
+              <a:rPr lang="en-US" altLang="ko-KR" sz="2000" dirty="0"/>
+              <a:t>		</a:t>
+            </a:r>
+            <a:br>
+              <a:rPr lang="en-US" altLang="ko-KR" sz="2000" dirty="0"/>
+            </a:br>
             <a:endParaRPr lang="ko-KR" altLang="en-US" sz="2000" dirty="0"/>
           </a:p>
         </p:txBody>
@@ -10959,7 +10981,7 @@
           <a:p>
             <a:r>
               <a:rPr lang="ko-KR" altLang="en-US" sz="5000" dirty="0"/>
-              <a:t>몬스터</a:t>
+              <a:t>메인 보스</a:t>
             </a:r>
           </a:p>
         </p:txBody>
@@ -10967,7 +10989,7 @@
     </p:spTree>
     <p:extLst>
       <p:ext uri="{BB962C8B-B14F-4D97-AF65-F5344CB8AC3E}">
-        <p14:creationId xmlns:p14="http://schemas.microsoft.com/office/powerpoint/2010/main" val="1571122907"/>
+        <p14:creationId xmlns:p14="http://schemas.microsoft.com/office/powerpoint/2010/main" val="2279813507"/>
       </p:ext>
     </p:extLst>
   </p:cSld>
@@ -11013,7 +11035,7 @@
         <p:spPr>
           <a:xfrm>
             <a:off x="1226871" y="1710266"/>
-            <a:ext cx="10463559" cy="3124201"/>
+            <a:ext cx="10483324" cy="4034926"/>
           </a:xfrm>
         </p:spPr>
         <p:txBody>
@@ -11023,57 +11045,35 @@
           <a:lstStyle/>
           <a:p>
             <a:r>
-              <a:rPr lang="en-US" altLang="ko-KR" sz="2000" dirty="0"/>
-              <a:t>HP</a:t>
-            </a:r>
-            <a:r>
               <a:rPr lang="ko-KR" altLang="en-US" sz="2000" dirty="0"/>
-              <a:t> 존재 </a:t>
+              <a:t>중간 보스 역할 </a:t>
+            </a:r>
+            <a:r>
+              <a:rPr lang="en-US" altLang="ko-KR" sz="2000" dirty="0"/>
+              <a:t>: TP</a:t>
+            </a:r>
+            <a:r>
+              <a:rPr lang="ko-KR" altLang="en-US" sz="2000" dirty="0"/>
+              <a:t>를 지키는 중간 보스</a:t>
             </a:r>
             <a:br>
               <a:rPr lang="en-US" altLang="ko-KR" sz="2000" dirty="0"/>
             </a:br>
             <a:r>
+              <a:rPr lang="en-US" altLang="ko-KR" sz="2000" dirty="0"/>
+              <a:t>	</a:t>
+            </a:r>
+            <a:r>
               <a:rPr lang="ko-KR" altLang="en-US" sz="2000" dirty="0"/>
-              <a:t>스킬 노드</a:t>
-            </a:r>
-            <a:br>
-              <a:rPr lang="en-US" altLang="ko-KR" sz="2000" dirty="0"/>
-            </a:br>
+              <a:t>메인 보스 보다는 </a:t>
+            </a:r>
             <a:r>
               <a:rPr lang="ko-KR" altLang="en-US" sz="2000" dirty="0" err="1"/>
-              <a:t>사망시</a:t>
+              <a:t>스텟도</a:t>
             </a:r>
             <a:r>
               <a:rPr lang="ko-KR" altLang="en-US" sz="2000" dirty="0"/>
-              <a:t> 최근 세이브</a:t>
-            </a:r>
-            <a:r>
-              <a:rPr lang="en-US" altLang="ko-KR" sz="2000" dirty="0"/>
-              <a:t> </a:t>
-            </a:r>
-            <a:r>
-              <a:rPr lang="ko-KR" altLang="en-US" sz="2000" dirty="0"/>
-              <a:t>데이터 위치에서 부활</a:t>
-            </a:r>
-            <a:br>
-              <a:rPr lang="en-US" altLang="ko-KR" sz="2000" dirty="0"/>
-            </a:br>
-            <a:r>
-              <a:rPr lang="ko-KR" altLang="en-US" sz="2000" dirty="0"/>
-              <a:t>공격은 콤보 형식 </a:t>
-            </a:r>
-            <a:r>
-              <a:rPr lang="en-US" altLang="ko-KR" sz="2000" dirty="0"/>
-              <a:t>(ex </a:t>
-            </a:r>
-            <a:r>
-              <a:rPr lang="en-US" altLang="ko-KR" sz="2000" dirty="0" err="1"/>
-              <a:t>aaa</a:t>
-            </a:r>
-            <a:r>
-              <a:rPr lang="en-US" altLang="ko-KR" sz="2000" dirty="0"/>
-              <a:t>-&gt;)</a:t>
+              <a:t> 많이 줄이고 패턴도 단조 롭게</a:t>
             </a:r>
             <a:br>
               <a:rPr lang="en-US" altLang="ko-KR" sz="2000" dirty="0"/>
@@ -11081,6 +11081,28 @@
             <a:br>
               <a:rPr lang="en-US" altLang="ko-KR" sz="2000" dirty="0"/>
             </a:br>
+            <a:br>
+              <a:rPr lang="en-US" altLang="ko-KR" sz="2000" dirty="0"/>
+            </a:br>
+            <a:br>
+              <a:rPr lang="en-US" altLang="ko-KR" sz="2000" dirty="0"/>
+            </a:br>
+            <a:r>
+              <a:rPr lang="en-US" altLang="ko-KR" sz="2000" dirty="0"/>
+              <a:t>BSP </a:t>
+            </a:r>
+            <a:r>
+              <a:rPr lang="ko-KR" altLang="en-US" sz="2000" dirty="0" err="1"/>
+              <a:t>맵에서의</a:t>
+            </a:r>
+            <a:r>
+              <a:rPr lang="ko-KR" altLang="en-US" sz="2000" dirty="0"/>
+              <a:t> 보스로 재탕</a:t>
+            </a:r>
+            <a:r>
+              <a:rPr lang="en-US" altLang="ko-KR" sz="2000" dirty="0"/>
+              <a:t>			</a:t>
+            </a:r>
             <a:br>
               <a:rPr lang="en-US" altLang="ko-KR" sz="2000" dirty="0"/>
             </a:br>
@@ -11137,99 +11159,15 @@
           <a:p>
             <a:r>
               <a:rPr lang="ko-KR" altLang="en-US" sz="5000" dirty="0"/>
-              <a:t>플레이어</a:t>
-            </a:r>
-          </a:p>
-        </p:txBody>
-      </p:sp>
-      <p:sp>
-        <p:nvSpPr>
-          <p:cNvPr id="3" name="제목 1">
-            <a:extLst>
-              <a:ext uri="{FF2B5EF4-FFF2-40B4-BE49-F238E27FC236}">
-                <a16:creationId xmlns:a16="http://schemas.microsoft.com/office/drawing/2014/main" id="{A60D4646-CE08-1994-7EC5-D09222362659}"/>
-              </a:ext>
-            </a:extLst>
-          </p:cNvPr>
-          <p:cNvSpPr txBox="1">
-            <a:spLocks/>
-          </p:cNvSpPr>
-          <p:nvPr/>
-        </p:nvSpPr>
-        <p:spPr>
-          <a:xfrm>
-            <a:off x="1226871" y="3997875"/>
-            <a:ext cx="10463559" cy="2518672"/>
-          </a:xfrm>
-          <a:prstGeom prst="rect">
-            <a:avLst/>
-          </a:prstGeom>
-        </p:spPr>
-        <p:txBody>
-          <a:bodyPr vert="horz" wrap="square" lIns="0" tIns="0" rIns="0" bIns="0" rtlCol="0" anchor="t" anchorCtr="0">
-            <a:normAutofit/>
-          </a:bodyPr>
-          <a:lstStyle>
-            <a:lvl1pPr algn="l" defTabSz="914400" rtl="0" eaLnBrk="1" latinLnBrk="0" hangingPunct="1">
-              <a:lnSpc>
-                <a:spcPct val="110000"/>
-              </a:lnSpc>
-              <a:spcBef>
-                <a:spcPct val="0"/>
-              </a:spcBef>
-              <a:buNone/>
-              <a:defRPr lang="en-US" sz="4800" kern="1200" spc="160" dirty="0">
-                <a:solidFill>
-                  <a:schemeClr val="tx1"/>
-                </a:solidFill>
-                <a:latin typeface="+mj-lt"/>
-                <a:ea typeface="+mj-ea"/>
-                <a:cs typeface="+mj-cs"/>
-              </a:defRPr>
-            </a:lvl1pPr>
-          </a:lstStyle>
-          <a:p>
-            <a:r>
-              <a:rPr lang="ko-KR" altLang="en-US" sz="2000" dirty="0"/>
-              <a:t>디자인 전체적인 검은색 분위기  </a:t>
-            </a:r>
-            <a:r>
-              <a:rPr lang="en-US" altLang="ko-KR" sz="2000" dirty="0"/>
-              <a:t>+   </a:t>
-            </a:r>
-            <a:r>
-              <a:rPr lang="ko-KR" altLang="en-US" sz="2000" dirty="0"/>
-              <a:t>날개</a:t>
-            </a:r>
-            <a:r>
-              <a:rPr lang="en-US" altLang="ko-KR" sz="2000" dirty="0"/>
-              <a:t>(</a:t>
-            </a:r>
-            <a:r>
-              <a:rPr lang="ko-KR" altLang="en-US" sz="2000" dirty="0"/>
-              <a:t>힘을 얻을 수록 커지도록</a:t>
-            </a:r>
-            <a:r>
-              <a:rPr lang="en-US" altLang="ko-KR" sz="2000" dirty="0"/>
-              <a:t>)</a:t>
-            </a:r>
-            <a:br>
-              <a:rPr lang="en-US" altLang="ko-KR" sz="2000" dirty="0"/>
-            </a:br>
-            <a:br>
-              <a:rPr lang="en-US" altLang="ko-KR" sz="2000" dirty="0"/>
-            </a:br>
-            <a:br>
-              <a:rPr lang="en-US" altLang="ko-KR" sz="2000" dirty="0"/>
-            </a:br>
-            <a:endParaRPr lang="ko-KR" altLang="en-US" sz="2000" dirty="0"/>
+              <a:t>서브 보스</a:t>
+            </a:r>
           </a:p>
         </p:txBody>
       </p:sp>
     </p:spTree>
     <p:extLst>
       <p:ext uri="{BB962C8B-B14F-4D97-AF65-F5344CB8AC3E}">
-        <p14:creationId xmlns:p14="http://schemas.microsoft.com/office/powerpoint/2010/main" val="240522347"/>
+        <p14:creationId xmlns:p14="http://schemas.microsoft.com/office/powerpoint/2010/main" val="1318616683"/>
       </p:ext>
     </p:extLst>
   </p:cSld>
@@ -11275,7 +11213,7 @@
         <p:spPr>
           <a:xfrm>
             <a:off x="1226871" y="1710266"/>
-            <a:ext cx="10483324" cy="4543885"/>
+            <a:ext cx="10463559" cy="3124201"/>
           </a:xfrm>
         </p:spPr>
         <p:txBody>
@@ -11286,129 +11224,57 @@
           <a:p>
             <a:r>
               <a:rPr lang="en-US" altLang="ko-KR" sz="2000" dirty="0"/>
-              <a:t>NP</a:t>
+              <a:t>HP</a:t>
             </a:r>
             <a:r>
               <a:rPr lang="ko-KR" altLang="en-US" sz="2000" dirty="0"/>
-              <a:t> 존재 이유  </a:t>
-            </a:r>
-            <a:r>
-              <a:rPr lang="en-US" altLang="ko-KR" sz="2000" dirty="0"/>
-              <a:t>: </a:t>
-            </a:r>
+              <a:t> 존재 </a:t>
+            </a:r>
+            <a:br>
+              <a:rPr lang="en-US" altLang="ko-KR" sz="2000" dirty="0"/>
+            </a:br>
             <a:r>
               <a:rPr lang="ko-KR" altLang="en-US" sz="2000" dirty="0"/>
-              <a:t>게임 </a:t>
-            </a:r>
+              <a:t>스킬 노드</a:t>
+            </a:r>
+            <a:br>
+              <a:rPr lang="en-US" altLang="ko-KR" sz="2000" dirty="0"/>
+            </a:br>
             <a:r>
               <a:rPr lang="ko-KR" altLang="en-US" sz="2000" dirty="0" err="1"/>
-              <a:t>진행시</a:t>
+              <a:t>사망시</a:t>
             </a:r>
             <a:r>
               <a:rPr lang="ko-KR" altLang="en-US" sz="2000" dirty="0"/>
-              <a:t> 플레이 막히는 구간에서 유저가 좀더 </a:t>
-            </a:r>
-            <a:r>
-              <a:rPr lang="ko-KR" altLang="en-US" sz="2000" dirty="0" err="1"/>
-              <a:t>원할하게</a:t>
+              <a:t> 최근 세이브</a:t>
+            </a:r>
+            <a:r>
+              <a:rPr lang="en-US" altLang="ko-KR" sz="2000" dirty="0"/>
+              <a:t> </a:t>
             </a:r>
             <a:r>
               <a:rPr lang="ko-KR" altLang="en-US" sz="2000" dirty="0"/>
-              <a:t> 다음 구간으로 넘어갈 수 있도록 도와주는 장치</a:t>
+              <a:t>데이터 위치에서 부활</a:t>
             </a:r>
             <a:br>
               <a:rPr lang="en-US" altLang="ko-KR" sz="2000" dirty="0"/>
             </a:br>
-            <a:br>
-              <a:rPr lang="en-US" altLang="ko-KR" sz="2000" dirty="0"/>
-            </a:br>
-            <a:r>
-              <a:rPr lang="en-US" altLang="ko-KR" sz="2000" dirty="0"/>
-              <a:t>NP</a:t>
-            </a:r>
             <a:r>
               <a:rPr lang="ko-KR" altLang="en-US" sz="2000" dirty="0"/>
-              <a:t> 활용 </a:t>
-            </a:r>
-            <a:r>
-              <a:rPr lang="en-US" altLang="ko-KR" sz="2000" dirty="0"/>
-              <a:t>: </a:t>
-            </a:r>
-            <a:r>
-              <a:rPr lang="ko-KR" altLang="en-US" sz="2000" dirty="0"/>
-              <a:t>스킬 노드에서 캐릭터 육성 가능</a:t>
-            </a:r>
-            <a:r>
-              <a:rPr lang="en-US" altLang="ko-KR" sz="2000" dirty="0"/>
-              <a:t>  </a:t>
-            </a:r>
-            <a:br>
-              <a:rPr lang="en-US" altLang="ko-KR" sz="2000" dirty="0"/>
-            </a:br>
-            <a:br>
-              <a:rPr lang="en-US" altLang="ko-KR" sz="2000" dirty="0"/>
-            </a:br>
-            <a:r>
-              <a:rPr lang="en-US" altLang="ko-KR" sz="2000" dirty="0"/>
-              <a:t>NP </a:t>
-            </a:r>
-            <a:r>
-              <a:rPr lang="ko-KR" altLang="en-US" sz="2000" dirty="0" err="1"/>
-              <a:t>획득처</a:t>
-            </a:r>
-            <a:r>
-              <a:rPr lang="en-US" altLang="ko-KR" sz="2000" dirty="0"/>
-              <a:t> : </a:t>
-            </a:r>
-            <a:r>
-              <a:rPr lang="ko-KR" altLang="en-US" sz="2000" dirty="0"/>
-              <a:t>게임을 </a:t>
-            </a:r>
-            <a:r>
-              <a:rPr lang="ko-KR" altLang="en-US" sz="2000" dirty="0" err="1"/>
-              <a:t>진행하다보면</a:t>
-            </a:r>
-            <a:r>
-              <a:rPr lang="ko-KR" altLang="en-US" sz="2000" dirty="0"/>
-              <a:t> 자연스럽게 일정량 얻을 수 있게 설계 </a:t>
-            </a:r>
-            <a:br>
-              <a:rPr lang="en-US" altLang="ko-KR" sz="2000" dirty="0"/>
-            </a:br>
-            <a:r>
-              <a:rPr lang="en-US" altLang="ko-KR" sz="2000" dirty="0"/>
-              <a:t>		</a:t>
-            </a:r>
-            <a:r>
-              <a:rPr lang="ko-KR" altLang="en-US" sz="2000" dirty="0"/>
-              <a:t>하지만 개개인이 느끼는 난이도가 다르기 </a:t>
-            </a:r>
-            <a:r>
-              <a:rPr lang="ko-KR" altLang="en-US" sz="2000" dirty="0" err="1"/>
-              <a:t>떄문에</a:t>
-            </a:r>
-            <a:br>
-              <a:rPr lang="en-US" altLang="ko-KR" sz="2000" dirty="0"/>
-            </a:br>
-            <a:r>
-              <a:rPr lang="en-US" altLang="ko-KR" sz="2000" dirty="0"/>
-              <a:t>		BSP </a:t>
-            </a:r>
-            <a:r>
-              <a:rPr lang="ko-KR" altLang="en-US" sz="2000" dirty="0"/>
-              <a:t>맵 에서  추가적인 </a:t>
-            </a:r>
-            <a:r>
-              <a:rPr lang="en-US" altLang="ko-KR" sz="2000" dirty="0"/>
-              <a:t>SP</a:t>
-            </a:r>
-            <a:r>
-              <a:rPr lang="ko-KR" altLang="en-US" sz="2000" dirty="0"/>
-              <a:t> 획득 가능</a:t>
-            </a:r>
-            <a:br>
-              <a:rPr lang="en-US" altLang="ko-KR" sz="2000" dirty="0"/>
-            </a:br>
+              <a:t>공격은 콤보 형식 </a:t>
+            </a:r>
+            <a:r>
+              <a:rPr lang="en-US" altLang="ko-KR" sz="2000" dirty="0"/>
+              <a:t>(ex </a:t>
+            </a:r>
+            <a:r>
+              <a:rPr lang="en-US" altLang="ko-KR" sz="2000" dirty="0" err="1"/>
+              <a:t>aaa</a:t>
+            </a:r>
+            <a:r>
+              <a:rPr lang="en-US" altLang="ko-KR" sz="2000" dirty="0"/>
+              <a:t>-&gt;)</a:t>
+            </a:r>
             <a:br>
               <a:rPr lang="en-US" altLang="ko-KR" sz="2000" dirty="0"/>
             </a:br>
@@ -11439,7 +11305,7 @@
         <p:spPr>
           <a:xfrm>
             <a:off x="981338" y="528638"/>
-            <a:ext cx="2986813" cy="859366"/>
+            <a:ext cx="8712995" cy="859366"/>
           </a:xfrm>
           <a:prstGeom prst="rect">
             <a:avLst/>
@@ -11470,13 +11336,92 @@
           </a:lstStyle>
           <a:p>
             <a:r>
-              <a:rPr lang="en-US" altLang="ko-KR" sz="5000" dirty="0"/>
-              <a:t> NP</a:t>
-            </a:r>
-            <a:r>
-              <a:rPr lang="en-US" altLang="ko-KR" sz="2000" dirty="0"/>
-              <a:t>(node Point)</a:t>
-            </a:r>
+              <a:rPr lang="ko-KR" altLang="en-US" sz="5000" dirty="0"/>
+              <a:t>플레이어</a:t>
+            </a:r>
+          </a:p>
+        </p:txBody>
+      </p:sp>
+      <p:sp>
+        <p:nvSpPr>
+          <p:cNvPr id="3" name="제목 1">
+            <a:extLst>
+              <a:ext uri="{FF2B5EF4-FFF2-40B4-BE49-F238E27FC236}">
+                <a16:creationId xmlns:a16="http://schemas.microsoft.com/office/drawing/2014/main" id="{A60D4646-CE08-1994-7EC5-D09222362659}"/>
+              </a:ext>
+            </a:extLst>
+          </p:cNvPr>
+          <p:cNvSpPr txBox="1">
+            <a:spLocks/>
+          </p:cNvSpPr>
+          <p:nvPr/>
+        </p:nvSpPr>
+        <p:spPr>
+          <a:xfrm>
+            <a:off x="1226871" y="3997875"/>
+            <a:ext cx="10463559" cy="2518672"/>
+          </a:xfrm>
+          <a:prstGeom prst="rect">
+            <a:avLst/>
+          </a:prstGeom>
+        </p:spPr>
+        <p:txBody>
+          <a:bodyPr vert="horz" wrap="square" lIns="0" tIns="0" rIns="0" bIns="0" rtlCol="0" anchor="t" anchorCtr="0">
+            <a:normAutofit/>
+          </a:bodyPr>
+          <a:lstStyle>
+            <a:lvl1pPr algn="l" defTabSz="914400" rtl="0" eaLnBrk="1" latinLnBrk="0" hangingPunct="1">
+              <a:lnSpc>
+                <a:spcPct val="110000"/>
+              </a:lnSpc>
+              <a:spcBef>
+                <a:spcPct val="0"/>
+              </a:spcBef>
+              <a:buNone/>
+              <a:defRPr lang="en-US" sz="4800" kern="1200" spc="160" dirty="0">
+                <a:solidFill>
+                  <a:schemeClr val="tx1"/>
+                </a:solidFill>
+                <a:latin typeface="+mj-lt"/>
+                <a:ea typeface="+mj-ea"/>
+                <a:cs typeface="+mj-cs"/>
+              </a:defRPr>
+            </a:lvl1pPr>
+          </a:lstStyle>
+          <a:p>
+            <a:r>
+              <a:rPr lang="ko-KR" altLang="en-US" sz="2000" dirty="0"/>
+              <a:t>디자인 전체적인 검은색 분위기  </a:t>
+            </a:r>
+            <a:r>
+              <a:rPr lang="en-US" altLang="ko-KR" sz="2000" dirty="0"/>
+              <a:t>+   </a:t>
+            </a:r>
+            <a:r>
+              <a:rPr lang="ko-KR" altLang="en-US" sz="2000" dirty="0"/>
+              <a:t>날개</a:t>
+            </a:r>
+            <a:r>
+              <a:rPr lang="en-US" altLang="ko-KR" sz="2000" dirty="0"/>
+              <a:t>(</a:t>
+            </a:r>
+            <a:r>
+              <a:rPr lang="ko-KR" altLang="en-US" sz="2000" dirty="0"/>
+              <a:t>힘을 얻을 수록 커지도록</a:t>
+            </a:r>
+            <a:r>
+              <a:rPr lang="en-US" altLang="ko-KR" sz="2000" dirty="0"/>
+              <a:t>)</a:t>
+            </a:r>
+            <a:br>
+              <a:rPr lang="en-US" altLang="ko-KR" sz="2000" dirty="0"/>
+            </a:br>
+            <a:br>
+              <a:rPr lang="en-US" altLang="ko-KR" sz="2000" dirty="0"/>
+            </a:br>
+            <a:br>
+              <a:rPr lang="en-US" altLang="ko-KR" sz="2000" dirty="0"/>
+            </a:br>
             <a:endParaRPr lang="ko-KR" altLang="en-US" sz="2000" dirty="0"/>
           </a:p>
         </p:txBody>
@@ -11484,7 +11429,7 @@
     </p:spTree>
     <p:extLst>
       <p:ext uri="{BB962C8B-B14F-4D97-AF65-F5344CB8AC3E}">
-        <p14:creationId xmlns:p14="http://schemas.microsoft.com/office/powerpoint/2010/main" val="3456569480"/>
+        <p14:creationId xmlns:p14="http://schemas.microsoft.com/office/powerpoint/2010/main" val="240522347"/>
       </p:ext>
     </p:extLst>
   </p:cSld>
@@ -11529,8 +11474,8 @@
         </p:nvSpPr>
         <p:spPr>
           <a:xfrm>
-            <a:off x="981338" y="1659111"/>
-            <a:ext cx="10483324" cy="4997465"/>
+            <a:off x="1226871" y="1710266"/>
+            <a:ext cx="10483324" cy="4543885"/>
           </a:xfrm>
         </p:spPr>
         <p:txBody>
@@ -11540,16 +11485,36 @@
           <a:lstStyle/>
           <a:p>
             <a:r>
+              <a:rPr lang="en-US" altLang="ko-KR" sz="2000" dirty="0"/>
+              <a:t>NP</a:t>
+            </a:r>
+            <a:r>
               <a:rPr lang="ko-KR" altLang="en-US" sz="2000" dirty="0"/>
-              <a:t>플레이어의 취향대로 플레이어를 성장 시킬 수 있으면 좋겠다고 생각 </a:t>
-            </a:r>
-            <a:r>
-              <a:rPr lang="en-US" altLang="ko-KR" sz="2000" dirty="0"/>
-              <a:t>-&gt; </a:t>
+              <a:t> 존재 이유  </a:t>
+            </a:r>
+            <a:r>
+              <a:rPr lang="en-US" altLang="ko-KR" sz="2000" dirty="0"/>
+              <a:t>: </a:t>
             </a:r>
             <a:r>
               <a:rPr lang="ko-KR" altLang="en-US" sz="2000" dirty="0"/>
-              <a:t>스킬 노드 시스템</a:t>
+              <a:t>게임 </a:t>
+            </a:r>
+            <a:r>
+              <a:rPr lang="ko-KR" altLang="en-US" sz="2000" dirty="0" err="1"/>
+              <a:t>진행시</a:t>
+            </a:r>
+            <a:r>
+              <a:rPr lang="ko-KR" altLang="en-US" sz="2000" dirty="0"/>
+              <a:t> 플레이 막히는 구간에서 유저가 좀더 </a:t>
+            </a:r>
+            <a:r>
+              <a:rPr lang="ko-KR" altLang="en-US" sz="2000" dirty="0" err="1"/>
+              <a:t>원할하게</a:t>
+            </a:r>
+            <a:r>
+              <a:rPr lang="ko-KR" altLang="en-US" sz="2000" dirty="0"/>
+              <a:t> 다음 구간으로 넘어갈 수 있도록 도와주는 장치</a:t>
             </a:r>
             <a:br>
               <a:rPr lang="en-US" altLang="ko-KR" sz="2000" dirty="0"/>
@@ -11558,16 +11523,24 @@
               <a:rPr lang="en-US" altLang="ko-KR" sz="2000" dirty="0"/>
             </a:br>
             <a:r>
+              <a:rPr lang="en-US" altLang="ko-KR" sz="2000" dirty="0"/>
+              <a:t>NP</a:t>
+            </a:r>
+            <a:r>
               <a:rPr lang="ko-KR" altLang="en-US" sz="2000" dirty="0"/>
-              <a:t>반복적인 공격을 피하고 유저의 플레이 스타일을 최대한 살리고 싶다 </a:t>
-            </a:r>
-            <a:r>
-              <a:rPr lang="en-US" altLang="ko-KR" sz="2000" dirty="0"/>
-              <a:t>-&gt; </a:t>
+              <a:t> 활용 </a:t>
+            </a:r>
+            <a:r>
+              <a:rPr lang="en-US" altLang="ko-KR" sz="2000" dirty="0"/>
+              <a:t>: </a:t>
             </a:r>
             <a:r>
               <a:rPr lang="ko-KR" altLang="en-US" sz="2000" dirty="0"/>
-              <a:t>무기 시스템</a:t>
+              <a:t>스킬 노드에서 캐릭터 육성 가능</a:t>
+            </a:r>
+            <a:r>
+              <a:rPr lang="en-US" altLang="ko-KR" sz="2000" dirty="0"/>
+              <a:t>  </a:t>
             </a:r>
             <a:br>
               <a:rPr lang="en-US" altLang="ko-KR" sz="2000" dirty="0"/>
@@ -11575,12 +11548,64 @@
             <a:br>
               <a:rPr lang="en-US" altLang="ko-KR" sz="2000" dirty="0"/>
             </a:br>
+            <a:r>
+              <a:rPr lang="en-US" altLang="ko-KR" sz="2000" dirty="0"/>
+              <a:t>NP </a:t>
+            </a:r>
+            <a:r>
+              <a:rPr lang="ko-KR" altLang="en-US" sz="2000" dirty="0" err="1"/>
+              <a:t>획득처</a:t>
+            </a:r>
+            <a:r>
+              <a:rPr lang="en-US" altLang="ko-KR" sz="2000" dirty="0"/>
+              <a:t> : </a:t>
+            </a:r>
+            <a:r>
+              <a:rPr lang="ko-KR" altLang="en-US" sz="2000" dirty="0"/>
+              <a:t>게임을 </a:t>
+            </a:r>
+            <a:r>
+              <a:rPr lang="ko-KR" altLang="en-US" sz="2000" dirty="0" err="1"/>
+              <a:t>진행하다보면</a:t>
+            </a:r>
+            <a:r>
+              <a:rPr lang="ko-KR" altLang="en-US" sz="2000" dirty="0"/>
+              <a:t> 자연스럽게 일정량 얻을 수 있게 설계 </a:t>
+            </a:r>
             <a:br>
               <a:rPr lang="en-US" altLang="ko-KR" sz="2000" dirty="0"/>
             </a:br>
+            <a:r>
+              <a:rPr lang="en-US" altLang="ko-KR" sz="2000" dirty="0"/>
+              <a:t>		</a:t>
+            </a:r>
+            <a:r>
+              <a:rPr lang="ko-KR" altLang="en-US" sz="2000" dirty="0"/>
+              <a:t>하지만 개개인이 느끼는 난이도가 다르기 </a:t>
+            </a:r>
+            <a:r>
+              <a:rPr lang="ko-KR" altLang="en-US" sz="2000" dirty="0" err="1"/>
+              <a:t>떄문에</a:t>
+            </a:r>
             <a:br>
               <a:rPr lang="en-US" altLang="ko-KR" sz="2000" dirty="0"/>
             </a:br>
+            <a:r>
+              <a:rPr lang="en-US" altLang="ko-KR" sz="2000" dirty="0"/>
+              <a:t>		BSP </a:t>
+            </a:r>
+            <a:r>
+              <a:rPr lang="ko-KR" altLang="en-US" sz="2000" dirty="0"/>
+              <a:t>맵 에서  추가적인 </a:t>
+            </a:r>
+            <a:r>
+              <a:rPr lang="en-US" altLang="ko-KR" sz="2000" dirty="0"/>
+              <a:t>SP</a:t>
+            </a:r>
+            <a:r>
+              <a:rPr lang="ko-KR" altLang="en-US" sz="2000" dirty="0"/>
+              <a:t> 획득 가능</a:t>
+            </a:r>
             <a:br>
               <a:rPr lang="en-US" altLang="ko-KR" sz="2000" dirty="0"/>
             </a:br>
@@ -11614,7 +11639,7 @@
         <p:spPr>
           <a:xfrm>
             <a:off x="981338" y="528638"/>
-            <a:ext cx="8712995" cy="859366"/>
+            <a:ext cx="2986813" cy="859366"/>
           </a:xfrm>
           <a:prstGeom prst="rect">
             <a:avLst/>
@@ -11645,16 +11670,21 @@
           </a:lstStyle>
           <a:p>
             <a:r>
-              <a:rPr lang="ko-KR" altLang="en-US" sz="5000" dirty="0"/>
-              <a:t>캐릭터의 성장</a:t>
-            </a:r>
+              <a:rPr lang="en-US" altLang="ko-KR" sz="5000" dirty="0"/>
+              <a:t> NP</a:t>
+            </a:r>
+            <a:r>
+              <a:rPr lang="en-US" altLang="ko-KR" sz="2000" dirty="0"/>
+              <a:t>(node Point)</a:t>
+            </a:r>
+            <a:endParaRPr lang="ko-KR" altLang="en-US" sz="2000" dirty="0"/>
           </a:p>
         </p:txBody>
       </p:sp>
     </p:spTree>
     <p:extLst>
       <p:ext uri="{BB962C8B-B14F-4D97-AF65-F5344CB8AC3E}">
-        <p14:creationId xmlns:p14="http://schemas.microsoft.com/office/powerpoint/2010/main" val="1619180556"/>
+        <p14:creationId xmlns:p14="http://schemas.microsoft.com/office/powerpoint/2010/main" val="3456569480"/>
       </p:ext>
     </p:extLst>
   </p:cSld>
@@ -11699,6 +11729,176 @@
         </p:nvSpPr>
         <p:spPr>
           <a:xfrm>
+            <a:off x="981338" y="1659111"/>
+            <a:ext cx="10483324" cy="4997465"/>
+          </a:xfrm>
+        </p:spPr>
+        <p:txBody>
+          <a:bodyPr>
+            <a:normAutofit/>
+          </a:bodyPr>
+          <a:lstStyle/>
+          <a:p>
+            <a:r>
+              <a:rPr lang="ko-KR" altLang="en-US" sz="2000" dirty="0"/>
+              <a:t>플레이어의 취향대로 플레이어를 성장 시킬 수 있으면 좋겠다고 생각 </a:t>
+            </a:r>
+            <a:r>
+              <a:rPr lang="en-US" altLang="ko-KR" sz="2000" dirty="0"/>
+              <a:t>-&gt; </a:t>
+            </a:r>
+            <a:r>
+              <a:rPr lang="ko-KR" altLang="en-US" sz="2000" dirty="0"/>
+              <a:t>스킬 노드 시스템</a:t>
+            </a:r>
+            <a:br>
+              <a:rPr lang="en-US" altLang="ko-KR" sz="2000" dirty="0"/>
+            </a:br>
+            <a:br>
+              <a:rPr lang="en-US" altLang="ko-KR" sz="2000" dirty="0"/>
+            </a:br>
+            <a:r>
+              <a:rPr lang="ko-KR" altLang="en-US" sz="2000" dirty="0"/>
+              <a:t>반복적인 공격을 피하고 유저의 플레이 스타일을 최대한 살리고 싶다 </a:t>
+            </a:r>
+            <a:r>
+              <a:rPr lang="en-US" altLang="ko-KR" sz="2000" dirty="0"/>
+              <a:t>-&gt; </a:t>
+            </a:r>
+            <a:r>
+              <a:rPr lang="ko-KR" altLang="en-US" sz="2000" dirty="0"/>
+              <a:t>무기 시스템</a:t>
+            </a:r>
+            <a:br>
+              <a:rPr lang="en-US" altLang="ko-KR" sz="2000" dirty="0"/>
+            </a:br>
+            <a:br>
+              <a:rPr lang="en-US" altLang="ko-KR" sz="2000" dirty="0"/>
+            </a:br>
+            <a:br>
+              <a:rPr lang="en-US" altLang="ko-KR" sz="2000" dirty="0"/>
+            </a:br>
+            <a:br>
+              <a:rPr lang="en-US" altLang="ko-KR" sz="2000" dirty="0"/>
+            </a:br>
+            <a:br>
+              <a:rPr lang="en-US" altLang="ko-KR" sz="2000" dirty="0"/>
+            </a:br>
+            <a:br>
+              <a:rPr lang="en-US" altLang="ko-KR" sz="2000" dirty="0"/>
+            </a:br>
+            <a:br>
+              <a:rPr lang="en-US" altLang="ko-KR" sz="2000" dirty="0"/>
+            </a:br>
+            <a:br>
+              <a:rPr lang="en-US" altLang="ko-KR" sz="2000" dirty="0"/>
+            </a:br>
+            <a:endParaRPr lang="ko-KR" altLang="en-US" sz="2000" dirty="0"/>
+          </a:p>
+        </p:txBody>
+      </p:sp>
+      <p:sp>
+        <p:nvSpPr>
+          <p:cNvPr id="4" name="제목 1">
+            <a:extLst>
+              <a:ext uri="{FF2B5EF4-FFF2-40B4-BE49-F238E27FC236}">
+                <a16:creationId xmlns:a16="http://schemas.microsoft.com/office/drawing/2014/main" id="{8E2E0E5E-C494-5952-9A4E-98B51E4DFDCD}"/>
+              </a:ext>
+            </a:extLst>
+          </p:cNvPr>
+          <p:cNvSpPr txBox="1">
+            <a:spLocks/>
+          </p:cNvSpPr>
+          <p:nvPr/>
+        </p:nvSpPr>
+        <p:spPr>
+          <a:xfrm>
+            <a:off x="981338" y="528638"/>
+            <a:ext cx="8712995" cy="859366"/>
+          </a:xfrm>
+          <a:prstGeom prst="rect">
+            <a:avLst/>
+          </a:prstGeom>
+        </p:spPr>
+        <p:txBody>
+          <a:bodyPr vert="horz" wrap="square" lIns="0" tIns="0" rIns="0" bIns="0" rtlCol="0" anchor="t" anchorCtr="0">
+            <a:noAutofit/>
+          </a:bodyPr>
+          <a:lstStyle>
+            <a:lvl1pPr algn="l" defTabSz="914400" rtl="0" eaLnBrk="1" latinLnBrk="0" hangingPunct="1">
+              <a:lnSpc>
+                <a:spcPct val="110000"/>
+              </a:lnSpc>
+              <a:spcBef>
+                <a:spcPct val="0"/>
+              </a:spcBef>
+              <a:buNone/>
+              <a:defRPr lang="en-US" sz="4800" kern="1200" spc="160" dirty="0">
+                <a:solidFill>
+                  <a:schemeClr val="tx1"/>
+                </a:solidFill>
+                <a:latin typeface="+mj-lt"/>
+                <a:ea typeface="+mj-ea"/>
+                <a:cs typeface="+mj-cs"/>
+              </a:defRPr>
+            </a:lvl1pPr>
+          </a:lstStyle>
+          <a:p>
+            <a:r>
+              <a:rPr lang="ko-KR" altLang="en-US" sz="5000" dirty="0"/>
+              <a:t>캐릭터의 성장</a:t>
+            </a:r>
+          </a:p>
+        </p:txBody>
+      </p:sp>
+    </p:spTree>
+    <p:extLst>
+      <p:ext uri="{BB962C8B-B14F-4D97-AF65-F5344CB8AC3E}">
+        <p14:creationId xmlns:p14="http://schemas.microsoft.com/office/powerpoint/2010/main" val="1619180556"/>
+      </p:ext>
+    </p:extLst>
+  </p:cSld>
+  <p:clrMapOvr>
+    <a:masterClrMapping/>
+  </p:clrMapOvr>
+</p:sld>
+</file>
+
+<file path=ppt/slides/slide25.xml><?xml version="1.0" encoding="utf-8"?>
+<p:sld xmlns:a="http://schemas.openxmlformats.org/drawingml/2006/main" xmlns:r="http://schemas.openxmlformats.org/officeDocument/2006/relationships" xmlns:p="http://schemas.openxmlformats.org/presentationml/2006/main">
+  <p:cSld>
+    <p:spTree>
+      <p:nvGrpSpPr>
+        <p:cNvPr id="1" name=""/>
+        <p:cNvGrpSpPr/>
+        <p:nvPr/>
+      </p:nvGrpSpPr>
+      <p:grpSpPr>
+        <a:xfrm>
+          <a:off x="0" y="0"/>
+          <a:ext cx="0" cy="0"/>
+          <a:chOff x="0" y="0"/>
+          <a:chExt cx="0" cy="0"/>
+        </a:xfrm>
+      </p:grpSpPr>
+      <p:sp>
+        <p:nvSpPr>
+          <p:cNvPr id="2" name="제목 1">
+            <a:extLst>
+              <a:ext uri="{FF2B5EF4-FFF2-40B4-BE49-F238E27FC236}">
+                <a16:creationId xmlns:a16="http://schemas.microsoft.com/office/drawing/2014/main" id="{7B2E3A79-41DF-C0FE-CFAA-BCB5A42209EE}"/>
+              </a:ext>
+            </a:extLst>
+          </p:cNvPr>
+          <p:cNvSpPr>
+            <a:spLocks noGrp="1"/>
+          </p:cNvSpPr>
+          <p:nvPr>
+            <p:ph type="title"/>
+          </p:nvPr>
+        </p:nvSpPr>
+        <p:spPr>
+          <a:xfrm>
             <a:off x="1157423" y="1710266"/>
             <a:ext cx="4648697" cy="329549"/>
           </a:xfrm>
@@ -12135,7 +12335,7 @@
 </p:sld>
 </file>
 
-<file path=ppt/slides/slide25.xml><?xml version="1.0" encoding="utf-8"?>
+<file path=ppt/slides/slide26.xml><?xml version="1.0" encoding="utf-8"?>
 <p:sld xmlns:a="http://schemas.openxmlformats.org/drawingml/2006/main" xmlns:r="http://schemas.openxmlformats.org/officeDocument/2006/relationships" xmlns:p="http://schemas.openxmlformats.org/presentationml/2006/main">
   <p:cSld>
     <p:spTree>
@@ -12348,7 +12548,7 @@
 </p:sld>
 </file>
 
-<file path=ppt/slides/slide26.xml><?xml version="1.0" encoding="utf-8"?>
+<file path=ppt/slides/slide27.xml><?xml version="1.0" encoding="utf-8"?>
 <p:sld xmlns:a="http://schemas.openxmlformats.org/drawingml/2006/main" xmlns:r="http://schemas.openxmlformats.org/officeDocument/2006/relationships" xmlns:p="http://schemas.openxmlformats.org/presentationml/2006/main">
   <p:cSld>
     <p:spTree>
@@ -12605,7 +12805,7 @@
             </a:r>
             <a:r>
               <a:rPr lang="ko-KR" altLang="en-US" sz="3000" dirty="0" err="1"/>
-              <a:t>메트로베니아</a:t>
+              <a:t>메트로배니아</a:t>
             </a:r>
             <a:r>
               <a:rPr lang="ko-KR" altLang="en-US" sz="3000" dirty="0"/>
@@ -12826,7 +13026,7 @@
             </a:r>
             <a:r>
               <a:rPr lang="en-US" altLang="ko-KR" sz="3000" dirty="0"/>
-              <a:t>:	 10</a:t>
+              <a:t>:	 	10</a:t>
             </a:r>
             <a:r>
               <a:rPr lang="ko-KR" altLang="en-US" sz="3000" dirty="0"/>
@@ -12862,7 +13062,7 @@
         </p:nvSpPr>
         <p:spPr>
           <a:xfrm>
-            <a:off x="516398" y="4642091"/>
+            <a:off x="550198" y="4622272"/>
             <a:ext cx="11074399" cy="553998"/>
           </a:xfrm>
           <a:prstGeom prst="rect">
@@ -12986,7 +13186,7 @@
         <p:spPr>
           <a:xfrm>
             <a:off x="550200" y="1653725"/>
-            <a:ext cx="11006800" cy="525993"/>
+            <a:ext cx="11006800" cy="3013166"/>
           </a:xfrm>
           <a:prstGeom prst="rect">
             <a:avLst/>
@@ -13021,6 +13221,18 @@
               <a:buChar char="•"/>
             </a:pPr>
             <a:r>
+              <a:rPr lang="ko-KR" altLang="en-US" sz="3000" dirty="0"/>
+              <a:t>총 개발 예상 기간은 </a:t>
+            </a:r>
+            <a:r>
+              <a:rPr lang="en-US" altLang="ko-KR" sz="3000" dirty="0"/>
+              <a:t>1</a:t>
+            </a:r>
+            <a:r>
+              <a:rPr lang="ko-KR" altLang="en-US" sz="3000" dirty="0"/>
+              <a:t>년으로 </a:t>
+            </a:r>
+            <a:r>
               <a:rPr lang="en-US" altLang="ko-KR" sz="3000" dirty="0"/>
               <a:t>24.06 </a:t>
             </a:r>
@@ -13032,6 +13244,23 @@
               <a:rPr lang="en-US" altLang="ko-KR" sz="3000" dirty="0"/>
               <a:t>.</a:t>
             </a:r>
+          </a:p>
+          <a:p>
+            <a:pPr marL="457200" indent="-457200">
+              <a:buFont typeface="Arial" panose="020B0604020202020204" pitchFamily="34" charset="0"/>
+              <a:buChar char="•"/>
+            </a:pPr>
+            <a:r>
+              <a:rPr lang="ko-KR" altLang="en-US" sz="3000" dirty="0"/>
+              <a:t>졸업 작품 출품 예정인 </a:t>
+            </a:r>
+            <a:endParaRPr lang="en-US" altLang="ko-KR" sz="3000" dirty="0"/>
+          </a:p>
+          <a:p>
+            <a:pPr marL="457200" indent="-457200">
+              <a:buFont typeface="Arial" panose="020B0604020202020204" pitchFamily="34" charset="0"/>
+              <a:buChar char="•"/>
+            </a:pPr>
             <a:endParaRPr lang="ko-KR" altLang="en-US" sz="3000" dirty="0"/>
           </a:p>
         </p:txBody>
@@ -13087,81 +13316,6 @@
               <a:buFont typeface="Arial" panose="020B0604020202020204" pitchFamily="34" charset="0"/>
               <a:buChar char="•"/>
             </a:pPr>
-            <a:endParaRPr lang="ko-KR" altLang="en-US" sz="3000" dirty="0"/>
-          </a:p>
-        </p:txBody>
-      </p:sp>
-      <p:sp>
-        <p:nvSpPr>
-          <p:cNvPr id="3" name="제목 1">
-            <a:extLst>
-              <a:ext uri="{FF2B5EF4-FFF2-40B4-BE49-F238E27FC236}">
-                <a16:creationId xmlns:a16="http://schemas.microsoft.com/office/drawing/2014/main" id="{95DF1F1E-9A61-983C-1F8E-1F4D6904F1F4}"/>
-              </a:ext>
-            </a:extLst>
-          </p:cNvPr>
-          <p:cNvSpPr txBox="1">
-            <a:spLocks/>
-          </p:cNvSpPr>
-          <p:nvPr/>
-        </p:nvSpPr>
-        <p:spPr>
-          <a:xfrm>
-            <a:off x="550200" y="2317909"/>
-            <a:ext cx="11006800" cy="525993"/>
-          </a:xfrm>
-          <a:prstGeom prst="rect">
-            <a:avLst/>
-          </a:prstGeom>
-        </p:spPr>
-        <p:txBody>
-          <a:bodyPr vert="horz" wrap="square" lIns="0" tIns="0" rIns="0" bIns="0" rtlCol="0" anchor="t" anchorCtr="0">
-            <a:normAutofit/>
-          </a:bodyPr>
-          <a:lstStyle>
-            <a:lvl1pPr algn="l" defTabSz="914400" rtl="0" eaLnBrk="1" latinLnBrk="0" hangingPunct="1">
-              <a:lnSpc>
-                <a:spcPct val="110000"/>
-              </a:lnSpc>
-              <a:spcBef>
-                <a:spcPct val="0"/>
-              </a:spcBef>
-              <a:buNone/>
-              <a:defRPr lang="en-US" sz="4800" kern="1200" spc="160" dirty="0">
-                <a:solidFill>
-                  <a:schemeClr val="tx1"/>
-                </a:solidFill>
-                <a:latin typeface="+mj-lt"/>
-                <a:ea typeface="+mj-ea"/>
-                <a:cs typeface="+mj-cs"/>
-              </a:defRPr>
-            </a:lvl1pPr>
-          </a:lstStyle>
-          <a:p>
-            <a:pPr marL="457200" indent="-457200">
-              <a:buFont typeface="Arial" panose="020B0604020202020204" pitchFamily="34" charset="0"/>
-              <a:buChar char="•"/>
-            </a:pPr>
-            <a:r>
-              <a:rPr lang="en-US" altLang="ko-KR" sz="3000" dirty="0"/>
-              <a:t>23.11 </a:t>
-            </a:r>
-            <a:r>
-              <a:rPr lang="ko-KR" altLang="en-US" sz="3000" dirty="0"/>
-              <a:t>까지 프로토타입</a:t>
-            </a:r>
-            <a:r>
-              <a:rPr lang="en-US" altLang="ko-KR" sz="3000" dirty="0"/>
-              <a:t>(</a:t>
-            </a:r>
-            <a:r>
-              <a:rPr lang="ko-KR" altLang="en-US" sz="3000" dirty="0"/>
-              <a:t>일부분</a:t>
-            </a:r>
-            <a:r>
-              <a:rPr lang="en-US" altLang="ko-KR" sz="3000" dirty="0"/>
-              <a:t>)</a:t>
-            </a:r>
             <a:endParaRPr lang="ko-KR" altLang="en-US" sz="3000" dirty="0"/>
           </a:p>
         </p:txBody>
@@ -13246,21 +13400,8 @@
             <a:pPr algn="r"/>
             <a:r>
               <a:rPr lang="ko-KR" altLang="en-US" sz="5000" dirty="0"/>
-              <a:t>게임 컨셉</a:t>
-            </a:r>
-            <a:r>
-              <a:rPr lang="en-US" altLang="ko-KR" sz="5000" dirty="0"/>
-              <a:t>(</a:t>
-            </a:r>
-            <a:r>
-              <a:rPr lang="ko-KR" altLang="en-US" sz="5000" dirty="0"/>
-              <a:t>플레이</a:t>
-            </a:r>
-            <a:r>
-              <a:rPr lang="en-US" altLang="ko-KR" sz="5000" dirty="0"/>
-              <a:t>)</a:t>
-            </a:r>
-            <a:endParaRPr lang="ko-KR" altLang="en-US" sz="5000" dirty="0"/>
+              <a:t>팀원 및 업무 분배</a:t>
+            </a:r>
           </a:p>
         </p:txBody>
       </p:sp>
@@ -13281,6 +13422,245 @@
         <p:spPr>
           <a:xfrm>
             <a:off x="550200" y="1653725"/>
+            <a:ext cx="11006800" cy="5014494"/>
+          </a:xfrm>
+          <a:prstGeom prst="rect">
+            <a:avLst/>
+          </a:prstGeom>
+        </p:spPr>
+        <p:txBody>
+          <a:bodyPr vert="horz" wrap="square" lIns="0" tIns="0" rIns="0" bIns="0" rtlCol="0" anchor="t" anchorCtr="0">
+            <a:normAutofit fontScale="92500" lnSpcReduction="10000"/>
+          </a:bodyPr>
+          <a:lstStyle>
+            <a:lvl1pPr algn="l" defTabSz="914400" rtl="0" eaLnBrk="1" latinLnBrk="0" hangingPunct="1">
+              <a:lnSpc>
+                <a:spcPct val="110000"/>
+              </a:lnSpc>
+              <a:spcBef>
+                <a:spcPct val="0"/>
+              </a:spcBef>
+              <a:buNone/>
+              <a:defRPr lang="en-US" sz="4800" kern="1200" spc="160" dirty="0">
+                <a:solidFill>
+                  <a:schemeClr val="tx1"/>
+                </a:solidFill>
+                <a:latin typeface="+mj-lt"/>
+                <a:ea typeface="+mj-ea"/>
+                <a:cs typeface="+mj-cs"/>
+              </a:defRPr>
+            </a:lvl1pPr>
+          </a:lstStyle>
+          <a:p>
+            <a:r>
+              <a:rPr lang="en-US" altLang="ko-KR" sz="3000" dirty="0"/>
+              <a:t>==</a:t>
+            </a:r>
+            <a:r>
+              <a:rPr lang="ko-KR" altLang="en-US" sz="3000" dirty="0"/>
+              <a:t> 프로그래밍 </a:t>
+            </a:r>
+            <a:r>
+              <a:rPr lang="en-US" altLang="ko-KR" sz="3000" dirty="0"/>
+              <a:t>== </a:t>
+            </a:r>
+          </a:p>
+          <a:p>
+            <a:r>
+              <a:rPr lang="ko-KR" altLang="en-US" sz="3000" dirty="0"/>
+              <a:t>프로그래밍 팀장 및 총괄 기획 </a:t>
+            </a:r>
+            <a:r>
+              <a:rPr lang="en-US" altLang="ko-KR" sz="3000" dirty="0"/>
+              <a:t>= </a:t>
+            </a:r>
+            <a:r>
+              <a:rPr lang="ko-KR" altLang="en-US" sz="3000" dirty="0"/>
+              <a:t>이연상</a:t>
+            </a:r>
+            <a:endParaRPr lang="en-US" altLang="ko-KR" sz="3000" dirty="0"/>
+          </a:p>
+          <a:p>
+            <a:r>
+              <a:rPr lang="ko-KR" altLang="en-US" sz="3000" dirty="0"/>
+              <a:t>클라이언트 개발 </a:t>
+            </a:r>
+            <a:r>
+              <a:rPr lang="en-US" altLang="ko-KR" sz="3000" dirty="0"/>
+              <a:t>: </a:t>
+            </a:r>
+            <a:r>
+              <a:rPr lang="ko-KR" altLang="en-US" sz="3000" dirty="0"/>
+              <a:t>정호진</a:t>
+            </a:r>
+            <a:endParaRPr lang="en-US" altLang="ko-KR" sz="3000" dirty="0"/>
+          </a:p>
+          <a:p>
+            <a:r>
+              <a:rPr lang="ko-KR" altLang="en-US" sz="3000" dirty="0"/>
+              <a:t>프론트 개발 </a:t>
+            </a:r>
+            <a:r>
+              <a:rPr lang="en-US" altLang="ko-KR" sz="3000" dirty="0"/>
+              <a:t>: </a:t>
+            </a:r>
+            <a:r>
+              <a:rPr lang="ko-KR" altLang="en-US" sz="3000" dirty="0"/>
+              <a:t>유재학</a:t>
+            </a:r>
+            <a:endParaRPr lang="en-US" altLang="ko-KR" sz="3000" dirty="0"/>
+          </a:p>
+          <a:p>
+            <a:endParaRPr lang="en-US" altLang="ko-KR" sz="3000" dirty="0"/>
+          </a:p>
+          <a:p>
+            <a:r>
+              <a:rPr lang="en-US" altLang="ko-KR" sz="3000" dirty="0"/>
+              <a:t>==</a:t>
+            </a:r>
+            <a:r>
+              <a:rPr lang="ko-KR" altLang="en-US" sz="3000" dirty="0"/>
+              <a:t>디자인 </a:t>
+            </a:r>
+            <a:r>
+              <a:rPr lang="en-US" altLang="ko-KR" sz="3000" dirty="0"/>
+              <a:t>==</a:t>
+            </a:r>
+          </a:p>
+          <a:p>
+            <a:r>
+              <a:rPr lang="ko-KR" altLang="en-US" sz="3000" dirty="0"/>
+              <a:t>아트 디렉터</a:t>
+            </a:r>
+            <a:r>
+              <a:rPr lang="en-US" altLang="ko-KR" sz="3000" dirty="0"/>
+              <a:t>,</a:t>
+            </a:r>
+            <a:r>
+              <a:rPr lang="ko-KR" altLang="en-US" sz="3000" dirty="0"/>
+              <a:t>  </a:t>
+            </a:r>
+            <a:r>
+              <a:rPr lang="en-US" altLang="ko-KR" sz="3000" dirty="0"/>
+              <a:t>UI/UX, </a:t>
+            </a:r>
+            <a:r>
+              <a:rPr lang="ko-KR" altLang="en-US" sz="3000" dirty="0"/>
+              <a:t>이펙트 </a:t>
+            </a:r>
+            <a:r>
+              <a:rPr lang="en-US" altLang="ko-KR" sz="3000" dirty="0"/>
+              <a:t>: </a:t>
+            </a:r>
+            <a:r>
+              <a:rPr lang="ko-KR" altLang="en-US" sz="3000" dirty="0" err="1"/>
+              <a:t>이승명</a:t>
+            </a:r>
+            <a:endParaRPr lang="en-US" altLang="ko-KR" sz="3000" dirty="0"/>
+          </a:p>
+          <a:p>
+            <a:r>
+              <a:rPr lang="ko-KR" altLang="en-US" sz="3000" dirty="0"/>
+              <a:t>캐릭터 원화 및 </a:t>
+            </a:r>
+            <a:r>
+              <a:rPr lang="en-US" altLang="ko-KR" sz="3000" dirty="0"/>
+              <a:t>UI/UX </a:t>
+            </a:r>
+            <a:r>
+              <a:rPr lang="ko-KR" altLang="en-US" sz="3000" dirty="0"/>
+              <a:t>아트 </a:t>
+            </a:r>
+            <a:r>
+              <a:rPr lang="ko-KR" altLang="en-US" sz="3000" dirty="0" err="1"/>
+              <a:t>부디렉터</a:t>
+            </a:r>
+            <a:r>
+              <a:rPr lang="ko-KR" altLang="en-US" sz="3000" dirty="0"/>
+              <a:t> </a:t>
+            </a:r>
+            <a:r>
+              <a:rPr lang="en-US" altLang="ko-KR" sz="3000" dirty="0"/>
+              <a:t>: </a:t>
+            </a:r>
+            <a:r>
+              <a:rPr lang="ko-KR" altLang="en-US" sz="3000" dirty="0"/>
+              <a:t>손태원</a:t>
+            </a:r>
+            <a:endParaRPr lang="en-US" altLang="ko-KR" sz="3000" dirty="0"/>
+          </a:p>
+          <a:p>
+            <a:r>
+              <a:rPr lang="ko-KR" altLang="en-US" sz="3000" dirty="0"/>
+              <a:t>캐릭터 애니메이션 </a:t>
+            </a:r>
+            <a:r>
+              <a:rPr lang="en-US" altLang="ko-KR" sz="3000" dirty="0"/>
+              <a:t>: </a:t>
+            </a:r>
+            <a:r>
+              <a:rPr lang="ko-KR" altLang="en-US" sz="3000" dirty="0"/>
+              <a:t>황준서</a:t>
+            </a:r>
+            <a:r>
+              <a:rPr lang="en-US" altLang="ko-KR" sz="3000" dirty="0"/>
+              <a:t>, </a:t>
+            </a:r>
+            <a:r>
+              <a:rPr lang="ko-KR" altLang="en-US" sz="3000" dirty="0"/>
+              <a:t>강유라</a:t>
+            </a:r>
+            <a:endParaRPr lang="en-US" altLang="ko-KR" sz="3000" dirty="0"/>
+          </a:p>
+          <a:p>
+            <a:r>
+              <a:rPr lang="ko-KR" altLang="en-US" sz="3000" dirty="0"/>
+              <a:t>배경 원화 </a:t>
+            </a:r>
+            <a:r>
+              <a:rPr lang="en-US" altLang="ko-KR" sz="3000" dirty="0"/>
+              <a:t>: </a:t>
+            </a:r>
+            <a:r>
+              <a:rPr lang="ko-KR" altLang="en-US" sz="3000" dirty="0" err="1"/>
+              <a:t>이혜린</a:t>
+            </a:r>
+            <a:endParaRPr lang="en-US" altLang="ko-KR" sz="3000" dirty="0"/>
+          </a:p>
+          <a:p>
+            <a:r>
+              <a:rPr lang="ko-KR" altLang="en-US" sz="3000" dirty="0"/>
+              <a:t>배경 애니메이션 </a:t>
+            </a:r>
+            <a:r>
+              <a:rPr lang="en-US" altLang="ko-KR" sz="3000" dirty="0"/>
+              <a:t>: </a:t>
+            </a:r>
+            <a:r>
+              <a:rPr lang="ko-KR" altLang="en-US" sz="3000" dirty="0"/>
+              <a:t>이혜은</a:t>
+            </a:r>
+            <a:endParaRPr lang="en-US" altLang="ko-KR" sz="3000" dirty="0"/>
+          </a:p>
+        </p:txBody>
+      </p:sp>
+      <p:sp>
+        <p:nvSpPr>
+          <p:cNvPr id="2" name="제목 1">
+            <a:extLst>
+              <a:ext uri="{FF2B5EF4-FFF2-40B4-BE49-F238E27FC236}">
+                <a16:creationId xmlns:a16="http://schemas.microsoft.com/office/drawing/2014/main" id="{9245A1A9-FACE-BA61-3548-63C4DF3F2E1B}"/>
+              </a:ext>
+            </a:extLst>
+          </p:cNvPr>
+          <p:cNvSpPr txBox="1">
+            <a:spLocks/>
+          </p:cNvSpPr>
+          <p:nvPr/>
+        </p:nvSpPr>
+        <p:spPr>
+          <a:xfrm>
+            <a:off x="550200" y="2306334"/>
             <a:ext cx="11006800" cy="525993"/>
           </a:xfrm>
           <a:prstGeom prst="rect">
@@ -13315,329 +13695,6 @@
               <a:buFont typeface="Arial" panose="020B0604020202020204" pitchFamily="34" charset="0"/>
               <a:buChar char="•"/>
             </a:pPr>
-            <a:r>
-              <a:rPr lang="ko-KR" altLang="en-US" sz="3000" dirty="0"/>
-              <a:t>게임에는 시간이 존재</a:t>
-            </a:r>
-          </a:p>
-        </p:txBody>
-      </p:sp>
-      <p:sp>
-        <p:nvSpPr>
-          <p:cNvPr id="9" name="제목 1">
-            <a:extLst>
-              <a:ext uri="{FF2B5EF4-FFF2-40B4-BE49-F238E27FC236}">
-                <a16:creationId xmlns:a16="http://schemas.microsoft.com/office/drawing/2014/main" id="{3854F78C-CA18-89D4-360C-7928E571216D}"/>
-              </a:ext>
-            </a:extLst>
-          </p:cNvPr>
-          <p:cNvSpPr txBox="1">
-            <a:spLocks/>
-          </p:cNvSpPr>
-          <p:nvPr/>
-        </p:nvSpPr>
-        <p:spPr>
-          <a:xfrm>
-            <a:off x="550200" y="2415091"/>
-            <a:ext cx="11006800" cy="525993"/>
-          </a:xfrm>
-          <a:prstGeom prst="rect">
-            <a:avLst/>
-          </a:prstGeom>
-        </p:spPr>
-        <p:txBody>
-          <a:bodyPr vert="horz" wrap="square" lIns="0" tIns="0" rIns="0" bIns="0" rtlCol="0" anchor="t" anchorCtr="0">
-            <a:normAutofit/>
-          </a:bodyPr>
-          <a:lstStyle>
-            <a:lvl1pPr algn="l" defTabSz="914400" rtl="0" eaLnBrk="1" latinLnBrk="0" hangingPunct="1">
-              <a:lnSpc>
-                <a:spcPct val="110000"/>
-              </a:lnSpc>
-              <a:spcBef>
-                <a:spcPct val="0"/>
-              </a:spcBef>
-              <a:buNone/>
-              <a:defRPr lang="en-US" sz="4800" kern="1200" spc="160" dirty="0">
-                <a:solidFill>
-                  <a:schemeClr val="tx1"/>
-                </a:solidFill>
-                <a:latin typeface="+mj-lt"/>
-                <a:ea typeface="+mj-ea"/>
-                <a:cs typeface="+mj-cs"/>
-              </a:defRPr>
-            </a:lvl1pPr>
-          </a:lstStyle>
-          <a:p>
-            <a:pPr marL="457200" indent="-457200">
-              <a:buFont typeface="Arial" panose="020B0604020202020204" pitchFamily="34" charset="0"/>
-              <a:buChar char="•"/>
-            </a:pPr>
-            <a:r>
-              <a:rPr lang="ko-KR" altLang="en-US" sz="3000" dirty="0"/>
-              <a:t>플레이어와 상반되는</a:t>
-            </a:r>
-          </a:p>
-        </p:txBody>
-      </p:sp>
-      <p:sp>
-        <p:nvSpPr>
-          <p:cNvPr id="10" name="제목 1">
-            <a:extLst>
-              <a:ext uri="{FF2B5EF4-FFF2-40B4-BE49-F238E27FC236}">
-                <a16:creationId xmlns:a16="http://schemas.microsoft.com/office/drawing/2014/main" id="{654E56AE-0CB2-40F4-0AA0-3D034C0A034D}"/>
-              </a:ext>
-            </a:extLst>
-          </p:cNvPr>
-          <p:cNvSpPr txBox="1">
-            <a:spLocks/>
-          </p:cNvSpPr>
-          <p:nvPr/>
-        </p:nvSpPr>
-        <p:spPr>
-          <a:xfrm>
-            <a:off x="550200" y="3093833"/>
-            <a:ext cx="11006800" cy="525993"/>
-          </a:xfrm>
-          <a:prstGeom prst="rect">
-            <a:avLst/>
-          </a:prstGeom>
-        </p:spPr>
-        <p:txBody>
-          <a:bodyPr vert="horz" wrap="square" lIns="0" tIns="0" rIns="0" bIns="0" rtlCol="0" anchor="t" anchorCtr="0">
-            <a:normAutofit/>
-          </a:bodyPr>
-          <a:lstStyle>
-            <a:lvl1pPr algn="l" defTabSz="914400" rtl="0" eaLnBrk="1" latinLnBrk="0" hangingPunct="1">
-              <a:lnSpc>
-                <a:spcPct val="110000"/>
-              </a:lnSpc>
-              <a:spcBef>
-                <a:spcPct val="0"/>
-              </a:spcBef>
-              <a:buNone/>
-              <a:defRPr lang="en-US" sz="4800" kern="1200" spc="160" dirty="0">
-                <a:solidFill>
-                  <a:schemeClr val="tx1"/>
-                </a:solidFill>
-                <a:latin typeface="+mj-lt"/>
-                <a:ea typeface="+mj-ea"/>
-                <a:cs typeface="+mj-cs"/>
-              </a:defRPr>
-            </a:lvl1pPr>
-          </a:lstStyle>
-          <a:p>
-            <a:pPr marL="457200" indent="-457200">
-              <a:buFont typeface="Arial" panose="020B0604020202020204" pitchFamily="34" charset="0"/>
-              <a:buChar char="•"/>
-            </a:pPr>
-            <a:r>
-              <a:rPr lang="ko-KR" altLang="en-US" sz="3000" dirty="0" err="1"/>
-              <a:t>맵은</a:t>
-            </a:r>
-            <a:r>
-              <a:rPr lang="ko-KR" altLang="en-US" sz="3000" dirty="0"/>
-              <a:t> 왔던 곳은 다시 갈 수 있다</a:t>
-            </a:r>
-            <a:r>
-              <a:rPr lang="en-US" altLang="ko-KR" sz="3000" dirty="0"/>
-              <a:t>.</a:t>
-            </a:r>
-            <a:endParaRPr lang="ko-KR" altLang="en-US" sz="3000" dirty="0"/>
-          </a:p>
-        </p:txBody>
-      </p:sp>
-      <p:sp>
-        <p:nvSpPr>
-          <p:cNvPr id="11" name="제목 1">
-            <a:extLst>
-              <a:ext uri="{FF2B5EF4-FFF2-40B4-BE49-F238E27FC236}">
-                <a16:creationId xmlns:a16="http://schemas.microsoft.com/office/drawing/2014/main" id="{98E51EC0-0E7D-19A1-1617-19A20090040C}"/>
-              </a:ext>
-            </a:extLst>
-          </p:cNvPr>
-          <p:cNvSpPr txBox="1">
-            <a:spLocks/>
-          </p:cNvSpPr>
-          <p:nvPr/>
-        </p:nvSpPr>
-        <p:spPr>
-          <a:xfrm>
-            <a:off x="550200" y="3830187"/>
-            <a:ext cx="11006800" cy="525993"/>
-          </a:xfrm>
-          <a:prstGeom prst="rect">
-            <a:avLst/>
-          </a:prstGeom>
-        </p:spPr>
-        <p:txBody>
-          <a:bodyPr vert="horz" wrap="square" lIns="0" tIns="0" rIns="0" bIns="0" rtlCol="0" anchor="t" anchorCtr="0">
-            <a:normAutofit/>
-          </a:bodyPr>
-          <a:lstStyle>
-            <a:lvl1pPr algn="l" defTabSz="914400" rtl="0" eaLnBrk="1" latinLnBrk="0" hangingPunct="1">
-              <a:lnSpc>
-                <a:spcPct val="110000"/>
-              </a:lnSpc>
-              <a:spcBef>
-                <a:spcPct val="0"/>
-              </a:spcBef>
-              <a:buNone/>
-              <a:defRPr lang="en-US" sz="4800" kern="1200" spc="160" dirty="0">
-                <a:solidFill>
-                  <a:schemeClr val="tx1"/>
-                </a:solidFill>
-                <a:latin typeface="+mj-lt"/>
-                <a:ea typeface="+mj-ea"/>
-                <a:cs typeface="+mj-cs"/>
-              </a:defRPr>
-            </a:lvl1pPr>
-          </a:lstStyle>
-          <a:p>
-            <a:pPr marL="457200" indent="-457200">
-              <a:buFont typeface="Arial" panose="020B0604020202020204" pitchFamily="34" charset="0"/>
-              <a:buChar char="•"/>
-            </a:pPr>
-            <a:r>
-              <a:rPr lang="ko-KR" altLang="en-US" sz="3000" dirty="0"/>
-              <a:t>중간중간 귀찮게 하는 </a:t>
-            </a:r>
-            <a:r>
-              <a:rPr lang="ko-KR" altLang="en-US" sz="3000" dirty="0" err="1"/>
-              <a:t>몬스터들</a:t>
-            </a:r>
-            <a:endParaRPr lang="ko-KR" altLang="en-US" sz="3000" dirty="0"/>
-          </a:p>
-        </p:txBody>
-      </p:sp>
-      <p:sp>
-        <p:nvSpPr>
-          <p:cNvPr id="13" name="제목 1">
-            <a:extLst>
-              <a:ext uri="{FF2B5EF4-FFF2-40B4-BE49-F238E27FC236}">
-                <a16:creationId xmlns:a16="http://schemas.microsoft.com/office/drawing/2014/main" id="{3216675A-3492-4F08-EB44-AFB01B7BEFBB}"/>
-              </a:ext>
-            </a:extLst>
-          </p:cNvPr>
-          <p:cNvSpPr txBox="1">
-            <a:spLocks/>
-          </p:cNvSpPr>
-          <p:nvPr/>
-        </p:nvSpPr>
-        <p:spPr>
-          <a:xfrm>
-            <a:off x="550200" y="4678282"/>
-            <a:ext cx="11006800" cy="525993"/>
-          </a:xfrm>
-          <a:prstGeom prst="rect">
-            <a:avLst/>
-          </a:prstGeom>
-        </p:spPr>
-        <p:txBody>
-          <a:bodyPr vert="horz" wrap="square" lIns="0" tIns="0" rIns="0" bIns="0" rtlCol="0" anchor="t" anchorCtr="0">
-            <a:normAutofit/>
-          </a:bodyPr>
-          <a:lstStyle>
-            <a:lvl1pPr algn="l" defTabSz="914400" rtl="0" eaLnBrk="1" latinLnBrk="0" hangingPunct="1">
-              <a:lnSpc>
-                <a:spcPct val="110000"/>
-              </a:lnSpc>
-              <a:spcBef>
-                <a:spcPct val="0"/>
-              </a:spcBef>
-              <a:buNone/>
-              <a:defRPr lang="en-US" sz="4800" kern="1200" spc="160" dirty="0">
-                <a:solidFill>
-                  <a:schemeClr val="tx1"/>
-                </a:solidFill>
-                <a:latin typeface="+mj-lt"/>
-                <a:ea typeface="+mj-ea"/>
-                <a:cs typeface="+mj-cs"/>
-              </a:defRPr>
-            </a:lvl1pPr>
-          </a:lstStyle>
-          <a:p>
-            <a:pPr marL="457200" indent="-457200">
-              <a:buFont typeface="Arial" panose="020B0604020202020204" pitchFamily="34" charset="0"/>
-              <a:buChar char="•"/>
-            </a:pPr>
-            <a:r>
-              <a:rPr lang="ko-KR" altLang="en-US" sz="3000" dirty="0"/>
-              <a:t>보스까지의 가는 길에 간략한 퍼즐 </a:t>
-            </a:r>
-            <a:r>
-              <a:rPr lang="en-US" altLang="ko-KR" sz="3000" dirty="0"/>
-              <a:t>&amp; </a:t>
-            </a:r>
-            <a:r>
-              <a:rPr lang="ko-KR" altLang="en-US" sz="3000" dirty="0"/>
-              <a:t>점프 요소 </a:t>
-            </a:r>
-          </a:p>
-        </p:txBody>
-      </p:sp>
-      <p:sp>
-        <p:nvSpPr>
-          <p:cNvPr id="2" name="제목 1">
-            <a:extLst>
-              <a:ext uri="{FF2B5EF4-FFF2-40B4-BE49-F238E27FC236}">
-                <a16:creationId xmlns:a16="http://schemas.microsoft.com/office/drawing/2014/main" id="{5BA27740-8D3A-B7EA-CA75-1C6D368860FD}"/>
-              </a:ext>
-            </a:extLst>
-          </p:cNvPr>
-          <p:cNvSpPr txBox="1">
-            <a:spLocks/>
-          </p:cNvSpPr>
-          <p:nvPr/>
-        </p:nvSpPr>
-        <p:spPr>
-          <a:xfrm>
-            <a:off x="550200" y="5422320"/>
-            <a:ext cx="11006800" cy="525993"/>
-          </a:xfrm>
-          <a:prstGeom prst="rect">
-            <a:avLst/>
-          </a:prstGeom>
-        </p:spPr>
-        <p:txBody>
-          <a:bodyPr vert="horz" wrap="square" lIns="0" tIns="0" rIns="0" bIns="0" rtlCol="0" anchor="t" anchorCtr="0">
-            <a:normAutofit/>
-          </a:bodyPr>
-          <a:lstStyle>
-            <a:lvl1pPr algn="l" defTabSz="914400" rtl="0" eaLnBrk="1" latinLnBrk="0" hangingPunct="1">
-              <a:lnSpc>
-                <a:spcPct val="110000"/>
-              </a:lnSpc>
-              <a:spcBef>
-                <a:spcPct val="0"/>
-              </a:spcBef>
-              <a:buNone/>
-              <a:defRPr lang="en-US" sz="4800" kern="1200" spc="160" dirty="0">
-                <a:solidFill>
-                  <a:schemeClr val="tx1"/>
-                </a:solidFill>
-                <a:latin typeface="+mj-lt"/>
-                <a:ea typeface="+mj-ea"/>
-                <a:cs typeface="+mj-cs"/>
-              </a:defRPr>
-            </a:lvl1pPr>
-          </a:lstStyle>
-          <a:p>
-            <a:pPr marL="457200" indent="-457200">
-              <a:buFont typeface="Arial" panose="020B0604020202020204" pitchFamily="34" charset="0"/>
-              <a:buChar char="•"/>
-            </a:pPr>
-            <a:r>
-              <a:rPr lang="ko-KR" altLang="en-US" sz="3000" dirty="0" err="1"/>
-              <a:t>보스전</a:t>
-            </a:r>
-            <a:endParaRPr lang="ko-KR" altLang="en-US" sz="3000" dirty="0"/>
-          </a:p>
-          <a:p>
-            <a:pPr marL="457200" indent="-457200">
-              <a:buFont typeface="Arial" panose="020B0604020202020204" pitchFamily="34" charset="0"/>
-              <a:buChar char="•"/>
-            </a:pPr>
             <a:endParaRPr lang="ko-KR" altLang="en-US" sz="3000" dirty="0"/>
           </a:p>
         </p:txBody>
@@ -13645,7 +13702,7 @@
     </p:spTree>
     <p:extLst>
       <p:ext uri="{BB962C8B-B14F-4D97-AF65-F5344CB8AC3E}">
-        <p14:creationId xmlns:p14="http://schemas.microsoft.com/office/powerpoint/2010/main" val="1951447082"/>
+        <p14:creationId xmlns:p14="http://schemas.microsoft.com/office/powerpoint/2010/main" val="2766317330"/>
       </p:ext>
     </p:extLst>
   </p:cSld>
@@ -13730,7 +13787,7 @@
             </a:r>
             <a:r>
               <a:rPr lang="ko-KR" altLang="en-US" sz="5000" dirty="0"/>
-              <a:t>디자인</a:t>
+              <a:t>플레이</a:t>
             </a:r>
             <a:r>
               <a:rPr lang="en-US" altLang="ko-KR" sz="5000" dirty="0"/>
@@ -13757,64 +13814,6 @@
         <p:spPr>
           <a:xfrm>
             <a:off x="550200" y="1653725"/>
-            <a:ext cx="11006800" cy="525993"/>
-          </a:xfrm>
-          <a:prstGeom prst="rect">
-            <a:avLst/>
-          </a:prstGeom>
-        </p:spPr>
-        <p:txBody>
-          <a:bodyPr vert="horz" wrap="square" lIns="0" tIns="0" rIns="0" bIns="0" rtlCol="0" anchor="t" anchorCtr="0">
-            <a:normAutofit fontScale="77500" lnSpcReduction="20000"/>
-          </a:bodyPr>
-          <a:lstStyle>
-            <a:lvl1pPr algn="l" defTabSz="914400" rtl="0" eaLnBrk="1" latinLnBrk="0" hangingPunct="1">
-              <a:lnSpc>
-                <a:spcPct val="110000"/>
-              </a:lnSpc>
-              <a:spcBef>
-                <a:spcPct val="0"/>
-              </a:spcBef>
-              <a:buNone/>
-              <a:defRPr lang="en-US" sz="4800" kern="1200" spc="160" dirty="0">
-                <a:solidFill>
-                  <a:schemeClr val="tx1"/>
-                </a:solidFill>
-                <a:latin typeface="+mj-lt"/>
-                <a:ea typeface="+mj-ea"/>
-                <a:cs typeface="+mj-cs"/>
-              </a:defRPr>
-            </a:lvl1pPr>
-          </a:lstStyle>
-          <a:p>
-            <a:pPr marL="457200" indent="-457200">
-              <a:buFont typeface="Arial" panose="020B0604020202020204" pitchFamily="34" charset="0"/>
-              <a:buChar char="•"/>
-            </a:pPr>
-            <a:r>
-              <a:rPr lang="ko-KR" altLang="en-US" sz="3000" dirty="0"/>
-              <a:t>배경은 기본적으로 밤으로 사용하고 광원 효과를 주어 해질녘 일출 까지만 구현 </a:t>
-            </a:r>
-          </a:p>
-        </p:txBody>
-      </p:sp>
-      <p:sp>
-        <p:nvSpPr>
-          <p:cNvPr id="2" name="제목 1">
-            <a:extLst>
-              <a:ext uri="{FF2B5EF4-FFF2-40B4-BE49-F238E27FC236}">
-                <a16:creationId xmlns:a16="http://schemas.microsoft.com/office/drawing/2014/main" id="{9245A1A9-FACE-BA61-3548-63C4DF3F2E1B}"/>
-              </a:ext>
-            </a:extLst>
-          </p:cNvPr>
-          <p:cNvSpPr txBox="1">
-            <a:spLocks/>
-          </p:cNvSpPr>
-          <p:nvPr/>
-        </p:nvSpPr>
-        <p:spPr>
-          <a:xfrm>
-            <a:off x="550200" y="2306334"/>
             <a:ext cx="11006800" cy="525993"/>
           </a:xfrm>
           <a:prstGeom prst="rect">
@@ -13849,6 +13848,321 @@
               <a:buFont typeface="Arial" panose="020B0604020202020204" pitchFamily="34" charset="0"/>
               <a:buChar char="•"/>
             </a:pPr>
+            <a:r>
+              <a:rPr lang="ko-KR" altLang="en-US" sz="3000" dirty="0"/>
+              <a:t>게임에는 시간이 존재</a:t>
+            </a:r>
+          </a:p>
+        </p:txBody>
+      </p:sp>
+      <p:sp>
+        <p:nvSpPr>
+          <p:cNvPr id="9" name="제목 1">
+            <a:extLst>
+              <a:ext uri="{FF2B5EF4-FFF2-40B4-BE49-F238E27FC236}">
+                <a16:creationId xmlns:a16="http://schemas.microsoft.com/office/drawing/2014/main" id="{3854F78C-CA18-89D4-360C-7928E571216D}"/>
+              </a:ext>
+            </a:extLst>
+          </p:cNvPr>
+          <p:cNvSpPr txBox="1">
+            <a:spLocks/>
+          </p:cNvSpPr>
+          <p:nvPr/>
+        </p:nvSpPr>
+        <p:spPr>
+          <a:xfrm>
+            <a:off x="550200" y="2415091"/>
+            <a:ext cx="11006800" cy="525993"/>
+          </a:xfrm>
+          <a:prstGeom prst="rect">
+            <a:avLst/>
+          </a:prstGeom>
+        </p:spPr>
+        <p:txBody>
+          <a:bodyPr vert="horz" wrap="square" lIns="0" tIns="0" rIns="0" bIns="0" rtlCol="0" anchor="t" anchorCtr="0">
+            <a:normAutofit/>
+          </a:bodyPr>
+          <a:lstStyle>
+            <a:lvl1pPr algn="l" defTabSz="914400" rtl="0" eaLnBrk="1" latinLnBrk="0" hangingPunct="1">
+              <a:lnSpc>
+                <a:spcPct val="110000"/>
+              </a:lnSpc>
+              <a:spcBef>
+                <a:spcPct val="0"/>
+              </a:spcBef>
+              <a:buNone/>
+              <a:defRPr lang="en-US" sz="4800" kern="1200" spc="160" dirty="0">
+                <a:solidFill>
+                  <a:schemeClr val="tx1"/>
+                </a:solidFill>
+                <a:latin typeface="+mj-lt"/>
+                <a:ea typeface="+mj-ea"/>
+                <a:cs typeface="+mj-cs"/>
+              </a:defRPr>
+            </a:lvl1pPr>
+          </a:lstStyle>
+          <a:p>
+            <a:pPr marL="457200" indent="-457200">
+              <a:buFont typeface="Arial" panose="020B0604020202020204" pitchFamily="34" charset="0"/>
+              <a:buChar char="•"/>
+            </a:pPr>
+            <a:r>
+              <a:rPr lang="ko-KR" altLang="en-US" sz="3000" dirty="0"/>
+              <a:t>플레이어와 상반되는</a:t>
+            </a:r>
+          </a:p>
+        </p:txBody>
+      </p:sp>
+      <p:sp>
+        <p:nvSpPr>
+          <p:cNvPr id="10" name="제목 1">
+            <a:extLst>
+              <a:ext uri="{FF2B5EF4-FFF2-40B4-BE49-F238E27FC236}">
+                <a16:creationId xmlns:a16="http://schemas.microsoft.com/office/drawing/2014/main" id="{654E56AE-0CB2-40F4-0AA0-3D034C0A034D}"/>
+              </a:ext>
+            </a:extLst>
+          </p:cNvPr>
+          <p:cNvSpPr txBox="1">
+            <a:spLocks/>
+          </p:cNvSpPr>
+          <p:nvPr/>
+        </p:nvSpPr>
+        <p:spPr>
+          <a:xfrm>
+            <a:off x="550200" y="3093833"/>
+            <a:ext cx="11006800" cy="525993"/>
+          </a:xfrm>
+          <a:prstGeom prst="rect">
+            <a:avLst/>
+          </a:prstGeom>
+        </p:spPr>
+        <p:txBody>
+          <a:bodyPr vert="horz" wrap="square" lIns="0" tIns="0" rIns="0" bIns="0" rtlCol="0" anchor="t" anchorCtr="0">
+            <a:normAutofit/>
+          </a:bodyPr>
+          <a:lstStyle>
+            <a:lvl1pPr algn="l" defTabSz="914400" rtl="0" eaLnBrk="1" latinLnBrk="0" hangingPunct="1">
+              <a:lnSpc>
+                <a:spcPct val="110000"/>
+              </a:lnSpc>
+              <a:spcBef>
+                <a:spcPct val="0"/>
+              </a:spcBef>
+              <a:buNone/>
+              <a:defRPr lang="en-US" sz="4800" kern="1200" spc="160" dirty="0">
+                <a:solidFill>
+                  <a:schemeClr val="tx1"/>
+                </a:solidFill>
+                <a:latin typeface="+mj-lt"/>
+                <a:ea typeface="+mj-ea"/>
+                <a:cs typeface="+mj-cs"/>
+              </a:defRPr>
+            </a:lvl1pPr>
+          </a:lstStyle>
+          <a:p>
+            <a:pPr marL="457200" indent="-457200">
+              <a:buFont typeface="Arial" panose="020B0604020202020204" pitchFamily="34" charset="0"/>
+              <a:buChar char="•"/>
+            </a:pPr>
+            <a:r>
+              <a:rPr lang="ko-KR" altLang="en-US" sz="3000" dirty="0" err="1"/>
+              <a:t>맵은</a:t>
+            </a:r>
+            <a:r>
+              <a:rPr lang="ko-KR" altLang="en-US" sz="3000" dirty="0"/>
+              <a:t> 왔던 곳은 다시 갈 수 있다</a:t>
+            </a:r>
+            <a:r>
+              <a:rPr lang="en-US" altLang="ko-KR" sz="3000" dirty="0"/>
+              <a:t>.</a:t>
+            </a:r>
+            <a:endParaRPr lang="ko-KR" altLang="en-US" sz="3000" dirty="0"/>
+          </a:p>
+        </p:txBody>
+      </p:sp>
+      <p:sp>
+        <p:nvSpPr>
+          <p:cNvPr id="11" name="제목 1">
+            <a:extLst>
+              <a:ext uri="{FF2B5EF4-FFF2-40B4-BE49-F238E27FC236}">
+                <a16:creationId xmlns:a16="http://schemas.microsoft.com/office/drawing/2014/main" id="{98E51EC0-0E7D-19A1-1617-19A20090040C}"/>
+              </a:ext>
+            </a:extLst>
+          </p:cNvPr>
+          <p:cNvSpPr txBox="1">
+            <a:spLocks/>
+          </p:cNvSpPr>
+          <p:nvPr/>
+        </p:nvSpPr>
+        <p:spPr>
+          <a:xfrm>
+            <a:off x="550200" y="3830187"/>
+            <a:ext cx="11006800" cy="525993"/>
+          </a:xfrm>
+          <a:prstGeom prst="rect">
+            <a:avLst/>
+          </a:prstGeom>
+        </p:spPr>
+        <p:txBody>
+          <a:bodyPr vert="horz" wrap="square" lIns="0" tIns="0" rIns="0" bIns="0" rtlCol="0" anchor="t" anchorCtr="0">
+            <a:normAutofit/>
+          </a:bodyPr>
+          <a:lstStyle>
+            <a:lvl1pPr algn="l" defTabSz="914400" rtl="0" eaLnBrk="1" latinLnBrk="0" hangingPunct="1">
+              <a:lnSpc>
+                <a:spcPct val="110000"/>
+              </a:lnSpc>
+              <a:spcBef>
+                <a:spcPct val="0"/>
+              </a:spcBef>
+              <a:buNone/>
+              <a:defRPr lang="en-US" sz="4800" kern="1200" spc="160" dirty="0">
+                <a:solidFill>
+                  <a:schemeClr val="tx1"/>
+                </a:solidFill>
+                <a:latin typeface="+mj-lt"/>
+                <a:ea typeface="+mj-ea"/>
+                <a:cs typeface="+mj-cs"/>
+              </a:defRPr>
+            </a:lvl1pPr>
+          </a:lstStyle>
+          <a:p>
+            <a:pPr marL="457200" indent="-457200">
+              <a:buFont typeface="Arial" panose="020B0604020202020204" pitchFamily="34" charset="0"/>
+              <a:buChar char="•"/>
+            </a:pPr>
+            <a:endParaRPr lang="ko-KR" altLang="en-US" sz="3000" dirty="0"/>
+          </a:p>
+        </p:txBody>
+      </p:sp>
+      <p:sp>
+        <p:nvSpPr>
+          <p:cNvPr id="13" name="제목 1">
+            <a:extLst>
+              <a:ext uri="{FF2B5EF4-FFF2-40B4-BE49-F238E27FC236}">
+                <a16:creationId xmlns:a16="http://schemas.microsoft.com/office/drawing/2014/main" id="{3216675A-3492-4F08-EB44-AFB01B7BEFBB}"/>
+              </a:ext>
+            </a:extLst>
+          </p:cNvPr>
+          <p:cNvSpPr txBox="1">
+            <a:spLocks/>
+          </p:cNvSpPr>
+          <p:nvPr/>
+        </p:nvSpPr>
+        <p:spPr>
+          <a:xfrm>
+            <a:off x="550200" y="4678282"/>
+            <a:ext cx="11006800" cy="525993"/>
+          </a:xfrm>
+          <a:prstGeom prst="rect">
+            <a:avLst/>
+          </a:prstGeom>
+        </p:spPr>
+        <p:txBody>
+          <a:bodyPr vert="horz" wrap="square" lIns="0" tIns="0" rIns="0" bIns="0" rtlCol="0" anchor="t" anchorCtr="0">
+            <a:normAutofit/>
+          </a:bodyPr>
+          <a:lstStyle>
+            <a:lvl1pPr algn="l" defTabSz="914400" rtl="0" eaLnBrk="1" latinLnBrk="0" hangingPunct="1">
+              <a:lnSpc>
+                <a:spcPct val="110000"/>
+              </a:lnSpc>
+              <a:spcBef>
+                <a:spcPct val="0"/>
+              </a:spcBef>
+              <a:buNone/>
+              <a:defRPr lang="en-US" sz="4800" kern="1200" spc="160" dirty="0">
+                <a:solidFill>
+                  <a:schemeClr val="tx1"/>
+                </a:solidFill>
+                <a:latin typeface="+mj-lt"/>
+                <a:ea typeface="+mj-ea"/>
+                <a:cs typeface="+mj-cs"/>
+              </a:defRPr>
+            </a:lvl1pPr>
+          </a:lstStyle>
+          <a:p>
+            <a:pPr marL="457200" indent="-457200">
+              <a:buFont typeface="Arial" panose="020B0604020202020204" pitchFamily="34" charset="0"/>
+              <a:buChar char="•"/>
+            </a:pPr>
+            <a:r>
+              <a:rPr lang="ko-KR" altLang="en-US" sz="3000" dirty="0"/>
+              <a:t>보스까지의 가는 길에 간략한 퍼즐 </a:t>
+            </a:r>
+            <a:r>
+              <a:rPr lang="en-US" altLang="ko-KR" sz="3000" dirty="0"/>
+              <a:t>&amp; </a:t>
+            </a:r>
+            <a:r>
+              <a:rPr lang="ko-KR" altLang="en-US" sz="3000" dirty="0"/>
+              <a:t>점프 요소 </a:t>
+            </a:r>
+          </a:p>
+        </p:txBody>
+      </p:sp>
+      <p:sp>
+        <p:nvSpPr>
+          <p:cNvPr id="2" name="제목 1">
+            <a:extLst>
+              <a:ext uri="{FF2B5EF4-FFF2-40B4-BE49-F238E27FC236}">
+                <a16:creationId xmlns:a16="http://schemas.microsoft.com/office/drawing/2014/main" id="{5BA27740-8D3A-B7EA-CA75-1C6D368860FD}"/>
+              </a:ext>
+            </a:extLst>
+          </p:cNvPr>
+          <p:cNvSpPr txBox="1">
+            <a:spLocks/>
+          </p:cNvSpPr>
+          <p:nvPr/>
+        </p:nvSpPr>
+        <p:spPr>
+          <a:xfrm>
+            <a:off x="550200" y="5422320"/>
+            <a:ext cx="11006800" cy="525993"/>
+          </a:xfrm>
+          <a:prstGeom prst="rect">
+            <a:avLst/>
+          </a:prstGeom>
+        </p:spPr>
+        <p:txBody>
+          <a:bodyPr vert="horz" wrap="square" lIns="0" tIns="0" rIns="0" bIns="0" rtlCol="0" anchor="t" anchorCtr="0">
+            <a:normAutofit/>
+          </a:bodyPr>
+          <a:lstStyle>
+            <a:lvl1pPr algn="l" defTabSz="914400" rtl="0" eaLnBrk="1" latinLnBrk="0" hangingPunct="1">
+              <a:lnSpc>
+                <a:spcPct val="110000"/>
+              </a:lnSpc>
+              <a:spcBef>
+                <a:spcPct val="0"/>
+              </a:spcBef>
+              <a:buNone/>
+              <a:defRPr lang="en-US" sz="4800" kern="1200" spc="160" dirty="0">
+                <a:solidFill>
+                  <a:schemeClr val="tx1"/>
+                </a:solidFill>
+                <a:latin typeface="+mj-lt"/>
+                <a:ea typeface="+mj-ea"/>
+                <a:cs typeface="+mj-cs"/>
+              </a:defRPr>
+            </a:lvl1pPr>
+          </a:lstStyle>
+          <a:p>
+            <a:pPr marL="457200" indent="-457200">
+              <a:buFont typeface="Arial" panose="020B0604020202020204" pitchFamily="34" charset="0"/>
+              <a:buChar char="•"/>
+            </a:pPr>
+            <a:r>
+              <a:rPr lang="ko-KR" altLang="en-US" sz="3000" dirty="0" err="1"/>
+              <a:t>보스전</a:t>
+            </a:r>
+            <a:endParaRPr lang="ko-KR" altLang="en-US" sz="3000" dirty="0"/>
+          </a:p>
+          <a:p>
+            <a:pPr marL="457200" indent="-457200">
+              <a:buFont typeface="Arial" panose="020B0604020202020204" pitchFamily="34" charset="0"/>
+              <a:buChar char="•"/>
+            </a:pPr>
             <a:endParaRPr lang="ko-KR" altLang="en-US" sz="3000" dirty="0"/>
           </a:p>
         </p:txBody>
@@ -13856,7 +14170,7 @@
     </p:spTree>
     <p:extLst>
       <p:ext uri="{BB962C8B-B14F-4D97-AF65-F5344CB8AC3E}">
-        <p14:creationId xmlns:p14="http://schemas.microsoft.com/office/powerpoint/2010/main" val="935543740"/>
+        <p14:creationId xmlns:p14="http://schemas.microsoft.com/office/powerpoint/2010/main" val="1951447082"/>
       </p:ext>
     </p:extLst>
   </p:cSld>
@@ -13941,7 +14255,7 @@
             </a:r>
             <a:r>
               <a:rPr lang="ko-KR" altLang="en-US" sz="5000" dirty="0"/>
-              <a:t>사운드</a:t>
+              <a:t>디자인</a:t>
             </a:r>
             <a:r>
               <a:rPr lang="en-US" altLang="ko-KR" sz="5000" dirty="0"/>
@@ -13968,6 +14282,64 @@
         <p:spPr>
           <a:xfrm>
             <a:off x="550200" y="1653725"/>
+            <a:ext cx="11006800" cy="525993"/>
+          </a:xfrm>
+          <a:prstGeom prst="rect">
+            <a:avLst/>
+          </a:prstGeom>
+        </p:spPr>
+        <p:txBody>
+          <a:bodyPr vert="horz" wrap="square" lIns="0" tIns="0" rIns="0" bIns="0" rtlCol="0" anchor="t" anchorCtr="0">
+            <a:normAutofit fontScale="77500" lnSpcReduction="20000"/>
+          </a:bodyPr>
+          <a:lstStyle>
+            <a:lvl1pPr algn="l" defTabSz="914400" rtl="0" eaLnBrk="1" latinLnBrk="0" hangingPunct="1">
+              <a:lnSpc>
+                <a:spcPct val="110000"/>
+              </a:lnSpc>
+              <a:spcBef>
+                <a:spcPct val="0"/>
+              </a:spcBef>
+              <a:buNone/>
+              <a:defRPr lang="en-US" sz="4800" kern="1200" spc="160" dirty="0">
+                <a:solidFill>
+                  <a:schemeClr val="tx1"/>
+                </a:solidFill>
+                <a:latin typeface="+mj-lt"/>
+                <a:ea typeface="+mj-ea"/>
+                <a:cs typeface="+mj-cs"/>
+              </a:defRPr>
+            </a:lvl1pPr>
+          </a:lstStyle>
+          <a:p>
+            <a:pPr marL="457200" indent="-457200">
+              <a:buFont typeface="Arial" panose="020B0604020202020204" pitchFamily="34" charset="0"/>
+              <a:buChar char="•"/>
+            </a:pPr>
+            <a:r>
+              <a:rPr lang="ko-KR" altLang="en-US" sz="3000" dirty="0"/>
+              <a:t>배경은 기본적으로 밤으로 사용하고 광원 효과를 주어 해질녘 일출 까지만 구현 </a:t>
+            </a:r>
+          </a:p>
+        </p:txBody>
+      </p:sp>
+      <p:sp>
+        <p:nvSpPr>
+          <p:cNvPr id="2" name="제목 1">
+            <a:extLst>
+              <a:ext uri="{FF2B5EF4-FFF2-40B4-BE49-F238E27FC236}">
+                <a16:creationId xmlns:a16="http://schemas.microsoft.com/office/drawing/2014/main" id="{9245A1A9-FACE-BA61-3548-63C4DF3F2E1B}"/>
+              </a:ext>
+            </a:extLst>
+          </p:cNvPr>
+          <p:cNvSpPr txBox="1">
+            <a:spLocks/>
+          </p:cNvSpPr>
+          <p:nvPr/>
+        </p:nvSpPr>
+        <p:spPr>
+          <a:xfrm>
+            <a:off x="550200" y="2306334"/>
             <a:ext cx="11006800" cy="525993"/>
           </a:xfrm>
           <a:prstGeom prst="rect">
@@ -13998,6 +14370,10 @@
             </a:lvl1pPr>
           </a:lstStyle>
           <a:p>
+            <a:pPr marL="457200" indent="-457200">
+              <a:buFont typeface="Arial" panose="020B0604020202020204" pitchFamily="34" charset="0"/>
+              <a:buChar char="•"/>
+            </a:pPr>
             <a:endParaRPr lang="ko-KR" altLang="en-US" sz="3000" dirty="0"/>
           </a:p>
         </p:txBody>
@@ -14005,7 +14381,7 @@
     </p:spTree>
     <p:extLst>
       <p:ext uri="{BB962C8B-B14F-4D97-AF65-F5344CB8AC3E}">
-        <p14:creationId xmlns:p14="http://schemas.microsoft.com/office/powerpoint/2010/main" val="4158928434"/>
+        <p14:creationId xmlns:p14="http://schemas.microsoft.com/office/powerpoint/2010/main" val="935543740"/>
       </p:ext>
     </p:extLst>
   </p:cSld>
@@ -14048,6 +14424,155 @@
         </p:nvSpPr>
         <p:spPr>
           <a:xfrm>
+            <a:off x="6350000" y="497945"/>
+            <a:ext cx="5207001" cy="754592"/>
+          </a:xfrm>
+          <a:prstGeom prst="rect">
+            <a:avLst/>
+          </a:prstGeom>
+        </p:spPr>
+        <p:txBody>
+          <a:bodyPr vert="horz" wrap="square" lIns="0" tIns="0" rIns="0" bIns="0" rtlCol="0" anchor="t" anchorCtr="0">
+            <a:noAutofit/>
+          </a:bodyPr>
+          <a:lstStyle>
+            <a:lvl1pPr algn="l" defTabSz="914400" rtl="0" eaLnBrk="1" latinLnBrk="0" hangingPunct="1">
+              <a:lnSpc>
+                <a:spcPct val="110000"/>
+              </a:lnSpc>
+              <a:spcBef>
+                <a:spcPct val="0"/>
+              </a:spcBef>
+              <a:buNone/>
+              <a:defRPr lang="en-US" sz="4800" kern="1200" spc="160" dirty="0">
+                <a:solidFill>
+                  <a:schemeClr val="tx1"/>
+                </a:solidFill>
+                <a:latin typeface="+mj-lt"/>
+                <a:ea typeface="+mj-ea"/>
+                <a:cs typeface="+mj-cs"/>
+              </a:defRPr>
+            </a:lvl1pPr>
+          </a:lstStyle>
+          <a:p>
+            <a:pPr algn="r"/>
+            <a:r>
+              <a:rPr lang="ko-KR" altLang="en-US" sz="5000" dirty="0"/>
+              <a:t>게임 컨셉</a:t>
+            </a:r>
+            <a:r>
+              <a:rPr lang="en-US" altLang="ko-KR" sz="5000" dirty="0"/>
+              <a:t>(</a:t>
+            </a:r>
+            <a:r>
+              <a:rPr lang="ko-KR" altLang="en-US" sz="5000" dirty="0"/>
+              <a:t>사운드</a:t>
+            </a:r>
+            <a:r>
+              <a:rPr lang="en-US" altLang="ko-KR" sz="5000" dirty="0"/>
+              <a:t>)</a:t>
+            </a:r>
+            <a:endParaRPr lang="ko-KR" altLang="en-US" sz="5000" dirty="0"/>
+          </a:p>
+        </p:txBody>
+      </p:sp>
+      <p:sp>
+        <p:nvSpPr>
+          <p:cNvPr id="6" name="제목 1">
+            <a:extLst>
+              <a:ext uri="{FF2B5EF4-FFF2-40B4-BE49-F238E27FC236}">
+                <a16:creationId xmlns:a16="http://schemas.microsoft.com/office/drawing/2014/main" id="{D60C5B4F-F1C5-B75A-116B-B8A102E11413}"/>
+              </a:ext>
+            </a:extLst>
+          </p:cNvPr>
+          <p:cNvSpPr txBox="1">
+            <a:spLocks/>
+          </p:cNvSpPr>
+          <p:nvPr/>
+        </p:nvSpPr>
+        <p:spPr>
+          <a:xfrm>
+            <a:off x="550200" y="1653725"/>
+            <a:ext cx="11006800" cy="525993"/>
+          </a:xfrm>
+          <a:prstGeom prst="rect">
+            <a:avLst/>
+          </a:prstGeom>
+        </p:spPr>
+        <p:txBody>
+          <a:bodyPr vert="horz" wrap="square" lIns="0" tIns="0" rIns="0" bIns="0" rtlCol="0" anchor="t" anchorCtr="0">
+            <a:normAutofit/>
+          </a:bodyPr>
+          <a:lstStyle>
+            <a:lvl1pPr algn="l" defTabSz="914400" rtl="0" eaLnBrk="1" latinLnBrk="0" hangingPunct="1">
+              <a:lnSpc>
+                <a:spcPct val="110000"/>
+              </a:lnSpc>
+              <a:spcBef>
+                <a:spcPct val="0"/>
+              </a:spcBef>
+              <a:buNone/>
+              <a:defRPr lang="en-US" sz="4800" kern="1200" spc="160" dirty="0">
+                <a:solidFill>
+                  <a:schemeClr val="tx1"/>
+                </a:solidFill>
+                <a:latin typeface="+mj-lt"/>
+                <a:ea typeface="+mj-ea"/>
+                <a:cs typeface="+mj-cs"/>
+              </a:defRPr>
+            </a:lvl1pPr>
+          </a:lstStyle>
+          <a:p>
+            <a:endParaRPr lang="ko-KR" altLang="en-US" sz="3000" dirty="0"/>
+          </a:p>
+        </p:txBody>
+      </p:sp>
+    </p:spTree>
+    <p:extLst>
+      <p:ext uri="{BB962C8B-B14F-4D97-AF65-F5344CB8AC3E}">
+        <p14:creationId xmlns:p14="http://schemas.microsoft.com/office/powerpoint/2010/main" val="4158928434"/>
+      </p:ext>
+    </p:extLst>
+  </p:cSld>
+  <p:clrMapOvr>
+    <a:masterClrMapping/>
+  </p:clrMapOvr>
+</p:sld>
+</file>
+
+<file path=ppt/slides/slide9.xml><?xml version="1.0" encoding="utf-8"?>
+<p:sld xmlns:a="http://schemas.openxmlformats.org/drawingml/2006/main" xmlns:r="http://schemas.openxmlformats.org/officeDocument/2006/relationships" xmlns:p="http://schemas.openxmlformats.org/presentationml/2006/main">
+  <p:cSld>
+    <p:spTree>
+      <p:nvGrpSpPr>
+        <p:cNvPr id="1" name=""/>
+        <p:cNvGrpSpPr/>
+        <p:nvPr/>
+      </p:nvGrpSpPr>
+      <p:grpSpPr>
+        <a:xfrm>
+          <a:off x="0" y="0"/>
+          <a:ext cx="0" cy="0"/>
+          <a:chOff x="0" y="0"/>
+          <a:chExt cx="0" cy="0"/>
+        </a:xfrm>
+      </p:grpSpPr>
+      <p:sp>
+        <p:nvSpPr>
+          <p:cNvPr id="5" name="제목 1">
+            <a:extLst>
+              <a:ext uri="{FF2B5EF4-FFF2-40B4-BE49-F238E27FC236}">
+                <a16:creationId xmlns:a16="http://schemas.microsoft.com/office/drawing/2014/main" id="{787EF0B3-74DC-E882-7985-4A90A7C63AAC}"/>
+              </a:ext>
+            </a:extLst>
+          </p:cNvPr>
+          <p:cNvSpPr txBox="1">
+            <a:spLocks/>
+          </p:cNvSpPr>
+          <p:nvPr/>
+        </p:nvSpPr>
+        <p:spPr>
+          <a:xfrm>
             <a:off x="561773" y="769356"/>
             <a:ext cx="5329741" cy="754592"/>
           </a:xfrm>
@@ -14362,204 +14887,6 @@
     <p:extLst>
       <p:ext uri="{BB962C8B-B14F-4D97-AF65-F5344CB8AC3E}">
         <p14:creationId xmlns:p14="http://schemas.microsoft.com/office/powerpoint/2010/main" val="1846439799"/>
-      </p:ext>
-    </p:extLst>
-  </p:cSld>
-  <p:clrMapOvr>
-    <a:masterClrMapping/>
-  </p:clrMapOvr>
-</p:sld>
-</file>
-
-<file path=ppt/slides/slide9.xml><?xml version="1.0" encoding="utf-8"?>
-<p:sld xmlns:a="http://schemas.openxmlformats.org/drawingml/2006/main" xmlns:r="http://schemas.openxmlformats.org/officeDocument/2006/relationships" xmlns:p="http://schemas.openxmlformats.org/presentationml/2006/main">
-  <p:cSld>
-    <p:spTree>
-      <p:nvGrpSpPr>
-        <p:cNvPr id="1" name=""/>
-        <p:cNvGrpSpPr/>
-        <p:nvPr/>
-      </p:nvGrpSpPr>
-      <p:grpSpPr>
-        <a:xfrm>
-          <a:off x="0" y="0"/>
-          <a:ext cx="0" cy="0"/>
-          <a:chOff x="0" y="0"/>
-          <a:chExt cx="0" cy="0"/>
-        </a:xfrm>
-      </p:grpSpPr>
-      <p:sp>
-        <p:nvSpPr>
-          <p:cNvPr id="2" name="제목 1">
-            <a:extLst>
-              <a:ext uri="{FF2B5EF4-FFF2-40B4-BE49-F238E27FC236}">
-                <a16:creationId xmlns:a16="http://schemas.microsoft.com/office/drawing/2014/main" id="{7B2E3A79-41DF-C0FE-CFAA-BCB5A42209EE}"/>
-              </a:ext>
-            </a:extLst>
-          </p:cNvPr>
-          <p:cNvSpPr>
-            <a:spLocks noGrp="1"/>
-          </p:cNvSpPr>
-          <p:nvPr>
-            <p:ph type="title"/>
-          </p:nvPr>
-        </p:nvSpPr>
-        <p:spPr>
-          <a:xfrm>
-            <a:off x="1226871" y="1710266"/>
-            <a:ext cx="10483324" cy="4858367"/>
-          </a:xfrm>
-        </p:spPr>
-        <p:txBody>
-          <a:bodyPr>
-            <a:normAutofit/>
-          </a:bodyPr>
-          <a:lstStyle/>
-          <a:p>
-            <a:r>
-              <a:rPr lang="ko-KR" altLang="en-US" sz="2000" dirty="0" err="1"/>
-              <a:t>닉스가</a:t>
-            </a:r>
-            <a:r>
-              <a:rPr lang="ko-KR" altLang="en-US" sz="2000" dirty="0"/>
-              <a:t> 힘을 잃어버려 </a:t>
-            </a:r>
-            <a:r>
-              <a:rPr lang="ko-KR" altLang="en-US" sz="2000" dirty="0" err="1"/>
-              <a:t>닉스가</a:t>
-            </a:r>
-            <a:r>
-              <a:rPr lang="ko-KR" altLang="en-US" sz="2000" dirty="0"/>
-              <a:t> 가지고 있던 어둠이 세상에 내려 앉았다</a:t>
-            </a:r>
-            <a:r>
-              <a:rPr lang="en-US" altLang="ko-KR" sz="2000" dirty="0"/>
-              <a:t>.</a:t>
-            </a:r>
-            <a:br>
-              <a:rPr lang="en-US" altLang="ko-KR" sz="2000" dirty="0"/>
-            </a:br>
-            <a:br>
-              <a:rPr lang="en-US" altLang="ko-KR" sz="2000" dirty="0"/>
-            </a:br>
-            <a:br>
-              <a:rPr lang="en-US" altLang="ko-KR" sz="2000" dirty="0"/>
-            </a:br>
-            <a:br>
-              <a:rPr lang="en-US" altLang="ko-KR" sz="2000" dirty="0"/>
-            </a:br>
-            <a:br>
-              <a:rPr lang="en-US" altLang="ko-KR" sz="2000" dirty="0"/>
-            </a:br>
-            <a:br>
-              <a:rPr lang="en-US" altLang="ko-KR" sz="2000" dirty="0"/>
-            </a:br>
-            <a:br>
-              <a:rPr lang="en-US" altLang="ko-KR" sz="2000" dirty="0"/>
-            </a:br>
-            <a:br>
-              <a:rPr lang="en-US" altLang="ko-KR" sz="2000" dirty="0"/>
-            </a:br>
-            <a:br>
-              <a:rPr lang="en-US" altLang="ko-KR" sz="2000" dirty="0"/>
-            </a:br>
-            <a:br>
-              <a:rPr lang="en-US" altLang="ko-KR" sz="2000" dirty="0"/>
-            </a:br>
-            <a:endParaRPr lang="ko-KR" altLang="en-US" sz="2000" dirty="0"/>
-          </a:p>
-        </p:txBody>
-      </p:sp>
-      <p:sp>
-        <p:nvSpPr>
-          <p:cNvPr id="4" name="제목 1">
-            <a:extLst>
-              <a:ext uri="{FF2B5EF4-FFF2-40B4-BE49-F238E27FC236}">
-                <a16:creationId xmlns:a16="http://schemas.microsoft.com/office/drawing/2014/main" id="{8E2E0E5E-C494-5952-9A4E-98B51E4DFDCD}"/>
-              </a:ext>
-            </a:extLst>
-          </p:cNvPr>
-          <p:cNvSpPr txBox="1">
-            <a:spLocks/>
-          </p:cNvSpPr>
-          <p:nvPr/>
-        </p:nvSpPr>
-        <p:spPr>
-          <a:xfrm>
-            <a:off x="1165533" y="752305"/>
-            <a:ext cx="8712995" cy="859366"/>
-          </a:xfrm>
-          <a:prstGeom prst="rect">
-            <a:avLst/>
-          </a:prstGeom>
-        </p:spPr>
-        <p:txBody>
-          <a:bodyPr vert="horz" wrap="square" lIns="0" tIns="0" rIns="0" bIns="0" rtlCol="0" anchor="t" anchorCtr="0">
-            <a:noAutofit/>
-          </a:bodyPr>
-          <a:lstStyle>
-            <a:lvl1pPr algn="l" defTabSz="914400" rtl="0" eaLnBrk="1" latinLnBrk="0" hangingPunct="1">
-              <a:lnSpc>
-                <a:spcPct val="110000"/>
-              </a:lnSpc>
-              <a:spcBef>
-                <a:spcPct val="0"/>
-              </a:spcBef>
-              <a:buNone/>
-              <a:defRPr lang="en-US" sz="4800" kern="1200" spc="160" dirty="0">
-                <a:solidFill>
-                  <a:schemeClr val="tx1"/>
-                </a:solidFill>
-                <a:latin typeface="+mj-lt"/>
-                <a:ea typeface="+mj-ea"/>
-                <a:cs typeface="+mj-cs"/>
-              </a:defRPr>
-            </a:lvl1pPr>
-          </a:lstStyle>
-          <a:p>
-            <a:r>
-              <a:rPr lang="ko-KR" altLang="en-US" sz="5000" dirty="0"/>
-              <a:t>세계관</a:t>
-            </a:r>
-          </a:p>
-        </p:txBody>
-      </p:sp>
-      <p:sp>
-        <p:nvSpPr>
-          <p:cNvPr id="3" name="TextBox 2">
-            <a:extLst>
-              <a:ext uri="{FF2B5EF4-FFF2-40B4-BE49-F238E27FC236}">
-                <a16:creationId xmlns:a16="http://schemas.microsoft.com/office/drawing/2014/main" id="{6627D5FA-7165-9CE5-0975-2A69C2C0F0CB}"/>
-              </a:ext>
-            </a:extLst>
-          </p:cNvPr>
-          <p:cNvSpPr txBox="1"/>
-          <p:nvPr/>
-        </p:nvSpPr>
-        <p:spPr>
-          <a:xfrm>
-            <a:off x="3267307" y="997322"/>
-            <a:ext cx="5146288" cy="369332"/>
-          </a:xfrm>
-          <a:prstGeom prst="rect">
-            <a:avLst/>
-          </a:prstGeom>
-          <a:noFill/>
-        </p:spPr>
-        <p:txBody>
-          <a:bodyPr wrap="square" rtlCol="0">
-            <a:spAutoFit/>
-          </a:bodyPr>
-          <a:lstStyle/>
-          <a:p>
-            <a:endParaRPr lang="ko-KR" altLang="en-US" dirty="0"/>
-          </a:p>
-        </p:txBody>
-      </p:sp>
-    </p:spTree>
-    <p:extLst>
-      <p:ext uri="{BB962C8B-B14F-4D97-AF65-F5344CB8AC3E}">
-        <p14:creationId xmlns:p14="http://schemas.microsoft.com/office/powerpoint/2010/main" val="2120633588"/>
       </p:ext>
     </p:extLst>
   </p:cSld>
